--- a/Presentation.pptx
+++ b/Presentation.pptx
@@ -5,7 +5,7 @@
     <p:sldMasterId id="2147483648" r:id="rId1"/>
   </p:sldMasterIdLst>
   <p:notesMasterIdLst>
-    <p:notesMasterId r:id="rId30"/>
+    <p:notesMasterId r:id="rId33"/>
   </p:notesMasterIdLst>
   <p:sldIdLst>
     <p:sldId id="256" r:id="rId2"/>
@@ -27,15 +27,18 @@
     <p:sldId id="279" r:id="rId18"/>
     <p:sldId id="280" r:id="rId19"/>
     <p:sldId id="265" r:id="rId20"/>
-    <p:sldId id="266" r:id="rId21"/>
-    <p:sldId id="267" r:id="rId22"/>
-    <p:sldId id="268" r:id="rId23"/>
-    <p:sldId id="271" r:id="rId24"/>
-    <p:sldId id="269" r:id="rId25"/>
-    <p:sldId id="273" r:id="rId26"/>
-    <p:sldId id="276" r:id="rId27"/>
-    <p:sldId id="272" r:id="rId28"/>
-    <p:sldId id="275" r:id="rId29"/>
+    <p:sldId id="285" r:id="rId21"/>
+    <p:sldId id="286" r:id="rId22"/>
+    <p:sldId id="266" r:id="rId23"/>
+    <p:sldId id="267" r:id="rId24"/>
+    <p:sldId id="268" r:id="rId25"/>
+    <p:sldId id="287" r:id="rId26"/>
+    <p:sldId id="271" r:id="rId27"/>
+    <p:sldId id="269" r:id="rId28"/>
+    <p:sldId id="273" r:id="rId29"/>
+    <p:sldId id="276" r:id="rId30"/>
+    <p:sldId id="272" r:id="rId31"/>
+    <p:sldId id="275" r:id="rId32"/>
   </p:sldIdLst>
   <p:sldSz cx="12192000" cy="6858000"/>
   <p:notesSz cx="6858000" cy="9144000"/>
@@ -162,6 +165,8 @@
             <p14:sldId id="279"/>
             <p14:sldId id="280"/>
             <p14:sldId id="265"/>
+            <p14:sldId id="285"/>
+            <p14:sldId id="286"/>
           </p14:sldIdLst>
         </p14:section>
         <p14:section name="Changing state" id="{EB718D53-E68C-4887-895E-3CE3837D7091}">
@@ -169,6 +174,7 @@
             <p14:sldId id="266"/>
             <p14:sldId id="267"/>
             <p14:sldId id="268"/>
+            <p14:sldId id="287"/>
           </p14:sldIdLst>
         </p14:section>
         <p14:section name="Immutable Collections" id="{BD271765-8901-440F-B6FD-E85F5ED6C5D7}">
@@ -1144,7 +1150,7 @@
           <a:p>
             <a:fld id="{516C5DDC-7799-4ACC-A213-90C50CBCB02D}" type="slidenum">
               <a:rPr lang="en-US" smtClean="0"/>
-              <a:t>20</a:t>
+              <a:t>22</a:t>
             </a:fld>
             <a:endParaRPr lang="en-US"/>
           </a:p>
@@ -1244,7 +1250,7 @@
           <a:p>
             <a:fld id="{516C5DDC-7799-4ACC-A213-90C50CBCB02D}" type="slidenum">
               <a:rPr lang="en-US" smtClean="0"/>
-              <a:t>21</a:t>
+              <a:t>23</a:t>
             </a:fld>
             <a:endParaRPr lang="en-US"/>
           </a:p>
@@ -1372,7 +1378,7 @@
           <a:p>
             <a:fld id="{516C5DDC-7799-4ACC-A213-90C50CBCB02D}" type="slidenum">
               <a:rPr lang="en-US" smtClean="0"/>
-              <a:t>22</a:t>
+              <a:t>24</a:t>
             </a:fld>
             <a:endParaRPr lang="en-US"/>
           </a:p>
@@ -1474,7 +1480,7 @@
           <a:p>
             <a:fld id="{516C5DDC-7799-4ACC-A213-90C50CBCB02D}" type="slidenum">
               <a:rPr lang="en-US" smtClean="0"/>
-              <a:t>23</a:t>
+              <a:t>26</a:t>
             </a:fld>
             <a:endParaRPr lang="en-US"/>
           </a:p>
@@ -1577,7 +1583,7 @@
           <a:p>
             <a:fld id="{516C5DDC-7799-4ACC-A213-90C50CBCB02D}" type="slidenum">
               <a:rPr lang="en-US" smtClean="0"/>
-              <a:t>24</a:t>
+              <a:t>27</a:t>
             </a:fld>
             <a:endParaRPr lang="en-US"/>
           </a:p>
@@ -1677,7 +1683,7 @@
           <a:p>
             <a:fld id="{516C5DDC-7799-4ACC-A213-90C50CBCB02D}" type="slidenum">
               <a:rPr lang="en-US" smtClean="0"/>
-              <a:t>25</a:t>
+              <a:t>28</a:t>
             </a:fld>
             <a:endParaRPr lang="en-US"/>
           </a:p>
@@ -1890,7 +1896,7 @@
           <a:p>
             <a:fld id="{516C5DDC-7799-4ACC-A213-90C50CBCB02D}" type="slidenum">
               <a:rPr lang="en-US" smtClean="0"/>
-              <a:t>26</a:t>
+              <a:t>29</a:t>
             </a:fld>
             <a:endParaRPr lang="en-US"/>
           </a:p>
@@ -2005,7 +2011,7 @@
           <a:p>
             <a:fld id="{516C5DDC-7799-4ACC-A213-90C50CBCB02D}" type="slidenum">
               <a:rPr lang="en-US" smtClean="0"/>
-              <a:t>27</a:t>
+              <a:t>30</a:t>
             </a:fld>
             <a:endParaRPr lang="en-US"/>
           </a:p>
@@ -2114,7 +2120,7 @@
           <a:p>
             <a:fld id="{516C5DDC-7799-4ACC-A213-90C50CBCB02D}" type="slidenum">
               <a:rPr lang="en-US" smtClean="0"/>
-              <a:t>28</a:t>
+              <a:t>31</a:t>
             </a:fld>
             <a:endParaRPr lang="en-US"/>
           </a:p>
@@ -12371,7 +12377,7 @@
             <a:r>
               <a:rPr lang="en-US" sz="2000" dirty="0" err="1">
                 <a:solidFill>
-                  <a:srgbClr val="000000"/>
+                  <a:srgbClr val="2B91AF"/>
                 </a:solidFill>
                 <a:latin typeface="Consolas" panose="020B0609020204030204" pitchFamily="49" charset="0"/>
               </a:rPr>
@@ -12773,13 +12779,7 @@
       </p:grpSpPr>
       <p:sp>
         <p:nvSpPr>
-          <p:cNvPr id="2" name="Title 1">
-            <a:extLst>
-              <a:ext uri="{FF2B5EF4-FFF2-40B4-BE49-F238E27FC236}">
-                <a16:creationId xmlns:a16="http://schemas.microsoft.com/office/drawing/2014/main" id="{20C3DC74-6C50-4957-9384-848EDDF556B3}"/>
-              </a:ext>
-            </a:extLst>
-          </p:cNvPr>
+          <p:cNvPr id="2" name="Title 1"/>
           <p:cNvSpPr>
             <a:spLocks noGrp="1"/>
           </p:cNvSpPr>
@@ -12794,33 +12794,30 @@
           <a:p>
             <a:r>
               <a:rPr lang="en-US" dirty="0"/>
-              <a:t>The </a:t>
-            </a:r>
-            <a:r>
-              <a:rPr lang="en-US" dirty="0" err="1"/>
-              <a:t>Codless</a:t>
-            </a:r>
-            <a:r>
-              <a:rPr lang="en-US" dirty="0"/>
-              <a:t> Code. Case 96 Stateless</a:t>
-            </a:r>
+              <a:t>Immutable interface mutable </a:t>
+            </a:r>
+            <a:r>
+              <a:rPr lang="en-US" dirty="0" smtClean="0"/>
+              <a:t>implementation</a:t>
+            </a:r>
+            <a:r>
+              <a:rPr lang="en-US" dirty="0" smtClean="0">
+                <a:sym typeface="Wingdings" panose="05000000000000000000" pitchFamily="2" charset="2"/>
+              </a:rPr>
+              <a:t></a:t>
+            </a:r>
+            <a:endParaRPr lang="ru-RU" dirty="0"/>
           </a:p>
         </p:txBody>
       </p:sp>
       <p:sp>
         <p:nvSpPr>
-          <p:cNvPr id="5" name="Content Placeholder 4">
-            <a:extLst>
-              <a:ext uri="{FF2B5EF4-FFF2-40B4-BE49-F238E27FC236}">
-                <a16:creationId xmlns:a16="http://schemas.microsoft.com/office/drawing/2014/main" id="{794B85E9-070D-4F15-A663-D7D8798C8510}"/>
-              </a:ext>
-            </a:extLst>
-          </p:cNvPr>
+          <p:cNvPr id="3" name="Content Placeholder 2"/>
           <p:cNvSpPr>
             <a:spLocks noGrp="1"/>
           </p:cNvSpPr>
           <p:nvPr>
-            <p:ph idx="1"/>
+            <p:ph sz="half" idx="1"/>
           </p:nvPr>
         </p:nvSpPr>
         <p:spPr/>
@@ -12834,69 +12831,1344 @@
               <a:buNone/>
             </a:pPr>
             <a:r>
-              <a:rPr lang="en-US" dirty="0"/>
-              <a:t>It is the duty of every monk to call upon master </a:t>
-            </a:r>
-            <a:r>
-              <a:rPr lang="en-US" dirty="0" err="1"/>
-              <a:t>Kaimu</a:t>
-            </a:r>
-            <a:r>
-              <a:rPr lang="en-US" dirty="0"/>
-              <a:t> at least once during their time at the temple. When the master opens his door the monk must bow and ask: “What is the great joy of stateless services?”</a:t>
-            </a:r>
-          </a:p>
-          <a:p>
-            <a:pPr marL="0" indent="0">
-              <a:buNone/>
-            </a:pPr>
-            <a:r>
-              <a:rPr lang="en-US" dirty="0"/>
-              <a:t>Without fail master </a:t>
-            </a:r>
-            <a:r>
-              <a:rPr lang="en-US" dirty="0" err="1"/>
-              <a:t>Kaimu</a:t>
-            </a:r>
-            <a:r>
-              <a:rPr lang="en-US" dirty="0"/>
-              <a:t> will reply: “Ten thousand guests fed by a single grain of rice.”</a:t>
-            </a:r>
-          </a:p>
-          <a:p>
-            <a:pPr marL="0" indent="0">
-              <a:buNone/>
-            </a:pPr>
-            <a:r>
-              <a:rPr lang="en-US" dirty="0"/>
-              <a:t>The monk must then ask: “And what is the great sorrow?”</a:t>
-            </a:r>
-          </a:p>
-          <a:p>
-            <a:pPr marL="0" indent="0">
-              <a:buNone/>
-            </a:pPr>
-            <a:r>
-              <a:rPr lang="en-US" dirty="0" err="1"/>
-              <a:t>Kaimu</a:t>
-            </a:r>
-            <a:r>
-              <a:rPr lang="en-US" dirty="0"/>
-              <a:t> will reply: “The great sorrow of what?”</a:t>
-            </a:r>
+              <a:rPr lang="en-US" sz="1600" dirty="0" smtClean="0">
+                <a:solidFill>
+                  <a:srgbClr val="0000FF"/>
+                </a:solidFill>
+                <a:latin typeface="Consolas" panose="020B0609020204030204" pitchFamily="49" charset="0"/>
+              </a:rPr>
+              <a:t>class</a:t>
+            </a:r>
+            <a:r>
+              <a:rPr lang="en-US" sz="1600" dirty="0" smtClean="0">
+                <a:solidFill>
+                  <a:srgbClr val="000000"/>
+                </a:solidFill>
+                <a:latin typeface="Consolas" panose="020B0609020204030204" pitchFamily="49" charset="0"/>
+              </a:rPr>
+              <a:t> </a:t>
+            </a:r>
+            <a:r>
+              <a:rPr lang="en-US" sz="1600" dirty="0" err="1" smtClean="0">
+                <a:solidFill>
+                  <a:srgbClr val="2B91AF"/>
+                </a:solidFill>
+                <a:latin typeface="Consolas" panose="020B0609020204030204" pitchFamily="49" charset="0"/>
+              </a:rPr>
+              <a:t>RealEntity</a:t>
+            </a:r>
+            <a:r>
+              <a:rPr lang="en-US" sz="1600" dirty="0" smtClean="0">
+                <a:solidFill>
+                  <a:srgbClr val="2B91AF"/>
+                </a:solidFill>
+                <a:latin typeface="Consolas" panose="020B0609020204030204" pitchFamily="49" charset="0"/>
+              </a:rPr>
+              <a:t> </a:t>
+            </a:r>
+            <a:r>
+              <a:rPr lang="en-US" sz="1600" dirty="0">
+                <a:solidFill>
+                  <a:srgbClr val="2B91AF"/>
+                </a:solidFill>
+                <a:latin typeface="Consolas" panose="020B0609020204030204" pitchFamily="49" charset="0"/>
+              </a:rPr>
+              <a:t>: </a:t>
+            </a:r>
+            <a:r>
+              <a:rPr lang="en-US" sz="1600" dirty="0" err="1">
+                <a:solidFill>
+                  <a:srgbClr val="2B91AF"/>
+                </a:solidFill>
+                <a:latin typeface="Consolas" panose="020B0609020204030204" pitchFamily="49" charset="0"/>
+              </a:rPr>
+              <a:t>IRealEntity</a:t>
+            </a:r>
+            <a:endParaRPr lang="en-US" sz="1600" dirty="0">
+              <a:solidFill>
+                <a:srgbClr val="000000"/>
+              </a:solidFill>
+              <a:latin typeface="Consolas" panose="020B0609020204030204" pitchFamily="49" charset="0"/>
+            </a:endParaRPr>
+          </a:p>
+          <a:p>
+            <a:pPr marL="0" indent="0">
+              <a:buNone/>
+            </a:pPr>
+            <a:r>
+              <a:rPr lang="ru-RU" sz="1600" dirty="0" smtClean="0">
+                <a:solidFill>
+                  <a:srgbClr val="000000"/>
+                </a:solidFill>
+                <a:latin typeface="Consolas" panose="020B0609020204030204" pitchFamily="49" charset="0"/>
+              </a:rPr>
+              <a:t>{</a:t>
+            </a:r>
+            <a:endParaRPr lang="ru-RU" sz="1600" dirty="0">
+              <a:solidFill>
+                <a:srgbClr val="000000"/>
+              </a:solidFill>
+              <a:latin typeface="Consolas" panose="020B0609020204030204" pitchFamily="49" charset="0"/>
+            </a:endParaRPr>
+          </a:p>
+          <a:p>
+            <a:pPr marL="0" indent="0">
+              <a:buNone/>
+            </a:pPr>
+            <a:r>
+              <a:rPr lang="en-US" sz="1600" dirty="0" smtClean="0">
+                <a:solidFill>
+                  <a:srgbClr val="0000FF"/>
+                </a:solidFill>
+                <a:latin typeface="Consolas" panose="020B0609020204030204" pitchFamily="49" charset="0"/>
+              </a:rPr>
+              <a:t>    public</a:t>
+            </a:r>
+            <a:r>
+              <a:rPr lang="en-US" sz="1600" dirty="0" smtClean="0">
+                <a:solidFill>
+                  <a:srgbClr val="000000"/>
+                </a:solidFill>
+                <a:latin typeface="Consolas" panose="020B0609020204030204" pitchFamily="49" charset="0"/>
+              </a:rPr>
+              <a:t> </a:t>
+            </a:r>
+            <a:r>
+              <a:rPr lang="en-US" sz="1600" dirty="0" err="1">
+                <a:solidFill>
+                  <a:srgbClr val="0000FF"/>
+                </a:solidFill>
+                <a:latin typeface="Consolas" panose="020B0609020204030204" pitchFamily="49" charset="0"/>
+              </a:rPr>
+              <a:t>int</a:t>
+            </a:r>
+            <a:r>
+              <a:rPr lang="en-US" sz="1600" dirty="0">
+                <a:solidFill>
+                  <a:srgbClr val="000000"/>
+                </a:solidFill>
+                <a:latin typeface="Consolas" panose="020B0609020204030204" pitchFamily="49" charset="0"/>
+              </a:rPr>
+              <a:t> Id { </a:t>
+            </a:r>
+            <a:r>
+              <a:rPr lang="en-US" sz="1600" dirty="0">
+                <a:solidFill>
+                  <a:srgbClr val="0000FF"/>
+                </a:solidFill>
+                <a:latin typeface="Consolas" panose="020B0609020204030204" pitchFamily="49" charset="0"/>
+              </a:rPr>
+              <a:t>get</a:t>
+            </a:r>
+            <a:r>
+              <a:rPr lang="en-US" sz="1600" dirty="0">
+                <a:solidFill>
+                  <a:srgbClr val="000000"/>
+                </a:solidFill>
+                <a:latin typeface="Consolas" panose="020B0609020204030204" pitchFamily="49" charset="0"/>
+              </a:rPr>
+              <a:t>; </a:t>
+            </a:r>
+            <a:r>
+              <a:rPr lang="en-US" sz="1600" dirty="0">
+                <a:solidFill>
+                  <a:srgbClr val="0000FF"/>
+                </a:solidFill>
+                <a:latin typeface="Consolas" panose="020B0609020204030204" pitchFamily="49" charset="0"/>
+              </a:rPr>
+              <a:t>set</a:t>
+            </a:r>
+            <a:r>
+              <a:rPr lang="en-US" sz="1600" dirty="0">
+                <a:solidFill>
+                  <a:srgbClr val="000000"/>
+                </a:solidFill>
+                <a:latin typeface="Consolas" panose="020B0609020204030204" pitchFamily="49" charset="0"/>
+              </a:rPr>
+              <a:t>; }</a:t>
+            </a:r>
+          </a:p>
+          <a:p>
+            <a:pPr marL="0" indent="0">
+              <a:buNone/>
+            </a:pPr>
+            <a:r>
+              <a:rPr lang="en-US" sz="1600" dirty="0" smtClean="0">
+                <a:solidFill>
+                  <a:srgbClr val="0000FF"/>
+                </a:solidFill>
+                <a:latin typeface="Consolas" panose="020B0609020204030204" pitchFamily="49" charset="0"/>
+              </a:rPr>
+              <a:t>    public</a:t>
+            </a:r>
+            <a:r>
+              <a:rPr lang="en-US" sz="1600" dirty="0" smtClean="0">
+                <a:solidFill>
+                  <a:srgbClr val="000000"/>
+                </a:solidFill>
+                <a:latin typeface="Consolas" panose="020B0609020204030204" pitchFamily="49" charset="0"/>
+              </a:rPr>
+              <a:t> </a:t>
+            </a:r>
+            <a:r>
+              <a:rPr lang="en-US" sz="1600" dirty="0">
+                <a:solidFill>
+                  <a:srgbClr val="0000FF"/>
+                </a:solidFill>
+                <a:latin typeface="Consolas" panose="020B0609020204030204" pitchFamily="49" charset="0"/>
+              </a:rPr>
+              <a:t>string</a:t>
+            </a:r>
+            <a:r>
+              <a:rPr lang="en-US" sz="1600" dirty="0">
+                <a:solidFill>
+                  <a:srgbClr val="000000"/>
+                </a:solidFill>
+                <a:latin typeface="Consolas" panose="020B0609020204030204" pitchFamily="49" charset="0"/>
+              </a:rPr>
+              <a:t> </a:t>
+            </a:r>
+            <a:r>
+              <a:rPr lang="en-US" sz="1600" dirty="0" err="1">
+                <a:solidFill>
+                  <a:srgbClr val="000000"/>
+                </a:solidFill>
+                <a:latin typeface="Consolas" panose="020B0609020204030204" pitchFamily="49" charset="0"/>
+              </a:rPr>
+              <a:t>FirstName</a:t>
+            </a:r>
+            <a:r>
+              <a:rPr lang="en-US" sz="1600" dirty="0">
+                <a:solidFill>
+                  <a:srgbClr val="000000"/>
+                </a:solidFill>
+                <a:latin typeface="Consolas" panose="020B0609020204030204" pitchFamily="49" charset="0"/>
+              </a:rPr>
+              <a:t> { </a:t>
+            </a:r>
+            <a:r>
+              <a:rPr lang="en-US" sz="1600" dirty="0">
+                <a:solidFill>
+                  <a:srgbClr val="0000FF"/>
+                </a:solidFill>
+                <a:latin typeface="Consolas" panose="020B0609020204030204" pitchFamily="49" charset="0"/>
+              </a:rPr>
+              <a:t>get</a:t>
+            </a:r>
+            <a:r>
+              <a:rPr lang="en-US" sz="1600" dirty="0">
+                <a:solidFill>
+                  <a:srgbClr val="000000"/>
+                </a:solidFill>
+                <a:latin typeface="Consolas" panose="020B0609020204030204" pitchFamily="49" charset="0"/>
+              </a:rPr>
+              <a:t>; </a:t>
+            </a:r>
+            <a:r>
+              <a:rPr lang="en-US" sz="1600" dirty="0">
+                <a:solidFill>
+                  <a:srgbClr val="0000FF"/>
+                </a:solidFill>
+                <a:latin typeface="Consolas" panose="020B0609020204030204" pitchFamily="49" charset="0"/>
+              </a:rPr>
+              <a:t>set</a:t>
+            </a:r>
+            <a:r>
+              <a:rPr lang="en-US" sz="1600" dirty="0">
+                <a:solidFill>
+                  <a:srgbClr val="000000"/>
+                </a:solidFill>
+                <a:latin typeface="Consolas" panose="020B0609020204030204" pitchFamily="49" charset="0"/>
+              </a:rPr>
+              <a:t>; }</a:t>
+            </a:r>
+          </a:p>
+          <a:p>
+            <a:pPr marL="0" indent="0">
+              <a:buNone/>
+            </a:pPr>
+            <a:r>
+              <a:rPr lang="en-US" sz="1600" dirty="0" smtClean="0">
+                <a:solidFill>
+                  <a:srgbClr val="0000FF"/>
+                </a:solidFill>
+                <a:latin typeface="Consolas" panose="020B0609020204030204" pitchFamily="49" charset="0"/>
+              </a:rPr>
+              <a:t>    public</a:t>
+            </a:r>
+            <a:r>
+              <a:rPr lang="en-US" sz="1600" dirty="0" smtClean="0">
+                <a:solidFill>
+                  <a:srgbClr val="000000"/>
+                </a:solidFill>
+                <a:latin typeface="Consolas" panose="020B0609020204030204" pitchFamily="49" charset="0"/>
+              </a:rPr>
+              <a:t> </a:t>
+            </a:r>
+            <a:r>
+              <a:rPr lang="en-US" sz="1600" dirty="0">
+                <a:solidFill>
+                  <a:srgbClr val="0000FF"/>
+                </a:solidFill>
+                <a:latin typeface="Consolas" panose="020B0609020204030204" pitchFamily="49" charset="0"/>
+              </a:rPr>
+              <a:t>string</a:t>
+            </a:r>
+            <a:r>
+              <a:rPr lang="en-US" sz="1600" dirty="0">
+                <a:solidFill>
+                  <a:srgbClr val="000000"/>
+                </a:solidFill>
+                <a:latin typeface="Consolas" panose="020B0609020204030204" pitchFamily="49" charset="0"/>
+              </a:rPr>
+              <a:t> </a:t>
+            </a:r>
+            <a:r>
+              <a:rPr lang="en-US" sz="1600" dirty="0" err="1">
+                <a:solidFill>
+                  <a:srgbClr val="000000"/>
+                </a:solidFill>
+                <a:latin typeface="Consolas" panose="020B0609020204030204" pitchFamily="49" charset="0"/>
+              </a:rPr>
+              <a:t>SecondName</a:t>
+            </a:r>
+            <a:r>
+              <a:rPr lang="en-US" sz="1600" dirty="0">
+                <a:solidFill>
+                  <a:srgbClr val="000000"/>
+                </a:solidFill>
+                <a:latin typeface="Consolas" panose="020B0609020204030204" pitchFamily="49" charset="0"/>
+              </a:rPr>
+              <a:t> { </a:t>
+            </a:r>
+            <a:r>
+              <a:rPr lang="en-US" sz="1600" dirty="0">
+                <a:solidFill>
+                  <a:srgbClr val="0000FF"/>
+                </a:solidFill>
+                <a:latin typeface="Consolas" panose="020B0609020204030204" pitchFamily="49" charset="0"/>
+              </a:rPr>
+              <a:t>get</a:t>
+            </a:r>
+            <a:r>
+              <a:rPr lang="en-US" sz="1600" dirty="0">
+                <a:solidFill>
+                  <a:srgbClr val="000000"/>
+                </a:solidFill>
+                <a:latin typeface="Consolas" panose="020B0609020204030204" pitchFamily="49" charset="0"/>
+              </a:rPr>
+              <a:t>; </a:t>
+            </a:r>
+            <a:r>
+              <a:rPr lang="en-US" sz="1600" dirty="0">
+                <a:solidFill>
+                  <a:srgbClr val="0000FF"/>
+                </a:solidFill>
+                <a:latin typeface="Consolas" panose="020B0609020204030204" pitchFamily="49" charset="0"/>
+              </a:rPr>
+              <a:t>set</a:t>
+            </a:r>
+            <a:r>
+              <a:rPr lang="en-US" sz="1600" dirty="0">
+                <a:solidFill>
+                  <a:srgbClr val="000000"/>
+                </a:solidFill>
+                <a:latin typeface="Consolas" panose="020B0609020204030204" pitchFamily="49" charset="0"/>
+              </a:rPr>
+              <a:t>; }</a:t>
+            </a:r>
+          </a:p>
+          <a:p>
+            <a:pPr marL="0" indent="0">
+              <a:buNone/>
+            </a:pPr>
+            <a:r>
+              <a:rPr lang="en-US" sz="1600" dirty="0" smtClean="0">
+                <a:solidFill>
+                  <a:srgbClr val="0000FF"/>
+                </a:solidFill>
+                <a:latin typeface="Consolas" panose="020B0609020204030204" pitchFamily="49" charset="0"/>
+              </a:rPr>
+              <a:t>    public</a:t>
+            </a:r>
+            <a:r>
+              <a:rPr lang="en-US" sz="1600" dirty="0" smtClean="0">
+                <a:solidFill>
+                  <a:srgbClr val="000000"/>
+                </a:solidFill>
+                <a:latin typeface="Consolas" panose="020B0609020204030204" pitchFamily="49" charset="0"/>
+              </a:rPr>
+              <a:t> </a:t>
+            </a:r>
+            <a:r>
+              <a:rPr lang="en-US" sz="1600" dirty="0">
+                <a:solidFill>
+                  <a:srgbClr val="0000FF"/>
+                </a:solidFill>
+                <a:latin typeface="Consolas" panose="020B0609020204030204" pitchFamily="49" charset="0"/>
+              </a:rPr>
+              <a:t>string</a:t>
+            </a:r>
+            <a:r>
+              <a:rPr lang="en-US" sz="1600" dirty="0">
+                <a:solidFill>
+                  <a:srgbClr val="000000"/>
+                </a:solidFill>
+                <a:latin typeface="Consolas" panose="020B0609020204030204" pitchFamily="49" charset="0"/>
+              </a:rPr>
+              <a:t> Role { </a:t>
+            </a:r>
+            <a:r>
+              <a:rPr lang="en-US" sz="1600" dirty="0">
+                <a:solidFill>
+                  <a:srgbClr val="0000FF"/>
+                </a:solidFill>
+                <a:latin typeface="Consolas" panose="020B0609020204030204" pitchFamily="49" charset="0"/>
+              </a:rPr>
+              <a:t>get</a:t>
+            </a:r>
+            <a:r>
+              <a:rPr lang="en-US" sz="1600" dirty="0">
+                <a:solidFill>
+                  <a:srgbClr val="000000"/>
+                </a:solidFill>
+                <a:latin typeface="Consolas" panose="020B0609020204030204" pitchFamily="49" charset="0"/>
+              </a:rPr>
+              <a:t>; </a:t>
+            </a:r>
+            <a:r>
+              <a:rPr lang="en-US" sz="1600" dirty="0">
+                <a:solidFill>
+                  <a:srgbClr val="0000FF"/>
+                </a:solidFill>
+                <a:latin typeface="Consolas" panose="020B0609020204030204" pitchFamily="49" charset="0"/>
+              </a:rPr>
+              <a:t>set</a:t>
+            </a:r>
+            <a:r>
+              <a:rPr lang="en-US" sz="1600" dirty="0">
+                <a:solidFill>
+                  <a:srgbClr val="000000"/>
+                </a:solidFill>
+                <a:latin typeface="Consolas" panose="020B0609020204030204" pitchFamily="49" charset="0"/>
+              </a:rPr>
+              <a:t>; }</a:t>
+            </a:r>
+          </a:p>
+          <a:p>
+            <a:pPr marL="0" indent="0">
+              <a:buNone/>
+            </a:pPr>
+            <a:r>
+              <a:rPr lang="en-US" sz="1600" dirty="0" smtClean="0">
+                <a:solidFill>
+                  <a:srgbClr val="0000FF"/>
+                </a:solidFill>
+                <a:latin typeface="Consolas" panose="020B0609020204030204" pitchFamily="49" charset="0"/>
+              </a:rPr>
+              <a:t>    public</a:t>
+            </a:r>
+            <a:r>
+              <a:rPr lang="en-US" sz="1600" dirty="0" smtClean="0">
+                <a:solidFill>
+                  <a:srgbClr val="000000"/>
+                </a:solidFill>
+                <a:latin typeface="Consolas" panose="020B0609020204030204" pitchFamily="49" charset="0"/>
+              </a:rPr>
+              <a:t> </a:t>
+            </a:r>
+            <a:r>
+              <a:rPr lang="en-US" sz="1600" dirty="0" err="1">
+                <a:solidFill>
+                  <a:srgbClr val="0000FF"/>
+                </a:solidFill>
+                <a:latin typeface="Consolas" panose="020B0609020204030204" pitchFamily="49" charset="0"/>
+              </a:rPr>
+              <a:t>int</a:t>
+            </a:r>
+            <a:r>
+              <a:rPr lang="en-US" sz="1600" dirty="0">
+                <a:solidFill>
+                  <a:srgbClr val="000000"/>
+                </a:solidFill>
+                <a:latin typeface="Consolas" panose="020B0609020204030204" pitchFamily="49" charset="0"/>
+              </a:rPr>
+              <a:t> Age { </a:t>
+            </a:r>
+            <a:r>
+              <a:rPr lang="en-US" sz="1600" dirty="0">
+                <a:solidFill>
+                  <a:srgbClr val="0000FF"/>
+                </a:solidFill>
+                <a:latin typeface="Consolas" panose="020B0609020204030204" pitchFamily="49" charset="0"/>
+              </a:rPr>
+              <a:t>get</a:t>
+            </a:r>
+            <a:r>
+              <a:rPr lang="en-US" sz="1600" dirty="0">
+                <a:solidFill>
+                  <a:srgbClr val="000000"/>
+                </a:solidFill>
+                <a:latin typeface="Consolas" panose="020B0609020204030204" pitchFamily="49" charset="0"/>
+              </a:rPr>
+              <a:t>; </a:t>
+            </a:r>
+            <a:r>
+              <a:rPr lang="en-US" sz="1600" dirty="0">
+                <a:solidFill>
+                  <a:srgbClr val="0000FF"/>
+                </a:solidFill>
+                <a:latin typeface="Consolas" panose="020B0609020204030204" pitchFamily="49" charset="0"/>
+              </a:rPr>
+              <a:t>set</a:t>
+            </a:r>
+            <a:r>
+              <a:rPr lang="en-US" sz="1600" dirty="0">
+                <a:solidFill>
+                  <a:srgbClr val="000000"/>
+                </a:solidFill>
+                <a:latin typeface="Consolas" panose="020B0609020204030204" pitchFamily="49" charset="0"/>
+              </a:rPr>
+              <a:t>; }</a:t>
+            </a:r>
+          </a:p>
+          <a:p>
+            <a:pPr marL="0" indent="0">
+              <a:buNone/>
+            </a:pPr>
+            <a:r>
+              <a:rPr lang="en-US" sz="1600" dirty="0" smtClean="0">
+                <a:solidFill>
+                  <a:srgbClr val="0000FF"/>
+                </a:solidFill>
+                <a:latin typeface="Consolas" panose="020B0609020204030204" pitchFamily="49" charset="0"/>
+              </a:rPr>
+              <a:t>    public</a:t>
+            </a:r>
+            <a:r>
+              <a:rPr lang="en-US" sz="1600" dirty="0" smtClean="0">
+                <a:solidFill>
+                  <a:srgbClr val="000000"/>
+                </a:solidFill>
+                <a:latin typeface="Consolas" panose="020B0609020204030204" pitchFamily="49" charset="0"/>
+              </a:rPr>
+              <a:t> </a:t>
+            </a:r>
+            <a:r>
+              <a:rPr lang="en-US" sz="1600" dirty="0" err="1">
+                <a:solidFill>
+                  <a:srgbClr val="0000FF"/>
+                </a:solidFill>
+                <a:latin typeface="Consolas" panose="020B0609020204030204" pitchFamily="49" charset="0"/>
+              </a:rPr>
+              <a:t>int</a:t>
+            </a:r>
+            <a:r>
+              <a:rPr lang="en-US" sz="1600" dirty="0">
+                <a:solidFill>
+                  <a:srgbClr val="000000"/>
+                </a:solidFill>
+                <a:latin typeface="Consolas" panose="020B0609020204030204" pitchFamily="49" charset="0"/>
+              </a:rPr>
+              <a:t> Pin { </a:t>
+            </a:r>
+            <a:r>
+              <a:rPr lang="en-US" sz="1600" dirty="0">
+                <a:solidFill>
+                  <a:srgbClr val="0000FF"/>
+                </a:solidFill>
+                <a:latin typeface="Consolas" panose="020B0609020204030204" pitchFamily="49" charset="0"/>
+              </a:rPr>
+              <a:t>get</a:t>
+            </a:r>
+            <a:r>
+              <a:rPr lang="en-US" sz="1600" dirty="0">
+                <a:solidFill>
+                  <a:srgbClr val="000000"/>
+                </a:solidFill>
+                <a:latin typeface="Consolas" panose="020B0609020204030204" pitchFamily="49" charset="0"/>
+              </a:rPr>
+              <a:t>; </a:t>
+            </a:r>
+            <a:r>
+              <a:rPr lang="en-US" sz="1600" dirty="0">
+                <a:solidFill>
+                  <a:srgbClr val="0000FF"/>
+                </a:solidFill>
+                <a:latin typeface="Consolas" panose="020B0609020204030204" pitchFamily="49" charset="0"/>
+              </a:rPr>
+              <a:t>set</a:t>
+            </a:r>
+            <a:r>
+              <a:rPr lang="en-US" sz="1600" dirty="0">
+                <a:solidFill>
+                  <a:srgbClr val="000000"/>
+                </a:solidFill>
+                <a:latin typeface="Consolas" panose="020B0609020204030204" pitchFamily="49" charset="0"/>
+              </a:rPr>
+              <a:t>; }</a:t>
+            </a:r>
+          </a:p>
+          <a:p>
+            <a:pPr marL="0" indent="0">
+              <a:buNone/>
+            </a:pPr>
+            <a:r>
+              <a:rPr lang="en-US" sz="1600" dirty="0" smtClean="0">
+                <a:solidFill>
+                  <a:srgbClr val="0000FF"/>
+                </a:solidFill>
+                <a:latin typeface="Consolas" panose="020B0609020204030204" pitchFamily="49" charset="0"/>
+              </a:rPr>
+              <a:t>    public</a:t>
+            </a:r>
+            <a:r>
+              <a:rPr lang="en-US" sz="1600" dirty="0" smtClean="0">
+                <a:solidFill>
+                  <a:srgbClr val="000000"/>
+                </a:solidFill>
+                <a:latin typeface="Consolas" panose="020B0609020204030204" pitchFamily="49" charset="0"/>
+              </a:rPr>
+              <a:t> </a:t>
+            </a:r>
+            <a:r>
+              <a:rPr lang="en-US" sz="1600" dirty="0">
+                <a:solidFill>
+                  <a:srgbClr val="0000FF"/>
+                </a:solidFill>
+                <a:latin typeface="Consolas" panose="020B0609020204030204" pitchFamily="49" charset="0"/>
+              </a:rPr>
+              <a:t>string</a:t>
+            </a:r>
+            <a:r>
+              <a:rPr lang="en-US" sz="1600" dirty="0">
+                <a:solidFill>
+                  <a:srgbClr val="000000"/>
+                </a:solidFill>
+                <a:latin typeface="Consolas" panose="020B0609020204030204" pitchFamily="49" charset="0"/>
+              </a:rPr>
+              <a:t> Address { </a:t>
+            </a:r>
+            <a:r>
+              <a:rPr lang="en-US" sz="1600" dirty="0">
+                <a:solidFill>
+                  <a:srgbClr val="0000FF"/>
+                </a:solidFill>
+                <a:latin typeface="Consolas" panose="020B0609020204030204" pitchFamily="49" charset="0"/>
+              </a:rPr>
+              <a:t>get</a:t>
+            </a:r>
+            <a:r>
+              <a:rPr lang="en-US" sz="1600" dirty="0">
+                <a:solidFill>
+                  <a:srgbClr val="000000"/>
+                </a:solidFill>
+                <a:latin typeface="Consolas" panose="020B0609020204030204" pitchFamily="49" charset="0"/>
+              </a:rPr>
+              <a:t>; </a:t>
+            </a:r>
+            <a:r>
+              <a:rPr lang="en-US" sz="1600" dirty="0">
+                <a:solidFill>
+                  <a:srgbClr val="0000FF"/>
+                </a:solidFill>
+                <a:latin typeface="Consolas" panose="020B0609020204030204" pitchFamily="49" charset="0"/>
+              </a:rPr>
+              <a:t>set</a:t>
+            </a:r>
+            <a:r>
+              <a:rPr lang="en-US" sz="1600" dirty="0">
+                <a:solidFill>
+                  <a:srgbClr val="000000"/>
+                </a:solidFill>
+                <a:latin typeface="Consolas" panose="020B0609020204030204" pitchFamily="49" charset="0"/>
+              </a:rPr>
+              <a:t>; }</a:t>
+            </a:r>
+          </a:p>
+          <a:p>
+            <a:pPr marL="0" indent="0">
+              <a:buNone/>
+            </a:pPr>
+            <a:r>
+              <a:rPr lang="en-US" sz="1600" dirty="0" smtClean="0">
+                <a:solidFill>
+                  <a:srgbClr val="0000FF"/>
+                </a:solidFill>
+                <a:latin typeface="Consolas" panose="020B0609020204030204" pitchFamily="49" charset="0"/>
+              </a:rPr>
+              <a:t>    public</a:t>
+            </a:r>
+            <a:r>
+              <a:rPr lang="en-US" sz="1600" dirty="0" smtClean="0">
+                <a:solidFill>
+                  <a:srgbClr val="000000"/>
+                </a:solidFill>
+                <a:latin typeface="Consolas" panose="020B0609020204030204" pitchFamily="49" charset="0"/>
+              </a:rPr>
+              <a:t> </a:t>
+            </a:r>
+            <a:r>
+              <a:rPr lang="en-US" sz="1600" dirty="0" err="1">
+                <a:solidFill>
+                  <a:srgbClr val="000000"/>
+                </a:solidFill>
+                <a:latin typeface="Consolas" panose="020B0609020204030204" pitchFamily="49" charset="0"/>
+              </a:rPr>
+              <a:t>DateTime</a:t>
+            </a:r>
+            <a:r>
+              <a:rPr lang="en-US" sz="1600" dirty="0">
+                <a:solidFill>
+                  <a:srgbClr val="000000"/>
+                </a:solidFill>
+                <a:latin typeface="Consolas" panose="020B0609020204030204" pitchFamily="49" charset="0"/>
+              </a:rPr>
+              <a:t> </a:t>
+            </a:r>
+            <a:r>
+              <a:rPr lang="en-US" sz="1600" dirty="0" err="1">
+                <a:solidFill>
+                  <a:srgbClr val="000000"/>
+                </a:solidFill>
+                <a:latin typeface="Consolas" panose="020B0609020204030204" pitchFamily="49" charset="0"/>
+              </a:rPr>
+              <a:t>BirthDay</a:t>
+            </a:r>
+            <a:r>
+              <a:rPr lang="en-US" sz="1600" dirty="0">
+                <a:solidFill>
+                  <a:srgbClr val="000000"/>
+                </a:solidFill>
+                <a:latin typeface="Consolas" panose="020B0609020204030204" pitchFamily="49" charset="0"/>
+              </a:rPr>
+              <a:t> { </a:t>
+            </a:r>
+            <a:r>
+              <a:rPr lang="en-US" sz="1600" dirty="0">
+                <a:solidFill>
+                  <a:srgbClr val="0000FF"/>
+                </a:solidFill>
+                <a:latin typeface="Consolas" panose="020B0609020204030204" pitchFamily="49" charset="0"/>
+              </a:rPr>
+              <a:t>get</a:t>
+            </a:r>
+            <a:r>
+              <a:rPr lang="en-US" sz="1600" dirty="0">
+                <a:solidFill>
+                  <a:srgbClr val="000000"/>
+                </a:solidFill>
+                <a:latin typeface="Consolas" panose="020B0609020204030204" pitchFamily="49" charset="0"/>
+              </a:rPr>
+              <a:t>; </a:t>
+            </a:r>
+            <a:r>
+              <a:rPr lang="en-US" sz="1600" dirty="0">
+                <a:solidFill>
+                  <a:srgbClr val="0000FF"/>
+                </a:solidFill>
+                <a:latin typeface="Consolas" panose="020B0609020204030204" pitchFamily="49" charset="0"/>
+              </a:rPr>
+              <a:t>set</a:t>
+            </a:r>
+            <a:r>
+              <a:rPr lang="en-US" sz="1600" dirty="0">
+                <a:solidFill>
+                  <a:srgbClr val="000000"/>
+                </a:solidFill>
+                <a:latin typeface="Consolas" panose="020B0609020204030204" pitchFamily="49" charset="0"/>
+              </a:rPr>
+              <a:t>; }</a:t>
+            </a:r>
+          </a:p>
+          <a:p>
+            <a:pPr marL="0" indent="0">
+              <a:buNone/>
+            </a:pPr>
+            <a:r>
+              <a:rPr lang="ru-RU" sz="1600" dirty="0" smtClean="0">
+                <a:solidFill>
+                  <a:srgbClr val="000000"/>
+                </a:solidFill>
+                <a:latin typeface="Consolas" panose="020B0609020204030204" pitchFamily="49" charset="0"/>
+              </a:rPr>
+              <a:t>}</a:t>
+            </a:r>
+            <a:endParaRPr lang="ru-RU" sz="1600" dirty="0"/>
+          </a:p>
+        </p:txBody>
+      </p:sp>
+      <p:sp>
+        <p:nvSpPr>
+          <p:cNvPr id="4" name="Content Placeholder 3"/>
+          <p:cNvSpPr>
+            <a:spLocks noGrp="1"/>
+          </p:cNvSpPr>
+          <p:nvPr>
+            <p:ph sz="half" idx="2"/>
+          </p:nvPr>
+        </p:nvSpPr>
+        <p:spPr/>
+        <p:txBody>
+          <a:bodyPr>
+            <a:noAutofit/>
+          </a:bodyPr>
+          <a:lstStyle/>
+          <a:p>
+            <a:pPr marL="0" indent="0">
+              <a:buNone/>
+            </a:pPr>
+            <a:r>
+              <a:rPr lang="en-US" sz="1600" dirty="0" smtClean="0">
+                <a:solidFill>
+                  <a:srgbClr val="0000FF"/>
+                </a:solidFill>
+                <a:latin typeface="Consolas" panose="020B0609020204030204" pitchFamily="49" charset="0"/>
+              </a:rPr>
+              <a:t>interface</a:t>
+            </a:r>
+            <a:r>
+              <a:rPr lang="en-US" sz="1600" dirty="0" smtClean="0">
+                <a:solidFill>
+                  <a:srgbClr val="000000"/>
+                </a:solidFill>
+                <a:latin typeface="Consolas" panose="020B0609020204030204" pitchFamily="49" charset="0"/>
+              </a:rPr>
+              <a:t> </a:t>
+            </a:r>
+            <a:r>
+              <a:rPr lang="en-US" sz="1600" dirty="0" err="1">
+                <a:solidFill>
+                  <a:srgbClr val="2B91AF"/>
+                </a:solidFill>
+                <a:latin typeface="Consolas" panose="020B0609020204030204" pitchFamily="49" charset="0"/>
+              </a:rPr>
+              <a:t>IRealEntity</a:t>
+            </a:r>
+            <a:endParaRPr lang="en-US" sz="1600" dirty="0">
+              <a:solidFill>
+                <a:srgbClr val="000000"/>
+              </a:solidFill>
+              <a:latin typeface="Consolas" panose="020B0609020204030204" pitchFamily="49" charset="0"/>
+            </a:endParaRPr>
+          </a:p>
+          <a:p>
+            <a:pPr marL="0" indent="0">
+              <a:buNone/>
+            </a:pPr>
+            <a:r>
+              <a:rPr lang="ru-RU" sz="1600" dirty="0" smtClean="0">
+                <a:solidFill>
+                  <a:srgbClr val="000000"/>
+                </a:solidFill>
+                <a:latin typeface="Consolas" panose="020B0609020204030204" pitchFamily="49" charset="0"/>
+              </a:rPr>
+              <a:t>{</a:t>
+            </a:r>
+            <a:endParaRPr lang="ru-RU" sz="1600" dirty="0">
+              <a:solidFill>
+                <a:srgbClr val="000000"/>
+              </a:solidFill>
+              <a:latin typeface="Consolas" panose="020B0609020204030204" pitchFamily="49" charset="0"/>
+            </a:endParaRPr>
+          </a:p>
+          <a:p>
+            <a:pPr marL="0" indent="0">
+              <a:buNone/>
+            </a:pPr>
+            <a:r>
+              <a:rPr lang="en-US" sz="1600" dirty="0" smtClean="0">
+                <a:solidFill>
+                  <a:srgbClr val="0000FF"/>
+                </a:solidFill>
+                <a:latin typeface="Consolas" panose="020B0609020204030204" pitchFamily="49" charset="0"/>
+              </a:rPr>
+              <a:t>    </a:t>
+            </a:r>
+            <a:r>
+              <a:rPr lang="en-US" sz="1600" dirty="0" err="1" smtClean="0">
+                <a:solidFill>
+                  <a:srgbClr val="0000FF"/>
+                </a:solidFill>
+                <a:latin typeface="Consolas" panose="020B0609020204030204" pitchFamily="49" charset="0"/>
+              </a:rPr>
+              <a:t>int</a:t>
+            </a:r>
+            <a:r>
+              <a:rPr lang="en-US" sz="1600" dirty="0" smtClean="0">
+                <a:solidFill>
+                  <a:srgbClr val="000000"/>
+                </a:solidFill>
+                <a:latin typeface="Consolas" panose="020B0609020204030204" pitchFamily="49" charset="0"/>
+              </a:rPr>
+              <a:t> </a:t>
+            </a:r>
+            <a:r>
+              <a:rPr lang="en-US" sz="1600" dirty="0">
+                <a:solidFill>
+                  <a:srgbClr val="000000"/>
+                </a:solidFill>
+                <a:latin typeface="Consolas" panose="020B0609020204030204" pitchFamily="49" charset="0"/>
+              </a:rPr>
+              <a:t>Id { </a:t>
+            </a:r>
+            <a:r>
+              <a:rPr lang="en-US" sz="1600" dirty="0">
+                <a:solidFill>
+                  <a:srgbClr val="0000FF"/>
+                </a:solidFill>
+                <a:latin typeface="Consolas" panose="020B0609020204030204" pitchFamily="49" charset="0"/>
+              </a:rPr>
+              <a:t>get</a:t>
+            </a:r>
+            <a:r>
+              <a:rPr lang="en-US" sz="1600" dirty="0">
+                <a:solidFill>
+                  <a:srgbClr val="000000"/>
+                </a:solidFill>
+                <a:latin typeface="Consolas" panose="020B0609020204030204" pitchFamily="49" charset="0"/>
+              </a:rPr>
+              <a:t>; }</a:t>
+            </a:r>
+          </a:p>
+          <a:p>
+            <a:pPr marL="0" indent="0">
+              <a:buNone/>
+            </a:pPr>
+            <a:r>
+              <a:rPr lang="en-US" sz="1600" dirty="0" smtClean="0">
+                <a:solidFill>
+                  <a:srgbClr val="0000FF"/>
+                </a:solidFill>
+                <a:latin typeface="Consolas" panose="020B0609020204030204" pitchFamily="49" charset="0"/>
+              </a:rPr>
+              <a:t>    string</a:t>
+            </a:r>
+            <a:r>
+              <a:rPr lang="en-US" sz="1600" dirty="0" smtClean="0">
+                <a:solidFill>
+                  <a:srgbClr val="000000"/>
+                </a:solidFill>
+                <a:latin typeface="Consolas" panose="020B0609020204030204" pitchFamily="49" charset="0"/>
+              </a:rPr>
+              <a:t> </a:t>
+            </a:r>
+            <a:r>
+              <a:rPr lang="en-US" sz="1600" dirty="0" err="1">
+                <a:solidFill>
+                  <a:srgbClr val="000000"/>
+                </a:solidFill>
+                <a:latin typeface="Consolas" panose="020B0609020204030204" pitchFamily="49" charset="0"/>
+              </a:rPr>
+              <a:t>FirstName</a:t>
+            </a:r>
+            <a:r>
+              <a:rPr lang="en-US" sz="1600" dirty="0">
+                <a:solidFill>
+                  <a:srgbClr val="000000"/>
+                </a:solidFill>
+                <a:latin typeface="Consolas" panose="020B0609020204030204" pitchFamily="49" charset="0"/>
+              </a:rPr>
+              <a:t> { </a:t>
+            </a:r>
+            <a:r>
+              <a:rPr lang="en-US" sz="1600" dirty="0">
+                <a:solidFill>
+                  <a:srgbClr val="0000FF"/>
+                </a:solidFill>
+                <a:latin typeface="Consolas" panose="020B0609020204030204" pitchFamily="49" charset="0"/>
+              </a:rPr>
+              <a:t>get</a:t>
+            </a:r>
+            <a:r>
+              <a:rPr lang="en-US" sz="1600" dirty="0">
+                <a:solidFill>
+                  <a:srgbClr val="000000"/>
+                </a:solidFill>
+                <a:latin typeface="Consolas" panose="020B0609020204030204" pitchFamily="49" charset="0"/>
+              </a:rPr>
+              <a:t>; }</a:t>
+            </a:r>
+          </a:p>
+          <a:p>
+            <a:pPr marL="0" indent="0">
+              <a:buNone/>
+            </a:pPr>
+            <a:r>
+              <a:rPr lang="en-US" sz="1600" dirty="0" smtClean="0">
+                <a:solidFill>
+                  <a:srgbClr val="0000FF"/>
+                </a:solidFill>
+                <a:latin typeface="Consolas" panose="020B0609020204030204" pitchFamily="49" charset="0"/>
+              </a:rPr>
+              <a:t>    string</a:t>
+            </a:r>
+            <a:r>
+              <a:rPr lang="en-US" sz="1600" dirty="0" smtClean="0">
+                <a:solidFill>
+                  <a:srgbClr val="000000"/>
+                </a:solidFill>
+                <a:latin typeface="Consolas" panose="020B0609020204030204" pitchFamily="49" charset="0"/>
+              </a:rPr>
+              <a:t> </a:t>
+            </a:r>
+            <a:r>
+              <a:rPr lang="en-US" sz="1600" dirty="0" err="1">
+                <a:solidFill>
+                  <a:srgbClr val="000000"/>
+                </a:solidFill>
+                <a:latin typeface="Consolas" panose="020B0609020204030204" pitchFamily="49" charset="0"/>
+              </a:rPr>
+              <a:t>SecondName</a:t>
+            </a:r>
+            <a:r>
+              <a:rPr lang="en-US" sz="1600" dirty="0">
+                <a:solidFill>
+                  <a:srgbClr val="000000"/>
+                </a:solidFill>
+                <a:latin typeface="Consolas" panose="020B0609020204030204" pitchFamily="49" charset="0"/>
+              </a:rPr>
+              <a:t> { </a:t>
+            </a:r>
+            <a:r>
+              <a:rPr lang="en-US" sz="1600" dirty="0">
+                <a:solidFill>
+                  <a:srgbClr val="0000FF"/>
+                </a:solidFill>
+                <a:latin typeface="Consolas" panose="020B0609020204030204" pitchFamily="49" charset="0"/>
+              </a:rPr>
+              <a:t>get</a:t>
+            </a:r>
+            <a:r>
+              <a:rPr lang="en-US" sz="1600" dirty="0">
+                <a:solidFill>
+                  <a:srgbClr val="000000"/>
+                </a:solidFill>
+                <a:latin typeface="Consolas" panose="020B0609020204030204" pitchFamily="49" charset="0"/>
+              </a:rPr>
+              <a:t>; }</a:t>
+            </a:r>
+          </a:p>
+          <a:p>
+            <a:pPr marL="0" indent="0">
+              <a:buNone/>
+            </a:pPr>
+            <a:r>
+              <a:rPr lang="en-US" sz="1600" dirty="0" smtClean="0">
+                <a:solidFill>
+                  <a:srgbClr val="0000FF"/>
+                </a:solidFill>
+                <a:latin typeface="Consolas" panose="020B0609020204030204" pitchFamily="49" charset="0"/>
+              </a:rPr>
+              <a:t>    string</a:t>
+            </a:r>
+            <a:r>
+              <a:rPr lang="en-US" sz="1600" dirty="0" smtClean="0">
+                <a:solidFill>
+                  <a:srgbClr val="000000"/>
+                </a:solidFill>
+                <a:latin typeface="Consolas" panose="020B0609020204030204" pitchFamily="49" charset="0"/>
+              </a:rPr>
+              <a:t> </a:t>
+            </a:r>
+            <a:r>
+              <a:rPr lang="en-US" sz="1600" dirty="0">
+                <a:solidFill>
+                  <a:srgbClr val="000000"/>
+                </a:solidFill>
+                <a:latin typeface="Consolas" panose="020B0609020204030204" pitchFamily="49" charset="0"/>
+              </a:rPr>
+              <a:t>Role { </a:t>
+            </a:r>
+            <a:r>
+              <a:rPr lang="en-US" sz="1600" dirty="0">
+                <a:solidFill>
+                  <a:srgbClr val="0000FF"/>
+                </a:solidFill>
+                <a:latin typeface="Consolas" panose="020B0609020204030204" pitchFamily="49" charset="0"/>
+              </a:rPr>
+              <a:t>get</a:t>
+            </a:r>
+            <a:r>
+              <a:rPr lang="en-US" sz="1600" dirty="0">
+                <a:solidFill>
+                  <a:srgbClr val="000000"/>
+                </a:solidFill>
+                <a:latin typeface="Consolas" panose="020B0609020204030204" pitchFamily="49" charset="0"/>
+              </a:rPr>
+              <a:t>; }</a:t>
+            </a:r>
+          </a:p>
+          <a:p>
+            <a:pPr marL="0" indent="0">
+              <a:buNone/>
+            </a:pPr>
+            <a:r>
+              <a:rPr lang="en-US" sz="1600" dirty="0" smtClean="0">
+                <a:solidFill>
+                  <a:srgbClr val="0000FF"/>
+                </a:solidFill>
+                <a:latin typeface="Consolas" panose="020B0609020204030204" pitchFamily="49" charset="0"/>
+              </a:rPr>
+              <a:t>    </a:t>
+            </a:r>
+            <a:r>
+              <a:rPr lang="en-US" sz="1600" dirty="0" err="1" smtClean="0">
+                <a:solidFill>
+                  <a:srgbClr val="0000FF"/>
+                </a:solidFill>
+                <a:latin typeface="Consolas" panose="020B0609020204030204" pitchFamily="49" charset="0"/>
+              </a:rPr>
+              <a:t>int</a:t>
+            </a:r>
+            <a:r>
+              <a:rPr lang="en-US" sz="1600" dirty="0" smtClean="0">
+                <a:solidFill>
+                  <a:srgbClr val="000000"/>
+                </a:solidFill>
+                <a:latin typeface="Consolas" panose="020B0609020204030204" pitchFamily="49" charset="0"/>
+              </a:rPr>
+              <a:t> </a:t>
+            </a:r>
+            <a:r>
+              <a:rPr lang="en-US" sz="1600" dirty="0">
+                <a:solidFill>
+                  <a:srgbClr val="000000"/>
+                </a:solidFill>
+                <a:latin typeface="Consolas" panose="020B0609020204030204" pitchFamily="49" charset="0"/>
+              </a:rPr>
+              <a:t>Age { </a:t>
+            </a:r>
+            <a:r>
+              <a:rPr lang="en-US" sz="1600" dirty="0">
+                <a:solidFill>
+                  <a:srgbClr val="0000FF"/>
+                </a:solidFill>
+                <a:latin typeface="Consolas" panose="020B0609020204030204" pitchFamily="49" charset="0"/>
+              </a:rPr>
+              <a:t>get</a:t>
+            </a:r>
+            <a:r>
+              <a:rPr lang="en-US" sz="1600" dirty="0">
+                <a:solidFill>
+                  <a:srgbClr val="000000"/>
+                </a:solidFill>
+                <a:latin typeface="Consolas" panose="020B0609020204030204" pitchFamily="49" charset="0"/>
+              </a:rPr>
+              <a:t>; }</a:t>
+            </a:r>
+          </a:p>
+          <a:p>
+            <a:pPr marL="0" indent="0">
+              <a:buNone/>
+            </a:pPr>
+            <a:r>
+              <a:rPr lang="en-US" sz="1600" dirty="0" smtClean="0">
+                <a:solidFill>
+                  <a:srgbClr val="0000FF"/>
+                </a:solidFill>
+                <a:latin typeface="Consolas" panose="020B0609020204030204" pitchFamily="49" charset="0"/>
+              </a:rPr>
+              <a:t>    </a:t>
+            </a:r>
+            <a:r>
+              <a:rPr lang="en-US" sz="1600" dirty="0" err="1" smtClean="0">
+                <a:solidFill>
+                  <a:srgbClr val="0000FF"/>
+                </a:solidFill>
+                <a:latin typeface="Consolas" panose="020B0609020204030204" pitchFamily="49" charset="0"/>
+              </a:rPr>
+              <a:t>int</a:t>
+            </a:r>
+            <a:r>
+              <a:rPr lang="en-US" sz="1600" dirty="0" smtClean="0">
+                <a:solidFill>
+                  <a:srgbClr val="000000"/>
+                </a:solidFill>
+                <a:latin typeface="Consolas" panose="020B0609020204030204" pitchFamily="49" charset="0"/>
+              </a:rPr>
+              <a:t> </a:t>
+            </a:r>
+            <a:r>
+              <a:rPr lang="en-US" sz="1600" dirty="0">
+                <a:solidFill>
+                  <a:srgbClr val="000000"/>
+                </a:solidFill>
+                <a:latin typeface="Consolas" panose="020B0609020204030204" pitchFamily="49" charset="0"/>
+              </a:rPr>
+              <a:t>Pin { </a:t>
+            </a:r>
+            <a:r>
+              <a:rPr lang="en-US" sz="1600" dirty="0">
+                <a:solidFill>
+                  <a:srgbClr val="0000FF"/>
+                </a:solidFill>
+                <a:latin typeface="Consolas" panose="020B0609020204030204" pitchFamily="49" charset="0"/>
+              </a:rPr>
+              <a:t>get</a:t>
+            </a:r>
+            <a:r>
+              <a:rPr lang="en-US" sz="1600" dirty="0">
+                <a:solidFill>
+                  <a:srgbClr val="000000"/>
+                </a:solidFill>
+                <a:latin typeface="Consolas" panose="020B0609020204030204" pitchFamily="49" charset="0"/>
+              </a:rPr>
+              <a:t>; }</a:t>
+            </a:r>
+          </a:p>
+          <a:p>
+            <a:pPr marL="0" indent="0">
+              <a:buNone/>
+            </a:pPr>
+            <a:r>
+              <a:rPr lang="en-US" sz="1600" dirty="0" smtClean="0">
+                <a:solidFill>
+                  <a:srgbClr val="0000FF"/>
+                </a:solidFill>
+                <a:latin typeface="Consolas" panose="020B0609020204030204" pitchFamily="49" charset="0"/>
+              </a:rPr>
+              <a:t>    string</a:t>
+            </a:r>
+            <a:r>
+              <a:rPr lang="en-US" sz="1600" dirty="0" smtClean="0">
+                <a:solidFill>
+                  <a:srgbClr val="000000"/>
+                </a:solidFill>
+                <a:latin typeface="Consolas" panose="020B0609020204030204" pitchFamily="49" charset="0"/>
+              </a:rPr>
+              <a:t> </a:t>
+            </a:r>
+            <a:r>
+              <a:rPr lang="en-US" sz="1600" dirty="0">
+                <a:solidFill>
+                  <a:srgbClr val="000000"/>
+                </a:solidFill>
+                <a:latin typeface="Consolas" panose="020B0609020204030204" pitchFamily="49" charset="0"/>
+              </a:rPr>
+              <a:t>Address { </a:t>
+            </a:r>
+            <a:r>
+              <a:rPr lang="en-US" sz="1600" dirty="0">
+                <a:solidFill>
+                  <a:srgbClr val="0000FF"/>
+                </a:solidFill>
+                <a:latin typeface="Consolas" panose="020B0609020204030204" pitchFamily="49" charset="0"/>
+              </a:rPr>
+              <a:t>get</a:t>
+            </a:r>
+            <a:r>
+              <a:rPr lang="en-US" sz="1600" dirty="0">
+                <a:solidFill>
+                  <a:srgbClr val="000000"/>
+                </a:solidFill>
+                <a:latin typeface="Consolas" panose="020B0609020204030204" pitchFamily="49" charset="0"/>
+              </a:rPr>
+              <a:t>; }</a:t>
+            </a:r>
+          </a:p>
+          <a:p>
+            <a:pPr marL="0" indent="0">
+              <a:buNone/>
+            </a:pPr>
+            <a:r>
+              <a:rPr lang="en-US" sz="1600" dirty="0" smtClean="0">
+                <a:solidFill>
+                  <a:srgbClr val="000000"/>
+                </a:solidFill>
+                <a:latin typeface="Consolas" panose="020B0609020204030204" pitchFamily="49" charset="0"/>
+              </a:rPr>
+              <a:t>    </a:t>
+            </a:r>
+            <a:r>
+              <a:rPr lang="en-US" sz="1600" dirty="0" err="1" smtClean="0">
+                <a:solidFill>
+                  <a:srgbClr val="000000"/>
+                </a:solidFill>
+                <a:latin typeface="Consolas" panose="020B0609020204030204" pitchFamily="49" charset="0"/>
+              </a:rPr>
+              <a:t>DateTime</a:t>
+            </a:r>
+            <a:r>
+              <a:rPr lang="en-US" sz="1600" dirty="0" smtClean="0">
+                <a:solidFill>
+                  <a:srgbClr val="000000"/>
+                </a:solidFill>
+                <a:latin typeface="Consolas" panose="020B0609020204030204" pitchFamily="49" charset="0"/>
+              </a:rPr>
+              <a:t> </a:t>
+            </a:r>
+            <a:r>
+              <a:rPr lang="en-US" sz="1600" dirty="0" err="1">
+                <a:solidFill>
+                  <a:srgbClr val="000000"/>
+                </a:solidFill>
+                <a:latin typeface="Consolas" panose="020B0609020204030204" pitchFamily="49" charset="0"/>
+              </a:rPr>
+              <a:t>BirthDay</a:t>
+            </a:r>
+            <a:r>
+              <a:rPr lang="en-US" sz="1600" dirty="0">
+                <a:solidFill>
+                  <a:srgbClr val="000000"/>
+                </a:solidFill>
+                <a:latin typeface="Consolas" panose="020B0609020204030204" pitchFamily="49" charset="0"/>
+              </a:rPr>
+              <a:t> { </a:t>
+            </a:r>
+            <a:r>
+              <a:rPr lang="en-US" sz="1600" dirty="0">
+                <a:solidFill>
+                  <a:srgbClr val="0000FF"/>
+                </a:solidFill>
+                <a:latin typeface="Consolas" panose="020B0609020204030204" pitchFamily="49" charset="0"/>
+              </a:rPr>
+              <a:t>get</a:t>
+            </a:r>
+            <a:r>
+              <a:rPr lang="en-US" sz="1600" dirty="0">
+                <a:solidFill>
+                  <a:srgbClr val="000000"/>
+                </a:solidFill>
+                <a:latin typeface="Consolas" panose="020B0609020204030204" pitchFamily="49" charset="0"/>
+              </a:rPr>
+              <a:t>; }</a:t>
+            </a:r>
+          </a:p>
+          <a:p>
+            <a:pPr marL="0" indent="0">
+              <a:buNone/>
+            </a:pPr>
+            <a:r>
+              <a:rPr lang="ru-RU" sz="1600" dirty="0" smtClean="0">
+                <a:solidFill>
+                  <a:srgbClr val="000000"/>
+                </a:solidFill>
+                <a:latin typeface="Consolas" panose="020B0609020204030204" pitchFamily="49" charset="0"/>
+              </a:rPr>
+              <a:t>}</a:t>
+            </a:r>
+            <a:endParaRPr lang="ru-RU" sz="1600" dirty="0"/>
           </a:p>
         </p:txBody>
       </p:sp>
     </p:spTree>
     <p:extLst>
       <p:ext uri="{BB962C8B-B14F-4D97-AF65-F5344CB8AC3E}">
-        <p14:creationId xmlns:p14="http://schemas.microsoft.com/office/powerpoint/2010/main" val="3306413850"/>
+        <p14:creationId xmlns:p14="http://schemas.microsoft.com/office/powerpoint/2010/main" val="1172219012"/>
       </p:ext>
     </p:extLst>
   </p:cSld>
   <p:clrMapOvr>
     <a:masterClrMapping/>
   </p:clrMapOvr>
+  <p:timing>
+    <p:tnLst>
+      <p:par>
+        <p:cTn id="1" dur="indefinite" restart="never" nodeType="tmRoot"/>
+      </p:par>
+    </p:tnLst>
+  </p:timing>
 </p:sld>
 </file>
 
@@ -12919,13 +14191,7 @@
       </p:grpSpPr>
       <p:sp>
         <p:nvSpPr>
-          <p:cNvPr id="2" name="Title 1">
-            <a:extLst>
-              <a:ext uri="{FF2B5EF4-FFF2-40B4-BE49-F238E27FC236}">
-                <a16:creationId xmlns:a16="http://schemas.microsoft.com/office/drawing/2014/main" id="{8CAAAD76-EDDF-48E8-BA0D-C3063418DCA8}"/>
-              </a:ext>
-            </a:extLst>
-          </p:cNvPr>
+          <p:cNvPr id="2" name="Title 1"/>
           <p:cNvSpPr>
             <a:spLocks noGrp="1"/>
           </p:cNvSpPr>
@@ -12940,20 +14206,19 @@
           <a:p>
             <a:r>
               <a:rPr lang="en-US" dirty="0"/>
-              <a:t>With pattern</a:t>
-            </a:r>
+              <a:t>Immutable interface mutable </a:t>
+            </a:r>
+            <a:r>
+              <a:rPr lang="en-US" dirty="0" smtClean="0"/>
+              <a:t>implementation advantages</a:t>
+            </a:r>
+            <a:endParaRPr lang="ru-RU" dirty="0"/>
           </a:p>
         </p:txBody>
       </p:sp>
       <p:sp>
         <p:nvSpPr>
-          <p:cNvPr id="3" name="Content Placeholder 2">
-            <a:extLst>
-              <a:ext uri="{FF2B5EF4-FFF2-40B4-BE49-F238E27FC236}">
-                <a16:creationId xmlns:a16="http://schemas.microsoft.com/office/drawing/2014/main" id="{E749CD9A-84B6-4103-82CC-296AB5BF121A}"/>
-              </a:ext>
-            </a:extLst>
-          </p:cNvPr>
+          <p:cNvPr id="5" name="Content Placeholder 4"/>
           <p:cNvSpPr>
             <a:spLocks noGrp="1"/>
           </p:cNvSpPr>
@@ -12963,489 +14228,81 @@
         </p:nvSpPr>
         <p:spPr/>
         <p:txBody>
-          <a:bodyPr>
-            <a:normAutofit fontScale="85000" lnSpcReduction="20000"/>
-          </a:bodyPr>
+          <a:bodyPr/>
           <a:lstStyle/>
           <a:p>
-            <a:pPr marL="0" indent="0">
-              <a:buNone/>
-            </a:pPr>
-            <a:r>
-              <a:rPr lang="en-US" dirty="0">
-                <a:solidFill>
-                  <a:srgbClr val="000000"/>
-                </a:solidFill>
-                <a:latin typeface="Consolas" panose="020B0609020204030204" pitchFamily="49" charset="0"/>
-              </a:rPr>
-              <a:t> </a:t>
-            </a:r>
-            <a:r>
-              <a:rPr lang="en-US" dirty="0">
-                <a:solidFill>
-                  <a:srgbClr val="0000FF"/>
-                </a:solidFill>
-                <a:latin typeface="Consolas" panose="020B0609020204030204" pitchFamily="49" charset="0"/>
-              </a:rPr>
-              <a:t>class</a:t>
-            </a:r>
-            <a:r>
-              <a:rPr lang="en-US" dirty="0">
-                <a:solidFill>
-                  <a:srgbClr val="000000"/>
-                </a:solidFill>
-                <a:latin typeface="Consolas" panose="020B0609020204030204" pitchFamily="49" charset="0"/>
-              </a:rPr>
-              <a:t> </a:t>
-            </a:r>
-            <a:r>
-              <a:rPr lang="en-US" dirty="0" err="1">
-                <a:solidFill>
-                  <a:srgbClr val="2B91AF"/>
-                </a:solidFill>
-                <a:latin typeface="Consolas" panose="020B0609020204030204" pitchFamily="49" charset="0"/>
-              </a:rPr>
-              <a:t>OrderLine</a:t>
-            </a:r>
-            <a:endParaRPr lang="en-US" dirty="0">
-              <a:solidFill>
-                <a:srgbClr val="000000"/>
-              </a:solidFill>
-              <a:latin typeface="Consolas" panose="020B0609020204030204" pitchFamily="49" charset="0"/>
-            </a:endParaRPr>
-          </a:p>
-          <a:p>
-            <a:pPr marL="0" indent="0">
-              <a:buNone/>
-            </a:pPr>
-            <a:r>
-              <a:rPr lang="en-US" dirty="0">
-                <a:solidFill>
-                  <a:srgbClr val="000000"/>
-                </a:solidFill>
-                <a:latin typeface="Consolas" panose="020B0609020204030204" pitchFamily="49" charset="0"/>
-              </a:rPr>
-              <a:t> </a:t>
-            </a:r>
-            <a:r>
-              <a:rPr lang="en-US" dirty="0" smtClean="0">
-                <a:solidFill>
-                  <a:srgbClr val="000000"/>
-                </a:solidFill>
-                <a:latin typeface="Consolas" panose="020B0609020204030204" pitchFamily="49" charset="0"/>
-              </a:rPr>
-              <a:t>{</a:t>
-            </a:r>
-            <a:endParaRPr lang="en-US" dirty="0">
-              <a:solidFill>
-                <a:srgbClr val="000000"/>
-              </a:solidFill>
-              <a:latin typeface="Consolas" panose="020B0609020204030204" pitchFamily="49" charset="0"/>
-            </a:endParaRPr>
-          </a:p>
-          <a:p>
-            <a:pPr marL="0" indent="0">
-              <a:buNone/>
-            </a:pPr>
-            <a:r>
-              <a:rPr lang="en-US" dirty="0">
-                <a:solidFill>
-                  <a:srgbClr val="000000"/>
-                </a:solidFill>
-                <a:latin typeface="Consolas" panose="020B0609020204030204" pitchFamily="49" charset="0"/>
-              </a:rPr>
-              <a:t>    </a:t>
-            </a:r>
-            <a:r>
-              <a:rPr lang="en-US" dirty="0" smtClean="0">
-                <a:solidFill>
-                  <a:srgbClr val="008000"/>
-                </a:solidFill>
-                <a:latin typeface="Consolas" panose="020B0609020204030204" pitchFamily="49" charset="0"/>
-              </a:rPr>
-              <a:t>// </a:t>
-            </a:r>
-            <a:r>
-              <a:rPr lang="en-US" dirty="0">
-                <a:solidFill>
-                  <a:srgbClr val="008000"/>
-                </a:solidFill>
-                <a:latin typeface="Consolas" panose="020B0609020204030204" pitchFamily="49" charset="0"/>
-              </a:rPr>
-              <a:t>…</a:t>
-            </a:r>
-            <a:endParaRPr lang="en-US" dirty="0">
-              <a:solidFill>
-                <a:srgbClr val="000000"/>
-              </a:solidFill>
-              <a:latin typeface="Consolas" panose="020B0609020204030204" pitchFamily="49" charset="0"/>
-            </a:endParaRPr>
-          </a:p>
-          <a:p>
-            <a:pPr marL="0" indent="0">
-              <a:buNone/>
-            </a:pPr>
-            <a:endParaRPr lang="en-US" dirty="0">
-              <a:solidFill>
-                <a:srgbClr val="000000"/>
-              </a:solidFill>
-              <a:latin typeface="Consolas" panose="020B0609020204030204" pitchFamily="49" charset="0"/>
-            </a:endParaRPr>
-          </a:p>
-          <a:p>
-            <a:pPr marL="0" indent="0">
-              <a:buNone/>
-            </a:pPr>
-            <a:r>
-              <a:rPr lang="en-US" dirty="0">
-                <a:solidFill>
-                  <a:srgbClr val="000000"/>
-                </a:solidFill>
-                <a:latin typeface="Consolas" panose="020B0609020204030204" pitchFamily="49" charset="0"/>
-              </a:rPr>
-              <a:t>    </a:t>
-            </a:r>
-            <a:r>
-              <a:rPr lang="en-US" dirty="0" smtClean="0">
-                <a:solidFill>
-                  <a:srgbClr val="0000FF"/>
-                </a:solidFill>
-                <a:latin typeface="Consolas" panose="020B0609020204030204" pitchFamily="49" charset="0"/>
-              </a:rPr>
-              <a:t>public</a:t>
-            </a:r>
-            <a:r>
-              <a:rPr lang="en-US" dirty="0" smtClean="0">
-                <a:solidFill>
-                  <a:srgbClr val="000000"/>
-                </a:solidFill>
-                <a:latin typeface="Consolas" panose="020B0609020204030204" pitchFamily="49" charset="0"/>
-              </a:rPr>
-              <a:t> </a:t>
-            </a:r>
-            <a:r>
-              <a:rPr lang="en-US" dirty="0" err="1">
-                <a:solidFill>
-                  <a:srgbClr val="000000"/>
-                </a:solidFill>
-                <a:latin typeface="Consolas" panose="020B0609020204030204" pitchFamily="49" charset="0"/>
-              </a:rPr>
-              <a:t>OrderLine</a:t>
-            </a:r>
-            <a:r>
-              <a:rPr lang="en-US" dirty="0">
-                <a:solidFill>
-                  <a:srgbClr val="000000"/>
-                </a:solidFill>
-                <a:latin typeface="Consolas" panose="020B0609020204030204" pitchFamily="49" charset="0"/>
-              </a:rPr>
-              <a:t> </a:t>
-            </a:r>
-            <a:r>
-              <a:rPr lang="en-US" dirty="0" err="1">
-                <a:solidFill>
-                  <a:srgbClr val="000000"/>
-                </a:solidFill>
-                <a:latin typeface="Consolas" panose="020B0609020204030204" pitchFamily="49" charset="0"/>
-              </a:rPr>
-              <a:t>WithQuantity</a:t>
-            </a:r>
-            <a:r>
-              <a:rPr lang="en-US" dirty="0">
-                <a:solidFill>
-                  <a:srgbClr val="000000"/>
-                </a:solidFill>
-                <a:latin typeface="Consolas" panose="020B0609020204030204" pitchFamily="49" charset="0"/>
-              </a:rPr>
-              <a:t>(</a:t>
-            </a:r>
-            <a:r>
-              <a:rPr lang="en-US" dirty="0" err="1">
-                <a:solidFill>
-                  <a:srgbClr val="0000FF"/>
-                </a:solidFill>
-                <a:latin typeface="Consolas" panose="020B0609020204030204" pitchFamily="49" charset="0"/>
-              </a:rPr>
-              <a:t>int</a:t>
-            </a:r>
-            <a:r>
-              <a:rPr lang="en-US" dirty="0">
-                <a:solidFill>
-                  <a:srgbClr val="000000"/>
-                </a:solidFill>
-                <a:latin typeface="Consolas" panose="020B0609020204030204" pitchFamily="49" charset="0"/>
-              </a:rPr>
-              <a:t> value)</a:t>
-            </a:r>
-          </a:p>
-          <a:p>
-            <a:pPr marL="0" indent="0">
-              <a:buNone/>
-            </a:pPr>
-            <a:r>
-              <a:rPr lang="en-US" dirty="0">
-                <a:solidFill>
-                  <a:srgbClr val="000000"/>
-                </a:solidFill>
-                <a:latin typeface="Consolas" panose="020B0609020204030204" pitchFamily="49" charset="0"/>
-              </a:rPr>
-              <a:t>    </a:t>
-            </a:r>
-            <a:r>
-              <a:rPr lang="en-US" dirty="0" smtClean="0">
-                <a:solidFill>
-                  <a:srgbClr val="000000"/>
-                </a:solidFill>
-                <a:latin typeface="Consolas" panose="020B0609020204030204" pitchFamily="49" charset="0"/>
-              </a:rPr>
-              <a:t>{</a:t>
-            </a:r>
-            <a:endParaRPr lang="en-US" dirty="0">
-              <a:solidFill>
-                <a:srgbClr val="000000"/>
-              </a:solidFill>
-              <a:latin typeface="Consolas" panose="020B0609020204030204" pitchFamily="49" charset="0"/>
-            </a:endParaRPr>
-          </a:p>
-          <a:p>
-            <a:pPr marL="0" indent="0">
-              <a:buNone/>
-            </a:pPr>
-            <a:r>
-              <a:rPr lang="en-US" dirty="0">
-                <a:solidFill>
-                  <a:srgbClr val="000000"/>
-                </a:solidFill>
-                <a:latin typeface="Consolas" panose="020B0609020204030204" pitchFamily="49" charset="0"/>
-              </a:rPr>
-              <a:t>        </a:t>
-            </a:r>
-            <a:r>
-              <a:rPr lang="en-US" dirty="0" smtClean="0">
-                <a:solidFill>
-                  <a:srgbClr val="0000FF"/>
-                </a:solidFill>
-                <a:latin typeface="Consolas" panose="020B0609020204030204" pitchFamily="49" charset="0"/>
-              </a:rPr>
-              <a:t>return</a:t>
-            </a:r>
-            <a:r>
-              <a:rPr lang="en-US" dirty="0" smtClean="0">
-                <a:solidFill>
-                  <a:srgbClr val="000000"/>
-                </a:solidFill>
-                <a:latin typeface="Consolas" panose="020B0609020204030204" pitchFamily="49" charset="0"/>
-              </a:rPr>
-              <a:t> </a:t>
-            </a:r>
-            <a:r>
-              <a:rPr lang="en-US" dirty="0">
-                <a:solidFill>
-                  <a:srgbClr val="000000"/>
-                </a:solidFill>
-                <a:latin typeface="Consolas" panose="020B0609020204030204" pitchFamily="49" charset="0"/>
-              </a:rPr>
-              <a:t>value == Quantity</a:t>
-            </a:r>
-          </a:p>
-          <a:p>
-            <a:pPr marL="0" indent="0">
-              <a:buNone/>
-            </a:pPr>
-            <a:r>
-              <a:rPr lang="en-US" dirty="0">
-                <a:solidFill>
-                  <a:srgbClr val="000000"/>
-                </a:solidFill>
-                <a:latin typeface="Consolas" panose="020B0609020204030204" pitchFamily="49" charset="0"/>
-              </a:rPr>
-              <a:t>             </a:t>
-            </a:r>
-            <a:r>
-              <a:rPr lang="en-US" dirty="0" smtClean="0">
-                <a:solidFill>
-                  <a:srgbClr val="000000"/>
-                </a:solidFill>
-                <a:latin typeface="Consolas" panose="020B0609020204030204" pitchFamily="49" charset="0"/>
-              </a:rPr>
-              <a:t>   </a:t>
-            </a:r>
-            <a:r>
-              <a:rPr lang="en-US" dirty="0">
-                <a:solidFill>
-                  <a:srgbClr val="000000"/>
-                </a:solidFill>
-                <a:latin typeface="Consolas" panose="020B0609020204030204" pitchFamily="49" charset="0"/>
-              </a:rPr>
-              <a:t>? </a:t>
-            </a:r>
-            <a:r>
-              <a:rPr lang="en-US" dirty="0">
-                <a:solidFill>
-                  <a:srgbClr val="0000FF"/>
-                </a:solidFill>
-                <a:latin typeface="Consolas" panose="020B0609020204030204" pitchFamily="49" charset="0"/>
-              </a:rPr>
-              <a:t>this</a:t>
-            </a:r>
-            <a:endParaRPr lang="en-US" dirty="0">
-              <a:solidFill>
-                <a:srgbClr val="000000"/>
-              </a:solidFill>
-              <a:latin typeface="Consolas" panose="020B0609020204030204" pitchFamily="49" charset="0"/>
-            </a:endParaRPr>
-          </a:p>
-          <a:p>
-            <a:pPr marL="0" indent="0">
-              <a:buNone/>
-            </a:pPr>
-            <a:r>
-              <a:rPr lang="en-US" dirty="0">
-                <a:solidFill>
-                  <a:srgbClr val="000000"/>
-                </a:solidFill>
-                <a:latin typeface="Consolas" panose="020B0609020204030204" pitchFamily="49" charset="0"/>
-              </a:rPr>
-              <a:t>            </a:t>
-            </a:r>
-            <a:r>
-              <a:rPr lang="en-US" dirty="0" smtClean="0">
-                <a:solidFill>
-                  <a:srgbClr val="000000"/>
-                </a:solidFill>
-                <a:latin typeface="Consolas" panose="020B0609020204030204" pitchFamily="49" charset="0"/>
-              </a:rPr>
-              <a:t>    </a:t>
-            </a:r>
-            <a:r>
-              <a:rPr lang="en-US" dirty="0">
-                <a:solidFill>
-                  <a:srgbClr val="000000"/>
-                </a:solidFill>
-                <a:latin typeface="Consolas" panose="020B0609020204030204" pitchFamily="49" charset="0"/>
-              </a:rPr>
-              <a:t>: </a:t>
-            </a:r>
-            <a:r>
-              <a:rPr lang="en-US" dirty="0">
-                <a:solidFill>
-                  <a:srgbClr val="0000FF"/>
-                </a:solidFill>
-                <a:latin typeface="Consolas" panose="020B0609020204030204" pitchFamily="49" charset="0"/>
-              </a:rPr>
-              <a:t>new</a:t>
-            </a:r>
-            <a:r>
-              <a:rPr lang="en-US" dirty="0">
-                <a:solidFill>
-                  <a:srgbClr val="000000"/>
-                </a:solidFill>
-                <a:latin typeface="Consolas" panose="020B0609020204030204" pitchFamily="49" charset="0"/>
-              </a:rPr>
-              <a:t> </a:t>
-            </a:r>
-            <a:r>
-              <a:rPr lang="en-US" dirty="0" err="1">
-                <a:solidFill>
-                  <a:srgbClr val="000000"/>
-                </a:solidFill>
-                <a:latin typeface="Consolas" panose="020B0609020204030204" pitchFamily="49" charset="0"/>
-              </a:rPr>
-              <a:t>OrderLine</a:t>
-            </a:r>
-            <a:r>
-              <a:rPr lang="en-US" dirty="0">
-                <a:solidFill>
-                  <a:srgbClr val="000000"/>
-                </a:solidFill>
-                <a:latin typeface="Consolas" panose="020B0609020204030204" pitchFamily="49" charset="0"/>
-              </a:rPr>
-              <a:t>(value, </a:t>
-            </a:r>
-            <a:r>
-              <a:rPr lang="en-US" dirty="0" err="1">
-                <a:solidFill>
-                  <a:srgbClr val="000000"/>
-                </a:solidFill>
-                <a:latin typeface="Consolas" panose="020B0609020204030204" pitchFamily="49" charset="0"/>
-              </a:rPr>
-              <a:t>UnitPrice</a:t>
-            </a:r>
-            <a:r>
-              <a:rPr lang="en-US" dirty="0">
-                <a:solidFill>
-                  <a:srgbClr val="000000"/>
-                </a:solidFill>
-                <a:latin typeface="Consolas" panose="020B0609020204030204" pitchFamily="49" charset="0"/>
-              </a:rPr>
-              <a:t>, Discount);</a:t>
-            </a:r>
-          </a:p>
-          <a:p>
-            <a:pPr marL="0" indent="0">
-              <a:buNone/>
-            </a:pPr>
-            <a:r>
-              <a:rPr lang="en-US" dirty="0">
-                <a:solidFill>
-                  <a:srgbClr val="000000"/>
-                </a:solidFill>
-                <a:latin typeface="Consolas" panose="020B0609020204030204" pitchFamily="49" charset="0"/>
-              </a:rPr>
-              <a:t>    </a:t>
-            </a:r>
-            <a:r>
-              <a:rPr lang="en-US" dirty="0" smtClean="0">
-                <a:solidFill>
-                  <a:srgbClr val="000000"/>
-                </a:solidFill>
-                <a:latin typeface="Consolas" panose="020B0609020204030204" pitchFamily="49" charset="0"/>
-              </a:rPr>
-              <a:t>}</a:t>
-            </a:r>
-            <a:endParaRPr lang="en-US" dirty="0">
-              <a:solidFill>
-                <a:srgbClr val="000000"/>
-              </a:solidFill>
-              <a:latin typeface="Consolas" panose="020B0609020204030204" pitchFamily="49" charset="0"/>
-            </a:endParaRPr>
-          </a:p>
-          <a:p>
-            <a:pPr marL="0" indent="0">
-              <a:buNone/>
-            </a:pPr>
-            <a:r>
-              <a:rPr lang="en-US" dirty="0">
-                <a:solidFill>
-                  <a:srgbClr val="000000"/>
-                </a:solidFill>
-                <a:latin typeface="Consolas" panose="020B0609020204030204" pitchFamily="49" charset="0"/>
-              </a:rPr>
-              <a:t> </a:t>
-            </a:r>
-            <a:r>
-              <a:rPr lang="en-US" dirty="0" smtClean="0">
-                <a:solidFill>
-                  <a:srgbClr val="000000"/>
-                </a:solidFill>
-                <a:latin typeface="Consolas" panose="020B0609020204030204" pitchFamily="49" charset="0"/>
-              </a:rPr>
-              <a:t>}</a:t>
-            </a:r>
-            <a:endParaRPr lang="en-US" dirty="0"/>
+            <a:r>
+              <a:rPr lang="en-US" dirty="0"/>
+              <a:t>Compile time </a:t>
+            </a:r>
+            <a:r>
+              <a:rPr lang="en-US" dirty="0" smtClean="0"/>
+              <a:t>validation</a:t>
+            </a:r>
+          </a:p>
+          <a:p>
+            <a:r>
+              <a:rPr lang="en-US" dirty="0" smtClean="0"/>
+              <a:t>Mutable and immutable states of an entity</a:t>
+            </a:r>
+          </a:p>
+          <a:p>
+            <a:r>
+              <a:rPr lang="en-US" dirty="0" smtClean="0"/>
+              <a:t>Native deserialization support</a:t>
+            </a:r>
+          </a:p>
+          <a:p>
+            <a:r>
+              <a:rPr lang="en-US" dirty="0" smtClean="0"/>
+              <a:t>Native Entity Framework support</a:t>
+            </a:r>
+          </a:p>
+          <a:p>
+            <a:r>
+              <a:rPr lang="en-US" dirty="0" smtClean="0"/>
+              <a:t>Specification via Expression&lt;</a:t>
+            </a:r>
+            <a:r>
+              <a:rPr lang="en-US" dirty="0" err="1" smtClean="0"/>
+              <a:t>Predicade</a:t>
+            </a:r>
+            <a:r>
+              <a:rPr lang="en-US" dirty="0" smtClean="0"/>
+              <a:t>&lt;Entity&gt;&gt;</a:t>
+            </a:r>
+          </a:p>
+          <a:p>
+            <a:r>
+              <a:rPr lang="en-US" dirty="0" smtClean="0"/>
+              <a:t>Using one implementation and different interfaces in different bounded contexts</a:t>
+            </a:r>
+          </a:p>
+          <a:p>
+            <a:endParaRPr lang="en-US" dirty="0" smtClean="0"/>
+          </a:p>
+          <a:p>
+            <a:endParaRPr lang="ru-RU" dirty="0"/>
           </a:p>
         </p:txBody>
       </p:sp>
     </p:spTree>
     <p:extLst>
       <p:ext uri="{BB962C8B-B14F-4D97-AF65-F5344CB8AC3E}">
-        <p14:creationId xmlns:p14="http://schemas.microsoft.com/office/powerpoint/2010/main" val="948732505"/>
+        <p14:creationId xmlns:p14="http://schemas.microsoft.com/office/powerpoint/2010/main" val="3485991850"/>
       </p:ext>
     </p:extLst>
   </p:cSld>
   <p:clrMapOvr>
     <a:masterClrMapping/>
   </p:clrMapOvr>
+  <p:timing>
+    <p:tnLst>
+      <p:par>
+        <p:cTn id="1" dur="indefinite" restart="never" nodeType="tmRoot"/>
+      </p:par>
+    </p:tnLst>
+  </p:timing>
 </p:sld>
 </file>
 
@@ -13471,7 +14328,7 @@
           <p:cNvPr id="2" name="Title 1">
             <a:extLst>
               <a:ext uri="{FF2B5EF4-FFF2-40B4-BE49-F238E27FC236}">
-                <a16:creationId xmlns:a16="http://schemas.microsoft.com/office/drawing/2014/main" id="{8FA84517-B541-44A6-94B5-885E93C20656}"/>
+                <a16:creationId xmlns:a16="http://schemas.microsoft.com/office/drawing/2014/main" id="{20C3DC74-6C50-4957-9384-848EDDF556B3}"/>
               </a:ext>
             </a:extLst>
           </p:cNvPr>
@@ -13489,17 +14346,25 @@
           <a:p>
             <a:r>
               <a:rPr lang="en-US" dirty="0"/>
-              <a:t>Dangerous “With”</a:t>
+              <a:t>The </a:t>
+            </a:r>
+            <a:r>
+              <a:rPr lang="en-US" dirty="0" err="1"/>
+              <a:t>Codless</a:t>
+            </a:r>
+            <a:r>
+              <a:rPr lang="en-US" dirty="0"/>
+              <a:t> Code. Case 96 Stateless</a:t>
             </a:r>
           </a:p>
         </p:txBody>
       </p:sp>
       <p:sp>
         <p:nvSpPr>
-          <p:cNvPr id="3" name="Content Placeholder 2">
+          <p:cNvPr id="5" name="Content Placeholder 4">
             <a:extLst>
               <a:ext uri="{FF2B5EF4-FFF2-40B4-BE49-F238E27FC236}">
-                <a16:creationId xmlns:a16="http://schemas.microsoft.com/office/drawing/2014/main" id="{E8A92FC3-83DE-491B-9F9E-E2914C26E46A}"/>
+                <a16:creationId xmlns:a16="http://schemas.microsoft.com/office/drawing/2014/main" id="{794B85E9-070D-4F15-A663-D7D8798C8510}"/>
               </a:ext>
             </a:extLst>
           </p:cNvPr>
@@ -13512,171 +14377,72 @@
         </p:nvSpPr>
         <p:spPr/>
         <p:txBody>
-          <a:bodyPr/>
+          <a:bodyPr>
+            <a:normAutofit/>
+          </a:bodyPr>
           <a:lstStyle/>
           <a:p>
             <a:pPr marL="0" indent="0">
               <a:buNone/>
             </a:pPr>
             <a:r>
-              <a:rPr lang="en-US" dirty="0">
-                <a:solidFill>
-                  <a:srgbClr val="0000FF"/>
-                </a:solidFill>
-                <a:latin typeface="Consolas" panose="020B0609020204030204" pitchFamily="49" charset="0"/>
-              </a:rPr>
-              <a:t>public</a:t>
-            </a:r>
-            <a:r>
-              <a:rPr lang="en-US" dirty="0">
-                <a:solidFill>
-                  <a:srgbClr val="000000"/>
-                </a:solidFill>
-                <a:latin typeface="Consolas" panose="020B0609020204030204" pitchFamily="49" charset="0"/>
-              </a:rPr>
-              <a:t> </a:t>
-            </a:r>
-            <a:r>
-              <a:rPr lang="en-US" dirty="0" smtClean="0">
-                <a:solidFill>
-                  <a:srgbClr val="000000"/>
-                </a:solidFill>
-                <a:latin typeface="Consolas" panose="020B0609020204030204" pitchFamily="49" charset="0"/>
-              </a:rPr>
-              <a:t>Entity </a:t>
-            </a:r>
-            <a:r>
-              <a:rPr lang="en-US" dirty="0">
-                <a:solidFill>
-                  <a:srgbClr val="000000"/>
-                </a:solidFill>
-                <a:latin typeface="Consolas" panose="020B0609020204030204" pitchFamily="49" charset="0"/>
-              </a:rPr>
-              <a:t>With(Action&lt;Entity&gt; builder)</a:t>
-            </a:r>
-          </a:p>
-          <a:p>
-            <a:pPr marL="0" indent="0">
-              <a:buNone/>
-            </a:pPr>
-            <a:r>
-              <a:rPr lang="en-US" dirty="0">
-                <a:solidFill>
-                  <a:srgbClr val="000000"/>
-                </a:solidFill>
-                <a:latin typeface="Consolas" panose="020B0609020204030204" pitchFamily="49" charset="0"/>
-              </a:rPr>
-              <a:t>{</a:t>
-            </a:r>
-          </a:p>
-          <a:p>
-            <a:pPr marL="0" indent="0">
-              <a:buNone/>
-            </a:pPr>
-            <a:r>
-              <a:rPr lang="en-US" dirty="0">
-                <a:solidFill>
-                  <a:srgbClr val="0000FF"/>
-                </a:solidFill>
-                <a:latin typeface="Consolas" panose="020B0609020204030204" pitchFamily="49" charset="0"/>
-              </a:rPr>
-              <a:t>    </a:t>
-            </a:r>
-            <a:r>
-              <a:rPr lang="en-US" dirty="0" err="1">
-                <a:solidFill>
-                  <a:srgbClr val="0000FF"/>
-                </a:solidFill>
-                <a:latin typeface="Consolas" panose="020B0609020204030204" pitchFamily="49" charset="0"/>
-              </a:rPr>
-              <a:t>var</a:t>
-            </a:r>
-            <a:r>
-              <a:rPr lang="en-US" dirty="0">
-                <a:solidFill>
-                  <a:srgbClr val="000000"/>
-                </a:solidFill>
-                <a:latin typeface="Consolas" panose="020B0609020204030204" pitchFamily="49" charset="0"/>
-              </a:rPr>
-              <a:t> clone = (Entity)</a:t>
-            </a:r>
-            <a:r>
-              <a:rPr lang="en-US" dirty="0" err="1">
-                <a:solidFill>
-                  <a:srgbClr val="000000"/>
-                </a:solidFill>
-                <a:latin typeface="Consolas" panose="020B0609020204030204" pitchFamily="49" charset="0"/>
-              </a:rPr>
-              <a:t>MemberwiseClone</a:t>
-            </a:r>
-            <a:r>
-              <a:rPr lang="en-US" dirty="0">
-                <a:solidFill>
-                  <a:srgbClr val="000000"/>
-                </a:solidFill>
-                <a:latin typeface="Consolas" panose="020B0609020204030204" pitchFamily="49" charset="0"/>
-              </a:rPr>
-              <a:t>();</a:t>
-            </a:r>
-          </a:p>
-          <a:p>
-            <a:pPr marL="0" indent="0">
-              <a:buNone/>
-            </a:pPr>
-            <a:r>
-              <a:rPr lang="en-US" dirty="0">
-                <a:solidFill>
-                  <a:srgbClr val="000000"/>
-                </a:solidFill>
-                <a:latin typeface="Consolas" panose="020B0609020204030204" pitchFamily="49" charset="0"/>
-              </a:rPr>
-              <a:t>    builder(clone);</a:t>
-            </a:r>
-          </a:p>
-          <a:p>
-            <a:pPr marL="0" indent="0">
-              <a:buNone/>
-            </a:pPr>
-            <a:r>
-              <a:rPr lang="en-US" dirty="0">
-                <a:solidFill>
-                  <a:srgbClr val="0000FF"/>
-                </a:solidFill>
-                <a:latin typeface="Consolas" panose="020B0609020204030204" pitchFamily="49" charset="0"/>
-              </a:rPr>
-              <a:t>    return</a:t>
-            </a:r>
-            <a:r>
-              <a:rPr lang="en-US" dirty="0">
-                <a:solidFill>
-                  <a:srgbClr val="000000"/>
-                </a:solidFill>
-                <a:latin typeface="Consolas" panose="020B0609020204030204" pitchFamily="49" charset="0"/>
-              </a:rPr>
-              <a:t> clone;</a:t>
-            </a:r>
-          </a:p>
-          <a:p>
-            <a:pPr marL="0" indent="0">
-              <a:buNone/>
-            </a:pPr>
-            <a:r>
-              <a:rPr lang="en-US" dirty="0">
-                <a:solidFill>
-                  <a:srgbClr val="000000"/>
-                </a:solidFill>
-                <a:latin typeface="Consolas" panose="020B0609020204030204" pitchFamily="49" charset="0"/>
-              </a:rPr>
-              <a:t>}</a:t>
-            </a:r>
-            <a:endParaRPr lang="en-US" dirty="0"/>
+              <a:rPr lang="en-US" dirty="0"/>
+              <a:t>It is the duty of every monk to call upon master </a:t>
+            </a:r>
+            <a:r>
+              <a:rPr lang="en-US" dirty="0" err="1"/>
+              <a:t>Kaimu</a:t>
+            </a:r>
+            <a:r>
+              <a:rPr lang="en-US" dirty="0"/>
+              <a:t> at least once during their time at the temple. When the master opens his door the monk must bow and ask: “What is the great joy of stateless services?”</a:t>
+            </a:r>
+          </a:p>
+          <a:p>
+            <a:pPr marL="0" indent="0">
+              <a:buNone/>
+            </a:pPr>
+            <a:r>
+              <a:rPr lang="en-US" dirty="0"/>
+              <a:t>Without fail master </a:t>
+            </a:r>
+            <a:r>
+              <a:rPr lang="en-US" dirty="0" err="1"/>
+              <a:t>Kaimu</a:t>
+            </a:r>
+            <a:r>
+              <a:rPr lang="en-US" dirty="0"/>
+              <a:t> will reply: “Ten thousand guests fed by a single grain of rice.”</a:t>
+            </a:r>
+          </a:p>
+          <a:p>
+            <a:pPr marL="0" indent="0">
+              <a:buNone/>
+            </a:pPr>
+            <a:r>
+              <a:rPr lang="en-US" dirty="0"/>
+              <a:t>The monk must then ask: “And what is the great sorrow?”</a:t>
+            </a:r>
+          </a:p>
+          <a:p>
+            <a:pPr marL="0" indent="0">
+              <a:buNone/>
+            </a:pPr>
+            <a:r>
+              <a:rPr lang="en-US" dirty="0" err="1"/>
+              <a:t>Kaimu</a:t>
+            </a:r>
+            <a:r>
+              <a:rPr lang="en-US" dirty="0"/>
+              <a:t> will reply: “The great sorrow of what?”</a:t>
+            </a:r>
           </a:p>
         </p:txBody>
       </p:sp>
     </p:spTree>
     <p:extLst>
       <p:ext uri="{BB962C8B-B14F-4D97-AF65-F5344CB8AC3E}">
-        <p14:creationId xmlns:p14="http://schemas.microsoft.com/office/powerpoint/2010/main" val="1403624607"/>
+        <p14:creationId xmlns:p14="http://schemas.microsoft.com/office/powerpoint/2010/main" val="3306413850"/>
       </p:ext>
     </p:extLst>
   </p:cSld>
@@ -13715,7 +14481,7 @@
           <p:cNvPr id="2" name="Title 1">
             <a:extLst>
               <a:ext uri="{FF2B5EF4-FFF2-40B4-BE49-F238E27FC236}">
-                <a16:creationId xmlns:a16="http://schemas.microsoft.com/office/drawing/2014/main" id="{29B58DD4-28BA-4308-B0B8-BAD47C1FAAA0}"/>
+                <a16:creationId xmlns:a16="http://schemas.microsoft.com/office/drawing/2014/main" id="{8CAAAD76-EDDF-48E8-BA0D-C3063418DCA8}"/>
               </a:ext>
             </a:extLst>
           </p:cNvPr>
@@ -13723,7 +14489,7 @@
             <a:spLocks noGrp="1"/>
           </p:cNvSpPr>
           <p:nvPr>
-            <p:ph type="ctrTitle"/>
+            <p:ph type="title"/>
           </p:nvPr>
         </p:nvSpPr>
         <p:spPr/>
@@ -13733,17 +14499,17 @@
           <a:p>
             <a:r>
               <a:rPr lang="en-US" dirty="0"/>
-              <a:t>Immutable collections</a:t>
+              <a:t>With pattern</a:t>
             </a:r>
           </a:p>
         </p:txBody>
       </p:sp>
       <p:sp>
         <p:nvSpPr>
-          <p:cNvPr id="4" name="Subtitle 3">
+          <p:cNvPr id="3" name="Content Placeholder 2">
             <a:extLst>
               <a:ext uri="{FF2B5EF4-FFF2-40B4-BE49-F238E27FC236}">
-                <a16:creationId xmlns:a16="http://schemas.microsoft.com/office/drawing/2014/main" id="{62FD9201-44D2-4217-9B40-FCE23E33996D}"/>
+                <a16:creationId xmlns:a16="http://schemas.microsoft.com/office/drawing/2014/main" id="{E749CD9A-84B6-4103-82CC-296AB5BF121A}"/>
               </a:ext>
             </a:extLst>
           </p:cNvPr>
@@ -13751,25 +14517,488 @@
             <a:spLocks noGrp="1"/>
           </p:cNvSpPr>
           <p:nvPr>
-            <p:ph type="subTitle" idx="1"/>
+            <p:ph idx="1"/>
           </p:nvPr>
         </p:nvSpPr>
         <p:spPr/>
         <p:txBody>
-          <a:bodyPr/>
+          <a:bodyPr>
+            <a:normAutofit fontScale="85000" lnSpcReduction="20000"/>
+          </a:bodyPr>
           <a:lstStyle/>
           <a:p>
-            <a:r>
-              <a:rPr lang="en-US" dirty="0"/>
-              <a:t>Instead of comparing immutable collections with a mutable collection we should consider it as an alternative to using mutable collections in an immutable way.</a:t>
-            </a:r>
+            <a:pPr marL="0" indent="0">
+              <a:buNone/>
+            </a:pPr>
+            <a:r>
+              <a:rPr lang="en-US" dirty="0">
+                <a:solidFill>
+                  <a:srgbClr val="000000"/>
+                </a:solidFill>
+                <a:latin typeface="Consolas" panose="020B0609020204030204" pitchFamily="49" charset="0"/>
+              </a:rPr>
+              <a:t> </a:t>
+            </a:r>
+            <a:r>
+              <a:rPr lang="en-US" dirty="0">
+                <a:solidFill>
+                  <a:srgbClr val="0000FF"/>
+                </a:solidFill>
+                <a:latin typeface="Consolas" panose="020B0609020204030204" pitchFamily="49" charset="0"/>
+              </a:rPr>
+              <a:t>class</a:t>
+            </a:r>
+            <a:r>
+              <a:rPr lang="en-US" dirty="0">
+                <a:solidFill>
+                  <a:srgbClr val="000000"/>
+                </a:solidFill>
+                <a:latin typeface="Consolas" panose="020B0609020204030204" pitchFamily="49" charset="0"/>
+              </a:rPr>
+              <a:t> </a:t>
+            </a:r>
+            <a:r>
+              <a:rPr lang="en-US" dirty="0" err="1">
+                <a:solidFill>
+                  <a:srgbClr val="2B91AF"/>
+                </a:solidFill>
+                <a:latin typeface="Consolas" panose="020B0609020204030204" pitchFamily="49" charset="0"/>
+              </a:rPr>
+              <a:t>OrderLine</a:t>
+            </a:r>
+            <a:endParaRPr lang="en-US" dirty="0">
+              <a:solidFill>
+                <a:srgbClr val="000000"/>
+              </a:solidFill>
+              <a:latin typeface="Consolas" panose="020B0609020204030204" pitchFamily="49" charset="0"/>
+            </a:endParaRPr>
+          </a:p>
+          <a:p>
+            <a:pPr marL="0" indent="0">
+              <a:buNone/>
+            </a:pPr>
+            <a:r>
+              <a:rPr lang="en-US" dirty="0">
+                <a:solidFill>
+                  <a:srgbClr val="000000"/>
+                </a:solidFill>
+                <a:latin typeface="Consolas" panose="020B0609020204030204" pitchFamily="49" charset="0"/>
+              </a:rPr>
+              <a:t> </a:t>
+            </a:r>
+            <a:r>
+              <a:rPr lang="en-US" dirty="0" smtClean="0">
+                <a:solidFill>
+                  <a:srgbClr val="000000"/>
+                </a:solidFill>
+                <a:latin typeface="Consolas" panose="020B0609020204030204" pitchFamily="49" charset="0"/>
+              </a:rPr>
+              <a:t>{</a:t>
+            </a:r>
+            <a:endParaRPr lang="en-US" dirty="0">
+              <a:solidFill>
+                <a:srgbClr val="000000"/>
+              </a:solidFill>
+              <a:latin typeface="Consolas" panose="020B0609020204030204" pitchFamily="49" charset="0"/>
+            </a:endParaRPr>
+          </a:p>
+          <a:p>
+            <a:pPr marL="0" indent="0">
+              <a:buNone/>
+            </a:pPr>
+            <a:r>
+              <a:rPr lang="en-US" dirty="0">
+                <a:solidFill>
+                  <a:srgbClr val="000000"/>
+                </a:solidFill>
+                <a:latin typeface="Consolas" panose="020B0609020204030204" pitchFamily="49" charset="0"/>
+              </a:rPr>
+              <a:t>    </a:t>
+            </a:r>
+            <a:r>
+              <a:rPr lang="en-US" dirty="0" smtClean="0">
+                <a:solidFill>
+                  <a:srgbClr val="008000"/>
+                </a:solidFill>
+                <a:latin typeface="Consolas" panose="020B0609020204030204" pitchFamily="49" charset="0"/>
+              </a:rPr>
+              <a:t>// </a:t>
+            </a:r>
+            <a:r>
+              <a:rPr lang="en-US" dirty="0">
+                <a:solidFill>
+                  <a:srgbClr val="008000"/>
+                </a:solidFill>
+                <a:latin typeface="Consolas" panose="020B0609020204030204" pitchFamily="49" charset="0"/>
+              </a:rPr>
+              <a:t>…</a:t>
+            </a:r>
+            <a:endParaRPr lang="en-US" dirty="0">
+              <a:solidFill>
+                <a:srgbClr val="000000"/>
+              </a:solidFill>
+              <a:latin typeface="Consolas" panose="020B0609020204030204" pitchFamily="49" charset="0"/>
+            </a:endParaRPr>
+          </a:p>
+          <a:p>
+            <a:pPr marL="0" indent="0">
+              <a:buNone/>
+            </a:pPr>
+            <a:endParaRPr lang="en-US" dirty="0">
+              <a:solidFill>
+                <a:srgbClr val="000000"/>
+              </a:solidFill>
+              <a:latin typeface="Consolas" panose="020B0609020204030204" pitchFamily="49" charset="0"/>
+            </a:endParaRPr>
+          </a:p>
+          <a:p>
+            <a:pPr marL="0" indent="0">
+              <a:buNone/>
+            </a:pPr>
+            <a:r>
+              <a:rPr lang="en-US" dirty="0">
+                <a:solidFill>
+                  <a:srgbClr val="000000"/>
+                </a:solidFill>
+                <a:latin typeface="Consolas" panose="020B0609020204030204" pitchFamily="49" charset="0"/>
+              </a:rPr>
+              <a:t>    </a:t>
+            </a:r>
+            <a:r>
+              <a:rPr lang="en-US" dirty="0" smtClean="0">
+                <a:solidFill>
+                  <a:srgbClr val="0000FF"/>
+                </a:solidFill>
+                <a:latin typeface="Consolas" panose="020B0609020204030204" pitchFamily="49" charset="0"/>
+              </a:rPr>
+              <a:t>public</a:t>
+            </a:r>
+            <a:r>
+              <a:rPr lang="en-US" dirty="0" smtClean="0">
+                <a:solidFill>
+                  <a:srgbClr val="000000"/>
+                </a:solidFill>
+                <a:latin typeface="Consolas" panose="020B0609020204030204" pitchFamily="49" charset="0"/>
+              </a:rPr>
+              <a:t> </a:t>
+            </a:r>
+            <a:r>
+              <a:rPr lang="en-US" dirty="0" err="1">
+                <a:solidFill>
+                  <a:srgbClr val="000000"/>
+                </a:solidFill>
+                <a:latin typeface="Consolas" panose="020B0609020204030204" pitchFamily="49" charset="0"/>
+              </a:rPr>
+              <a:t>OrderLine</a:t>
+            </a:r>
+            <a:r>
+              <a:rPr lang="en-US" dirty="0">
+                <a:solidFill>
+                  <a:srgbClr val="000000"/>
+                </a:solidFill>
+                <a:latin typeface="Consolas" panose="020B0609020204030204" pitchFamily="49" charset="0"/>
+              </a:rPr>
+              <a:t> </a:t>
+            </a:r>
+            <a:r>
+              <a:rPr lang="en-US" dirty="0" err="1">
+                <a:solidFill>
+                  <a:srgbClr val="000000"/>
+                </a:solidFill>
+                <a:latin typeface="Consolas" panose="020B0609020204030204" pitchFamily="49" charset="0"/>
+              </a:rPr>
+              <a:t>WithQuantity</a:t>
+            </a:r>
+            <a:r>
+              <a:rPr lang="en-US" dirty="0">
+                <a:solidFill>
+                  <a:srgbClr val="000000"/>
+                </a:solidFill>
+                <a:latin typeface="Consolas" panose="020B0609020204030204" pitchFamily="49" charset="0"/>
+              </a:rPr>
+              <a:t>(</a:t>
+            </a:r>
+            <a:r>
+              <a:rPr lang="en-US" dirty="0" err="1">
+                <a:solidFill>
+                  <a:srgbClr val="0000FF"/>
+                </a:solidFill>
+                <a:latin typeface="Consolas" panose="020B0609020204030204" pitchFamily="49" charset="0"/>
+              </a:rPr>
+              <a:t>int</a:t>
+            </a:r>
+            <a:r>
+              <a:rPr lang="en-US" dirty="0">
+                <a:solidFill>
+                  <a:srgbClr val="000000"/>
+                </a:solidFill>
+                <a:latin typeface="Consolas" panose="020B0609020204030204" pitchFamily="49" charset="0"/>
+              </a:rPr>
+              <a:t> value)</a:t>
+            </a:r>
+          </a:p>
+          <a:p>
+            <a:pPr marL="0" indent="0">
+              <a:buNone/>
+            </a:pPr>
+            <a:r>
+              <a:rPr lang="en-US" dirty="0">
+                <a:solidFill>
+                  <a:srgbClr val="000000"/>
+                </a:solidFill>
+                <a:latin typeface="Consolas" panose="020B0609020204030204" pitchFamily="49" charset="0"/>
+              </a:rPr>
+              <a:t>    </a:t>
+            </a:r>
+            <a:r>
+              <a:rPr lang="en-US" dirty="0" smtClean="0">
+                <a:solidFill>
+                  <a:srgbClr val="000000"/>
+                </a:solidFill>
+                <a:latin typeface="Consolas" panose="020B0609020204030204" pitchFamily="49" charset="0"/>
+              </a:rPr>
+              <a:t>{</a:t>
+            </a:r>
+            <a:endParaRPr lang="en-US" dirty="0">
+              <a:solidFill>
+                <a:srgbClr val="000000"/>
+              </a:solidFill>
+              <a:latin typeface="Consolas" panose="020B0609020204030204" pitchFamily="49" charset="0"/>
+            </a:endParaRPr>
+          </a:p>
+          <a:p>
+            <a:pPr marL="0" indent="0">
+              <a:buNone/>
+            </a:pPr>
+            <a:r>
+              <a:rPr lang="en-US" dirty="0">
+                <a:solidFill>
+                  <a:srgbClr val="000000"/>
+                </a:solidFill>
+                <a:latin typeface="Consolas" panose="020B0609020204030204" pitchFamily="49" charset="0"/>
+              </a:rPr>
+              <a:t>        </a:t>
+            </a:r>
+            <a:r>
+              <a:rPr lang="en-US" dirty="0" smtClean="0">
+                <a:solidFill>
+                  <a:srgbClr val="0000FF"/>
+                </a:solidFill>
+                <a:latin typeface="Consolas" panose="020B0609020204030204" pitchFamily="49" charset="0"/>
+              </a:rPr>
+              <a:t>return</a:t>
+            </a:r>
+            <a:r>
+              <a:rPr lang="en-US" dirty="0" smtClean="0">
+                <a:solidFill>
+                  <a:srgbClr val="000000"/>
+                </a:solidFill>
+                <a:latin typeface="Consolas" panose="020B0609020204030204" pitchFamily="49" charset="0"/>
+              </a:rPr>
+              <a:t> </a:t>
+            </a:r>
+            <a:r>
+              <a:rPr lang="en-US" dirty="0">
+                <a:solidFill>
+                  <a:srgbClr val="000000"/>
+                </a:solidFill>
+                <a:latin typeface="Consolas" panose="020B0609020204030204" pitchFamily="49" charset="0"/>
+              </a:rPr>
+              <a:t>value == Quantity</a:t>
+            </a:r>
+          </a:p>
+          <a:p>
+            <a:pPr marL="0" indent="0">
+              <a:buNone/>
+            </a:pPr>
+            <a:r>
+              <a:rPr lang="en-US" dirty="0">
+                <a:solidFill>
+                  <a:srgbClr val="000000"/>
+                </a:solidFill>
+                <a:latin typeface="Consolas" panose="020B0609020204030204" pitchFamily="49" charset="0"/>
+              </a:rPr>
+              <a:t>             </a:t>
+            </a:r>
+            <a:r>
+              <a:rPr lang="en-US" dirty="0" smtClean="0">
+                <a:solidFill>
+                  <a:srgbClr val="000000"/>
+                </a:solidFill>
+                <a:latin typeface="Consolas" panose="020B0609020204030204" pitchFamily="49" charset="0"/>
+              </a:rPr>
+              <a:t>   </a:t>
+            </a:r>
+            <a:r>
+              <a:rPr lang="en-US" dirty="0">
+                <a:solidFill>
+                  <a:srgbClr val="000000"/>
+                </a:solidFill>
+                <a:latin typeface="Consolas" panose="020B0609020204030204" pitchFamily="49" charset="0"/>
+              </a:rPr>
+              <a:t>? </a:t>
+            </a:r>
+            <a:r>
+              <a:rPr lang="en-US" dirty="0">
+                <a:solidFill>
+                  <a:srgbClr val="0000FF"/>
+                </a:solidFill>
+                <a:latin typeface="Consolas" panose="020B0609020204030204" pitchFamily="49" charset="0"/>
+              </a:rPr>
+              <a:t>this</a:t>
+            </a:r>
+            <a:endParaRPr lang="en-US" dirty="0">
+              <a:solidFill>
+                <a:srgbClr val="000000"/>
+              </a:solidFill>
+              <a:latin typeface="Consolas" panose="020B0609020204030204" pitchFamily="49" charset="0"/>
+            </a:endParaRPr>
+          </a:p>
+          <a:p>
+            <a:pPr marL="0" indent="0">
+              <a:buNone/>
+            </a:pPr>
+            <a:r>
+              <a:rPr lang="en-US" dirty="0">
+                <a:solidFill>
+                  <a:srgbClr val="000000"/>
+                </a:solidFill>
+                <a:latin typeface="Consolas" panose="020B0609020204030204" pitchFamily="49" charset="0"/>
+              </a:rPr>
+              <a:t>            </a:t>
+            </a:r>
+            <a:r>
+              <a:rPr lang="en-US" dirty="0" smtClean="0">
+                <a:solidFill>
+                  <a:srgbClr val="000000"/>
+                </a:solidFill>
+                <a:latin typeface="Consolas" panose="020B0609020204030204" pitchFamily="49" charset="0"/>
+              </a:rPr>
+              <a:t>    </a:t>
+            </a:r>
+            <a:r>
+              <a:rPr lang="en-US" dirty="0">
+                <a:solidFill>
+                  <a:srgbClr val="000000"/>
+                </a:solidFill>
+                <a:latin typeface="Consolas" panose="020B0609020204030204" pitchFamily="49" charset="0"/>
+              </a:rPr>
+              <a:t>: </a:t>
+            </a:r>
+            <a:r>
+              <a:rPr lang="en-US" dirty="0">
+                <a:solidFill>
+                  <a:srgbClr val="0000FF"/>
+                </a:solidFill>
+                <a:latin typeface="Consolas" panose="020B0609020204030204" pitchFamily="49" charset="0"/>
+              </a:rPr>
+              <a:t>new</a:t>
+            </a:r>
+            <a:r>
+              <a:rPr lang="en-US" dirty="0">
+                <a:solidFill>
+                  <a:srgbClr val="000000"/>
+                </a:solidFill>
+                <a:latin typeface="Consolas" panose="020B0609020204030204" pitchFamily="49" charset="0"/>
+              </a:rPr>
+              <a:t> </a:t>
+            </a:r>
+            <a:r>
+              <a:rPr lang="en-US" dirty="0" err="1">
+                <a:solidFill>
+                  <a:srgbClr val="000000"/>
+                </a:solidFill>
+                <a:latin typeface="Consolas" panose="020B0609020204030204" pitchFamily="49" charset="0"/>
+              </a:rPr>
+              <a:t>OrderLine</a:t>
+            </a:r>
+            <a:r>
+              <a:rPr lang="en-US" dirty="0">
+                <a:solidFill>
+                  <a:srgbClr val="000000"/>
+                </a:solidFill>
+                <a:latin typeface="Consolas" panose="020B0609020204030204" pitchFamily="49" charset="0"/>
+              </a:rPr>
+              <a:t>(value, </a:t>
+            </a:r>
+            <a:r>
+              <a:rPr lang="en-US" dirty="0" err="1">
+                <a:solidFill>
+                  <a:srgbClr val="000000"/>
+                </a:solidFill>
+                <a:latin typeface="Consolas" panose="020B0609020204030204" pitchFamily="49" charset="0"/>
+              </a:rPr>
+              <a:t>UnitPrice</a:t>
+            </a:r>
+            <a:r>
+              <a:rPr lang="en-US" dirty="0">
+                <a:solidFill>
+                  <a:srgbClr val="000000"/>
+                </a:solidFill>
+                <a:latin typeface="Consolas" panose="020B0609020204030204" pitchFamily="49" charset="0"/>
+              </a:rPr>
+              <a:t>, Discount);</a:t>
+            </a:r>
+          </a:p>
+          <a:p>
+            <a:pPr marL="0" indent="0">
+              <a:buNone/>
+            </a:pPr>
+            <a:r>
+              <a:rPr lang="en-US" dirty="0">
+                <a:solidFill>
+                  <a:srgbClr val="000000"/>
+                </a:solidFill>
+                <a:latin typeface="Consolas" panose="020B0609020204030204" pitchFamily="49" charset="0"/>
+              </a:rPr>
+              <a:t>    </a:t>
+            </a:r>
+            <a:r>
+              <a:rPr lang="en-US" dirty="0" smtClean="0">
+                <a:solidFill>
+                  <a:srgbClr val="000000"/>
+                </a:solidFill>
+                <a:latin typeface="Consolas" panose="020B0609020204030204" pitchFamily="49" charset="0"/>
+              </a:rPr>
+              <a:t>}</a:t>
+            </a:r>
+            <a:endParaRPr lang="en-US" dirty="0">
+              <a:solidFill>
+                <a:srgbClr val="000000"/>
+              </a:solidFill>
+              <a:latin typeface="Consolas" panose="020B0609020204030204" pitchFamily="49" charset="0"/>
+            </a:endParaRPr>
+          </a:p>
+          <a:p>
+            <a:pPr marL="0" indent="0">
+              <a:buNone/>
+            </a:pPr>
+            <a:r>
+              <a:rPr lang="en-US" dirty="0">
+                <a:solidFill>
+                  <a:srgbClr val="000000"/>
+                </a:solidFill>
+                <a:latin typeface="Consolas" panose="020B0609020204030204" pitchFamily="49" charset="0"/>
+              </a:rPr>
+              <a:t> </a:t>
+            </a:r>
+            <a:r>
+              <a:rPr lang="en-US" dirty="0" smtClean="0">
+                <a:solidFill>
+                  <a:srgbClr val="000000"/>
+                </a:solidFill>
+                <a:latin typeface="Consolas" panose="020B0609020204030204" pitchFamily="49" charset="0"/>
+              </a:rPr>
+              <a:t>}</a:t>
+            </a:r>
+            <a:endParaRPr lang="en-US" dirty="0"/>
           </a:p>
         </p:txBody>
       </p:sp>
     </p:spTree>
     <p:extLst>
       <p:ext uri="{BB962C8B-B14F-4D97-AF65-F5344CB8AC3E}">
-        <p14:creationId xmlns:p14="http://schemas.microsoft.com/office/powerpoint/2010/main" val="1898269488"/>
+        <p14:creationId xmlns:p14="http://schemas.microsoft.com/office/powerpoint/2010/main" val="948732505"/>
       </p:ext>
     </p:extLst>
   </p:cSld>
@@ -13808,6 +15037,2041 @@
           <p:cNvPr id="2" name="Title 1">
             <a:extLst>
               <a:ext uri="{FF2B5EF4-FFF2-40B4-BE49-F238E27FC236}">
+                <a16:creationId xmlns:a16="http://schemas.microsoft.com/office/drawing/2014/main" id="{8FA84517-B541-44A6-94B5-885E93C20656}"/>
+              </a:ext>
+            </a:extLst>
+          </p:cNvPr>
+          <p:cNvSpPr>
+            <a:spLocks noGrp="1"/>
+          </p:cNvSpPr>
+          <p:nvPr>
+            <p:ph type="title"/>
+          </p:nvPr>
+        </p:nvSpPr>
+        <p:spPr/>
+        <p:txBody>
+          <a:bodyPr/>
+          <a:lstStyle/>
+          <a:p>
+            <a:r>
+              <a:rPr lang="en-US" dirty="0" smtClean="0"/>
+              <a:t>Anti-pattern “With builder”</a:t>
+            </a:r>
+            <a:endParaRPr lang="en-US" dirty="0"/>
+          </a:p>
+        </p:txBody>
+      </p:sp>
+      <p:sp>
+        <p:nvSpPr>
+          <p:cNvPr id="3" name="Content Placeholder 2">
+            <a:extLst>
+              <a:ext uri="{FF2B5EF4-FFF2-40B4-BE49-F238E27FC236}">
+                <a16:creationId xmlns:a16="http://schemas.microsoft.com/office/drawing/2014/main" id="{E8A92FC3-83DE-491B-9F9E-E2914C26E46A}"/>
+              </a:ext>
+            </a:extLst>
+          </p:cNvPr>
+          <p:cNvSpPr>
+            <a:spLocks noGrp="1"/>
+          </p:cNvSpPr>
+          <p:nvPr>
+            <p:ph idx="1"/>
+          </p:nvPr>
+        </p:nvSpPr>
+        <p:spPr/>
+        <p:txBody>
+          <a:bodyPr/>
+          <a:lstStyle/>
+          <a:p>
+            <a:pPr marL="0" indent="0">
+              <a:buNone/>
+            </a:pPr>
+            <a:r>
+              <a:rPr lang="en-US" dirty="0">
+                <a:solidFill>
+                  <a:srgbClr val="0000FF"/>
+                </a:solidFill>
+                <a:latin typeface="Consolas" panose="020B0609020204030204" pitchFamily="49" charset="0"/>
+              </a:rPr>
+              <a:t>public</a:t>
+            </a:r>
+            <a:r>
+              <a:rPr lang="en-US" dirty="0">
+                <a:solidFill>
+                  <a:srgbClr val="000000"/>
+                </a:solidFill>
+                <a:latin typeface="Consolas" panose="020B0609020204030204" pitchFamily="49" charset="0"/>
+              </a:rPr>
+              <a:t> </a:t>
+            </a:r>
+            <a:r>
+              <a:rPr lang="en-US" dirty="0" smtClean="0">
+                <a:solidFill>
+                  <a:srgbClr val="000000"/>
+                </a:solidFill>
+                <a:latin typeface="Consolas" panose="020B0609020204030204" pitchFamily="49" charset="0"/>
+              </a:rPr>
+              <a:t>Entity </a:t>
+            </a:r>
+            <a:r>
+              <a:rPr lang="en-US" dirty="0">
+                <a:solidFill>
+                  <a:srgbClr val="000000"/>
+                </a:solidFill>
+                <a:latin typeface="Consolas" panose="020B0609020204030204" pitchFamily="49" charset="0"/>
+              </a:rPr>
+              <a:t>With(Action&lt;Entity&gt; builder)</a:t>
+            </a:r>
+          </a:p>
+          <a:p>
+            <a:pPr marL="0" indent="0">
+              <a:buNone/>
+            </a:pPr>
+            <a:r>
+              <a:rPr lang="en-US" dirty="0">
+                <a:solidFill>
+                  <a:srgbClr val="000000"/>
+                </a:solidFill>
+                <a:latin typeface="Consolas" panose="020B0609020204030204" pitchFamily="49" charset="0"/>
+              </a:rPr>
+              <a:t>{</a:t>
+            </a:r>
+          </a:p>
+          <a:p>
+            <a:pPr marL="0" indent="0">
+              <a:buNone/>
+            </a:pPr>
+            <a:r>
+              <a:rPr lang="en-US" dirty="0">
+                <a:solidFill>
+                  <a:srgbClr val="0000FF"/>
+                </a:solidFill>
+                <a:latin typeface="Consolas" panose="020B0609020204030204" pitchFamily="49" charset="0"/>
+              </a:rPr>
+              <a:t>    </a:t>
+            </a:r>
+            <a:r>
+              <a:rPr lang="en-US" dirty="0" err="1">
+                <a:solidFill>
+                  <a:srgbClr val="0000FF"/>
+                </a:solidFill>
+                <a:latin typeface="Consolas" panose="020B0609020204030204" pitchFamily="49" charset="0"/>
+              </a:rPr>
+              <a:t>var</a:t>
+            </a:r>
+            <a:r>
+              <a:rPr lang="en-US" dirty="0">
+                <a:solidFill>
+                  <a:srgbClr val="000000"/>
+                </a:solidFill>
+                <a:latin typeface="Consolas" panose="020B0609020204030204" pitchFamily="49" charset="0"/>
+              </a:rPr>
+              <a:t> clone = (Entity)</a:t>
+            </a:r>
+            <a:r>
+              <a:rPr lang="en-US" dirty="0" err="1">
+                <a:solidFill>
+                  <a:srgbClr val="000000"/>
+                </a:solidFill>
+                <a:latin typeface="Consolas" panose="020B0609020204030204" pitchFamily="49" charset="0"/>
+              </a:rPr>
+              <a:t>MemberwiseClone</a:t>
+            </a:r>
+            <a:r>
+              <a:rPr lang="en-US" dirty="0">
+                <a:solidFill>
+                  <a:srgbClr val="000000"/>
+                </a:solidFill>
+                <a:latin typeface="Consolas" panose="020B0609020204030204" pitchFamily="49" charset="0"/>
+              </a:rPr>
+              <a:t>();</a:t>
+            </a:r>
+          </a:p>
+          <a:p>
+            <a:pPr marL="0" indent="0">
+              <a:buNone/>
+            </a:pPr>
+            <a:r>
+              <a:rPr lang="en-US" dirty="0">
+                <a:solidFill>
+                  <a:srgbClr val="000000"/>
+                </a:solidFill>
+                <a:latin typeface="Consolas" panose="020B0609020204030204" pitchFamily="49" charset="0"/>
+              </a:rPr>
+              <a:t>    builder(clone);</a:t>
+            </a:r>
+          </a:p>
+          <a:p>
+            <a:pPr marL="0" indent="0">
+              <a:buNone/>
+            </a:pPr>
+            <a:r>
+              <a:rPr lang="en-US" dirty="0">
+                <a:solidFill>
+                  <a:srgbClr val="0000FF"/>
+                </a:solidFill>
+                <a:latin typeface="Consolas" panose="020B0609020204030204" pitchFamily="49" charset="0"/>
+              </a:rPr>
+              <a:t>    return</a:t>
+            </a:r>
+            <a:r>
+              <a:rPr lang="en-US" dirty="0">
+                <a:solidFill>
+                  <a:srgbClr val="000000"/>
+                </a:solidFill>
+                <a:latin typeface="Consolas" panose="020B0609020204030204" pitchFamily="49" charset="0"/>
+              </a:rPr>
+              <a:t> clone;</a:t>
+            </a:r>
+          </a:p>
+          <a:p>
+            <a:pPr marL="0" indent="0">
+              <a:buNone/>
+            </a:pPr>
+            <a:r>
+              <a:rPr lang="en-US" dirty="0">
+                <a:solidFill>
+                  <a:srgbClr val="000000"/>
+                </a:solidFill>
+                <a:latin typeface="Consolas" panose="020B0609020204030204" pitchFamily="49" charset="0"/>
+              </a:rPr>
+              <a:t>}</a:t>
+            </a:r>
+            <a:endParaRPr lang="en-US" dirty="0"/>
+          </a:p>
+        </p:txBody>
+      </p:sp>
+    </p:spTree>
+    <p:extLst>
+      <p:ext uri="{BB962C8B-B14F-4D97-AF65-F5344CB8AC3E}">
+        <p14:creationId xmlns:p14="http://schemas.microsoft.com/office/powerpoint/2010/main" val="1403624607"/>
+      </p:ext>
+    </p:extLst>
+  </p:cSld>
+  <p:clrMapOvr>
+    <a:masterClrMapping/>
+  </p:clrMapOvr>
+  <p:timing>
+    <p:tnLst>
+      <p:par>
+        <p:cTn id="1" dur="indefinite" restart="never" nodeType="tmRoot"/>
+      </p:par>
+    </p:tnLst>
+  </p:timing>
+</p:sld>
+</file>
+
+<file path=ppt/slides/slide25.xml><?xml version="1.0" encoding="utf-8"?>
+<p:sld xmlns:a="http://schemas.openxmlformats.org/drawingml/2006/main" xmlns:r="http://schemas.openxmlformats.org/officeDocument/2006/relationships" xmlns:p="http://schemas.openxmlformats.org/presentationml/2006/main">
+  <p:cSld>
+    <p:spTree>
+      <p:nvGrpSpPr>
+        <p:cNvPr id="1" name=""/>
+        <p:cNvGrpSpPr/>
+        <p:nvPr/>
+      </p:nvGrpSpPr>
+      <p:grpSpPr>
+        <a:xfrm>
+          <a:off x="0" y="0"/>
+          <a:ext cx="0" cy="0"/>
+          <a:chOff x="0" y="0"/>
+          <a:chExt cx="0" cy="0"/>
+        </a:xfrm>
+      </p:grpSpPr>
+      <p:sp>
+        <p:nvSpPr>
+          <p:cNvPr id="2" name="Title 1"/>
+          <p:cNvSpPr>
+            <a:spLocks noGrp="1"/>
+          </p:cNvSpPr>
+          <p:nvPr>
+            <p:ph type="title"/>
+          </p:nvPr>
+        </p:nvSpPr>
+        <p:spPr/>
+        <p:txBody>
+          <a:bodyPr/>
+          <a:lstStyle/>
+          <a:p>
+            <a:r>
+              <a:rPr lang="en-US" dirty="0" smtClean="0"/>
+              <a:t>Dangerous </a:t>
+            </a:r>
+            <a:r>
+              <a:rPr lang="en-US" dirty="0"/>
+              <a:t>“With builder”</a:t>
+            </a:r>
+            <a:endParaRPr lang="ru-RU" dirty="0"/>
+          </a:p>
+        </p:txBody>
+      </p:sp>
+      <p:sp>
+        <p:nvSpPr>
+          <p:cNvPr id="4" name="Content Placeholder 3"/>
+          <p:cNvSpPr>
+            <a:spLocks noGrp="1"/>
+          </p:cNvSpPr>
+          <p:nvPr>
+            <p:ph sz="half" idx="1"/>
+          </p:nvPr>
+        </p:nvSpPr>
+        <p:spPr/>
+        <p:txBody>
+          <a:bodyPr>
+            <a:noAutofit/>
+          </a:bodyPr>
+          <a:lstStyle/>
+          <a:p>
+            <a:pPr marL="0" indent="0">
+              <a:buNone/>
+            </a:pPr>
+            <a:r>
+              <a:rPr lang="en-US" sz="1400" dirty="0">
+                <a:solidFill>
+                  <a:srgbClr val="0000FF"/>
+                </a:solidFill>
+                <a:latin typeface="Consolas" panose="020B0609020204030204" pitchFamily="49" charset="0"/>
+              </a:rPr>
+              <a:t>class</a:t>
+            </a:r>
+            <a:r>
+              <a:rPr lang="en-US" sz="1400" dirty="0">
+                <a:solidFill>
+                  <a:srgbClr val="000000"/>
+                </a:solidFill>
+                <a:latin typeface="Consolas" panose="020B0609020204030204" pitchFamily="49" charset="0"/>
+              </a:rPr>
+              <a:t> </a:t>
+            </a:r>
+            <a:r>
+              <a:rPr lang="en-US" sz="1400" dirty="0">
+                <a:solidFill>
+                  <a:srgbClr val="2B91AF"/>
+                </a:solidFill>
+                <a:latin typeface="Consolas" panose="020B0609020204030204" pitchFamily="49" charset="0"/>
+              </a:rPr>
+              <a:t>Entity</a:t>
+            </a:r>
+            <a:r>
+              <a:rPr lang="en-US" sz="1400" dirty="0">
+                <a:solidFill>
+                  <a:srgbClr val="000000"/>
+                </a:solidFill>
+                <a:latin typeface="Consolas" panose="020B0609020204030204" pitchFamily="49" charset="0"/>
+              </a:rPr>
+              <a:t> : </a:t>
+            </a:r>
+            <a:r>
+              <a:rPr lang="en-US" sz="1400" dirty="0" err="1">
+                <a:solidFill>
+                  <a:srgbClr val="000000"/>
+                </a:solidFill>
+                <a:latin typeface="Consolas" panose="020B0609020204030204" pitchFamily="49" charset="0"/>
+              </a:rPr>
+              <a:t>IEntity</a:t>
+            </a:r>
+            <a:endParaRPr lang="en-US" sz="1400" dirty="0">
+              <a:solidFill>
+                <a:srgbClr val="000000"/>
+              </a:solidFill>
+              <a:latin typeface="Consolas" panose="020B0609020204030204" pitchFamily="49" charset="0"/>
+            </a:endParaRPr>
+          </a:p>
+          <a:p>
+            <a:pPr marL="0" indent="0">
+              <a:buNone/>
+            </a:pPr>
+            <a:r>
+              <a:rPr lang="ru-RU" sz="1400" dirty="0" smtClean="0">
+                <a:solidFill>
+                  <a:srgbClr val="000000"/>
+                </a:solidFill>
+                <a:latin typeface="Consolas" panose="020B0609020204030204" pitchFamily="49" charset="0"/>
+              </a:rPr>
+              <a:t>{</a:t>
+            </a:r>
+            <a:endParaRPr lang="ru-RU" sz="1400" dirty="0">
+              <a:solidFill>
+                <a:srgbClr val="000000"/>
+              </a:solidFill>
+              <a:latin typeface="Consolas" panose="020B0609020204030204" pitchFamily="49" charset="0"/>
+            </a:endParaRPr>
+          </a:p>
+          <a:p>
+            <a:pPr marL="0" indent="0">
+              <a:buNone/>
+            </a:pPr>
+            <a:r>
+              <a:rPr lang="en-US" sz="1400" dirty="0" smtClean="0">
+                <a:solidFill>
+                  <a:srgbClr val="0000FF"/>
+                </a:solidFill>
+                <a:latin typeface="Consolas" panose="020B0609020204030204" pitchFamily="49" charset="0"/>
+              </a:rPr>
+              <a:t>    public</a:t>
+            </a:r>
+            <a:r>
+              <a:rPr lang="en-US" sz="1400" dirty="0" smtClean="0">
+                <a:solidFill>
+                  <a:srgbClr val="000000"/>
+                </a:solidFill>
+                <a:latin typeface="Consolas" panose="020B0609020204030204" pitchFamily="49" charset="0"/>
+              </a:rPr>
+              <a:t> </a:t>
+            </a:r>
+            <a:r>
+              <a:rPr lang="en-US" sz="1400" dirty="0" err="1" smtClean="0">
+                <a:solidFill>
+                  <a:srgbClr val="000000"/>
+                </a:solidFill>
+                <a:latin typeface="Consolas" panose="020B0609020204030204" pitchFamily="49" charset="0"/>
+              </a:rPr>
+              <a:t>AnotherEntity</a:t>
+            </a:r>
+            <a:r>
+              <a:rPr lang="en-US" sz="1400" dirty="0" smtClean="0">
+                <a:solidFill>
+                  <a:srgbClr val="000000"/>
+                </a:solidFill>
+                <a:latin typeface="Consolas" panose="020B0609020204030204" pitchFamily="49" charset="0"/>
+              </a:rPr>
+              <a:t> </a:t>
+            </a:r>
+            <a:r>
+              <a:rPr lang="en-US" sz="1400" dirty="0" err="1">
+                <a:solidFill>
+                  <a:srgbClr val="000000"/>
+                </a:solidFill>
+                <a:latin typeface="Consolas" panose="020B0609020204030204" pitchFamily="49" charset="0"/>
+              </a:rPr>
+              <a:t>Agg</a:t>
+            </a:r>
+            <a:r>
+              <a:rPr lang="en-US" sz="1400" dirty="0">
+                <a:solidFill>
+                  <a:srgbClr val="000000"/>
+                </a:solidFill>
+                <a:latin typeface="Consolas" panose="020B0609020204030204" pitchFamily="49" charset="0"/>
+              </a:rPr>
+              <a:t> { </a:t>
+            </a:r>
+            <a:r>
+              <a:rPr lang="en-US" sz="1400" dirty="0">
+                <a:solidFill>
+                  <a:srgbClr val="0000FF"/>
+                </a:solidFill>
+                <a:latin typeface="Consolas" panose="020B0609020204030204" pitchFamily="49" charset="0"/>
+              </a:rPr>
+              <a:t>get</a:t>
+            </a:r>
+            <a:r>
+              <a:rPr lang="en-US" sz="1400" dirty="0">
+                <a:solidFill>
+                  <a:srgbClr val="000000"/>
+                </a:solidFill>
+                <a:latin typeface="Consolas" panose="020B0609020204030204" pitchFamily="49" charset="0"/>
+              </a:rPr>
+              <a:t>; </a:t>
+            </a:r>
+            <a:r>
+              <a:rPr lang="en-US" sz="1400" dirty="0">
+                <a:solidFill>
+                  <a:srgbClr val="0000FF"/>
+                </a:solidFill>
+                <a:latin typeface="Consolas" panose="020B0609020204030204" pitchFamily="49" charset="0"/>
+              </a:rPr>
+              <a:t>set</a:t>
+            </a:r>
+            <a:r>
+              <a:rPr lang="en-US" sz="1400" dirty="0">
+                <a:solidFill>
+                  <a:srgbClr val="000000"/>
+                </a:solidFill>
+                <a:latin typeface="Consolas" panose="020B0609020204030204" pitchFamily="49" charset="0"/>
+              </a:rPr>
+              <a:t>; }</a:t>
+            </a:r>
+          </a:p>
+          <a:p>
+            <a:pPr marL="0" indent="0">
+              <a:buNone/>
+            </a:pPr>
+            <a:r>
+              <a:rPr lang="en-US" sz="1400" dirty="0" smtClean="0">
+                <a:solidFill>
+                  <a:srgbClr val="0000FF"/>
+                </a:solidFill>
+                <a:latin typeface="Consolas" panose="020B0609020204030204" pitchFamily="49" charset="0"/>
+              </a:rPr>
+              <a:t>    public</a:t>
+            </a:r>
+            <a:r>
+              <a:rPr lang="en-US" sz="1400" dirty="0" smtClean="0">
+                <a:solidFill>
+                  <a:srgbClr val="000000"/>
+                </a:solidFill>
+                <a:latin typeface="Consolas" panose="020B0609020204030204" pitchFamily="49" charset="0"/>
+              </a:rPr>
+              <a:t> </a:t>
+            </a:r>
+            <a:r>
+              <a:rPr lang="en-US" sz="1400" dirty="0" err="1">
+                <a:solidFill>
+                  <a:srgbClr val="000000"/>
+                </a:solidFill>
+                <a:latin typeface="Consolas" panose="020B0609020204030204" pitchFamily="49" charset="0"/>
+              </a:rPr>
+              <a:t>IEntity</a:t>
+            </a:r>
+            <a:r>
+              <a:rPr lang="en-US" sz="1400" dirty="0">
+                <a:solidFill>
+                  <a:srgbClr val="000000"/>
+                </a:solidFill>
+                <a:latin typeface="Consolas" panose="020B0609020204030204" pitchFamily="49" charset="0"/>
+              </a:rPr>
+              <a:t> With(Action&lt;Entity&gt; builder)</a:t>
+            </a:r>
+          </a:p>
+          <a:p>
+            <a:pPr marL="0" indent="0">
+              <a:buNone/>
+            </a:pPr>
+            <a:r>
+              <a:rPr lang="ru-RU" sz="1400" dirty="0">
+                <a:solidFill>
+                  <a:srgbClr val="000000"/>
+                </a:solidFill>
+                <a:latin typeface="Consolas" panose="020B0609020204030204" pitchFamily="49" charset="0"/>
+              </a:rPr>
+              <a:t>    </a:t>
+            </a:r>
+            <a:r>
+              <a:rPr lang="ru-RU" sz="1400" dirty="0" smtClean="0">
+                <a:solidFill>
+                  <a:srgbClr val="000000"/>
+                </a:solidFill>
+                <a:latin typeface="Consolas" panose="020B0609020204030204" pitchFamily="49" charset="0"/>
+              </a:rPr>
+              <a:t>{</a:t>
+            </a:r>
+            <a:endParaRPr lang="ru-RU" sz="1400" dirty="0">
+              <a:solidFill>
+                <a:srgbClr val="000000"/>
+              </a:solidFill>
+              <a:latin typeface="Consolas" panose="020B0609020204030204" pitchFamily="49" charset="0"/>
+            </a:endParaRPr>
+          </a:p>
+          <a:p>
+            <a:pPr marL="0" indent="0">
+              <a:buNone/>
+            </a:pPr>
+            <a:r>
+              <a:rPr lang="en-US" sz="1400" dirty="0" smtClean="0">
+                <a:solidFill>
+                  <a:srgbClr val="0000FF"/>
+                </a:solidFill>
+                <a:latin typeface="Consolas" panose="020B0609020204030204" pitchFamily="49" charset="0"/>
+              </a:rPr>
+              <a:t>        </a:t>
+            </a:r>
+            <a:r>
+              <a:rPr lang="en-US" sz="1400" dirty="0" err="1" smtClean="0">
+                <a:solidFill>
+                  <a:srgbClr val="0000FF"/>
+                </a:solidFill>
+                <a:latin typeface="Consolas" panose="020B0609020204030204" pitchFamily="49" charset="0"/>
+              </a:rPr>
+              <a:t>var</a:t>
+            </a:r>
+            <a:r>
+              <a:rPr lang="en-US" sz="1400" dirty="0" smtClean="0">
+                <a:solidFill>
+                  <a:srgbClr val="000000"/>
+                </a:solidFill>
+                <a:latin typeface="Consolas" panose="020B0609020204030204" pitchFamily="49" charset="0"/>
+              </a:rPr>
+              <a:t> </a:t>
+            </a:r>
+            <a:r>
+              <a:rPr lang="en-US" sz="1400" dirty="0">
+                <a:solidFill>
+                  <a:srgbClr val="000000"/>
+                </a:solidFill>
+                <a:latin typeface="Consolas" panose="020B0609020204030204" pitchFamily="49" charset="0"/>
+              </a:rPr>
+              <a:t>clone = (Entity)</a:t>
+            </a:r>
+            <a:r>
+              <a:rPr lang="en-US" sz="1400" dirty="0" err="1">
+                <a:solidFill>
+                  <a:srgbClr val="000000"/>
+                </a:solidFill>
+                <a:latin typeface="Consolas" panose="020B0609020204030204" pitchFamily="49" charset="0"/>
+              </a:rPr>
+              <a:t>MemberwiseClone</a:t>
+            </a:r>
+            <a:r>
+              <a:rPr lang="en-US" sz="1400" dirty="0">
+                <a:solidFill>
+                  <a:srgbClr val="000000"/>
+                </a:solidFill>
+                <a:latin typeface="Consolas" panose="020B0609020204030204" pitchFamily="49" charset="0"/>
+              </a:rPr>
+              <a:t>();</a:t>
+            </a:r>
+          </a:p>
+          <a:p>
+            <a:pPr marL="0" indent="0">
+              <a:buNone/>
+            </a:pPr>
+            <a:r>
+              <a:rPr lang="en-US" sz="1400" dirty="0" smtClean="0">
+                <a:solidFill>
+                  <a:srgbClr val="000000"/>
+                </a:solidFill>
+                <a:latin typeface="Consolas" panose="020B0609020204030204" pitchFamily="49" charset="0"/>
+              </a:rPr>
+              <a:t>        builder(clone</a:t>
+            </a:r>
+            <a:r>
+              <a:rPr lang="en-US" sz="1400" dirty="0">
+                <a:solidFill>
+                  <a:srgbClr val="000000"/>
+                </a:solidFill>
+                <a:latin typeface="Consolas" panose="020B0609020204030204" pitchFamily="49" charset="0"/>
+              </a:rPr>
+              <a:t>);</a:t>
+            </a:r>
+          </a:p>
+          <a:p>
+            <a:pPr marL="0" indent="0">
+              <a:buNone/>
+            </a:pPr>
+            <a:r>
+              <a:rPr lang="en-US" sz="1400" dirty="0" smtClean="0">
+                <a:solidFill>
+                  <a:srgbClr val="0000FF"/>
+                </a:solidFill>
+                <a:latin typeface="Consolas" panose="020B0609020204030204" pitchFamily="49" charset="0"/>
+              </a:rPr>
+              <a:t>        return</a:t>
+            </a:r>
+            <a:r>
+              <a:rPr lang="en-US" sz="1400" dirty="0" smtClean="0">
+                <a:solidFill>
+                  <a:srgbClr val="000000"/>
+                </a:solidFill>
+                <a:latin typeface="Consolas" panose="020B0609020204030204" pitchFamily="49" charset="0"/>
+              </a:rPr>
+              <a:t> </a:t>
+            </a:r>
+            <a:r>
+              <a:rPr lang="en-US" sz="1400" dirty="0">
+                <a:solidFill>
+                  <a:srgbClr val="000000"/>
+                </a:solidFill>
+                <a:latin typeface="Consolas" panose="020B0609020204030204" pitchFamily="49" charset="0"/>
+              </a:rPr>
+              <a:t>clone;</a:t>
+            </a:r>
+          </a:p>
+          <a:p>
+            <a:pPr marL="0" indent="0">
+              <a:buNone/>
+            </a:pPr>
+            <a:r>
+              <a:rPr lang="en-US" sz="1400" dirty="0" smtClean="0">
+                <a:solidFill>
+                  <a:srgbClr val="000000"/>
+                </a:solidFill>
+                <a:latin typeface="Consolas" panose="020B0609020204030204" pitchFamily="49" charset="0"/>
+              </a:rPr>
+              <a:t>    </a:t>
+            </a:r>
+            <a:r>
+              <a:rPr lang="ru-RU" sz="1400" dirty="0" smtClean="0">
+                <a:solidFill>
+                  <a:srgbClr val="000000"/>
+                </a:solidFill>
+                <a:latin typeface="Consolas" panose="020B0609020204030204" pitchFamily="49" charset="0"/>
+              </a:rPr>
+              <a:t>}</a:t>
+            </a:r>
+            <a:endParaRPr lang="ru-RU" sz="1400" dirty="0">
+              <a:solidFill>
+                <a:srgbClr val="000000"/>
+              </a:solidFill>
+              <a:latin typeface="Consolas" panose="020B0609020204030204" pitchFamily="49" charset="0"/>
+            </a:endParaRPr>
+          </a:p>
+          <a:p>
+            <a:pPr marL="0" indent="0">
+              <a:buNone/>
+            </a:pPr>
+            <a:r>
+              <a:rPr lang="ru-RU" sz="1400" dirty="0" smtClean="0">
+                <a:solidFill>
+                  <a:srgbClr val="000000"/>
+                </a:solidFill>
+                <a:latin typeface="Consolas" panose="020B0609020204030204" pitchFamily="49" charset="0"/>
+              </a:rPr>
+              <a:t>}</a:t>
+            </a:r>
+            <a:endParaRPr lang="en-US" sz="1400" dirty="0" smtClean="0">
+              <a:solidFill>
+                <a:srgbClr val="000000"/>
+              </a:solidFill>
+              <a:latin typeface="Consolas" panose="020B0609020204030204" pitchFamily="49" charset="0"/>
+            </a:endParaRPr>
+          </a:p>
+          <a:p>
+            <a:pPr marL="0" indent="0">
+              <a:buNone/>
+            </a:pPr>
+            <a:r>
+              <a:rPr lang="en-US" sz="1400" dirty="0" smtClean="0">
+                <a:solidFill>
+                  <a:srgbClr val="0000FF"/>
+                </a:solidFill>
+                <a:latin typeface="Consolas" panose="020B0609020204030204" pitchFamily="49" charset="0"/>
+              </a:rPr>
+              <a:t>class</a:t>
+            </a:r>
+            <a:r>
+              <a:rPr lang="en-US" sz="1400" dirty="0" smtClean="0">
+                <a:solidFill>
+                  <a:srgbClr val="000000"/>
+                </a:solidFill>
+                <a:latin typeface="Consolas" panose="020B0609020204030204" pitchFamily="49" charset="0"/>
+              </a:rPr>
+              <a:t> </a:t>
+            </a:r>
+            <a:r>
+              <a:rPr lang="en-US" sz="1400" dirty="0" err="1">
+                <a:solidFill>
+                  <a:srgbClr val="2B91AF"/>
+                </a:solidFill>
+                <a:latin typeface="Consolas" panose="020B0609020204030204" pitchFamily="49" charset="0"/>
+              </a:rPr>
+              <a:t>AnotherEntity</a:t>
+            </a:r>
+            <a:r>
+              <a:rPr lang="en-US" sz="1400" dirty="0">
+                <a:solidFill>
+                  <a:srgbClr val="000000"/>
+                </a:solidFill>
+                <a:latin typeface="Consolas" panose="020B0609020204030204" pitchFamily="49" charset="0"/>
+              </a:rPr>
+              <a:t> : </a:t>
+            </a:r>
+            <a:r>
+              <a:rPr lang="en-US" sz="1400" dirty="0" err="1">
+                <a:solidFill>
+                  <a:srgbClr val="000000"/>
+                </a:solidFill>
+                <a:latin typeface="Consolas" panose="020B0609020204030204" pitchFamily="49" charset="0"/>
+              </a:rPr>
+              <a:t>IAnotherEntity</a:t>
+            </a:r>
+            <a:endParaRPr lang="en-US" sz="1400" dirty="0">
+              <a:solidFill>
+                <a:srgbClr val="000000"/>
+              </a:solidFill>
+              <a:latin typeface="Consolas" panose="020B0609020204030204" pitchFamily="49" charset="0"/>
+            </a:endParaRPr>
+          </a:p>
+          <a:p>
+            <a:pPr marL="0" indent="0">
+              <a:buNone/>
+            </a:pPr>
+            <a:r>
+              <a:rPr lang="ru-RU" sz="1400" dirty="0" smtClean="0">
+                <a:solidFill>
+                  <a:srgbClr val="000000"/>
+                </a:solidFill>
+                <a:latin typeface="Consolas" panose="020B0609020204030204" pitchFamily="49" charset="0"/>
+              </a:rPr>
+              <a:t>{</a:t>
+            </a:r>
+            <a:endParaRPr lang="ru-RU" sz="1400" dirty="0">
+              <a:solidFill>
+                <a:srgbClr val="000000"/>
+              </a:solidFill>
+              <a:latin typeface="Consolas" panose="020B0609020204030204" pitchFamily="49" charset="0"/>
+            </a:endParaRPr>
+          </a:p>
+          <a:p>
+            <a:pPr marL="0" indent="0">
+              <a:buNone/>
+            </a:pPr>
+            <a:r>
+              <a:rPr lang="en-US" sz="1400" dirty="0" smtClean="0">
+                <a:solidFill>
+                  <a:srgbClr val="0000FF"/>
+                </a:solidFill>
+                <a:latin typeface="Consolas" panose="020B0609020204030204" pitchFamily="49" charset="0"/>
+              </a:rPr>
+              <a:t>    public</a:t>
+            </a:r>
+            <a:r>
+              <a:rPr lang="en-US" sz="1400" dirty="0" smtClean="0">
+                <a:solidFill>
+                  <a:srgbClr val="000000"/>
+                </a:solidFill>
+                <a:latin typeface="Consolas" panose="020B0609020204030204" pitchFamily="49" charset="0"/>
+              </a:rPr>
+              <a:t> </a:t>
+            </a:r>
+            <a:r>
+              <a:rPr lang="en-US" sz="1400" dirty="0">
+                <a:solidFill>
+                  <a:srgbClr val="0000FF"/>
+                </a:solidFill>
+                <a:latin typeface="Consolas" panose="020B0609020204030204" pitchFamily="49" charset="0"/>
+              </a:rPr>
+              <a:t>string</a:t>
+            </a:r>
+            <a:r>
+              <a:rPr lang="en-US" sz="1400" dirty="0">
+                <a:solidFill>
+                  <a:srgbClr val="000000"/>
+                </a:solidFill>
+                <a:latin typeface="Consolas" panose="020B0609020204030204" pitchFamily="49" charset="0"/>
+              </a:rPr>
+              <a:t> Name { </a:t>
+            </a:r>
+            <a:r>
+              <a:rPr lang="en-US" sz="1400" dirty="0">
+                <a:solidFill>
+                  <a:srgbClr val="0000FF"/>
+                </a:solidFill>
+                <a:latin typeface="Consolas" panose="020B0609020204030204" pitchFamily="49" charset="0"/>
+              </a:rPr>
+              <a:t>get</a:t>
+            </a:r>
+            <a:r>
+              <a:rPr lang="en-US" sz="1400" dirty="0">
+                <a:solidFill>
+                  <a:srgbClr val="000000"/>
+                </a:solidFill>
+                <a:latin typeface="Consolas" panose="020B0609020204030204" pitchFamily="49" charset="0"/>
+              </a:rPr>
+              <a:t>; </a:t>
+            </a:r>
+            <a:r>
+              <a:rPr lang="en-US" sz="1400" dirty="0">
+                <a:solidFill>
+                  <a:srgbClr val="0000FF"/>
+                </a:solidFill>
+                <a:latin typeface="Consolas" panose="020B0609020204030204" pitchFamily="49" charset="0"/>
+              </a:rPr>
+              <a:t>set</a:t>
+            </a:r>
+            <a:r>
+              <a:rPr lang="en-US" sz="1400" dirty="0">
+                <a:solidFill>
+                  <a:srgbClr val="000000"/>
+                </a:solidFill>
+                <a:latin typeface="Consolas" panose="020B0609020204030204" pitchFamily="49" charset="0"/>
+              </a:rPr>
+              <a:t>; }</a:t>
+            </a:r>
+          </a:p>
+          <a:p>
+            <a:pPr marL="0" indent="0">
+              <a:buNone/>
+            </a:pPr>
+            <a:r>
+              <a:rPr lang="ru-RU" sz="1400" dirty="0" smtClean="0">
+                <a:solidFill>
+                  <a:srgbClr val="000000"/>
+                </a:solidFill>
+                <a:latin typeface="Consolas" panose="020B0609020204030204" pitchFamily="49" charset="0"/>
+              </a:rPr>
+              <a:t>}</a:t>
+            </a:r>
+            <a:endParaRPr lang="ru-RU" sz="1400" dirty="0"/>
+          </a:p>
+        </p:txBody>
+      </p:sp>
+      <p:sp>
+        <p:nvSpPr>
+          <p:cNvPr id="5" name="Content Placeholder 4"/>
+          <p:cNvSpPr>
+            <a:spLocks noGrp="1"/>
+          </p:cNvSpPr>
+          <p:nvPr>
+            <p:ph sz="half" idx="2"/>
+          </p:nvPr>
+        </p:nvSpPr>
+        <p:spPr>
+          <a:xfrm>
+            <a:off x="6096000" y="1825625"/>
+            <a:ext cx="5181600" cy="4351338"/>
+          </a:xfrm>
+        </p:spPr>
+        <p:txBody>
+          <a:bodyPr>
+            <a:normAutofit fontScale="55000" lnSpcReduction="20000"/>
+          </a:bodyPr>
+          <a:lstStyle/>
+          <a:p>
+            <a:pPr marL="0" indent="0">
+              <a:buNone/>
+            </a:pPr>
+            <a:r>
+              <a:rPr lang="en-US" dirty="0" smtClean="0">
+                <a:solidFill>
+                  <a:srgbClr val="0000FF"/>
+                </a:solidFill>
+                <a:latin typeface="Consolas" panose="020B0609020204030204" pitchFamily="49" charset="0"/>
+              </a:rPr>
+              <a:t>void</a:t>
+            </a:r>
+            <a:r>
+              <a:rPr lang="en-US" dirty="0" smtClean="0">
+                <a:solidFill>
+                  <a:srgbClr val="000000"/>
+                </a:solidFill>
+                <a:latin typeface="Consolas" panose="020B0609020204030204" pitchFamily="49" charset="0"/>
+              </a:rPr>
+              <a:t> </a:t>
+            </a:r>
+            <a:r>
+              <a:rPr lang="en-US" dirty="0">
+                <a:solidFill>
+                  <a:srgbClr val="000000"/>
+                </a:solidFill>
+                <a:latin typeface="Consolas" panose="020B0609020204030204" pitchFamily="49" charset="0"/>
+              </a:rPr>
+              <a:t>DoSomething()</a:t>
+            </a:r>
+          </a:p>
+          <a:p>
+            <a:pPr marL="0" indent="0">
+              <a:buNone/>
+            </a:pPr>
+            <a:r>
+              <a:rPr lang="ru-RU" dirty="0" smtClean="0">
+                <a:solidFill>
+                  <a:srgbClr val="000000"/>
+                </a:solidFill>
+                <a:latin typeface="Consolas" panose="020B0609020204030204" pitchFamily="49" charset="0"/>
+              </a:rPr>
+              <a:t>{</a:t>
+            </a:r>
+            <a:endParaRPr lang="ru-RU" dirty="0">
+              <a:solidFill>
+                <a:srgbClr val="000000"/>
+              </a:solidFill>
+              <a:latin typeface="Consolas" panose="020B0609020204030204" pitchFamily="49" charset="0"/>
+            </a:endParaRPr>
+          </a:p>
+          <a:p>
+            <a:pPr marL="0" indent="0">
+              <a:buNone/>
+            </a:pPr>
+            <a:r>
+              <a:rPr lang="en-US" dirty="0">
+                <a:solidFill>
+                  <a:srgbClr val="000000"/>
+                </a:solidFill>
+                <a:latin typeface="Consolas" panose="020B0609020204030204" pitchFamily="49" charset="0"/>
+              </a:rPr>
+              <a:t> </a:t>
+            </a:r>
+            <a:r>
+              <a:rPr lang="en-US" dirty="0" smtClean="0">
+                <a:solidFill>
+                  <a:srgbClr val="000000"/>
+                </a:solidFill>
+                <a:latin typeface="Consolas" panose="020B0609020204030204" pitchFamily="49" charset="0"/>
+              </a:rPr>
+              <a:t>   </a:t>
+            </a:r>
+            <a:r>
+              <a:rPr lang="en-US" dirty="0" err="1" smtClean="0">
+                <a:solidFill>
+                  <a:srgbClr val="000000"/>
+                </a:solidFill>
+                <a:latin typeface="Consolas" panose="020B0609020204030204" pitchFamily="49" charset="0"/>
+              </a:rPr>
+              <a:t>IEntity</a:t>
+            </a:r>
+            <a:r>
+              <a:rPr lang="en-US" dirty="0" smtClean="0">
+                <a:solidFill>
+                  <a:srgbClr val="000000"/>
+                </a:solidFill>
+                <a:latin typeface="Consolas" panose="020B0609020204030204" pitchFamily="49" charset="0"/>
+              </a:rPr>
+              <a:t> </a:t>
+            </a:r>
+            <a:r>
+              <a:rPr lang="en-US" dirty="0">
+                <a:solidFill>
+                  <a:srgbClr val="000000"/>
+                </a:solidFill>
+                <a:latin typeface="Consolas" panose="020B0609020204030204" pitchFamily="49" charset="0"/>
+              </a:rPr>
+              <a:t>entity = </a:t>
+            </a:r>
+            <a:r>
+              <a:rPr lang="en-US" dirty="0">
+                <a:solidFill>
+                  <a:srgbClr val="0000FF"/>
+                </a:solidFill>
+                <a:latin typeface="Consolas" panose="020B0609020204030204" pitchFamily="49" charset="0"/>
+              </a:rPr>
+              <a:t>new</a:t>
+            </a:r>
+            <a:r>
+              <a:rPr lang="en-US" dirty="0">
+                <a:solidFill>
+                  <a:srgbClr val="000000"/>
+                </a:solidFill>
+                <a:latin typeface="Consolas" panose="020B0609020204030204" pitchFamily="49" charset="0"/>
+              </a:rPr>
+              <a:t> Entity</a:t>
+            </a:r>
+          </a:p>
+          <a:p>
+            <a:pPr marL="0" indent="0">
+              <a:buNone/>
+            </a:pPr>
+            <a:r>
+              <a:rPr lang="ru-RU" dirty="0">
+                <a:solidFill>
+                  <a:srgbClr val="000000"/>
+                </a:solidFill>
+                <a:latin typeface="Consolas" panose="020B0609020204030204" pitchFamily="49" charset="0"/>
+              </a:rPr>
+              <a:t>    </a:t>
+            </a:r>
+            <a:r>
+              <a:rPr lang="ru-RU" dirty="0" smtClean="0">
+                <a:solidFill>
+                  <a:srgbClr val="000000"/>
+                </a:solidFill>
+                <a:latin typeface="Consolas" panose="020B0609020204030204" pitchFamily="49" charset="0"/>
+              </a:rPr>
+              <a:t>{</a:t>
+            </a:r>
+            <a:endParaRPr lang="ru-RU" dirty="0">
+              <a:solidFill>
+                <a:srgbClr val="000000"/>
+              </a:solidFill>
+              <a:latin typeface="Consolas" panose="020B0609020204030204" pitchFamily="49" charset="0"/>
+            </a:endParaRPr>
+          </a:p>
+          <a:p>
+            <a:pPr marL="0" indent="0">
+              <a:buNone/>
+            </a:pPr>
+            <a:r>
+              <a:rPr lang="en-US" dirty="0" smtClean="0">
+                <a:solidFill>
+                  <a:srgbClr val="000000"/>
+                </a:solidFill>
+                <a:latin typeface="Consolas" panose="020B0609020204030204" pitchFamily="49" charset="0"/>
+              </a:rPr>
+              <a:t>        </a:t>
+            </a:r>
+            <a:r>
+              <a:rPr lang="en-US" dirty="0" err="1" smtClean="0">
+                <a:solidFill>
+                  <a:srgbClr val="000000"/>
+                </a:solidFill>
+                <a:latin typeface="Consolas" panose="020B0609020204030204" pitchFamily="49" charset="0"/>
+              </a:rPr>
+              <a:t>Agg</a:t>
+            </a:r>
+            <a:r>
+              <a:rPr lang="en-US" dirty="0" smtClean="0">
+                <a:solidFill>
+                  <a:srgbClr val="000000"/>
+                </a:solidFill>
+                <a:latin typeface="Consolas" panose="020B0609020204030204" pitchFamily="49" charset="0"/>
+              </a:rPr>
+              <a:t> </a:t>
+            </a:r>
+            <a:r>
+              <a:rPr lang="en-US" dirty="0">
+                <a:solidFill>
+                  <a:srgbClr val="000000"/>
+                </a:solidFill>
+                <a:latin typeface="Consolas" panose="020B0609020204030204" pitchFamily="49" charset="0"/>
+              </a:rPr>
+              <a:t>= </a:t>
+            </a:r>
+            <a:r>
+              <a:rPr lang="en-US" dirty="0">
+                <a:solidFill>
+                  <a:srgbClr val="0000FF"/>
+                </a:solidFill>
+                <a:latin typeface="Consolas" panose="020B0609020204030204" pitchFamily="49" charset="0"/>
+              </a:rPr>
+              <a:t>new</a:t>
+            </a:r>
+            <a:r>
+              <a:rPr lang="en-US" dirty="0">
+                <a:solidFill>
+                  <a:srgbClr val="000000"/>
+                </a:solidFill>
+                <a:latin typeface="Consolas" panose="020B0609020204030204" pitchFamily="49" charset="0"/>
+              </a:rPr>
+              <a:t> </a:t>
+            </a:r>
+            <a:r>
+              <a:rPr lang="en-US" dirty="0" err="1">
+                <a:solidFill>
+                  <a:srgbClr val="000000"/>
+                </a:solidFill>
+                <a:latin typeface="Consolas" panose="020B0609020204030204" pitchFamily="49" charset="0"/>
+              </a:rPr>
+              <a:t>AnotherEntity</a:t>
+            </a:r>
+            <a:endParaRPr lang="en-US" dirty="0">
+              <a:solidFill>
+                <a:srgbClr val="000000"/>
+              </a:solidFill>
+              <a:latin typeface="Consolas" panose="020B0609020204030204" pitchFamily="49" charset="0"/>
+            </a:endParaRPr>
+          </a:p>
+          <a:p>
+            <a:pPr marL="0" indent="0">
+              <a:buNone/>
+            </a:pPr>
+            <a:r>
+              <a:rPr lang="ru-RU" dirty="0">
+                <a:solidFill>
+                  <a:srgbClr val="000000"/>
+                </a:solidFill>
+                <a:latin typeface="Consolas" panose="020B0609020204030204" pitchFamily="49" charset="0"/>
+              </a:rPr>
+              <a:t>        </a:t>
+            </a:r>
+            <a:r>
+              <a:rPr lang="ru-RU" dirty="0" smtClean="0">
+                <a:solidFill>
+                  <a:srgbClr val="000000"/>
+                </a:solidFill>
+                <a:latin typeface="Consolas" panose="020B0609020204030204" pitchFamily="49" charset="0"/>
+              </a:rPr>
+              <a:t>{</a:t>
+            </a:r>
+            <a:endParaRPr lang="ru-RU" dirty="0">
+              <a:solidFill>
+                <a:srgbClr val="000000"/>
+              </a:solidFill>
+              <a:latin typeface="Consolas" panose="020B0609020204030204" pitchFamily="49" charset="0"/>
+            </a:endParaRPr>
+          </a:p>
+          <a:p>
+            <a:pPr marL="0" indent="0">
+              <a:buNone/>
+            </a:pPr>
+            <a:r>
+              <a:rPr lang="en-US" dirty="0" smtClean="0">
+                <a:solidFill>
+                  <a:srgbClr val="000000"/>
+                </a:solidFill>
+                <a:latin typeface="Consolas" panose="020B0609020204030204" pitchFamily="49" charset="0"/>
+              </a:rPr>
+              <a:t>            Name </a:t>
+            </a:r>
+            <a:r>
+              <a:rPr lang="en-US" dirty="0">
+                <a:solidFill>
+                  <a:srgbClr val="000000"/>
+                </a:solidFill>
+                <a:latin typeface="Consolas" panose="020B0609020204030204" pitchFamily="49" charset="0"/>
+              </a:rPr>
+              <a:t>= </a:t>
+            </a:r>
+            <a:r>
+              <a:rPr lang="en-US" dirty="0">
+                <a:solidFill>
+                  <a:srgbClr val="A31515"/>
+                </a:solidFill>
+                <a:latin typeface="Consolas" panose="020B0609020204030204" pitchFamily="49" charset="0"/>
+              </a:rPr>
+              <a:t>"old value"</a:t>
+            </a:r>
+            <a:endParaRPr lang="en-US" dirty="0">
+              <a:solidFill>
+                <a:srgbClr val="000000"/>
+              </a:solidFill>
+              <a:latin typeface="Consolas" panose="020B0609020204030204" pitchFamily="49" charset="0"/>
+            </a:endParaRPr>
+          </a:p>
+          <a:p>
+            <a:pPr marL="0" indent="0">
+              <a:buNone/>
+            </a:pPr>
+            <a:r>
+              <a:rPr lang="en-US" dirty="0" smtClean="0">
+                <a:solidFill>
+                  <a:srgbClr val="000000"/>
+                </a:solidFill>
+                <a:latin typeface="Consolas" panose="020B0609020204030204" pitchFamily="49" charset="0"/>
+              </a:rPr>
+              <a:t>        </a:t>
+            </a:r>
+            <a:r>
+              <a:rPr lang="ru-RU" dirty="0" smtClean="0">
+                <a:solidFill>
+                  <a:srgbClr val="000000"/>
+                </a:solidFill>
+                <a:latin typeface="Consolas" panose="020B0609020204030204" pitchFamily="49" charset="0"/>
+              </a:rPr>
+              <a:t>}</a:t>
+            </a:r>
+            <a:endParaRPr lang="ru-RU" dirty="0">
+              <a:solidFill>
+                <a:srgbClr val="000000"/>
+              </a:solidFill>
+              <a:latin typeface="Consolas" panose="020B0609020204030204" pitchFamily="49" charset="0"/>
+            </a:endParaRPr>
+          </a:p>
+          <a:p>
+            <a:pPr marL="0" indent="0">
+              <a:buNone/>
+            </a:pPr>
+            <a:r>
+              <a:rPr lang="en-US" dirty="0" smtClean="0">
+                <a:solidFill>
+                  <a:srgbClr val="000000"/>
+                </a:solidFill>
+                <a:latin typeface="Consolas" panose="020B0609020204030204" pitchFamily="49" charset="0"/>
+              </a:rPr>
+              <a:t>    </a:t>
+            </a:r>
+            <a:r>
+              <a:rPr lang="ru-RU" dirty="0" smtClean="0">
+                <a:solidFill>
+                  <a:srgbClr val="000000"/>
+                </a:solidFill>
+                <a:latin typeface="Consolas" panose="020B0609020204030204" pitchFamily="49" charset="0"/>
+              </a:rPr>
+              <a:t>};            </a:t>
+            </a:r>
+            <a:endParaRPr lang="ru-RU" dirty="0">
+              <a:solidFill>
+                <a:srgbClr val="000000"/>
+              </a:solidFill>
+              <a:latin typeface="Consolas" panose="020B0609020204030204" pitchFamily="49" charset="0"/>
+            </a:endParaRPr>
+          </a:p>
+          <a:p>
+            <a:pPr marL="0" indent="0">
+              <a:buNone/>
+            </a:pPr>
+            <a:r>
+              <a:rPr lang="en-US" dirty="0" smtClean="0">
+                <a:solidFill>
+                  <a:srgbClr val="000000"/>
+                </a:solidFill>
+                <a:latin typeface="Consolas" panose="020B0609020204030204" pitchFamily="49" charset="0"/>
+              </a:rPr>
+              <a:t>    </a:t>
+            </a:r>
+            <a:r>
+              <a:rPr lang="en-US" dirty="0" err="1" smtClean="0">
+                <a:solidFill>
+                  <a:srgbClr val="000000"/>
+                </a:solidFill>
+                <a:latin typeface="Consolas" panose="020B0609020204030204" pitchFamily="49" charset="0"/>
+              </a:rPr>
+              <a:t>IEntity</a:t>
+            </a:r>
+            <a:r>
+              <a:rPr lang="en-US" dirty="0" smtClean="0">
+                <a:solidFill>
+                  <a:srgbClr val="000000"/>
+                </a:solidFill>
+                <a:latin typeface="Consolas" panose="020B0609020204030204" pitchFamily="49" charset="0"/>
+              </a:rPr>
+              <a:t> </a:t>
+            </a:r>
+            <a:r>
+              <a:rPr lang="en-US" dirty="0" err="1">
+                <a:solidFill>
+                  <a:srgbClr val="000000"/>
+                </a:solidFill>
+                <a:latin typeface="Consolas" panose="020B0609020204030204" pitchFamily="49" charset="0"/>
+              </a:rPr>
+              <a:t>newValue</a:t>
+            </a:r>
+            <a:r>
+              <a:rPr lang="en-US" dirty="0">
+                <a:solidFill>
+                  <a:srgbClr val="000000"/>
+                </a:solidFill>
+                <a:latin typeface="Consolas" panose="020B0609020204030204" pitchFamily="49" charset="0"/>
+              </a:rPr>
+              <a:t> = entity</a:t>
+            </a:r>
+          </a:p>
+          <a:p>
+            <a:pPr marL="0" indent="0">
+              <a:buNone/>
+            </a:pPr>
+            <a:r>
+              <a:rPr lang="en-US" dirty="0" smtClean="0">
+                <a:solidFill>
+                  <a:srgbClr val="000000"/>
+                </a:solidFill>
+                <a:latin typeface="Consolas" panose="020B0609020204030204" pitchFamily="49" charset="0"/>
+              </a:rPr>
+              <a:t>          .</a:t>
+            </a:r>
+            <a:r>
+              <a:rPr lang="en-US" dirty="0">
+                <a:solidFill>
+                  <a:srgbClr val="000000"/>
+                </a:solidFill>
+                <a:latin typeface="Consolas" panose="020B0609020204030204" pitchFamily="49" charset="0"/>
+              </a:rPr>
+              <a:t>With(e =&gt; </a:t>
+            </a:r>
+            <a:r>
+              <a:rPr lang="en-US" dirty="0" err="1">
+                <a:solidFill>
+                  <a:srgbClr val="000000"/>
+                </a:solidFill>
+                <a:latin typeface="Consolas" panose="020B0609020204030204" pitchFamily="49" charset="0"/>
+              </a:rPr>
+              <a:t>e.Agg.Name</a:t>
+            </a:r>
+            <a:r>
+              <a:rPr lang="en-US" dirty="0">
+                <a:solidFill>
+                  <a:srgbClr val="000000"/>
+                </a:solidFill>
+                <a:latin typeface="Consolas" panose="020B0609020204030204" pitchFamily="49" charset="0"/>
+              </a:rPr>
+              <a:t> = </a:t>
+            </a:r>
+            <a:r>
+              <a:rPr lang="en-US" dirty="0">
+                <a:solidFill>
+                  <a:srgbClr val="A31515"/>
+                </a:solidFill>
+                <a:latin typeface="Consolas" panose="020B0609020204030204" pitchFamily="49" charset="0"/>
+              </a:rPr>
+              <a:t>"new value"</a:t>
+            </a:r>
+            <a:r>
+              <a:rPr lang="en-US" dirty="0">
+                <a:solidFill>
+                  <a:srgbClr val="000000"/>
+                </a:solidFill>
+                <a:latin typeface="Consolas" panose="020B0609020204030204" pitchFamily="49" charset="0"/>
+              </a:rPr>
+              <a:t>);</a:t>
+            </a:r>
+          </a:p>
+          <a:p>
+            <a:pPr marL="0" indent="0">
+              <a:buNone/>
+            </a:pPr>
+            <a:r>
+              <a:rPr lang="en-US" dirty="0" smtClean="0">
+                <a:solidFill>
+                  <a:srgbClr val="000000"/>
+                </a:solidFill>
+                <a:latin typeface="Consolas" panose="020B0609020204030204" pitchFamily="49" charset="0"/>
+              </a:rPr>
+              <a:t>    </a:t>
+            </a:r>
+            <a:r>
+              <a:rPr lang="en-US" dirty="0" err="1" smtClean="0">
+                <a:solidFill>
+                  <a:srgbClr val="000000"/>
+                </a:solidFill>
+                <a:latin typeface="Consolas" panose="020B0609020204030204" pitchFamily="49" charset="0"/>
+              </a:rPr>
+              <a:t>Assert.Equal</a:t>
+            </a:r>
+            <a:r>
+              <a:rPr lang="en-US" dirty="0">
+                <a:solidFill>
+                  <a:srgbClr val="000000"/>
+                </a:solidFill>
+                <a:latin typeface="Consolas" panose="020B0609020204030204" pitchFamily="49" charset="0"/>
+              </a:rPr>
+              <a:t>(</a:t>
+            </a:r>
+            <a:r>
+              <a:rPr lang="en-US" dirty="0">
+                <a:solidFill>
+                  <a:srgbClr val="A31515"/>
+                </a:solidFill>
+                <a:latin typeface="Consolas" panose="020B0609020204030204" pitchFamily="49" charset="0"/>
+              </a:rPr>
+              <a:t>"old value"</a:t>
+            </a:r>
+            <a:r>
+              <a:rPr lang="en-US" dirty="0">
+                <a:solidFill>
+                  <a:srgbClr val="000000"/>
+                </a:solidFill>
+                <a:latin typeface="Consolas" panose="020B0609020204030204" pitchFamily="49" charset="0"/>
+              </a:rPr>
+              <a:t>, </a:t>
+            </a:r>
+            <a:r>
+              <a:rPr lang="en-US" dirty="0" err="1">
+                <a:solidFill>
+                  <a:srgbClr val="000000"/>
+                </a:solidFill>
+                <a:latin typeface="Consolas" panose="020B0609020204030204" pitchFamily="49" charset="0"/>
+              </a:rPr>
+              <a:t>entity.Agg.Name</a:t>
+            </a:r>
+            <a:r>
+              <a:rPr lang="en-US" dirty="0">
+                <a:solidFill>
+                  <a:srgbClr val="000000"/>
+                </a:solidFill>
+                <a:latin typeface="Consolas" panose="020B0609020204030204" pitchFamily="49" charset="0"/>
+              </a:rPr>
+              <a:t>);</a:t>
+            </a:r>
+          </a:p>
+          <a:p>
+            <a:pPr marL="0" indent="0">
+              <a:buNone/>
+            </a:pPr>
+            <a:r>
+              <a:rPr lang="ru-RU" dirty="0" smtClean="0">
+                <a:solidFill>
+                  <a:srgbClr val="000000"/>
+                </a:solidFill>
+                <a:latin typeface="Consolas" panose="020B0609020204030204" pitchFamily="49" charset="0"/>
+              </a:rPr>
+              <a:t>}</a:t>
+            </a:r>
+            <a:endParaRPr lang="ru-RU" dirty="0"/>
+          </a:p>
+        </p:txBody>
+      </p:sp>
+    </p:spTree>
+    <p:extLst>
+      <p:ext uri="{BB962C8B-B14F-4D97-AF65-F5344CB8AC3E}">
+        <p14:creationId xmlns:p14="http://schemas.microsoft.com/office/powerpoint/2010/main" val="2687858462"/>
+      </p:ext>
+    </p:extLst>
+  </p:cSld>
+  <p:clrMapOvr>
+    <a:masterClrMapping/>
+  </p:clrMapOvr>
+  <p:timing>
+    <p:tnLst>
+      <p:par>
+        <p:cTn id="1" dur="indefinite" restart="never" nodeType="tmRoot">
+          <p:childTnLst>
+            <p:seq concurrent="1" nextAc="seek">
+              <p:cTn id="2" dur="indefinite" nodeType="mainSeq">
+                <p:childTnLst>
+                  <p:par>
+                    <p:cTn id="3" fill="hold">
+                      <p:stCondLst>
+                        <p:cond delay="indefinite"/>
+                      </p:stCondLst>
+                      <p:childTnLst>
+                        <p:par>
+                          <p:cTn id="4" fill="hold">
+                            <p:stCondLst>
+                              <p:cond delay="0"/>
+                            </p:stCondLst>
+                            <p:childTnLst>
+                              <p:par>
+                                <p:cTn id="5" presetID="1" presetClass="entr" presetSubtype="0" fill="hold" nodeType="clickEffect">
+                                  <p:stCondLst>
+                                    <p:cond delay="0"/>
+                                  </p:stCondLst>
+                                  <p:childTnLst>
+                                    <p:set>
+                                      <p:cBhvr>
+                                        <p:cTn id="6" dur="1" fill="hold">
+                                          <p:stCondLst>
+                                            <p:cond delay="0"/>
+                                          </p:stCondLst>
+                                        </p:cTn>
+                                        <p:tgtEl>
+                                          <p:spTgt spid="5">
+                                            <p:txEl>
+                                              <p:pRg st="0" end="0"/>
+                                            </p:txEl>
+                                          </p:spTgt>
+                                        </p:tgtEl>
+                                        <p:attrNameLst>
+                                          <p:attrName>style.visibility</p:attrName>
+                                        </p:attrNameLst>
+                                      </p:cBhvr>
+                                      <p:to>
+                                        <p:strVal val="visible"/>
+                                      </p:to>
+                                    </p:set>
+                                  </p:childTnLst>
+                                </p:cTn>
+                              </p:par>
+                              <p:par>
+                                <p:cTn id="7" presetID="1" presetClass="entr" presetSubtype="0" fill="hold" nodeType="withEffect">
+                                  <p:stCondLst>
+                                    <p:cond delay="0"/>
+                                  </p:stCondLst>
+                                  <p:childTnLst>
+                                    <p:set>
+                                      <p:cBhvr>
+                                        <p:cTn id="8" dur="1" fill="hold">
+                                          <p:stCondLst>
+                                            <p:cond delay="0"/>
+                                          </p:stCondLst>
+                                        </p:cTn>
+                                        <p:tgtEl>
+                                          <p:spTgt spid="5">
+                                            <p:txEl>
+                                              <p:pRg st="1" end="1"/>
+                                            </p:txEl>
+                                          </p:spTgt>
+                                        </p:tgtEl>
+                                        <p:attrNameLst>
+                                          <p:attrName>style.visibility</p:attrName>
+                                        </p:attrNameLst>
+                                      </p:cBhvr>
+                                      <p:to>
+                                        <p:strVal val="visible"/>
+                                      </p:to>
+                                    </p:set>
+                                  </p:childTnLst>
+                                </p:cTn>
+                              </p:par>
+                              <p:par>
+                                <p:cTn id="9" presetID="1" presetClass="entr" presetSubtype="0" fill="hold" nodeType="withEffect">
+                                  <p:stCondLst>
+                                    <p:cond delay="0"/>
+                                  </p:stCondLst>
+                                  <p:childTnLst>
+                                    <p:set>
+                                      <p:cBhvr>
+                                        <p:cTn id="10" dur="1" fill="hold">
+                                          <p:stCondLst>
+                                            <p:cond delay="0"/>
+                                          </p:stCondLst>
+                                        </p:cTn>
+                                        <p:tgtEl>
+                                          <p:spTgt spid="5">
+                                            <p:txEl>
+                                              <p:pRg st="2" end="2"/>
+                                            </p:txEl>
+                                          </p:spTgt>
+                                        </p:tgtEl>
+                                        <p:attrNameLst>
+                                          <p:attrName>style.visibility</p:attrName>
+                                        </p:attrNameLst>
+                                      </p:cBhvr>
+                                      <p:to>
+                                        <p:strVal val="visible"/>
+                                      </p:to>
+                                    </p:set>
+                                  </p:childTnLst>
+                                </p:cTn>
+                              </p:par>
+                              <p:par>
+                                <p:cTn id="11" presetID="1" presetClass="entr" presetSubtype="0" fill="hold" nodeType="withEffect">
+                                  <p:stCondLst>
+                                    <p:cond delay="0"/>
+                                  </p:stCondLst>
+                                  <p:childTnLst>
+                                    <p:set>
+                                      <p:cBhvr>
+                                        <p:cTn id="12" dur="1" fill="hold">
+                                          <p:stCondLst>
+                                            <p:cond delay="0"/>
+                                          </p:stCondLst>
+                                        </p:cTn>
+                                        <p:tgtEl>
+                                          <p:spTgt spid="5">
+                                            <p:txEl>
+                                              <p:pRg st="3" end="3"/>
+                                            </p:txEl>
+                                          </p:spTgt>
+                                        </p:tgtEl>
+                                        <p:attrNameLst>
+                                          <p:attrName>style.visibility</p:attrName>
+                                        </p:attrNameLst>
+                                      </p:cBhvr>
+                                      <p:to>
+                                        <p:strVal val="visible"/>
+                                      </p:to>
+                                    </p:set>
+                                  </p:childTnLst>
+                                </p:cTn>
+                              </p:par>
+                              <p:par>
+                                <p:cTn id="13" presetID="1" presetClass="entr" presetSubtype="0" fill="hold" nodeType="withEffect">
+                                  <p:stCondLst>
+                                    <p:cond delay="0"/>
+                                  </p:stCondLst>
+                                  <p:childTnLst>
+                                    <p:set>
+                                      <p:cBhvr>
+                                        <p:cTn id="14" dur="1" fill="hold">
+                                          <p:stCondLst>
+                                            <p:cond delay="0"/>
+                                          </p:stCondLst>
+                                        </p:cTn>
+                                        <p:tgtEl>
+                                          <p:spTgt spid="5">
+                                            <p:txEl>
+                                              <p:pRg st="4" end="4"/>
+                                            </p:txEl>
+                                          </p:spTgt>
+                                        </p:tgtEl>
+                                        <p:attrNameLst>
+                                          <p:attrName>style.visibility</p:attrName>
+                                        </p:attrNameLst>
+                                      </p:cBhvr>
+                                      <p:to>
+                                        <p:strVal val="visible"/>
+                                      </p:to>
+                                    </p:set>
+                                  </p:childTnLst>
+                                </p:cTn>
+                              </p:par>
+                              <p:par>
+                                <p:cTn id="15" presetID="1" presetClass="entr" presetSubtype="0" fill="hold" nodeType="withEffect">
+                                  <p:stCondLst>
+                                    <p:cond delay="0"/>
+                                  </p:stCondLst>
+                                  <p:childTnLst>
+                                    <p:set>
+                                      <p:cBhvr>
+                                        <p:cTn id="16" dur="1" fill="hold">
+                                          <p:stCondLst>
+                                            <p:cond delay="0"/>
+                                          </p:stCondLst>
+                                        </p:cTn>
+                                        <p:tgtEl>
+                                          <p:spTgt spid="5">
+                                            <p:txEl>
+                                              <p:pRg st="5" end="5"/>
+                                            </p:txEl>
+                                          </p:spTgt>
+                                        </p:tgtEl>
+                                        <p:attrNameLst>
+                                          <p:attrName>style.visibility</p:attrName>
+                                        </p:attrNameLst>
+                                      </p:cBhvr>
+                                      <p:to>
+                                        <p:strVal val="visible"/>
+                                      </p:to>
+                                    </p:set>
+                                  </p:childTnLst>
+                                </p:cTn>
+                              </p:par>
+                              <p:par>
+                                <p:cTn id="17" presetID="1" presetClass="entr" presetSubtype="0" fill="hold" nodeType="withEffect">
+                                  <p:stCondLst>
+                                    <p:cond delay="0"/>
+                                  </p:stCondLst>
+                                  <p:childTnLst>
+                                    <p:set>
+                                      <p:cBhvr>
+                                        <p:cTn id="18" dur="1" fill="hold">
+                                          <p:stCondLst>
+                                            <p:cond delay="0"/>
+                                          </p:stCondLst>
+                                        </p:cTn>
+                                        <p:tgtEl>
+                                          <p:spTgt spid="5">
+                                            <p:txEl>
+                                              <p:pRg st="6" end="6"/>
+                                            </p:txEl>
+                                          </p:spTgt>
+                                        </p:tgtEl>
+                                        <p:attrNameLst>
+                                          <p:attrName>style.visibility</p:attrName>
+                                        </p:attrNameLst>
+                                      </p:cBhvr>
+                                      <p:to>
+                                        <p:strVal val="visible"/>
+                                      </p:to>
+                                    </p:set>
+                                  </p:childTnLst>
+                                </p:cTn>
+                              </p:par>
+                              <p:par>
+                                <p:cTn id="19" presetID="1" presetClass="entr" presetSubtype="0" fill="hold" nodeType="withEffect">
+                                  <p:stCondLst>
+                                    <p:cond delay="0"/>
+                                  </p:stCondLst>
+                                  <p:childTnLst>
+                                    <p:set>
+                                      <p:cBhvr>
+                                        <p:cTn id="20" dur="1" fill="hold">
+                                          <p:stCondLst>
+                                            <p:cond delay="0"/>
+                                          </p:stCondLst>
+                                        </p:cTn>
+                                        <p:tgtEl>
+                                          <p:spTgt spid="5">
+                                            <p:txEl>
+                                              <p:pRg st="7" end="7"/>
+                                            </p:txEl>
+                                          </p:spTgt>
+                                        </p:tgtEl>
+                                        <p:attrNameLst>
+                                          <p:attrName>style.visibility</p:attrName>
+                                        </p:attrNameLst>
+                                      </p:cBhvr>
+                                      <p:to>
+                                        <p:strVal val="visible"/>
+                                      </p:to>
+                                    </p:set>
+                                  </p:childTnLst>
+                                </p:cTn>
+                              </p:par>
+                              <p:par>
+                                <p:cTn id="21" presetID="1" presetClass="entr" presetSubtype="0" fill="hold" nodeType="withEffect">
+                                  <p:stCondLst>
+                                    <p:cond delay="0"/>
+                                  </p:stCondLst>
+                                  <p:childTnLst>
+                                    <p:set>
+                                      <p:cBhvr>
+                                        <p:cTn id="22" dur="1" fill="hold">
+                                          <p:stCondLst>
+                                            <p:cond delay="0"/>
+                                          </p:stCondLst>
+                                        </p:cTn>
+                                        <p:tgtEl>
+                                          <p:spTgt spid="5">
+                                            <p:txEl>
+                                              <p:pRg st="8" end="8"/>
+                                            </p:txEl>
+                                          </p:spTgt>
+                                        </p:tgtEl>
+                                        <p:attrNameLst>
+                                          <p:attrName>style.visibility</p:attrName>
+                                        </p:attrNameLst>
+                                      </p:cBhvr>
+                                      <p:to>
+                                        <p:strVal val="visible"/>
+                                      </p:to>
+                                    </p:set>
+                                  </p:childTnLst>
+                                </p:cTn>
+                              </p:par>
+                              <p:par>
+                                <p:cTn id="23" presetID="1" presetClass="entr" presetSubtype="0" fill="hold" nodeType="withEffect">
+                                  <p:stCondLst>
+                                    <p:cond delay="0"/>
+                                  </p:stCondLst>
+                                  <p:childTnLst>
+                                    <p:set>
+                                      <p:cBhvr>
+                                        <p:cTn id="24" dur="1" fill="hold">
+                                          <p:stCondLst>
+                                            <p:cond delay="0"/>
+                                          </p:stCondLst>
+                                        </p:cTn>
+                                        <p:tgtEl>
+                                          <p:spTgt spid="5">
+                                            <p:txEl>
+                                              <p:pRg st="12" end="12"/>
+                                            </p:txEl>
+                                          </p:spTgt>
+                                        </p:tgtEl>
+                                        <p:attrNameLst>
+                                          <p:attrName>style.visibility</p:attrName>
+                                        </p:attrNameLst>
+                                      </p:cBhvr>
+                                      <p:to>
+                                        <p:strVal val="visible"/>
+                                      </p:to>
+                                    </p:set>
+                                  </p:childTnLst>
+                                </p:cTn>
+                              </p:par>
+                            </p:childTnLst>
+                          </p:cTn>
+                        </p:par>
+                      </p:childTnLst>
+                    </p:cTn>
+                  </p:par>
+                  <p:par>
+                    <p:cTn id="25" fill="hold">
+                      <p:stCondLst>
+                        <p:cond delay="indefinite"/>
+                      </p:stCondLst>
+                      <p:childTnLst>
+                        <p:par>
+                          <p:cTn id="26" fill="hold">
+                            <p:stCondLst>
+                              <p:cond delay="0"/>
+                            </p:stCondLst>
+                            <p:childTnLst>
+                              <p:par>
+                                <p:cTn id="27" presetID="1" presetClass="entr" presetSubtype="0" fill="hold" nodeType="clickEffect">
+                                  <p:stCondLst>
+                                    <p:cond delay="0"/>
+                                  </p:stCondLst>
+                                  <p:childTnLst>
+                                    <p:set>
+                                      <p:cBhvr>
+                                        <p:cTn id="28" dur="1" fill="hold">
+                                          <p:stCondLst>
+                                            <p:cond delay="0"/>
+                                          </p:stCondLst>
+                                        </p:cTn>
+                                        <p:tgtEl>
+                                          <p:spTgt spid="5">
+                                            <p:txEl>
+                                              <p:pRg st="9" end="9"/>
+                                            </p:txEl>
+                                          </p:spTgt>
+                                        </p:tgtEl>
+                                        <p:attrNameLst>
+                                          <p:attrName>style.visibility</p:attrName>
+                                        </p:attrNameLst>
+                                      </p:cBhvr>
+                                      <p:to>
+                                        <p:strVal val="visible"/>
+                                      </p:to>
+                                    </p:set>
+                                  </p:childTnLst>
+                                </p:cTn>
+                              </p:par>
+                              <p:par>
+                                <p:cTn id="29" presetID="1" presetClass="entr" presetSubtype="0" fill="hold" nodeType="withEffect">
+                                  <p:stCondLst>
+                                    <p:cond delay="0"/>
+                                  </p:stCondLst>
+                                  <p:childTnLst>
+                                    <p:set>
+                                      <p:cBhvr>
+                                        <p:cTn id="30" dur="1" fill="hold">
+                                          <p:stCondLst>
+                                            <p:cond delay="0"/>
+                                          </p:stCondLst>
+                                        </p:cTn>
+                                        <p:tgtEl>
+                                          <p:spTgt spid="5">
+                                            <p:txEl>
+                                              <p:pRg st="10" end="10"/>
+                                            </p:txEl>
+                                          </p:spTgt>
+                                        </p:tgtEl>
+                                        <p:attrNameLst>
+                                          <p:attrName>style.visibility</p:attrName>
+                                        </p:attrNameLst>
+                                      </p:cBhvr>
+                                      <p:to>
+                                        <p:strVal val="visible"/>
+                                      </p:to>
+                                    </p:set>
+                                  </p:childTnLst>
+                                </p:cTn>
+                              </p:par>
+                            </p:childTnLst>
+                          </p:cTn>
+                        </p:par>
+                      </p:childTnLst>
+                    </p:cTn>
+                  </p:par>
+                  <p:par>
+                    <p:cTn id="31" fill="hold">
+                      <p:stCondLst>
+                        <p:cond delay="indefinite"/>
+                      </p:stCondLst>
+                      <p:childTnLst>
+                        <p:par>
+                          <p:cTn id="32" fill="hold">
+                            <p:stCondLst>
+                              <p:cond delay="0"/>
+                            </p:stCondLst>
+                            <p:childTnLst>
+                              <p:par>
+                                <p:cTn id="33" presetID="1" presetClass="entr" presetSubtype="0" fill="hold" nodeType="clickEffect">
+                                  <p:stCondLst>
+                                    <p:cond delay="0"/>
+                                  </p:stCondLst>
+                                  <p:childTnLst>
+                                    <p:set>
+                                      <p:cBhvr>
+                                        <p:cTn id="34" dur="1" fill="hold">
+                                          <p:stCondLst>
+                                            <p:cond delay="0"/>
+                                          </p:stCondLst>
+                                        </p:cTn>
+                                        <p:tgtEl>
+                                          <p:spTgt spid="5">
+                                            <p:txEl>
+                                              <p:pRg st="11" end="11"/>
+                                            </p:txEl>
+                                          </p:spTgt>
+                                        </p:tgtEl>
+                                        <p:attrNameLst>
+                                          <p:attrName>style.visibility</p:attrName>
+                                        </p:attrNameLst>
+                                      </p:cBhvr>
+                                      <p:to>
+                                        <p:strVal val="visible"/>
+                                      </p:to>
+                                    </p:set>
+                                  </p:childTnLst>
+                                </p:cTn>
+                              </p:par>
+                            </p:childTnLst>
+                          </p:cTn>
+                        </p:par>
+                      </p:childTnLst>
+                    </p:cTn>
+                  </p:par>
+                </p:childTnLst>
+              </p:cTn>
+              <p:prevCondLst>
+                <p:cond evt="onPrev" delay="0">
+                  <p:tgtEl>
+                    <p:sldTgt/>
+                  </p:tgtEl>
+                </p:cond>
+              </p:prevCondLst>
+              <p:nextCondLst>
+                <p:cond evt="onNext" delay="0">
+                  <p:tgtEl>
+                    <p:sldTgt/>
+                  </p:tgtEl>
+                </p:cond>
+              </p:nextCondLst>
+            </p:seq>
+          </p:childTnLst>
+        </p:cTn>
+      </p:par>
+    </p:tnLst>
+  </p:timing>
+</p:sld>
+</file>
+
+<file path=ppt/slides/slide26.xml><?xml version="1.0" encoding="utf-8"?>
+<p:sld xmlns:a="http://schemas.openxmlformats.org/drawingml/2006/main" xmlns:r="http://schemas.openxmlformats.org/officeDocument/2006/relationships" xmlns:p="http://schemas.openxmlformats.org/presentationml/2006/main">
+  <p:cSld>
+    <p:spTree>
+      <p:nvGrpSpPr>
+        <p:cNvPr id="1" name=""/>
+        <p:cNvGrpSpPr/>
+        <p:nvPr/>
+      </p:nvGrpSpPr>
+      <p:grpSpPr>
+        <a:xfrm>
+          <a:off x="0" y="0"/>
+          <a:ext cx="0" cy="0"/>
+          <a:chOff x="0" y="0"/>
+          <a:chExt cx="0" cy="0"/>
+        </a:xfrm>
+      </p:grpSpPr>
+      <p:sp>
+        <p:nvSpPr>
+          <p:cNvPr id="2" name="Title 1">
+            <a:extLst>
+              <a:ext uri="{FF2B5EF4-FFF2-40B4-BE49-F238E27FC236}">
+                <a16:creationId xmlns:a16="http://schemas.microsoft.com/office/drawing/2014/main" id="{29B58DD4-28BA-4308-B0B8-BAD47C1FAAA0}"/>
+              </a:ext>
+            </a:extLst>
+          </p:cNvPr>
+          <p:cNvSpPr>
+            <a:spLocks noGrp="1"/>
+          </p:cNvSpPr>
+          <p:nvPr>
+            <p:ph type="ctrTitle"/>
+          </p:nvPr>
+        </p:nvSpPr>
+        <p:spPr/>
+        <p:txBody>
+          <a:bodyPr/>
+          <a:lstStyle/>
+          <a:p>
+            <a:r>
+              <a:rPr lang="en-US" dirty="0"/>
+              <a:t>Immutable collections</a:t>
+            </a:r>
+          </a:p>
+        </p:txBody>
+      </p:sp>
+      <p:sp>
+        <p:nvSpPr>
+          <p:cNvPr id="4" name="Subtitle 3">
+            <a:extLst>
+              <a:ext uri="{FF2B5EF4-FFF2-40B4-BE49-F238E27FC236}">
+                <a16:creationId xmlns:a16="http://schemas.microsoft.com/office/drawing/2014/main" id="{62FD9201-44D2-4217-9B40-FCE23E33996D}"/>
+              </a:ext>
+            </a:extLst>
+          </p:cNvPr>
+          <p:cNvSpPr>
+            <a:spLocks noGrp="1"/>
+          </p:cNvSpPr>
+          <p:nvPr>
+            <p:ph type="subTitle" idx="1"/>
+          </p:nvPr>
+        </p:nvSpPr>
+        <p:spPr/>
+        <p:txBody>
+          <a:bodyPr/>
+          <a:lstStyle/>
+          <a:p>
+            <a:r>
+              <a:rPr lang="en-US" dirty="0"/>
+              <a:t>Instead of comparing immutable collections with a mutable collection we should consider it as an alternative to using mutable collections in an immutable way.</a:t>
+            </a:r>
+          </a:p>
+        </p:txBody>
+      </p:sp>
+    </p:spTree>
+    <p:extLst>
+      <p:ext uri="{BB962C8B-B14F-4D97-AF65-F5344CB8AC3E}">
+        <p14:creationId xmlns:p14="http://schemas.microsoft.com/office/powerpoint/2010/main" val="1898269488"/>
+      </p:ext>
+    </p:extLst>
+  </p:cSld>
+  <p:clrMapOvr>
+    <a:masterClrMapping/>
+  </p:clrMapOvr>
+  <p:timing>
+    <p:tnLst>
+      <p:par>
+        <p:cTn id="1" dur="indefinite" restart="never" nodeType="tmRoot"/>
+      </p:par>
+    </p:tnLst>
+  </p:timing>
+</p:sld>
+</file>
+
+<file path=ppt/slides/slide27.xml><?xml version="1.0" encoding="utf-8"?>
+<p:sld xmlns:a="http://schemas.openxmlformats.org/drawingml/2006/main" xmlns:r="http://schemas.openxmlformats.org/officeDocument/2006/relationships" xmlns:p="http://schemas.openxmlformats.org/presentationml/2006/main">
+  <p:cSld>
+    <p:spTree>
+      <p:nvGrpSpPr>
+        <p:cNvPr id="1" name=""/>
+        <p:cNvGrpSpPr/>
+        <p:nvPr/>
+      </p:nvGrpSpPr>
+      <p:grpSpPr>
+        <a:xfrm>
+          <a:off x="0" y="0"/>
+          <a:ext cx="0" cy="0"/>
+          <a:chOff x="0" y="0"/>
+          <a:chExt cx="0" cy="0"/>
+        </a:xfrm>
+      </p:grpSpPr>
+      <p:sp>
+        <p:nvSpPr>
+          <p:cNvPr id="2" name="Title 1">
+            <a:extLst>
+              <a:ext uri="{FF2B5EF4-FFF2-40B4-BE49-F238E27FC236}">
                 <a16:creationId xmlns:a16="http://schemas.microsoft.com/office/drawing/2014/main" id="{CE912030-CFDC-4EEE-A04B-DE2383DFED84}"/>
               </a:ext>
             </a:extLst>
@@ -14327,10 +17591,17 @@
   <p:clrMapOvr>
     <a:masterClrMapping/>
   </p:clrMapOvr>
+  <p:timing>
+    <p:tnLst>
+      <p:par>
+        <p:cTn id="1" dur="indefinite" restart="never" nodeType="tmRoot"/>
+      </p:par>
+    </p:tnLst>
+  </p:timing>
 </p:sld>
 </file>
 
-<file path=ppt/slides/slide25.xml><?xml version="1.0" encoding="utf-8"?>
+<file path=ppt/slides/slide28.xml><?xml version="1.0" encoding="utf-8"?>
 <p:sld xmlns:a="http://schemas.openxmlformats.org/drawingml/2006/main" xmlns:r="http://schemas.openxmlformats.org/officeDocument/2006/relationships" xmlns:p="http://schemas.openxmlformats.org/presentationml/2006/main">
   <p:cSld>
     <p:spTree>
@@ -15503,7 +18774,7 @@
 </p:sld>
 </file>
 
-<file path=ppt/slides/slide26.xml><?xml version="1.0" encoding="utf-8"?>
+<file path=ppt/slides/slide29.xml><?xml version="1.0" encoding="utf-8"?>
 <p:sld xmlns:a="http://schemas.openxmlformats.org/drawingml/2006/main" xmlns:r="http://schemas.openxmlformats.org/officeDocument/2006/relationships" xmlns:p="http://schemas.openxmlformats.org/presentationml/2006/main">
   <p:cSld>
     <p:spTree>
@@ -15585,179 +18856,6 @@
     <p:extLst>
       <p:ext uri="{BB962C8B-B14F-4D97-AF65-F5344CB8AC3E}">
         <p14:creationId xmlns:p14="http://schemas.microsoft.com/office/powerpoint/2010/main" val="3459756950"/>
-      </p:ext>
-    </p:extLst>
-  </p:cSld>
-  <p:clrMapOvr>
-    <a:masterClrMapping/>
-  </p:clrMapOvr>
-</p:sld>
-</file>
-
-<file path=ppt/slides/slide27.xml><?xml version="1.0" encoding="utf-8"?>
-<p:sld xmlns:a="http://schemas.openxmlformats.org/drawingml/2006/main" xmlns:r="http://schemas.openxmlformats.org/officeDocument/2006/relationships" xmlns:p="http://schemas.openxmlformats.org/presentationml/2006/main">
-  <p:cSld>
-    <p:spTree>
-      <p:nvGrpSpPr>
-        <p:cNvPr id="1" name=""/>
-        <p:cNvGrpSpPr/>
-        <p:nvPr/>
-      </p:nvGrpSpPr>
-      <p:grpSpPr>
-        <a:xfrm>
-          <a:off x="0" y="0"/>
-          <a:ext cx="0" cy="0"/>
-          <a:chOff x="0" y="0"/>
-          <a:chExt cx="0" cy="0"/>
-        </a:xfrm>
-      </p:grpSpPr>
-      <p:sp>
-        <p:nvSpPr>
-          <p:cNvPr id="2" name="Title 1">
-            <a:extLst>
-              <a:ext uri="{FF2B5EF4-FFF2-40B4-BE49-F238E27FC236}">
-                <a16:creationId xmlns:a16="http://schemas.microsoft.com/office/drawing/2014/main" id="{C018C9B3-3F32-4E39-90FB-779E9AE6165C}"/>
-              </a:ext>
-            </a:extLst>
-          </p:cNvPr>
-          <p:cNvSpPr>
-            <a:spLocks noGrp="1"/>
-          </p:cNvSpPr>
-          <p:nvPr>
-            <p:ph type="title"/>
-          </p:nvPr>
-        </p:nvSpPr>
-        <p:spPr/>
-        <p:txBody>
-          <a:bodyPr/>
-          <a:lstStyle/>
-          <a:p>
-            <a:r>
-              <a:rPr lang="en-US" dirty="0"/>
-              <a:t>Myth 3: No one uses immutable collections</a:t>
-            </a:r>
-          </a:p>
-        </p:txBody>
-      </p:sp>
-      <p:sp>
-        <p:nvSpPr>
-          <p:cNvPr id="3" name="Content Placeholder 2">
-            <a:extLst>
-              <a:ext uri="{FF2B5EF4-FFF2-40B4-BE49-F238E27FC236}">
-                <a16:creationId xmlns:a16="http://schemas.microsoft.com/office/drawing/2014/main" id="{D24A5066-8A6B-4FE7-8436-56911150907F}"/>
-              </a:ext>
-            </a:extLst>
-          </p:cNvPr>
-          <p:cNvSpPr>
-            <a:spLocks noGrp="1"/>
-          </p:cNvSpPr>
-          <p:nvPr>
-            <p:ph idx="1"/>
-          </p:nvPr>
-        </p:nvSpPr>
-        <p:spPr/>
-        <p:txBody>
-          <a:bodyPr/>
-          <a:lstStyle/>
-          <a:p>
-            <a:pPr marL="0" indent="0">
-              <a:buNone/>
-            </a:pPr>
-            <a:r>
-              <a:rPr lang="en-US" dirty="0"/>
-              <a:t>Demo: How Microsoft uses Immutable Collections</a:t>
-            </a:r>
-          </a:p>
-        </p:txBody>
-      </p:sp>
-    </p:spTree>
-    <p:extLst>
-      <p:ext uri="{BB962C8B-B14F-4D97-AF65-F5344CB8AC3E}">
-        <p14:creationId xmlns:p14="http://schemas.microsoft.com/office/powerpoint/2010/main" val="1372487050"/>
-      </p:ext>
-    </p:extLst>
-  </p:cSld>
-  <p:clrMapOvr>
-    <a:masterClrMapping/>
-  </p:clrMapOvr>
-</p:sld>
-</file>
-
-<file path=ppt/slides/slide28.xml><?xml version="1.0" encoding="utf-8"?>
-<p:sld xmlns:a="http://schemas.openxmlformats.org/drawingml/2006/main" xmlns:r="http://schemas.openxmlformats.org/officeDocument/2006/relationships" xmlns:p="http://schemas.openxmlformats.org/presentationml/2006/main">
-  <p:cSld>
-    <p:spTree>
-      <p:nvGrpSpPr>
-        <p:cNvPr id="1" name=""/>
-        <p:cNvGrpSpPr/>
-        <p:nvPr/>
-      </p:nvGrpSpPr>
-      <p:grpSpPr>
-        <a:xfrm>
-          <a:off x="0" y="0"/>
-          <a:ext cx="0" cy="0"/>
-          <a:chOff x="0" y="0"/>
-          <a:chExt cx="0" cy="0"/>
-        </a:xfrm>
-      </p:grpSpPr>
-      <p:sp>
-        <p:nvSpPr>
-          <p:cNvPr id="2" name="Title 1">
-            <a:extLst>
-              <a:ext uri="{FF2B5EF4-FFF2-40B4-BE49-F238E27FC236}">
-                <a16:creationId xmlns:a16="http://schemas.microsoft.com/office/drawing/2014/main" id="{AD6EA183-CC4B-4948-9EAE-D3B9C2A14B83}"/>
-              </a:ext>
-            </a:extLst>
-          </p:cNvPr>
-          <p:cNvSpPr>
-            <a:spLocks noGrp="1"/>
-          </p:cNvSpPr>
-          <p:nvPr>
-            <p:ph type="ctrTitle"/>
-          </p:nvPr>
-        </p:nvSpPr>
-        <p:spPr/>
-        <p:txBody>
-          <a:bodyPr/>
-          <a:lstStyle/>
-          <a:p>
-            <a:r>
-              <a:rPr lang="ru-RU" dirty="0"/>
-              <a:t>Заключение</a:t>
-            </a:r>
-            <a:endParaRPr lang="en-US" dirty="0"/>
-          </a:p>
-        </p:txBody>
-      </p:sp>
-      <p:sp>
-        <p:nvSpPr>
-          <p:cNvPr id="3" name="Subtitle 2">
-            <a:extLst>
-              <a:ext uri="{FF2B5EF4-FFF2-40B4-BE49-F238E27FC236}">
-                <a16:creationId xmlns:a16="http://schemas.microsoft.com/office/drawing/2014/main" id="{D6EDDE3B-D44B-4895-A75A-07D2DA0B2F1A}"/>
-              </a:ext>
-            </a:extLst>
-          </p:cNvPr>
-          <p:cNvSpPr>
-            <a:spLocks noGrp="1"/>
-          </p:cNvSpPr>
-          <p:nvPr>
-            <p:ph type="subTitle" idx="1"/>
-          </p:nvPr>
-        </p:nvSpPr>
-        <p:spPr/>
-        <p:txBody>
-          <a:bodyPr/>
-          <a:lstStyle/>
-          <a:p>
-            <a:endParaRPr lang="en-US"/>
-          </a:p>
-        </p:txBody>
-      </p:sp>
-    </p:spTree>
-    <p:extLst>
-      <p:ext uri="{BB962C8B-B14F-4D97-AF65-F5344CB8AC3E}">
-        <p14:creationId xmlns:p14="http://schemas.microsoft.com/office/powerpoint/2010/main" val="1668934847"/>
       </p:ext>
     </p:extLst>
   </p:cSld>
@@ -15891,6 +18989,179 @@
     <p:extLst>
       <p:ext uri="{BB962C8B-B14F-4D97-AF65-F5344CB8AC3E}">
         <p14:creationId xmlns:p14="http://schemas.microsoft.com/office/powerpoint/2010/main" val="290849336"/>
+      </p:ext>
+    </p:extLst>
+  </p:cSld>
+  <p:clrMapOvr>
+    <a:masterClrMapping/>
+  </p:clrMapOvr>
+</p:sld>
+</file>
+
+<file path=ppt/slides/slide30.xml><?xml version="1.0" encoding="utf-8"?>
+<p:sld xmlns:a="http://schemas.openxmlformats.org/drawingml/2006/main" xmlns:r="http://schemas.openxmlformats.org/officeDocument/2006/relationships" xmlns:p="http://schemas.openxmlformats.org/presentationml/2006/main">
+  <p:cSld>
+    <p:spTree>
+      <p:nvGrpSpPr>
+        <p:cNvPr id="1" name=""/>
+        <p:cNvGrpSpPr/>
+        <p:nvPr/>
+      </p:nvGrpSpPr>
+      <p:grpSpPr>
+        <a:xfrm>
+          <a:off x="0" y="0"/>
+          <a:ext cx="0" cy="0"/>
+          <a:chOff x="0" y="0"/>
+          <a:chExt cx="0" cy="0"/>
+        </a:xfrm>
+      </p:grpSpPr>
+      <p:sp>
+        <p:nvSpPr>
+          <p:cNvPr id="2" name="Title 1">
+            <a:extLst>
+              <a:ext uri="{FF2B5EF4-FFF2-40B4-BE49-F238E27FC236}">
+                <a16:creationId xmlns:a16="http://schemas.microsoft.com/office/drawing/2014/main" id="{C018C9B3-3F32-4E39-90FB-779E9AE6165C}"/>
+              </a:ext>
+            </a:extLst>
+          </p:cNvPr>
+          <p:cNvSpPr>
+            <a:spLocks noGrp="1"/>
+          </p:cNvSpPr>
+          <p:nvPr>
+            <p:ph type="title"/>
+          </p:nvPr>
+        </p:nvSpPr>
+        <p:spPr/>
+        <p:txBody>
+          <a:bodyPr/>
+          <a:lstStyle/>
+          <a:p>
+            <a:r>
+              <a:rPr lang="en-US" dirty="0"/>
+              <a:t>Myth 3: No one uses immutable collections</a:t>
+            </a:r>
+          </a:p>
+        </p:txBody>
+      </p:sp>
+      <p:sp>
+        <p:nvSpPr>
+          <p:cNvPr id="3" name="Content Placeholder 2">
+            <a:extLst>
+              <a:ext uri="{FF2B5EF4-FFF2-40B4-BE49-F238E27FC236}">
+                <a16:creationId xmlns:a16="http://schemas.microsoft.com/office/drawing/2014/main" id="{D24A5066-8A6B-4FE7-8436-56911150907F}"/>
+              </a:ext>
+            </a:extLst>
+          </p:cNvPr>
+          <p:cNvSpPr>
+            <a:spLocks noGrp="1"/>
+          </p:cNvSpPr>
+          <p:nvPr>
+            <p:ph idx="1"/>
+          </p:nvPr>
+        </p:nvSpPr>
+        <p:spPr/>
+        <p:txBody>
+          <a:bodyPr/>
+          <a:lstStyle/>
+          <a:p>
+            <a:pPr marL="0" indent="0">
+              <a:buNone/>
+            </a:pPr>
+            <a:r>
+              <a:rPr lang="en-US" dirty="0"/>
+              <a:t>Demo: How Microsoft uses Immutable Collections</a:t>
+            </a:r>
+          </a:p>
+        </p:txBody>
+      </p:sp>
+    </p:spTree>
+    <p:extLst>
+      <p:ext uri="{BB962C8B-B14F-4D97-AF65-F5344CB8AC3E}">
+        <p14:creationId xmlns:p14="http://schemas.microsoft.com/office/powerpoint/2010/main" val="1372487050"/>
+      </p:ext>
+    </p:extLst>
+  </p:cSld>
+  <p:clrMapOvr>
+    <a:masterClrMapping/>
+  </p:clrMapOvr>
+</p:sld>
+</file>
+
+<file path=ppt/slides/slide31.xml><?xml version="1.0" encoding="utf-8"?>
+<p:sld xmlns:a="http://schemas.openxmlformats.org/drawingml/2006/main" xmlns:r="http://schemas.openxmlformats.org/officeDocument/2006/relationships" xmlns:p="http://schemas.openxmlformats.org/presentationml/2006/main">
+  <p:cSld>
+    <p:spTree>
+      <p:nvGrpSpPr>
+        <p:cNvPr id="1" name=""/>
+        <p:cNvGrpSpPr/>
+        <p:nvPr/>
+      </p:nvGrpSpPr>
+      <p:grpSpPr>
+        <a:xfrm>
+          <a:off x="0" y="0"/>
+          <a:ext cx="0" cy="0"/>
+          <a:chOff x="0" y="0"/>
+          <a:chExt cx="0" cy="0"/>
+        </a:xfrm>
+      </p:grpSpPr>
+      <p:sp>
+        <p:nvSpPr>
+          <p:cNvPr id="2" name="Title 1">
+            <a:extLst>
+              <a:ext uri="{FF2B5EF4-FFF2-40B4-BE49-F238E27FC236}">
+                <a16:creationId xmlns:a16="http://schemas.microsoft.com/office/drawing/2014/main" id="{AD6EA183-CC4B-4948-9EAE-D3B9C2A14B83}"/>
+              </a:ext>
+            </a:extLst>
+          </p:cNvPr>
+          <p:cNvSpPr>
+            <a:spLocks noGrp="1"/>
+          </p:cNvSpPr>
+          <p:nvPr>
+            <p:ph type="ctrTitle"/>
+          </p:nvPr>
+        </p:nvSpPr>
+        <p:spPr/>
+        <p:txBody>
+          <a:bodyPr/>
+          <a:lstStyle/>
+          <a:p>
+            <a:r>
+              <a:rPr lang="ru-RU" dirty="0"/>
+              <a:t>Заключение</a:t>
+            </a:r>
+            <a:endParaRPr lang="en-US" dirty="0"/>
+          </a:p>
+        </p:txBody>
+      </p:sp>
+      <p:sp>
+        <p:nvSpPr>
+          <p:cNvPr id="3" name="Subtitle 2">
+            <a:extLst>
+              <a:ext uri="{FF2B5EF4-FFF2-40B4-BE49-F238E27FC236}">
+                <a16:creationId xmlns:a16="http://schemas.microsoft.com/office/drawing/2014/main" id="{D6EDDE3B-D44B-4895-A75A-07D2DA0B2F1A}"/>
+              </a:ext>
+            </a:extLst>
+          </p:cNvPr>
+          <p:cNvSpPr>
+            <a:spLocks noGrp="1"/>
+          </p:cNvSpPr>
+          <p:nvPr>
+            <p:ph type="subTitle" idx="1"/>
+          </p:nvPr>
+        </p:nvSpPr>
+        <p:spPr/>
+        <p:txBody>
+          <a:bodyPr/>
+          <a:lstStyle/>
+          <a:p>
+            <a:endParaRPr lang="en-US"/>
+          </a:p>
+        </p:txBody>
+      </p:sp>
+    </p:spTree>
+    <p:extLst>
+      <p:ext uri="{BB962C8B-B14F-4D97-AF65-F5344CB8AC3E}">
+        <p14:creationId xmlns:p14="http://schemas.microsoft.com/office/powerpoint/2010/main" val="1668934847"/>
       </p:ext>
     </p:extLst>
   </p:cSld>

--- a/Presentation.pptx
+++ b/Presentation.pptx
@@ -5,7 +5,7 @@
     <p:sldMasterId id="2147483648" r:id="rId1"/>
   </p:sldMasterIdLst>
   <p:notesMasterIdLst>
-    <p:notesMasterId r:id="rId33"/>
+    <p:notesMasterId r:id="rId37"/>
   </p:notesMasterIdLst>
   <p:sldIdLst>
     <p:sldId id="256" r:id="rId2"/>
@@ -33,12 +33,16 @@
     <p:sldId id="267" r:id="rId24"/>
     <p:sldId id="268" r:id="rId25"/>
     <p:sldId id="287" r:id="rId26"/>
-    <p:sldId id="271" r:id="rId27"/>
-    <p:sldId id="269" r:id="rId28"/>
+    <p:sldId id="269" r:id="rId27"/>
+    <p:sldId id="271" r:id="rId28"/>
     <p:sldId id="273" r:id="rId29"/>
-    <p:sldId id="276" r:id="rId30"/>
-    <p:sldId id="272" r:id="rId31"/>
-    <p:sldId id="275" r:id="rId32"/>
+    <p:sldId id="288" r:id="rId30"/>
+    <p:sldId id="289" r:id="rId31"/>
+    <p:sldId id="290" r:id="rId32"/>
+    <p:sldId id="291" r:id="rId33"/>
+    <p:sldId id="292" r:id="rId34"/>
+    <p:sldId id="276" r:id="rId35"/>
+    <p:sldId id="275" r:id="rId36"/>
   </p:sldIdLst>
   <p:sldSz cx="12192000" cy="6858000"/>
   <p:notesSz cx="6858000" cy="9144000"/>
@@ -146,6 +150,10 @@
             <p14:sldId id="257"/>
             <p14:sldId id="258"/>
             <p14:sldId id="281"/>
+          </p14:sldIdLst>
+        </p14:section>
+        <p14:section name="Why" id="{DFEC5904-9BDF-406A-923D-B719DC6262CB}">
+          <p14:sldIdLst>
             <p14:sldId id="259"/>
             <p14:sldId id="282"/>
             <p14:sldId id="283"/>
@@ -179,11 +187,15 @@
         </p14:section>
         <p14:section name="Immutable Collections" id="{BD271765-8901-440F-B6FD-E85F5ED6C5D7}">
           <p14:sldIdLst>
+            <p14:sldId id="269"/>
             <p14:sldId id="271"/>
-            <p14:sldId id="269"/>
             <p14:sldId id="273"/>
+            <p14:sldId id="288"/>
+            <p14:sldId id="289"/>
+            <p14:sldId id="290"/>
+            <p14:sldId id="291"/>
+            <p14:sldId id="292"/>
             <p14:sldId id="276"/>
-            <p14:sldId id="272"/>
           </p14:sldIdLst>
         </p14:section>
         <p14:section name="Final" id="{077DD763-A0DA-4F14-BFFA-995311BA8C06}">
@@ -286,7 +298,7 @@
           <a:p>
             <a:fld id="{E8677973-4C7D-4B32-A1AE-9D6A9A1BEB65}" type="datetimeFigureOut">
               <a:rPr lang="en-US" smtClean="0"/>
-              <a:t>4/30/2018</a:t>
+              <a:t>5/1/2018</a:t>
             </a:fld>
             <a:endParaRPr lang="en-US"/>
           </a:p>
@@ -707,19 +719,11 @@
           <a:p>
             <a:r>
               <a:rPr lang="en-US" dirty="0"/>
-              <a:t>19</a:t>
+              <a:t>MEETUP: </a:t>
             </a:r>
             <a:r>
               <a:rPr lang="ru-RU" dirty="0"/>
-              <a:t>: Второй паттерн – </a:t>
-            </a:r>
-            <a:r>
-              <a:rPr lang="en-US" dirty="0"/>
-              <a:t>Builder. </a:t>
-            </a:r>
-            <a:r>
-              <a:rPr lang="ru-RU" dirty="0"/>
-              <a:t>Не буду на нем задерживаться на долго, так как Джон скит очень подробно его описал год назад.</a:t>
+              <a:t>показать пример из дата трансфера</a:t>
             </a:r>
             <a:endParaRPr lang="en-US" dirty="0"/>
           </a:p>
@@ -742,7 +746,7 @@
           <a:p>
             <a:fld id="{516C5DDC-7799-4ACC-A213-90C50CBCB02D}" type="slidenum">
               <a:rPr lang="en-US" smtClean="0"/>
-              <a:t>14</a:t>
+              <a:t>13</a:t>
             </a:fld>
             <a:endParaRPr lang="en-US"/>
           </a:p>
@@ -751,7 +755,7 @@
     </p:spTree>
     <p:extLst>
       <p:ext uri="{BB962C8B-B14F-4D97-AF65-F5344CB8AC3E}">
-        <p14:creationId xmlns:p14="http://schemas.microsoft.com/office/powerpoint/2010/main" val="1434091891"/>
+        <p14:creationId xmlns:p14="http://schemas.microsoft.com/office/powerpoint/2010/main" val="838380362"/>
       </p:ext>
     </p:extLst>
   </p:cSld>
@@ -807,11 +811,19 @@
           <a:p>
             <a:r>
               <a:rPr lang="en-US" dirty="0"/>
-              <a:t>20-22: </a:t>
+              <a:t>19</a:t>
             </a:r>
             <a:r>
               <a:rPr lang="ru-RU" dirty="0"/>
-              <a:t>Мы можем обернуть наш изменяемый класс неизмеяемым врапером. Не рекомендую писать велосипед, есть отличная реализация.</a:t>
+              <a:t>: Второй паттерн – </a:t>
+            </a:r>
+            <a:r>
+              <a:rPr lang="en-US" dirty="0"/>
+              <a:t>Builder. </a:t>
+            </a:r>
+            <a:r>
+              <a:rPr lang="ru-RU" dirty="0"/>
+              <a:t>Не буду на нем задерживаться на долго, так как Джон скит очень подробно его описал год назад.</a:t>
             </a:r>
             <a:endParaRPr lang="en-US" dirty="0"/>
           </a:p>
@@ -834,7 +846,7 @@
           <a:p>
             <a:fld id="{516C5DDC-7799-4ACC-A213-90C50CBCB02D}" type="slidenum">
               <a:rPr lang="en-US" smtClean="0"/>
-              <a:t>16</a:t>
+              <a:t>14</a:t>
             </a:fld>
             <a:endParaRPr lang="en-US"/>
           </a:p>
@@ -843,7 +855,7 @@
     </p:spTree>
     <p:extLst>
       <p:ext uri="{BB962C8B-B14F-4D97-AF65-F5344CB8AC3E}">
-        <p14:creationId xmlns:p14="http://schemas.microsoft.com/office/powerpoint/2010/main" val="651436057"/>
+        <p14:creationId xmlns:p14="http://schemas.microsoft.com/office/powerpoint/2010/main" val="1434091891"/>
       </p:ext>
     </p:extLst>
   </p:cSld>
@@ -897,6 +909,14 @@
           <a:bodyPr/>
           <a:lstStyle/>
           <a:p>
+            <a:r>
+              <a:rPr lang="en-US" dirty="0"/>
+              <a:t>20-22: </a:t>
+            </a:r>
+            <a:r>
+              <a:rPr lang="ru-RU" dirty="0"/>
+              <a:t>Мы можем обернуть наш изменяемый класс неизмеяемым врапером. Не рекомендую писать велосипед, есть отличная реализация.</a:t>
+            </a:r>
             <a:endParaRPr lang="en-US" dirty="0"/>
           </a:p>
         </p:txBody>
@@ -918,7 +938,7 @@
           <a:p>
             <a:fld id="{516C5DDC-7799-4ACC-A213-90C50CBCB02D}" type="slidenum">
               <a:rPr lang="en-US" smtClean="0"/>
-              <a:t>18</a:t>
+              <a:t>16</a:t>
             </a:fld>
             <a:endParaRPr lang="en-US"/>
           </a:p>
@@ -927,7 +947,7 @@
     </p:spTree>
     <p:extLst>
       <p:ext uri="{BB962C8B-B14F-4D97-AF65-F5344CB8AC3E}">
-        <p14:creationId xmlns:p14="http://schemas.microsoft.com/office/powerpoint/2010/main" val="2493709556"/>
+        <p14:creationId xmlns:p14="http://schemas.microsoft.com/office/powerpoint/2010/main" val="651436057"/>
       </p:ext>
     </p:extLst>
   </p:cSld>
@@ -981,54 +1001,6 @@
           <a:bodyPr/>
           <a:lstStyle/>
           <a:p>
-            <a:r>
-              <a:rPr lang="ru-RU" dirty="0"/>
-              <a:t>22</a:t>
-            </a:r>
-            <a:r>
-              <a:rPr lang="en-US" dirty="0"/>
-              <a:t>-2</a:t>
-            </a:r>
-            <a:r>
-              <a:rPr lang="ru-RU" dirty="0"/>
-              <a:t>7</a:t>
-            </a:r>
-            <a:r>
-              <a:rPr lang="en-US" dirty="0"/>
-              <a:t>: DEMO – </a:t>
-            </a:r>
-            <a:r>
-              <a:rPr lang="ru-RU" dirty="0"/>
-              <a:t>подробное описание с примерами десериализации и явного применения интерфейса</a:t>
-            </a:r>
-            <a:r>
-              <a:rPr lang="en-US" dirty="0"/>
-              <a:t>. Deserialization, </a:t>
-            </a:r>
-            <a:r>
-              <a:rPr lang="en-US" dirty="0" err="1" smtClean="0"/>
-              <a:t>Dto</a:t>
-            </a:r>
-            <a:r>
-              <a:rPr lang="en-US" dirty="0" smtClean="0"/>
-              <a:t>, </a:t>
-            </a:r>
-            <a:r>
-              <a:rPr lang="en-US" dirty="0" err="1" smtClean="0"/>
-              <a:t>EntityFramework</a:t>
-            </a:r>
-            <a:r>
-              <a:rPr lang="en-US" dirty="0" smtClean="0"/>
-              <a:t>. </a:t>
-            </a:r>
-            <a:r>
-              <a:rPr lang="en-US" dirty="0"/>
-              <a:t>Bonus:</a:t>
-            </a:r>
-            <a:r>
-              <a:rPr lang="en-US" baseline="0" dirty="0"/>
-              <a:t> splitting interfaces per bounded contexts</a:t>
-            </a:r>
             <a:endParaRPr lang="en-US" dirty="0"/>
           </a:p>
         </p:txBody>
@@ -1050,7 +1022,7 @@
           <a:p>
             <a:fld id="{516C5DDC-7799-4ACC-A213-90C50CBCB02D}" type="slidenum">
               <a:rPr lang="en-US" smtClean="0"/>
-              <a:t>19</a:t>
+              <a:t>18</a:t>
             </a:fld>
             <a:endParaRPr lang="en-US"/>
           </a:p>
@@ -1059,7 +1031,7 @@
     </p:spTree>
     <p:extLst>
       <p:ext uri="{BB962C8B-B14F-4D97-AF65-F5344CB8AC3E}">
-        <p14:creationId xmlns:p14="http://schemas.microsoft.com/office/powerpoint/2010/main" val="2683931491"/>
+        <p14:creationId xmlns:p14="http://schemas.microsoft.com/office/powerpoint/2010/main" val="2493709556"/>
       </p:ext>
     </p:extLst>
   </p:cSld>
@@ -1114,20 +1086,52 @@
           <a:lstStyle/>
           <a:p>
             <a:r>
+              <a:rPr lang="ru-RU" dirty="0"/>
+              <a:t>22</a:t>
+            </a:r>
+            <a:r>
               <a:rPr lang="en-US" dirty="0"/>
-              <a:t>2</a:t>
+              <a:t>-2</a:t>
             </a:r>
             <a:r>
               <a:rPr lang="ru-RU" dirty="0"/>
-              <a:t>8</a:t>
+              <a:t>7</a:t>
             </a:r>
             <a:r>
               <a:rPr lang="en-US" dirty="0"/>
-              <a:t>: </a:t>
+              <a:t>: DEMO – </a:t>
             </a:r>
             <a:r>
               <a:rPr lang="ru-RU" dirty="0"/>
-              <a:t>Пересказ коаны. Мораль – без изменений наша система будет бесполезна</a:t>
+              <a:t>подробное описание с примерами десериализации и явного применения интерфейса</a:t>
+            </a:r>
+            <a:r>
+              <a:rPr lang="en-US" dirty="0"/>
+              <a:t>. Deserialization, </a:t>
+            </a:r>
+            <a:r>
+              <a:rPr lang="en-US" dirty="0" err="1" smtClean="0"/>
+              <a:t>Dto</a:t>
+            </a:r>
+            <a:r>
+              <a:rPr lang="en-US" dirty="0" smtClean="0"/>
+              <a:t>, </a:t>
+            </a:r>
+            <a:r>
+              <a:rPr lang="en-US" dirty="0" err="1" smtClean="0"/>
+              <a:t>EntityFramework</a:t>
+            </a:r>
+            <a:r>
+              <a:rPr lang="en-US" dirty="0" smtClean="0"/>
+              <a:t>. </a:t>
+            </a:r>
+            <a:r>
+              <a:rPr lang="en-US" dirty="0"/>
+              <a:t>Bonus:</a:t>
+            </a:r>
+            <a:r>
+              <a:rPr lang="en-US" baseline="0" dirty="0"/>
+              <a:t> splitting interfaces per bounded contexts</a:t>
             </a:r>
             <a:endParaRPr lang="en-US" dirty="0"/>
           </a:p>
@@ -1150,7 +1154,7 @@
           <a:p>
             <a:fld id="{516C5DDC-7799-4ACC-A213-90C50CBCB02D}" type="slidenum">
               <a:rPr lang="en-US" smtClean="0"/>
-              <a:t>22</a:t>
+              <a:t>19</a:t>
             </a:fld>
             <a:endParaRPr lang="en-US"/>
           </a:p>
@@ -1159,7 +1163,7 @@
     </p:spTree>
     <p:extLst>
       <p:ext uri="{BB962C8B-B14F-4D97-AF65-F5344CB8AC3E}">
-        <p14:creationId xmlns:p14="http://schemas.microsoft.com/office/powerpoint/2010/main" val="3907390184"/>
+        <p14:creationId xmlns:p14="http://schemas.microsoft.com/office/powerpoint/2010/main" val="2683931491"/>
       </p:ext>
     </p:extLst>
   </p:cSld>
@@ -1219,15 +1223,15 @@
             </a:r>
             <a:r>
               <a:rPr lang="ru-RU" dirty="0"/>
-              <a:t>9</a:t>
+              <a:t>8</a:t>
             </a:r>
             <a:r>
               <a:rPr lang="en-US" dirty="0"/>
-              <a:t>:  </a:t>
+              <a:t>: </a:t>
             </a:r>
             <a:r>
               <a:rPr lang="ru-RU" dirty="0"/>
-              <a:t>Данный паттерн достаточно активно используется повсеместно. Рассказать про общий принцип.</a:t>
+              <a:t>Пересказ коаны. Мораль – без изменений наша система будет бесполезна</a:t>
             </a:r>
             <a:endParaRPr lang="en-US" dirty="0"/>
           </a:p>
@@ -1250,7 +1254,7 @@
           <a:p>
             <a:fld id="{516C5DDC-7799-4ACC-A213-90C50CBCB02D}" type="slidenum">
               <a:rPr lang="en-US" smtClean="0"/>
-              <a:t>23</a:t>
+              <a:t>22</a:t>
             </a:fld>
             <a:endParaRPr lang="en-US"/>
           </a:p>
@@ -1259,7 +1263,7 @@
     </p:spTree>
     <p:extLst>
       <p:ext uri="{BB962C8B-B14F-4D97-AF65-F5344CB8AC3E}">
-        <p14:creationId xmlns:p14="http://schemas.microsoft.com/office/powerpoint/2010/main" val="3920638634"/>
+        <p14:creationId xmlns:p14="http://schemas.microsoft.com/office/powerpoint/2010/main" val="3907390184"/>
       </p:ext>
     </p:extLst>
   </p:cSld>
@@ -1314,48 +1318,20 @@
           <a:lstStyle/>
           <a:p>
             <a:r>
+              <a:rPr lang="en-US" dirty="0"/>
+              <a:t>2</a:t>
+            </a:r>
+            <a:r>
               <a:rPr lang="ru-RU" dirty="0"/>
-              <a:t>30</a:t>
+              <a:t>9</a:t>
             </a:r>
             <a:r>
               <a:rPr lang="en-US" dirty="0"/>
-              <a:t>-3</a:t>
+              <a:t>:  </a:t>
             </a:r>
             <a:r>
               <a:rPr lang="ru-RU" dirty="0"/>
-              <a:t>2</a:t>
-            </a:r>
-            <a:r>
-              <a:rPr lang="en-US" dirty="0"/>
-              <a:t>:  DEMO </a:t>
-            </a:r>
-            <a:r>
-              <a:rPr lang="ru-RU" dirty="0"/>
-              <a:t>Показать, как желание сделать</a:t>
-            </a:r>
-            <a:r>
-              <a:rPr lang="en-US" dirty="0"/>
-              <a:t> with </a:t>
-            </a:r>
-            <a:r>
-              <a:rPr lang="ru-RU" dirty="0"/>
-              <a:t>обощенным (если у нас есть </a:t>
-            </a:r>
-            <a:r>
-              <a:rPr lang="en-US" dirty="0"/>
-              <a:t>builder </a:t>
-            </a:r>
-            <a:r>
-              <a:rPr lang="ru-RU" dirty="0"/>
-              <a:t>или</a:t>
-            </a:r>
-            <a:r>
-              <a:rPr lang="en-US" dirty="0"/>
-              <a:t> mutable implementation</a:t>
-            </a:r>
-            <a:r>
-              <a:rPr lang="ru-RU" dirty="0"/>
-              <a:t>) может привести к изменению состояния системы или накладным расходам.</a:t>
+              <a:t>Данный паттерн достаточно активно используется повсеместно. Рассказать про общий принцип.</a:t>
             </a:r>
             <a:endParaRPr lang="en-US" dirty="0"/>
           </a:p>
@@ -1378,7 +1354,7 @@
           <a:p>
             <a:fld id="{516C5DDC-7799-4ACC-A213-90C50CBCB02D}" type="slidenum">
               <a:rPr lang="en-US" smtClean="0"/>
-              <a:t>24</a:t>
+              <a:t>23</a:t>
             </a:fld>
             <a:endParaRPr lang="en-US"/>
           </a:p>
@@ -1387,7 +1363,7 @@
     </p:spTree>
     <p:extLst>
       <p:ext uri="{BB962C8B-B14F-4D97-AF65-F5344CB8AC3E}">
-        <p14:creationId xmlns:p14="http://schemas.microsoft.com/office/powerpoint/2010/main" val="4005419235"/>
+        <p14:creationId xmlns:p14="http://schemas.microsoft.com/office/powerpoint/2010/main" val="3920638634"/>
       </p:ext>
     </p:extLst>
   </p:cSld>
@@ -1442,23 +1418,49 @@
           <a:lstStyle/>
           <a:p>
             <a:r>
+              <a:rPr lang="ru-RU" dirty="0"/>
+              <a:t>30</a:t>
+            </a:r>
+            <a:r>
               <a:rPr lang="en-US" dirty="0"/>
-              <a:t>35:</a:t>
+              <a:t>-3</a:t>
             </a:r>
             <a:r>
               <a:rPr lang="ru-RU" dirty="0"/>
-              <a:t> Рассказать что </a:t>
+              <a:t>2</a:t>
             </a:r>
             <a:r>
               <a:rPr lang="en-US" dirty="0"/>
-              <a:t>immutable collections </a:t>
+              <a:t>:  DEMO </a:t>
             </a:r>
             <a:r>
               <a:rPr lang="ru-RU" dirty="0"/>
-              <a:t>нужны не тогда, когда у нас есть изменяемые колелкции, а тогда, когда мы их используем в неизменяемом стиле</a:t>
-            </a:r>
-          </a:p>
-          <a:p>
+              <a:t>Показать, как желание сделать</a:t>
+            </a:r>
+            <a:r>
+              <a:rPr lang="en-US" dirty="0"/>
+              <a:t> with </a:t>
+            </a:r>
+            <a:r>
+              <a:rPr lang="ru-RU" dirty="0"/>
+              <a:t>обощенным (если у нас есть </a:t>
+            </a:r>
+            <a:r>
+              <a:rPr lang="en-US" dirty="0"/>
+              <a:t>builder </a:t>
+            </a:r>
+            <a:r>
+              <a:rPr lang="ru-RU" dirty="0"/>
+              <a:t>или</a:t>
+            </a:r>
+            <a:r>
+              <a:rPr lang="en-US" dirty="0"/>
+              <a:t> mutable implementation</a:t>
+            </a:r>
+            <a:r>
+              <a:rPr lang="ru-RU" dirty="0"/>
+              <a:t>) может привести к изменению состояния системы или накладным расходам.</a:t>
+            </a:r>
             <a:endParaRPr lang="en-US" dirty="0"/>
           </a:p>
         </p:txBody>
@@ -1480,7 +1482,7 @@
           <a:p>
             <a:fld id="{516C5DDC-7799-4ACC-A213-90C50CBCB02D}" type="slidenum">
               <a:rPr lang="en-US" smtClean="0"/>
-              <a:t>26</a:t>
+              <a:t>24</a:t>
             </a:fld>
             <a:endParaRPr lang="en-US"/>
           </a:p>
@@ -1489,7 +1491,7 @@
     </p:spTree>
     <p:extLst>
       <p:ext uri="{BB962C8B-B14F-4D97-AF65-F5344CB8AC3E}">
-        <p14:creationId xmlns:p14="http://schemas.microsoft.com/office/powerpoint/2010/main" val="2720547197"/>
+        <p14:creationId xmlns:p14="http://schemas.microsoft.com/office/powerpoint/2010/main" val="4005419235"/>
       </p:ext>
     </p:extLst>
   </p:cSld>
@@ -1583,7 +1585,7 @@
           <a:p>
             <a:fld id="{516C5DDC-7799-4ACC-A213-90C50CBCB02D}" type="slidenum">
               <a:rPr lang="en-US" smtClean="0"/>
-              <a:t>27</a:t>
+              <a:t>26</a:t>
             </a:fld>
             <a:endParaRPr lang="en-US"/>
           </a:p>
@@ -1648,20 +1650,22 @@
           <a:p>
             <a:r>
               <a:rPr lang="en-US" dirty="0"/>
-              <a:t>4</a:t>
+              <a:t>35:</a:t>
             </a:r>
             <a:r>
               <a:rPr lang="ru-RU" dirty="0"/>
-              <a:t>2</a:t>
+              <a:t> Рассказать что </a:t>
             </a:r>
             <a:r>
               <a:rPr lang="en-US" dirty="0"/>
-              <a:t>: </a:t>
+              <a:t>immutable collections </a:t>
             </a:r>
             <a:r>
               <a:rPr lang="ru-RU" dirty="0"/>
-              <a:t>Обратить внимение на сложность выполнения некоторых операций</a:t>
-            </a:r>
+              <a:t>нужны не тогда, когда у нас есть изменяемые колелкции, а тогда, когда мы их используем в неизменяемом стиле</a:t>
+            </a:r>
+          </a:p>
+          <a:p>
             <a:endParaRPr lang="en-US" dirty="0"/>
           </a:p>
         </p:txBody>
@@ -1683,7 +1687,7 @@
           <a:p>
             <a:fld id="{516C5DDC-7799-4ACC-A213-90C50CBCB02D}" type="slidenum">
               <a:rPr lang="en-US" smtClean="0"/>
-              <a:t>28</a:t>
+              <a:t>27</a:t>
             </a:fld>
             <a:endParaRPr lang="en-US"/>
           </a:p>
@@ -1692,7 +1696,7 @@
     </p:spTree>
     <p:extLst>
       <p:ext uri="{BB962C8B-B14F-4D97-AF65-F5344CB8AC3E}">
-        <p14:creationId xmlns:p14="http://schemas.microsoft.com/office/powerpoint/2010/main" val="1570735884"/>
+        <p14:creationId xmlns:p14="http://schemas.microsoft.com/office/powerpoint/2010/main" val="2720547197"/>
       </p:ext>
     </p:extLst>
   </p:cSld>
@@ -1838,42 +1842,21 @@
           <a:bodyPr/>
           <a:lstStyle/>
           <a:p>
-            <a:pPr marL="0" marR="0" lvl="0" indent="0" algn="l" defTabSz="914400" rtl="0" eaLnBrk="1" fontAlgn="auto" latinLnBrk="0" hangingPunct="1">
-              <a:lnSpc>
-                <a:spcPct val="100000"/>
-              </a:lnSpc>
-              <a:spcBef>
-                <a:spcPts val="0"/>
-              </a:spcBef>
-              <a:spcAft>
-                <a:spcPts val="0"/>
-              </a:spcAft>
-              <a:buClrTx/>
-              <a:buSzTx/>
-              <a:buFontTx/>
-              <a:buNone/>
-              <a:tabLst/>
-              <a:defRPr/>
-            </a:pPr>
             <a:r>
               <a:rPr lang="en-US" dirty="0"/>
-              <a:t>43-44: DEMO</a:t>
+              <a:t>4</a:t>
             </a:r>
             <a:r>
               <a:rPr lang="ru-RU" dirty="0"/>
-              <a:t> Показать примеры</a:t>
+              <a:t>2</a:t>
             </a:r>
             <a:r>
               <a:rPr lang="en-US" dirty="0"/>
-              <a:t> </a:t>
+              <a:t>: </a:t>
             </a:r>
             <a:r>
               <a:rPr lang="ru-RU" dirty="0"/>
-              <a:t>кода бенчмарков и их результаты. Не забыть про </a:t>
-            </a:r>
-            <a:r>
-              <a:rPr lang="en-US" dirty="0" err="1"/>
-              <a:t>ImmutableArray</a:t>
+              <a:t>Обратить внимение на сложность выполнения некоторых операций</a:t>
             </a:r>
             <a:endParaRPr lang="en-US" dirty="0"/>
           </a:p>
@@ -1896,7 +1879,7 @@
           <a:p>
             <a:fld id="{516C5DDC-7799-4ACC-A213-90C50CBCB02D}" type="slidenum">
               <a:rPr lang="en-US" smtClean="0"/>
-              <a:t>29</a:t>
+              <a:t>28</a:t>
             </a:fld>
             <a:endParaRPr lang="en-US"/>
           </a:p>
@@ -1905,7 +1888,7 @@
     </p:spTree>
     <p:extLst>
       <p:ext uri="{BB962C8B-B14F-4D97-AF65-F5344CB8AC3E}">
-        <p14:creationId xmlns:p14="http://schemas.microsoft.com/office/powerpoint/2010/main" val="1602885178"/>
+        <p14:creationId xmlns:p14="http://schemas.microsoft.com/office/powerpoint/2010/main" val="1570735884"/>
       </p:ext>
     </p:extLst>
   </p:cSld>
@@ -1959,38 +1942,44 @@
           <a:bodyPr/>
           <a:lstStyle/>
           <a:p>
+            <a:pPr marL="0" marR="0" lvl="0" indent="0" algn="l" defTabSz="914400" rtl="0" eaLnBrk="1" fontAlgn="auto" latinLnBrk="0" hangingPunct="1">
+              <a:lnSpc>
+                <a:spcPct val="100000"/>
+              </a:lnSpc>
+              <a:spcBef>
+                <a:spcPts val="0"/>
+              </a:spcBef>
+              <a:spcAft>
+                <a:spcPts val="0"/>
+              </a:spcAft>
+              <a:buClrTx/>
+              <a:buSzTx/>
+              <a:buFontTx/>
+              <a:buNone/>
+              <a:tabLst/>
+              <a:defRPr/>
+            </a:pPr>
+            <a:r>
+              <a:rPr lang="en-US" dirty="0"/>
+              <a:t>43-44: DEMO</a:t>
+            </a:r>
             <a:r>
               <a:rPr lang="ru-RU" dirty="0"/>
-              <a:t>36-</a:t>
+              <a:t> Показать примеры</a:t>
             </a:r>
             <a:r>
               <a:rPr lang="en-US" dirty="0"/>
-              <a:t>41</a:t>
+              <a:t> </a:t>
             </a:r>
             <a:r>
               <a:rPr lang="ru-RU" dirty="0"/>
-              <a:t>: Показать на примере </a:t>
-            </a:r>
-            <a:r>
-              <a:rPr lang="en-US" dirty="0"/>
-              <a:t>Roslyn</a:t>
-            </a:r>
-            <a:r>
-              <a:rPr lang="ru-RU" dirty="0"/>
-              <a:t>. Основная идея – </a:t>
-            </a:r>
-            <a:r>
-              <a:rPr lang="en-US" dirty="0"/>
-              <a:t>snapshot semantic,</a:t>
-            </a:r>
-            <a:r>
-              <a:rPr lang="ru-RU" dirty="0"/>
-              <a:t> </a:t>
-            </a:r>
-            <a:r>
-              <a:rPr lang="en-US" dirty="0"/>
-              <a:t>fire and forget, builder</a:t>
-            </a:r>
+              <a:t>кода бенчмарков и их результаты. Не забыть про </a:t>
+            </a:r>
+            <a:r>
+              <a:rPr lang="en-US" dirty="0" err="1"/>
+              <a:t>ImmutableArray</a:t>
+            </a:r>
+            <a:endParaRPr lang="en-US" dirty="0"/>
           </a:p>
         </p:txBody>
       </p:sp>
@@ -2011,7 +2000,7 @@
           <a:p>
             <a:fld id="{516C5DDC-7799-4ACC-A213-90C50CBCB02D}" type="slidenum">
               <a:rPr lang="en-US" smtClean="0"/>
-              <a:t>30</a:t>
+              <a:t>34</a:t>
             </a:fld>
             <a:endParaRPr lang="en-US"/>
           </a:p>
@@ -2020,7 +2009,7 @@
     </p:spTree>
     <p:extLst>
       <p:ext uri="{BB962C8B-B14F-4D97-AF65-F5344CB8AC3E}">
-        <p14:creationId xmlns:p14="http://schemas.microsoft.com/office/powerpoint/2010/main" val="213285399"/>
+        <p14:creationId xmlns:p14="http://schemas.microsoft.com/office/powerpoint/2010/main" val="1602885178"/>
       </p:ext>
     </p:extLst>
   </p:cSld>
@@ -2120,7 +2109,7 @@
           <a:p>
             <a:fld id="{516C5DDC-7799-4ACC-A213-90C50CBCB02D}" type="slidenum">
               <a:rPr lang="en-US" smtClean="0"/>
-              <a:t>31</a:t>
+              <a:t>35</a:t>
             </a:fld>
             <a:endParaRPr lang="en-US"/>
           </a:p>
@@ -2407,15 +2396,7 @@
           <a:bodyPr/>
           <a:lstStyle/>
           <a:p>
-            <a:r>
-              <a:rPr lang="en-US" dirty="0"/>
-              <a:t>12:</a:t>
-            </a:r>
-            <a:r>
-              <a:rPr lang="ru-RU" dirty="0"/>
-              <a:t> Существует множество способов сделать сущности неизменяемыми</a:t>
-            </a:r>
-            <a:endParaRPr lang="en-US" dirty="0"/>
+            <a:endParaRPr lang="ru-RU" dirty="0"/>
           </a:p>
         </p:txBody>
       </p:sp>
@@ -2436,7 +2417,7 @@
           <a:p>
             <a:fld id="{516C5DDC-7799-4ACC-A213-90C50CBCB02D}" type="slidenum">
               <a:rPr lang="en-US" smtClean="0"/>
-              <a:t>9</a:t>
+              <a:t>8</a:t>
             </a:fld>
             <a:endParaRPr lang="en-US"/>
           </a:p>
@@ -2445,7 +2426,7 @@
     </p:spTree>
     <p:extLst>
       <p:ext uri="{BB962C8B-B14F-4D97-AF65-F5344CB8AC3E}">
-        <p14:creationId xmlns:p14="http://schemas.microsoft.com/office/powerpoint/2010/main" val="3948139063"/>
+        <p14:creationId xmlns:p14="http://schemas.microsoft.com/office/powerpoint/2010/main" val="1792474972"/>
       </p:ext>
     </p:extLst>
   </p:cSld>
@@ -2500,29 +2481,14 @@
           <a:lstStyle/>
           <a:p>
             <a:r>
+              <a:rPr lang="en-US" dirty="0"/>
+              <a:t>12:</a:t>
+            </a:r>
+            <a:r>
               <a:rPr lang="ru-RU" dirty="0"/>
-              <a:t>1</a:t>
-            </a:r>
-            <a:r>
-              <a:rPr lang="en-US" dirty="0"/>
-              <a:t>3</a:t>
-            </a:r>
-            <a:r>
-              <a:rPr lang="ru-RU" dirty="0"/>
-              <a:t>: В </a:t>
-            </a:r>
-            <a:r>
-              <a:rPr lang="en-US" dirty="0"/>
-              <a:t>C#8 </a:t>
-            </a:r>
-            <a:r>
-              <a:rPr lang="ru-RU" dirty="0"/>
-              <a:t>нас ждут </a:t>
-            </a:r>
-            <a:r>
-              <a:rPr lang="en-US" dirty="0"/>
-              <a:t>records.</a:t>
-            </a:r>
+              <a:t> Существует множество способов сделать сущности неизменяемыми</a:t>
+            </a:r>
+            <a:endParaRPr lang="en-US" dirty="0"/>
           </a:p>
         </p:txBody>
       </p:sp>
@@ -2543,7 +2509,7 @@
           <a:p>
             <a:fld id="{516C5DDC-7799-4ACC-A213-90C50CBCB02D}" type="slidenum">
               <a:rPr lang="en-US" smtClean="0"/>
-              <a:t>10</a:t>
+              <a:t>9</a:t>
             </a:fld>
             <a:endParaRPr lang="en-US"/>
           </a:p>
@@ -2552,7 +2518,7 @@
     </p:spTree>
     <p:extLst>
       <p:ext uri="{BB962C8B-B14F-4D97-AF65-F5344CB8AC3E}">
-        <p14:creationId xmlns:p14="http://schemas.microsoft.com/office/powerpoint/2010/main" val="2525185904"/>
+        <p14:creationId xmlns:p14="http://schemas.microsoft.com/office/powerpoint/2010/main" val="3948139063"/>
       </p:ext>
     </p:extLst>
   </p:cSld>
@@ -2607,30 +2573,29 @@
           <a:lstStyle/>
           <a:p>
             <a:r>
+              <a:rPr lang="ru-RU" dirty="0"/>
+              <a:t>1</a:t>
+            </a:r>
+            <a:r>
               <a:rPr lang="en-US" dirty="0"/>
-              <a:t>14: </a:t>
+              <a:t>3</a:t>
             </a:r>
             <a:r>
               <a:rPr lang="ru-RU" dirty="0"/>
-              <a:t>Самый простой вариант</a:t>
+              <a:t>: В </a:t>
             </a:r>
             <a:r>
               <a:rPr lang="en-US" dirty="0"/>
-              <a:t>. </a:t>
+              <a:t>C#8 </a:t>
             </a:r>
             <a:r>
               <a:rPr lang="ru-RU" dirty="0"/>
-              <a:t>Но он не идеален.</a:t>
+              <a:t>нас ждут </a:t>
             </a:r>
             <a:r>
               <a:rPr lang="en-US" dirty="0"/>
-              <a:t> Deserialization,</a:t>
-            </a:r>
-            <a:r>
-              <a:rPr lang="en-US" baseline="0" dirty="0"/>
-              <a:t> a lot of arguments</a:t>
-            </a:r>
-            <a:endParaRPr lang="en-US" dirty="0"/>
+              <a:t>records.</a:t>
+            </a:r>
           </a:p>
         </p:txBody>
       </p:sp>
@@ -2651,7 +2616,7 @@
           <a:p>
             <a:fld id="{516C5DDC-7799-4ACC-A213-90C50CBCB02D}" type="slidenum">
               <a:rPr lang="en-US" smtClean="0"/>
-              <a:t>11</a:t>
+              <a:t>10</a:t>
             </a:fld>
             <a:endParaRPr lang="en-US"/>
           </a:p>
@@ -2660,7 +2625,7 @@
     </p:spTree>
     <p:extLst>
       <p:ext uri="{BB962C8B-B14F-4D97-AF65-F5344CB8AC3E}">
-        <p14:creationId xmlns:p14="http://schemas.microsoft.com/office/powerpoint/2010/main" val="1063470018"/>
+        <p14:creationId xmlns:p14="http://schemas.microsoft.com/office/powerpoint/2010/main" val="2525185904"/>
       </p:ext>
     </p:extLst>
   </p:cSld>
@@ -2716,43 +2681,27 @@
           <a:p>
             <a:r>
               <a:rPr lang="en-US" dirty="0"/>
-              <a:t>1</a:t>
+              <a:t>14: </a:t>
             </a:r>
             <a:r>
               <a:rPr lang="ru-RU" dirty="0"/>
-              <a:t>5</a:t>
+              <a:t>Самый простой вариант</a:t>
             </a:r>
             <a:r>
               <a:rPr lang="en-US" dirty="0"/>
-              <a:t>-18: </a:t>
+              <a:t>. </a:t>
             </a:r>
             <a:r>
               <a:rPr lang="ru-RU" dirty="0"/>
-              <a:t>Я бы хотел рассказать продолжение коаны про иммутабельность. </a:t>
+              <a:t>Но он не идеален.</a:t>
             </a:r>
             <a:r>
               <a:rPr lang="en-US" dirty="0"/>
-              <a:t>DEMO:</a:t>
-            </a:r>
-            <a:r>
-              <a:rPr lang="ru-RU" dirty="0"/>
-              <a:t> Рассмотреть недостатки работы с большими сущностями. Показать пример, когда приходится внутри метода реализовывать</a:t>
-            </a:r>
-            <a:r>
-              <a:rPr lang="en-US" dirty="0"/>
-              <a:t> </a:t>
-            </a:r>
-            <a:r>
-              <a:rPr lang="ru-RU" dirty="0"/>
-              <a:t>сложную логику, и неизменяемая сущность вынуждает создавать массу</a:t>
-            </a:r>
-            <a:r>
-              <a:rPr lang="en-US" dirty="0"/>
-              <a:t> </a:t>
-            </a:r>
-            <a:r>
-              <a:rPr lang="ru-RU" dirty="0"/>
-              <a:t>лищних переменных</a:t>
+              <a:t> Deserialization,</a:t>
+            </a:r>
+            <a:r>
+              <a:rPr lang="en-US" baseline="0" dirty="0"/>
+              <a:t> a lot of arguments</a:t>
             </a:r>
             <a:endParaRPr lang="en-US" dirty="0"/>
           </a:p>
@@ -2775,7 +2724,7 @@
           <a:p>
             <a:fld id="{516C5DDC-7799-4ACC-A213-90C50CBCB02D}" type="slidenum">
               <a:rPr lang="en-US" smtClean="0"/>
-              <a:t>12</a:t>
+              <a:t>11</a:t>
             </a:fld>
             <a:endParaRPr lang="en-US"/>
           </a:p>
@@ -2784,7 +2733,7 @@
     </p:spTree>
     <p:extLst>
       <p:ext uri="{BB962C8B-B14F-4D97-AF65-F5344CB8AC3E}">
-        <p14:creationId xmlns:p14="http://schemas.microsoft.com/office/powerpoint/2010/main" val="1582239855"/>
+        <p14:creationId xmlns:p14="http://schemas.microsoft.com/office/powerpoint/2010/main" val="1063470018"/>
       </p:ext>
     </p:extLst>
   </p:cSld>
@@ -2840,11 +2789,43 @@
           <a:p>
             <a:r>
               <a:rPr lang="en-US" dirty="0"/>
-              <a:t>MEETUP: </a:t>
+              <a:t>1</a:t>
             </a:r>
             <a:r>
               <a:rPr lang="ru-RU" dirty="0"/>
-              <a:t>показать пример из дата трансфера</a:t>
+              <a:t>5</a:t>
+            </a:r>
+            <a:r>
+              <a:rPr lang="en-US" dirty="0"/>
+              <a:t>-18: </a:t>
+            </a:r>
+            <a:r>
+              <a:rPr lang="ru-RU" dirty="0"/>
+              <a:t>Я бы хотел рассказать продолжение коаны про иммутабельность. </a:t>
+            </a:r>
+            <a:r>
+              <a:rPr lang="en-US" dirty="0"/>
+              <a:t>DEMO:</a:t>
+            </a:r>
+            <a:r>
+              <a:rPr lang="ru-RU" dirty="0"/>
+              <a:t> Рассмотреть недостатки работы с большими сущностями. Показать пример, когда приходится внутри метода реализовывать</a:t>
+            </a:r>
+            <a:r>
+              <a:rPr lang="en-US" dirty="0"/>
+              <a:t> </a:t>
+            </a:r>
+            <a:r>
+              <a:rPr lang="ru-RU" dirty="0"/>
+              <a:t>сложную логику, и неизменяемая сущность вынуждает создавать массу</a:t>
+            </a:r>
+            <a:r>
+              <a:rPr lang="en-US" dirty="0"/>
+              <a:t> </a:t>
+            </a:r>
+            <a:r>
+              <a:rPr lang="ru-RU" dirty="0"/>
+              <a:t>лищних переменных</a:t>
             </a:r>
             <a:endParaRPr lang="en-US" dirty="0"/>
           </a:p>
@@ -2867,7 +2848,7 @@
           <a:p>
             <a:fld id="{516C5DDC-7799-4ACC-A213-90C50CBCB02D}" type="slidenum">
               <a:rPr lang="en-US" smtClean="0"/>
-              <a:t>13</a:t>
+              <a:t>12</a:t>
             </a:fld>
             <a:endParaRPr lang="en-US"/>
           </a:p>
@@ -2876,7 +2857,7 @@
     </p:spTree>
     <p:extLst>
       <p:ext uri="{BB962C8B-B14F-4D97-AF65-F5344CB8AC3E}">
-        <p14:creationId xmlns:p14="http://schemas.microsoft.com/office/powerpoint/2010/main" val="838380362"/>
+        <p14:creationId xmlns:p14="http://schemas.microsoft.com/office/powerpoint/2010/main" val="1582239855"/>
       </p:ext>
     </p:extLst>
   </p:cSld>
@@ -3033,7 +3014,7 @@
           <a:p>
             <a:fld id="{225299FE-2656-4E46-94DA-BF0F86052EEC}" type="datetimeFigureOut">
               <a:rPr lang="en-US" smtClean="0"/>
-              <a:t>4/30/2018</a:t>
+              <a:t>5/1/2018</a:t>
             </a:fld>
             <a:endParaRPr lang="en-US"/>
           </a:p>
@@ -3231,7 +3212,7 @@
           <a:p>
             <a:fld id="{225299FE-2656-4E46-94DA-BF0F86052EEC}" type="datetimeFigureOut">
               <a:rPr lang="en-US" smtClean="0"/>
-              <a:t>4/30/2018</a:t>
+              <a:t>5/1/2018</a:t>
             </a:fld>
             <a:endParaRPr lang="en-US"/>
           </a:p>
@@ -3439,7 +3420,7 @@
           <a:p>
             <a:fld id="{225299FE-2656-4E46-94DA-BF0F86052EEC}" type="datetimeFigureOut">
               <a:rPr lang="en-US" smtClean="0"/>
-              <a:t>4/30/2018</a:t>
+              <a:t>5/1/2018</a:t>
             </a:fld>
             <a:endParaRPr lang="en-US"/>
           </a:p>
@@ -3637,7 +3618,7 @@
           <a:p>
             <a:fld id="{225299FE-2656-4E46-94DA-BF0F86052EEC}" type="datetimeFigureOut">
               <a:rPr lang="en-US" smtClean="0"/>
-              <a:t>4/30/2018</a:t>
+              <a:t>5/1/2018</a:t>
             </a:fld>
             <a:endParaRPr lang="en-US"/>
           </a:p>
@@ -3912,7 +3893,7 @@
           <a:p>
             <a:fld id="{225299FE-2656-4E46-94DA-BF0F86052EEC}" type="datetimeFigureOut">
               <a:rPr lang="en-US" smtClean="0"/>
-              <a:t>4/30/2018</a:t>
+              <a:t>5/1/2018</a:t>
             </a:fld>
             <a:endParaRPr lang="en-US"/>
           </a:p>
@@ -4177,7 +4158,7 @@
           <a:p>
             <a:fld id="{225299FE-2656-4E46-94DA-BF0F86052EEC}" type="datetimeFigureOut">
               <a:rPr lang="en-US" smtClean="0"/>
-              <a:t>4/30/2018</a:t>
+              <a:t>5/1/2018</a:t>
             </a:fld>
             <a:endParaRPr lang="en-US"/>
           </a:p>
@@ -4589,7 +4570,7 @@
           <a:p>
             <a:fld id="{225299FE-2656-4E46-94DA-BF0F86052EEC}" type="datetimeFigureOut">
               <a:rPr lang="en-US" smtClean="0"/>
-              <a:t>4/30/2018</a:t>
+              <a:t>5/1/2018</a:t>
             </a:fld>
             <a:endParaRPr lang="en-US"/>
           </a:p>
@@ -4730,7 +4711,7 @@
           <a:p>
             <a:fld id="{225299FE-2656-4E46-94DA-BF0F86052EEC}" type="datetimeFigureOut">
               <a:rPr lang="en-US" smtClean="0"/>
-              <a:t>4/30/2018</a:t>
+              <a:t>5/1/2018</a:t>
             </a:fld>
             <a:endParaRPr lang="en-US"/>
           </a:p>
@@ -4843,7 +4824,7 @@
           <a:p>
             <a:fld id="{225299FE-2656-4E46-94DA-BF0F86052EEC}" type="datetimeFigureOut">
               <a:rPr lang="en-US" smtClean="0"/>
-              <a:t>4/30/2018</a:t>
+              <a:t>5/1/2018</a:t>
             </a:fld>
             <a:endParaRPr lang="en-US"/>
           </a:p>
@@ -5154,7 +5135,7 @@
           <a:p>
             <a:fld id="{225299FE-2656-4E46-94DA-BF0F86052EEC}" type="datetimeFigureOut">
               <a:rPr lang="en-US" smtClean="0"/>
-              <a:t>4/30/2018</a:t>
+              <a:t>5/1/2018</a:t>
             </a:fld>
             <a:endParaRPr lang="en-US"/>
           </a:p>
@@ -5442,7 +5423,7 @@
           <a:p>
             <a:fld id="{225299FE-2656-4E46-94DA-BF0F86052EEC}" type="datetimeFigureOut">
               <a:rPr lang="en-US" smtClean="0"/>
-              <a:t>4/30/2018</a:t>
+              <a:t>5/1/2018</a:t>
             </a:fld>
             <a:endParaRPr lang="en-US"/>
           </a:p>
@@ -5683,7 +5664,7 @@
           <a:p>
             <a:fld id="{225299FE-2656-4E46-94DA-BF0F86052EEC}" type="datetimeFigureOut">
               <a:rPr lang="en-US" smtClean="0"/>
-              <a:t>4/30/2018</a:t>
+              <a:t>5/1/2018</a:t>
             </a:fld>
             <a:endParaRPr lang="en-US"/>
           </a:p>
@@ -6718,6 +6699,13 @@
   <p:clrMapOvr>
     <a:masterClrMapping/>
   </p:clrMapOvr>
+  <p:timing>
+    <p:tnLst>
+      <p:par>
+        <p:cTn id="1" dur="indefinite" restart="never" nodeType="tmRoot"/>
+      </p:par>
+    </p:tnLst>
+  </p:timing>
 </p:sld>
 </file>
 
@@ -6841,6 +6829,13 @@
   <p:clrMapOvr>
     <a:masterClrMapping/>
   </p:clrMapOvr>
+  <p:timing>
+    <p:tnLst>
+      <p:par>
+        <p:cTn id="1" dur="indefinite" restart="never" nodeType="tmRoot"/>
+      </p:par>
+    </p:tnLst>
+  </p:timing>
 </p:sld>
 </file>
 
@@ -8288,6 +8283,13 @@
   <p:clrMapOvr>
     <a:masterClrMapping/>
   </p:clrMapOvr>
+  <p:timing>
+    <p:tnLst>
+      <p:par>
+        <p:cTn id="1" dur="indefinite" restart="never" nodeType="tmRoot"/>
+      </p:par>
+    </p:tnLst>
+  </p:timing>
 </p:sld>
 </file>
 
@@ -10773,11 +10775,7 @@
           <a:p>
             <a:r>
               <a:rPr lang="en-US" dirty="0" smtClean="0"/>
-              <a:t>Wrapper</a:t>
-            </a:r>
-            <a:r>
-              <a:rPr lang="en-US" dirty="0" smtClean="0"/>
-              <a:t>: Example</a:t>
+              <a:t>Wrapper: Example</a:t>
             </a:r>
             <a:endParaRPr lang="en-US" dirty="0"/>
           </a:p>
@@ -14269,16 +14267,12 @@
             </a:r>
             <a:r>
               <a:rPr lang="en-US" dirty="0" smtClean="0"/>
-              <a:t>&lt;Entity&gt;&gt;</a:t>
-            </a:r>
-          </a:p>
-          <a:p>
+              <a:t>&lt;Entity</a:t>
+            </a:r>
             <a:r>
               <a:rPr lang="en-US" dirty="0" smtClean="0"/>
-              <a:t>Using one implementation and different interfaces in different bounded contexts</a:t>
-            </a:r>
-          </a:p>
-          <a:p>
+              <a:t>&gt;&gt;</a:t>
+            </a:r>
             <a:endParaRPr lang="en-US" dirty="0" smtClean="0"/>
           </a:p>
           <a:p>
@@ -15104,13 +15098,22 @@
               <a:t> </a:t>
             </a:r>
             <a:r>
+              <a:rPr lang="en-US" dirty="0" err="1" smtClean="0">
+                <a:solidFill>
+                  <a:srgbClr val="000000"/>
+                </a:solidFill>
+                <a:latin typeface="Consolas" panose="020B0609020204030204" pitchFamily="49" charset="0"/>
+              </a:rPr>
+              <a:t>IEntity</a:t>
+            </a:r>
+            <a:r>
               <a:rPr lang="en-US" dirty="0" smtClean="0">
                 <a:solidFill>
                   <a:srgbClr val="000000"/>
                 </a:solidFill>
                 <a:latin typeface="Consolas" panose="020B0609020204030204" pitchFamily="49" charset="0"/>
               </a:rPr>
-              <a:t>Entity </a:t>
+              <a:t> </a:t>
             </a:r>
             <a:r>
               <a:rPr lang="en-US" dirty="0">
@@ -16979,7 +16982,7 @@
           <p:cNvPr id="2" name="Title 1">
             <a:extLst>
               <a:ext uri="{FF2B5EF4-FFF2-40B4-BE49-F238E27FC236}">
-                <a16:creationId xmlns:a16="http://schemas.microsoft.com/office/drawing/2014/main" id="{29B58DD4-28BA-4308-B0B8-BAD47C1FAAA0}"/>
+                <a16:creationId xmlns:a16="http://schemas.microsoft.com/office/drawing/2014/main" id="{CE912030-CFDC-4EEE-A04B-DE2383DFED84}"/>
               </a:ext>
             </a:extLst>
           </p:cNvPr>
@@ -16987,7 +16990,7 @@
             <a:spLocks noGrp="1"/>
           </p:cNvSpPr>
           <p:nvPr>
-            <p:ph type="ctrTitle"/>
+            <p:ph type="title"/>
           </p:nvPr>
         </p:nvSpPr>
         <p:spPr/>
@@ -16997,17 +17000,17 @@
           <a:p>
             <a:r>
               <a:rPr lang="en-US" dirty="0"/>
-              <a:t>Immutable collections</a:t>
+              <a:t>Myth 1: Immutable collections are useless</a:t>
             </a:r>
           </a:p>
         </p:txBody>
       </p:sp>
       <p:sp>
         <p:nvSpPr>
-          <p:cNvPr id="4" name="Subtitle 3">
+          <p:cNvPr id="3" name="Content Placeholder 2">
             <a:extLst>
               <a:ext uri="{FF2B5EF4-FFF2-40B4-BE49-F238E27FC236}">
-                <a16:creationId xmlns:a16="http://schemas.microsoft.com/office/drawing/2014/main" id="{62FD9201-44D2-4217-9B40-FCE23E33996D}"/>
+                <a16:creationId xmlns:a16="http://schemas.microsoft.com/office/drawing/2014/main" id="{20AD0CFE-EF49-474E-836D-C2379640C9F0}"/>
               </a:ext>
             </a:extLst>
           </p:cNvPr>
@@ -17015,25 +17018,528 @@
             <a:spLocks noGrp="1"/>
           </p:cNvSpPr>
           <p:nvPr>
-            <p:ph type="subTitle" idx="1"/>
+            <p:ph idx="1"/>
           </p:nvPr>
         </p:nvSpPr>
         <p:spPr/>
         <p:txBody>
-          <a:bodyPr/>
+          <a:bodyPr>
+            <a:normAutofit fontScale="62500" lnSpcReduction="20000"/>
+          </a:bodyPr>
           <a:lstStyle/>
           <a:p>
-            <a:r>
-              <a:rPr lang="en-US" dirty="0"/>
-              <a:t>Instead of comparing immutable collections with a mutable collection we should consider it as an alternative to using mutable collections in an immutable way.</a:t>
-            </a:r>
+            <a:pPr marL="0" indent="0">
+              <a:buNone/>
+            </a:pPr>
+            <a:r>
+              <a:rPr lang="en-US" dirty="0">
+                <a:solidFill>
+                  <a:srgbClr val="000000"/>
+                </a:solidFill>
+                <a:latin typeface="Consolas" panose="020B0609020204030204" pitchFamily="49" charset="0"/>
+              </a:rPr>
+              <a:t>    </a:t>
+            </a:r>
+            <a:r>
+              <a:rPr lang="en-US" dirty="0">
+                <a:solidFill>
+                  <a:srgbClr val="0000FF"/>
+                </a:solidFill>
+                <a:latin typeface="Consolas" panose="020B0609020204030204" pitchFamily="49" charset="0"/>
+              </a:rPr>
+              <a:t>class</a:t>
+            </a:r>
+            <a:r>
+              <a:rPr lang="en-US" dirty="0">
+                <a:solidFill>
+                  <a:srgbClr val="000000"/>
+                </a:solidFill>
+                <a:latin typeface="Consolas" panose="020B0609020204030204" pitchFamily="49" charset="0"/>
+              </a:rPr>
+              <a:t> </a:t>
+            </a:r>
+            <a:r>
+              <a:rPr lang="en-US" dirty="0" smtClean="0">
+                <a:solidFill>
+                  <a:srgbClr val="2B91AF"/>
+                </a:solidFill>
+                <a:latin typeface="Consolas" panose="020B0609020204030204" pitchFamily="49" charset="0"/>
+              </a:rPr>
+              <a:t>Entity </a:t>
+            </a:r>
+            <a:r>
+              <a:rPr lang="en-US" dirty="0" smtClean="0">
+                <a:solidFill>
+                  <a:srgbClr val="000000"/>
+                </a:solidFill>
+                <a:latin typeface="Consolas" panose="020B0609020204030204" pitchFamily="49" charset="0"/>
+              </a:rPr>
+              <a:t>:</a:t>
+            </a:r>
+            <a:r>
+              <a:rPr lang="en-US" dirty="0" smtClean="0">
+                <a:solidFill>
+                  <a:srgbClr val="2B91AF"/>
+                </a:solidFill>
+                <a:latin typeface="Consolas" panose="020B0609020204030204" pitchFamily="49" charset="0"/>
+              </a:rPr>
+              <a:t> </a:t>
+            </a:r>
+            <a:r>
+              <a:rPr lang="en-US" dirty="0" err="1" smtClean="0">
+                <a:solidFill>
+                  <a:srgbClr val="2B91AF"/>
+                </a:solidFill>
+                <a:latin typeface="Consolas" panose="020B0609020204030204" pitchFamily="49" charset="0"/>
+              </a:rPr>
+              <a:t>IEntity</a:t>
+            </a:r>
+            <a:endParaRPr lang="en-US" dirty="0">
+              <a:solidFill>
+                <a:srgbClr val="000000"/>
+              </a:solidFill>
+              <a:latin typeface="Consolas" panose="020B0609020204030204" pitchFamily="49" charset="0"/>
+            </a:endParaRPr>
+          </a:p>
+          <a:p>
+            <a:pPr marL="0" indent="0">
+              <a:buNone/>
+            </a:pPr>
+            <a:r>
+              <a:rPr lang="en-US" dirty="0">
+                <a:solidFill>
+                  <a:srgbClr val="000000"/>
+                </a:solidFill>
+                <a:latin typeface="Consolas" panose="020B0609020204030204" pitchFamily="49" charset="0"/>
+              </a:rPr>
+              <a:t>    {</a:t>
+            </a:r>
+          </a:p>
+          <a:p>
+            <a:pPr marL="0" indent="0">
+              <a:buNone/>
+            </a:pPr>
+            <a:r>
+              <a:rPr lang="en-US" dirty="0">
+                <a:solidFill>
+                  <a:srgbClr val="000000"/>
+                </a:solidFill>
+                <a:latin typeface="Consolas" panose="020B0609020204030204" pitchFamily="49" charset="0"/>
+              </a:rPr>
+              <a:t>        </a:t>
+            </a:r>
+            <a:r>
+              <a:rPr lang="en-US" dirty="0">
+                <a:solidFill>
+                  <a:srgbClr val="008000"/>
+                </a:solidFill>
+                <a:latin typeface="Consolas" panose="020B0609020204030204" pitchFamily="49" charset="0"/>
+              </a:rPr>
+              <a:t>// ...</a:t>
+            </a:r>
+            <a:endParaRPr lang="en-US" dirty="0">
+              <a:solidFill>
+                <a:srgbClr val="000000"/>
+              </a:solidFill>
+              <a:latin typeface="Consolas" panose="020B0609020204030204" pitchFamily="49" charset="0"/>
+            </a:endParaRPr>
+          </a:p>
+          <a:p>
+            <a:pPr marL="0" indent="0">
+              <a:buNone/>
+            </a:pPr>
+            <a:r>
+              <a:rPr lang="en-US" dirty="0">
+                <a:solidFill>
+                  <a:srgbClr val="000000"/>
+                </a:solidFill>
+                <a:latin typeface="Consolas" panose="020B0609020204030204" pitchFamily="49" charset="0"/>
+              </a:rPr>
+              <a:t>        </a:t>
+            </a:r>
+            <a:r>
+              <a:rPr lang="en-US" dirty="0">
+                <a:solidFill>
+                  <a:srgbClr val="0000FF"/>
+                </a:solidFill>
+                <a:latin typeface="Consolas" panose="020B0609020204030204" pitchFamily="49" charset="0"/>
+              </a:rPr>
+              <a:t>public</a:t>
+            </a:r>
+            <a:r>
+              <a:rPr lang="en-US" dirty="0">
+                <a:solidFill>
+                  <a:srgbClr val="000000"/>
+                </a:solidFill>
+                <a:latin typeface="Consolas" panose="020B0609020204030204" pitchFamily="49" charset="0"/>
+              </a:rPr>
+              <a:t> </a:t>
+            </a:r>
+            <a:r>
+              <a:rPr lang="en-US" dirty="0" err="1">
+                <a:solidFill>
+                  <a:srgbClr val="000000"/>
+                </a:solidFill>
+                <a:latin typeface="Consolas" panose="020B0609020204030204" pitchFamily="49" charset="0"/>
+              </a:rPr>
+              <a:t>IReadOnlyList</a:t>
+            </a:r>
+            <a:r>
+              <a:rPr lang="en-US" dirty="0">
+                <a:solidFill>
+                  <a:srgbClr val="000000"/>
+                </a:solidFill>
+                <a:latin typeface="Consolas" panose="020B0609020204030204" pitchFamily="49" charset="0"/>
+              </a:rPr>
+              <a:t>&lt;</a:t>
+            </a:r>
+            <a:r>
+              <a:rPr lang="en-US" dirty="0" err="1">
+                <a:solidFill>
+                  <a:srgbClr val="0000FF"/>
+                </a:solidFill>
+                <a:latin typeface="Consolas" panose="020B0609020204030204" pitchFamily="49" charset="0"/>
+              </a:rPr>
+              <a:t>int</a:t>
+            </a:r>
+            <a:r>
+              <a:rPr lang="en-US" dirty="0">
+                <a:solidFill>
+                  <a:srgbClr val="000000"/>
+                </a:solidFill>
+                <a:latin typeface="Consolas" panose="020B0609020204030204" pitchFamily="49" charset="0"/>
+              </a:rPr>
+              <a:t>&gt; Items { </a:t>
+            </a:r>
+            <a:r>
+              <a:rPr lang="en-US" dirty="0">
+                <a:solidFill>
+                  <a:srgbClr val="0000FF"/>
+                </a:solidFill>
+                <a:latin typeface="Consolas" panose="020B0609020204030204" pitchFamily="49" charset="0"/>
+              </a:rPr>
+              <a:t>get</a:t>
+            </a:r>
+            <a:r>
+              <a:rPr lang="en-US" dirty="0">
+                <a:solidFill>
+                  <a:srgbClr val="000000"/>
+                </a:solidFill>
+                <a:latin typeface="Consolas" panose="020B0609020204030204" pitchFamily="49" charset="0"/>
+              </a:rPr>
+              <a:t>; </a:t>
+            </a:r>
+            <a:r>
+              <a:rPr lang="en-US" dirty="0">
+                <a:solidFill>
+                  <a:srgbClr val="0000FF"/>
+                </a:solidFill>
+                <a:latin typeface="Consolas" panose="020B0609020204030204" pitchFamily="49" charset="0"/>
+              </a:rPr>
+              <a:t>private</a:t>
+            </a:r>
+            <a:r>
+              <a:rPr lang="en-US" dirty="0">
+                <a:solidFill>
+                  <a:srgbClr val="000000"/>
+                </a:solidFill>
+                <a:latin typeface="Consolas" panose="020B0609020204030204" pitchFamily="49" charset="0"/>
+              </a:rPr>
+              <a:t> </a:t>
+            </a:r>
+            <a:r>
+              <a:rPr lang="en-US" dirty="0">
+                <a:solidFill>
+                  <a:srgbClr val="0000FF"/>
+                </a:solidFill>
+                <a:latin typeface="Consolas" panose="020B0609020204030204" pitchFamily="49" charset="0"/>
+              </a:rPr>
+              <a:t>set</a:t>
+            </a:r>
+            <a:r>
+              <a:rPr lang="en-US" dirty="0">
+                <a:solidFill>
+                  <a:srgbClr val="000000"/>
+                </a:solidFill>
+                <a:latin typeface="Consolas" panose="020B0609020204030204" pitchFamily="49" charset="0"/>
+              </a:rPr>
+              <a:t>; }</a:t>
+            </a:r>
+          </a:p>
+          <a:p>
+            <a:pPr marL="0" indent="0">
+              <a:buNone/>
+            </a:pPr>
+            <a:endParaRPr lang="en-US" dirty="0">
+              <a:solidFill>
+                <a:srgbClr val="000000"/>
+              </a:solidFill>
+              <a:latin typeface="Consolas" panose="020B0609020204030204" pitchFamily="49" charset="0"/>
+            </a:endParaRPr>
+          </a:p>
+          <a:p>
+            <a:pPr marL="0" indent="0">
+              <a:buNone/>
+            </a:pPr>
+            <a:r>
+              <a:rPr lang="en-US" dirty="0">
+                <a:solidFill>
+                  <a:srgbClr val="000000"/>
+                </a:solidFill>
+                <a:latin typeface="Consolas" panose="020B0609020204030204" pitchFamily="49" charset="0"/>
+              </a:rPr>
+              <a:t>        </a:t>
+            </a:r>
+            <a:r>
+              <a:rPr lang="en-US" dirty="0">
+                <a:solidFill>
+                  <a:srgbClr val="0000FF"/>
+                </a:solidFill>
+                <a:latin typeface="Consolas" panose="020B0609020204030204" pitchFamily="49" charset="0"/>
+              </a:rPr>
+              <a:t>public</a:t>
+            </a:r>
+            <a:r>
+              <a:rPr lang="en-US" dirty="0">
+                <a:solidFill>
+                  <a:srgbClr val="000000"/>
+                </a:solidFill>
+                <a:latin typeface="Consolas" panose="020B0609020204030204" pitchFamily="49" charset="0"/>
+              </a:rPr>
+              <a:t> </a:t>
+            </a:r>
+            <a:r>
+              <a:rPr lang="en-US" dirty="0" err="1" smtClean="0">
+                <a:solidFill>
+                  <a:srgbClr val="000000"/>
+                </a:solidFill>
+                <a:latin typeface="Consolas" panose="020B0609020204030204" pitchFamily="49" charset="0"/>
+              </a:rPr>
+              <a:t>IEntity</a:t>
+            </a:r>
+            <a:r>
+              <a:rPr lang="en-US" dirty="0" smtClean="0">
+                <a:solidFill>
+                  <a:srgbClr val="000000"/>
+                </a:solidFill>
+                <a:latin typeface="Consolas" panose="020B0609020204030204" pitchFamily="49" charset="0"/>
+              </a:rPr>
+              <a:t> </a:t>
+            </a:r>
+            <a:r>
+              <a:rPr lang="en-US" dirty="0" err="1">
+                <a:solidFill>
+                  <a:srgbClr val="000000"/>
+                </a:solidFill>
+                <a:latin typeface="Consolas" panose="020B0609020204030204" pitchFamily="49" charset="0"/>
+              </a:rPr>
+              <a:t>AddItems</a:t>
+            </a:r>
+            <a:r>
+              <a:rPr lang="en-US" dirty="0">
+                <a:solidFill>
+                  <a:srgbClr val="000000"/>
+                </a:solidFill>
+                <a:latin typeface="Consolas" panose="020B0609020204030204" pitchFamily="49" charset="0"/>
+              </a:rPr>
+              <a:t>(</a:t>
+            </a:r>
+            <a:r>
+              <a:rPr lang="en-US" dirty="0" err="1">
+                <a:solidFill>
+                  <a:srgbClr val="0000FF"/>
+                </a:solidFill>
+                <a:latin typeface="Consolas" panose="020B0609020204030204" pitchFamily="49" charset="0"/>
+              </a:rPr>
+              <a:t>int</a:t>
+            </a:r>
+            <a:r>
+              <a:rPr lang="en-US" dirty="0">
+                <a:solidFill>
+                  <a:srgbClr val="000000"/>
+                </a:solidFill>
+                <a:latin typeface="Consolas" panose="020B0609020204030204" pitchFamily="49" charset="0"/>
+              </a:rPr>
+              <a:t> item)</a:t>
+            </a:r>
+          </a:p>
+          <a:p>
+            <a:pPr marL="0" indent="0">
+              <a:buNone/>
+            </a:pPr>
+            <a:r>
+              <a:rPr lang="en-US" dirty="0">
+                <a:solidFill>
+                  <a:srgbClr val="000000"/>
+                </a:solidFill>
+                <a:latin typeface="Consolas" panose="020B0609020204030204" pitchFamily="49" charset="0"/>
+              </a:rPr>
+              <a:t>        {</a:t>
+            </a:r>
+          </a:p>
+          <a:p>
+            <a:pPr marL="0" indent="0">
+              <a:buNone/>
+            </a:pPr>
+            <a:r>
+              <a:rPr lang="en-US" dirty="0">
+                <a:solidFill>
+                  <a:srgbClr val="000000"/>
+                </a:solidFill>
+                <a:latin typeface="Consolas" panose="020B0609020204030204" pitchFamily="49" charset="0"/>
+              </a:rPr>
+              <a:t>            </a:t>
+            </a:r>
+            <a:r>
+              <a:rPr lang="en-US" dirty="0">
+                <a:solidFill>
+                  <a:srgbClr val="0000FF"/>
+                </a:solidFill>
+                <a:latin typeface="Consolas" panose="020B0609020204030204" pitchFamily="49" charset="0"/>
+              </a:rPr>
+              <a:t>return</a:t>
+            </a:r>
+            <a:r>
+              <a:rPr lang="en-US" dirty="0">
+                <a:solidFill>
+                  <a:srgbClr val="000000"/>
+                </a:solidFill>
+                <a:latin typeface="Consolas" panose="020B0609020204030204" pitchFamily="49" charset="0"/>
+              </a:rPr>
+              <a:t> </a:t>
+            </a:r>
+            <a:r>
+              <a:rPr lang="en-US" dirty="0">
+                <a:solidFill>
+                  <a:srgbClr val="0000FF"/>
+                </a:solidFill>
+                <a:latin typeface="Consolas" panose="020B0609020204030204" pitchFamily="49" charset="0"/>
+              </a:rPr>
+              <a:t>new</a:t>
+            </a:r>
+            <a:r>
+              <a:rPr lang="en-US" dirty="0">
+                <a:solidFill>
+                  <a:srgbClr val="000000"/>
+                </a:solidFill>
+                <a:latin typeface="Consolas" panose="020B0609020204030204" pitchFamily="49" charset="0"/>
+              </a:rPr>
+              <a:t> Entity</a:t>
+            </a:r>
+          </a:p>
+          <a:p>
+            <a:pPr marL="0" indent="0">
+              <a:buNone/>
+            </a:pPr>
+            <a:r>
+              <a:rPr lang="en-US" dirty="0">
+                <a:solidFill>
+                  <a:srgbClr val="000000"/>
+                </a:solidFill>
+                <a:latin typeface="Consolas" panose="020B0609020204030204" pitchFamily="49" charset="0"/>
+              </a:rPr>
+              <a:t>            {</a:t>
+            </a:r>
+          </a:p>
+          <a:p>
+            <a:pPr marL="0" indent="0">
+              <a:buNone/>
+            </a:pPr>
+            <a:r>
+              <a:rPr lang="en-US" dirty="0">
+                <a:solidFill>
+                  <a:srgbClr val="000000"/>
+                </a:solidFill>
+                <a:latin typeface="Consolas" panose="020B0609020204030204" pitchFamily="49" charset="0"/>
+              </a:rPr>
+              <a:t>                Items = </a:t>
+            </a:r>
+            <a:r>
+              <a:rPr lang="en-US" dirty="0" err="1">
+                <a:solidFill>
+                  <a:srgbClr val="000000"/>
+                </a:solidFill>
+                <a:latin typeface="Consolas" panose="020B0609020204030204" pitchFamily="49" charset="0"/>
+              </a:rPr>
+              <a:t>Items.Append</a:t>
+            </a:r>
+            <a:r>
+              <a:rPr lang="en-US" dirty="0">
+                <a:solidFill>
+                  <a:srgbClr val="000000"/>
+                </a:solidFill>
+                <a:latin typeface="Consolas" panose="020B0609020204030204" pitchFamily="49" charset="0"/>
+              </a:rPr>
+              <a:t>(item).</a:t>
+            </a:r>
+            <a:r>
+              <a:rPr lang="en-US" dirty="0" err="1">
+                <a:solidFill>
+                  <a:srgbClr val="000000"/>
+                </a:solidFill>
+                <a:latin typeface="Consolas" panose="020B0609020204030204" pitchFamily="49" charset="0"/>
+              </a:rPr>
+              <a:t>ToList</a:t>
+            </a:r>
+            <a:r>
+              <a:rPr lang="en-US" dirty="0">
+                <a:solidFill>
+                  <a:srgbClr val="000000"/>
+                </a:solidFill>
+                <a:latin typeface="Consolas" panose="020B0609020204030204" pitchFamily="49" charset="0"/>
+              </a:rPr>
+              <a:t>()</a:t>
+            </a:r>
+          </a:p>
+          <a:p>
+            <a:pPr marL="0" indent="0">
+              <a:buNone/>
+            </a:pPr>
+            <a:r>
+              <a:rPr lang="en-US" dirty="0">
+                <a:solidFill>
+                  <a:srgbClr val="000000"/>
+                </a:solidFill>
+                <a:latin typeface="Consolas" panose="020B0609020204030204" pitchFamily="49" charset="0"/>
+              </a:rPr>
+              <a:t>            };</a:t>
+            </a:r>
+          </a:p>
+          <a:p>
+            <a:pPr marL="0" indent="0">
+              <a:buNone/>
+            </a:pPr>
+            <a:r>
+              <a:rPr lang="en-US" dirty="0">
+                <a:solidFill>
+                  <a:srgbClr val="000000"/>
+                </a:solidFill>
+                <a:latin typeface="Consolas" panose="020B0609020204030204" pitchFamily="49" charset="0"/>
+              </a:rPr>
+              <a:t>        }</a:t>
+            </a:r>
+          </a:p>
+          <a:p>
+            <a:pPr marL="0" indent="0">
+              <a:buNone/>
+            </a:pPr>
+            <a:r>
+              <a:rPr lang="en-US" dirty="0">
+                <a:solidFill>
+                  <a:srgbClr val="000000"/>
+                </a:solidFill>
+                <a:latin typeface="Consolas" panose="020B0609020204030204" pitchFamily="49" charset="0"/>
+              </a:rPr>
+              <a:t>    }</a:t>
+            </a:r>
+            <a:endParaRPr lang="en-US" dirty="0"/>
           </a:p>
         </p:txBody>
       </p:sp>
     </p:spTree>
     <p:extLst>
       <p:ext uri="{BB962C8B-B14F-4D97-AF65-F5344CB8AC3E}">
-        <p14:creationId xmlns:p14="http://schemas.microsoft.com/office/powerpoint/2010/main" val="1898269488"/>
+        <p14:creationId xmlns:p14="http://schemas.microsoft.com/office/powerpoint/2010/main" val="3012795528"/>
       </p:ext>
     </p:extLst>
   </p:cSld>
@@ -17072,7 +17578,7 @@
           <p:cNvPr id="2" name="Title 1">
             <a:extLst>
               <a:ext uri="{FF2B5EF4-FFF2-40B4-BE49-F238E27FC236}">
-                <a16:creationId xmlns:a16="http://schemas.microsoft.com/office/drawing/2014/main" id="{CE912030-CFDC-4EEE-A04B-DE2383DFED84}"/>
+                <a16:creationId xmlns:a16="http://schemas.microsoft.com/office/drawing/2014/main" id="{29B58DD4-28BA-4308-B0B8-BAD47C1FAAA0}"/>
               </a:ext>
             </a:extLst>
           </p:cNvPr>
@@ -17080,7 +17586,7 @@
             <a:spLocks noGrp="1"/>
           </p:cNvSpPr>
           <p:nvPr>
-            <p:ph type="title"/>
+            <p:ph type="ctrTitle"/>
           </p:nvPr>
         </p:nvSpPr>
         <p:spPr/>
@@ -17090,17 +17596,17 @@
           <a:p>
             <a:r>
               <a:rPr lang="en-US" dirty="0"/>
-              <a:t>Myth 1: Immutable collections are useless</a:t>
+              <a:t>Immutable collections</a:t>
             </a:r>
           </a:p>
         </p:txBody>
       </p:sp>
       <p:sp>
         <p:nvSpPr>
-          <p:cNvPr id="3" name="Content Placeholder 2">
+          <p:cNvPr id="4" name="Subtitle 3">
             <a:extLst>
               <a:ext uri="{FF2B5EF4-FFF2-40B4-BE49-F238E27FC236}">
-                <a16:creationId xmlns:a16="http://schemas.microsoft.com/office/drawing/2014/main" id="{20AD0CFE-EF49-474E-836D-C2379640C9F0}"/>
+                <a16:creationId xmlns:a16="http://schemas.microsoft.com/office/drawing/2014/main" id="{62FD9201-44D2-4217-9B40-FCE23E33996D}"/>
               </a:ext>
             </a:extLst>
           </p:cNvPr>
@@ -17108,483 +17614,25 @@
             <a:spLocks noGrp="1"/>
           </p:cNvSpPr>
           <p:nvPr>
-            <p:ph idx="1"/>
+            <p:ph type="subTitle" idx="1"/>
           </p:nvPr>
         </p:nvSpPr>
         <p:spPr/>
         <p:txBody>
-          <a:bodyPr>
-            <a:normAutofit fontScale="62500" lnSpcReduction="20000"/>
-          </a:bodyPr>
+          <a:bodyPr/>
           <a:lstStyle/>
           <a:p>
-            <a:pPr marL="0" indent="0">
-              <a:buNone/>
-            </a:pPr>
-            <a:r>
-              <a:rPr lang="en-US" dirty="0">
-                <a:solidFill>
-                  <a:srgbClr val="000000"/>
-                </a:solidFill>
-                <a:latin typeface="Consolas" panose="020B0609020204030204" pitchFamily="49" charset="0"/>
-              </a:rPr>
-              <a:t>    </a:t>
-            </a:r>
-            <a:r>
-              <a:rPr lang="en-US" dirty="0">
-                <a:solidFill>
-                  <a:srgbClr val="0000FF"/>
-                </a:solidFill>
-                <a:latin typeface="Consolas" panose="020B0609020204030204" pitchFamily="49" charset="0"/>
-              </a:rPr>
-              <a:t>class</a:t>
-            </a:r>
-            <a:r>
-              <a:rPr lang="en-US" dirty="0">
-                <a:solidFill>
-                  <a:srgbClr val="000000"/>
-                </a:solidFill>
-                <a:latin typeface="Consolas" panose="020B0609020204030204" pitchFamily="49" charset="0"/>
-              </a:rPr>
-              <a:t> </a:t>
-            </a:r>
-            <a:r>
-              <a:rPr lang="en-US" dirty="0">
-                <a:solidFill>
-                  <a:srgbClr val="2B91AF"/>
-                </a:solidFill>
-                <a:latin typeface="Consolas" panose="020B0609020204030204" pitchFamily="49" charset="0"/>
-              </a:rPr>
-              <a:t>Entity</a:t>
-            </a:r>
-            <a:endParaRPr lang="en-US" dirty="0">
-              <a:solidFill>
-                <a:srgbClr val="000000"/>
-              </a:solidFill>
-              <a:latin typeface="Consolas" panose="020B0609020204030204" pitchFamily="49" charset="0"/>
-            </a:endParaRPr>
-          </a:p>
-          <a:p>
-            <a:pPr marL="0" indent="0">
-              <a:buNone/>
-            </a:pPr>
-            <a:r>
-              <a:rPr lang="en-US" dirty="0">
-                <a:solidFill>
-                  <a:srgbClr val="000000"/>
-                </a:solidFill>
-                <a:latin typeface="Consolas" panose="020B0609020204030204" pitchFamily="49" charset="0"/>
-              </a:rPr>
-              <a:t>    {</a:t>
-            </a:r>
-          </a:p>
-          <a:p>
-            <a:pPr marL="0" indent="0">
-              <a:buNone/>
-            </a:pPr>
-            <a:r>
-              <a:rPr lang="en-US" dirty="0">
-                <a:solidFill>
-                  <a:srgbClr val="000000"/>
-                </a:solidFill>
-                <a:latin typeface="Consolas" panose="020B0609020204030204" pitchFamily="49" charset="0"/>
-              </a:rPr>
-              <a:t>        </a:t>
-            </a:r>
-            <a:r>
-              <a:rPr lang="en-US" dirty="0">
-                <a:solidFill>
-                  <a:srgbClr val="008000"/>
-                </a:solidFill>
-                <a:latin typeface="Consolas" panose="020B0609020204030204" pitchFamily="49" charset="0"/>
-              </a:rPr>
-              <a:t>// ...</a:t>
-            </a:r>
-            <a:endParaRPr lang="en-US" dirty="0">
-              <a:solidFill>
-                <a:srgbClr val="000000"/>
-              </a:solidFill>
-              <a:latin typeface="Consolas" panose="020B0609020204030204" pitchFamily="49" charset="0"/>
-            </a:endParaRPr>
-          </a:p>
-          <a:p>
-            <a:pPr marL="0" indent="0">
-              <a:buNone/>
-            </a:pPr>
-            <a:r>
-              <a:rPr lang="en-US" dirty="0">
-                <a:solidFill>
-                  <a:srgbClr val="000000"/>
-                </a:solidFill>
-                <a:latin typeface="Consolas" panose="020B0609020204030204" pitchFamily="49" charset="0"/>
-              </a:rPr>
-              <a:t>        </a:t>
-            </a:r>
-            <a:r>
-              <a:rPr lang="en-US" dirty="0">
-                <a:solidFill>
-                  <a:srgbClr val="0000FF"/>
-                </a:solidFill>
-                <a:latin typeface="Consolas" panose="020B0609020204030204" pitchFamily="49" charset="0"/>
-              </a:rPr>
-              <a:t>public</a:t>
-            </a:r>
-            <a:r>
-              <a:rPr lang="en-US" dirty="0">
-                <a:solidFill>
-                  <a:srgbClr val="000000"/>
-                </a:solidFill>
-                <a:latin typeface="Consolas" panose="020B0609020204030204" pitchFamily="49" charset="0"/>
-              </a:rPr>
-              <a:t> </a:t>
-            </a:r>
-            <a:r>
-              <a:rPr lang="en-US" dirty="0" err="1">
-                <a:solidFill>
-                  <a:srgbClr val="000000"/>
-                </a:solidFill>
-                <a:latin typeface="Consolas" panose="020B0609020204030204" pitchFamily="49" charset="0"/>
-              </a:rPr>
-              <a:t>IReadOnlyList</a:t>
-            </a:r>
-            <a:r>
-              <a:rPr lang="en-US" dirty="0">
-                <a:solidFill>
-                  <a:srgbClr val="000000"/>
-                </a:solidFill>
-                <a:latin typeface="Consolas" panose="020B0609020204030204" pitchFamily="49" charset="0"/>
-              </a:rPr>
-              <a:t>&lt;</a:t>
-            </a:r>
-            <a:r>
-              <a:rPr lang="en-US" dirty="0" err="1">
-                <a:solidFill>
-                  <a:srgbClr val="0000FF"/>
-                </a:solidFill>
-                <a:latin typeface="Consolas" panose="020B0609020204030204" pitchFamily="49" charset="0"/>
-              </a:rPr>
-              <a:t>int</a:t>
-            </a:r>
-            <a:r>
-              <a:rPr lang="en-US" dirty="0">
-                <a:solidFill>
-                  <a:srgbClr val="000000"/>
-                </a:solidFill>
-                <a:latin typeface="Consolas" panose="020B0609020204030204" pitchFamily="49" charset="0"/>
-              </a:rPr>
-              <a:t>&gt; Items { </a:t>
-            </a:r>
-            <a:r>
-              <a:rPr lang="en-US" dirty="0">
-                <a:solidFill>
-                  <a:srgbClr val="0000FF"/>
-                </a:solidFill>
-                <a:latin typeface="Consolas" panose="020B0609020204030204" pitchFamily="49" charset="0"/>
-              </a:rPr>
-              <a:t>get</a:t>
-            </a:r>
-            <a:r>
-              <a:rPr lang="en-US" dirty="0">
-                <a:solidFill>
-                  <a:srgbClr val="000000"/>
-                </a:solidFill>
-                <a:latin typeface="Consolas" panose="020B0609020204030204" pitchFamily="49" charset="0"/>
-              </a:rPr>
-              <a:t>; </a:t>
-            </a:r>
-            <a:r>
-              <a:rPr lang="en-US" dirty="0">
-                <a:solidFill>
-                  <a:srgbClr val="0000FF"/>
-                </a:solidFill>
-                <a:latin typeface="Consolas" panose="020B0609020204030204" pitchFamily="49" charset="0"/>
-              </a:rPr>
-              <a:t>private</a:t>
-            </a:r>
-            <a:r>
-              <a:rPr lang="en-US" dirty="0">
-                <a:solidFill>
-                  <a:srgbClr val="000000"/>
-                </a:solidFill>
-                <a:latin typeface="Consolas" panose="020B0609020204030204" pitchFamily="49" charset="0"/>
-              </a:rPr>
-              <a:t> </a:t>
-            </a:r>
-            <a:r>
-              <a:rPr lang="en-US" dirty="0">
-                <a:solidFill>
-                  <a:srgbClr val="0000FF"/>
-                </a:solidFill>
-                <a:latin typeface="Consolas" panose="020B0609020204030204" pitchFamily="49" charset="0"/>
-              </a:rPr>
-              <a:t>set</a:t>
-            </a:r>
-            <a:r>
-              <a:rPr lang="en-US" dirty="0">
-                <a:solidFill>
-                  <a:srgbClr val="000000"/>
-                </a:solidFill>
-                <a:latin typeface="Consolas" panose="020B0609020204030204" pitchFamily="49" charset="0"/>
-              </a:rPr>
-              <a:t>; }</a:t>
-            </a:r>
-          </a:p>
-          <a:p>
-            <a:pPr marL="0" indent="0">
-              <a:buNone/>
-            </a:pPr>
-            <a:endParaRPr lang="en-US" dirty="0">
-              <a:solidFill>
-                <a:srgbClr val="000000"/>
-              </a:solidFill>
-              <a:latin typeface="Consolas" panose="020B0609020204030204" pitchFamily="49" charset="0"/>
-            </a:endParaRPr>
-          </a:p>
-          <a:p>
-            <a:pPr marL="0" indent="0">
-              <a:buNone/>
-            </a:pPr>
-            <a:r>
-              <a:rPr lang="en-US" dirty="0">
-                <a:solidFill>
-                  <a:srgbClr val="000000"/>
-                </a:solidFill>
-                <a:latin typeface="Consolas" panose="020B0609020204030204" pitchFamily="49" charset="0"/>
-              </a:rPr>
-              <a:t>        </a:t>
-            </a:r>
-            <a:r>
-              <a:rPr lang="en-US" dirty="0">
-                <a:solidFill>
-                  <a:srgbClr val="0000FF"/>
-                </a:solidFill>
-                <a:latin typeface="Consolas" panose="020B0609020204030204" pitchFamily="49" charset="0"/>
-              </a:rPr>
-              <a:t>public</a:t>
-            </a:r>
-            <a:r>
-              <a:rPr lang="en-US" dirty="0">
-                <a:solidFill>
-                  <a:srgbClr val="000000"/>
-                </a:solidFill>
-                <a:latin typeface="Consolas" panose="020B0609020204030204" pitchFamily="49" charset="0"/>
-              </a:rPr>
-              <a:t> Entity </a:t>
-            </a:r>
-            <a:r>
-              <a:rPr lang="en-US" dirty="0" err="1">
-                <a:solidFill>
-                  <a:srgbClr val="000000"/>
-                </a:solidFill>
-                <a:latin typeface="Consolas" panose="020B0609020204030204" pitchFamily="49" charset="0"/>
-              </a:rPr>
-              <a:t>AddItems</a:t>
-            </a:r>
-            <a:r>
-              <a:rPr lang="en-US" dirty="0">
-                <a:solidFill>
-                  <a:srgbClr val="000000"/>
-                </a:solidFill>
-                <a:latin typeface="Consolas" panose="020B0609020204030204" pitchFamily="49" charset="0"/>
-              </a:rPr>
-              <a:t>(</a:t>
-            </a:r>
-            <a:r>
-              <a:rPr lang="en-US" dirty="0" err="1">
-                <a:solidFill>
-                  <a:srgbClr val="0000FF"/>
-                </a:solidFill>
-                <a:latin typeface="Consolas" panose="020B0609020204030204" pitchFamily="49" charset="0"/>
-              </a:rPr>
-              <a:t>int</a:t>
-            </a:r>
-            <a:r>
-              <a:rPr lang="en-US" dirty="0">
-                <a:solidFill>
-                  <a:srgbClr val="000000"/>
-                </a:solidFill>
-                <a:latin typeface="Consolas" panose="020B0609020204030204" pitchFamily="49" charset="0"/>
-              </a:rPr>
-              <a:t> item)</a:t>
-            </a:r>
-          </a:p>
-          <a:p>
-            <a:pPr marL="0" indent="0">
-              <a:buNone/>
-            </a:pPr>
-            <a:r>
-              <a:rPr lang="en-US" dirty="0">
-                <a:solidFill>
-                  <a:srgbClr val="000000"/>
-                </a:solidFill>
-                <a:latin typeface="Consolas" panose="020B0609020204030204" pitchFamily="49" charset="0"/>
-              </a:rPr>
-              <a:t>        {</a:t>
-            </a:r>
-          </a:p>
-          <a:p>
-            <a:pPr marL="0" indent="0">
-              <a:buNone/>
-            </a:pPr>
-            <a:r>
-              <a:rPr lang="en-US" dirty="0">
-                <a:solidFill>
-                  <a:srgbClr val="000000"/>
-                </a:solidFill>
-                <a:latin typeface="Consolas" panose="020B0609020204030204" pitchFamily="49" charset="0"/>
-              </a:rPr>
-              <a:t>            </a:t>
-            </a:r>
-            <a:r>
-              <a:rPr lang="en-US" dirty="0">
-                <a:solidFill>
-                  <a:srgbClr val="0000FF"/>
-                </a:solidFill>
-                <a:latin typeface="Consolas" panose="020B0609020204030204" pitchFamily="49" charset="0"/>
-              </a:rPr>
-              <a:t>return</a:t>
-            </a:r>
-            <a:r>
-              <a:rPr lang="en-US" dirty="0">
-                <a:solidFill>
-                  <a:srgbClr val="000000"/>
-                </a:solidFill>
-                <a:latin typeface="Consolas" panose="020B0609020204030204" pitchFamily="49" charset="0"/>
-              </a:rPr>
-              <a:t> </a:t>
-            </a:r>
-            <a:r>
-              <a:rPr lang="en-US" dirty="0">
-                <a:solidFill>
-                  <a:srgbClr val="0000FF"/>
-                </a:solidFill>
-                <a:latin typeface="Consolas" panose="020B0609020204030204" pitchFamily="49" charset="0"/>
-              </a:rPr>
-              <a:t>new</a:t>
-            </a:r>
-            <a:r>
-              <a:rPr lang="en-US" dirty="0">
-                <a:solidFill>
-                  <a:srgbClr val="000000"/>
-                </a:solidFill>
-                <a:latin typeface="Consolas" panose="020B0609020204030204" pitchFamily="49" charset="0"/>
-              </a:rPr>
-              <a:t> Entity</a:t>
-            </a:r>
-          </a:p>
-          <a:p>
-            <a:pPr marL="0" indent="0">
-              <a:buNone/>
-            </a:pPr>
-            <a:r>
-              <a:rPr lang="en-US" dirty="0">
-                <a:solidFill>
-                  <a:srgbClr val="000000"/>
-                </a:solidFill>
-                <a:latin typeface="Consolas" panose="020B0609020204030204" pitchFamily="49" charset="0"/>
-              </a:rPr>
-              <a:t>            {</a:t>
-            </a:r>
-          </a:p>
-          <a:p>
-            <a:pPr marL="0" indent="0">
-              <a:buNone/>
-            </a:pPr>
-            <a:r>
-              <a:rPr lang="en-US" dirty="0">
-                <a:solidFill>
-                  <a:srgbClr val="000000"/>
-                </a:solidFill>
-                <a:latin typeface="Consolas" panose="020B0609020204030204" pitchFamily="49" charset="0"/>
-              </a:rPr>
-              <a:t>                Items = </a:t>
-            </a:r>
-            <a:r>
-              <a:rPr lang="en-US" dirty="0" err="1">
-                <a:solidFill>
-                  <a:srgbClr val="000000"/>
-                </a:solidFill>
-                <a:latin typeface="Consolas" panose="020B0609020204030204" pitchFamily="49" charset="0"/>
-              </a:rPr>
-              <a:t>Items.Append</a:t>
-            </a:r>
-            <a:r>
-              <a:rPr lang="en-US" dirty="0">
-                <a:solidFill>
-                  <a:srgbClr val="000000"/>
-                </a:solidFill>
-                <a:latin typeface="Consolas" panose="020B0609020204030204" pitchFamily="49" charset="0"/>
-              </a:rPr>
-              <a:t>(item).</a:t>
-            </a:r>
-            <a:r>
-              <a:rPr lang="en-US" dirty="0" err="1">
-                <a:solidFill>
-                  <a:srgbClr val="000000"/>
-                </a:solidFill>
-                <a:latin typeface="Consolas" panose="020B0609020204030204" pitchFamily="49" charset="0"/>
-              </a:rPr>
-              <a:t>ToList</a:t>
-            </a:r>
-            <a:r>
-              <a:rPr lang="en-US" dirty="0">
-                <a:solidFill>
-                  <a:srgbClr val="000000"/>
-                </a:solidFill>
-                <a:latin typeface="Consolas" panose="020B0609020204030204" pitchFamily="49" charset="0"/>
-              </a:rPr>
-              <a:t>()</a:t>
-            </a:r>
-          </a:p>
-          <a:p>
-            <a:pPr marL="0" indent="0">
-              <a:buNone/>
-            </a:pPr>
-            <a:r>
-              <a:rPr lang="en-US" dirty="0">
-                <a:solidFill>
-                  <a:srgbClr val="000000"/>
-                </a:solidFill>
-                <a:latin typeface="Consolas" panose="020B0609020204030204" pitchFamily="49" charset="0"/>
-              </a:rPr>
-              <a:t>            };</a:t>
-            </a:r>
-          </a:p>
-          <a:p>
-            <a:pPr marL="0" indent="0">
-              <a:buNone/>
-            </a:pPr>
-            <a:r>
-              <a:rPr lang="en-US" dirty="0">
-                <a:solidFill>
-                  <a:srgbClr val="000000"/>
-                </a:solidFill>
-                <a:latin typeface="Consolas" panose="020B0609020204030204" pitchFamily="49" charset="0"/>
-              </a:rPr>
-              <a:t>        }</a:t>
-            </a:r>
-          </a:p>
-          <a:p>
-            <a:pPr marL="0" indent="0">
-              <a:buNone/>
-            </a:pPr>
-            <a:r>
-              <a:rPr lang="en-US" dirty="0">
-                <a:solidFill>
-                  <a:srgbClr val="000000"/>
-                </a:solidFill>
-                <a:latin typeface="Consolas" panose="020B0609020204030204" pitchFamily="49" charset="0"/>
-              </a:rPr>
-              <a:t>    }</a:t>
-            </a:r>
-            <a:endParaRPr lang="en-US" dirty="0"/>
+            <a:r>
+              <a:rPr lang="en-US" dirty="0"/>
+              <a:t>Instead of comparing immutable collections with a mutable collection we should consider it as an alternative to using mutable collections in an immutable way.</a:t>
+            </a:r>
           </a:p>
         </p:txBody>
       </p:sp>
     </p:spTree>
     <p:extLst>
       <p:ext uri="{BB962C8B-B14F-4D97-AF65-F5344CB8AC3E}">
-        <p14:creationId xmlns:p14="http://schemas.microsoft.com/office/powerpoint/2010/main" val="3012795528"/>
+        <p14:creationId xmlns:p14="http://schemas.microsoft.com/office/powerpoint/2010/main" val="1898269488"/>
       </p:ext>
     </p:extLst>
   </p:cSld>
@@ -18771,6 +18819,13 @@
   <p:clrMapOvr>
     <a:masterClrMapping/>
   </p:clrMapOvr>
+  <p:timing>
+    <p:tnLst>
+      <p:par>
+        <p:cTn id="1" dur="indefinite" restart="never" nodeType="tmRoot"/>
+      </p:par>
+    </p:tnLst>
+  </p:timing>
 </p:sld>
 </file>
 
@@ -18793,13 +18848,7 @@
       </p:grpSpPr>
       <p:sp>
         <p:nvSpPr>
-          <p:cNvPr id="2" name="Title 1">
-            <a:extLst>
-              <a:ext uri="{FF2B5EF4-FFF2-40B4-BE49-F238E27FC236}">
-                <a16:creationId xmlns:a16="http://schemas.microsoft.com/office/drawing/2014/main" id="{74275C1A-13AB-4F4F-B611-EA21AC415E3C}"/>
-              </a:ext>
-            </a:extLst>
-          </p:cNvPr>
+          <p:cNvPr id="2" name="Title 1"/>
           <p:cNvSpPr>
             <a:spLocks noGrp="1"/>
           </p:cNvSpPr>
@@ -18813,55 +18862,539 @@
           <a:lstStyle/>
           <a:p>
             <a:r>
-              <a:rPr lang="en-US" dirty="0"/>
-              <a:t>Benchmark</a:t>
-            </a:r>
+              <a:rPr lang="en-US" dirty="0" smtClean="0"/>
+              <a:t>Benchmark: Append</a:t>
+            </a:r>
+            <a:endParaRPr lang="ru-RU" dirty="0"/>
           </a:p>
         </p:txBody>
       </p:sp>
       <p:sp>
         <p:nvSpPr>
-          <p:cNvPr id="3" name="Content Placeholder 2">
-            <a:extLst>
-              <a:ext uri="{FF2B5EF4-FFF2-40B4-BE49-F238E27FC236}">
-                <a16:creationId xmlns:a16="http://schemas.microsoft.com/office/drawing/2014/main" id="{B674FD87-215E-4F8B-BF34-8E8599AB0CBE}"/>
-              </a:ext>
-            </a:extLst>
-          </p:cNvPr>
+          <p:cNvPr id="4" name="Text Placeholder 3"/>
           <p:cNvSpPr>
             <a:spLocks noGrp="1"/>
           </p:cNvSpPr>
           <p:nvPr>
-            <p:ph idx="1"/>
+            <p:ph type="body" idx="1"/>
           </p:nvPr>
         </p:nvSpPr>
-        <p:spPr/>
+        <p:spPr>
+          <a:xfrm>
+            <a:off x="839788" y="1681163"/>
+            <a:ext cx="4528917" cy="823912"/>
+          </a:xfrm>
+        </p:spPr>
         <p:txBody>
           <a:bodyPr/>
           <a:lstStyle/>
           <a:p>
             <a:r>
-              <a:rPr lang="en-US" dirty="0"/>
-              <a:t>TODO: add R </a:t>
-            </a:r>
-            <a:r>
-              <a:rPr lang="en-US" dirty="0" err="1"/>
-              <a:t>diagramms</a:t>
-            </a:r>
-            <a:endParaRPr lang="en-US" dirty="0"/>
+              <a:rPr lang="en-US" dirty="0" smtClean="0"/>
+              <a:t>Mean: </a:t>
+            </a:r>
+            <a:r>
+              <a:rPr lang="en-US" b="0" dirty="0"/>
+              <a:t>1,193.7 ns</a:t>
+            </a:r>
+            <a:endParaRPr lang="ru-RU" dirty="0"/>
+          </a:p>
+        </p:txBody>
+      </p:sp>
+      <p:sp>
+        <p:nvSpPr>
+          <p:cNvPr id="5" name="Content Placeholder 4"/>
+          <p:cNvSpPr>
+            <a:spLocks noGrp="1"/>
+          </p:cNvSpPr>
+          <p:nvPr>
+            <p:ph sz="half" idx="2"/>
+          </p:nvPr>
+        </p:nvSpPr>
+        <p:spPr>
+          <a:xfrm>
+            <a:off x="839788" y="2505075"/>
+            <a:ext cx="4528917" cy="3684588"/>
+          </a:xfrm>
+        </p:spPr>
+        <p:txBody>
+          <a:bodyPr>
+            <a:normAutofit/>
+          </a:bodyPr>
+          <a:lstStyle/>
+          <a:p>
+            <a:pPr marL="0" indent="0">
+              <a:buNone/>
+            </a:pPr>
+            <a:r>
+              <a:rPr lang="en-US" sz="2000" dirty="0" smtClean="0">
+                <a:solidFill>
+                  <a:srgbClr val="000000"/>
+                </a:solidFill>
+                <a:latin typeface="Consolas" panose="020B0609020204030204" pitchFamily="49" charset="0"/>
+              </a:rPr>
+              <a:t>[</a:t>
+            </a:r>
+            <a:r>
+              <a:rPr lang="en-US" sz="2000" dirty="0">
+                <a:solidFill>
+                  <a:srgbClr val="000000"/>
+                </a:solidFill>
+                <a:latin typeface="Consolas" panose="020B0609020204030204" pitchFamily="49" charset="0"/>
+              </a:rPr>
+              <a:t>Benchmark</a:t>
+            </a:r>
+            <a:r>
+              <a:rPr lang="en-US" sz="2000" dirty="0" smtClean="0">
+                <a:solidFill>
+                  <a:srgbClr val="000000"/>
+                </a:solidFill>
+                <a:latin typeface="Consolas" panose="020B0609020204030204" pitchFamily="49" charset="0"/>
+              </a:rPr>
+              <a:t>]</a:t>
+            </a:r>
+            <a:endParaRPr lang="en-US" sz="2000" dirty="0">
+              <a:solidFill>
+                <a:srgbClr val="000000"/>
+              </a:solidFill>
+              <a:latin typeface="Consolas" panose="020B0609020204030204" pitchFamily="49" charset="0"/>
+            </a:endParaRPr>
+          </a:p>
+          <a:p>
+            <a:pPr marL="0" indent="0">
+              <a:buNone/>
+            </a:pPr>
+            <a:r>
+              <a:rPr lang="en-US" sz="2000" dirty="0" smtClean="0">
+                <a:solidFill>
+                  <a:srgbClr val="0000FF"/>
+                </a:solidFill>
+                <a:latin typeface="Consolas" panose="020B0609020204030204" pitchFamily="49" charset="0"/>
+              </a:rPr>
+              <a:t>object</a:t>
+            </a:r>
+            <a:r>
+              <a:rPr lang="en-US" sz="2000" dirty="0" smtClean="0">
+                <a:solidFill>
+                  <a:srgbClr val="000000"/>
+                </a:solidFill>
+                <a:latin typeface="Consolas" panose="020B0609020204030204" pitchFamily="49" charset="0"/>
+              </a:rPr>
+              <a:t> </a:t>
+            </a:r>
+            <a:r>
+              <a:rPr lang="en-US" sz="2000" dirty="0" err="1">
+                <a:solidFill>
+                  <a:srgbClr val="000000"/>
+                </a:solidFill>
+                <a:latin typeface="Consolas" panose="020B0609020204030204" pitchFamily="49" charset="0"/>
+              </a:rPr>
+              <a:t>List_Add</a:t>
+            </a:r>
+            <a:r>
+              <a:rPr lang="en-US" sz="2000" dirty="0">
+                <a:solidFill>
+                  <a:srgbClr val="000000"/>
+                </a:solidFill>
+                <a:latin typeface="Consolas" panose="020B0609020204030204" pitchFamily="49" charset="0"/>
+              </a:rPr>
+              <a:t>()</a:t>
+            </a:r>
+          </a:p>
+          <a:p>
+            <a:pPr marL="0" indent="0">
+              <a:buNone/>
+            </a:pPr>
+            <a:r>
+              <a:rPr lang="ru-RU" sz="2000" dirty="0" smtClean="0">
+                <a:solidFill>
+                  <a:srgbClr val="000000"/>
+                </a:solidFill>
+                <a:latin typeface="Consolas" panose="020B0609020204030204" pitchFamily="49" charset="0"/>
+              </a:rPr>
+              <a:t>{</a:t>
+            </a:r>
+            <a:endParaRPr lang="ru-RU" sz="2000" dirty="0">
+              <a:solidFill>
+                <a:srgbClr val="000000"/>
+              </a:solidFill>
+              <a:latin typeface="Consolas" panose="020B0609020204030204" pitchFamily="49" charset="0"/>
+            </a:endParaRPr>
+          </a:p>
+          <a:p>
+            <a:pPr marL="0" indent="0">
+              <a:buNone/>
+            </a:pPr>
+            <a:r>
+              <a:rPr lang="en-US" sz="2000" dirty="0" smtClean="0">
+                <a:solidFill>
+                  <a:srgbClr val="0000FF"/>
+                </a:solidFill>
+                <a:latin typeface="Consolas" panose="020B0609020204030204" pitchFamily="49" charset="0"/>
+              </a:rPr>
+              <a:t>    return</a:t>
+            </a:r>
+            <a:r>
+              <a:rPr lang="en-US" sz="2000" dirty="0" smtClean="0">
+                <a:solidFill>
+                  <a:srgbClr val="000000"/>
+                </a:solidFill>
+                <a:latin typeface="Consolas" panose="020B0609020204030204" pitchFamily="49" charset="0"/>
+              </a:rPr>
+              <a:t> </a:t>
+            </a:r>
+            <a:r>
+              <a:rPr lang="en-US" sz="2000" dirty="0" err="1" smtClean="0">
+                <a:solidFill>
+                  <a:srgbClr val="000000"/>
+                </a:solidFill>
+                <a:latin typeface="Consolas" panose="020B0609020204030204" pitchFamily="49" charset="0"/>
+              </a:rPr>
+              <a:t>BigList</a:t>
+            </a:r>
+            <a:endParaRPr lang="en-US" sz="2000" dirty="0" smtClean="0">
+              <a:solidFill>
+                <a:srgbClr val="000000"/>
+              </a:solidFill>
+              <a:latin typeface="Consolas" panose="020B0609020204030204" pitchFamily="49" charset="0"/>
+            </a:endParaRPr>
+          </a:p>
+          <a:p>
+            <a:pPr marL="0" indent="0">
+              <a:buNone/>
+            </a:pPr>
+            <a:r>
+              <a:rPr lang="en-US" sz="2000" dirty="0" smtClean="0">
+                <a:solidFill>
+                  <a:srgbClr val="000000"/>
+                </a:solidFill>
+                <a:latin typeface="Consolas" panose="020B0609020204030204" pitchFamily="49" charset="0"/>
+              </a:rPr>
+              <a:t>        .</a:t>
+            </a:r>
+            <a:r>
+              <a:rPr lang="en-US" sz="2000" dirty="0">
+                <a:solidFill>
+                  <a:srgbClr val="000000"/>
+                </a:solidFill>
+                <a:latin typeface="Consolas" panose="020B0609020204030204" pitchFamily="49" charset="0"/>
+              </a:rPr>
+              <a:t>Append(42)</a:t>
+            </a:r>
+          </a:p>
+          <a:p>
+            <a:pPr marL="0" indent="0">
+              <a:buNone/>
+            </a:pPr>
+            <a:r>
+              <a:rPr lang="en-US" sz="2000" dirty="0" smtClean="0">
+                <a:solidFill>
+                  <a:srgbClr val="000000"/>
+                </a:solidFill>
+                <a:latin typeface="Consolas" panose="020B0609020204030204" pitchFamily="49" charset="0"/>
+              </a:rPr>
+              <a:t>        .</a:t>
+            </a:r>
+            <a:r>
+              <a:rPr lang="en-US" sz="2000" dirty="0" err="1">
+                <a:solidFill>
+                  <a:srgbClr val="000000"/>
+                </a:solidFill>
+                <a:latin typeface="Consolas" panose="020B0609020204030204" pitchFamily="49" charset="0"/>
+              </a:rPr>
+              <a:t>ToList</a:t>
+            </a:r>
+            <a:r>
+              <a:rPr lang="en-US" sz="2000" dirty="0">
+                <a:solidFill>
+                  <a:srgbClr val="000000"/>
+                </a:solidFill>
+                <a:latin typeface="Consolas" panose="020B0609020204030204" pitchFamily="49" charset="0"/>
+              </a:rPr>
+              <a:t>()</a:t>
+            </a:r>
+          </a:p>
+          <a:p>
+            <a:pPr marL="0" indent="0">
+              <a:buNone/>
+            </a:pPr>
+            <a:r>
+              <a:rPr lang="en-US" sz="2000" dirty="0" smtClean="0">
+                <a:solidFill>
+                  <a:srgbClr val="000000"/>
+                </a:solidFill>
+                <a:latin typeface="Consolas" panose="020B0609020204030204" pitchFamily="49" charset="0"/>
+              </a:rPr>
+              <a:t>        .</a:t>
+            </a:r>
+            <a:r>
+              <a:rPr lang="en-US" sz="2000" dirty="0" err="1">
+                <a:solidFill>
+                  <a:srgbClr val="000000"/>
+                </a:solidFill>
+                <a:latin typeface="Consolas" panose="020B0609020204030204" pitchFamily="49" charset="0"/>
+              </a:rPr>
+              <a:t>AsReadOnly</a:t>
+            </a:r>
+            <a:r>
+              <a:rPr lang="en-US" sz="2000" dirty="0">
+                <a:solidFill>
+                  <a:srgbClr val="000000"/>
+                </a:solidFill>
+                <a:latin typeface="Consolas" panose="020B0609020204030204" pitchFamily="49" charset="0"/>
+              </a:rPr>
+              <a:t>();</a:t>
+            </a:r>
+          </a:p>
+          <a:p>
+            <a:pPr marL="0" indent="0">
+              <a:buNone/>
+            </a:pPr>
+            <a:r>
+              <a:rPr lang="ru-RU" sz="2000" dirty="0" smtClean="0">
+                <a:solidFill>
+                  <a:srgbClr val="000000"/>
+                </a:solidFill>
+                <a:latin typeface="Consolas" panose="020B0609020204030204" pitchFamily="49" charset="0"/>
+              </a:rPr>
+              <a:t>}</a:t>
+            </a:r>
+            <a:endParaRPr lang="ru-RU" sz="2000" dirty="0"/>
+          </a:p>
+        </p:txBody>
+      </p:sp>
+      <p:sp>
+        <p:nvSpPr>
+          <p:cNvPr id="6" name="Text Placeholder 5"/>
+          <p:cNvSpPr>
+            <a:spLocks noGrp="1"/>
+          </p:cNvSpPr>
+          <p:nvPr>
+            <p:ph type="body" sz="quarter" idx="3"/>
+          </p:nvPr>
+        </p:nvSpPr>
+        <p:spPr>
+          <a:xfrm>
+            <a:off x="5368705" y="1681163"/>
+            <a:ext cx="5986683" cy="823912"/>
+          </a:xfrm>
+        </p:spPr>
+        <p:txBody>
+          <a:bodyPr/>
+          <a:lstStyle/>
+          <a:p>
+            <a:r>
+              <a:rPr lang="en-US" dirty="0" smtClean="0"/>
+              <a:t>Mean: </a:t>
+            </a:r>
+            <a:r>
+              <a:rPr lang="en-US" b="0" dirty="0"/>
+              <a:t>365.9 ns</a:t>
+            </a:r>
+            <a:endParaRPr lang="ru-RU" dirty="0"/>
+          </a:p>
+        </p:txBody>
+      </p:sp>
+      <p:sp>
+        <p:nvSpPr>
+          <p:cNvPr id="7" name="Content Placeholder 6"/>
+          <p:cNvSpPr>
+            <a:spLocks noGrp="1"/>
+          </p:cNvSpPr>
+          <p:nvPr>
+            <p:ph sz="quarter" idx="4"/>
+          </p:nvPr>
+        </p:nvSpPr>
+        <p:spPr>
+          <a:xfrm>
+            <a:off x="5368705" y="2505075"/>
+            <a:ext cx="5986683" cy="3684588"/>
+          </a:xfrm>
+        </p:spPr>
+        <p:txBody>
+          <a:bodyPr>
+            <a:normAutofit/>
+          </a:bodyPr>
+          <a:lstStyle/>
+          <a:p>
+            <a:pPr marL="0" indent="0">
+              <a:buNone/>
+            </a:pPr>
+            <a:r>
+              <a:rPr lang="en-US" sz="2000" dirty="0" smtClean="0">
+                <a:solidFill>
+                  <a:srgbClr val="000000"/>
+                </a:solidFill>
+                <a:latin typeface="Consolas" panose="020B0609020204030204" pitchFamily="49" charset="0"/>
+              </a:rPr>
+              <a:t>[</a:t>
+            </a:r>
+            <a:r>
+              <a:rPr lang="en-US" sz="2000" dirty="0">
+                <a:solidFill>
+                  <a:srgbClr val="000000"/>
+                </a:solidFill>
+                <a:latin typeface="Consolas" panose="020B0609020204030204" pitchFamily="49" charset="0"/>
+              </a:rPr>
+              <a:t>Benchmark]</a:t>
+            </a:r>
+          </a:p>
+          <a:p>
+            <a:pPr marL="0" indent="0">
+              <a:buNone/>
+            </a:pPr>
+            <a:r>
+              <a:rPr lang="en-US" sz="2000" dirty="0" smtClean="0">
+                <a:solidFill>
+                  <a:srgbClr val="0000FF"/>
+                </a:solidFill>
+                <a:latin typeface="Consolas" panose="020B0609020204030204" pitchFamily="49" charset="0"/>
+              </a:rPr>
+              <a:t>object</a:t>
+            </a:r>
+            <a:r>
+              <a:rPr lang="en-US" sz="2000" dirty="0" smtClean="0">
+                <a:solidFill>
+                  <a:srgbClr val="000000"/>
+                </a:solidFill>
+                <a:latin typeface="Consolas" panose="020B0609020204030204" pitchFamily="49" charset="0"/>
+              </a:rPr>
+              <a:t> </a:t>
+            </a:r>
+            <a:r>
+              <a:rPr lang="en-US" sz="2000" dirty="0" err="1" smtClean="0">
+                <a:solidFill>
+                  <a:srgbClr val="000000"/>
+                </a:solidFill>
+                <a:latin typeface="Consolas" panose="020B0609020204030204" pitchFamily="49" charset="0"/>
+              </a:rPr>
+              <a:t>ImmutableList_Add</a:t>
+            </a:r>
+            <a:r>
+              <a:rPr lang="en-US" sz="2000" dirty="0">
+                <a:solidFill>
+                  <a:srgbClr val="000000"/>
+                </a:solidFill>
+                <a:latin typeface="Consolas" panose="020B0609020204030204" pitchFamily="49" charset="0"/>
+              </a:rPr>
+              <a:t>()</a:t>
+            </a:r>
+          </a:p>
+          <a:p>
+            <a:pPr marL="0" indent="0">
+              <a:buNone/>
+            </a:pPr>
+            <a:r>
+              <a:rPr lang="ru-RU" sz="2000" dirty="0" smtClean="0">
+                <a:solidFill>
+                  <a:srgbClr val="000000"/>
+                </a:solidFill>
+                <a:latin typeface="Consolas" panose="020B0609020204030204" pitchFamily="49" charset="0"/>
+              </a:rPr>
+              <a:t>{</a:t>
+            </a:r>
+            <a:endParaRPr lang="ru-RU" sz="2000" dirty="0">
+              <a:solidFill>
+                <a:srgbClr val="000000"/>
+              </a:solidFill>
+              <a:latin typeface="Consolas" panose="020B0609020204030204" pitchFamily="49" charset="0"/>
+            </a:endParaRPr>
+          </a:p>
+          <a:p>
+            <a:pPr marL="0" indent="0">
+              <a:buNone/>
+            </a:pPr>
+            <a:r>
+              <a:rPr lang="en-US" sz="2000" dirty="0" smtClean="0">
+                <a:solidFill>
+                  <a:srgbClr val="0000FF"/>
+                </a:solidFill>
+                <a:latin typeface="Consolas" panose="020B0609020204030204" pitchFamily="49" charset="0"/>
+              </a:rPr>
+              <a:t>    return</a:t>
+            </a:r>
+            <a:r>
+              <a:rPr lang="en-US" sz="2000" dirty="0" smtClean="0">
+                <a:solidFill>
+                  <a:srgbClr val="000000"/>
+                </a:solidFill>
+                <a:latin typeface="Consolas" panose="020B0609020204030204" pitchFamily="49" charset="0"/>
+              </a:rPr>
+              <a:t> </a:t>
+            </a:r>
+            <a:r>
+              <a:rPr lang="en-US" sz="2000" dirty="0" err="1">
+                <a:solidFill>
+                  <a:srgbClr val="000000"/>
+                </a:solidFill>
+                <a:latin typeface="Consolas" panose="020B0609020204030204" pitchFamily="49" charset="0"/>
+              </a:rPr>
+              <a:t>BigImmutableList</a:t>
+            </a:r>
+            <a:endParaRPr lang="en-US" sz="2000" dirty="0">
+              <a:solidFill>
+                <a:srgbClr val="000000"/>
+              </a:solidFill>
+              <a:latin typeface="Consolas" panose="020B0609020204030204" pitchFamily="49" charset="0"/>
+            </a:endParaRPr>
+          </a:p>
+          <a:p>
+            <a:pPr marL="0" indent="0">
+              <a:buNone/>
+            </a:pPr>
+            <a:r>
+              <a:rPr lang="en-US" sz="2000" dirty="0" smtClean="0">
+                <a:solidFill>
+                  <a:srgbClr val="000000"/>
+                </a:solidFill>
+                <a:latin typeface="Consolas" panose="020B0609020204030204" pitchFamily="49" charset="0"/>
+              </a:rPr>
+              <a:t>        .</a:t>
+            </a:r>
+            <a:r>
+              <a:rPr lang="en-US" sz="2000" dirty="0">
+                <a:solidFill>
+                  <a:srgbClr val="000000"/>
+                </a:solidFill>
+                <a:latin typeface="Consolas" panose="020B0609020204030204" pitchFamily="49" charset="0"/>
+              </a:rPr>
+              <a:t>Add(42);</a:t>
+            </a:r>
+          </a:p>
+          <a:p>
+            <a:pPr marL="0" indent="0">
+              <a:buNone/>
+            </a:pPr>
+            <a:r>
+              <a:rPr lang="ru-RU" sz="2000" dirty="0" smtClean="0">
+                <a:solidFill>
+                  <a:srgbClr val="000000"/>
+                </a:solidFill>
+                <a:latin typeface="Consolas" panose="020B0609020204030204" pitchFamily="49" charset="0"/>
+              </a:rPr>
+              <a:t>}</a:t>
+            </a:r>
+            <a:endParaRPr lang="ru-RU" sz="2000" dirty="0"/>
           </a:p>
         </p:txBody>
       </p:sp>
     </p:spTree>
     <p:extLst>
       <p:ext uri="{BB962C8B-B14F-4D97-AF65-F5344CB8AC3E}">
-        <p14:creationId xmlns:p14="http://schemas.microsoft.com/office/powerpoint/2010/main" val="3459756950"/>
+        <p14:creationId xmlns:p14="http://schemas.microsoft.com/office/powerpoint/2010/main" val="668232325"/>
       </p:ext>
     </p:extLst>
   </p:cSld>
   <p:clrMapOvr>
     <a:masterClrMapping/>
   </p:clrMapOvr>
+  <p:timing>
+    <p:tnLst>
+      <p:par>
+        <p:cTn id="1" dur="indefinite" restart="never" nodeType="tmRoot"/>
+      </p:par>
+    </p:tnLst>
+  </p:timing>
 </p:sld>
 </file>
 
@@ -19017,10 +19550,2511 @@
       </p:grpSpPr>
       <p:sp>
         <p:nvSpPr>
+          <p:cNvPr id="2" name="Title 1"/>
+          <p:cNvSpPr>
+            <a:spLocks noGrp="1"/>
+          </p:cNvSpPr>
+          <p:nvPr>
+            <p:ph type="title"/>
+          </p:nvPr>
+        </p:nvSpPr>
+        <p:spPr/>
+        <p:txBody>
+          <a:bodyPr/>
+          <a:lstStyle/>
+          <a:p>
+            <a:r>
+              <a:rPr lang="en-US" dirty="0" smtClean="0"/>
+              <a:t>Benchmark: Select</a:t>
+            </a:r>
+            <a:endParaRPr lang="ru-RU" dirty="0"/>
+          </a:p>
+        </p:txBody>
+      </p:sp>
+      <p:sp>
+        <p:nvSpPr>
+          <p:cNvPr id="3" name="Text Placeholder 2"/>
+          <p:cNvSpPr>
+            <a:spLocks noGrp="1"/>
+          </p:cNvSpPr>
+          <p:nvPr>
+            <p:ph type="body" idx="1"/>
+          </p:nvPr>
+        </p:nvSpPr>
+        <p:spPr/>
+        <p:txBody>
+          <a:bodyPr/>
+          <a:lstStyle/>
+          <a:p>
+            <a:r>
+              <a:rPr lang="en-US" dirty="0" smtClean="0"/>
+              <a:t>Mean: </a:t>
+            </a:r>
+            <a:r>
+              <a:rPr lang="en-US" b="0" dirty="0"/>
+              <a:t>133,267.5 ns</a:t>
+            </a:r>
+            <a:r>
+              <a:rPr lang="en-US" dirty="0" smtClean="0"/>
+              <a:t> </a:t>
+            </a:r>
+            <a:endParaRPr lang="ru-RU" dirty="0"/>
+          </a:p>
+        </p:txBody>
+      </p:sp>
+      <p:sp>
+        <p:nvSpPr>
+          <p:cNvPr id="4" name="Content Placeholder 3"/>
+          <p:cNvSpPr>
+            <a:spLocks noGrp="1"/>
+          </p:cNvSpPr>
+          <p:nvPr>
+            <p:ph sz="half" idx="2"/>
+          </p:nvPr>
+        </p:nvSpPr>
+        <p:spPr/>
+        <p:txBody>
+          <a:bodyPr>
+            <a:normAutofit/>
+          </a:bodyPr>
+          <a:lstStyle/>
+          <a:p>
+            <a:pPr marL="0" indent="0">
+              <a:buNone/>
+            </a:pPr>
+            <a:r>
+              <a:rPr lang="en-US" sz="2000" dirty="0" smtClean="0">
+                <a:solidFill>
+                  <a:srgbClr val="000000"/>
+                </a:solidFill>
+                <a:latin typeface="Consolas" panose="020B0609020204030204" pitchFamily="49" charset="0"/>
+              </a:rPr>
+              <a:t>[</a:t>
+            </a:r>
+            <a:r>
+              <a:rPr lang="en-US" sz="2000" dirty="0">
+                <a:solidFill>
+                  <a:srgbClr val="000000"/>
+                </a:solidFill>
+                <a:latin typeface="Consolas" panose="020B0609020204030204" pitchFamily="49" charset="0"/>
+              </a:rPr>
+              <a:t>Benchmark]</a:t>
+            </a:r>
+          </a:p>
+          <a:p>
+            <a:pPr marL="0" indent="0">
+              <a:buNone/>
+            </a:pPr>
+            <a:r>
+              <a:rPr lang="en-US" sz="2000" dirty="0" smtClean="0">
+                <a:solidFill>
+                  <a:srgbClr val="0000FF"/>
+                </a:solidFill>
+                <a:latin typeface="Consolas" panose="020B0609020204030204" pitchFamily="49" charset="0"/>
+              </a:rPr>
+              <a:t>object</a:t>
+            </a:r>
+            <a:r>
+              <a:rPr lang="en-US" sz="2000" dirty="0" smtClean="0">
+                <a:solidFill>
+                  <a:srgbClr val="000000"/>
+                </a:solidFill>
+                <a:latin typeface="Consolas" panose="020B0609020204030204" pitchFamily="49" charset="0"/>
+              </a:rPr>
+              <a:t> </a:t>
+            </a:r>
+            <a:r>
+              <a:rPr lang="en-US" sz="2000" dirty="0" err="1">
+                <a:solidFill>
+                  <a:srgbClr val="000000"/>
+                </a:solidFill>
+                <a:latin typeface="Consolas" panose="020B0609020204030204" pitchFamily="49" charset="0"/>
+              </a:rPr>
+              <a:t>List_Select</a:t>
+            </a:r>
+            <a:r>
+              <a:rPr lang="en-US" sz="2000" dirty="0">
+                <a:solidFill>
+                  <a:srgbClr val="000000"/>
+                </a:solidFill>
+                <a:latin typeface="Consolas" panose="020B0609020204030204" pitchFamily="49" charset="0"/>
+              </a:rPr>
+              <a:t>()</a:t>
+            </a:r>
+          </a:p>
+          <a:p>
+            <a:pPr marL="0" indent="0">
+              <a:buNone/>
+            </a:pPr>
+            <a:r>
+              <a:rPr lang="ru-RU" sz="2000" dirty="0" smtClean="0">
+                <a:solidFill>
+                  <a:srgbClr val="000000"/>
+                </a:solidFill>
+                <a:latin typeface="Consolas" panose="020B0609020204030204" pitchFamily="49" charset="0"/>
+              </a:rPr>
+              <a:t>{</a:t>
+            </a:r>
+            <a:endParaRPr lang="ru-RU" sz="2000" dirty="0">
+              <a:solidFill>
+                <a:srgbClr val="000000"/>
+              </a:solidFill>
+              <a:latin typeface="Consolas" panose="020B0609020204030204" pitchFamily="49" charset="0"/>
+            </a:endParaRPr>
+          </a:p>
+          <a:p>
+            <a:pPr marL="0" indent="0">
+              <a:buNone/>
+            </a:pPr>
+            <a:r>
+              <a:rPr lang="en-US" sz="2000" dirty="0" smtClean="0">
+                <a:solidFill>
+                  <a:srgbClr val="0000FF"/>
+                </a:solidFill>
+                <a:latin typeface="Consolas" panose="020B0609020204030204" pitchFamily="49" charset="0"/>
+              </a:rPr>
+              <a:t>    return</a:t>
+            </a:r>
+            <a:r>
+              <a:rPr lang="en-US" sz="2000" dirty="0" smtClean="0">
+                <a:solidFill>
+                  <a:srgbClr val="000000"/>
+                </a:solidFill>
+                <a:latin typeface="Consolas" panose="020B0609020204030204" pitchFamily="49" charset="0"/>
+              </a:rPr>
+              <a:t> </a:t>
+            </a:r>
+            <a:r>
+              <a:rPr lang="en-US" sz="2000" dirty="0" err="1">
+                <a:solidFill>
+                  <a:srgbClr val="000000"/>
+                </a:solidFill>
+                <a:latin typeface="Consolas" panose="020B0609020204030204" pitchFamily="49" charset="0"/>
+              </a:rPr>
+              <a:t>BigList</a:t>
+            </a:r>
+            <a:endParaRPr lang="en-US" sz="2000" dirty="0">
+              <a:solidFill>
+                <a:srgbClr val="000000"/>
+              </a:solidFill>
+              <a:latin typeface="Consolas" panose="020B0609020204030204" pitchFamily="49" charset="0"/>
+            </a:endParaRPr>
+          </a:p>
+          <a:p>
+            <a:pPr marL="0" indent="0">
+              <a:buNone/>
+            </a:pPr>
+            <a:r>
+              <a:rPr lang="en-US" sz="2000" dirty="0" smtClean="0">
+                <a:solidFill>
+                  <a:srgbClr val="000000"/>
+                </a:solidFill>
+                <a:latin typeface="Consolas" panose="020B0609020204030204" pitchFamily="49" charset="0"/>
+              </a:rPr>
+              <a:t>        .</a:t>
+            </a:r>
+            <a:r>
+              <a:rPr lang="en-US" sz="2000" dirty="0">
+                <a:solidFill>
+                  <a:srgbClr val="000000"/>
+                </a:solidFill>
+                <a:latin typeface="Consolas" panose="020B0609020204030204" pitchFamily="49" charset="0"/>
+              </a:rPr>
+              <a:t>Select(</a:t>
+            </a:r>
+            <a:r>
+              <a:rPr lang="en-US" sz="2000" dirty="0" err="1">
+                <a:solidFill>
+                  <a:srgbClr val="000000"/>
+                </a:solidFill>
+                <a:latin typeface="Consolas" panose="020B0609020204030204" pitchFamily="49" charset="0"/>
+              </a:rPr>
+              <a:t>i</a:t>
+            </a:r>
+            <a:r>
+              <a:rPr lang="en-US" sz="2000" dirty="0">
+                <a:solidFill>
+                  <a:srgbClr val="000000"/>
+                </a:solidFill>
+                <a:latin typeface="Consolas" panose="020B0609020204030204" pitchFamily="49" charset="0"/>
+              </a:rPr>
+              <a:t> </a:t>
+            </a:r>
+            <a:r>
+              <a:rPr lang="en-US" sz="2000" dirty="0" smtClean="0">
+                <a:solidFill>
+                  <a:srgbClr val="000000"/>
+                </a:solidFill>
+                <a:latin typeface="Consolas" panose="020B0609020204030204" pitchFamily="49" charset="0"/>
+              </a:rPr>
+              <a:t>=&gt; </a:t>
+            </a:r>
+            <a:r>
+              <a:rPr lang="en-US" sz="2000" dirty="0" err="1">
+                <a:solidFill>
+                  <a:srgbClr val="000000"/>
+                </a:solidFill>
+                <a:latin typeface="Consolas" panose="020B0609020204030204" pitchFamily="49" charset="0"/>
+              </a:rPr>
+              <a:t>i.ToString</a:t>
+            </a:r>
+            <a:r>
+              <a:rPr lang="en-US" sz="2000" dirty="0">
+                <a:solidFill>
+                  <a:srgbClr val="000000"/>
+                </a:solidFill>
+                <a:latin typeface="Consolas" panose="020B0609020204030204" pitchFamily="49" charset="0"/>
+              </a:rPr>
+              <a:t>())</a:t>
+            </a:r>
+          </a:p>
+          <a:p>
+            <a:pPr marL="0" indent="0">
+              <a:buNone/>
+            </a:pPr>
+            <a:r>
+              <a:rPr lang="en-US" sz="2000" dirty="0" smtClean="0">
+                <a:solidFill>
+                  <a:srgbClr val="000000"/>
+                </a:solidFill>
+                <a:latin typeface="Consolas" panose="020B0609020204030204" pitchFamily="49" charset="0"/>
+              </a:rPr>
+              <a:t>        .</a:t>
+            </a:r>
+            <a:r>
+              <a:rPr lang="en-US" sz="2000" dirty="0" err="1">
+                <a:solidFill>
+                  <a:srgbClr val="000000"/>
+                </a:solidFill>
+                <a:latin typeface="Consolas" panose="020B0609020204030204" pitchFamily="49" charset="0"/>
+              </a:rPr>
+              <a:t>ToList</a:t>
+            </a:r>
+            <a:r>
+              <a:rPr lang="en-US" sz="2000" dirty="0">
+                <a:solidFill>
+                  <a:srgbClr val="000000"/>
+                </a:solidFill>
+                <a:latin typeface="Consolas" panose="020B0609020204030204" pitchFamily="49" charset="0"/>
+              </a:rPr>
+              <a:t>();</a:t>
+            </a:r>
+          </a:p>
+          <a:p>
+            <a:pPr marL="0" indent="0">
+              <a:buNone/>
+            </a:pPr>
+            <a:r>
+              <a:rPr lang="ru-RU" sz="2000" dirty="0" smtClean="0">
+                <a:solidFill>
+                  <a:srgbClr val="000000"/>
+                </a:solidFill>
+                <a:latin typeface="Consolas" panose="020B0609020204030204" pitchFamily="49" charset="0"/>
+              </a:rPr>
+              <a:t>}</a:t>
+            </a:r>
+            <a:endParaRPr lang="ru-RU" sz="2000" dirty="0"/>
+          </a:p>
+        </p:txBody>
+      </p:sp>
+      <p:sp>
+        <p:nvSpPr>
+          <p:cNvPr id="5" name="Text Placeholder 4"/>
+          <p:cNvSpPr>
+            <a:spLocks noGrp="1"/>
+          </p:cNvSpPr>
+          <p:nvPr>
+            <p:ph type="body" sz="quarter" idx="3"/>
+          </p:nvPr>
+        </p:nvSpPr>
+        <p:spPr/>
+        <p:txBody>
+          <a:bodyPr/>
+          <a:lstStyle/>
+          <a:p>
+            <a:r>
+              <a:rPr lang="en-US" dirty="0" smtClean="0"/>
+              <a:t>Mean: </a:t>
+            </a:r>
+            <a:r>
+              <a:rPr lang="en-US" b="0" dirty="0"/>
+              <a:t>276,739.8 ns</a:t>
+            </a:r>
+            <a:endParaRPr lang="ru-RU" dirty="0"/>
+          </a:p>
+        </p:txBody>
+      </p:sp>
+      <p:sp>
+        <p:nvSpPr>
+          <p:cNvPr id="6" name="Content Placeholder 5"/>
+          <p:cNvSpPr>
+            <a:spLocks noGrp="1"/>
+          </p:cNvSpPr>
+          <p:nvPr>
+            <p:ph sz="quarter" idx="4"/>
+          </p:nvPr>
+        </p:nvSpPr>
+        <p:spPr/>
+        <p:txBody>
+          <a:bodyPr>
+            <a:normAutofit/>
+          </a:bodyPr>
+          <a:lstStyle/>
+          <a:p>
+            <a:pPr marL="0" indent="0">
+              <a:buNone/>
+            </a:pPr>
+            <a:r>
+              <a:rPr lang="en-US" sz="2000" dirty="0" smtClean="0">
+                <a:solidFill>
+                  <a:srgbClr val="000000"/>
+                </a:solidFill>
+                <a:latin typeface="Consolas" panose="020B0609020204030204" pitchFamily="49" charset="0"/>
+              </a:rPr>
+              <a:t>[</a:t>
+            </a:r>
+            <a:r>
+              <a:rPr lang="en-US" sz="2000" dirty="0">
+                <a:solidFill>
+                  <a:srgbClr val="000000"/>
+                </a:solidFill>
+                <a:latin typeface="Consolas" panose="020B0609020204030204" pitchFamily="49" charset="0"/>
+              </a:rPr>
+              <a:t>Benchmark]</a:t>
+            </a:r>
+          </a:p>
+          <a:p>
+            <a:pPr marL="0" indent="0">
+              <a:buNone/>
+            </a:pPr>
+            <a:r>
+              <a:rPr lang="en-US" sz="2000" dirty="0" smtClean="0">
+                <a:solidFill>
+                  <a:srgbClr val="0000FF"/>
+                </a:solidFill>
+                <a:latin typeface="Consolas" panose="020B0609020204030204" pitchFamily="49" charset="0"/>
+              </a:rPr>
+              <a:t>object</a:t>
+            </a:r>
+            <a:r>
+              <a:rPr lang="en-US" sz="2000" dirty="0" smtClean="0">
+                <a:solidFill>
+                  <a:srgbClr val="000000"/>
+                </a:solidFill>
+                <a:latin typeface="Consolas" panose="020B0609020204030204" pitchFamily="49" charset="0"/>
+              </a:rPr>
+              <a:t> </a:t>
+            </a:r>
+            <a:r>
+              <a:rPr lang="en-US" sz="2000" dirty="0" err="1" smtClean="0">
+                <a:solidFill>
+                  <a:srgbClr val="000000"/>
+                </a:solidFill>
+                <a:latin typeface="Consolas" panose="020B0609020204030204" pitchFamily="49" charset="0"/>
+              </a:rPr>
+              <a:t>ImmutableList_Select</a:t>
+            </a:r>
+            <a:r>
+              <a:rPr lang="en-US" sz="2000" dirty="0">
+                <a:solidFill>
+                  <a:srgbClr val="000000"/>
+                </a:solidFill>
+                <a:latin typeface="Consolas" panose="020B0609020204030204" pitchFamily="49" charset="0"/>
+              </a:rPr>
+              <a:t>()</a:t>
+            </a:r>
+          </a:p>
+          <a:p>
+            <a:pPr marL="0" indent="0">
+              <a:buNone/>
+            </a:pPr>
+            <a:r>
+              <a:rPr lang="ru-RU" sz="2000" dirty="0" smtClean="0">
+                <a:solidFill>
+                  <a:srgbClr val="000000"/>
+                </a:solidFill>
+                <a:latin typeface="Consolas" panose="020B0609020204030204" pitchFamily="49" charset="0"/>
+              </a:rPr>
+              <a:t>{</a:t>
+            </a:r>
+            <a:endParaRPr lang="ru-RU" sz="2000" dirty="0">
+              <a:solidFill>
+                <a:srgbClr val="000000"/>
+              </a:solidFill>
+              <a:latin typeface="Consolas" panose="020B0609020204030204" pitchFamily="49" charset="0"/>
+            </a:endParaRPr>
+          </a:p>
+          <a:p>
+            <a:pPr marL="0" indent="0">
+              <a:buNone/>
+            </a:pPr>
+            <a:r>
+              <a:rPr lang="en-US" sz="2000" dirty="0" smtClean="0">
+                <a:solidFill>
+                  <a:srgbClr val="0000FF"/>
+                </a:solidFill>
+                <a:latin typeface="Consolas" panose="020B0609020204030204" pitchFamily="49" charset="0"/>
+              </a:rPr>
+              <a:t>    return</a:t>
+            </a:r>
+            <a:r>
+              <a:rPr lang="en-US" sz="2000" dirty="0" smtClean="0">
+                <a:solidFill>
+                  <a:srgbClr val="000000"/>
+                </a:solidFill>
+                <a:latin typeface="Consolas" panose="020B0609020204030204" pitchFamily="49" charset="0"/>
+              </a:rPr>
+              <a:t> </a:t>
+            </a:r>
+            <a:r>
+              <a:rPr lang="en-US" sz="2000" dirty="0" err="1">
+                <a:solidFill>
+                  <a:srgbClr val="000000"/>
+                </a:solidFill>
+                <a:latin typeface="Consolas" panose="020B0609020204030204" pitchFamily="49" charset="0"/>
+              </a:rPr>
+              <a:t>BigImmutableList</a:t>
+            </a:r>
+            <a:endParaRPr lang="en-US" sz="2000" dirty="0">
+              <a:solidFill>
+                <a:srgbClr val="000000"/>
+              </a:solidFill>
+              <a:latin typeface="Consolas" panose="020B0609020204030204" pitchFamily="49" charset="0"/>
+            </a:endParaRPr>
+          </a:p>
+          <a:p>
+            <a:pPr marL="0" indent="0">
+              <a:buNone/>
+            </a:pPr>
+            <a:r>
+              <a:rPr lang="en-US" sz="2000" dirty="0" smtClean="0">
+                <a:solidFill>
+                  <a:srgbClr val="000000"/>
+                </a:solidFill>
+                <a:latin typeface="Consolas" panose="020B0609020204030204" pitchFamily="49" charset="0"/>
+              </a:rPr>
+              <a:t>        .</a:t>
+            </a:r>
+            <a:r>
+              <a:rPr lang="en-US" sz="2000" dirty="0">
+                <a:solidFill>
+                  <a:srgbClr val="000000"/>
+                </a:solidFill>
+                <a:latin typeface="Consolas" panose="020B0609020204030204" pitchFamily="49" charset="0"/>
+              </a:rPr>
+              <a:t>Select(</a:t>
+            </a:r>
+            <a:r>
+              <a:rPr lang="en-US" sz="2000" dirty="0" err="1">
+                <a:solidFill>
+                  <a:srgbClr val="000000"/>
+                </a:solidFill>
+                <a:latin typeface="Consolas" panose="020B0609020204030204" pitchFamily="49" charset="0"/>
+              </a:rPr>
+              <a:t>i</a:t>
+            </a:r>
+            <a:r>
+              <a:rPr lang="en-US" sz="2000" dirty="0">
+                <a:solidFill>
+                  <a:srgbClr val="000000"/>
+                </a:solidFill>
+                <a:latin typeface="Consolas" panose="020B0609020204030204" pitchFamily="49" charset="0"/>
+              </a:rPr>
+              <a:t> =&gt; </a:t>
+            </a:r>
+            <a:r>
+              <a:rPr lang="en-US" sz="2000" dirty="0" err="1">
+                <a:solidFill>
+                  <a:srgbClr val="000000"/>
+                </a:solidFill>
+                <a:latin typeface="Consolas" panose="020B0609020204030204" pitchFamily="49" charset="0"/>
+              </a:rPr>
+              <a:t>i.ToString</a:t>
+            </a:r>
+            <a:r>
+              <a:rPr lang="en-US" sz="2000" dirty="0">
+                <a:solidFill>
+                  <a:srgbClr val="000000"/>
+                </a:solidFill>
+                <a:latin typeface="Consolas" panose="020B0609020204030204" pitchFamily="49" charset="0"/>
+              </a:rPr>
+              <a:t>())</a:t>
+            </a:r>
+          </a:p>
+          <a:p>
+            <a:pPr marL="0" indent="0">
+              <a:buNone/>
+            </a:pPr>
+            <a:r>
+              <a:rPr lang="en-US" sz="2000" dirty="0" smtClean="0">
+                <a:solidFill>
+                  <a:srgbClr val="000000"/>
+                </a:solidFill>
+                <a:latin typeface="Consolas" panose="020B0609020204030204" pitchFamily="49" charset="0"/>
+              </a:rPr>
+              <a:t>        .</a:t>
+            </a:r>
+            <a:r>
+              <a:rPr lang="en-US" sz="2000" dirty="0" err="1">
+                <a:solidFill>
+                  <a:srgbClr val="000000"/>
+                </a:solidFill>
+                <a:latin typeface="Consolas" panose="020B0609020204030204" pitchFamily="49" charset="0"/>
+              </a:rPr>
+              <a:t>ToImmutableList</a:t>
+            </a:r>
+            <a:r>
+              <a:rPr lang="en-US" sz="2000" dirty="0">
+                <a:solidFill>
+                  <a:srgbClr val="000000"/>
+                </a:solidFill>
+                <a:latin typeface="Consolas" panose="020B0609020204030204" pitchFamily="49" charset="0"/>
+              </a:rPr>
+              <a:t>();</a:t>
+            </a:r>
+          </a:p>
+          <a:p>
+            <a:pPr marL="0" indent="0">
+              <a:buNone/>
+            </a:pPr>
+            <a:r>
+              <a:rPr lang="ru-RU" sz="2000" dirty="0" smtClean="0">
+                <a:solidFill>
+                  <a:srgbClr val="000000"/>
+                </a:solidFill>
+                <a:latin typeface="Consolas" panose="020B0609020204030204" pitchFamily="49" charset="0"/>
+              </a:rPr>
+              <a:t>}</a:t>
+            </a:r>
+            <a:endParaRPr lang="ru-RU" sz="2000" dirty="0"/>
+          </a:p>
+        </p:txBody>
+      </p:sp>
+    </p:spTree>
+    <p:extLst>
+      <p:ext uri="{BB962C8B-B14F-4D97-AF65-F5344CB8AC3E}">
+        <p14:creationId xmlns:p14="http://schemas.microsoft.com/office/powerpoint/2010/main" val="2198830094"/>
+      </p:ext>
+    </p:extLst>
+  </p:cSld>
+  <p:clrMapOvr>
+    <a:masterClrMapping/>
+  </p:clrMapOvr>
+  <p:timing>
+    <p:tnLst>
+      <p:par>
+        <p:cTn id="1" dur="indefinite" restart="never" nodeType="tmRoot"/>
+      </p:par>
+    </p:tnLst>
+  </p:timing>
+</p:sld>
+</file>
+
+<file path=ppt/slides/slide31.xml><?xml version="1.0" encoding="utf-8"?>
+<p:sld xmlns:a="http://schemas.openxmlformats.org/drawingml/2006/main" xmlns:r="http://schemas.openxmlformats.org/officeDocument/2006/relationships" xmlns:p="http://schemas.openxmlformats.org/presentationml/2006/main">
+  <p:cSld>
+    <p:spTree>
+      <p:nvGrpSpPr>
+        <p:cNvPr id="1" name=""/>
+        <p:cNvGrpSpPr/>
+        <p:nvPr/>
+      </p:nvGrpSpPr>
+      <p:grpSpPr>
+        <a:xfrm>
+          <a:off x="0" y="0"/>
+          <a:ext cx="0" cy="0"/>
+          <a:chOff x="0" y="0"/>
+          <a:chExt cx="0" cy="0"/>
+        </a:xfrm>
+      </p:grpSpPr>
+      <p:sp>
+        <p:nvSpPr>
+          <p:cNvPr id="2" name="Title 1"/>
+          <p:cNvSpPr>
+            <a:spLocks noGrp="1"/>
+          </p:cNvSpPr>
+          <p:nvPr>
+            <p:ph type="title"/>
+          </p:nvPr>
+        </p:nvSpPr>
+        <p:spPr/>
+        <p:txBody>
+          <a:bodyPr/>
+          <a:lstStyle/>
+          <a:p>
+            <a:r>
+              <a:rPr lang="en-US" dirty="0" smtClean="0"/>
+              <a:t>Benchmark: Where</a:t>
+            </a:r>
+            <a:endParaRPr lang="ru-RU" dirty="0"/>
+          </a:p>
+        </p:txBody>
+      </p:sp>
+      <p:sp>
+        <p:nvSpPr>
+          <p:cNvPr id="3" name="Text Placeholder 2"/>
+          <p:cNvSpPr>
+            <a:spLocks noGrp="1"/>
+          </p:cNvSpPr>
+          <p:nvPr>
+            <p:ph type="body" idx="1"/>
+          </p:nvPr>
+        </p:nvSpPr>
+        <p:spPr/>
+        <p:txBody>
+          <a:bodyPr/>
+          <a:lstStyle/>
+          <a:p>
+            <a:r>
+              <a:rPr lang="en-US" dirty="0" smtClean="0"/>
+              <a:t>Mean: </a:t>
+            </a:r>
+            <a:r>
+              <a:rPr lang="en-US" b="0" dirty="0"/>
+              <a:t>3,990.8 ns</a:t>
+            </a:r>
+            <a:r>
+              <a:rPr lang="en-US" dirty="0" smtClean="0"/>
+              <a:t> </a:t>
+            </a:r>
+            <a:endParaRPr lang="ru-RU" dirty="0"/>
+          </a:p>
+        </p:txBody>
+      </p:sp>
+      <p:sp>
+        <p:nvSpPr>
+          <p:cNvPr id="4" name="Content Placeholder 3"/>
+          <p:cNvSpPr>
+            <a:spLocks noGrp="1"/>
+          </p:cNvSpPr>
+          <p:nvPr>
+            <p:ph sz="half" idx="2"/>
+          </p:nvPr>
+        </p:nvSpPr>
+        <p:spPr/>
+        <p:txBody>
+          <a:bodyPr>
+            <a:normAutofit/>
+          </a:bodyPr>
+          <a:lstStyle/>
+          <a:p>
+            <a:pPr marL="0" indent="0">
+              <a:buNone/>
+            </a:pPr>
+            <a:r>
+              <a:rPr lang="en-US" sz="2000" dirty="0" smtClean="0">
+                <a:solidFill>
+                  <a:srgbClr val="000000"/>
+                </a:solidFill>
+                <a:latin typeface="Consolas" panose="020B0609020204030204" pitchFamily="49" charset="0"/>
+              </a:rPr>
+              <a:t>[</a:t>
+            </a:r>
+            <a:r>
+              <a:rPr lang="en-US" sz="2000" dirty="0">
+                <a:solidFill>
+                  <a:srgbClr val="000000"/>
+                </a:solidFill>
+                <a:latin typeface="Consolas" panose="020B0609020204030204" pitchFamily="49" charset="0"/>
+              </a:rPr>
+              <a:t>Benchmark]</a:t>
+            </a:r>
+          </a:p>
+          <a:p>
+            <a:pPr marL="0" indent="0">
+              <a:buNone/>
+            </a:pPr>
+            <a:r>
+              <a:rPr lang="en-US" sz="2000" dirty="0" smtClean="0">
+                <a:solidFill>
+                  <a:srgbClr val="0000FF"/>
+                </a:solidFill>
+                <a:latin typeface="Consolas" panose="020B0609020204030204" pitchFamily="49" charset="0"/>
+              </a:rPr>
+              <a:t>object</a:t>
+            </a:r>
+            <a:r>
+              <a:rPr lang="en-US" sz="2000" dirty="0" smtClean="0">
+                <a:solidFill>
+                  <a:srgbClr val="000000"/>
+                </a:solidFill>
+                <a:latin typeface="Consolas" panose="020B0609020204030204" pitchFamily="49" charset="0"/>
+              </a:rPr>
+              <a:t> </a:t>
+            </a:r>
+            <a:r>
+              <a:rPr lang="en-US" sz="2000" dirty="0" err="1">
+                <a:solidFill>
+                  <a:srgbClr val="000000"/>
+                </a:solidFill>
+                <a:latin typeface="Consolas" panose="020B0609020204030204" pitchFamily="49" charset="0"/>
+              </a:rPr>
+              <a:t>List_Where</a:t>
+            </a:r>
+            <a:r>
+              <a:rPr lang="en-US" sz="2000" dirty="0">
+                <a:solidFill>
+                  <a:srgbClr val="000000"/>
+                </a:solidFill>
+                <a:latin typeface="Consolas" panose="020B0609020204030204" pitchFamily="49" charset="0"/>
+              </a:rPr>
+              <a:t>()</a:t>
+            </a:r>
+          </a:p>
+          <a:p>
+            <a:pPr marL="0" indent="0">
+              <a:buNone/>
+            </a:pPr>
+            <a:r>
+              <a:rPr lang="ru-RU" sz="2000" dirty="0" smtClean="0">
+                <a:solidFill>
+                  <a:srgbClr val="000000"/>
+                </a:solidFill>
+                <a:latin typeface="Consolas" panose="020B0609020204030204" pitchFamily="49" charset="0"/>
+              </a:rPr>
+              <a:t>{</a:t>
+            </a:r>
+            <a:endParaRPr lang="ru-RU" sz="2000" dirty="0">
+              <a:solidFill>
+                <a:srgbClr val="000000"/>
+              </a:solidFill>
+              <a:latin typeface="Consolas" panose="020B0609020204030204" pitchFamily="49" charset="0"/>
+            </a:endParaRPr>
+          </a:p>
+          <a:p>
+            <a:pPr marL="0" indent="0">
+              <a:buNone/>
+            </a:pPr>
+            <a:r>
+              <a:rPr lang="en-US" sz="2000" dirty="0" smtClean="0">
+                <a:solidFill>
+                  <a:srgbClr val="0000FF"/>
+                </a:solidFill>
+                <a:latin typeface="Consolas" panose="020B0609020204030204" pitchFamily="49" charset="0"/>
+              </a:rPr>
+              <a:t>    return</a:t>
+            </a:r>
+            <a:r>
+              <a:rPr lang="en-US" sz="2000" dirty="0" smtClean="0">
+                <a:solidFill>
+                  <a:srgbClr val="000000"/>
+                </a:solidFill>
+                <a:latin typeface="Consolas" panose="020B0609020204030204" pitchFamily="49" charset="0"/>
+              </a:rPr>
+              <a:t> </a:t>
+            </a:r>
+            <a:r>
+              <a:rPr lang="en-US" sz="2000" dirty="0" err="1">
+                <a:solidFill>
+                  <a:srgbClr val="000000"/>
+                </a:solidFill>
+                <a:latin typeface="Consolas" panose="020B0609020204030204" pitchFamily="49" charset="0"/>
+              </a:rPr>
+              <a:t>BigList</a:t>
+            </a:r>
+            <a:endParaRPr lang="en-US" sz="2000" dirty="0">
+              <a:solidFill>
+                <a:srgbClr val="000000"/>
+              </a:solidFill>
+              <a:latin typeface="Consolas" panose="020B0609020204030204" pitchFamily="49" charset="0"/>
+            </a:endParaRPr>
+          </a:p>
+          <a:p>
+            <a:pPr marL="0" indent="0">
+              <a:buNone/>
+            </a:pPr>
+            <a:r>
+              <a:rPr lang="en-US" sz="2000" dirty="0" smtClean="0">
+                <a:solidFill>
+                  <a:srgbClr val="000000"/>
+                </a:solidFill>
+                <a:latin typeface="Consolas" panose="020B0609020204030204" pitchFamily="49" charset="0"/>
+              </a:rPr>
+              <a:t>        .</a:t>
+            </a:r>
+            <a:r>
+              <a:rPr lang="en-US" sz="2000" dirty="0">
+                <a:solidFill>
+                  <a:srgbClr val="000000"/>
+                </a:solidFill>
+                <a:latin typeface="Consolas" panose="020B0609020204030204" pitchFamily="49" charset="0"/>
+              </a:rPr>
+              <a:t>Where(</a:t>
+            </a:r>
+            <a:r>
+              <a:rPr lang="en-US" sz="2000" dirty="0" err="1">
+                <a:solidFill>
+                  <a:srgbClr val="000000"/>
+                </a:solidFill>
+                <a:latin typeface="Consolas" panose="020B0609020204030204" pitchFamily="49" charset="0"/>
+              </a:rPr>
+              <a:t>i</a:t>
+            </a:r>
+            <a:r>
+              <a:rPr lang="en-US" sz="2000" dirty="0">
+                <a:solidFill>
+                  <a:srgbClr val="000000"/>
+                </a:solidFill>
+                <a:latin typeface="Consolas" panose="020B0609020204030204" pitchFamily="49" charset="0"/>
+              </a:rPr>
+              <a:t> =&gt; </a:t>
+            </a:r>
+            <a:r>
+              <a:rPr lang="en-US" sz="2000" dirty="0" err="1">
+                <a:solidFill>
+                  <a:srgbClr val="000000"/>
+                </a:solidFill>
+                <a:latin typeface="Consolas" panose="020B0609020204030204" pitchFamily="49" charset="0"/>
+              </a:rPr>
+              <a:t>i</a:t>
+            </a:r>
+            <a:r>
+              <a:rPr lang="en-US" sz="2000" dirty="0">
+                <a:solidFill>
+                  <a:srgbClr val="000000"/>
+                </a:solidFill>
+                <a:latin typeface="Consolas" panose="020B0609020204030204" pitchFamily="49" charset="0"/>
+              </a:rPr>
+              <a:t> &lt; 100)</a:t>
+            </a:r>
+          </a:p>
+          <a:p>
+            <a:pPr marL="0" indent="0">
+              <a:buNone/>
+            </a:pPr>
+            <a:r>
+              <a:rPr lang="en-US" sz="2000" dirty="0" smtClean="0">
+                <a:solidFill>
+                  <a:srgbClr val="000000"/>
+                </a:solidFill>
+                <a:latin typeface="Consolas" panose="020B0609020204030204" pitchFamily="49" charset="0"/>
+              </a:rPr>
+              <a:t>        .</a:t>
+            </a:r>
+            <a:r>
+              <a:rPr lang="en-US" sz="2000" dirty="0" err="1">
+                <a:solidFill>
+                  <a:srgbClr val="000000"/>
+                </a:solidFill>
+                <a:latin typeface="Consolas" panose="020B0609020204030204" pitchFamily="49" charset="0"/>
+              </a:rPr>
+              <a:t>ToList</a:t>
+            </a:r>
+            <a:r>
+              <a:rPr lang="en-US" sz="2000" dirty="0">
+                <a:solidFill>
+                  <a:srgbClr val="000000"/>
+                </a:solidFill>
+                <a:latin typeface="Consolas" panose="020B0609020204030204" pitchFamily="49" charset="0"/>
+              </a:rPr>
+              <a:t>();</a:t>
+            </a:r>
+          </a:p>
+          <a:p>
+            <a:pPr marL="0" indent="0">
+              <a:buNone/>
+            </a:pPr>
+            <a:r>
+              <a:rPr lang="ru-RU" sz="2000" dirty="0" smtClean="0">
+                <a:solidFill>
+                  <a:srgbClr val="000000"/>
+                </a:solidFill>
+                <a:latin typeface="Consolas" panose="020B0609020204030204" pitchFamily="49" charset="0"/>
+              </a:rPr>
+              <a:t>}</a:t>
+            </a:r>
+            <a:endParaRPr lang="ru-RU" sz="2000" dirty="0"/>
+          </a:p>
+        </p:txBody>
+      </p:sp>
+      <p:sp>
+        <p:nvSpPr>
+          <p:cNvPr id="5" name="Text Placeholder 4"/>
+          <p:cNvSpPr>
+            <a:spLocks noGrp="1"/>
+          </p:cNvSpPr>
+          <p:nvPr>
+            <p:ph type="body" sz="quarter" idx="3"/>
+          </p:nvPr>
+        </p:nvSpPr>
+        <p:spPr/>
+        <p:txBody>
+          <a:bodyPr/>
+          <a:lstStyle/>
+          <a:p>
+            <a:r>
+              <a:rPr lang="en-US" dirty="0" smtClean="0"/>
+              <a:t>Mean: </a:t>
+            </a:r>
+            <a:r>
+              <a:rPr lang="en-US" b="0" dirty="0"/>
+              <a:t>74,251.9 ns</a:t>
+            </a:r>
+            <a:endParaRPr lang="ru-RU" dirty="0"/>
+          </a:p>
+        </p:txBody>
+      </p:sp>
+      <p:sp>
+        <p:nvSpPr>
+          <p:cNvPr id="6" name="Content Placeholder 5"/>
+          <p:cNvSpPr>
+            <a:spLocks noGrp="1"/>
+          </p:cNvSpPr>
+          <p:nvPr>
+            <p:ph sz="quarter" idx="4"/>
+          </p:nvPr>
+        </p:nvSpPr>
+        <p:spPr/>
+        <p:txBody>
+          <a:bodyPr>
+            <a:normAutofit/>
+          </a:bodyPr>
+          <a:lstStyle/>
+          <a:p>
+            <a:pPr marL="0" indent="0">
+              <a:buNone/>
+            </a:pPr>
+            <a:r>
+              <a:rPr lang="en-US" sz="2000" dirty="0" smtClean="0">
+                <a:solidFill>
+                  <a:srgbClr val="000000"/>
+                </a:solidFill>
+                <a:latin typeface="Consolas" panose="020B0609020204030204" pitchFamily="49" charset="0"/>
+              </a:rPr>
+              <a:t>[</a:t>
+            </a:r>
+            <a:r>
+              <a:rPr lang="en-US" sz="2000" dirty="0">
+                <a:solidFill>
+                  <a:srgbClr val="000000"/>
+                </a:solidFill>
+                <a:latin typeface="Consolas" panose="020B0609020204030204" pitchFamily="49" charset="0"/>
+              </a:rPr>
+              <a:t>Benchmark]</a:t>
+            </a:r>
+          </a:p>
+          <a:p>
+            <a:pPr marL="0" indent="0">
+              <a:buNone/>
+            </a:pPr>
+            <a:r>
+              <a:rPr lang="en-US" sz="2000" dirty="0" smtClean="0">
+                <a:solidFill>
+                  <a:srgbClr val="0000FF"/>
+                </a:solidFill>
+                <a:latin typeface="Consolas" panose="020B0609020204030204" pitchFamily="49" charset="0"/>
+              </a:rPr>
+              <a:t>object</a:t>
+            </a:r>
+            <a:r>
+              <a:rPr lang="en-US" sz="2000" dirty="0" smtClean="0">
+                <a:solidFill>
+                  <a:srgbClr val="000000"/>
+                </a:solidFill>
+                <a:latin typeface="Consolas" panose="020B0609020204030204" pitchFamily="49" charset="0"/>
+              </a:rPr>
+              <a:t> </a:t>
+            </a:r>
+            <a:r>
+              <a:rPr lang="en-US" sz="2000" dirty="0" err="1" smtClean="0">
+                <a:solidFill>
+                  <a:srgbClr val="000000"/>
+                </a:solidFill>
+                <a:latin typeface="Consolas" panose="020B0609020204030204" pitchFamily="49" charset="0"/>
+              </a:rPr>
+              <a:t>ImmutableList_Where</a:t>
+            </a:r>
+            <a:r>
+              <a:rPr lang="en-US" sz="2000" dirty="0">
+                <a:solidFill>
+                  <a:srgbClr val="000000"/>
+                </a:solidFill>
+                <a:latin typeface="Consolas" panose="020B0609020204030204" pitchFamily="49" charset="0"/>
+              </a:rPr>
+              <a:t>()</a:t>
+            </a:r>
+          </a:p>
+          <a:p>
+            <a:pPr marL="0" indent="0">
+              <a:buNone/>
+            </a:pPr>
+            <a:r>
+              <a:rPr lang="ru-RU" sz="2000" dirty="0" smtClean="0">
+                <a:solidFill>
+                  <a:srgbClr val="000000"/>
+                </a:solidFill>
+                <a:latin typeface="Consolas" panose="020B0609020204030204" pitchFamily="49" charset="0"/>
+              </a:rPr>
+              <a:t>{</a:t>
+            </a:r>
+            <a:endParaRPr lang="ru-RU" sz="2000" dirty="0">
+              <a:solidFill>
+                <a:srgbClr val="000000"/>
+              </a:solidFill>
+              <a:latin typeface="Consolas" panose="020B0609020204030204" pitchFamily="49" charset="0"/>
+            </a:endParaRPr>
+          </a:p>
+          <a:p>
+            <a:pPr marL="0" indent="0">
+              <a:buNone/>
+            </a:pPr>
+            <a:r>
+              <a:rPr lang="en-US" sz="2000" dirty="0" smtClean="0">
+                <a:solidFill>
+                  <a:srgbClr val="0000FF"/>
+                </a:solidFill>
+                <a:latin typeface="Consolas" panose="020B0609020204030204" pitchFamily="49" charset="0"/>
+              </a:rPr>
+              <a:t>    return</a:t>
+            </a:r>
+            <a:r>
+              <a:rPr lang="en-US" sz="2000" dirty="0" smtClean="0">
+                <a:solidFill>
+                  <a:srgbClr val="000000"/>
+                </a:solidFill>
+                <a:latin typeface="Consolas" panose="020B0609020204030204" pitchFamily="49" charset="0"/>
+              </a:rPr>
+              <a:t> </a:t>
+            </a:r>
+            <a:r>
+              <a:rPr lang="en-US" sz="2000" dirty="0" err="1">
+                <a:solidFill>
+                  <a:srgbClr val="000000"/>
+                </a:solidFill>
+                <a:latin typeface="Consolas" panose="020B0609020204030204" pitchFamily="49" charset="0"/>
+              </a:rPr>
+              <a:t>BigImmutableList</a:t>
+            </a:r>
+            <a:endParaRPr lang="en-US" sz="2000" dirty="0">
+              <a:solidFill>
+                <a:srgbClr val="000000"/>
+              </a:solidFill>
+              <a:latin typeface="Consolas" panose="020B0609020204030204" pitchFamily="49" charset="0"/>
+            </a:endParaRPr>
+          </a:p>
+          <a:p>
+            <a:pPr marL="0" indent="0">
+              <a:buNone/>
+            </a:pPr>
+            <a:r>
+              <a:rPr lang="en-US" sz="2000" dirty="0" smtClean="0">
+                <a:solidFill>
+                  <a:srgbClr val="000000"/>
+                </a:solidFill>
+                <a:latin typeface="Consolas" panose="020B0609020204030204" pitchFamily="49" charset="0"/>
+              </a:rPr>
+              <a:t>        .</a:t>
+            </a:r>
+            <a:r>
+              <a:rPr lang="en-US" sz="2000" dirty="0">
+                <a:solidFill>
+                  <a:srgbClr val="000000"/>
+                </a:solidFill>
+                <a:latin typeface="Consolas" panose="020B0609020204030204" pitchFamily="49" charset="0"/>
+              </a:rPr>
+              <a:t>Where(</a:t>
+            </a:r>
+            <a:r>
+              <a:rPr lang="en-US" sz="2000" dirty="0" err="1">
+                <a:solidFill>
+                  <a:srgbClr val="000000"/>
+                </a:solidFill>
+                <a:latin typeface="Consolas" panose="020B0609020204030204" pitchFamily="49" charset="0"/>
+              </a:rPr>
+              <a:t>i</a:t>
+            </a:r>
+            <a:r>
+              <a:rPr lang="en-US" sz="2000" dirty="0">
+                <a:solidFill>
+                  <a:srgbClr val="000000"/>
+                </a:solidFill>
+                <a:latin typeface="Consolas" panose="020B0609020204030204" pitchFamily="49" charset="0"/>
+              </a:rPr>
+              <a:t> =&gt; </a:t>
+            </a:r>
+            <a:r>
+              <a:rPr lang="en-US" sz="2000" dirty="0" err="1">
+                <a:solidFill>
+                  <a:srgbClr val="000000"/>
+                </a:solidFill>
+                <a:latin typeface="Consolas" panose="020B0609020204030204" pitchFamily="49" charset="0"/>
+              </a:rPr>
+              <a:t>i</a:t>
+            </a:r>
+            <a:r>
+              <a:rPr lang="en-US" sz="2000" dirty="0">
+                <a:solidFill>
+                  <a:srgbClr val="000000"/>
+                </a:solidFill>
+                <a:latin typeface="Consolas" panose="020B0609020204030204" pitchFamily="49" charset="0"/>
+              </a:rPr>
+              <a:t> &lt; 100</a:t>
+            </a:r>
+            <a:r>
+              <a:rPr lang="en-US" sz="2000" dirty="0" smtClean="0">
+                <a:solidFill>
+                  <a:srgbClr val="000000"/>
+                </a:solidFill>
+                <a:latin typeface="Consolas" panose="020B0609020204030204" pitchFamily="49" charset="0"/>
+              </a:rPr>
+              <a:t>)</a:t>
+            </a:r>
+          </a:p>
+          <a:p>
+            <a:pPr marL="0" indent="0">
+              <a:buNone/>
+            </a:pPr>
+            <a:r>
+              <a:rPr lang="en-US" sz="2000" dirty="0">
+                <a:solidFill>
+                  <a:srgbClr val="000000"/>
+                </a:solidFill>
+                <a:latin typeface="Consolas" panose="020B0609020204030204" pitchFamily="49" charset="0"/>
+              </a:rPr>
+              <a:t> </a:t>
+            </a:r>
+            <a:r>
+              <a:rPr lang="en-US" sz="2000" dirty="0" smtClean="0">
+                <a:solidFill>
+                  <a:srgbClr val="000000"/>
+                </a:solidFill>
+                <a:latin typeface="Consolas" panose="020B0609020204030204" pitchFamily="49" charset="0"/>
+              </a:rPr>
+              <a:t>       .</a:t>
+            </a:r>
+            <a:r>
+              <a:rPr lang="en-US" sz="2000" dirty="0" err="1">
+                <a:solidFill>
+                  <a:srgbClr val="000000"/>
+                </a:solidFill>
+                <a:latin typeface="Consolas" panose="020B0609020204030204" pitchFamily="49" charset="0"/>
+              </a:rPr>
+              <a:t>ToImmutableList</a:t>
+            </a:r>
+            <a:r>
+              <a:rPr lang="en-US" sz="2000" dirty="0">
+                <a:solidFill>
+                  <a:srgbClr val="000000"/>
+                </a:solidFill>
+                <a:latin typeface="Consolas" panose="020B0609020204030204" pitchFamily="49" charset="0"/>
+              </a:rPr>
+              <a:t>();</a:t>
+            </a:r>
+          </a:p>
+          <a:p>
+            <a:pPr marL="0" indent="0">
+              <a:buNone/>
+            </a:pPr>
+            <a:r>
+              <a:rPr lang="ru-RU" sz="2000" dirty="0" smtClean="0">
+                <a:solidFill>
+                  <a:srgbClr val="000000"/>
+                </a:solidFill>
+                <a:latin typeface="Consolas" panose="020B0609020204030204" pitchFamily="49" charset="0"/>
+              </a:rPr>
+              <a:t>}</a:t>
+            </a:r>
+            <a:endParaRPr lang="ru-RU" sz="2000" dirty="0"/>
+          </a:p>
+        </p:txBody>
+      </p:sp>
+    </p:spTree>
+    <p:extLst>
+      <p:ext uri="{BB962C8B-B14F-4D97-AF65-F5344CB8AC3E}">
+        <p14:creationId xmlns:p14="http://schemas.microsoft.com/office/powerpoint/2010/main" val="4281887182"/>
+      </p:ext>
+    </p:extLst>
+  </p:cSld>
+  <p:clrMapOvr>
+    <a:masterClrMapping/>
+  </p:clrMapOvr>
+  <p:timing>
+    <p:tnLst>
+      <p:par>
+        <p:cTn id="1" dur="indefinite" restart="never" nodeType="tmRoot"/>
+      </p:par>
+    </p:tnLst>
+  </p:timing>
+</p:sld>
+</file>
+
+<file path=ppt/slides/slide32.xml><?xml version="1.0" encoding="utf-8"?>
+<p:sld xmlns:a="http://schemas.openxmlformats.org/drawingml/2006/main" xmlns:r="http://schemas.openxmlformats.org/officeDocument/2006/relationships" xmlns:p="http://schemas.openxmlformats.org/presentationml/2006/main">
+  <p:cSld>
+    <p:spTree>
+      <p:nvGrpSpPr>
+        <p:cNvPr id="1" name=""/>
+        <p:cNvGrpSpPr/>
+        <p:nvPr/>
+      </p:nvGrpSpPr>
+      <p:grpSpPr>
+        <a:xfrm>
+          <a:off x="0" y="0"/>
+          <a:ext cx="0" cy="0"/>
+          <a:chOff x="0" y="0"/>
+          <a:chExt cx="0" cy="0"/>
+        </a:xfrm>
+      </p:grpSpPr>
+      <p:sp>
+        <p:nvSpPr>
+          <p:cNvPr id="2" name="Title 1"/>
+          <p:cNvSpPr>
+            <a:spLocks noGrp="1"/>
+          </p:cNvSpPr>
+          <p:nvPr>
+            <p:ph type="title"/>
+          </p:nvPr>
+        </p:nvSpPr>
+        <p:spPr/>
+        <p:txBody>
+          <a:bodyPr/>
+          <a:lstStyle/>
+          <a:p>
+            <a:r>
+              <a:rPr lang="en-US" dirty="0" smtClean="0"/>
+              <a:t>Benchmark: Dictionary Get</a:t>
+            </a:r>
+            <a:endParaRPr lang="ru-RU" dirty="0"/>
+          </a:p>
+        </p:txBody>
+      </p:sp>
+      <p:sp>
+        <p:nvSpPr>
+          <p:cNvPr id="3" name="Text Placeholder 2"/>
+          <p:cNvSpPr>
+            <a:spLocks noGrp="1"/>
+          </p:cNvSpPr>
+          <p:nvPr>
+            <p:ph type="body" idx="1"/>
+          </p:nvPr>
+        </p:nvSpPr>
+        <p:spPr/>
+        <p:txBody>
+          <a:bodyPr/>
+          <a:lstStyle/>
+          <a:p>
+            <a:r>
+              <a:rPr lang="en-US" dirty="0" smtClean="0"/>
+              <a:t>Mean: </a:t>
+            </a:r>
+            <a:r>
+              <a:rPr lang="en-US" b="0" dirty="0"/>
+              <a:t>20.47 ns</a:t>
+            </a:r>
+            <a:endParaRPr lang="ru-RU" dirty="0"/>
+          </a:p>
+        </p:txBody>
+      </p:sp>
+      <p:sp>
+        <p:nvSpPr>
+          <p:cNvPr id="4" name="Content Placeholder 3"/>
+          <p:cNvSpPr>
+            <a:spLocks noGrp="1"/>
+          </p:cNvSpPr>
+          <p:nvPr>
+            <p:ph sz="half" idx="2"/>
+          </p:nvPr>
+        </p:nvSpPr>
+        <p:spPr/>
+        <p:txBody>
+          <a:bodyPr>
+            <a:normAutofit/>
+          </a:bodyPr>
+          <a:lstStyle/>
+          <a:p>
+            <a:pPr marL="0" indent="0">
+              <a:buNone/>
+            </a:pPr>
+            <a:r>
+              <a:rPr lang="en-US" sz="2000" dirty="0" smtClean="0">
+                <a:solidFill>
+                  <a:srgbClr val="000000"/>
+                </a:solidFill>
+                <a:latin typeface="Consolas" panose="020B0609020204030204" pitchFamily="49" charset="0"/>
+              </a:rPr>
+              <a:t>[</a:t>
+            </a:r>
+            <a:r>
+              <a:rPr lang="en-US" sz="2000" dirty="0">
+                <a:solidFill>
+                  <a:srgbClr val="000000"/>
+                </a:solidFill>
+                <a:latin typeface="Consolas" panose="020B0609020204030204" pitchFamily="49" charset="0"/>
+              </a:rPr>
+              <a:t>Benchmark]</a:t>
+            </a:r>
+          </a:p>
+          <a:p>
+            <a:pPr marL="0" indent="0">
+              <a:buNone/>
+            </a:pPr>
+            <a:r>
+              <a:rPr lang="en-US" sz="2000" dirty="0" smtClean="0">
+                <a:solidFill>
+                  <a:srgbClr val="0000FF"/>
+                </a:solidFill>
+                <a:latin typeface="Consolas" panose="020B0609020204030204" pitchFamily="49" charset="0"/>
+              </a:rPr>
+              <a:t>object</a:t>
+            </a:r>
+            <a:r>
+              <a:rPr lang="en-US" sz="2000" dirty="0" smtClean="0">
+                <a:solidFill>
+                  <a:srgbClr val="000000"/>
+                </a:solidFill>
+                <a:latin typeface="Consolas" panose="020B0609020204030204" pitchFamily="49" charset="0"/>
+              </a:rPr>
+              <a:t> </a:t>
+            </a:r>
+            <a:r>
+              <a:rPr lang="en-US" sz="2000" dirty="0" err="1">
+                <a:solidFill>
+                  <a:srgbClr val="000000"/>
+                </a:solidFill>
+                <a:latin typeface="Consolas" panose="020B0609020204030204" pitchFamily="49" charset="0"/>
+              </a:rPr>
+              <a:t>Dictianary_Get</a:t>
+            </a:r>
+            <a:r>
+              <a:rPr lang="en-US" sz="2000" dirty="0">
+                <a:solidFill>
+                  <a:srgbClr val="000000"/>
+                </a:solidFill>
+                <a:latin typeface="Consolas" panose="020B0609020204030204" pitchFamily="49" charset="0"/>
+              </a:rPr>
+              <a:t>()</a:t>
+            </a:r>
+          </a:p>
+          <a:p>
+            <a:pPr marL="0" indent="0">
+              <a:buNone/>
+            </a:pPr>
+            <a:r>
+              <a:rPr lang="ru-RU" sz="2000" dirty="0" smtClean="0">
+                <a:solidFill>
+                  <a:srgbClr val="000000"/>
+                </a:solidFill>
+                <a:latin typeface="Consolas" panose="020B0609020204030204" pitchFamily="49" charset="0"/>
+              </a:rPr>
+              <a:t>{</a:t>
+            </a:r>
+            <a:endParaRPr lang="ru-RU" sz="2000" dirty="0">
+              <a:solidFill>
+                <a:srgbClr val="000000"/>
+              </a:solidFill>
+              <a:latin typeface="Consolas" panose="020B0609020204030204" pitchFamily="49" charset="0"/>
+            </a:endParaRPr>
+          </a:p>
+          <a:p>
+            <a:pPr marL="0" indent="0">
+              <a:buNone/>
+            </a:pPr>
+            <a:r>
+              <a:rPr lang="en-US" sz="2000" dirty="0" smtClean="0">
+                <a:solidFill>
+                  <a:srgbClr val="0000FF"/>
+                </a:solidFill>
+                <a:latin typeface="Consolas" panose="020B0609020204030204" pitchFamily="49" charset="0"/>
+              </a:rPr>
+              <a:t>    return</a:t>
+            </a:r>
+            <a:r>
+              <a:rPr lang="en-US" sz="2000" dirty="0" smtClean="0">
+                <a:solidFill>
+                  <a:srgbClr val="000000"/>
+                </a:solidFill>
+                <a:latin typeface="Consolas" panose="020B0609020204030204" pitchFamily="49" charset="0"/>
+              </a:rPr>
+              <a:t> </a:t>
+            </a:r>
+            <a:r>
+              <a:rPr lang="en-US" sz="2000" dirty="0">
+                <a:solidFill>
+                  <a:srgbClr val="000000"/>
+                </a:solidFill>
+                <a:latin typeface="Consolas" panose="020B0609020204030204" pitchFamily="49" charset="0"/>
+              </a:rPr>
+              <a:t>Big[42];</a:t>
+            </a:r>
+          </a:p>
+          <a:p>
+            <a:pPr marL="0" indent="0">
+              <a:buNone/>
+            </a:pPr>
+            <a:r>
+              <a:rPr lang="ru-RU" sz="2000" dirty="0" smtClean="0">
+                <a:solidFill>
+                  <a:srgbClr val="000000"/>
+                </a:solidFill>
+                <a:latin typeface="Consolas" panose="020B0609020204030204" pitchFamily="49" charset="0"/>
+              </a:rPr>
+              <a:t>}</a:t>
+            </a:r>
+            <a:endParaRPr lang="ru-RU" sz="2000" dirty="0"/>
+          </a:p>
+        </p:txBody>
+      </p:sp>
+      <p:sp>
+        <p:nvSpPr>
+          <p:cNvPr id="5" name="Text Placeholder 4"/>
+          <p:cNvSpPr>
+            <a:spLocks noGrp="1"/>
+          </p:cNvSpPr>
+          <p:nvPr>
+            <p:ph type="body" sz="quarter" idx="3"/>
+          </p:nvPr>
+        </p:nvSpPr>
+        <p:spPr/>
+        <p:txBody>
+          <a:bodyPr/>
+          <a:lstStyle/>
+          <a:p>
+            <a:r>
+              <a:rPr lang="en-US" dirty="0" smtClean="0"/>
+              <a:t>Mean: </a:t>
+            </a:r>
+            <a:r>
+              <a:rPr lang="en-US" b="0" dirty="0"/>
+              <a:t>109.25 ns</a:t>
+            </a:r>
+            <a:r>
+              <a:rPr lang="en-US" dirty="0" smtClean="0"/>
+              <a:t> </a:t>
+            </a:r>
+            <a:endParaRPr lang="ru-RU" dirty="0"/>
+          </a:p>
+        </p:txBody>
+      </p:sp>
+      <p:sp>
+        <p:nvSpPr>
+          <p:cNvPr id="6" name="Content Placeholder 5"/>
+          <p:cNvSpPr>
+            <a:spLocks noGrp="1"/>
+          </p:cNvSpPr>
+          <p:nvPr>
+            <p:ph sz="quarter" idx="4"/>
+          </p:nvPr>
+        </p:nvSpPr>
+        <p:spPr/>
+        <p:txBody>
+          <a:bodyPr>
+            <a:normAutofit/>
+          </a:bodyPr>
+          <a:lstStyle/>
+          <a:p>
+            <a:pPr marL="0" indent="0">
+              <a:buNone/>
+            </a:pPr>
+            <a:r>
+              <a:rPr lang="en-US" sz="2000" dirty="0" smtClean="0">
+                <a:solidFill>
+                  <a:srgbClr val="000000"/>
+                </a:solidFill>
+                <a:latin typeface="Consolas" panose="020B0609020204030204" pitchFamily="49" charset="0"/>
+              </a:rPr>
+              <a:t>[</a:t>
+            </a:r>
+            <a:r>
+              <a:rPr lang="en-US" sz="2000" dirty="0">
+                <a:solidFill>
+                  <a:srgbClr val="000000"/>
+                </a:solidFill>
+                <a:latin typeface="Consolas" panose="020B0609020204030204" pitchFamily="49" charset="0"/>
+              </a:rPr>
+              <a:t>Benchmark]</a:t>
+            </a:r>
+          </a:p>
+          <a:p>
+            <a:pPr marL="0" indent="0">
+              <a:buNone/>
+            </a:pPr>
+            <a:r>
+              <a:rPr lang="en-US" sz="2000" dirty="0" smtClean="0">
+                <a:solidFill>
+                  <a:srgbClr val="0000FF"/>
+                </a:solidFill>
+                <a:latin typeface="Consolas" panose="020B0609020204030204" pitchFamily="49" charset="0"/>
+              </a:rPr>
+              <a:t>object</a:t>
+            </a:r>
+            <a:r>
+              <a:rPr lang="en-US" sz="2000" dirty="0" smtClean="0">
+                <a:solidFill>
+                  <a:srgbClr val="000000"/>
+                </a:solidFill>
+                <a:latin typeface="Consolas" panose="020B0609020204030204" pitchFamily="49" charset="0"/>
+              </a:rPr>
+              <a:t> </a:t>
+            </a:r>
+            <a:r>
+              <a:rPr lang="en-US" sz="2000" dirty="0" err="1">
+                <a:solidFill>
+                  <a:srgbClr val="000000"/>
+                </a:solidFill>
+                <a:latin typeface="Consolas" panose="020B0609020204030204" pitchFamily="49" charset="0"/>
+              </a:rPr>
+              <a:t>ImmutablDictionary_Get</a:t>
+            </a:r>
+            <a:r>
+              <a:rPr lang="en-US" sz="2000" dirty="0">
+                <a:solidFill>
+                  <a:srgbClr val="000000"/>
+                </a:solidFill>
+                <a:latin typeface="Consolas" panose="020B0609020204030204" pitchFamily="49" charset="0"/>
+              </a:rPr>
+              <a:t>()</a:t>
+            </a:r>
+          </a:p>
+          <a:p>
+            <a:pPr marL="0" indent="0">
+              <a:buNone/>
+            </a:pPr>
+            <a:r>
+              <a:rPr lang="ru-RU" sz="2000" dirty="0" smtClean="0">
+                <a:solidFill>
+                  <a:srgbClr val="000000"/>
+                </a:solidFill>
+                <a:latin typeface="Consolas" panose="020B0609020204030204" pitchFamily="49" charset="0"/>
+              </a:rPr>
+              <a:t>{</a:t>
+            </a:r>
+            <a:endParaRPr lang="ru-RU" sz="2000" dirty="0">
+              <a:solidFill>
+                <a:srgbClr val="000000"/>
+              </a:solidFill>
+              <a:latin typeface="Consolas" panose="020B0609020204030204" pitchFamily="49" charset="0"/>
+            </a:endParaRPr>
+          </a:p>
+          <a:p>
+            <a:pPr marL="0" indent="0">
+              <a:buNone/>
+            </a:pPr>
+            <a:r>
+              <a:rPr lang="en-US" sz="2000" dirty="0" smtClean="0">
+                <a:solidFill>
+                  <a:srgbClr val="0000FF"/>
+                </a:solidFill>
+                <a:latin typeface="Consolas" panose="020B0609020204030204" pitchFamily="49" charset="0"/>
+              </a:rPr>
+              <a:t>    return</a:t>
+            </a:r>
+            <a:r>
+              <a:rPr lang="en-US" sz="2000" dirty="0" smtClean="0">
+                <a:solidFill>
+                  <a:srgbClr val="000000"/>
+                </a:solidFill>
+                <a:latin typeface="Consolas" panose="020B0609020204030204" pitchFamily="49" charset="0"/>
+              </a:rPr>
+              <a:t> </a:t>
+            </a:r>
+            <a:r>
+              <a:rPr lang="en-US" sz="2000" dirty="0" err="1">
+                <a:solidFill>
+                  <a:srgbClr val="000000"/>
+                </a:solidFill>
+                <a:latin typeface="Consolas" panose="020B0609020204030204" pitchFamily="49" charset="0"/>
+              </a:rPr>
+              <a:t>BigImmutable</a:t>
+            </a:r>
+            <a:r>
+              <a:rPr lang="en-US" sz="2000" dirty="0">
+                <a:solidFill>
+                  <a:srgbClr val="000000"/>
+                </a:solidFill>
+                <a:latin typeface="Consolas" panose="020B0609020204030204" pitchFamily="49" charset="0"/>
+              </a:rPr>
+              <a:t>[42];</a:t>
+            </a:r>
+          </a:p>
+          <a:p>
+            <a:pPr marL="0" indent="0">
+              <a:buNone/>
+            </a:pPr>
+            <a:r>
+              <a:rPr lang="ru-RU" sz="2000" dirty="0" smtClean="0">
+                <a:solidFill>
+                  <a:srgbClr val="000000"/>
+                </a:solidFill>
+                <a:latin typeface="Consolas" panose="020B0609020204030204" pitchFamily="49" charset="0"/>
+              </a:rPr>
+              <a:t>}</a:t>
+            </a:r>
+            <a:endParaRPr lang="ru-RU" sz="2000" dirty="0"/>
+          </a:p>
+        </p:txBody>
+      </p:sp>
+    </p:spTree>
+    <p:extLst>
+      <p:ext uri="{BB962C8B-B14F-4D97-AF65-F5344CB8AC3E}">
+        <p14:creationId xmlns:p14="http://schemas.microsoft.com/office/powerpoint/2010/main" val="3846966769"/>
+      </p:ext>
+    </p:extLst>
+  </p:cSld>
+  <p:clrMapOvr>
+    <a:masterClrMapping/>
+  </p:clrMapOvr>
+  <p:timing>
+    <p:tnLst>
+      <p:par>
+        <p:cTn id="1" dur="indefinite" restart="never" nodeType="tmRoot"/>
+      </p:par>
+    </p:tnLst>
+  </p:timing>
+</p:sld>
+</file>
+
+<file path=ppt/slides/slide33.xml><?xml version="1.0" encoding="utf-8"?>
+<p:sld xmlns:a="http://schemas.openxmlformats.org/drawingml/2006/main" xmlns:r="http://schemas.openxmlformats.org/officeDocument/2006/relationships" xmlns:p="http://schemas.openxmlformats.org/presentationml/2006/main">
+  <p:cSld>
+    <p:spTree>
+      <p:nvGrpSpPr>
+        <p:cNvPr id="1" name=""/>
+        <p:cNvGrpSpPr/>
+        <p:nvPr/>
+      </p:nvGrpSpPr>
+      <p:grpSpPr>
+        <a:xfrm>
+          <a:off x="0" y="0"/>
+          <a:ext cx="0" cy="0"/>
+          <a:chOff x="0" y="0"/>
+          <a:chExt cx="0" cy="0"/>
+        </a:xfrm>
+      </p:grpSpPr>
+      <p:sp>
+        <p:nvSpPr>
+          <p:cNvPr id="2" name="Title 1"/>
+          <p:cNvSpPr>
+            <a:spLocks noGrp="1"/>
+          </p:cNvSpPr>
+          <p:nvPr>
+            <p:ph type="title"/>
+          </p:nvPr>
+        </p:nvSpPr>
+        <p:spPr/>
+        <p:txBody>
+          <a:bodyPr/>
+          <a:lstStyle/>
+          <a:p>
+            <a:r>
+              <a:rPr lang="en-US" dirty="0" smtClean="0"/>
+              <a:t>Benchmark: New Dictionary Set</a:t>
+            </a:r>
+            <a:endParaRPr lang="ru-RU" dirty="0"/>
+          </a:p>
+        </p:txBody>
+      </p:sp>
+      <p:sp>
+        <p:nvSpPr>
+          <p:cNvPr id="3" name="Text Placeholder 2"/>
+          <p:cNvSpPr>
+            <a:spLocks noGrp="1"/>
+          </p:cNvSpPr>
+          <p:nvPr>
+            <p:ph type="body" idx="1"/>
+          </p:nvPr>
+        </p:nvSpPr>
+        <p:spPr/>
+        <p:txBody>
+          <a:bodyPr/>
+          <a:lstStyle/>
+          <a:p>
+            <a:r>
+              <a:rPr lang="en-US" dirty="0" smtClean="0"/>
+              <a:t>Mean: </a:t>
+            </a:r>
+            <a:r>
+              <a:rPr lang="en-US" b="0" dirty="0"/>
+              <a:t>35,392.16 ns</a:t>
+            </a:r>
+            <a:endParaRPr lang="ru-RU" dirty="0"/>
+          </a:p>
+        </p:txBody>
+      </p:sp>
+      <p:sp>
+        <p:nvSpPr>
+          <p:cNvPr id="4" name="Content Placeholder 3"/>
+          <p:cNvSpPr>
+            <a:spLocks noGrp="1"/>
+          </p:cNvSpPr>
+          <p:nvPr>
+            <p:ph sz="half" idx="2"/>
+          </p:nvPr>
+        </p:nvSpPr>
+        <p:spPr>
+          <a:xfrm>
+            <a:off x="839788" y="2505075"/>
+            <a:ext cx="5332411" cy="3684588"/>
+          </a:xfrm>
+        </p:spPr>
+        <p:txBody>
+          <a:bodyPr>
+            <a:normAutofit/>
+          </a:bodyPr>
+          <a:lstStyle/>
+          <a:p>
+            <a:pPr marL="0" indent="0">
+              <a:buNone/>
+            </a:pPr>
+            <a:r>
+              <a:rPr lang="en-US" sz="1800" dirty="0" smtClean="0">
+                <a:solidFill>
+                  <a:srgbClr val="000000"/>
+                </a:solidFill>
+                <a:latin typeface="Consolas" panose="020B0609020204030204" pitchFamily="49" charset="0"/>
+              </a:rPr>
+              <a:t>[</a:t>
+            </a:r>
+            <a:r>
+              <a:rPr lang="en-US" sz="1800" dirty="0">
+                <a:solidFill>
+                  <a:srgbClr val="000000"/>
+                </a:solidFill>
+                <a:latin typeface="Consolas" panose="020B0609020204030204" pitchFamily="49" charset="0"/>
+              </a:rPr>
+              <a:t>Benchmark]</a:t>
+            </a:r>
+          </a:p>
+          <a:p>
+            <a:pPr marL="0" indent="0">
+              <a:buNone/>
+            </a:pPr>
+            <a:r>
+              <a:rPr lang="en-US" sz="1800" dirty="0" smtClean="0">
+                <a:solidFill>
+                  <a:srgbClr val="0000FF"/>
+                </a:solidFill>
+                <a:latin typeface="Consolas" panose="020B0609020204030204" pitchFamily="49" charset="0"/>
+              </a:rPr>
+              <a:t>object</a:t>
+            </a:r>
+            <a:r>
+              <a:rPr lang="en-US" sz="1800" dirty="0" smtClean="0">
+                <a:solidFill>
+                  <a:srgbClr val="000000"/>
+                </a:solidFill>
+                <a:latin typeface="Consolas" panose="020B0609020204030204" pitchFamily="49" charset="0"/>
+              </a:rPr>
+              <a:t> </a:t>
+            </a:r>
+            <a:r>
+              <a:rPr lang="en-US" sz="1800" dirty="0" err="1">
+                <a:solidFill>
+                  <a:srgbClr val="000000"/>
+                </a:solidFill>
+                <a:latin typeface="Consolas" panose="020B0609020204030204" pitchFamily="49" charset="0"/>
+              </a:rPr>
+              <a:t>Dictianary_Set</a:t>
+            </a:r>
+            <a:r>
+              <a:rPr lang="en-US" sz="1800" dirty="0">
+                <a:solidFill>
+                  <a:srgbClr val="000000"/>
+                </a:solidFill>
+                <a:latin typeface="Consolas" panose="020B0609020204030204" pitchFamily="49" charset="0"/>
+              </a:rPr>
+              <a:t>()</a:t>
+            </a:r>
+          </a:p>
+          <a:p>
+            <a:pPr marL="0" indent="0">
+              <a:buNone/>
+            </a:pPr>
+            <a:r>
+              <a:rPr lang="ru-RU" sz="1800" dirty="0" smtClean="0">
+                <a:solidFill>
+                  <a:srgbClr val="000000"/>
+                </a:solidFill>
+                <a:latin typeface="Consolas" panose="020B0609020204030204" pitchFamily="49" charset="0"/>
+              </a:rPr>
+              <a:t>{</a:t>
+            </a:r>
+            <a:endParaRPr lang="ru-RU" sz="1800" dirty="0">
+              <a:solidFill>
+                <a:srgbClr val="000000"/>
+              </a:solidFill>
+              <a:latin typeface="Consolas" panose="020B0609020204030204" pitchFamily="49" charset="0"/>
+            </a:endParaRPr>
+          </a:p>
+          <a:p>
+            <a:pPr marL="0" indent="0">
+              <a:buNone/>
+            </a:pPr>
+            <a:r>
+              <a:rPr lang="en-US" sz="1800" dirty="0" smtClean="0">
+                <a:solidFill>
+                  <a:srgbClr val="0000FF"/>
+                </a:solidFill>
+                <a:latin typeface="Consolas" panose="020B0609020204030204" pitchFamily="49" charset="0"/>
+              </a:rPr>
+              <a:t>    </a:t>
+            </a:r>
+            <a:r>
+              <a:rPr lang="en-US" sz="1800" dirty="0" err="1" smtClean="0">
+                <a:solidFill>
+                  <a:srgbClr val="0000FF"/>
+                </a:solidFill>
+                <a:latin typeface="Consolas" panose="020B0609020204030204" pitchFamily="49" charset="0"/>
+              </a:rPr>
+              <a:t>var</a:t>
+            </a:r>
+            <a:r>
+              <a:rPr lang="en-US" sz="1800" dirty="0" smtClean="0">
+                <a:solidFill>
+                  <a:srgbClr val="000000"/>
+                </a:solidFill>
+                <a:latin typeface="Consolas" panose="020B0609020204030204" pitchFamily="49" charset="0"/>
+              </a:rPr>
+              <a:t> </a:t>
+            </a:r>
+            <a:r>
+              <a:rPr lang="en-US" sz="1800" dirty="0" err="1">
+                <a:solidFill>
+                  <a:srgbClr val="000000"/>
+                </a:solidFill>
+                <a:latin typeface="Consolas" panose="020B0609020204030204" pitchFamily="49" charset="0"/>
+              </a:rPr>
+              <a:t>newDict</a:t>
+            </a:r>
+            <a:r>
+              <a:rPr lang="en-US" sz="1800" dirty="0">
+                <a:solidFill>
+                  <a:srgbClr val="000000"/>
+                </a:solidFill>
+                <a:latin typeface="Consolas" panose="020B0609020204030204" pitchFamily="49" charset="0"/>
+              </a:rPr>
+              <a:t> = </a:t>
+            </a:r>
+          </a:p>
+          <a:p>
+            <a:pPr marL="0" indent="0">
+              <a:buNone/>
+            </a:pPr>
+            <a:r>
+              <a:rPr lang="en-US" sz="1800" dirty="0" smtClean="0">
+                <a:solidFill>
+                  <a:srgbClr val="0000FF"/>
+                </a:solidFill>
+                <a:latin typeface="Consolas" panose="020B0609020204030204" pitchFamily="49" charset="0"/>
+              </a:rPr>
+              <a:t>        new</a:t>
+            </a:r>
+            <a:r>
+              <a:rPr lang="en-US" sz="1800" dirty="0" smtClean="0">
+                <a:solidFill>
+                  <a:srgbClr val="000000"/>
+                </a:solidFill>
+                <a:latin typeface="Consolas" panose="020B0609020204030204" pitchFamily="49" charset="0"/>
+              </a:rPr>
+              <a:t> </a:t>
+            </a:r>
+            <a:r>
+              <a:rPr lang="en-US" sz="1800" dirty="0">
+                <a:solidFill>
+                  <a:srgbClr val="000000"/>
+                </a:solidFill>
+                <a:latin typeface="Consolas" panose="020B0609020204030204" pitchFamily="49" charset="0"/>
+              </a:rPr>
+              <a:t>Dictionary&lt;</a:t>
+            </a:r>
+            <a:r>
+              <a:rPr lang="en-US" sz="1800" dirty="0" err="1">
+                <a:solidFill>
+                  <a:srgbClr val="0000FF"/>
+                </a:solidFill>
+                <a:latin typeface="Consolas" panose="020B0609020204030204" pitchFamily="49" charset="0"/>
+              </a:rPr>
+              <a:t>int</a:t>
+            </a:r>
+            <a:r>
+              <a:rPr lang="en-US" sz="1800" dirty="0">
+                <a:solidFill>
+                  <a:srgbClr val="000000"/>
+                </a:solidFill>
+                <a:latin typeface="Consolas" panose="020B0609020204030204" pitchFamily="49" charset="0"/>
+              </a:rPr>
+              <a:t>, </a:t>
+            </a:r>
+            <a:r>
+              <a:rPr lang="en-US" sz="1800" dirty="0">
+                <a:solidFill>
+                  <a:srgbClr val="0000FF"/>
+                </a:solidFill>
+                <a:latin typeface="Consolas" panose="020B0609020204030204" pitchFamily="49" charset="0"/>
+              </a:rPr>
+              <a:t>string</a:t>
+            </a:r>
+            <a:r>
+              <a:rPr lang="en-US" sz="1800" dirty="0">
+                <a:solidFill>
+                  <a:srgbClr val="000000"/>
+                </a:solidFill>
+                <a:latin typeface="Consolas" panose="020B0609020204030204" pitchFamily="49" charset="0"/>
+              </a:rPr>
+              <a:t>&gt;(Big);</a:t>
+            </a:r>
+          </a:p>
+          <a:p>
+            <a:pPr marL="0" indent="0">
+              <a:buNone/>
+            </a:pPr>
+            <a:r>
+              <a:rPr lang="en-US" sz="1800" dirty="0" smtClean="0">
+                <a:solidFill>
+                  <a:srgbClr val="000000"/>
+                </a:solidFill>
+                <a:latin typeface="Consolas" panose="020B0609020204030204" pitchFamily="49" charset="0"/>
+              </a:rPr>
+              <a:t>    </a:t>
+            </a:r>
+            <a:r>
+              <a:rPr lang="en-US" sz="1800" dirty="0" err="1" smtClean="0">
+                <a:solidFill>
+                  <a:srgbClr val="000000"/>
+                </a:solidFill>
+                <a:latin typeface="Consolas" panose="020B0609020204030204" pitchFamily="49" charset="0"/>
+              </a:rPr>
+              <a:t>newDict</a:t>
+            </a:r>
+            <a:r>
+              <a:rPr lang="en-US" sz="1800" dirty="0" smtClean="0">
+                <a:solidFill>
+                  <a:srgbClr val="000000"/>
+                </a:solidFill>
+                <a:latin typeface="Consolas" panose="020B0609020204030204" pitchFamily="49" charset="0"/>
+              </a:rPr>
+              <a:t>[42</a:t>
+            </a:r>
+            <a:r>
+              <a:rPr lang="en-US" sz="1800" dirty="0">
+                <a:solidFill>
+                  <a:srgbClr val="000000"/>
+                </a:solidFill>
+                <a:latin typeface="Consolas" panose="020B0609020204030204" pitchFamily="49" charset="0"/>
+              </a:rPr>
+              <a:t>] = </a:t>
+            </a:r>
+            <a:r>
+              <a:rPr lang="en-US" sz="1800" dirty="0">
+                <a:solidFill>
+                  <a:srgbClr val="A31515"/>
+                </a:solidFill>
+                <a:latin typeface="Consolas" panose="020B0609020204030204" pitchFamily="49" charset="0"/>
+              </a:rPr>
+              <a:t>"123"</a:t>
+            </a:r>
+            <a:r>
+              <a:rPr lang="en-US" sz="1800" dirty="0">
+                <a:solidFill>
+                  <a:srgbClr val="000000"/>
+                </a:solidFill>
+                <a:latin typeface="Consolas" panose="020B0609020204030204" pitchFamily="49" charset="0"/>
+              </a:rPr>
+              <a:t>;</a:t>
+            </a:r>
+          </a:p>
+          <a:p>
+            <a:pPr marL="0" indent="0">
+              <a:buNone/>
+            </a:pPr>
+            <a:r>
+              <a:rPr lang="en-US" sz="1800" dirty="0" smtClean="0">
+                <a:solidFill>
+                  <a:srgbClr val="000000"/>
+                </a:solidFill>
+                <a:latin typeface="Consolas" panose="020B0609020204030204" pitchFamily="49" charset="0"/>
+              </a:rPr>
+              <a:t>    </a:t>
+            </a:r>
+            <a:r>
+              <a:rPr lang="en-US" sz="1800" dirty="0" err="1" smtClean="0">
+                <a:solidFill>
+                  <a:srgbClr val="000000"/>
+                </a:solidFill>
+                <a:latin typeface="Consolas" panose="020B0609020204030204" pitchFamily="49" charset="0"/>
+              </a:rPr>
+              <a:t>newDict.Add</a:t>
+            </a:r>
+            <a:r>
+              <a:rPr lang="en-US" sz="1800" dirty="0" smtClean="0">
+                <a:solidFill>
+                  <a:srgbClr val="000000"/>
+                </a:solidFill>
+                <a:latin typeface="Consolas" panose="020B0609020204030204" pitchFamily="49" charset="0"/>
+              </a:rPr>
+              <a:t>(Count </a:t>
+            </a:r>
+            <a:r>
+              <a:rPr lang="en-US" sz="1800" dirty="0">
+                <a:solidFill>
+                  <a:srgbClr val="000000"/>
+                </a:solidFill>
+                <a:latin typeface="Consolas" panose="020B0609020204030204" pitchFamily="49" charset="0"/>
+              </a:rPr>
+              <a:t>+ 1, </a:t>
+            </a:r>
+            <a:r>
+              <a:rPr lang="en-US" sz="1800" dirty="0">
+                <a:solidFill>
+                  <a:srgbClr val="A31515"/>
+                </a:solidFill>
+                <a:latin typeface="Consolas" panose="020B0609020204030204" pitchFamily="49" charset="0"/>
+              </a:rPr>
+              <a:t>"new"</a:t>
+            </a:r>
+            <a:r>
+              <a:rPr lang="en-US" sz="1800" dirty="0">
+                <a:solidFill>
+                  <a:srgbClr val="000000"/>
+                </a:solidFill>
+                <a:latin typeface="Consolas" panose="020B0609020204030204" pitchFamily="49" charset="0"/>
+              </a:rPr>
+              <a:t>);</a:t>
+            </a:r>
+          </a:p>
+          <a:p>
+            <a:pPr marL="0" indent="0">
+              <a:buNone/>
+            </a:pPr>
+            <a:r>
+              <a:rPr lang="en-US" sz="1800" dirty="0" smtClean="0">
+                <a:solidFill>
+                  <a:srgbClr val="0000FF"/>
+                </a:solidFill>
+                <a:latin typeface="Consolas" panose="020B0609020204030204" pitchFamily="49" charset="0"/>
+              </a:rPr>
+              <a:t>    return</a:t>
+            </a:r>
+            <a:r>
+              <a:rPr lang="en-US" sz="1800" dirty="0" smtClean="0">
+                <a:solidFill>
+                  <a:srgbClr val="000000"/>
+                </a:solidFill>
+                <a:latin typeface="Consolas" panose="020B0609020204030204" pitchFamily="49" charset="0"/>
+              </a:rPr>
+              <a:t> </a:t>
+            </a:r>
+            <a:r>
+              <a:rPr lang="en-US" sz="1800" dirty="0" err="1">
+                <a:solidFill>
+                  <a:srgbClr val="000000"/>
+                </a:solidFill>
+                <a:latin typeface="Consolas" panose="020B0609020204030204" pitchFamily="49" charset="0"/>
+              </a:rPr>
+              <a:t>newDict</a:t>
+            </a:r>
+            <a:r>
+              <a:rPr lang="en-US" sz="1800" dirty="0">
+                <a:solidFill>
+                  <a:srgbClr val="000000"/>
+                </a:solidFill>
+                <a:latin typeface="Consolas" panose="020B0609020204030204" pitchFamily="49" charset="0"/>
+              </a:rPr>
+              <a:t>;</a:t>
+            </a:r>
+          </a:p>
+          <a:p>
+            <a:pPr marL="0" indent="0">
+              <a:buNone/>
+            </a:pPr>
+            <a:r>
+              <a:rPr lang="ru-RU" sz="1800" dirty="0" smtClean="0">
+                <a:solidFill>
+                  <a:srgbClr val="000000"/>
+                </a:solidFill>
+                <a:latin typeface="Consolas" panose="020B0609020204030204" pitchFamily="49" charset="0"/>
+              </a:rPr>
+              <a:t>}</a:t>
+            </a:r>
+            <a:endParaRPr lang="ru-RU" sz="1800" dirty="0"/>
+          </a:p>
+        </p:txBody>
+      </p:sp>
+      <p:sp>
+        <p:nvSpPr>
+          <p:cNvPr id="5" name="Text Placeholder 4"/>
+          <p:cNvSpPr>
+            <a:spLocks noGrp="1"/>
+          </p:cNvSpPr>
+          <p:nvPr>
+            <p:ph type="body" sz="quarter" idx="3"/>
+          </p:nvPr>
+        </p:nvSpPr>
+        <p:spPr/>
+        <p:txBody>
+          <a:bodyPr/>
+          <a:lstStyle/>
+          <a:p>
+            <a:r>
+              <a:rPr lang="en-US" dirty="0" smtClean="0"/>
+              <a:t>Mean: </a:t>
+            </a:r>
+            <a:r>
+              <a:rPr lang="en-US" b="0" dirty="0"/>
+              <a:t>4,628.17 ns</a:t>
+            </a:r>
+            <a:endParaRPr lang="ru-RU" dirty="0"/>
+          </a:p>
+        </p:txBody>
+      </p:sp>
+      <p:sp>
+        <p:nvSpPr>
+          <p:cNvPr id="6" name="Content Placeholder 5"/>
+          <p:cNvSpPr>
+            <a:spLocks noGrp="1"/>
+          </p:cNvSpPr>
+          <p:nvPr>
+            <p:ph sz="quarter" idx="4"/>
+          </p:nvPr>
+        </p:nvSpPr>
+        <p:spPr>
+          <a:xfrm>
+            <a:off x="6172200" y="2505075"/>
+            <a:ext cx="5183188" cy="3684588"/>
+          </a:xfrm>
+        </p:spPr>
+        <p:txBody>
+          <a:bodyPr>
+            <a:noAutofit/>
+          </a:bodyPr>
+          <a:lstStyle/>
+          <a:p>
+            <a:pPr marL="0" indent="0">
+              <a:buNone/>
+            </a:pPr>
+            <a:r>
+              <a:rPr lang="en-US" sz="1800" dirty="0" smtClean="0">
+                <a:solidFill>
+                  <a:srgbClr val="000000"/>
+                </a:solidFill>
+                <a:latin typeface="Consolas" panose="020B0609020204030204" pitchFamily="49" charset="0"/>
+              </a:rPr>
+              <a:t>[</a:t>
+            </a:r>
+            <a:r>
+              <a:rPr lang="en-US" sz="1800" dirty="0">
+                <a:solidFill>
+                  <a:srgbClr val="000000"/>
+                </a:solidFill>
+                <a:latin typeface="Consolas" panose="020B0609020204030204" pitchFamily="49" charset="0"/>
+              </a:rPr>
+              <a:t>Benchmark]</a:t>
+            </a:r>
+          </a:p>
+          <a:p>
+            <a:pPr marL="0" indent="0">
+              <a:buNone/>
+            </a:pPr>
+            <a:r>
+              <a:rPr lang="en-US" sz="1800" dirty="0" smtClean="0">
+                <a:solidFill>
+                  <a:srgbClr val="0000FF"/>
+                </a:solidFill>
+                <a:latin typeface="Consolas" panose="020B0609020204030204" pitchFamily="49" charset="0"/>
+              </a:rPr>
+              <a:t>object</a:t>
+            </a:r>
+            <a:r>
+              <a:rPr lang="en-US" sz="1800" dirty="0" smtClean="0">
+                <a:solidFill>
+                  <a:srgbClr val="000000"/>
+                </a:solidFill>
+                <a:latin typeface="Consolas" panose="020B0609020204030204" pitchFamily="49" charset="0"/>
+              </a:rPr>
+              <a:t> </a:t>
+            </a:r>
+            <a:r>
+              <a:rPr lang="en-US" sz="1800" dirty="0" err="1">
+                <a:solidFill>
+                  <a:srgbClr val="000000"/>
+                </a:solidFill>
+                <a:latin typeface="Consolas" panose="020B0609020204030204" pitchFamily="49" charset="0"/>
+              </a:rPr>
+              <a:t>ImmutableDictionary_Set</a:t>
+            </a:r>
+            <a:r>
+              <a:rPr lang="en-US" sz="1800" dirty="0">
+                <a:solidFill>
+                  <a:srgbClr val="000000"/>
+                </a:solidFill>
+                <a:latin typeface="Consolas" panose="020B0609020204030204" pitchFamily="49" charset="0"/>
+              </a:rPr>
+              <a:t>()</a:t>
+            </a:r>
+          </a:p>
+          <a:p>
+            <a:pPr marL="0" indent="0">
+              <a:buNone/>
+            </a:pPr>
+            <a:r>
+              <a:rPr lang="ru-RU" sz="1800" dirty="0" smtClean="0">
+                <a:solidFill>
+                  <a:srgbClr val="000000"/>
+                </a:solidFill>
+                <a:latin typeface="Consolas" panose="020B0609020204030204" pitchFamily="49" charset="0"/>
+              </a:rPr>
+              <a:t>{</a:t>
+            </a:r>
+            <a:endParaRPr lang="ru-RU" sz="1800" dirty="0">
+              <a:solidFill>
+                <a:srgbClr val="000000"/>
+              </a:solidFill>
+              <a:latin typeface="Consolas" panose="020B0609020204030204" pitchFamily="49" charset="0"/>
+            </a:endParaRPr>
+          </a:p>
+          <a:p>
+            <a:pPr marL="0" indent="0">
+              <a:buNone/>
+            </a:pPr>
+            <a:r>
+              <a:rPr lang="en-US" sz="1800" dirty="0" smtClean="0">
+                <a:solidFill>
+                  <a:srgbClr val="0000FF"/>
+                </a:solidFill>
+                <a:latin typeface="Consolas" panose="020B0609020204030204" pitchFamily="49" charset="0"/>
+              </a:rPr>
+              <a:t>    </a:t>
+            </a:r>
+            <a:r>
+              <a:rPr lang="en-US" sz="1800" dirty="0" err="1" smtClean="0">
+                <a:solidFill>
+                  <a:srgbClr val="0000FF"/>
+                </a:solidFill>
+                <a:latin typeface="Consolas" panose="020B0609020204030204" pitchFamily="49" charset="0"/>
+              </a:rPr>
+              <a:t>var</a:t>
+            </a:r>
+            <a:r>
+              <a:rPr lang="en-US" sz="1800" dirty="0" smtClean="0">
+                <a:solidFill>
+                  <a:srgbClr val="000000"/>
+                </a:solidFill>
+                <a:latin typeface="Consolas" panose="020B0609020204030204" pitchFamily="49" charset="0"/>
+              </a:rPr>
+              <a:t> </a:t>
+            </a:r>
+            <a:r>
+              <a:rPr lang="en-US" sz="1800" dirty="0" err="1">
+                <a:solidFill>
+                  <a:srgbClr val="000000"/>
+                </a:solidFill>
+                <a:latin typeface="Consolas" panose="020B0609020204030204" pitchFamily="49" charset="0"/>
+              </a:rPr>
+              <a:t>newDict</a:t>
+            </a:r>
+            <a:r>
+              <a:rPr lang="en-US" sz="1800" dirty="0">
+                <a:solidFill>
+                  <a:srgbClr val="000000"/>
+                </a:solidFill>
+                <a:latin typeface="Consolas" panose="020B0609020204030204" pitchFamily="49" charset="0"/>
+              </a:rPr>
+              <a:t> = </a:t>
+            </a:r>
+            <a:r>
+              <a:rPr lang="en-US" sz="1800" dirty="0" err="1">
+                <a:solidFill>
+                  <a:srgbClr val="000000"/>
+                </a:solidFill>
+                <a:latin typeface="Consolas" panose="020B0609020204030204" pitchFamily="49" charset="0"/>
+              </a:rPr>
+              <a:t>BigImmutable</a:t>
+            </a:r>
+            <a:endParaRPr lang="en-US" sz="1800" dirty="0">
+              <a:solidFill>
+                <a:srgbClr val="000000"/>
+              </a:solidFill>
+              <a:latin typeface="Consolas" panose="020B0609020204030204" pitchFamily="49" charset="0"/>
+            </a:endParaRPr>
+          </a:p>
+          <a:p>
+            <a:pPr marL="0" indent="0">
+              <a:buNone/>
+            </a:pPr>
+            <a:r>
+              <a:rPr lang="en-US" sz="1800" dirty="0" smtClean="0">
+                <a:solidFill>
+                  <a:srgbClr val="000000"/>
+                </a:solidFill>
+                <a:latin typeface="Consolas" panose="020B0609020204030204" pitchFamily="49" charset="0"/>
+              </a:rPr>
+              <a:t>        .</a:t>
+            </a:r>
+            <a:r>
+              <a:rPr lang="en-US" sz="1800" dirty="0" err="1">
+                <a:solidFill>
+                  <a:srgbClr val="000000"/>
+                </a:solidFill>
+                <a:latin typeface="Consolas" panose="020B0609020204030204" pitchFamily="49" charset="0"/>
+              </a:rPr>
+              <a:t>SetItem</a:t>
+            </a:r>
+            <a:r>
+              <a:rPr lang="en-US" sz="1800" dirty="0">
+                <a:solidFill>
+                  <a:srgbClr val="000000"/>
+                </a:solidFill>
+                <a:latin typeface="Consolas" panose="020B0609020204030204" pitchFamily="49" charset="0"/>
+              </a:rPr>
+              <a:t>(42, </a:t>
+            </a:r>
+            <a:r>
+              <a:rPr lang="en-US" sz="1800" dirty="0">
+                <a:solidFill>
+                  <a:srgbClr val="A31515"/>
+                </a:solidFill>
+                <a:latin typeface="Consolas" panose="020B0609020204030204" pitchFamily="49" charset="0"/>
+              </a:rPr>
+              <a:t>"123"</a:t>
+            </a:r>
+            <a:r>
+              <a:rPr lang="en-US" sz="1800" dirty="0">
+                <a:solidFill>
+                  <a:srgbClr val="000000"/>
+                </a:solidFill>
+                <a:latin typeface="Consolas" panose="020B0609020204030204" pitchFamily="49" charset="0"/>
+              </a:rPr>
+              <a:t>);</a:t>
+            </a:r>
+          </a:p>
+          <a:p>
+            <a:pPr marL="0" indent="0">
+              <a:buNone/>
+            </a:pPr>
+            <a:r>
+              <a:rPr lang="en-US" sz="1800" dirty="0" smtClean="0">
+                <a:solidFill>
+                  <a:srgbClr val="0000FF"/>
+                </a:solidFill>
+                <a:latin typeface="Consolas" panose="020B0609020204030204" pitchFamily="49" charset="0"/>
+              </a:rPr>
+              <a:t>    return</a:t>
+            </a:r>
+            <a:r>
+              <a:rPr lang="en-US" sz="1800" dirty="0" smtClean="0">
+                <a:solidFill>
+                  <a:srgbClr val="000000"/>
+                </a:solidFill>
+                <a:latin typeface="Consolas" panose="020B0609020204030204" pitchFamily="49" charset="0"/>
+              </a:rPr>
+              <a:t> </a:t>
+            </a:r>
+            <a:r>
+              <a:rPr lang="en-US" sz="1800" dirty="0" err="1">
+                <a:solidFill>
+                  <a:srgbClr val="000000"/>
+                </a:solidFill>
+                <a:latin typeface="Consolas" panose="020B0609020204030204" pitchFamily="49" charset="0"/>
+              </a:rPr>
+              <a:t>newDict</a:t>
+            </a:r>
+            <a:endParaRPr lang="en-US" sz="1800" dirty="0">
+              <a:solidFill>
+                <a:srgbClr val="000000"/>
+              </a:solidFill>
+              <a:latin typeface="Consolas" panose="020B0609020204030204" pitchFamily="49" charset="0"/>
+            </a:endParaRPr>
+          </a:p>
+          <a:p>
+            <a:pPr marL="0" indent="0">
+              <a:buNone/>
+            </a:pPr>
+            <a:r>
+              <a:rPr lang="en-US" sz="1800" dirty="0" smtClean="0">
+                <a:solidFill>
+                  <a:srgbClr val="000000"/>
+                </a:solidFill>
+                <a:latin typeface="Consolas" panose="020B0609020204030204" pitchFamily="49" charset="0"/>
+              </a:rPr>
+              <a:t>        .</a:t>
+            </a:r>
+            <a:r>
+              <a:rPr lang="en-US" sz="1800" dirty="0">
+                <a:solidFill>
+                  <a:srgbClr val="000000"/>
+                </a:solidFill>
+                <a:latin typeface="Consolas" panose="020B0609020204030204" pitchFamily="49" charset="0"/>
+              </a:rPr>
+              <a:t>Add(Count + 1, </a:t>
+            </a:r>
+            <a:r>
+              <a:rPr lang="en-US" sz="1800" dirty="0">
+                <a:solidFill>
+                  <a:srgbClr val="A31515"/>
+                </a:solidFill>
+                <a:latin typeface="Consolas" panose="020B0609020204030204" pitchFamily="49" charset="0"/>
+              </a:rPr>
+              <a:t>"new"</a:t>
+            </a:r>
+            <a:r>
+              <a:rPr lang="en-US" sz="1800" dirty="0">
+                <a:solidFill>
+                  <a:srgbClr val="000000"/>
+                </a:solidFill>
+                <a:latin typeface="Consolas" panose="020B0609020204030204" pitchFamily="49" charset="0"/>
+              </a:rPr>
+              <a:t>);</a:t>
+            </a:r>
+          </a:p>
+          <a:p>
+            <a:pPr marL="0" indent="0">
+              <a:buNone/>
+            </a:pPr>
+            <a:r>
+              <a:rPr lang="ru-RU" sz="1800" dirty="0" smtClean="0">
+                <a:solidFill>
+                  <a:srgbClr val="000000"/>
+                </a:solidFill>
+                <a:latin typeface="Consolas" panose="020B0609020204030204" pitchFamily="49" charset="0"/>
+              </a:rPr>
+              <a:t>}</a:t>
+            </a:r>
+            <a:endParaRPr lang="ru-RU" sz="1800" dirty="0"/>
+          </a:p>
+        </p:txBody>
+      </p:sp>
+    </p:spTree>
+    <p:extLst>
+      <p:ext uri="{BB962C8B-B14F-4D97-AF65-F5344CB8AC3E}">
+        <p14:creationId xmlns:p14="http://schemas.microsoft.com/office/powerpoint/2010/main" val="3614653057"/>
+      </p:ext>
+    </p:extLst>
+  </p:cSld>
+  <p:clrMapOvr>
+    <a:masterClrMapping/>
+  </p:clrMapOvr>
+  <p:timing>
+    <p:tnLst>
+      <p:par>
+        <p:cTn id="1" dur="indefinite" restart="never" nodeType="tmRoot"/>
+      </p:par>
+    </p:tnLst>
+  </p:timing>
+</p:sld>
+</file>
+
+<file path=ppt/slides/slide34.xml><?xml version="1.0" encoding="utf-8"?>
+<p:sld xmlns:a="http://schemas.openxmlformats.org/drawingml/2006/main" xmlns:r="http://schemas.openxmlformats.org/officeDocument/2006/relationships" xmlns:p="http://schemas.openxmlformats.org/presentationml/2006/main">
+  <p:cSld>
+    <p:spTree>
+      <p:nvGrpSpPr>
+        <p:cNvPr id="1" name=""/>
+        <p:cNvGrpSpPr/>
+        <p:nvPr/>
+      </p:nvGrpSpPr>
+      <p:grpSpPr>
+        <a:xfrm>
+          <a:off x="0" y="0"/>
+          <a:ext cx="0" cy="0"/>
+          <a:chOff x="0" y="0"/>
+          <a:chExt cx="0" cy="0"/>
+        </a:xfrm>
+      </p:grpSpPr>
+      <p:sp>
+        <p:nvSpPr>
           <p:cNvPr id="2" name="Title 1">
             <a:extLst>
               <a:ext uri="{FF2B5EF4-FFF2-40B4-BE49-F238E27FC236}">
-                <a16:creationId xmlns:a16="http://schemas.microsoft.com/office/drawing/2014/main" id="{C018C9B3-3F32-4E39-90FB-779E9AE6165C}"/>
+                <a16:creationId xmlns:a16="http://schemas.microsoft.com/office/drawing/2014/main" id="{74275C1A-13AB-4F4F-B611-EA21AC415E3C}"/>
               </a:ext>
             </a:extLst>
           </p:cNvPr>
@@ -19037,57 +22071,1032 @@
           <a:lstStyle/>
           <a:p>
             <a:r>
-              <a:rPr lang="en-US" dirty="0"/>
-              <a:t>Myth 3: No one uses immutable collections</a:t>
-            </a:r>
+              <a:rPr lang="en-US" dirty="0" smtClean="0"/>
+              <a:t>All benchmarks</a:t>
+            </a:r>
+            <a:endParaRPr lang="en-US" dirty="0"/>
           </a:p>
         </p:txBody>
       </p:sp>
-      <p:sp>
-        <p:nvSpPr>
-          <p:cNvPr id="3" name="Content Placeholder 2">
-            <a:extLst>
-              <a:ext uri="{FF2B5EF4-FFF2-40B4-BE49-F238E27FC236}">
-                <a16:creationId xmlns:a16="http://schemas.microsoft.com/office/drawing/2014/main" id="{D24A5066-8A6B-4FE7-8436-56911150907F}"/>
-              </a:ext>
-            </a:extLst>
-          </p:cNvPr>
-          <p:cNvSpPr>
-            <a:spLocks noGrp="1"/>
-          </p:cNvSpPr>
+      <p:graphicFrame>
+        <p:nvGraphicFramePr>
+          <p:cNvPr id="4" name="Content Placeholder 3"/>
+          <p:cNvGraphicFramePr>
+            <a:graphicFrameLocks noGrp="1"/>
+          </p:cNvGraphicFramePr>
           <p:nvPr>
             <p:ph idx="1"/>
+            <p:extLst>
+              <p:ext uri="{D42A27DB-BD31-4B8C-83A1-F6EECF244321}">
+                <p14:modId xmlns:p14="http://schemas.microsoft.com/office/powerpoint/2010/main" val="85845569"/>
+              </p:ext>
+            </p:extLst>
           </p:nvPr>
-        </p:nvSpPr>
-        <p:spPr/>
-        <p:txBody>
-          <a:bodyPr/>
-          <a:lstStyle/>
-          <a:p>
-            <a:pPr marL="0" indent="0">
-              <a:buNone/>
-            </a:pPr>
-            <a:r>
-              <a:rPr lang="en-US" dirty="0"/>
-              <a:t>Demo: How Microsoft uses Immutable Collections</a:t>
-            </a:r>
-          </a:p>
-        </p:txBody>
-      </p:sp>
+        </p:nvGraphicFramePr>
+        <p:xfrm>
+          <a:off x="838200" y="1825625"/>
+          <a:ext cx="10515600" cy="4274820"/>
+        </p:xfrm>
+        <a:graphic>
+          <a:graphicData uri="http://schemas.openxmlformats.org/drawingml/2006/table">
+            <a:tbl>
+              <a:tblPr firstRow="1" bandRow="1">
+                <a:tableStyleId>{5C22544A-7EE6-4342-B048-85BDC9FD1C3A}</a:tableStyleId>
+              </a:tblPr>
+              <a:tblGrid>
+                <a:gridCol w="2674545">
+                  <a:extLst>
+                    <a:ext uri="{9D8B030D-6E8A-4147-A177-3AD203B41FA5}">
+                      <a16:colId xmlns:a16="http://schemas.microsoft.com/office/drawing/2014/main" val="624768606"/>
+                    </a:ext>
+                  </a:extLst>
+                </a:gridCol>
+                <a:gridCol w="1531695">
+                  <a:extLst>
+                    <a:ext uri="{9D8B030D-6E8A-4147-A177-3AD203B41FA5}">
+                      <a16:colId xmlns:a16="http://schemas.microsoft.com/office/drawing/2014/main" val="3828736325"/>
+                    </a:ext>
+                  </a:extLst>
+                </a:gridCol>
+                <a:gridCol w="2103120">
+                  <a:extLst>
+                    <a:ext uri="{9D8B030D-6E8A-4147-A177-3AD203B41FA5}">
+                      <a16:colId xmlns:a16="http://schemas.microsoft.com/office/drawing/2014/main" val="3234975206"/>
+                    </a:ext>
+                  </a:extLst>
+                </a:gridCol>
+                <a:gridCol w="2103120">
+                  <a:extLst>
+                    <a:ext uri="{9D8B030D-6E8A-4147-A177-3AD203B41FA5}">
+                      <a16:colId xmlns:a16="http://schemas.microsoft.com/office/drawing/2014/main" val="2250444645"/>
+                    </a:ext>
+                  </a:extLst>
+                </a:gridCol>
+                <a:gridCol w="2103120">
+                  <a:extLst>
+                    <a:ext uri="{9D8B030D-6E8A-4147-A177-3AD203B41FA5}">
+                      <a16:colId xmlns:a16="http://schemas.microsoft.com/office/drawing/2014/main" val="4040521488"/>
+                    </a:ext>
+                  </a:extLst>
+                </a:gridCol>
+              </a:tblGrid>
+              <a:tr h="370840">
+                <a:tc>
+                  <a:txBody>
+                    <a:bodyPr/>
+                    <a:lstStyle/>
+                    <a:p>
+                      <a:r>
+                        <a:rPr lang="en-US" dirty="0">
+                          <a:effectLst/>
+                        </a:rPr>
+                        <a:t>Method</a:t>
+                      </a:r>
+                    </a:p>
+                  </a:txBody>
+                  <a:tcPr marL="123825" marR="123825" marT="57150" marB="57150" anchor="ctr"/>
+                </a:tc>
+                <a:tc>
+                  <a:txBody>
+                    <a:bodyPr/>
+                    <a:lstStyle/>
+                    <a:p>
+                      <a:r>
+                        <a:rPr lang="en-US">
+                          <a:effectLst/>
+                        </a:rPr>
+                        <a:t>Count</a:t>
+                      </a:r>
+                    </a:p>
+                  </a:txBody>
+                  <a:tcPr marL="123825" marR="123825" marT="57150" marB="57150" anchor="ctr"/>
+                </a:tc>
+                <a:tc>
+                  <a:txBody>
+                    <a:bodyPr/>
+                    <a:lstStyle/>
+                    <a:p>
+                      <a:r>
+                        <a:rPr lang="en-US">
+                          <a:effectLst/>
+                        </a:rPr>
+                        <a:t>Mean</a:t>
+                      </a:r>
+                    </a:p>
+                  </a:txBody>
+                  <a:tcPr marL="123825" marR="123825" marT="57150" marB="57150" anchor="ctr"/>
+                </a:tc>
+                <a:tc>
+                  <a:txBody>
+                    <a:bodyPr/>
+                    <a:lstStyle/>
+                    <a:p>
+                      <a:r>
+                        <a:rPr lang="en-US">
+                          <a:effectLst/>
+                        </a:rPr>
+                        <a:t>Error</a:t>
+                      </a:r>
+                    </a:p>
+                  </a:txBody>
+                  <a:tcPr marL="123825" marR="123825" marT="57150" marB="57150" anchor="ctr"/>
+                </a:tc>
+                <a:tc>
+                  <a:txBody>
+                    <a:bodyPr/>
+                    <a:lstStyle/>
+                    <a:p>
+                      <a:r>
+                        <a:rPr lang="en-US">
+                          <a:effectLst/>
+                        </a:rPr>
+                        <a:t>StdDev</a:t>
+                      </a:r>
+                    </a:p>
+                  </a:txBody>
+                  <a:tcPr marL="123825" marR="123825" marT="57150" marB="57150" anchor="ctr"/>
+                </a:tc>
+                <a:extLst>
+                  <a:ext uri="{0D108BD9-81ED-4DB2-BD59-A6C34878D82A}">
+                    <a16:rowId xmlns:a16="http://schemas.microsoft.com/office/drawing/2014/main" val="383113509"/>
+                  </a:ext>
+                </a:extLst>
+              </a:tr>
+              <a:tr h="370840">
+                <a:tc>
+                  <a:txBody>
+                    <a:bodyPr/>
+                    <a:lstStyle/>
+                    <a:p>
+                      <a:r>
+                        <a:rPr lang="en-US" dirty="0" err="1">
+                          <a:effectLst/>
+                        </a:rPr>
+                        <a:t>List_Add</a:t>
+                      </a:r>
+                      <a:endParaRPr lang="en-US" dirty="0">
+                        <a:effectLst/>
+                      </a:endParaRPr>
+                    </a:p>
+                  </a:txBody>
+                  <a:tcPr marL="123825" marR="123825" marT="57150" marB="57150" anchor="ctr"/>
+                </a:tc>
+                <a:tc>
+                  <a:txBody>
+                    <a:bodyPr/>
+                    <a:lstStyle/>
+                    <a:p>
+                      <a:r>
+                        <a:rPr lang="ru-RU">
+                          <a:effectLst/>
+                        </a:rPr>
+                        <a:t>1000</a:t>
+                      </a:r>
+                    </a:p>
+                  </a:txBody>
+                  <a:tcPr marL="123825" marR="123825" marT="57150" marB="57150" anchor="ctr"/>
+                </a:tc>
+                <a:tc>
+                  <a:txBody>
+                    <a:bodyPr/>
+                    <a:lstStyle/>
+                    <a:p>
+                      <a:r>
+                        <a:rPr lang="en-US">
+                          <a:effectLst/>
+                        </a:rPr>
+                        <a:t>1,193.7 ns</a:t>
+                      </a:r>
+                    </a:p>
+                  </a:txBody>
+                  <a:tcPr marL="123825" marR="123825" marT="57150" marB="57150" anchor="ctr"/>
+                </a:tc>
+                <a:tc>
+                  <a:txBody>
+                    <a:bodyPr/>
+                    <a:lstStyle/>
+                    <a:p>
+                      <a:r>
+                        <a:rPr lang="en-US">
+                          <a:effectLst/>
+                        </a:rPr>
+                        <a:t>28.018 ns</a:t>
+                      </a:r>
+                    </a:p>
+                  </a:txBody>
+                  <a:tcPr marL="123825" marR="123825" marT="57150" marB="57150" anchor="ctr"/>
+                </a:tc>
+                <a:tc>
+                  <a:txBody>
+                    <a:bodyPr/>
+                    <a:lstStyle/>
+                    <a:p>
+                      <a:r>
+                        <a:rPr lang="en-US" dirty="0">
+                          <a:effectLst/>
+                        </a:rPr>
+                        <a:t>31.14 ns</a:t>
+                      </a:r>
+                    </a:p>
+                  </a:txBody>
+                  <a:tcPr marL="123825" marR="123825" marT="57150" marB="57150" anchor="ctr"/>
+                </a:tc>
+                <a:extLst>
+                  <a:ext uri="{0D108BD9-81ED-4DB2-BD59-A6C34878D82A}">
+                    <a16:rowId xmlns:a16="http://schemas.microsoft.com/office/drawing/2014/main" val="3648841079"/>
+                  </a:ext>
+                </a:extLst>
+              </a:tr>
+              <a:tr h="370840">
+                <a:tc>
+                  <a:txBody>
+                    <a:bodyPr/>
+                    <a:lstStyle/>
+                    <a:p>
+                      <a:r>
+                        <a:rPr lang="en-US" dirty="0" err="1" smtClean="0">
+                          <a:effectLst/>
+                        </a:rPr>
+                        <a:t>ImmutableList_Add</a:t>
+                      </a:r>
+                      <a:endParaRPr lang="en-US" dirty="0">
+                        <a:effectLst/>
+                      </a:endParaRPr>
+                    </a:p>
+                  </a:txBody>
+                  <a:tcPr marL="123825" marR="123825" marT="57150" marB="57150" anchor="ctr"/>
+                </a:tc>
+                <a:tc>
+                  <a:txBody>
+                    <a:bodyPr/>
+                    <a:lstStyle/>
+                    <a:p>
+                      <a:r>
+                        <a:rPr lang="ru-RU">
+                          <a:effectLst/>
+                        </a:rPr>
+                        <a:t>1000</a:t>
+                      </a:r>
+                    </a:p>
+                  </a:txBody>
+                  <a:tcPr marL="123825" marR="123825" marT="57150" marB="57150" anchor="ctr"/>
+                </a:tc>
+                <a:tc>
+                  <a:txBody>
+                    <a:bodyPr/>
+                    <a:lstStyle/>
+                    <a:p>
+                      <a:r>
+                        <a:rPr lang="en-US">
+                          <a:effectLst/>
+                        </a:rPr>
+                        <a:t>365.9 ns</a:t>
+                      </a:r>
+                    </a:p>
+                  </a:txBody>
+                  <a:tcPr marL="123825" marR="123825" marT="57150" marB="57150" anchor="ctr"/>
+                </a:tc>
+                <a:tc>
+                  <a:txBody>
+                    <a:bodyPr/>
+                    <a:lstStyle/>
+                    <a:p>
+                      <a:r>
+                        <a:rPr lang="en-US">
+                          <a:effectLst/>
+                        </a:rPr>
+                        <a:t>7.324 ns</a:t>
+                      </a:r>
+                    </a:p>
+                  </a:txBody>
+                  <a:tcPr marL="123825" marR="123825" marT="57150" marB="57150" anchor="ctr"/>
+                </a:tc>
+                <a:tc>
+                  <a:txBody>
+                    <a:bodyPr/>
+                    <a:lstStyle/>
+                    <a:p>
+                      <a:r>
+                        <a:rPr lang="en-US">
+                          <a:effectLst/>
+                        </a:rPr>
+                        <a:t>11.18 ns</a:t>
+                      </a:r>
+                    </a:p>
+                  </a:txBody>
+                  <a:tcPr marL="123825" marR="123825" marT="57150" marB="57150" anchor="ctr"/>
+                </a:tc>
+                <a:extLst>
+                  <a:ext uri="{0D108BD9-81ED-4DB2-BD59-A6C34878D82A}">
+                    <a16:rowId xmlns:a16="http://schemas.microsoft.com/office/drawing/2014/main" val="3281485767"/>
+                  </a:ext>
+                </a:extLst>
+              </a:tr>
+              <a:tr h="370840">
+                <a:tc>
+                  <a:txBody>
+                    <a:bodyPr/>
+                    <a:lstStyle/>
+                    <a:p>
+                      <a:r>
+                        <a:rPr lang="en-US" dirty="0" err="1">
+                          <a:effectLst/>
+                        </a:rPr>
+                        <a:t>List_Select</a:t>
+                      </a:r>
+                      <a:endParaRPr lang="en-US" dirty="0">
+                        <a:effectLst/>
+                      </a:endParaRPr>
+                    </a:p>
+                  </a:txBody>
+                  <a:tcPr marL="123825" marR="123825" marT="57150" marB="57150" anchor="ctr"/>
+                </a:tc>
+                <a:tc>
+                  <a:txBody>
+                    <a:bodyPr/>
+                    <a:lstStyle/>
+                    <a:p>
+                      <a:r>
+                        <a:rPr lang="ru-RU">
+                          <a:effectLst/>
+                        </a:rPr>
+                        <a:t>1000</a:t>
+                      </a:r>
+                    </a:p>
+                  </a:txBody>
+                  <a:tcPr marL="123825" marR="123825" marT="57150" marB="57150" anchor="ctr"/>
+                </a:tc>
+                <a:tc>
+                  <a:txBody>
+                    <a:bodyPr/>
+                    <a:lstStyle/>
+                    <a:p>
+                      <a:r>
+                        <a:rPr lang="en-US">
+                          <a:effectLst/>
+                        </a:rPr>
+                        <a:t>133,267.5 ns</a:t>
+                      </a:r>
+                    </a:p>
+                  </a:txBody>
+                  <a:tcPr marL="123825" marR="123825" marT="57150" marB="57150" anchor="ctr"/>
+                </a:tc>
+                <a:tc>
+                  <a:txBody>
+                    <a:bodyPr/>
+                    <a:lstStyle/>
+                    <a:p>
+                      <a:r>
+                        <a:rPr lang="en-US">
+                          <a:effectLst/>
+                        </a:rPr>
+                        <a:t>3,220.017 ns</a:t>
+                      </a:r>
+                    </a:p>
+                  </a:txBody>
+                  <a:tcPr marL="123825" marR="123825" marT="57150" marB="57150" anchor="ctr"/>
+                </a:tc>
+                <a:tc>
+                  <a:txBody>
+                    <a:bodyPr/>
+                    <a:lstStyle/>
+                    <a:p>
+                      <a:r>
+                        <a:rPr lang="en-US" dirty="0">
+                          <a:effectLst/>
+                        </a:rPr>
+                        <a:t>3,445.381 ns</a:t>
+                      </a:r>
+                    </a:p>
+                  </a:txBody>
+                  <a:tcPr marL="123825" marR="123825" marT="57150" marB="57150" anchor="ctr"/>
+                </a:tc>
+                <a:extLst>
+                  <a:ext uri="{0D108BD9-81ED-4DB2-BD59-A6C34878D82A}">
+                    <a16:rowId xmlns:a16="http://schemas.microsoft.com/office/drawing/2014/main" val="2525027533"/>
+                  </a:ext>
+                </a:extLst>
+              </a:tr>
+              <a:tr h="370840">
+                <a:tc>
+                  <a:txBody>
+                    <a:bodyPr/>
+                    <a:lstStyle/>
+                    <a:p>
+                      <a:r>
+                        <a:rPr lang="en-US" dirty="0" err="1" smtClean="0">
+                          <a:effectLst/>
+                        </a:rPr>
+                        <a:t>ImmutableList_Select</a:t>
+                      </a:r>
+                      <a:endParaRPr lang="en-US" dirty="0">
+                        <a:effectLst/>
+                      </a:endParaRPr>
+                    </a:p>
+                  </a:txBody>
+                  <a:tcPr marL="123825" marR="123825" marT="57150" marB="57150" anchor="ctr"/>
+                </a:tc>
+                <a:tc>
+                  <a:txBody>
+                    <a:bodyPr/>
+                    <a:lstStyle/>
+                    <a:p>
+                      <a:r>
+                        <a:rPr lang="ru-RU">
+                          <a:effectLst/>
+                        </a:rPr>
+                        <a:t>1000</a:t>
+                      </a:r>
+                    </a:p>
+                  </a:txBody>
+                  <a:tcPr marL="123825" marR="123825" marT="57150" marB="57150" anchor="ctr"/>
+                </a:tc>
+                <a:tc>
+                  <a:txBody>
+                    <a:bodyPr/>
+                    <a:lstStyle/>
+                    <a:p>
+                      <a:r>
+                        <a:rPr lang="en-US">
+                          <a:effectLst/>
+                        </a:rPr>
+                        <a:t>276,739.8 ns</a:t>
+                      </a:r>
+                    </a:p>
+                  </a:txBody>
+                  <a:tcPr marL="123825" marR="123825" marT="57150" marB="57150" anchor="ctr"/>
+                </a:tc>
+                <a:tc>
+                  <a:txBody>
+                    <a:bodyPr/>
+                    <a:lstStyle/>
+                    <a:p>
+                      <a:r>
+                        <a:rPr lang="en-US">
+                          <a:effectLst/>
+                        </a:rPr>
+                        <a:t>5,488.651 ns</a:t>
+                      </a:r>
+                    </a:p>
+                  </a:txBody>
+                  <a:tcPr marL="123825" marR="123825" marT="57150" marB="57150" anchor="ctr"/>
+                </a:tc>
+                <a:tc>
+                  <a:txBody>
+                    <a:bodyPr/>
+                    <a:lstStyle/>
+                    <a:p>
+                      <a:r>
+                        <a:rPr lang="en-US" dirty="0">
+                          <a:effectLst/>
+                        </a:rPr>
+                        <a:t>10,705.193 ns</a:t>
+                      </a:r>
+                    </a:p>
+                  </a:txBody>
+                  <a:tcPr marL="123825" marR="123825" marT="57150" marB="57150" anchor="ctr"/>
+                </a:tc>
+                <a:extLst>
+                  <a:ext uri="{0D108BD9-81ED-4DB2-BD59-A6C34878D82A}">
+                    <a16:rowId xmlns:a16="http://schemas.microsoft.com/office/drawing/2014/main" val="757089181"/>
+                  </a:ext>
+                </a:extLst>
+              </a:tr>
+              <a:tr h="370840">
+                <a:tc>
+                  <a:txBody>
+                    <a:bodyPr/>
+                    <a:lstStyle/>
+                    <a:p>
+                      <a:r>
+                        <a:rPr lang="en-US" dirty="0" err="1">
+                          <a:effectLst/>
+                        </a:rPr>
+                        <a:t>List_Where</a:t>
+                      </a:r>
+                      <a:endParaRPr lang="en-US" dirty="0">
+                        <a:effectLst/>
+                      </a:endParaRPr>
+                    </a:p>
+                  </a:txBody>
+                  <a:tcPr marL="123825" marR="123825" marT="57150" marB="57150" anchor="ctr"/>
+                </a:tc>
+                <a:tc>
+                  <a:txBody>
+                    <a:bodyPr/>
+                    <a:lstStyle/>
+                    <a:p>
+                      <a:r>
+                        <a:rPr lang="ru-RU">
+                          <a:effectLst/>
+                        </a:rPr>
+                        <a:t>1000</a:t>
+                      </a:r>
+                    </a:p>
+                  </a:txBody>
+                  <a:tcPr marL="123825" marR="123825" marT="57150" marB="57150" anchor="ctr"/>
+                </a:tc>
+                <a:tc>
+                  <a:txBody>
+                    <a:bodyPr/>
+                    <a:lstStyle/>
+                    <a:p>
+                      <a:r>
+                        <a:rPr lang="en-US">
+                          <a:effectLst/>
+                        </a:rPr>
+                        <a:t>3,990.8 ns</a:t>
+                      </a:r>
+                    </a:p>
+                  </a:txBody>
+                  <a:tcPr marL="123825" marR="123825" marT="57150" marB="57150" anchor="ctr"/>
+                </a:tc>
+                <a:tc>
+                  <a:txBody>
+                    <a:bodyPr/>
+                    <a:lstStyle/>
+                    <a:p>
+                      <a:r>
+                        <a:rPr lang="en-US">
+                          <a:effectLst/>
+                        </a:rPr>
+                        <a:t>54.505 ns</a:t>
+                      </a:r>
+                    </a:p>
+                  </a:txBody>
+                  <a:tcPr marL="123825" marR="123825" marT="57150" marB="57150" anchor="ctr"/>
+                </a:tc>
+                <a:tc>
+                  <a:txBody>
+                    <a:bodyPr/>
+                    <a:lstStyle/>
+                    <a:p>
+                      <a:r>
+                        <a:rPr lang="en-US" dirty="0">
+                          <a:effectLst/>
+                        </a:rPr>
+                        <a:t>50.984 ns</a:t>
+                      </a:r>
+                    </a:p>
+                  </a:txBody>
+                  <a:tcPr marL="123825" marR="123825" marT="57150" marB="57150" anchor="ctr"/>
+                </a:tc>
+                <a:extLst>
+                  <a:ext uri="{0D108BD9-81ED-4DB2-BD59-A6C34878D82A}">
+                    <a16:rowId xmlns:a16="http://schemas.microsoft.com/office/drawing/2014/main" val="2825496826"/>
+                  </a:ext>
+                </a:extLst>
+              </a:tr>
+              <a:tr h="370840">
+                <a:tc>
+                  <a:txBody>
+                    <a:bodyPr/>
+                    <a:lstStyle/>
+                    <a:p>
+                      <a:r>
+                        <a:rPr lang="en-US" dirty="0" err="1" smtClean="0">
+                          <a:effectLst/>
+                        </a:rPr>
+                        <a:t>ImmutableList_Where</a:t>
+                      </a:r>
+                      <a:endParaRPr lang="en-US" dirty="0">
+                        <a:effectLst/>
+                      </a:endParaRPr>
+                    </a:p>
+                  </a:txBody>
+                  <a:tcPr marL="123825" marR="123825" marT="57150" marB="57150" anchor="ctr"/>
+                </a:tc>
+                <a:tc>
+                  <a:txBody>
+                    <a:bodyPr/>
+                    <a:lstStyle/>
+                    <a:p>
+                      <a:r>
+                        <a:rPr lang="ru-RU">
+                          <a:effectLst/>
+                        </a:rPr>
+                        <a:t>1000</a:t>
+                      </a:r>
+                    </a:p>
+                  </a:txBody>
+                  <a:tcPr marL="123825" marR="123825" marT="57150" marB="57150" anchor="ctr"/>
+                </a:tc>
+                <a:tc>
+                  <a:txBody>
+                    <a:bodyPr/>
+                    <a:lstStyle/>
+                    <a:p>
+                      <a:r>
+                        <a:rPr lang="en-US">
+                          <a:effectLst/>
+                        </a:rPr>
+                        <a:t>74,251.9 ns</a:t>
+                      </a:r>
+                    </a:p>
+                  </a:txBody>
+                  <a:tcPr marL="123825" marR="123825" marT="57150" marB="57150" anchor="ctr"/>
+                </a:tc>
+                <a:tc>
+                  <a:txBody>
+                    <a:bodyPr/>
+                    <a:lstStyle/>
+                    <a:p>
+                      <a:r>
+                        <a:rPr lang="en-US">
+                          <a:effectLst/>
+                        </a:rPr>
+                        <a:t>896.101 ns</a:t>
+                      </a:r>
+                    </a:p>
+                  </a:txBody>
+                  <a:tcPr marL="123825" marR="123825" marT="57150" marB="57150" anchor="ctr"/>
+                </a:tc>
+                <a:tc>
+                  <a:txBody>
+                    <a:bodyPr/>
+                    <a:lstStyle/>
+                    <a:p>
+                      <a:r>
+                        <a:rPr lang="en-US" dirty="0">
+                          <a:effectLst/>
+                        </a:rPr>
+                        <a:t>838.214 ns</a:t>
+                      </a:r>
+                    </a:p>
+                  </a:txBody>
+                  <a:tcPr marL="123825" marR="123825" marT="57150" marB="57150" anchor="ctr"/>
+                </a:tc>
+                <a:extLst>
+                  <a:ext uri="{0D108BD9-81ED-4DB2-BD59-A6C34878D82A}">
+                    <a16:rowId xmlns:a16="http://schemas.microsoft.com/office/drawing/2014/main" val="2776523759"/>
+                  </a:ext>
+                </a:extLst>
+              </a:tr>
+              <a:tr h="370840">
+                <a:tc>
+                  <a:txBody>
+                    <a:bodyPr/>
+                    <a:lstStyle/>
+                    <a:p>
+                      <a:r>
+                        <a:rPr lang="en-US" dirty="0" err="1">
+                          <a:effectLst/>
+                        </a:rPr>
+                        <a:t>Dictianary_Get</a:t>
+                      </a:r>
+                      <a:endParaRPr lang="en-US" dirty="0">
+                        <a:effectLst/>
+                      </a:endParaRPr>
+                    </a:p>
+                  </a:txBody>
+                  <a:tcPr marL="123825" marR="123825" marT="57150" marB="57150" anchor="ctr"/>
+                </a:tc>
+                <a:tc>
+                  <a:txBody>
+                    <a:bodyPr/>
+                    <a:lstStyle/>
+                    <a:p>
+                      <a:r>
+                        <a:rPr lang="ru-RU">
+                          <a:effectLst/>
+                        </a:rPr>
+                        <a:t>1000</a:t>
+                      </a:r>
+                    </a:p>
+                  </a:txBody>
+                  <a:tcPr marL="123825" marR="123825" marT="57150" marB="57150" anchor="ctr"/>
+                </a:tc>
+                <a:tc>
+                  <a:txBody>
+                    <a:bodyPr/>
+                    <a:lstStyle/>
+                    <a:p>
+                      <a:r>
+                        <a:rPr lang="en-US">
+                          <a:effectLst/>
+                        </a:rPr>
+                        <a:t>20.47 ns</a:t>
+                      </a:r>
+                    </a:p>
+                  </a:txBody>
+                  <a:tcPr marL="123825" marR="123825" marT="57150" marB="57150" anchor="ctr"/>
+                </a:tc>
+                <a:tc>
+                  <a:txBody>
+                    <a:bodyPr/>
+                    <a:lstStyle/>
+                    <a:p>
+                      <a:r>
+                        <a:rPr lang="en-US">
+                          <a:effectLst/>
+                        </a:rPr>
+                        <a:t>0.3230 ns</a:t>
+                      </a:r>
+                    </a:p>
+                  </a:txBody>
+                  <a:tcPr marL="123825" marR="123825" marT="57150" marB="57150" anchor="ctr"/>
+                </a:tc>
+                <a:tc>
+                  <a:txBody>
+                    <a:bodyPr/>
+                    <a:lstStyle/>
+                    <a:p>
+                      <a:r>
+                        <a:rPr lang="en-US" dirty="0">
+                          <a:effectLst/>
+                        </a:rPr>
+                        <a:t>0.3021 ns</a:t>
+                      </a:r>
+                    </a:p>
+                  </a:txBody>
+                  <a:tcPr marL="123825" marR="123825" marT="57150" marB="57150" anchor="ctr"/>
+                </a:tc>
+                <a:extLst>
+                  <a:ext uri="{0D108BD9-81ED-4DB2-BD59-A6C34878D82A}">
+                    <a16:rowId xmlns:a16="http://schemas.microsoft.com/office/drawing/2014/main" val="3994403588"/>
+                  </a:ext>
+                </a:extLst>
+              </a:tr>
+              <a:tr h="370840">
+                <a:tc>
+                  <a:txBody>
+                    <a:bodyPr/>
+                    <a:lstStyle/>
+                    <a:p>
+                      <a:r>
+                        <a:rPr lang="en-US" dirty="0" err="1" smtClean="0">
+                          <a:effectLst/>
+                        </a:rPr>
+                        <a:t>ImmutableDictionary_Get</a:t>
+                      </a:r>
+                      <a:endParaRPr lang="en-US" dirty="0">
+                        <a:effectLst/>
+                      </a:endParaRPr>
+                    </a:p>
+                  </a:txBody>
+                  <a:tcPr marL="123825" marR="123825" marT="57150" marB="57150" anchor="ctr"/>
+                </a:tc>
+                <a:tc>
+                  <a:txBody>
+                    <a:bodyPr/>
+                    <a:lstStyle/>
+                    <a:p>
+                      <a:r>
+                        <a:rPr lang="ru-RU">
+                          <a:effectLst/>
+                        </a:rPr>
+                        <a:t>1000</a:t>
+                      </a:r>
+                    </a:p>
+                  </a:txBody>
+                  <a:tcPr marL="123825" marR="123825" marT="57150" marB="57150" anchor="ctr"/>
+                </a:tc>
+                <a:tc>
+                  <a:txBody>
+                    <a:bodyPr/>
+                    <a:lstStyle/>
+                    <a:p>
+                      <a:r>
+                        <a:rPr lang="en-US">
+                          <a:effectLst/>
+                        </a:rPr>
+                        <a:t>109.25 ns</a:t>
+                      </a:r>
+                    </a:p>
+                  </a:txBody>
+                  <a:tcPr marL="123825" marR="123825" marT="57150" marB="57150" anchor="ctr"/>
+                </a:tc>
+                <a:tc>
+                  <a:txBody>
+                    <a:bodyPr/>
+                    <a:lstStyle/>
+                    <a:p>
+                      <a:r>
+                        <a:rPr lang="en-US">
+                          <a:effectLst/>
+                        </a:rPr>
+                        <a:t>1.9552 ns</a:t>
+                      </a:r>
+                    </a:p>
+                  </a:txBody>
+                  <a:tcPr marL="123825" marR="123825" marT="57150" marB="57150" anchor="ctr"/>
+                </a:tc>
+                <a:tc>
+                  <a:txBody>
+                    <a:bodyPr/>
+                    <a:lstStyle/>
+                    <a:p>
+                      <a:r>
+                        <a:rPr lang="en-US" dirty="0">
+                          <a:effectLst/>
+                        </a:rPr>
+                        <a:t>1.5265 ns</a:t>
+                      </a:r>
+                    </a:p>
+                  </a:txBody>
+                  <a:tcPr marL="123825" marR="123825" marT="57150" marB="57150" anchor="ctr"/>
+                </a:tc>
+                <a:extLst>
+                  <a:ext uri="{0D108BD9-81ED-4DB2-BD59-A6C34878D82A}">
+                    <a16:rowId xmlns:a16="http://schemas.microsoft.com/office/drawing/2014/main" val="3116407173"/>
+                  </a:ext>
+                </a:extLst>
+              </a:tr>
+              <a:tr h="370840">
+                <a:tc>
+                  <a:txBody>
+                    <a:bodyPr/>
+                    <a:lstStyle/>
+                    <a:p>
+                      <a:r>
+                        <a:rPr lang="en-US" dirty="0" err="1">
+                          <a:effectLst/>
+                        </a:rPr>
+                        <a:t>Dictianary_Set</a:t>
+                      </a:r>
+                      <a:endParaRPr lang="en-US" dirty="0">
+                        <a:effectLst/>
+                      </a:endParaRPr>
+                    </a:p>
+                  </a:txBody>
+                  <a:tcPr marL="123825" marR="123825" marT="57150" marB="57150" anchor="ctr"/>
+                </a:tc>
+                <a:tc>
+                  <a:txBody>
+                    <a:bodyPr/>
+                    <a:lstStyle/>
+                    <a:p>
+                      <a:r>
+                        <a:rPr lang="ru-RU">
+                          <a:effectLst/>
+                        </a:rPr>
+                        <a:t>1000</a:t>
+                      </a:r>
+                    </a:p>
+                  </a:txBody>
+                  <a:tcPr marL="123825" marR="123825" marT="57150" marB="57150" anchor="ctr"/>
+                </a:tc>
+                <a:tc>
+                  <a:txBody>
+                    <a:bodyPr/>
+                    <a:lstStyle/>
+                    <a:p>
+                      <a:r>
+                        <a:rPr lang="en-US">
+                          <a:effectLst/>
+                        </a:rPr>
+                        <a:t>35,392.16 ns</a:t>
+                      </a:r>
+                    </a:p>
+                  </a:txBody>
+                  <a:tcPr marL="123825" marR="123825" marT="57150" marB="57150" anchor="ctr"/>
+                </a:tc>
+                <a:tc>
+                  <a:txBody>
+                    <a:bodyPr/>
+                    <a:lstStyle/>
+                    <a:p>
+                      <a:r>
+                        <a:rPr lang="en-US">
+                          <a:effectLst/>
+                        </a:rPr>
+                        <a:t>714.6436 ns</a:t>
+                      </a:r>
+                    </a:p>
+                  </a:txBody>
+                  <a:tcPr marL="123825" marR="123825" marT="57150" marB="57150" anchor="ctr"/>
+                </a:tc>
+                <a:tc>
+                  <a:txBody>
+                    <a:bodyPr/>
+                    <a:lstStyle/>
+                    <a:p>
+                      <a:r>
+                        <a:rPr lang="en-US" dirty="0">
+                          <a:effectLst/>
+                        </a:rPr>
+                        <a:t>668.4780 ns</a:t>
+                      </a:r>
+                    </a:p>
+                  </a:txBody>
+                  <a:tcPr marL="123825" marR="123825" marT="57150" marB="57150" anchor="ctr"/>
+                </a:tc>
+                <a:extLst>
+                  <a:ext uri="{0D108BD9-81ED-4DB2-BD59-A6C34878D82A}">
+                    <a16:rowId xmlns:a16="http://schemas.microsoft.com/office/drawing/2014/main" val="350732986"/>
+                  </a:ext>
+                </a:extLst>
+              </a:tr>
+              <a:tr h="370840">
+                <a:tc>
+                  <a:txBody>
+                    <a:bodyPr/>
+                    <a:lstStyle/>
+                    <a:p>
+                      <a:r>
+                        <a:rPr lang="en-US" dirty="0" err="1" smtClean="0">
+                          <a:effectLst/>
+                        </a:rPr>
+                        <a:t>ImmutableDictionary_Set</a:t>
+                      </a:r>
+                      <a:endParaRPr lang="en-US" dirty="0">
+                        <a:effectLst/>
+                      </a:endParaRPr>
+                    </a:p>
+                  </a:txBody>
+                  <a:tcPr marL="123825" marR="123825" marT="57150" marB="57150" anchor="ctr"/>
+                </a:tc>
+                <a:tc>
+                  <a:txBody>
+                    <a:bodyPr/>
+                    <a:lstStyle/>
+                    <a:p>
+                      <a:r>
+                        <a:rPr lang="ru-RU">
+                          <a:effectLst/>
+                        </a:rPr>
+                        <a:t>1000</a:t>
+                      </a:r>
+                    </a:p>
+                  </a:txBody>
+                  <a:tcPr marL="123825" marR="123825" marT="57150" marB="57150" anchor="ctr"/>
+                </a:tc>
+                <a:tc>
+                  <a:txBody>
+                    <a:bodyPr/>
+                    <a:lstStyle/>
+                    <a:p>
+                      <a:r>
+                        <a:rPr lang="en-US">
+                          <a:effectLst/>
+                        </a:rPr>
+                        <a:t>4,628.17 ns</a:t>
+                      </a:r>
+                    </a:p>
+                  </a:txBody>
+                  <a:tcPr marL="123825" marR="123825" marT="57150" marB="57150" anchor="ctr"/>
+                </a:tc>
+                <a:tc>
+                  <a:txBody>
+                    <a:bodyPr/>
+                    <a:lstStyle/>
+                    <a:p>
+                      <a:r>
+                        <a:rPr lang="en-US">
+                          <a:effectLst/>
+                        </a:rPr>
+                        <a:t>32.1994 ns</a:t>
+                      </a:r>
+                    </a:p>
+                  </a:txBody>
+                  <a:tcPr marL="123825" marR="123825" marT="57150" marB="57150" anchor="ctr"/>
+                </a:tc>
+                <a:tc>
+                  <a:txBody>
+                    <a:bodyPr/>
+                    <a:lstStyle/>
+                    <a:p>
+                      <a:r>
+                        <a:rPr lang="en-US" dirty="0">
+                          <a:effectLst/>
+                        </a:rPr>
+                        <a:t>30.1194 ns</a:t>
+                      </a:r>
+                    </a:p>
+                  </a:txBody>
+                  <a:tcPr marL="123825" marR="123825" marT="57150" marB="57150" anchor="ctr"/>
+                </a:tc>
+                <a:extLst>
+                  <a:ext uri="{0D108BD9-81ED-4DB2-BD59-A6C34878D82A}">
+                    <a16:rowId xmlns:a16="http://schemas.microsoft.com/office/drawing/2014/main" val="4089686972"/>
+                  </a:ext>
+                </a:extLst>
+              </a:tr>
+            </a:tbl>
+          </a:graphicData>
+        </a:graphic>
+      </p:graphicFrame>
     </p:spTree>
     <p:extLst>
       <p:ext uri="{BB962C8B-B14F-4D97-AF65-F5344CB8AC3E}">
-        <p14:creationId xmlns:p14="http://schemas.microsoft.com/office/powerpoint/2010/main" val="1372487050"/>
+        <p14:creationId xmlns:p14="http://schemas.microsoft.com/office/powerpoint/2010/main" val="3459756950"/>
       </p:ext>
     </p:extLst>
   </p:cSld>
   <p:clrMapOvr>
     <a:masterClrMapping/>
   </p:clrMapOvr>
+  <p:timing>
+    <p:tnLst>
+      <p:par>
+        <p:cTn id="1" dur="indefinite" restart="never" nodeType="tmRoot"/>
+      </p:par>
+    </p:tnLst>
+  </p:timing>
 </p:sld>
 </file>
 
-<file path=ppt/slides/slide31.xml><?xml version="1.0" encoding="utf-8"?>
+<file path=ppt/slides/slide35.xml><?xml version="1.0" encoding="utf-8"?>
 <p:sld xmlns:a="http://schemas.openxmlformats.org/drawingml/2006/main" xmlns:r="http://schemas.openxmlformats.org/officeDocument/2006/relationships" xmlns:p="http://schemas.openxmlformats.org/presentationml/2006/main">
   <p:cSld>
     <p:spTree>
@@ -19168,6 +23177,13 @@
   <p:clrMapOvr>
     <a:masterClrMapping/>
   </p:clrMapOvr>
+  <p:timing>
+    <p:tnLst>
+      <p:par>
+        <p:cTn id="1" dur="indefinite" restart="never" nodeType="tmRoot"/>
+      </p:par>
+    </p:tnLst>
+  </p:timing>
 </p:sld>
 </file>
 
@@ -19228,7 +23244,17 @@
           <a:p>
             <a:r>
               <a:rPr lang="en-US" dirty="0" smtClean="0"/>
-              <a:t>Techniques to make entities immutable</a:t>
+              <a:t>Advantages of using immutable entities and collections</a:t>
+            </a:r>
+          </a:p>
+          <a:p>
+            <a:r>
+              <a:rPr lang="en-US" dirty="0" smtClean="0"/>
+              <a:t>Techniques </a:t>
+            </a:r>
+            <a:r>
+              <a:rPr lang="en-US" dirty="0" smtClean="0"/>
+              <a:t>to make entities immutable</a:t>
             </a:r>
           </a:p>
           <a:p>
@@ -19776,6 +23802,15 @@
                 </a:solidFill>
                 <a:latin typeface="Consolas" panose="020B0609020204030204" pitchFamily="49" charset="0"/>
               </a:rPr>
+              <a:t>public </a:t>
+            </a:r>
+            <a:r>
+              <a:rPr lang="en-US" sz="1800" dirty="0" smtClean="0">
+                <a:solidFill>
+                  <a:srgbClr val="0000FF"/>
+                </a:solidFill>
+                <a:latin typeface="Consolas" panose="020B0609020204030204" pitchFamily="49" charset="0"/>
+              </a:rPr>
               <a:t>string</a:t>
             </a:r>
             <a:r>
@@ -20160,7 +24195,79 @@
   <p:timing>
     <p:tnLst>
       <p:par>
-        <p:cTn id="1" dur="indefinite" restart="never" nodeType="tmRoot"/>
+        <p:cTn id="1" dur="indefinite" restart="never" nodeType="tmRoot">
+          <p:childTnLst>
+            <p:seq concurrent="1" nextAc="seek">
+              <p:cTn id="2" dur="indefinite" nodeType="mainSeq">
+                <p:childTnLst>
+                  <p:par>
+                    <p:cTn id="3" fill="hold">
+                      <p:stCondLst>
+                        <p:cond delay="indefinite"/>
+                      </p:stCondLst>
+                      <p:childTnLst>
+                        <p:par>
+                          <p:cTn id="4" fill="hold">
+                            <p:stCondLst>
+                              <p:cond delay="0"/>
+                            </p:stCondLst>
+                            <p:childTnLst>
+                              <p:par>
+                                <p:cTn id="5" presetID="1" presetClass="entr" presetSubtype="0" fill="hold" nodeType="clickEffect">
+                                  <p:stCondLst>
+                                    <p:cond delay="0"/>
+                                  </p:stCondLst>
+                                  <p:childTnLst>
+                                    <p:set>
+                                      <p:cBhvr>
+                                        <p:cTn id="6" dur="1" fill="hold">
+                                          <p:stCondLst>
+                                            <p:cond delay="0"/>
+                                          </p:stCondLst>
+                                        </p:cTn>
+                                        <p:tgtEl>
+                                          <p:spTgt spid="5">
+                                            <p:txEl>
+                                              <p:pRg st="4" end="4"/>
+                                            </p:txEl>
+                                          </p:spTgt>
+                                        </p:tgtEl>
+                                        <p:attrNameLst>
+                                          <p:attrName>style.visibility</p:attrName>
+                                        </p:attrNameLst>
+                                      </p:cBhvr>
+                                      <p:to>
+                                        <p:strVal val="visible"/>
+                                      </p:to>
+                                    </p:set>
+                                  </p:childTnLst>
+                                </p:cTn>
+                              </p:par>
+                            </p:childTnLst>
+                          </p:cTn>
+                        </p:par>
+                      </p:childTnLst>
+                    </p:cTn>
+                  </p:par>
+                </p:childTnLst>
+              </p:cTn>
+              <p:prevCondLst>
+                <p:cond evt="onPrev" delay="0">
+                  <p:tgtEl>
+                    <p:sldTgt/>
+                  </p:tgtEl>
+                </p:cond>
+              </p:prevCondLst>
+              <p:nextCondLst>
+                <p:cond evt="onNext" delay="0">
+                  <p:tgtEl>
+                    <p:sldTgt/>
+                  </p:tgtEl>
+                </p:cond>
+              </p:nextCondLst>
+            </p:seq>
+          </p:childTnLst>
+        </p:cTn>
       </p:par>
     </p:tnLst>
   </p:timing>
@@ -20232,13 +24339,31 @@
               <a:buNone/>
             </a:pPr>
             <a:r>
+              <a:rPr lang="en-US" dirty="0">
+                <a:solidFill>
+                  <a:srgbClr val="0000FF"/>
+                </a:solidFill>
+                <a:latin typeface="Consolas" panose="020B0609020204030204" pitchFamily="49" charset="0"/>
+              </a:rPr>
+              <a:t>p</a:t>
+            </a:r>
+            <a:r>
               <a:rPr lang="en-US" dirty="0" smtClean="0">
                 <a:solidFill>
                   <a:srgbClr val="0000FF"/>
                 </a:solidFill>
                 <a:latin typeface="Consolas" panose="020B0609020204030204" pitchFamily="49" charset="0"/>
               </a:rPr>
-              <a:t>Private static</a:t>
+              <a:t>rivate </a:t>
+            </a:r>
+            <a:r>
+              <a:rPr lang="en-US" dirty="0" smtClean="0">
+                <a:solidFill>
+                  <a:srgbClr val="0000FF"/>
+                </a:solidFill>
+                <a:latin typeface="Consolas" panose="020B0609020204030204" pitchFamily="49" charset="0"/>
+              </a:rPr>
+              <a:t>static</a:t>
             </a:r>
             <a:r>
               <a:rPr lang="en-US" dirty="0" smtClean="0">
@@ -20783,7 +24908,7 @@
         <p:spPr/>
         <p:txBody>
           <a:bodyPr>
-            <a:normAutofit fontScale="77500" lnSpcReduction="20000"/>
+            <a:normAutofit fontScale="55000" lnSpcReduction="20000"/>
           </a:bodyPr>
           <a:lstStyle/>
           <a:p>
@@ -20935,30 +25060,116 @@
                 </a:solidFill>
                 <a:latin typeface="Consolas" panose="020B0609020204030204" pitchFamily="49" charset="0"/>
               </a:rPr>
-              <a:t>entity = Entity;</a:t>
-            </a:r>
-          </a:p>
-          <a:p>
-            <a:pPr marL="0" indent="0">
-              <a:buNone/>
-            </a:pPr>
+              <a:t>entity = Entity</a:t>
+            </a:r>
             <a:r>
               <a:rPr lang="en-US" dirty="0" smtClean="0">
                 <a:solidFill>
-                  <a:srgbClr val="008000"/>
-                </a:solidFill>
-                <a:latin typeface="Consolas" panose="020B0609020204030204" pitchFamily="49" charset="0"/>
-              </a:rPr>
-              <a:t>    /* </a:t>
-            </a:r>
-            <a:r>
-              <a:rPr lang="en-US" dirty="0">
-                <a:solidFill>
-                  <a:srgbClr val="008000"/>
-                </a:solidFill>
-                <a:latin typeface="Consolas" panose="020B0609020204030204" pitchFamily="49" charset="0"/>
-              </a:rPr>
-              <a:t>a lot of code */</a:t>
+                  <a:srgbClr val="000000"/>
+                </a:solidFill>
+                <a:latin typeface="Consolas" panose="020B0609020204030204" pitchFamily="49" charset="0"/>
+              </a:rPr>
+              <a:t>;</a:t>
+            </a:r>
+          </a:p>
+          <a:p>
+            <a:pPr marL="0" indent="0">
+              <a:buNone/>
+            </a:pPr>
+            <a:r>
+              <a:rPr lang="en-US" dirty="0" smtClean="0">
+                <a:solidFill>
+                  <a:srgbClr val="000000"/>
+                </a:solidFill>
+                <a:latin typeface="Consolas" panose="020B0609020204030204" pitchFamily="49" charset="0"/>
+              </a:rPr>
+              <a:t>    </a:t>
+            </a:r>
+            <a:r>
+              <a:rPr lang="en-US" dirty="0" err="1" smtClean="0">
+                <a:solidFill>
+                  <a:srgbClr val="000000"/>
+                </a:solidFill>
+                <a:latin typeface="Consolas" panose="020B0609020204030204" pitchFamily="49" charset="0"/>
+              </a:rPr>
+              <a:t>Console.WriteLine</a:t>
+            </a:r>
+            <a:r>
+              <a:rPr lang="en-US" dirty="0" smtClean="0">
+                <a:solidFill>
+                  <a:srgbClr val="000000"/>
+                </a:solidFill>
+                <a:latin typeface="Consolas" panose="020B0609020204030204" pitchFamily="49" charset="0"/>
+              </a:rPr>
+              <a:t>(</a:t>
+            </a:r>
+            <a:r>
+              <a:rPr lang="en-US" dirty="0" err="1" smtClean="0">
+                <a:solidFill>
+                  <a:srgbClr val="000000"/>
+                </a:solidFill>
+                <a:latin typeface="Consolas" panose="020B0609020204030204" pitchFamily="49" charset="0"/>
+              </a:rPr>
+              <a:t>Entity.Name</a:t>
+            </a:r>
+            <a:r>
+              <a:rPr lang="en-US" dirty="0" smtClean="0">
+                <a:solidFill>
+                  <a:srgbClr val="000000"/>
+                </a:solidFill>
+                <a:latin typeface="Consolas" panose="020B0609020204030204" pitchFamily="49" charset="0"/>
+              </a:rPr>
+              <a:t>);</a:t>
+            </a:r>
+          </a:p>
+          <a:p>
+            <a:pPr marL="0" indent="0">
+              <a:buNone/>
+            </a:pPr>
+            <a:r>
+              <a:rPr lang="en-US" dirty="0" smtClean="0">
+                <a:solidFill>
+                  <a:srgbClr val="000000"/>
+                </a:solidFill>
+                <a:latin typeface="Consolas" panose="020B0609020204030204" pitchFamily="49" charset="0"/>
+              </a:rPr>
+              <a:t>    </a:t>
+            </a:r>
+            <a:r>
+              <a:rPr lang="en-US" dirty="0" err="1" smtClean="0">
+                <a:solidFill>
+                  <a:srgbClr val="000000"/>
+                </a:solidFill>
+                <a:latin typeface="Consolas" panose="020B0609020204030204" pitchFamily="49" charset="0"/>
+              </a:rPr>
+              <a:t>Console.WriteLine</a:t>
+            </a:r>
+            <a:r>
+              <a:rPr lang="en-US" dirty="0" smtClean="0">
+                <a:solidFill>
+                  <a:srgbClr val="000000"/>
+                </a:solidFill>
+                <a:latin typeface="Consolas" panose="020B0609020204030204" pitchFamily="49" charset="0"/>
+              </a:rPr>
+              <a:t>(</a:t>
+            </a:r>
+            <a:r>
+              <a:rPr lang="en-US" dirty="0" err="1" smtClean="0">
+                <a:solidFill>
+                  <a:srgbClr val="000000"/>
+                </a:solidFill>
+                <a:latin typeface="Consolas" panose="020B0609020204030204" pitchFamily="49" charset="0"/>
+              </a:rPr>
+              <a:t>entity.Name</a:t>
+            </a:r>
+            <a:r>
+              <a:rPr lang="en-US" dirty="0" smtClean="0">
+                <a:solidFill>
+                  <a:srgbClr val="000000"/>
+                </a:solidFill>
+                <a:latin typeface="Consolas" panose="020B0609020204030204" pitchFamily="49" charset="0"/>
+              </a:rPr>
+              <a:t>);</a:t>
             </a:r>
             <a:endParaRPr lang="en-US" dirty="0">
               <a:solidFill>
@@ -20971,6 +25182,148 @@
             <a:pPr marL="0" indent="0">
               <a:buNone/>
             </a:pPr>
+            <a:r>
+              <a:rPr lang="en-US" dirty="0" smtClean="0">
+                <a:solidFill>
+                  <a:srgbClr val="008000"/>
+                </a:solidFill>
+                <a:latin typeface="Consolas" panose="020B0609020204030204" pitchFamily="49" charset="0"/>
+              </a:rPr>
+              <a:t>    /* </a:t>
+            </a:r>
+            <a:r>
+              <a:rPr lang="en-US" dirty="0">
+                <a:solidFill>
+                  <a:srgbClr val="008000"/>
+                </a:solidFill>
+                <a:latin typeface="Consolas" panose="020B0609020204030204" pitchFamily="49" charset="0"/>
+              </a:rPr>
+              <a:t>a lot of code */</a:t>
+            </a:r>
+            <a:endParaRPr lang="en-US" dirty="0">
+              <a:solidFill>
+                <a:srgbClr val="000000"/>
+              </a:solidFill>
+              <a:latin typeface="Consolas" panose="020B0609020204030204" pitchFamily="49" charset="0"/>
+            </a:endParaRPr>
+          </a:p>
+          <a:p>
+            <a:pPr marL="0" indent="0">
+              <a:buNone/>
+            </a:pPr>
+            <a:r>
+              <a:rPr lang="en-US" dirty="0" smtClean="0">
+                <a:solidFill>
+                  <a:srgbClr val="000000"/>
+                </a:solidFill>
+                <a:latin typeface="Consolas" panose="020B0609020204030204" pitchFamily="49" charset="0"/>
+              </a:rPr>
+              <a:t>    </a:t>
+            </a:r>
+            <a:r>
+              <a:rPr lang="en-US" dirty="0" err="1" smtClean="0">
+                <a:solidFill>
+                  <a:srgbClr val="000000"/>
+                </a:solidFill>
+                <a:latin typeface="Consolas" panose="020B0609020204030204" pitchFamily="49" charset="0"/>
+              </a:rPr>
+              <a:t>Console.WriteLine</a:t>
+            </a:r>
+            <a:r>
+              <a:rPr lang="en-US" dirty="0" smtClean="0">
+                <a:solidFill>
+                  <a:srgbClr val="000000"/>
+                </a:solidFill>
+                <a:latin typeface="Consolas" panose="020B0609020204030204" pitchFamily="49" charset="0"/>
+              </a:rPr>
+              <a:t>(</a:t>
+            </a:r>
+            <a:r>
+              <a:rPr lang="en-US" dirty="0" err="1" smtClean="0">
+                <a:solidFill>
+                  <a:srgbClr val="000000"/>
+                </a:solidFill>
+                <a:latin typeface="Consolas" panose="020B0609020204030204" pitchFamily="49" charset="0"/>
+              </a:rPr>
+              <a:t>Entity.Name</a:t>
+            </a:r>
+            <a:r>
+              <a:rPr lang="en-US" dirty="0" smtClean="0">
+                <a:solidFill>
+                  <a:srgbClr val="000000"/>
+                </a:solidFill>
+                <a:latin typeface="Consolas" panose="020B0609020204030204" pitchFamily="49" charset="0"/>
+              </a:rPr>
+              <a:t>);</a:t>
+            </a:r>
+          </a:p>
+          <a:p>
+            <a:pPr marL="0" indent="0">
+              <a:buNone/>
+            </a:pPr>
+            <a:r>
+              <a:rPr lang="en-US" dirty="0">
+                <a:solidFill>
+                  <a:srgbClr val="000000"/>
+                </a:solidFill>
+                <a:latin typeface="Consolas" panose="020B0609020204030204" pitchFamily="49" charset="0"/>
+              </a:rPr>
+              <a:t> </a:t>
+            </a:r>
+            <a:r>
+              <a:rPr lang="en-US" dirty="0" smtClean="0">
+                <a:solidFill>
+                  <a:srgbClr val="000000"/>
+                </a:solidFill>
+                <a:latin typeface="Consolas" panose="020B0609020204030204" pitchFamily="49" charset="0"/>
+              </a:rPr>
+              <a:t>   </a:t>
+            </a:r>
+            <a:r>
+              <a:rPr lang="en-US" dirty="0" err="1" smtClean="0">
+                <a:solidFill>
+                  <a:srgbClr val="000000"/>
+                </a:solidFill>
+                <a:latin typeface="Consolas" panose="020B0609020204030204" pitchFamily="49" charset="0"/>
+              </a:rPr>
+              <a:t>Console.WriteLine</a:t>
+            </a:r>
+            <a:r>
+              <a:rPr lang="en-US" dirty="0" smtClean="0">
+                <a:solidFill>
+                  <a:srgbClr val="000000"/>
+                </a:solidFill>
+                <a:latin typeface="Consolas" panose="020B0609020204030204" pitchFamily="49" charset="0"/>
+              </a:rPr>
+              <a:t>(</a:t>
+            </a:r>
+            <a:r>
+              <a:rPr lang="en-US" dirty="0" err="1">
+                <a:solidFill>
+                  <a:srgbClr val="000000"/>
+                </a:solidFill>
+                <a:latin typeface="Consolas" panose="020B0609020204030204" pitchFamily="49" charset="0"/>
+              </a:rPr>
+              <a:t>entity</a:t>
+            </a:r>
+            <a:r>
+              <a:rPr lang="en-US" dirty="0" err="1" smtClean="0">
+                <a:solidFill>
+                  <a:srgbClr val="000000"/>
+                </a:solidFill>
+                <a:latin typeface="Consolas" panose="020B0609020204030204" pitchFamily="49" charset="0"/>
+              </a:rPr>
+              <a:t>.Name</a:t>
+            </a:r>
+            <a:r>
+              <a:rPr lang="en-US" dirty="0" smtClean="0">
+                <a:solidFill>
+                  <a:srgbClr val="000000"/>
+                </a:solidFill>
+                <a:latin typeface="Consolas" panose="020B0609020204030204" pitchFamily="49" charset="0"/>
+              </a:rPr>
+              <a:t>);</a:t>
+            </a:r>
             <a:endParaRPr lang="ru-RU" dirty="0">
               <a:solidFill>
                 <a:srgbClr val="000000"/>
@@ -21202,6 +25555,130 @@
                                           <p:spTgt spid="3">
                                             <p:txEl>
                                               <p:pRg st="3" end="3"/>
+                                            </p:txEl>
+                                          </p:spTgt>
+                                        </p:tgtEl>
+                                        <p:attrNameLst>
+                                          <p:attrName>style.visibility</p:attrName>
+                                        </p:attrNameLst>
+                                      </p:cBhvr>
+                                      <p:to>
+                                        <p:strVal val="visible"/>
+                                      </p:to>
+                                    </p:set>
+                                  </p:childTnLst>
+                                </p:cTn>
+                              </p:par>
+                              <p:par>
+                                <p:cTn id="7" presetID="1" presetClass="exit" presetSubtype="0" fill="hold" nodeType="withEffect">
+                                  <p:stCondLst>
+                                    <p:cond delay="0"/>
+                                  </p:stCondLst>
+                                  <p:childTnLst>
+                                    <p:set>
+                                      <p:cBhvr>
+                                        <p:cTn id="8" dur="1" fill="hold">
+                                          <p:stCondLst>
+                                            <p:cond delay="0"/>
+                                          </p:stCondLst>
+                                        </p:cTn>
+                                        <p:tgtEl>
+                                          <p:spTgt spid="3">
+                                            <p:txEl>
+                                              <p:pRg st="4" end="4"/>
+                                            </p:txEl>
+                                          </p:spTgt>
+                                        </p:tgtEl>
+                                        <p:attrNameLst>
+                                          <p:attrName>style.visibility</p:attrName>
+                                        </p:attrNameLst>
+                                      </p:cBhvr>
+                                      <p:to>
+                                        <p:strVal val="hidden"/>
+                                      </p:to>
+                                    </p:set>
+                                  </p:childTnLst>
+                                </p:cTn>
+                              </p:par>
+                              <p:par>
+                                <p:cTn id="9" presetID="1" presetClass="entr" presetSubtype="0" fill="hold" nodeType="withEffect">
+                                  <p:stCondLst>
+                                    <p:cond delay="0"/>
+                                  </p:stCondLst>
+                                  <p:childTnLst>
+                                    <p:set>
+                                      <p:cBhvr>
+                                        <p:cTn id="10" dur="1" fill="hold">
+                                          <p:stCondLst>
+                                            <p:cond delay="0"/>
+                                          </p:stCondLst>
+                                        </p:cTn>
+                                        <p:tgtEl>
+                                          <p:spTgt spid="3">
+                                            <p:txEl>
+                                              <p:pRg st="5" end="5"/>
+                                            </p:txEl>
+                                          </p:spTgt>
+                                        </p:tgtEl>
+                                        <p:attrNameLst>
+                                          <p:attrName>style.visibility</p:attrName>
+                                        </p:attrNameLst>
+                                      </p:cBhvr>
+                                      <p:to>
+                                        <p:strVal val="visible"/>
+                                      </p:to>
+                                    </p:set>
+                                  </p:childTnLst>
+                                </p:cTn>
+                              </p:par>
+                              <p:par>
+                                <p:cTn id="11" presetID="1" presetClass="exit" presetSubtype="0" fill="hold" nodeType="withEffect">
+                                  <p:stCondLst>
+                                    <p:cond delay="0"/>
+                                  </p:stCondLst>
+                                  <p:childTnLst>
+                                    <p:set>
+                                      <p:cBhvr>
+                                        <p:cTn id="12" dur="1" fill="hold">
+                                          <p:stCondLst>
+                                            <p:cond delay="0"/>
+                                          </p:stCondLst>
+                                        </p:cTn>
+                                        <p:tgtEl>
+                                          <p:spTgt spid="3">
+                                            <p:txEl>
+                                              <p:pRg st="7" end="7"/>
+                                            </p:txEl>
+                                          </p:spTgt>
+                                        </p:tgtEl>
+                                        <p:attrNameLst>
+                                          <p:attrName>style.visibility</p:attrName>
+                                        </p:attrNameLst>
+                                      </p:cBhvr>
+                                      <p:to>
+                                        <p:strVal val="hidden"/>
+                                      </p:to>
+                                    </p:set>
+                                  </p:childTnLst>
+                                </p:cTn>
+                              </p:par>
+                              <p:par>
+                                <p:cTn id="13" presetID="1" presetClass="entr" presetSubtype="0" fill="hold" nodeType="withEffect">
+                                  <p:stCondLst>
+                                    <p:cond delay="0"/>
+                                  </p:stCondLst>
+                                  <p:childTnLst>
+                                    <p:set>
+                                      <p:cBhvr>
+                                        <p:cTn id="14" dur="1" fill="hold">
+                                          <p:stCondLst>
+                                            <p:cond delay="0"/>
+                                          </p:stCondLst>
+                                        </p:cTn>
+                                        <p:tgtEl>
+                                          <p:spTgt spid="3">
+                                            <p:txEl>
+                                              <p:pRg st="8" end="8"/>
                                             </p:txEl>
                                           </p:spTgt>
                                         </p:tgtEl>

--- a/Presentation.pptx
+++ b/Presentation.pptx
@@ -10,38 +10,38 @@
   <p:sldIdLst>
     <p:sldId id="256" r:id="rId2"/>
     <p:sldId id="257" r:id="rId3"/>
-    <p:sldId id="258" r:id="rId4"/>
-    <p:sldId id="281" r:id="rId5"/>
-    <p:sldId id="259" r:id="rId6"/>
-    <p:sldId id="282" r:id="rId7"/>
-    <p:sldId id="283" r:id="rId8"/>
-    <p:sldId id="284" r:id="rId9"/>
-    <p:sldId id="261" r:id="rId10"/>
-    <p:sldId id="260" r:id="rId11"/>
-    <p:sldId id="262" r:id="rId12"/>
-    <p:sldId id="263" r:id="rId13"/>
-    <p:sldId id="277" r:id="rId14"/>
-    <p:sldId id="264" r:id="rId15"/>
-    <p:sldId id="278" r:id="rId16"/>
-    <p:sldId id="270" r:id="rId17"/>
-    <p:sldId id="279" r:id="rId18"/>
-    <p:sldId id="280" r:id="rId19"/>
-    <p:sldId id="265" r:id="rId20"/>
-    <p:sldId id="285" r:id="rId21"/>
-    <p:sldId id="286" r:id="rId22"/>
-    <p:sldId id="266" r:id="rId23"/>
-    <p:sldId id="267" r:id="rId24"/>
-    <p:sldId id="268" r:id="rId25"/>
-    <p:sldId id="287" r:id="rId26"/>
-    <p:sldId id="269" r:id="rId27"/>
-    <p:sldId id="271" r:id="rId28"/>
-    <p:sldId id="273" r:id="rId29"/>
-    <p:sldId id="288" r:id="rId30"/>
-    <p:sldId id="289" r:id="rId31"/>
-    <p:sldId id="290" r:id="rId32"/>
-    <p:sldId id="291" r:id="rId33"/>
-    <p:sldId id="292" r:id="rId34"/>
-    <p:sldId id="276" r:id="rId35"/>
+    <p:sldId id="281" r:id="rId4"/>
+    <p:sldId id="259" r:id="rId5"/>
+    <p:sldId id="282" r:id="rId6"/>
+    <p:sldId id="283" r:id="rId7"/>
+    <p:sldId id="284" r:id="rId8"/>
+    <p:sldId id="261" r:id="rId9"/>
+    <p:sldId id="260" r:id="rId10"/>
+    <p:sldId id="262" r:id="rId11"/>
+    <p:sldId id="263" r:id="rId12"/>
+    <p:sldId id="277" r:id="rId13"/>
+    <p:sldId id="264" r:id="rId14"/>
+    <p:sldId id="278" r:id="rId15"/>
+    <p:sldId id="270" r:id="rId16"/>
+    <p:sldId id="279" r:id="rId17"/>
+    <p:sldId id="280" r:id="rId18"/>
+    <p:sldId id="265" r:id="rId19"/>
+    <p:sldId id="285" r:id="rId20"/>
+    <p:sldId id="286" r:id="rId21"/>
+    <p:sldId id="266" r:id="rId22"/>
+    <p:sldId id="267" r:id="rId23"/>
+    <p:sldId id="268" r:id="rId24"/>
+    <p:sldId id="287" r:id="rId25"/>
+    <p:sldId id="269" r:id="rId26"/>
+    <p:sldId id="271" r:id="rId27"/>
+    <p:sldId id="273" r:id="rId28"/>
+    <p:sldId id="288" r:id="rId29"/>
+    <p:sldId id="289" r:id="rId30"/>
+    <p:sldId id="290" r:id="rId31"/>
+    <p:sldId id="291" r:id="rId32"/>
+    <p:sldId id="292" r:id="rId33"/>
+    <p:sldId id="276" r:id="rId34"/>
+    <p:sldId id="258" r:id="rId35"/>
     <p:sldId id="275" r:id="rId36"/>
   </p:sldIdLst>
   <p:sldSz cx="12192000" cy="6858000"/>
@@ -148,7 +148,6 @@
           <p14:sldIdLst>
             <p14:sldId id="256"/>
             <p14:sldId id="257"/>
-            <p14:sldId id="258"/>
             <p14:sldId id="281"/>
           </p14:sldIdLst>
         </p14:section>
@@ -200,6 +199,7 @@
         </p14:section>
         <p14:section name="Final" id="{077DD763-A0DA-4F14-BFFA-995311BA8C06}">
           <p14:sldIdLst>
+            <p14:sldId id="258"/>
             <p14:sldId id="275"/>
           </p14:sldIdLst>
         </p14:section>
@@ -298,7 +298,7 @@
           <a:p>
             <a:fld id="{E8677973-4C7D-4B32-A1AE-9D6A9A1BEB65}" type="datetimeFigureOut">
               <a:rPr lang="en-US" smtClean="0"/>
-              <a:t>5/1/2018</a:t>
+              <a:t>5/2/2018</a:t>
             </a:fld>
             <a:endParaRPr lang="en-US"/>
           </a:p>
@@ -719,11 +719,19 @@
           <a:p>
             <a:r>
               <a:rPr lang="en-US" dirty="0"/>
-              <a:t>MEETUP: </a:t>
+              <a:t>19</a:t>
             </a:r>
             <a:r>
               <a:rPr lang="ru-RU" dirty="0"/>
-              <a:t>показать пример из дата трансфера</a:t>
+              <a:t>: Второй паттерн – </a:t>
+            </a:r>
+            <a:r>
+              <a:rPr lang="en-US" dirty="0"/>
+              <a:t>Builder. </a:t>
+            </a:r>
+            <a:r>
+              <a:rPr lang="ru-RU" dirty="0"/>
+              <a:t>Не буду на нем задерживаться на долго, так как Джон скит очень подробно его описал год назад.</a:t>
             </a:r>
             <a:endParaRPr lang="en-US" dirty="0"/>
           </a:p>
@@ -755,7 +763,7 @@
     </p:spTree>
     <p:extLst>
       <p:ext uri="{BB962C8B-B14F-4D97-AF65-F5344CB8AC3E}">
-        <p14:creationId xmlns:p14="http://schemas.microsoft.com/office/powerpoint/2010/main" val="838380362"/>
+        <p14:creationId xmlns:p14="http://schemas.microsoft.com/office/powerpoint/2010/main" val="1434091891"/>
       </p:ext>
     </p:extLst>
   </p:cSld>
@@ -811,19 +819,11 @@
           <a:p>
             <a:r>
               <a:rPr lang="en-US" dirty="0"/>
-              <a:t>19</a:t>
+              <a:t>20-22: </a:t>
             </a:r>
             <a:r>
               <a:rPr lang="ru-RU" dirty="0"/>
-              <a:t>: Второй паттерн – </a:t>
-            </a:r>
-            <a:r>
-              <a:rPr lang="en-US" dirty="0"/>
-              <a:t>Builder. </a:t>
-            </a:r>
-            <a:r>
-              <a:rPr lang="ru-RU" dirty="0"/>
-              <a:t>Не буду на нем задерживаться на долго, так как Джон скит очень подробно его описал год назад.</a:t>
+              <a:t>Мы можем обернуть наш изменяемый класс неизмеяемым врапером. Не рекомендую писать велосипед, есть отличная реализация.</a:t>
             </a:r>
             <a:endParaRPr lang="en-US" dirty="0"/>
           </a:p>
@@ -846,7 +846,7 @@
           <a:p>
             <a:fld id="{516C5DDC-7799-4ACC-A213-90C50CBCB02D}" type="slidenum">
               <a:rPr lang="en-US" smtClean="0"/>
-              <a:t>14</a:t>
+              <a:t>15</a:t>
             </a:fld>
             <a:endParaRPr lang="en-US"/>
           </a:p>
@@ -855,7 +855,7 @@
     </p:spTree>
     <p:extLst>
       <p:ext uri="{BB962C8B-B14F-4D97-AF65-F5344CB8AC3E}">
-        <p14:creationId xmlns:p14="http://schemas.microsoft.com/office/powerpoint/2010/main" val="1434091891"/>
+        <p14:creationId xmlns:p14="http://schemas.microsoft.com/office/powerpoint/2010/main" val="651436057"/>
       </p:ext>
     </p:extLst>
   </p:cSld>
@@ -909,14 +909,6 @@
           <a:bodyPr/>
           <a:lstStyle/>
           <a:p>
-            <a:r>
-              <a:rPr lang="en-US" dirty="0"/>
-              <a:t>20-22: </a:t>
-            </a:r>
-            <a:r>
-              <a:rPr lang="ru-RU" dirty="0"/>
-              <a:t>Мы можем обернуть наш изменяемый класс неизмеяемым врапером. Не рекомендую писать велосипед, есть отличная реализация.</a:t>
-            </a:r>
             <a:endParaRPr lang="en-US" dirty="0"/>
           </a:p>
         </p:txBody>
@@ -938,7 +930,7 @@
           <a:p>
             <a:fld id="{516C5DDC-7799-4ACC-A213-90C50CBCB02D}" type="slidenum">
               <a:rPr lang="en-US" smtClean="0"/>
-              <a:t>16</a:t>
+              <a:t>17</a:t>
             </a:fld>
             <a:endParaRPr lang="en-US"/>
           </a:p>
@@ -947,7 +939,7 @@
     </p:spTree>
     <p:extLst>
       <p:ext uri="{BB962C8B-B14F-4D97-AF65-F5344CB8AC3E}">
-        <p14:creationId xmlns:p14="http://schemas.microsoft.com/office/powerpoint/2010/main" val="651436057"/>
+        <p14:creationId xmlns:p14="http://schemas.microsoft.com/office/powerpoint/2010/main" val="2493709556"/>
       </p:ext>
     </p:extLst>
   </p:cSld>
@@ -1001,6 +993,54 @@
           <a:bodyPr/>
           <a:lstStyle/>
           <a:p>
+            <a:r>
+              <a:rPr lang="ru-RU" dirty="0"/>
+              <a:t>22</a:t>
+            </a:r>
+            <a:r>
+              <a:rPr lang="en-US" dirty="0"/>
+              <a:t>-2</a:t>
+            </a:r>
+            <a:r>
+              <a:rPr lang="ru-RU" dirty="0"/>
+              <a:t>7</a:t>
+            </a:r>
+            <a:r>
+              <a:rPr lang="en-US" dirty="0"/>
+              <a:t>: DEMO – </a:t>
+            </a:r>
+            <a:r>
+              <a:rPr lang="ru-RU" dirty="0"/>
+              <a:t>подробное описание с примерами десериализации и явного применения интерфейса</a:t>
+            </a:r>
+            <a:r>
+              <a:rPr lang="en-US" dirty="0"/>
+              <a:t>. Deserialization, </a:t>
+            </a:r>
+            <a:r>
+              <a:rPr lang="en-US" dirty="0" err="1" smtClean="0"/>
+              <a:t>Dto</a:t>
+            </a:r>
+            <a:r>
+              <a:rPr lang="en-US" dirty="0" smtClean="0"/>
+              <a:t>, </a:t>
+            </a:r>
+            <a:r>
+              <a:rPr lang="en-US" dirty="0" err="1" smtClean="0"/>
+              <a:t>EntityFramework</a:t>
+            </a:r>
+            <a:r>
+              <a:rPr lang="en-US" dirty="0" smtClean="0"/>
+              <a:t>. </a:t>
+            </a:r>
+            <a:r>
+              <a:rPr lang="en-US" dirty="0"/>
+              <a:t>Bonus:</a:t>
+            </a:r>
+            <a:r>
+              <a:rPr lang="en-US" baseline="0" dirty="0"/>
+              <a:t> splitting interfaces per bounded contexts</a:t>
+            </a:r>
             <a:endParaRPr lang="en-US" dirty="0"/>
           </a:p>
         </p:txBody>
@@ -1031,7 +1071,7 @@
     </p:spTree>
     <p:extLst>
       <p:ext uri="{BB962C8B-B14F-4D97-AF65-F5344CB8AC3E}">
-        <p14:creationId xmlns:p14="http://schemas.microsoft.com/office/powerpoint/2010/main" val="2493709556"/>
+        <p14:creationId xmlns:p14="http://schemas.microsoft.com/office/powerpoint/2010/main" val="2683931491"/>
       </p:ext>
     </p:extLst>
   </p:cSld>
@@ -1086,52 +1126,20 @@
           <a:lstStyle/>
           <a:p>
             <a:r>
+              <a:rPr lang="en-US" dirty="0"/>
+              <a:t>2</a:t>
+            </a:r>
+            <a:r>
               <a:rPr lang="ru-RU" dirty="0"/>
-              <a:t>22</a:t>
+              <a:t>8</a:t>
             </a:r>
             <a:r>
               <a:rPr lang="en-US" dirty="0"/>
-              <a:t>-2</a:t>
+              <a:t>: </a:t>
             </a:r>
             <a:r>
               <a:rPr lang="ru-RU" dirty="0"/>
-              <a:t>7</a:t>
-            </a:r>
-            <a:r>
-              <a:rPr lang="en-US" dirty="0"/>
-              <a:t>: DEMO – </a:t>
-            </a:r>
-            <a:r>
-              <a:rPr lang="ru-RU" dirty="0"/>
-              <a:t>подробное описание с примерами десериализации и явного применения интерфейса</a:t>
-            </a:r>
-            <a:r>
-              <a:rPr lang="en-US" dirty="0"/>
-              <a:t>. Deserialization, </a:t>
-            </a:r>
-            <a:r>
-              <a:rPr lang="en-US" dirty="0" err="1" smtClean="0"/>
-              <a:t>Dto</a:t>
-            </a:r>
-            <a:r>
-              <a:rPr lang="en-US" dirty="0" smtClean="0"/>
-              <a:t>, </a:t>
-            </a:r>
-            <a:r>
-              <a:rPr lang="en-US" dirty="0" err="1" smtClean="0"/>
-              <a:t>EntityFramework</a:t>
-            </a:r>
-            <a:r>
-              <a:rPr lang="en-US" dirty="0" smtClean="0"/>
-              <a:t>. </a:t>
-            </a:r>
-            <a:r>
-              <a:rPr lang="en-US" dirty="0"/>
-              <a:t>Bonus:</a:t>
-            </a:r>
-            <a:r>
-              <a:rPr lang="en-US" baseline="0" dirty="0"/>
-              <a:t> splitting interfaces per bounded contexts</a:t>
+              <a:t>Пересказ коаны. Мораль – без изменений наша система будет бесполезна</a:t>
             </a:r>
             <a:endParaRPr lang="en-US" dirty="0"/>
           </a:p>
@@ -1154,7 +1162,7 @@
           <a:p>
             <a:fld id="{516C5DDC-7799-4ACC-A213-90C50CBCB02D}" type="slidenum">
               <a:rPr lang="en-US" smtClean="0"/>
-              <a:t>19</a:t>
+              <a:t>21</a:t>
             </a:fld>
             <a:endParaRPr lang="en-US"/>
           </a:p>
@@ -1163,7 +1171,7 @@
     </p:spTree>
     <p:extLst>
       <p:ext uri="{BB962C8B-B14F-4D97-AF65-F5344CB8AC3E}">
-        <p14:creationId xmlns:p14="http://schemas.microsoft.com/office/powerpoint/2010/main" val="2683931491"/>
+        <p14:creationId xmlns:p14="http://schemas.microsoft.com/office/powerpoint/2010/main" val="3907390184"/>
       </p:ext>
     </p:extLst>
   </p:cSld>
@@ -1223,15 +1231,15 @@
             </a:r>
             <a:r>
               <a:rPr lang="ru-RU" dirty="0"/>
-              <a:t>8</a:t>
+              <a:t>9</a:t>
             </a:r>
             <a:r>
               <a:rPr lang="en-US" dirty="0"/>
-              <a:t>: </a:t>
+              <a:t>:  </a:t>
             </a:r>
             <a:r>
               <a:rPr lang="ru-RU" dirty="0"/>
-              <a:t>Пересказ коаны. Мораль – без изменений наша система будет бесполезна</a:t>
+              <a:t>Данный паттерн достаточно активно используется повсеместно. Рассказать про общий принцип.</a:t>
             </a:r>
             <a:endParaRPr lang="en-US" dirty="0"/>
           </a:p>
@@ -1263,7 +1271,7 @@
     </p:spTree>
     <p:extLst>
       <p:ext uri="{BB962C8B-B14F-4D97-AF65-F5344CB8AC3E}">
-        <p14:creationId xmlns:p14="http://schemas.microsoft.com/office/powerpoint/2010/main" val="3907390184"/>
+        <p14:creationId xmlns:p14="http://schemas.microsoft.com/office/powerpoint/2010/main" val="3920638634"/>
       </p:ext>
     </p:extLst>
   </p:cSld>
@@ -1318,20 +1326,48 @@
           <a:lstStyle/>
           <a:p>
             <a:r>
+              <a:rPr lang="ru-RU" dirty="0"/>
+              <a:t>30</a:t>
+            </a:r>
+            <a:r>
               <a:rPr lang="en-US" dirty="0"/>
+              <a:t>-3</a:t>
+            </a:r>
+            <a:r>
+              <a:rPr lang="ru-RU" dirty="0"/>
               <a:t>2</a:t>
             </a:r>
             <a:r>
+              <a:rPr lang="en-US" dirty="0"/>
+              <a:t>:  DEMO </a:t>
+            </a:r>
+            <a:r>
               <a:rPr lang="ru-RU" dirty="0"/>
-              <a:t>9</a:t>
+              <a:t>Показать, как желание сделать</a:t>
             </a:r>
             <a:r>
               <a:rPr lang="en-US" dirty="0"/>
-              <a:t>:  </a:t>
+              <a:t> with </a:t>
             </a:r>
             <a:r>
               <a:rPr lang="ru-RU" dirty="0"/>
-              <a:t>Данный паттерн достаточно активно используется повсеместно. Рассказать про общий принцип.</a:t>
+              <a:t>обощенным (если у нас есть </a:t>
+            </a:r>
+            <a:r>
+              <a:rPr lang="en-US" dirty="0"/>
+              <a:t>builder </a:t>
+            </a:r>
+            <a:r>
+              <a:rPr lang="ru-RU" dirty="0"/>
+              <a:t>или</a:t>
+            </a:r>
+            <a:r>
+              <a:rPr lang="en-US" dirty="0"/>
+              <a:t> mutable implementation</a:t>
+            </a:r>
+            <a:r>
+              <a:rPr lang="ru-RU" dirty="0"/>
+              <a:t>) может привести к изменению состояния системы или накладным расходам.</a:t>
             </a:r>
             <a:endParaRPr lang="en-US" dirty="0"/>
           </a:p>
@@ -1363,7 +1399,7 @@
     </p:spTree>
     <p:extLst>
       <p:ext uri="{BB962C8B-B14F-4D97-AF65-F5344CB8AC3E}">
-        <p14:creationId xmlns:p14="http://schemas.microsoft.com/office/powerpoint/2010/main" val="3920638634"/>
+        <p14:creationId xmlns:p14="http://schemas.microsoft.com/office/powerpoint/2010/main" val="4005419235"/>
       </p:ext>
     </p:extLst>
   </p:cSld>
@@ -1417,49 +1453,24 @@
           <a:bodyPr/>
           <a:lstStyle/>
           <a:p>
+            <a:endParaRPr lang="en-US" dirty="0"/>
+          </a:p>
+          <a:p>
+            <a:r>
+              <a:rPr lang="en-US" dirty="0"/>
+              <a:t>3</a:t>
+            </a:r>
             <a:r>
               <a:rPr lang="ru-RU" dirty="0"/>
-              <a:t>30</a:t>
+              <a:t>3-34</a:t>
             </a:r>
             <a:r>
               <a:rPr lang="en-US" dirty="0"/>
-              <a:t>-3</a:t>
+              <a:t>: </a:t>
             </a:r>
             <a:r>
               <a:rPr lang="ru-RU" dirty="0"/>
-              <a:t>2</a:t>
-            </a:r>
-            <a:r>
-              <a:rPr lang="en-US" dirty="0"/>
-              <a:t>:  DEMO </a:t>
-            </a:r>
-            <a:r>
-              <a:rPr lang="ru-RU" dirty="0"/>
-              <a:t>Показать, как желание сделать</a:t>
-            </a:r>
-            <a:r>
-              <a:rPr lang="en-US" dirty="0"/>
-              <a:t> with </a:t>
-            </a:r>
-            <a:r>
-              <a:rPr lang="ru-RU" dirty="0"/>
-              <a:t>обощенным (если у нас есть </a:t>
-            </a:r>
-            <a:r>
-              <a:rPr lang="en-US" dirty="0"/>
-              <a:t>builder </a:t>
-            </a:r>
-            <a:r>
-              <a:rPr lang="ru-RU" dirty="0"/>
-              <a:t>или</a:t>
-            </a:r>
-            <a:r>
-              <a:rPr lang="en-US" dirty="0"/>
-              <a:t> mutable implementation</a:t>
-            </a:r>
-            <a:r>
-              <a:rPr lang="ru-RU" dirty="0"/>
-              <a:t>) может привести к изменению состояния системы или накладным расходам.</a:t>
+              <a:t>Рассмотрим пример, когда в нашей неизменяемой сущности мы хотим добавить элемент в коллекцию.</a:t>
             </a:r>
             <a:endParaRPr lang="en-US" dirty="0"/>
           </a:p>
@@ -1482,7 +1493,7 @@
           <a:p>
             <a:fld id="{516C5DDC-7799-4ACC-A213-90C50CBCB02D}" type="slidenum">
               <a:rPr lang="en-US" smtClean="0"/>
-              <a:t>24</a:t>
+              <a:t>25</a:t>
             </a:fld>
             <a:endParaRPr lang="en-US"/>
           </a:p>
@@ -1491,7 +1502,7 @@
     </p:spTree>
     <p:extLst>
       <p:ext uri="{BB962C8B-B14F-4D97-AF65-F5344CB8AC3E}">
-        <p14:creationId xmlns:p14="http://schemas.microsoft.com/office/powerpoint/2010/main" val="4005419235"/>
+        <p14:creationId xmlns:p14="http://schemas.microsoft.com/office/powerpoint/2010/main" val="3050276223"/>
       </p:ext>
     </p:extLst>
   </p:cSld>
@@ -1545,25 +1556,24 @@
           <a:bodyPr/>
           <a:lstStyle/>
           <a:p>
-            <a:endParaRPr lang="en-US" dirty="0"/>
-          </a:p>
-          <a:p>
             <a:r>
               <a:rPr lang="en-US" dirty="0"/>
-              <a:t>3</a:t>
+              <a:t>35:</a:t>
             </a:r>
             <a:r>
               <a:rPr lang="ru-RU" dirty="0"/>
-              <a:t>3-34</a:t>
+              <a:t> Рассказать что </a:t>
             </a:r>
             <a:r>
               <a:rPr lang="en-US" dirty="0"/>
-              <a:t>: </a:t>
+              <a:t>immutable collections </a:t>
             </a:r>
             <a:r>
               <a:rPr lang="ru-RU" dirty="0"/>
-              <a:t>Рассмотрим пример, когда в нашей неизменяемой сущности мы хотим добавить элемент в коллекцию.</a:t>
-            </a:r>
+              <a:t>нужны не тогда, когда у нас есть изменяемые колелкции, а тогда, когда мы их используем в неизменяемом стиле</a:t>
+            </a:r>
+          </a:p>
+          <a:p>
             <a:endParaRPr lang="en-US" dirty="0"/>
           </a:p>
         </p:txBody>
@@ -1594,7 +1604,7 @@
     </p:spTree>
     <p:extLst>
       <p:ext uri="{BB962C8B-B14F-4D97-AF65-F5344CB8AC3E}">
-        <p14:creationId xmlns:p14="http://schemas.microsoft.com/office/powerpoint/2010/main" val="3050276223"/>
+        <p14:creationId xmlns:p14="http://schemas.microsoft.com/office/powerpoint/2010/main" val="2720547197"/>
       </p:ext>
     </p:extLst>
   </p:cSld>
@@ -1650,22 +1660,20 @@
           <a:p>
             <a:r>
               <a:rPr lang="en-US" dirty="0"/>
-              <a:t>35:</a:t>
+              <a:t>4</a:t>
             </a:r>
             <a:r>
               <a:rPr lang="ru-RU" dirty="0"/>
-              <a:t> Рассказать что </a:t>
+              <a:t>2</a:t>
             </a:r>
             <a:r>
               <a:rPr lang="en-US" dirty="0"/>
-              <a:t>immutable collections </a:t>
+              <a:t>: </a:t>
             </a:r>
             <a:r>
               <a:rPr lang="ru-RU" dirty="0"/>
-              <a:t>нужны не тогда, когда у нас есть изменяемые колелкции, а тогда, когда мы их используем в неизменяемом стиле</a:t>
-            </a:r>
-          </a:p>
-          <a:p>
+              <a:t>Обратить внимение на сложность выполнения некоторых операций</a:t>
+            </a:r>
             <a:endParaRPr lang="en-US" dirty="0"/>
           </a:p>
         </p:txBody>
@@ -1696,7 +1704,7 @@
     </p:spTree>
     <p:extLst>
       <p:ext uri="{BB962C8B-B14F-4D97-AF65-F5344CB8AC3E}">
-        <p14:creationId xmlns:p14="http://schemas.microsoft.com/office/powerpoint/2010/main" val="2720547197"/>
+        <p14:creationId xmlns:p14="http://schemas.microsoft.com/office/powerpoint/2010/main" val="1570735884"/>
       </p:ext>
     </p:extLst>
   </p:cSld>
@@ -1842,21 +1850,42 @@
           <a:bodyPr/>
           <a:lstStyle/>
           <a:p>
+            <a:pPr marL="0" marR="0" lvl="0" indent="0" algn="l" defTabSz="914400" rtl="0" eaLnBrk="1" fontAlgn="auto" latinLnBrk="0" hangingPunct="1">
+              <a:lnSpc>
+                <a:spcPct val="100000"/>
+              </a:lnSpc>
+              <a:spcBef>
+                <a:spcPts val="0"/>
+              </a:spcBef>
+              <a:spcAft>
+                <a:spcPts val="0"/>
+              </a:spcAft>
+              <a:buClrTx/>
+              <a:buSzTx/>
+              <a:buFontTx/>
+              <a:buNone/>
+              <a:tabLst/>
+              <a:defRPr/>
+            </a:pPr>
             <a:r>
               <a:rPr lang="en-US" dirty="0"/>
-              <a:t>4</a:t>
+              <a:t>43-44: DEMO</a:t>
             </a:r>
             <a:r>
               <a:rPr lang="ru-RU" dirty="0"/>
-              <a:t>2</a:t>
+              <a:t> Показать примеры</a:t>
             </a:r>
             <a:r>
               <a:rPr lang="en-US" dirty="0"/>
-              <a:t>: </a:t>
+              <a:t> </a:t>
             </a:r>
             <a:r>
               <a:rPr lang="ru-RU" dirty="0"/>
-              <a:t>Обратить внимение на сложность выполнения некоторых операций</a:t>
+              <a:t>кода бенчмарков и их результаты. Не забыть про </a:t>
+            </a:r>
+            <a:r>
+              <a:rPr lang="en-US" dirty="0" err="1"/>
+              <a:t>ImmutableArray</a:t>
             </a:r>
             <a:endParaRPr lang="en-US" dirty="0"/>
           </a:p>
@@ -1879,7 +1908,7 @@
           <a:p>
             <a:fld id="{516C5DDC-7799-4ACC-A213-90C50CBCB02D}" type="slidenum">
               <a:rPr lang="en-US" smtClean="0"/>
-              <a:t>28</a:t>
+              <a:t>33</a:t>
             </a:fld>
             <a:endParaRPr lang="en-US"/>
           </a:p>
@@ -1888,7 +1917,7 @@
     </p:spTree>
     <p:extLst>
       <p:ext uri="{BB962C8B-B14F-4D97-AF65-F5344CB8AC3E}">
-        <p14:creationId xmlns:p14="http://schemas.microsoft.com/office/powerpoint/2010/main" val="1570735884"/>
+        <p14:creationId xmlns:p14="http://schemas.microsoft.com/office/powerpoint/2010/main" val="1602885178"/>
       </p:ext>
     </p:extLst>
   </p:cSld>
@@ -1942,42 +1971,13 @@
           <a:bodyPr/>
           <a:lstStyle/>
           <a:p>
-            <a:pPr marL="0" marR="0" lvl="0" indent="0" algn="l" defTabSz="914400" rtl="0" eaLnBrk="1" fontAlgn="auto" latinLnBrk="0" hangingPunct="1">
-              <a:lnSpc>
-                <a:spcPct val="100000"/>
-              </a:lnSpc>
-              <a:spcBef>
-                <a:spcPts val="0"/>
-              </a:spcBef>
-              <a:spcAft>
-                <a:spcPts val="0"/>
-              </a:spcAft>
-              <a:buClrTx/>
-              <a:buSzTx/>
-              <a:buFontTx/>
-              <a:buNone/>
-              <a:tabLst/>
-              <a:defRPr/>
-            </a:pPr>
             <a:r>
               <a:rPr lang="en-US" dirty="0"/>
-              <a:t>43-44: DEMO</a:t>
+              <a:t>05: </a:t>
             </a:r>
             <a:r>
               <a:rPr lang="ru-RU" dirty="0"/>
-              <a:t> Показать примеры</a:t>
-            </a:r>
-            <a:r>
-              <a:rPr lang="en-US" dirty="0"/>
-              <a:t> </a:t>
-            </a:r>
-            <a:r>
-              <a:rPr lang="ru-RU" dirty="0"/>
-              <a:t>кода бенчмарков и их результаты. Не забыть про </a:t>
-            </a:r>
-            <a:r>
-              <a:rPr lang="en-US" dirty="0" err="1"/>
-              <a:t>ImmutableArray</a:t>
+              <a:t>Год назад Джон Скит уже рассказывал про неизменяемость, более того, существует множество статей. Тем не менее, до сих пор многие со скептицизмом относятся к подобному подходу.</a:t>
             </a:r>
             <a:endParaRPr lang="en-US" dirty="0"/>
           </a:p>
@@ -2009,7 +2009,7 @@
     </p:spTree>
     <p:extLst>
       <p:ext uri="{BB962C8B-B14F-4D97-AF65-F5344CB8AC3E}">
-        <p14:creationId xmlns:p14="http://schemas.microsoft.com/office/powerpoint/2010/main" val="1602885178"/>
+        <p14:creationId xmlns:p14="http://schemas.microsoft.com/office/powerpoint/2010/main" val="3189215890"/>
       </p:ext>
     </p:extLst>
   </p:cSld>
@@ -2174,11 +2174,51 @@
           <a:p>
             <a:r>
               <a:rPr lang="en-US" dirty="0"/>
-              <a:t>05: </a:t>
+              <a:t>06</a:t>
             </a:r>
             <a:r>
               <a:rPr lang="ru-RU" dirty="0"/>
-              <a:t>Год назад Джон Скит уже рассказывал про неизменяемость, более того, существует множество статей. Тем не менее, до сих пор многие со скептицизмом относятся к подобному подходу.</a:t>
+              <a:t>-11</a:t>
+            </a:r>
+            <a:r>
+              <a:rPr lang="en-US" dirty="0"/>
+              <a:t>: </a:t>
+            </a:r>
+            <a:r>
+              <a:rPr lang="ru-RU" dirty="0"/>
+              <a:t>Рассмотрим основные примеры, когда неизменяемые сущности и структуры данных сильно облегчают жизнь. </a:t>
+            </a:r>
+            <a:r>
+              <a:rPr lang="en-US" dirty="0"/>
+              <a:t>DEMO</a:t>
+            </a:r>
+            <a:r>
+              <a:rPr lang="ru-RU" dirty="0"/>
+              <a:t>.</a:t>
+            </a:r>
+            <a:r>
+              <a:rPr lang="en-US" dirty="0"/>
+              <a:t> (</a:t>
+            </a:r>
+            <a:r>
+              <a:rPr lang="ru-RU" dirty="0"/>
+              <a:t>метод</a:t>
+            </a:r>
+            <a:r>
+              <a:rPr lang="ru-RU" baseline="0" dirty="0"/>
+              <a:t> </a:t>
+            </a:r>
+            <a:r>
+              <a:rPr lang="en-US" baseline="0" dirty="0" err="1"/>
+              <a:t>GetSomething</a:t>
+            </a:r>
+            <a:r>
+              <a:rPr lang="en-US" baseline="0" dirty="0"/>
+              <a:t> with side effects</a:t>
+            </a:r>
+            <a:r>
+              <a:rPr lang="en-US" baseline="0" dirty="0" smtClean="0"/>
+              <a:t>)</a:t>
             </a:r>
             <a:endParaRPr lang="en-US" dirty="0"/>
           </a:p>
@@ -2201,7 +2241,7 @@
           <a:p>
             <a:fld id="{516C5DDC-7799-4ACC-A213-90C50CBCB02D}" type="slidenum">
               <a:rPr lang="en-US" smtClean="0"/>
-              <a:t>3</a:t>
+              <a:t>4</a:t>
             </a:fld>
             <a:endParaRPr lang="en-US"/>
           </a:p>
@@ -2210,7 +2250,7 @@
     </p:spTree>
     <p:extLst>
       <p:ext uri="{BB962C8B-B14F-4D97-AF65-F5344CB8AC3E}">
-        <p14:creationId xmlns:p14="http://schemas.microsoft.com/office/powerpoint/2010/main" val="3189215890"/>
+        <p14:creationId xmlns:p14="http://schemas.microsoft.com/office/powerpoint/2010/main" val="905343077"/>
       </p:ext>
     </p:extLst>
   </p:cSld>
@@ -2264,55 +2304,7 @@
           <a:bodyPr/>
           <a:lstStyle/>
           <a:p>
-            <a:r>
-              <a:rPr lang="en-US" dirty="0"/>
-              <a:t>06</a:t>
-            </a:r>
-            <a:r>
-              <a:rPr lang="ru-RU" dirty="0"/>
-              <a:t>-11</a:t>
-            </a:r>
-            <a:r>
-              <a:rPr lang="en-US" dirty="0"/>
-              <a:t>: </a:t>
-            </a:r>
-            <a:r>
-              <a:rPr lang="ru-RU" dirty="0"/>
-              <a:t>Рассмотрим основные примеры, когда неизменяемые сущности и структуры данных сильно облегчают жизнь. </a:t>
-            </a:r>
-            <a:r>
-              <a:rPr lang="en-US" dirty="0"/>
-              <a:t>DEMO</a:t>
-            </a:r>
-            <a:r>
-              <a:rPr lang="ru-RU" dirty="0"/>
-              <a:t>.</a:t>
-            </a:r>
-            <a:r>
-              <a:rPr lang="en-US" dirty="0"/>
-              <a:t> (</a:t>
-            </a:r>
-            <a:r>
-              <a:rPr lang="ru-RU" dirty="0"/>
-              <a:t>метод</a:t>
-            </a:r>
-            <a:r>
-              <a:rPr lang="ru-RU" baseline="0" dirty="0"/>
-              <a:t> </a:t>
-            </a:r>
-            <a:r>
-              <a:rPr lang="en-US" baseline="0" dirty="0" err="1"/>
-              <a:t>GetSomething</a:t>
-            </a:r>
-            <a:r>
-              <a:rPr lang="en-US" baseline="0" dirty="0"/>
-              <a:t> with side effects</a:t>
-            </a:r>
-            <a:r>
-              <a:rPr lang="en-US" baseline="0" dirty="0" smtClean="0"/>
-              <a:t>)</a:t>
-            </a:r>
-            <a:endParaRPr lang="en-US" dirty="0"/>
+            <a:endParaRPr lang="ru-RU" dirty="0"/>
           </a:p>
         </p:txBody>
       </p:sp>
@@ -2333,7 +2325,7 @@
           <a:p>
             <a:fld id="{516C5DDC-7799-4ACC-A213-90C50CBCB02D}" type="slidenum">
               <a:rPr lang="en-US" smtClean="0"/>
-              <a:t>5</a:t>
+              <a:t>7</a:t>
             </a:fld>
             <a:endParaRPr lang="en-US"/>
           </a:p>
@@ -2342,7 +2334,7 @@
     </p:spTree>
     <p:extLst>
       <p:ext uri="{BB962C8B-B14F-4D97-AF65-F5344CB8AC3E}">
-        <p14:creationId xmlns:p14="http://schemas.microsoft.com/office/powerpoint/2010/main" val="905343077"/>
+        <p14:creationId xmlns:p14="http://schemas.microsoft.com/office/powerpoint/2010/main" val="1792474972"/>
       </p:ext>
     </p:extLst>
   </p:cSld>
@@ -2396,7 +2388,15 @@
           <a:bodyPr/>
           <a:lstStyle/>
           <a:p>
-            <a:endParaRPr lang="ru-RU" dirty="0"/>
+            <a:r>
+              <a:rPr lang="en-US" dirty="0"/>
+              <a:t>12:</a:t>
+            </a:r>
+            <a:r>
+              <a:rPr lang="ru-RU" dirty="0"/>
+              <a:t> Существует множество способов сделать сущности неизменяемыми</a:t>
+            </a:r>
+            <a:endParaRPr lang="en-US" dirty="0"/>
           </a:p>
         </p:txBody>
       </p:sp>
@@ -2426,7 +2426,7 @@
     </p:spTree>
     <p:extLst>
       <p:ext uri="{BB962C8B-B14F-4D97-AF65-F5344CB8AC3E}">
-        <p14:creationId xmlns:p14="http://schemas.microsoft.com/office/powerpoint/2010/main" val="1792474972"/>
+        <p14:creationId xmlns:p14="http://schemas.microsoft.com/office/powerpoint/2010/main" val="3948139063"/>
       </p:ext>
     </p:extLst>
   </p:cSld>
@@ -2481,14 +2481,29 @@
           <a:lstStyle/>
           <a:p>
             <a:r>
+              <a:rPr lang="ru-RU" dirty="0"/>
+              <a:t>1</a:t>
+            </a:r>
+            <a:r>
               <a:rPr lang="en-US" dirty="0"/>
-              <a:t>12:</a:t>
+              <a:t>3</a:t>
             </a:r>
             <a:r>
               <a:rPr lang="ru-RU" dirty="0"/>
-              <a:t> Существует множество способов сделать сущности неизменяемыми</a:t>
-            </a:r>
-            <a:endParaRPr lang="en-US" dirty="0"/>
+              <a:t>: В </a:t>
+            </a:r>
+            <a:r>
+              <a:rPr lang="en-US" dirty="0"/>
+              <a:t>C#8 </a:t>
+            </a:r>
+            <a:r>
+              <a:rPr lang="ru-RU" dirty="0"/>
+              <a:t>нас ждут </a:t>
+            </a:r>
+            <a:r>
+              <a:rPr lang="en-US" dirty="0"/>
+              <a:t>records.</a:t>
+            </a:r>
           </a:p>
         </p:txBody>
       </p:sp>
@@ -2518,7 +2533,7 @@
     </p:spTree>
     <p:extLst>
       <p:ext uri="{BB962C8B-B14F-4D97-AF65-F5344CB8AC3E}">
-        <p14:creationId xmlns:p14="http://schemas.microsoft.com/office/powerpoint/2010/main" val="3948139063"/>
+        <p14:creationId xmlns:p14="http://schemas.microsoft.com/office/powerpoint/2010/main" val="2525185904"/>
       </p:ext>
     </p:extLst>
   </p:cSld>
@@ -2573,29 +2588,30 @@
           <a:lstStyle/>
           <a:p>
             <a:r>
+              <a:rPr lang="en-US" dirty="0"/>
+              <a:t>14: </a:t>
+            </a:r>
+            <a:r>
               <a:rPr lang="ru-RU" dirty="0"/>
-              <a:t>1</a:t>
+              <a:t>Самый простой вариант</a:t>
             </a:r>
             <a:r>
               <a:rPr lang="en-US" dirty="0"/>
-              <a:t>3</a:t>
+              <a:t>. </a:t>
             </a:r>
             <a:r>
               <a:rPr lang="ru-RU" dirty="0"/>
-              <a:t>: В </a:t>
+              <a:t>Но он не идеален.</a:t>
             </a:r>
             <a:r>
               <a:rPr lang="en-US" dirty="0"/>
-              <a:t>C#8 </a:t>
-            </a:r>
-            <a:r>
-              <a:rPr lang="ru-RU" dirty="0"/>
-              <a:t>нас ждут </a:t>
-            </a:r>
-            <a:r>
-              <a:rPr lang="en-US" dirty="0"/>
-              <a:t>records.</a:t>
-            </a:r>
+              <a:t> Deserialization,</a:t>
+            </a:r>
+            <a:r>
+              <a:rPr lang="en-US" baseline="0" dirty="0"/>
+              <a:t> a lot of arguments</a:t>
+            </a:r>
+            <a:endParaRPr lang="en-US" dirty="0"/>
           </a:p>
         </p:txBody>
       </p:sp>
@@ -2625,7 +2641,7 @@
     </p:spTree>
     <p:extLst>
       <p:ext uri="{BB962C8B-B14F-4D97-AF65-F5344CB8AC3E}">
-        <p14:creationId xmlns:p14="http://schemas.microsoft.com/office/powerpoint/2010/main" val="2525185904"/>
+        <p14:creationId xmlns:p14="http://schemas.microsoft.com/office/powerpoint/2010/main" val="1063470018"/>
       </p:ext>
     </p:extLst>
   </p:cSld>
@@ -2681,27 +2697,43 @@
           <a:p>
             <a:r>
               <a:rPr lang="en-US" dirty="0"/>
-              <a:t>14: </a:t>
+              <a:t>1</a:t>
             </a:r>
             <a:r>
               <a:rPr lang="ru-RU" dirty="0"/>
-              <a:t>Самый простой вариант</a:t>
+              <a:t>5</a:t>
             </a:r>
             <a:r>
               <a:rPr lang="en-US" dirty="0"/>
-              <a:t>. </a:t>
+              <a:t>-18: </a:t>
             </a:r>
             <a:r>
               <a:rPr lang="ru-RU" dirty="0"/>
-              <a:t>Но он не идеален.</a:t>
+              <a:t>Я бы хотел рассказать продолжение коаны про иммутабельность. </a:t>
             </a:r>
             <a:r>
               <a:rPr lang="en-US" dirty="0"/>
-              <a:t> Deserialization,</a:t>
-            </a:r>
-            <a:r>
-              <a:rPr lang="en-US" baseline="0" dirty="0"/>
-              <a:t> a lot of arguments</a:t>
+              <a:t>DEMO:</a:t>
+            </a:r>
+            <a:r>
+              <a:rPr lang="ru-RU" dirty="0"/>
+              <a:t> Рассмотреть недостатки работы с большими сущностями. Показать пример, когда приходится внутри метода реализовывать</a:t>
+            </a:r>
+            <a:r>
+              <a:rPr lang="en-US" dirty="0"/>
+              <a:t> </a:t>
+            </a:r>
+            <a:r>
+              <a:rPr lang="ru-RU" dirty="0"/>
+              <a:t>сложную логику, и неизменяемая сущность вынуждает создавать массу</a:t>
+            </a:r>
+            <a:r>
+              <a:rPr lang="en-US" dirty="0"/>
+              <a:t> </a:t>
+            </a:r>
+            <a:r>
+              <a:rPr lang="ru-RU" dirty="0"/>
+              <a:t>лищних переменных</a:t>
             </a:r>
             <a:endParaRPr lang="en-US" dirty="0"/>
           </a:p>
@@ -2733,7 +2765,7 @@
     </p:spTree>
     <p:extLst>
       <p:ext uri="{BB962C8B-B14F-4D97-AF65-F5344CB8AC3E}">
-        <p14:creationId xmlns:p14="http://schemas.microsoft.com/office/powerpoint/2010/main" val="1063470018"/>
+        <p14:creationId xmlns:p14="http://schemas.microsoft.com/office/powerpoint/2010/main" val="1582239855"/>
       </p:ext>
     </p:extLst>
   </p:cSld>
@@ -2789,43 +2821,11 @@
           <a:p>
             <a:r>
               <a:rPr lang="en-US" dirty="0"/>
-              <a:t>1</a:t>
+              <a:t>MEETUP: </a:t>
             </a:r>
             <a:r>
               <a:rPr lang="ru-RU" dirty="0"/>
-              <a:t>5</a:t>
-            </a:r>
-            <a:r>
-              <a:rPr lang="en-US" dirty="0"/>
-              <a:t>-18: </a:t>
-            </a:r>
-            <a:r>
-              <a:rPr lang="ru-RU" dirty="0"/>
-              <a:t>Я бы хотел рассказать продолжение коаны про иммутабельность. </a:t>
-            </a:r>
-            <a:r>
-              <a:rPr lang="en-US" dirty="0"/>
-              <a:t>DEMO:</a:t>
-            </a:r>
-            <a:r>
-              <a:rPr lang="ru-RU" dirty="0"/>
-              <a:t> Рассмотреть недостатки работы с большими сущностями. Показать пример, когда приходится внутри метода реализовывать</a:t>
-            </a:r>
-            <a:r>
-              <a:rPr lang="en-US" dirty="0"/>
-              <a:t> </a:t>
-            </a:r>
-            <a:r>
-              <a:rPr lang="ru-RU" dirty="0"/>
-              <a:t>сложную логику, и неизменяемая сущность вынуждает создавать массу</a:t>
-            </a:r>
-            <a:r>
-              <a:rPr lang="en-US" dirty="0"/>
-              <a:t> </a:t>
-            </a:r>
-            <a:r>
-              <a:rPr lang="ru-RU" dirty="0"/>
-              <a:t>лищних переменных</a:t>
+              <a:t>показать пример из дата трансфера</a:t>
             </a:r>
             <a:endParaRPr lang="en-US" dirty="0"/>
           </a:p>
@@ -2857,7 +2857,7 @@
     </p:spTree>
     <p:extLst>
       <p:ext uri="{BB962C8B-B14F-4D97-AF65-F5344CB8AC3E}">
-        <p14:creationId xmlns:p14="http://schemas.microsoft.com/office/powerpoint/2010/main" val="1582239855"/>
+        <p14:creationId xmlns:p14="http://schemas.microsoft.com/office/powerpoint/2010/main" val="838380362"/>
       </p:ext>
     </p:extLst>
   </p:cSld>
@@ -3014,7 +3014,7 @@
           <a:p>
             <a:fld id="{225299FE-2656-4E46-94DA-BF0F86052EEC}" type="datetimeFigureOut">
               <a:rPr lang="en-US" smtClean="0"/>
-              <a:t>5/1/2018</a:t>
+              <a:t>5/2/2018</a:t>
             </a:fld>
             <a:endParaRPr lang="en-US"/>
           </a:p>
@@ -3212,7 +3212,7 @@
           <a:p>
             <a:fld id="{225299FE-2656-4E46-94DA-BF0F86052EEC}" type="datetimeFigureOut">
               <a:rPr lang="en-US" smtClean="0"/>
-              <a:t>5/1/2018</a:t>
+              <a:t>5/2/2018</a:t>
             </a:fld>
             <a:endParaRPr lang="en-US"/>
           </a:p>
@@ -3420,7 +3420,7 @@
           <a:p>
             <a:fld id="{225299FE-2656-4E46-94DA-BF0F86052EEC}" type="datetimeFigureOut">
               <a:rPr lang="en-US" smtClean="0"/>
-              <a:t>5/1/2018</a:t>
+              <a:t>5/2/2018</a:t>
             </a:fld>
             <a:endParaRPr lang="en-US"/>
           </a:p>
@@ -3618,7 +3618,7 @@
           <a:p>
             <a:fld id="{225299FE-2656-4E46-94DA-BF0F86052EEC}" type="datetimeFigureOut">
               <a:rPr lang="en-US" smtClean="0"/>
-              <a:t>5/1/2018</a:t>
+              <a:t>5/2/2018</a:t>
             </a:fld>
             <a:endParaRPr lang="en-US"/>
           </a:p>
@@ -3893,7 +3893,7 @@
           <a:p>
             <a:fld id="{225299FE-2656-4E46-94DA-BF0F86052EEC}" type="datetimeFigureOut">
               <a:rPr lang="en-US" smtClean="0"/>
-              <a:t>5/1/2018</a:t>
+              <a:t>5/2/2018</a:t>
             </a:fld>
             <a:endParaRPr lang="en-US"/>
           </a:p>
@@ -4158,7 +4158,7 @@
           <a:p>
             <a:fld id="{225299FE-2656-4E46-94DA-BF0F86052EEC}" type="datetimeFigureOut">
               <a:rPr lang="en-US" smtClean="0"/>
-              <a:t>5/1/2018</a:t>
+              <a:t>5/2/2018</a:t>
             </a:fld>
             <a:endParaRPr lang="en-US"/>
           </a:p>
@@ -4570,7 +4570,7 @@
           <a:p>
             <a:fld id="{225299FE-2656-4E46-94DA-BF0F86052EEC}" type="datetimeFigureOut">
               <a:rPr lang="en-US" smtClean="0"/>
-              <a:t>5/1/2018</a:t>
+              <a:t>5/2/2018</a:t>
             </a:fld>
             <a:endParaRPr lang="en-US"/>
           </a:p>
@@ -4711,7 +4711,7 @@
           <a:p>
             <a:fld id="{225299FE-2656-4E46-94DA-BF0F86052EEC}" type="datetimeFigureOut">
               <a:rPr lang="en-US" smtClean="0"/>
-              <a:t>5/1/2018</a:t>
+              <a:t>5/2/2018</a:t>
             </a:fld>
             <a:endParaRPr lang="en-US"/>
           </a:p>
@@ -4824,7 +4824,7 @@
           <a:p>
             <a:fld id="{225299FE-2656-4E46-94DA-BF0F86052EEC}" type="datetimeFigureOut">
               <a:rPr lang="en-US" smtClean="0"/>
-              <a:t>5/1/2018</a:t>
+              <a:t>5/2/2018</a:t>
             </a:fld>
             <a:endParaRPr lang="en-US"/>
           </a:p>
@@ -5135,7 +5135,7 @@
           <a:p>
             <a:fld id="{225299FE-2656-4E46-94DA-BF0F86052EEC}" type="datetimeFigureOut">
               <a:rPr lang="en-US" smtClean="0"/>
-              <a:t>5/1/2018</a:t>
+              <a:t>5/2/2018</a:t>
             </a:fld>
             <a:endParaRPr lang="en-US"/>
           </a:p>
@@ -5423,7 +5423,7 @@
           <a:p>
             <a:fld id="{225299FE-2656-4E46-94DA-BF0F86052EEC}" type="datetimeFigureOut">
               <a:rPr lang="en-US" smtClean="0"/>
-              <a:t>5/1/2018</a:t>
+              <a:t>5/2/2018</a:t>
             </a:fld>
             <a:endParaRPr lang="en-US"/>
           </a:p>
@@ -5664,7 +5664,7 @@
           <a:p>
             <a:fld id="{225299FE-2656-4E46-94DA-BF0F86052EEC}" type="datetimeFigureOut">
               <a:rPr lang="en-US" smtClean="0"/>
-              <a:t>5/1/2018</a:t>
+              <a:t>5/2/2018</a:t>
             </a:fld>
             <a:endParaRPr lang="en-US"/>
           </a:p>
@@ -6180,7 +6180,7 @@
           <p:cNvPr id="2" name="Title 1">
             <a:extLst>
               <a:ext uri="{FF2B5EF4-FFF2-40B4-BE49-F238E27FC236}">
-                <a16:creationId xmlns:a16="http://schemas.microsoft.com/office/drawing/2014/main" id="{CB5B48B1-780C-4B56-ADD1-982AF33CDF89}"/>
+                <a16:creationId xmlns:a16="http://schemas.microsoft.com/office/drawing/2014/main" id="{420A249F-43A6-45D8-A86F-1E8E90E9116D}"/>
               </a:ext>
             </a:extLst>
           </p:cNvPr>
@@ -6198,47 +6198,404 @@
           <a:p>
             <a:r>
               <a:rPr lang="en-US" dirty="0"/>
-              <a:t>Records</a:t>
+              <a:t>Constructor</a:t>
             </a:r>
           </a:p>
         </p:txBody>
       </p:sp>
-      <p:pic>
-        <p:nvPicPr>
-          <p:cNvPr id="8" name="Content Placeholder 7">
+      <p:sp>
+        <p:nvSpPr>
+          <p:cNvPr id="6" name="Subtitle 5">
             <a:extLst>
               <a:ext uri="{FF2B5EF4-FFF2-40B4-BE49-F238E27FC236}">
-                <a16:creationId xmlns:a16="http://schemas.microsoft.com/office/drawing/2014/main" id="{A68E2EB5-083D-4B15-8D9E-AF3B4AED8E80}"/>
+                <a16:creationId xmlns:a16="http://schemas.microsoft.com/office/drawing/2014/main" id="{346CF58D-F4BB-4149-ADBF-0D3BEEE08050}"/>
               </a:ext>
             </a:extLst>
           </p:cNvPr>
-          <p:cNvPicPr>
-            <a:picLocks noGrp="1" noChangeAspect="1"/>
-          </p:cNvPicPr>
+          <p:cNvSpPr>
+            <a:spLocks noGrp="1"/>
+          </p:cNvSpPr>
           <p:nvPr>
             <p:ph idx="1"/>
           </p:nvPr>
-        </p:nvPicPr>
-        <p:blipFill>
-          <a:blip r:embed="rId3"/>
-          <a:stretch>
-            <a:fillRect/>
-          </a:stretch>
-        </p:blipFill>
-        <p:spPr>
-          <a:xfrm>
-            <a:off x="885825" y="1972469"/>
-            <a:ext cx="10420350" cy="4057650"/>
-          </a:xfrm>
-          <a:prstGeom prst="rect">
-            <a:avLst/>
-          </a:prstGeom>
-        </p:spPr>
-      </p:pic>
+        </p:nvSpPr>
+        <p:spPr/>
+        <p:txBody>
+          <a:bodyPr>
+            <a:normAutofit fontScale="85000" lnSpcReduction="20000"/>
+          </a:bodyPr>
+          <a:lstStyle/>
+          <a:p>
+            <a:pPr marL="0" indent="0">
+              <a:buNone/>
+            </a:pPr>
+            <a:r>
+              <a:rPr lang="en-US" dirty="0">
+                <a:solidFill>
+                  <a:srgbClr val="000000"/>
+                </a:solidFill>
+                <a:latin typeface="Consolas" panose="020B0609020204030204" pitchFamily="49" charset="0"/>
+              </a:rPr>
+              <a:t>    </a:t>
+            </a:r>
+            <a:r>
+              <a:rPr lang="en-US" dirty="0">
+                <a:solidFill>
+                  <a:srgbClr val="0000FF"/>
+                </a:solidFill>
+                <a:latin typeface="Consolas" panose="020B0609020204030204" pitchFamily="49" charset="0"/>
+              </a:rPr>
+              <a:t>class</a:t>
+            </a:r>
+            <a:r>
+              <a:rPr lang="en-US" dirty="0">
+                <a:solidFill>
+                  <a:srgbClr val="000000"/>
+                </a:solidFill>
+                <a:latin typeface="Consolas" panose="020B0609020204030204" pitchFamily="49" charset="0"/>
+              </a:rPr>
+              <a:t> </a:t>
+            </a:r>
+            <a:r>
+              <a:rPr lang="en-US" dirty="0" err="1">
+                <a:solidFill>
+                  <a:srgbClr val="2B91AF"/>
+                </a:solidFill>
+                <a:latin typeface="Consolas" panose="020B0609020204030204" pitchFamily="49" charset="0"/>
+              </a:rPr>
+              <a:t>Enity</a:t>
+            </a:r>
+            <a:endParaRPr lang="en-US" dirty="0">
+              <a:solidFill>
+                <a:srgbClr val="000000"/>
+              </a:solidFill>
+              <a:latin typeface="Consolas" panose="020B0609020204030204" pitchFamily="49" charset="0"/>
+            </a:endParaRPr>
+          </a:p>
+          <a:p>
+            <a:pPr marL="0" indent="0">
+              <a:buNone/>
+            </a:pPr>
+            <a:r>
+              <a:rPr lang="en-US" dirty="0">
+                <a:solidFill>
+                  <a:srgbClr val="000000"/>
+                </a:solidFill>
+                <a:latin typeface="Consolas" panose="020B0609020204030204" pitchFamily="49" charset="0"/>
+              </a:rPr>
+              <a:t>    {</a:t>
+            </a:r>
+          </a:p>
+          <a:p>
+            <a:pPr marL="0" indent="0">
+              <a:buNone/>
+            </a:pPr>
+            <a:r>
+              <a:rPr lang="en-US" dirty="0">
+                <a:solidFill>
+                  <a:srgbClr val="000000"/>
+                </a:solidFill>
+                <a:latin typeface="Consolas" panose="020B0609020204030204" pitchFamily="49" charset="0"/>
+              </a:rPr>
+              <a:t>        </a:t>
+            </a:r>
+            <a:r>
+              <a:rPr lang="en-US" dirty="0">
+                <a:solidFill>
+                  <a:srgbClr val="0000FF"/>
+                </a:solidFill>
+                <a:latin typeface="Consolas" panose="020B0609020204030204" pitchFamily="49" charset="0"/>
+              </a:rPr>
+              <a:t>public</a:t>
+            </a:r>
+            <a:r>
+              <a:rPr lang="en-US" dirty="0">
+                <a:solidFill>
+                  <a:srgbClr val="000000"/>
+                </a:solidFill>
+                <a:latin typeface="Consolas" panose="020B0609020204030204" pitchFamily="49" charset="0"/>
+              </a:rPr>
+              <a:t> </a:t>
+            </a:r>
+            <a:r>
+              <a:rPr lang="en-US" dirty="0" err="1">
+                <a:solidFill>
+                  <a:srgbClr val="000000"/>
+                </a:solidFill>
+                <a:latin typeface="Consolas" panose="020B0609020204030204" pitchFamily="49" charset="0"/>
+              </a:rPr>
+              <a:t>Enity</a:t>
+            </a:r>
+            <a:r>
+              <a:rPr lang="en-US" dirty="0">
+                <a:solidFill>
+                  <a:srgbClr val="000000"/>
+                </a:solidFill>
+                <a:latin typeface="Consolas" panose="020B0609020204030204" pitchFamily="49" charset="0"/>
+              </a:rPr>
+              <a:t>(</a:t>
+            </a:r>
+            <a:r>
+              <a:rPr lang="en-US" dirty="0" err="1">
+                <a:solidFill>
+                  <a:srgbClr val="0000FF"/>
+                </a:solidFill>
+                <a:latin typeface="Consolas" panose="020B0609020204030204" pitchFamily="49" charset="0"/>
+              </a:rPr>
+              <a:t>int</a:t>
+            </a:r>
+            <a:r>
+              <a:rPr lang="en-US" dirty="0">
+                <a:solidFill>
+                  <a:srgbClr val="000000"/>
+                </a:solidFill>
+                <a:latin typeface="Consolas" panose="020B0609020204030204" pitchFamily="49" charset="0"/>
+              </a:rPr>
+              <a:t> id, </a:t>
+            </a:r>
+            <a:r>
+              <a:rPr lang="en-US" dirty="0" err="1">
+                <a:solidFill>
+                  <a:srgbClr val="0000FF"/>
+                </a:solidFill>
+                <a:latin typeface="Consolas" panose="020B0609020204030204" pitchFamily="49" charset="0"/>
+              </a:rPr>
+              <a:t>int</a:t>
+            </a:r>
+            <a:r>
+              <a:rPr lang="en-US" dirty="0">
+                <a:solidFill>
+                  <a:srgbClr val="000000"/>
+                </a:solidFill>
+                <a:latin typeface="Consolas" panose="020B0609020204030204" pitchFamily="49" charset="0"/>
+              </a:rPr>
+              <a:t> name)</a:t>
+            </a:r>
+          </a:p>
+          <a:p>
+            <a:pPr marL="0" indent="0">
+              <a:buNone/>
+            </a:pPr>
+            <a:r>
+              <a:rPr lang="en-US" dirty="0">
+                <a:solidFill>
+                  <a:srgbClr val="000000"/>
+                </a:solidFill>
+                <a:latin typeface="Consolas" panose="020B0609020204030204" pitchFamily="49" charset="0"/>
+              </a:rPr>
+              <a:t>        {</a:t>
+            </a:r>
+          </a:p>
+          <a:p>
+            <a:pPr marL="0" indent="0">
+              <a:buNone/>
+            </a:pPr>
+            <a:r>
+              <a:rPr lang="en-US" dirty="0">
+                <a:solidFill>
+                  <a:srgbClr val="000000"/>
+                </a:solidFill>
+                <a:latin typeface="Consolas" panose="020B0609020204030204" pitchFamily="49" charset="0"/>
+              </a:rPr>
+              <a:t>            Id = id;</a:t>
+            </a:r>
+          </a:p>
+          <a:p>
+            <a:pPr marL="0" indent="0">
+              <a:buNone/>
+            </a:pPr>
+            <a:r>
+              <a:rPr lang="en-US" dirty="0">
+                <a:solidFill>
+                  <a:srgbClr val="000000"/>
+                </a:solidFill>
+                <a:latin typeface="Consolas" panose="020B0609020204030204" pitchFamily="49" charset="0"/>
+              </a:rPr>
+              <a:t>            Name = name;</a:t>
+            </a:r>
+          </a:p>
+          <a:p>
+            <a:pPr marL="0" indent="0">
+              <a:buNone/>
+            </a:pPr>
+            <a:r>
+              <a:rPr lang="en-US" dirty="0">
+                <a:solidFill>
+                  <a:srgbClr val="000000"/>
+                </a:solidFill>
+                <a:latin typeface="Consolas" panose="020B0609020204030204" pitchFamily="49" charset="0"/>
+              </a:rPr>
+              <a:t>        }</a:t>
+            </a:r>
+          </a:p>
+          <a:p>
+            <a:pPr marL="0" indent="0">
+              <a:buNone/>
+            </a:pPr>
+            <a:endParaRPr lang="en-US" dirty="0">
+              <a:solidFill>
+                <a:srgbClr val="000000"/>
+              </a:solidFill>
+              <a:latin typeface="Consolas" panose="020B0609020204030204" pitchFamily="49" charset="0"/>
+            </a:endParaRPr>
+          </a:p>
+          <a:p>
+            <a:pPr marL="0" indent="0">
+              <a:buNone/>
+            </a:pPr>
+            <a:r>
+              <a:rPr lang="en-US" dirty="0">
+                <a:solidFill>
+                  <a:srgbClr val="000000"/>
+                </a:solidFill>
+                <a:latin typeface="Consolas" panose="020B0609020204030204" pitchFamily="49" charset="0"/>
+              </a:rPr>
+              <a:t>        </a:t>
+            </a:r>
+            <a:r>
+              <a:rPr lang="en-US" dirty="0">
+                <a:solidFill>
+                  <a:srgbClr val="0000FF"/>
+                </a:solidFill>
+                <a:latin typeface="Consolas" panose="020B0609020204030204" pitchFamily="49" charset="0"/>
+              </a:rPr>
+              <a:t>public</a:t>
+            </a:r>
+            <a:r>
+              <a:rPr lang="en-US" dirty="0">
+                <a:solidFill>
+                  <a:srgbClr val="000000"/>
+                </a:solidFill>
+                <a:latin typeface="Consolas" panose="020B0609020204030204" pitchFamily="49" charset="0"/>
+              </a:rPr>
+              <a:t> </a:t>
+            </a:r>
+            <a:r>
+              <a:rPr lang="en-US" dirty="0" err="1">
+                <a:solidFill>
+                  <a:srgbClr val="0000FF"/>
+                </a:solidFill>
+                <a:latin typeface="Consolas" panose="020B0609020204030204" pitchFamily="49" charset="0"/>
+              </a:rPr>
+              <a:t>int</a:t>
+            </a:r>
+            <a:r>
+              <a:rPr lang="en-US" dirty="0">
+                <a:solidFill>
+                  <a:srgbClr val="000000"/>
+                </a:solidFill>
+                <a:latin typeface="Consolas" panose="020B0609020204030204" pitchFamily="49" charset="0"/>
+              </a:rPr>
+              <a:t> Id { </a:t>
+            </a:r>
+            <a:r>
+              <a:rPr lang="en-US" dirty="0">
+                <a:solidFill>
+                  <a:srgbClr val="0000FF"/>
+                </a:solidFill>
+                <a:latin typeface="Consolas" panose="020B0609020204030204" pitchFamily="49" charset="0"/>
+              </a:rPr>
+              <a:t>get</a:t>
+            </a:r>
+            <a:r>
+              <a:rPr lang="en-US" dirty="0">
+                <a:solidFill>
+                  <a:srgbClr val="000000"/>
+                </a:solidFill>
+                <a:latin typeface="Consolas" panose="020B0609020204030204" pitchFamily="49" charset="0"/>
+              </a:rPr>
+              <a:t>; }</a:t>
+            </a:r>
+          </a:p>
+          <a:p>
+            <a:pPr marL="0" indent="0">
+              <a:buNone/>
+            </a:pPr>
+            <a:r>
+              <a:rPr lang="en-US" dirty="0">
+                <a:solidFill>
+                  <a:srgbClr val="000000"/>
+                </a:solidFill>
+                <a:latin typeface="Consolas" panose="020B0609020204030204" pitchFamily="49" charset="0"/>
+              </a:rPr>
+              <a:t>        </a:t>
+            </a:r>
+            <a:r>
+              <a:rPr lang="en-US" dirty="0">
+                <a:solidFill>
+                  <a:srgbClr val="0000FF"/>
+                </a:solidFill>
+                <a:latin typeface="Consolas" panose="020B0609020204030204" pitchFamily="49" charset="0"/>
+              </a:rPr>
+              <a:t>public</a:t>
+            </a:r>
+            <a:r>
+              <a:rPr lang="en-US" dirty="0">
+                <a:solidFill>
+                  <a:srgbClr val="000000"/>
+                </a:solidFill>
+                <a:latin typeface="Consolas" panose="020B0609020204030204" pitchFamily="49" charset="0"/>
+              </a:rPr>
+              <a:t> </a:t>
+            </a:r>
+            <a:r>
+              <a:rPr lang="en-US" dirty="0" err="1">
+                <a:solidFill>
+                  <a:srgbClr val="0000FF"/>
+                </a:solidFill>
+                <a:latin typeface="Consolas" panose="020B0609020204030204" pitchFamily="49" charset="0"/>
+              </a:rPr>
+              <a:t>int</a:t>
+            </a:r>
+            <a:r>
+              <a:rPr lang="en-US" dirty="0">
+                <a:solidFill>
+                  <a:srgbClr val="000000"/>
+                </a:solidFill>
+                <a:latin typeface="Consolas" panose="020B0609020204030204" pitchFamily="49" charset="0"/>
+              </a:rPr>
+              <a:t> Name { </a:t>
+            </a:r>
+            <a:r>
+              <a:rPr lang="en-US" dirty="0">
+                <a:solidFill>
+                  <a:srgbClr val="0000FF"/>
+                </a:solidFill>
+                <a:latin typeface="Consolas" panose="020B0609020204030204" pitchFamily="49" charset="0"/>
+              </a:rPr>
+              <a:t>get</a:t>
+            </a:r>
+            <a:r>
+              <a:rPr lang="en-US" dirty="0">
+                <a:solidFill>
+                  <a:srgbClr val="000000"/>
+                </a:solidFill>
+                <a:latin typeface="Consolas" panose="020B0609020204030204" pitchFamily="49" charset="0"/>
+              </a:rPr>
+              <a:t>; }</a:t>
+            </a:r>
+          </a:p>
+          <a:p>
+            <a:pPr marL="0" indent="0">
+              <a:buNone/>
+            </a:pPr>
+            <a:r>
+              <a:rPr lang="en-US" dirty="0">
+                <a:solidFill>
+                  <a:srgbClr val="000000"/>
+                </a:solidFill>
+                <a:latin typeface="Consolas" panose="020B0609020204030204" pitchFamily="49" charset="0"/>
+              </a:rPr>
+              <a:t>    }</a:t>
+            </a:r>
+            <a:endParaRPr lang="en-US" dirty="0"/>
+          </a:p>
+        </p:txBody>
+      </p:sp>
     </p:spTree>
     <p:extLst>
       <p:ext uri="{BB962C8B-B14F-4D97-AF65-F5344CB8AC3E}">
-        <p14:creationId xmlns:p14="http://schemas.microsoft.com/office/powerpoint/2010/main" val="3847945778"/>
+        <p14:creationId xmlns:p14="http://schemas.microsoft.com/office/powerpoint/2010/main" val="174301450"/>
       </p:ext>
     </p:extLst>
   </p:cSld>
@@ -6277,7 +6634,7 @@
           <p:cNvPr id="2" name="Title 1">
             <a:extLst>
               <a:ext uri="{FF2B5EF4-FFF2-40B4-BE49-F238E27FC236}">
-                <a16:creationId xmlns:a16="http://schemas.microsoft.com/office/drawing/2014/main" id="{420A249F-43A6-45D8-A86F-1E8E90E9116D}"/>
+                <a16:creationId xmlns:a16="http://schemas.microsoft.com/office/drawing/2014/main" id="{09CB2F71-375D-4A5B-8B52-1C33C403A5CD}"/>
               </a:ext>
             </a:extLst>
           </p:cNvPr>
@@ -6295,17 +6652,33 @@
           <a:p>
             <a:r>
               <a:rPr lang="en-US" dirty="0"/>
-              <a:t>Constructor</a:t>
+              <a:t>The </a:t>
+            </a:r>
+            <a:r>
+              <a:rPr lang="en-US" dirty="0" err="1"/>
+              <a:t>Codless</a:t>
+            </a:r>
+            <a:r>
+              <a:rPr lang="en-US" dirty="0"/>
+              <a:t> Code. Case </a:t>
+            </a:r>
+            <a:r>
+              <a:rPr lang="ru-RU" dirty="0"/>
+              <a:t>15</a:t>
+            </a:r>
+            <a:r>
+              <a:rPr lang="en-US" dirty="0"/>
+              <a:t> Immutability</a:t>
             </a:r>
           </a:p>
         </p:txBody>
       </p:sp>
       <p:sp>
         <p:nvSpPr>
-          <p:cNvPr id="6" name="Subtitle 5">
+          <p:cNvPr id="3" name="Content Placeholder 2">
             <a:extLst>
               <a:ext uri="{FF2B5EF4-FFF2-40B4-BE49-F238E27FC236}">
-                <a16:creationId xmlns:a16="http://schemas.microsoft.com/office/drawing/2014/main" id="{346CF58D-F4BB-4149-ADBF-0D3BEEE08050}"/>
+                <a16:creationId xmlns:a16="http://schemas.microsoft.com/office/drawing/2014/main" id="{7BB8B012-AB2A-4BA3-ACF1-4E7896E8EC4B}"/>
               </a:ext>
             </a:extLst>
           </p:cNvPr>
@@ -6318,381 +6691,41 @@
         </p:nvSpPr>
         <p:spPr/>
         <p:txBody>
-          <a:bodyPr>
-            <a:normAutofit fontScale="85000" lnSpcReduction="20000"/>
-          </a:bodyPr>
+          <a:bodyPr/>
           <a:lstStyle/>
           <a:p>
             <a:pPr marL="0" indent="0">
               <a:buNone/>
             </a:pPr>
             <a:r>
-              <a:rPr lang="en-US" dirty="0">
-                <a:solidFill>
-                  <a:srgbClr val="000000"/>
-                </a:solidFill>
-                <a:latin typeface="Consolas" panose="020B0609020204030204" pitchFamily="49" charset="0"/>
-              </a:rPr>
-              <a:t>    </a:t>
-            </a:r>
-            <a:r>
-              <a:rPr lang="en-US" dirty="0">
-                <a:solidFill>
-                  <a:srgbClr val="0000FF"/>
-                </a:solidFill>
-                <a:latin typeface="Consolas" panose="020B0609020204030204" pitchFamily="49" charset="0"/>
-              </a:rPr>
-              <a:t>class</a:t>
-            </a:r>
-            <a:r>
-              <a:rPr lang="en-US" dirty="0">
-                <a:solidFill>
-                  <a:srgbClr val="000000"/>
-                </a:solidFill>
-                <a:latin typeface="Consolas" panose="020B0609020204030204" pitchFamily="49" charset="0"/>
-              </a:rPr>
-              <a:t> </a:t>
-            </a:r>
-            <a:r>
-              <a:rPr lang="en-US" dirty="0" err="1">
-                <a:solidFill>
-                  <a:srgbClr val="2B91AF"/>
-                </a:solidFill>
-                <a:latin typeface="Consolas" panose="020B0609020204030204" pitchFamily="49" charset="0"/>
-              </a:rPr>
-              <a:t>Enity</a:t>
-            </a:r>
-            <a:endParaRPr lang="en-US" dirty="0">
-              <a:solidFill>
-                <a:srgbClr val="000000"/>
-              </a:solidFill>
-              <a:latin typeface="Consolas" panose="020B0609020204030204" pitchFamily="49" charset="0"/>
-            </a:endParaRPr>
-          </a:p>
-          <a:p>
-            <a:pPr marL="0" indent="0">
-              <a:buNone/>
-            </a:pPr>
-            <a:r>
-              <a:rPr lang="en-US" dirty="0">
-                <a:solidFill>
-                  <a:srgbClr val="000000"/>
-                </a:solidFill>
-                <a:latin typeface="Consolas" panose="020B0609020204030204" pitchFamily="49" charset="0"/>
-              </a:rPr>
-              <a:t>    {</a:t>
-            </a:r>
-          </a:p>
-          <a:p>
-            <a:pPr marL="0" indent="0">
-              <a:buNone/>
-            </a:pPr>
-            <a:r>
-              <a:rPr lang="en-US" dirty="0">
-                <a:solidFill>
-                  <a:srgbClr val="000000"/>
-                </a:solidFill>
-                <a:latin typeface="Consolas" panose="020B0609020204030204" pitchFamily="49" charset="0"/>
-              </a:rPr>
-              <a:t>        </a:t>
-            </a:r>
-            <a:r>
-              <a:rPr lang="en-US" dirty="0">
-                <a:solidFill>
-                  <a:srgbClr val="0000FF"/>
-                </a:solidFill>
-                <a:latin typeface="Consolas" panose="020B0609020204030204" pitchFamily="49" charset="0"/>
-              </a:rPr>
-              <a:t>public</a:t>
-            </a:r>
-            <a:r>
-              <a:rPr lang="en-US" dirty="0">
-                <a:solidFill>
-                  <a:srgbClr val="000000"/>
-                </a:solidFill>
-                <a:latin typeface="Consolas" panose="020B0609020204030204" pitchFamily="49" charset="0"/>
-              </a:rPr>
-              <a:t> </a:t>
-            </a:r>
-            <a:r>
-              <a:rPr lang="en-US" dirty="0" err="1">
-                <a:solidFill>
-                  <a:srgbClr val="000000"/>
-                </a:solidFill>
-                <a:latin typeface="Consolas" panose="020B0609020204030204" pitchFamily="49" charset="0"/>
-              </a:rPr>
-              <a:t>Enity</a:t>
-            </a:r>
-            <a:r>
-              <a:rPr lang="en-US" dirty="0">
-                <a:solidFill>
-                  <a:srgbClr val="000000"/>
-                </a:solidFill>
-                <a:latin typeface="Consolas" panose="020B0609020204030204" pitchFamily="49" charset="0"/>
-              </a:rPr>
-              <a:t>(</a:t>
-            </a:r>
-            <a:r>
-              <a:rPr lang="en-US" dirty="0" err="1">
-                <a:solidFill>
-                  <a:srgbClr val="0000FF"/>
-                </a:solidFill>
-                <a:latin typeface="Consolas" panose="020B0609020204030204" pitchFamily="49" charset="0"/>
-              </a:rPr>
-              <a:t>int</a:t>
-            </a:r>
-            <a:r>
-              <a:rPr lang="en-US" dirty="0">
-                <a:solidFill>
-                  <a:srgbClr val="000000"/>
-                </a:solidFill>
-                <a:latin typeface="Consolas" panose="020B0609020204030204" pitchFamily="49" charset="0"/>
-              </a:rPr>
-              <a:t> id, </a:t>
-            </a:r>
-            <a:r>
-              <a:rPr lang="en-US" dirty="0" err="1">
-                <a:solidFill>
-                  <a:srgbClr val="0000FF"/>
-                </a:solidFill>
-                <a:latin typeface="Consolas" panose="020B0609020204030204" pitchFamily="49" charset="0"/>
-              </a:rPr>
-              <a:t>int</a:t>
-            </a:r>
-            <a:r>
-              <a:rPr lang="en-US" dirty="0">
-                <a:solidFill>
-                  <a:srgbClr val="000000"/>
-                </a:solidFill>
-                <a:latin typeface="Consolas" panose="020B0609020204030204" pitchFamily="49" charset="0"/>
-              </a:rPr>
-              <a:t> name)</a:t>
-            </a:r>
-          </a:p>
-          <a:p>
-            <a:pPr marL="0" indent="0">
-              <a:buNone/>
-            </a:pPr>
-            <a:r>
-              <a:rPr lang="en-US" dirty="0">
-                <a:solidFill>
-                  <a:srgbClr val="000000"/>
-                </a:solidFill>
-                <a:latin typeface="Consolas" panose="020B0609020204030204" pitchFamily="49" charset="0"/>
-              </a:rPr>
-              <a:t>        {</a:t>
-            </a:r>
-          </a:p>
-          <a:p>
-            <a:pPr marL="0" indent="0">
-              <a:buNone/>
-            </a:pPr>
-            <a:r>
-              <a:rPr lang="en-US" dirty="0">
-                <a:solidFill>
-                  <a:srgbClr val="000000"/>
-                </a:solidFill>
-                <a:latin typeface="Consolas" panose="020B0609020204030204" pitchFamily="49" charset="0"/>
-              </a:rPr>
-              <a:t>            Id = id;</a:t>
-            </a:r>
-          </a:p>
-          <a:p>
-            <a:pPr marL="0" indent="0">
-              <a:buNone/>
-            </a:pPr>
-            <a:r>
-              <a:rPr lang="en-US" dirty="0">
-                <a:solidFill>
-                  <a:srgbClr val="000000"/>
-                </a:solidFill>
-                <a:latin typeface="Consolas" panose="020B0609020204030204" pitchFamily="49" charset="0"/>
-              </a:rPr>
-              <a:t>            Name = name;</a:t>
-            </a:r>
-          </a:p>
-          <a:p>
-            <a:pPr marL="0" indent="0">
-              <a:buNone/>
-            </a:pPr>
-            <a:r>
-              <a:rPr lang="en-US" dirty="0">
-                <a:solidFill>
-                  <a:srgbClr val="000000"/>
-                </a:solidFill>
-                <a:latin typeface="Consolas" panose="020B0609020204030204" pitchFamily="49" charset="0"/>
-              </a:rPr>
-              <a:t>        }</a:t>
-            </a:r>
-          </a:p>
-          <a:p>
-            <a:pPr marL="0" indent="0">
-              <a:buNone/>
-            </a:pPr>
-            <a:endParaRPr lang="en-US" dirty="0">
-              <a:solidFill>
-                <a:srgbClr val="000000"/>
-              </a:solidFill>
-              <a:latin typeface="Consolas" panose="020B0609020204030204" pitchFamily="49" charset="0"/>
-            </a:endParaRPr>
-          </a:p>
-          <a:p>
-            <a:pPr marL="0" indent="0">
-              <a:buNone/>
-            </a:pPr>
-            <a:r>
-              <a:rPr lang="en-US" dirty="0">
-                <a:solidFill>
-                  <a:srgbClr val="000000"/>
-                </a:solidFill>
-                <a:latin typeface="Consolas" panose="020B0609020204030204" pitchFamily="49" charset="0"/>
-              </a:rPr>
-              <a:t>        </a:t>
-            </a:r>
-            <a:r>
-              <a:rPr lang="en-US" dirty="0">
-                <a:solidFill>
-                  <a:srgbClr val="0000FF"/>
-                </a:solidFill>
-                <a:latin typeface="Consolas" panose="020B0609020204030204" pitchFamily="49" charset="0"/>
-              </a:rPr>
-              <a:t>public</a:t>
-            </a:r>
-            <a:r>
-              <a:rPr lang="en-US" dirty="0">
-                <a:solidFill>
-                  <a:srgbClr val="000000"/>
-                </a:solidFill>
-                <a:latin typeface="Consolas" panose="020B0609020204030204" pitchFamily="49" charset="0"/>
-              </a:rPr>
-              <a:t> </a:t>
-            </a:r>
-            <a:r>
-              <a:rPr lang="en-US" dirty="0" err="1">
-                <a:solidFill>
-                  <a:srgbClr val="0000FF"/>
-                </a:solidFill>
-                <a:latin typeface="Consolas" panose="020B0609020204030204" pitchFamily="49" charset="0"/>
-              </a:rPr>
-              <a:t>int</a:t>
-            </a:r>
-            <a:r>
-              <a:rPr lang="en-US" dirty="0">
-                <a:solidFill>
-                  <a:srgbClr val="000000"/>
-                </a:solidFill>
-                <a:latin typeface="Consolas" panose="020B0609020204030204" pitchFamily="49" charset="0"/>
-              </a:rPr>
-              <a:t> Id { </a:t>
-            </a:r>
-            <a:r>
-              <a:rPr lang="en-US" dirty="0">
-                <a:solidFill>
-                  <a:srgbClr val="0000FF"/>
-                </a:solidFill>
-                <a:latin typeface="Consolas" panose="020B0609020204030204" pitchFamily="49" charset="0"/>
-              </a:rPr>
-              <a:t>get</a:t>
-            </a:r>
-            <a:r>
-              <a:rPr lang="en-US" dirty="0">
-                <a:solidFill>
-                  <a:srgbClr val="000000"/>
-                </a:solidFill>
-                <a:latin typeface="Consolas" panose="020B0609020204030204" pitchFamily="49" charset="0"/>
-              </a:rPr>
-              <a:t>; }</a:t>
-            </a:r>
-          </a:p>
-          <a:p>
-            <a:pPr marL="0" indent="0">
-              <a:buNone/>
-            </a:pPr>
-            <a:r>
-              <a:rPr lang="en-US" dirty="0">
-                <a:solidFill>
-                  <a:srgbClr val="000000"/>
-                </a:solidFill>
-                <a:latin typeface="Consolas" panose="020B0609020204030204" pitchFamily="49" charset="0"/>
-              </a:rPr>
-              <a:t>        </a:t>
-            </a:r>
-            <a:r>
-              <a:rPr lang="en-US" dirty="0">
-                <a:solidFill>
-                  <a:srgbClr val="0000FF"/>
-                </a:solidFill>
-                <a:latin typeface="Consolas" panose="020B0609020204030204" pitchFamily="49" charset="0"/>
-              </a:rPr>
-              <a:t>public</a:t>
-            </a:r>
-            <a:r>
-              <a:rPr lang="en-US" dirty="0">
-                <a:solidFill>
-                  <a:srgbClr val="000000"/>
-                </a:solidFill>
-                <a:latin typeface="Consolas" panose="020B0609020204030204" pitchFamily="49" charset="0"/>
-              </a:rPr>
-              <a:t> </a:t>
-            </a:r>
-            <a:r>
-              <a:rPr lang="en-US" dirty="0" err="1">
-                <a:solidFill>
-                  <a:srgbClr val="0000FF"/>
-                </a:solidFill>
-                <a:latin typeface="Consolas" panose="020B0609020204030204" pitchFamily="49" charset="0"/>
-              </a:rPr>
-              <a:t>int</a:t>
-            </a:r>
-            <a:r>
-              <a:rPr lang="en-US" dirty="0">
-                <a:solidFill>
-                  <a:srgbClr val="000000"/>
-                </a:solidFill>
-                <a:latin typeface="Consolas" panose="020B0609020204030204" pitchFamily="49" charset="0"/>
-              </a:rPr>
-              <a:t> Name { </a:t>
-            </a:r>
-            <a:r>
-              <a:rPr lang="en-US" dirty="0">
-                <a:solidFill>
-                  <a:srgbClr val="0000FF"/>
-                </a:solidFill>
-                <a:latin typeface="Consolas" panose="020B0609020204030204" pitchFamily="49" charset="0"/>
-              </a:rPr>
-              <a:t>get</a:t>
-            </a:r>
-            <a:r>
-              <a:rPr lang="en-US" dirty="0">
-                <a:solidFill>
-                  <a:srgbClr val="000000"/>
-                </a:solidFill>
-                <a:latin typeface="Consolas" panose="020B0609020204030204" pitchFamily="49" charset="0"/>
-              </a:rPr>
-              <a:t>; }</a:t>
-            </a:r>
-          </a:p>
-          <a:p>
-            <a:pPr marL="0" indent="0">
-              <a:buNone/>
-            </a:pPr>
-            <a:r>
-              <a:rPr lang="en-US" dirty="0">
-                <a:solidFill>
-                  <a:srgbClr val="000000"/>
-                </a:solidFill>
-                <a:latin typeface="Consolas" panose="020B0609020204030204" pitchFamily="49" charset="0"/>
-              </a:rPr>
-              <a:t>    }</a:t>
-            </a:r>
-            <a:endParaRPr lang="en-US" dirty="0"/>
+              <a:rPr lang="en-US" dirty="0"/>
+              <a:t>Soon the novice was defining all his classes to be immutable. Not one property could be modified: a new instance had to be created with the necessary changes. His constructors were sometimes astonishingly large and complex.</a:t>
+            </a:r>
+          </a:p>
+          <a:p>
+            <a:pPr marL="0" indent="0">
+              <a:buNone/>
+            </a:pPr>
+            <a:r>
+              <a:rPr lang="en-US" dirty="0"/>
+              <a:t>The Java master was told of this, and said: “Let the form of an egg be cast in brass, and given to the nun to breakfast upon.”</a:t>
+            </a:r>
+          </a:p>
+          <a:p>
+            <a:pPr marL="0" indent="0">
+              <a:buNone/>
+            </a:pPr>
+            <a:r>
+              <a:rPr lang="en-US" dirty="0"/>
+              <a:t>In this manner was the nun charged with correcting the novice.</a:t>
+            </a:r>
           </a:p>
         </p:txBody>
       </p:sp>
     </p:spTree>
     <p:extLst>
       <p:ext uri="{BB962C8B-B14F-4D97-AF65-F5344CB8AC3E}">
-        <p14:creationId xmlns:p14="http://schemas.microsoft.com/office/powerpoint/2010/main" val="174301450"/>
+        <p14:creationId xmlns:p14="http://schemas.microsoft.com/office/powerpoint/2010/main" val="3470299558"/>
       </p:ext>
     </p:extLst>
   </p:cSld>
@@ -6731,136 +6764,6 @@
           <p:cNvPr id="2" name="Title 1">
             <a:extLst>
               <a:ext uri="{FF2B5EF4-FFF2-40B4-BE49-F238E27FC236}">
-                <a16:creationId xmlns:a16="http://schemas.microsoft.com/office/drawing/2014/main" id="{09CB2F71-375D-4A5B-8B52-1C33C403A5CD}"/>
-              </a:ext>
-            </a:extLst>
-          </p:cNvPr>
-          <p:cNvSpPr>
-            <a:spLocks noGrp="1"/>
-          </p:cNvSpPr>
-          <p:nvPr>
-            <p:ph type="title"/>
-          </p:nvPr>
-        </p:nvSpPr>
-        <p:spPr/>
-        <p:txBody>
-          <a:bodyPr/>
-          <a:lstStyle/>
-          <a:p>
-            <a:r>
-              <a:rPr lang="en-US" dirty="0"/>
-              <a:t>The </a:t>
-            </a:r>
-            <a:r>
-              <a:rPr lang="en-US" dirty="0" err="1"/>
-              <a:t>Codless</a:t>
-            </a:r>
-            <a:r>
-              <a:rPr lang="en-US" dirty="0"/>
-              <a:t> Code. Case </a:t>
-            </a:r>
-            <a:r>
-              <a:rPr lang="ru-RU" dirty="0"/>
-              <a:t>15</a:t>
-            </a:r>
-            <a:r>
-              <a:rPr lang="en-US" dirty="0"/>
-              <a:t> Immutability</a:t>
-            </a:r>
-          </a:p>
-        </p:txBody>
-      </p:sp>
-      <p:sp>
-        <p:nvSpPr>
-          <p:cNvPr id="3" name="Content Placeholder 2">
-            <a:extLst>
-              <a:ext uri="{FF2B5EF4-FFF2-40B4-BE49-F238E27FC236}">
-                <a16:creationId xmlns:a16="http://schemas.microsoft.com/office/drawing/2014/main" id="{7BB8B012-AB2A-4BA3-ACF1-4E7896E8EC4B}"/>
-              </a:ext>
-            </a:extLst>
-          </p:cNvPr>
-          <p:cNvSpPr>
-            <a:spLocks noGrp="1"/>
-          </p:cNvSpPr>
-          <p:nvPr>
-            <p:ph idx="1"/>
-          </p:nvPr>
-        </p:nvSpPr>
-        <p:spPr/>
-        <p:txBody>
-          <a:bodyPr/>
-          <a:lstStyle/>
-          <a:p>
-            <a:pPr marL="0" indent="0">
-              <a:buNone/>
-            </a:pPr>
-            <a:r>
-              <a:rPr lang="en-US" dirty="0"/>
-              <a:t>Soon the novice was defining all his classes to be immutable. Not one property could be modified: a new instance had to be created with the necessary changes. His constructors were sometimes astonishingly large and complex.</a:t>
-            </a:r>
-          </a:p>
-          <a:p>
-            <a:pPr marL="0" indent="0">
-              <a:buNone/>
-            </a:pPr>
-            <a:r>
-              <a:rPr lang="en-US" dirty="0"/>
-              <a:t>The Java master was told of this, and said: “Let the form of an egg be cast in brass, and given to the nun to breakfast upon.”</a:t>
-            </a:r>
-          </a:p>
-          <a:p>
-            <a:pPr marL="0" indent="0">
-              <a:buNone/>
-            </a:pPr>
-            <a:r>
-              <a:rPr lang="en-US" dirty="0"/>
-              <a:t>In this manner was the nun charged with correcting the novice.</a:t>
-            </a:r>
-          </a:p>
-        </p:txBody>
-      </p:sp>
-    </p:spTree>
-    <p:extLst>
-      <p:ext uri="{BB962C8B-B14F-4D97-AF65-F5344CB8AC3E}">
-        <p14:creationId xmlns:p14="http://schemas.microsoft.com/office/powerpoint/2010/main" val="3470299558"/>
-      </p:ext>
-    </p:extLst>
-  </p:cSld>
-  <p:clrMapOvr>
-    <a:masterClrMapping/>
-  </p:clrMapOvr>
-  <p:timing>
-    <p:tnLst>
-      <p:par>
-        <p:cTn id="1" dur="indefinite" restart="never" nodeType="tmRoot"/>
-      </p:par>
-    </p:tnLst>
-  </p:timing>
-</p:sld>
-</file>
-
-<file path=ppt/slides/slide13.xml><?xml version="1.0" encoding="utf-8"?>
-<p:sld xmlns:a="http://schemas.openxmlformats.org/drawingml/2006/main" xmlns:r="http://schemas.openxmlformats.org/officeDocument/2006/relationships" xmlns:p="http://schemas.openxmlformats.org/presentationml/2006/main">
-  <p:cSld>
-    <p:spTree>
-      <p:nvGrpSpPr>
-        <p:cNvPr id="1" name=""/>
-        <p:cNvGrpSpPr/>
-        <p:nvPr/>
-      </p:nvGrpSpPr>
-      <p:grpSpPr>
-        <a:xfrm>
-          <a:off x="0" y="0"/>
-          <a:ext cx="0" cy="0"/>
-          <a:chOff x="0" y="0"/>
-          <a:chExt cx="0" cy="0"/>
-        </a:xfrm>
-      </p:grpSpPr>
-      <p:sp>
-        <p:nvSpPr>
-          <p:cNvPr id="2" name="Title 1">
-            <a:extLst>
-              <a:ext uri="{FF2B5EF4-FFF2-40B4-BE49-F238E27FC236}">
                 <a16:creationId xmlns:a16="http://schemas.microsoft.com/office/drawing/2014/main" id="{16DB993B-DDE1-47B5-9167-986F910BA721}"/>
               </a:ext>
             </a:extLst>
@@ -7509,7 +7412,7 @@
 </p:sld>
 </file>
 
-<file path=ppt/slides/slide14.xml><?xml version="1.0" encoding="utf-8"?>
+<file path=ppt/slides/slide13.xml><?xml version="1.0" encoding="utf-8"?>
 <p:sld xmlns:a="http://schemas.openxmlformats.org/drawingml/2006/main" xmlns:r="http://schemas.openxmlformats.org/officeDocument/2006/relationships" xmlns:p="http://schemas.openxmlformats.org/presentationml/2006/main">
   <p:cSld>
     <p:spTree>
@@ -8293,7 +8196,7 @@
 </p:sld>
 </file>
 
-<file path=ppt/slides/slide15.xml><?xml version="1.0" encoding="utf-8"?>
+<file path=ppt/slides/slide14.xml><?xml version="1.0" encoding="utf-8"?>
 <p:sld xmlns:a="http://schemas.openxmlformats.org/drawingml/2006/main" xmlns:r="http://schemas.openxmlformats.org/officeDocument/2006/relationships" xmlns:p="http://schemas.openxmlformats.org/presentationml/2006/main">
   <p:cSld>
     <p:spTree>
@@ -10344,7 +10247,7 @@
 </p:sld>
 </file>
 
-<file path=ppt/slides/slide16.xml><?xml version="1.0" encoding="utf-8"?>
+<file path=ppt/slides/slide15.xml><?xml version="1.0" encoding="utf-8"?>
 <p:sld xmlns:a="http://schemas.openxmlformats.org/drawingml/2006/main" xmlns:r="http://schemas.openxmlformats.org/officeDocument/2006/relationships" xmlns:p="http://schemas.openxmlformats.org/presentationml/2006/main">
   <p:cSld>
     <p:spTree>
@@ -10636,7 +10539,7 @@
 </p:sld>
 </file>
 
-<file path=ppt/slides/slide17.xml><?xml version="1.0" encoding="utf-8"?>
+<file path=ppt/slides/slide16.xml><?xml version="1.0" encoding="utf-8"?>
 <p:sld xmlns:a="http://schemas.openxmlformats.org/drawingml/2006/main" xmlns:r="http://schemas.openxmlformats.org/officeDocument/2006/relationships" xmlns:p="http://schemas.openxmlformats.org/presentationml/2006/main">
   <p:cSld>
     <p:spTree>
@@ -10735,7 +10638,7 @@
 </p:sld>
 </file>
 
-<file path=ppt/slides/slide18.xml><?xml version="1.0" encoding="utf-8"?>
+<file path=ppt/slides/slide17.xml><?xml version="1.0" encoding="utf-8"?>
 <p:sld xmlns:a="http://schemas.openxmlformats.org/drawingml/2006/main" xmlns:r="http://schemas.openxmlformats.org/officeDocument/2006/relationships" xmlns:p="http://schemas.openxmlformats.org/presentationml/2006/main">
   <p:cSld>
     <p:spTree>
@@ -12035,7 +11938,7 @@
 </p:sld>
 </file>
 
-<file path=ppt/slides/slide19.xml><?xml version="1.0" encoding="utf-8"?>
+<file path=ppt/slides/slide18.xml><?xml version="1.0" encoding="utf-8"?>
 <p:sld xmlns:a="http://schemas.openxmlformats.org/drawingml/2006/main" xmlns:r="http://schemas.openxmlformats.org/officeDocument/2006/relationships" xmlns:p="http://schemas.openxmlformats.org/presentationml/2006/main">
   <p:cSld>
     <p:spTree>
@@ -12606,6 +12509,1418 @@
     <p:extLst>
       <p:ext uri="{BB962C8B-B14F-4D97-AF65-F5344CB8AC3E}">
         <p14:creationId xmlns:p14="http://schemas.microsoft.com/office/powerpoint/2010/main" val="132039947"/>
+      </p:ext>
+    </p:extLst>
+  </p:cSld>
+  <p:clrMapOvr>
+    <a:masterClrMapping/>
+  </p:clrMapOvr>
+  <p:timing>
+    <p:tnLst>
+      <p:par>
+        <p:cTn id="1" dur="indefinite" restart="never" nodeType="tmRoot"/>
+      </p:par>
+    </p:tnLst>
+  </p:timing>
+</p:sld>
+</file>
+
+<file path=ppt/slides/slide19.xml><?xml version="1.0" encoding="utf-8"?>
+<p:sld xmlns:a="http://schemas.openxmlformats.org/drawingml/2006/main" xmlns:r="http://schemas.openxmlformats.org/officeDocument/2006/relationships" xmlns:p="http://schemas.openxmlformats.org/presentationml/2006/main">
+  <p:cSld>
+    <p:spTree>
+      <p:nvGrpSpPr>
+        <p:cNvPr id="1" name=""/>
+        <p:cNvGrpSpPr/>
+        <p:nvPr/>
+      </p:nvGrpSpPr>
+      <p:grpSpPr>
+        <a:xfrm>
+          <a:off x="0" y="0"/>
+          <a:ext cx="0" cy="0"/>
+          <a:chOff x="0" y="0"/>
+          <a:chExt cx="0" cy="0"/>
+        </a:xfrm>
+      </p:grpSpPr>
+      <p:sp>
+        <p:nvSpPr>
+          <p:cNvPr id="2" name="Title 1"/>
+          <p:cNvSpPr>
+            <a:spLocks noGrp="1"/>
+          </p:cNvSpPr>
+          <p:nvPr>
+            <p:ph type="title"/>
+          </p:nvPr>
+        </p:nvSpPr>
+        <p:spPr/>
+        <p:txBody>
+          <a:bodyPr/>
+          <a:lstStyle/>
+          <a:p>
+            <a:r>
+              <a:rPr lang="en-US" dirty="0"/>
+              <a:t>Immutable interface mutable </a:t>
+            </a:r>
+            <a:r>
+              <a:rPr lang="en-US" dirty="0" smtClean="0"/>
+              <a:t>implementation</a:t>
+            </a:r>
+            <a:r>
+              <a:rPr lang="en-US" dirty="0" smtClean="0">
+                <a:sym typeface="Wingdings" panose="05000000000000000000" pitchFamily="2" charset="2"/>
+              </a:rPr>
+              <a:t></a:t>
+            </a:r>
+            <a:endParaRPr lang="ru-RU" dirty="0"/>
+          </a:p>
+        </p:txBody>
+      </p:sp>
+      <p:sp>
+        <p:nvSpPr>
+          <p:cNvPr id="3" name="Content Placeholder 2"/>
+          <p:cNvSpPr>
+            <a:spLocks noGrp="1"/>
+          </p:cNvSpPr>
+          <p:nvPr>
+            <p:ph sz="half" idx="1"/>
+          </p:nvPr>
+        </p:nvSpPr>
+        <p:spPr/>
+        <p:txBody>
+          <a:bodyPr>
+            <a:normAutofit/>
+          </a:bodyPr>
+          <a:lstStyle/>
+          <a:p>
+            <a:pPr marL="0" indent="0">
+              <a:buNone/>
+            </a:pPr>
+            <a:r>
+              <a:rPr lang="en-US" sz="1600" dirty="0" smtClean="0">
+                <a:solidFill>
+                  <a:srgbClr val="0000FF"/>
+                </a:solidFill>
+                <a:latin typeface="Consolas" panose="020B0609020204030204" pitchFamily="49" charset="0"/>
+              </a:rPr>
+              <a:t>class</a:t>
+            </a:r>
+            <a:r>
+              <a:rPr lang="en-US" sz="1600" dirty="0" smtClean="0">
+                <a:solidFill>
+                  <a:srgbClr val="000000"/>
+                </a:solidFill>
+                <a:latin typeface="Consolas" panose="020B0609020204030204" pitchFamily="49" charset="0"/>
+              </a:rPr>
+              <a:t> </a:t>
+            </a:r>
+            <a:r>
+              <a:rPr lang="en-US" sz="1600" dirty="0" err="1" smtClean="0">
+                <a:solidFill>
+                  <a:srgbClr val="2B91AF"/>
+                </a:solidFill>
+                <a:latin typeface="Consolas" panose="020B0609020204030204" pitchFamily="49" charset="0"/>
+              </a:rPr>
+              <a:t>RealEntity</a:t>
+            </a:r>
+            <a:r>
+              <a:rPr lang="en-US" sz="1600" dirty="0" smtClean="0">
+                <a:solidFill>
+                  <a:srgbClr val="2B91AF"/>
+                </a:solidFill>
+                <a:latin typeface="Consolas" panose="020B0609020204030204" pitchFamily="49" charset="0"/>
+              </a:rPr>
+              <a:t> </a:t>
+            </a:r>
+            <a:r>
+              <a:rPr lang="en-US" sz="1600" dirty="0">
+                <a:solidFill>
+                  <a:srgbClr val="2B91AF"/>
+                </a:solidFill>
+                <a:latin typeface="Consolas" panose="020B0609020204030204" pitchFamily="49" charset="0"/>
+              </a:rPr>
+              <a:t>: </a:t>
+            </a:r>
+            <a:r>
+              <a:rPr lang="en-US" sz="1600" dirty="0" err="1">
+                <a:solidFill>
+                  <a:srgbClr val="2B91AF"/>
+                </a:solidFill>
+                <a:latin typeface="Consolas" panose="020B0609020204030204" pitchFamily="49" charset="0"/>
+              </a:rPr>
+              <a:t>IRealEntity</a:t>
+            </a:r>
+            <a:endParaRPr lang="en-US" sz="1600" dirty="0">
+              <a:solidFill>
+                <a:srgbClr val="000000"/>
+              </a:solidFill>
+              <a:latin typeface="Consolas" panose="020B0609020204030204" pitchFamily="49" charset="0"/>
+            </a:endParaRPr>
+          </a:p>
+          <a:p>
+            <a:pPr marL="0" indent="0">
+              <a:buNone/>
+            </a:pPr>
+            <a:r>
+              <a:rPr lang="ru-RU" sz="1600" dirty="0" smtClean="0">
+                <a:solidFill>
+                  <a:srgbClr val="000000"/>
+                </a:solidFill>
+                <a:latin typeface="Consolas" panose="020B0609020204030204" pitchFamily="49" charset="0"/>
+              </a:rPr>
+              <a:t>{</a:t>
+            </a:r>
+            <a:endParaRPr lang="ru-RU" sz="1600" dirty="0">
+              <a:solidFill>
+                <a:srgbClr val="000000"/>
+              </a:solidFill>
+              <a:latin typeface="Consolas" panose="020B0609020204030204" pitchFamily="49" charset="0"/>
+            </a:endParaRPr>
+          </a:p>
+          <a:p>
+            <a:pPr marL="0" indent="0">
+              <a:buNone/>
+            </a:pPr>
+            <a:r>
+              <a:rPr lang="en-US" sz="1600" dirty="0" smtClean="0">
+                <a:solidFill>
+                  <a:srgbClr val="0000FF"/>
+                </a:solidFill>
+                <a:latin typeface="Consolas" panose="020B0609020204030204" pitchFamily="49" charset="0"/>
+              </a:rPr>
+              <a:t>    public</a:t>
+            </a:r>
+            <a:r>
+              <a:rPr lang="en-US" sz="1600" dirty="0" smtClean="0">
+                <a:solidFill>
+                  <a:srgbClr val="000000"/>
+                </a:solidFill>
+                <a:latin typeface="Consolas" panose="020B0609020204030204" pitchFamily="49" charset="0"/>
+              </a:rPr>
+              <a:t> </a:t>
+            </a:r>
+            <a:r>
+              <a:rPr lang="en-US" sz="1600" dirty="0" err="1">
+                <a:solidFill>
+                  <a:srgbClr val="0000FF"/>
+                </a:solidFill>
+                <a:latin typeface="Consolas" panose="020B0609020204030204" pitchFamily="49" charset="0"/>
+              </a:rPr>
+              <a:t>int</a:t>
+            </a:r>
+            <a:r>
+              <a:rPr lang="en-US" sz="1600" dirty="0">
+                <a:solidFill>
+                  <a:srgbClr val="000000"/>
+                </a:solidFill>
+                <a:latin typeface="Consolas" panose="020B0609020204030204" pitchFamily="49" charset="0"/>
+              </a:rPr>
+              <a:t> Id { </a:t>
+            </a:r>
+            <a:r>
+              <a:rPr lang="en-US" sz="1600" dirty="0">
+                <a:solidFill>
+                  <a:srgbClr val="0000FF"/>
+                </a:solidFill>
+                <a:latin typeface="Consolas" panose="020B0609020204030204" pitchFamily="49" charset="0"/>
+              </a:rPr>
+              <a:t>get</a:t>
+            </a:r>
+            <a:r>
+              <a:rPr lang="en-US" sz="1600" dirty="0">
+                <a:solidFill>
+                  <a:srgbClr val="000000"/>
+                </a:solidFill>
+                <a:latin typeface="Consolas" panose="020B0609020204030204" pitchFamily="49" charset="0"/>
+              </a:rPr>
+              <a:t>; </a:t>
+            </a:r>
+            <a:r>
+              <a:rPr lang="en-US" sz="1600" dirty="0">
+                <a:solidFill>
+                  <a:srgbClr val="0000FF"/>
+                </a:solidFill>
+                <a:latin typeface="Consolas" panose="020B0609020204030204" pitchFamily="49" charset="0"/>
+              </a:rPr>
+              <a:t>set</a:t>
+            </a:r>
+            <a:r>
+              <a:rPr lang="en-US" sz="1600" dirty="0">
+                <a:solidFill>
+                  <a:srgbClr val="000000"/>
+                </a:solidFill>
+                <a:latin typeface="Consolas" panose="020B0609020204030204" pitchFamily="49" charset="0"/>
+              </a:rPr>
+              <a:t>; }</a:t>
+            </a:r>
+          </a:p>
+          <a:p>
+            <a:pPr marL="0" indent="0">
+              <a:buNone/>
+            </a:pPr>
+            <a:r>
+              <a:rPr lang="en-US" sz="1600" dirty="0" smtClean="0">
+                <a:solidFill>
+                  <a:srgbClr val="0000FF"/>
+                </a:solidFill>
+                <a:latin typeface="Consolas" panose="020B0609020204030204" pitchFamily="49" charset="0"/>
+              </a:rPr>
+              <a:t>    public</a:t>
+            </a:r>
+            <a:r>
+              <a:rPr lang="en-US" sz="1600" dirty="0" smtClean="0">
+                <a:solidFill>
+                  <a:srgbClr val="000000"/>
+                </a:solidFill>
+                <a:latin typeface="Consolas" panose="020B0609020204030204" pitchFamily="49" charset="0"/>
+              </a:rPr>
+              <a:t> </a:t>
+            </a:r>
+            <a:r>
+              <a:rPr lang="en-US" sz="1600" dirty="0">
+                <a:solidFill>
+                  <a:srgbClr val="0000FF"/>
+                </a:solidFill>
+                <a:latin typeface="Consolas" panose="020B0609020204030204" pitchFamily="49" charset="0"/>
+              </a:rPr>
+              <a:t>string</a:t>
+            </a:r>
+            <a:r>
+              <a:rPr lang="en-US" sz="1600" dirty="0">
+                <a:solidFill>
+                  <a:srgbClr val="000000"/>
+                </a:solidFill>
+                <a:latin typeface="Consolas" panose="020B0609020204030204" pitchFamily="49" charset="0"/>
+              </a:rPr>
+              <a:t> </a:t>
+            </a:r>
+            <a:r>
+              <a:rPr lang="en-US" sz="1600" dirty="0" err="1">
+                <a:solidFill>
+                  <a:srgbClr val="000000"/>
+                </a:solidFill>
+                <a:latin typeface="Consolas" panose="020B0609020204030204" pitchFamily="49" charset="0"/>
+              </a:rPr>
+              <a:t>FirstName</a:t>
+            </a:r>
+            <a:r>
+              <a:rPr lang="en-US" sz="1600" dirty="0">
+                <a:solidFill>
+                  <a:srgbClr val="000000"/>
+                </a:solidFill>
+                <a:latin typeface="Consolas" panose="020B0609020204030204" pitchFamily="49" charset="0"/>
+              </a:rPr>
+              <a:t> { </a:t>
+            </a:r>
+            <a:r>
+              <a:rPr lang="en-US" sz="1600" dirty="0">
+                <a:solidFill>
+                  <a:srgbClr val="0000FF"/>
+                </a:solidFill>
+                <a:latin typeface="Consolas" panose="020B0609020204030204" pitchFamily="49" charset="0"/>
+              </a:rPr>
+              <a:t>get</a:t>
+            </a:r>
+            <a:r>
+              <a:rPr lang="en-US" sz="1600" dirty="0">
+                <a:solidFill>
+                  <a:srgbClr val="000000"/>
+                </a:solidFill>
+                <a:latin typeface="Consolas" panose="020B0609020204030204" pitchFamily="49" charset="0"/>
+              </a:rPr>
+              <a:t>; </a:t>
+            </a:r>
+            <a:r>
+              <a:rPr lang="en-US" sz="1600" dirty="0">
+                <a:solidFill>
+                  <a:srgbClr val="0000FF"/>
+                </a:solidFill>
+                <a:latin typeface="Consolas" panose="020B0609020204030204" pitchFamily="49" charset="0"/>
+              </a:rPr>
+              <a:t>set</a:t>
+            </a:r>
+            <a:r>
+              <a:rPr lang="en-US" sz="1600" dirty="0">
+                <a:solidFill>
+                  <a:srgbClr val="000000"/>
+                </a:solidFill>
+                <a:latin typeface="Consolas" panose="020B0609020204030204" pitchFamily="49" charset="0"/>
+              </a:rPr>
+              <a:t>; }</a:t>
+            </a:r>
+          </a:p>
+          <a:p>
+            <a:pPr marL="0" indent="0">
+              <a:buNone/>
+            </a:pPr>
+            <a:r>
+              <a:rPr lang="en-US" sz="1600" dirty="0" smtClean="0">
+                <a:solidFill>
+                  <a:srgbClr val="0000FF"/>
+                </a:solidFill>
+                <a:latin typeface="Consolas" panose="020B0609020204030204" pitchFamily="49" charset="0"/>
+              </a:rPr>
+              <a:t>    public</a:t>
+            </a:r>
+            <a:r>
+              <a:rPr lang="en-US" sz="1600" dirty="0" smtClean="0">
+                <a:solidFill>
+                  <a:srgbClr val="000000"/>
+                </a:solidFill>
+                <a:latin typeface="Consolas" panose="020B0609020204030204" pitchFamily="49" charset="0"/>
+              </a:rPr>
+              <a:t> </a:t>
+            </a:r>
+            <a:r>
+              <a:rPr lang="en-US" sz="1600" dirty="0">
+                <a:solidFill>
+                  <a:srgbClr val="0000FF"/>
+                </a:solidFill>
+                <a:latin typeface="Consolas" panose="020B0609020204030204" pitchFamily="49" charset="0"/>
+              </a:rPr>
+              <a:t>string</a:t>
+            </a:r>
+            <a:r>
+              <a:rPr lang="en-US" sz="1600" dirty="0">
+                <a:solidFill>
+                  <a:srgbClr val="000000"/>
+                </a:solidFill>
+                <a:latin typeface="Consolas" panose="020B0609020204030204" pitchFamily="49" charset="0"/>
+              </a:rPr>
+              <a:t> </a:t>
+            </a:r>
+            <a:r>
+              <a:rPr lang="en-US" sz="1600" dirty="0" err="1">
+                <a:solidFill>
+                  <a:srgbClr val="000000"/>
+                </a:solidFill>
+                <a:latin typeface="Consolas" panose="020B0609020204030204" pitchFamily="49" charset="0"/>
+              </a:rPr>
+              <a:t>SecondName</a:t>
+            </a:r>
+            <a:r>
+              <a:rPr lang="en-US" sz="1600" dirty="0">
+                <a:solidFill>
+                  <a:srgbClr val="000000"/>
+                </a:solidFill>
+                <a:latin typeface="Consolas" panose="020B0609020204030204" pitchFamily="49" charset="0"/>
+              </a:rPr>
+              <a:t> { </a:t>
+            </a:r>
+            <a:r>
+              <a:rPr lang="en-US" sz="1600" dirty="0">
+                <a:solidFill>
+                  <a:srgbClr val="0000FF"/>
+                </a:solidFill>
+                <a:latin typeface="Consolas" panose="020B0609020204030204" pitchFamily="49" charset="0"/>
+              </a:rPr>
+              <a:t>get</a:t>
+            </a:r>
+            <a:r>
+              <a:rPr lang="en-US" sz="1600" dirty="0">
+                <a:solidFill>
+                  <a:srgbClr val="000000"/>
+                </a:solidFill>
+                <a:latin typeface="Consolas" panose="020B0609020204030204" pitchFamily="49" charset="0"/>
+              </a:rPr>
+              <a:t>; </a:t>
+            </a:r>
+            <a:r>
+              <a:rPr lang="en-US" sz="1600" dirty="0">
+                <a:solidFill>
+                  <a:srgbClr val="0000FF"/>
+                </a:solidFill>
+                <a:latin typeface="Consolas" panose="020B0609020204030204" pitchFamily="49" charset="0"/>
+              </a:rPr>
+              <a:t>set</a:t>
+            </a:r>
+            <a:r>
+              <a:rPr lang="en-US" sz="1600" dirty="0">
+                <a:solidFill>
+                  <a:srgbClr val="000000"/>
+                </a:solidFill>
+                <a:latin typeface="Consolas" panose="020B0609020204030204" pitchFamily="49" charset="0"/>
+              </a:rPr>
+              <a:t>; }</a:t>
+            </a:r>
+          </a:p>
+          <a:p>
+            <a:pPr marL="0" indent="0">
+              <a:buNone/>
+            </a:pPr>
+            <a:r>
+              <a:rPr lang="en-US" sz="1600" dirty="0" smtClean="0">
+                <a:solidFill>
+                  <a:srgbClr val="0000FF"/>
+                </a:solidFill>
+                <a:latin typeface="Consolas" panose="020B0609020204030204" pitchFamily="49" charset="0"/>
+              </a:rPr>
+              <a:t>    public</a:t>
+            </a:r>
+            <a:r>
+              <a:rPr lang="en-US" sz="1600" dirty="0" smtClean="0">
+                <a:solidFill>
+                  <a:srgbClr val="000000"/>
+                </a:solidFill>
+                <a:latin typeface="Consolas" panose="020B0609020204030204" pitchFamily="49" charset="0"/>
+              </a:rPr>
+              <a:t> </a:t>
+            </a:r>
+            <a:r>
+              <a:rPr lang="en-US" sz="1600" dirty="0">
+                <a:solidFill>
+                  <a:srgbClr val="0000FF"/>
+                </a:solidFill>
+                <a:latin typeface="Consolas" panose="020B0609020204030204" pitchFamily="49" charset="0"/>
+              </a:rPr>
+              <a:t>string</a:t>
+            </a:r>
+            <a:r>
+              <a:rPr lang="en-US" sz="1600" dirty="0">
+                <a:solidFill>
+                  <a:srgbClr val="000000"/>
+                </a:solidFill>
+                <a:latin typeface="Consolas" panose="020B0609020204030204" pitchFamily="49" charset="0"/>
+              </a:rPr>
+              <a:t> Role { </a:t>
+            </a:r>
+            <a:r>
+              <a:rPr lang="en-US" sz="1600" dirty="0">
+                <a:solidFill>
+                  <a:srgbClr val="0000FF"/>
+                </a:solidFill>
+                <a:latin typeface="Consolas" panose="020B0609020204030204" pitchFamily="49" charset="0"/>
+              </a:rPr>
+              <a:t>get</a:t>
+            </a:r>
+            <a:r>
+              <a:rPr lang="en-US" sz="1600" dirty="0">
+                <a:solidFill>
+                  <a:srgbClr val="000000"/>
+                </a:solidFill>
+                <a:latin typeface="Consolas" panose="020B0609020204030204" pitchFamily="49" charset="0"/>
+              </a:rPr>
+              <a:t>; </a:t>
+            </a:r>
+            <a:r>
+              <a:rPr lang="en-US" sz="1600" dirty="0">
+                <a:solidFill>
+                  <a:srgbClr val="0000FF"/>
+                </a:solidFill>
+                <a:latin typeface="Consolas" panose="020B0609020204030204" pitchFamily="49" charset="0"/>
+              </a:rPr>
+              <a:t>set</a:t>
+            </a:r>
+            <a:r>
+              <a:rPr lang="en-US" sz="1600" dirty="0">
+                <a:solidFill>
+                  <a:srgbClr val="000000"/>
+                </a:solidFill>
+                <a:latin typeface="Consolas" panose="020B0609020204030204" pitchFamily="49" charset="0"/>
+              </a:rPr>
+              <a:t>; }</a:t>
+            </a:r>
+          </a:p>
+          <a:p>
+            <a:pPr marL="0" indent="0">
+              <a:buNone/>
+            </a:pPr>
+            <a:r>
+              <a:rPr lang="en-US" sz="1600" dirty="0" smtClean="0">
+                <a:solidFill>
+                  <a:srgbClr val="0000FF"/>
+                </a:solidFill>
+                <a:latin typeface="Consolas" panose="020B0609020204030204" pitchFamily="49" charset="0"/>
+              </a:rPr>
+              <a:t>    public</a:t>
+            </a:r>
+            <a:r>
+              <a:rPr lang="en-US" sz="1600" dirty="0" smtClean="0">
+                <a:solidFill>
+                  <a:srgbClr val="000000"/>
+                </a:solidFill>
+                <a:latin typeface="Consolas" panose="020B0609020204030204" pitchFamily="49" charset="0"/>
+              </a:rPr>
+              <a:t> </a:t>
+            </a:r>
+            <a:r>
+              <a:rPr lang="en-US" sz="1600" dirty="0" err="1">
+                <a:solidFill>
+                  <a:srgbClr val="0000FF"/>
+                </a:solidFill>
+                <a:latin typeface="Consolas" panose="020B0609020204030204" pitchFamily="49" charset="0"/>
+              </a:rPr>
+              <a:t>int</a:t>
+            </a:r>
+            <a:r>
+              <a:rPr lang="en-US" sz="1600" dirty="0">
+                <a:solidFill>
+                  <a:srgbClr val="000000"/>
+                </a:solidFill>
+                <a:latin typeface="Consolas" panose="020B0609020204030204" pitchFamily="49" charset="0"/>
+              </a:rPr>
+              <a:t> Age { </a:t>
+            </a:r>
+            <a:r>
+              <a:rPr lang="en-US" sz="1600" dirty="0">
+                <a:solidFill>
+                  <a:srgbClr val="0000FF"/>
+                </a:solidFill>
+                <a:latin typeface="Consolas" panose="020B0609020204030204" pitchFamily="49" charset="0"/>
+              </a:rPr>
+              <a:t>get</a:t>
+            </a:r>
+            <a:r>
+              <a:rPr lang="en-US" sz="1600" dirty="0">
+                <a:solidFill>
+                  <a:srgbClr val="000000"/>
+                </a:solidFill>
+                <a:latin typeface="Consolas" panose="020B0609020204030204" pitchFamily="49" charset="0"/>
+              </a:rPr>
+              <a:t>; </a:t>
+            </a:r>
+            <a:r>
+              <a:rPr lang="en-US" sz="1600" dirty="0">
+                <a:solidFill>
+                  <a:srgbClr val="0000FF"/>
+                </a:solidFill>
+                <a:latin typeface="Consolas" panose="020B0609020204030204" pitchFamily="49" charset="0"/>
+              </a:rPr>
+              <a:t>set</a:t>
+            </a:r>
+            <a:r>
+              <a:rPr lang="en-US" sz="1600" dirty="0">
+                <a:solidFill>
+                  <a:srgbClr val="000000"/>
+                </a:solidFill>
+                <a:latin typeface="Consolas" panose="020B0609020204030204" pitchFamily="49" charset="0"/>
+              </a:rPr>
+              <a:t>; }</a:t>
+            </a:r>
+          </a:p>
+          <a:p>
+            <a:pPr marL="0" indent="0">
+              <a:buNone/>
+            </a:pPr>
+            <a:r>
+              <a:rPr lang="en-US" sz="1600" dirty="0" smtClean="0">
+                <a:solidFill>
+                  <a:srgbClr val="0000FF"/>
+                </a:solidFill>
+                <a:latin typeface="Consolas" panose="020B0609020204030204" pitchFamily="49" charset="0"/>
+              </a:rPr>
+              <a:t>    public</a:t>
+            </a:r>
+            <a:r>
+              <a:rPr lang="en-US" sz="1600" dirty="0" smtClean="0">
+                <a:solidFill>
+                  <a:srgbClr val="000000"/>
+                </a:solidFill>
+                <a:latin typeface="Consolas" panose="020B0609020204030204" pitchFamily="49" charset="0"/>
+              </a:rPr>
+              <a:t> </a:t>
+            </a:r>
+            <a:r>
+              <a:rPr lang="en-US" sz="1600" dirty="0" err="1">
+                <a:solidFill>
+                  <a:srgbClr val="0000FF"/>
+                </a:solidFill>
+                <a:latin typeface="Consolas" panose="020B0609020204030204" pitchFamily="49" charset="0"/>
+              </a:rPr>
+              <a:t>int</a:t>
+            </a:r>
+            <a:r>
+              <a:rPr lang="en-US" sz="1600" dirty="0">
+                <a:solidFill>
+                  <a:srgbClr val="000000"/>
+                </a:solidFill>
+                <a:latin typeface="Consolas" panose="020B0609020204030204" pitchFamily="49" charset="0"/>
+              </a:rPr>
+              <a:t> Pin { </a:t>
+            </a:r>
+            <a:r>
+              <a:rPr lang="en-US" sz="1600" dirty="0">
+                <a:solidFill>
+                  <a:srgbClr val="0000FF"/>
+                </a:solidFill>
+                <a:latin typeface="Consolas" panose="020B0609020204030204" pitchFamily="49" charset="0"/>
+              </a:rPr>
+              <a:t>get</a:t>
+            </a:r>
+            <a:r>
+              <a:rPr lang="en-US" sz="1600" dirty="0">
+                <a:solidFill>
+                  <a:srgbClr val="000000"/>
+                </a:solidFill>
+                <a:latin typeface="Consolas" panose="020B0609020204030204" pitchFamily="49" charset="0"/>
+              </a:rPr>
+              <a:t>; </a:t>
+            </a:r>
+            <a:r>
+              <a:rPr lang="en-US" sz="1600" dirty="0">
+                <a:solidFill>
+                  <a:srgbClr val="0000FF"/>
+                </a:solidFill>
+                <a:latin typeface="Consolas" panose="020B0609020204030204" pitchFamily="49" charset="0"/>
+              </a:rPr>
+              <a:t>set</a:t>
+            </a:r>
+            <a:r>
+              <a:rPr lang="en-US" sz="1600" dirty="0">
+                <a:solidFill>
+                  <a:srgbClr val="000000"/>
+                </a:solidFill>
+                <a:latin typeface="Consolas" panose="020B0609020204030204" pitchFamily="49" charset="0"/>
+              </a:rPr>
+              <a:t>; }</a:t>
+            </a:r>
+          </a:p>
+          <a:p>
+            <a:pPr marL="0" indent="0">
+              <a:buNone/>
+            </a:pPr>
+            <a:r>
+              <a:rPr lang="en-US" sz="1600" dirty="0" smtClean="0">
+                <a:solidFill>
+                  <a:srgbClr val="0000FF"/>
+                </a:solidFill>
+                <a:latin typeface="Consolas" panose="020B0609020204030204" pitchFamily="49" charset="0"/>
+              </a:rPr>
+              <a:t>    public</a:t>
+            </a:r>
+            <a:r>
+              <a:rPr lang="en-US" sz="1600" dirty="0" smtClean="0">
+                <a:solidFill>
+                  <a:srgbClr val="000000"/>
+                </a:solidFill>
+                <a:latin typeface="Consolas" panose="020B0609020204030204" pitchFamily="49" charset="0"/>
+              </a:rPr>
+              <a:t> </a:t>
+            </a:r>
+            <a:r>
+              <a:rPr lang="en-US" sz="1600" dirty="0">
+                <a:solidFill>
+                  <a:srgbClr val="0000FF"/>
+                </a:solidFill>
+                <a:latin typeface="Consolas" panose="020B0609020204030204" pitchFamily="49" charset="0"/>
+              </a:rPr>
+              <a:t>string</a:t>
+            </a:r>
+            <a:r>
+              <a:rPr lang="en-US" sz="1600" dirty="0">
+                <a:solidFill>
+                  <a:srgbClr val="000000"/>
+                </a:solidFill>
+                <a:latin typeface="Consolas" panose="020B0609020204030204" pitchFamily="49" charset="0"/>
+              </a:rPr>
+              <a:t> Address { </a:t>
+            </a:r>
+            <a:r>
+              <a:rPr lang="en-US" sz="1600" dirty="0">
+                <a:solidFill>
+                  <a:srgbClr val="0000FF"/>
+                </a:solidFill>
+                <a:latin typeface="Consolas" panose="020B0609020204030204" pitchFamily="49" charset="0"/>
+              </a:rPr>
+              <a:t>get</a:t>
+            </a:r>
+            <a:r>
+              <a:rPr lang="en-US" sz="1600" dirty="0">
+                <a:solidFill>
+                  <a:srgbClr val="000000"/>
+                </a:solidFill>
+                <a:latin typeface="Consolas" panose="020B0609020204030204" pitchFamily="49" charset="0"/>
+              </a:rPr>
+              <a:t>; </a:t>
+            </a:r>
+            <a:r>
+              <a:rPr lang="en-US" sz="1600" dirty="0">
+                <a:solidFill>
+                  <a:srgbClr val="0000FF"/>
+                </a:solidFill>
+                <a:latin typeface="Consolas" panose="020B0609020204030204" pitchFamily="49" charset="0"/>
+              </a:rPr>
+              <a:t>set</a:t>
+            </a:r>
+            <a:r>
+              <a:rPr lang="en-US" sz="1600" dirty="0">
+                <a:solidFill>
+                  <a:srgbClr val="000000"/>
+                </a:solidFill>
+                <a:latin typeface="Consolas" panose="020B0609020204030204" pitchFamily="49" charset="0"/>
+              </a:rPr>
+              <a:t>; }</a:t>
+            </a:r>
+          </a:p>
+          <a:p>
+            <a:pPr marL="0" indent="0">
+              <a:buNone/>
+            </a:pPr>
+            <a:r>
+              <a:rPr lang="en-US" sz="1600" dirty="0" smtClean="0">
+                <a:solidFill>
+                  <a:srgbClr val="0000FF"/>
+                </a:solidFill>
+                <a:latin typeface="Consolas" panose="020B0609020204030204" pitchFamily="49" charset="0"/>
+              </a:rPr>
+              <a:t>    public</a:t>
+            </a:r>
+            <a:r>
+              <a:rPr lang="en-US" sz="1600" dirty="0" smtClean="0">
+                <a:solidFill>
+                  <a:srgbClr val="000000"/>
+                </a:solidFill>
+                <a:latin typeface="Consolas" panose="020B0609020204030204" pitchFamily="49" charset="0"/>
+              </a:rPr>
+              <a:t> </a:t>
+            </a:r>
+            <a:r>
+              <a:rPr lang="en-US" sz="1600" dirty="0" err="1">
+                <a:solidFill>
+                  <a:srgbClr val="000000"/>
+                </a:solidFill>
+                <a:latin typeface="Consolas" panose="020B0609020204030204" pitchFamily="49" charset="0"/>
+              </a:rPr>
+              <a:t>DateTime</a:t>
+            </a:r>
+            <a:r>
+              <a:rPr lang="en-US" sz="1600" dirty="0">
+                <a:solidFill>
+                  <a:srgbClr val="000000"/>
+                </a:solidFill>
+                <a:latin typeface="Consolas" panose="020B0609020204030204" pitchFamily="49" charset="0"/>
+              </a:rPr>
+              <a:t> </a:t>
+            </a:r>
+            <a:r>
+              <a:rPr lang="en-US" sz="1600" dirty="0" err="1">
+                <a:solidFill>
+                  <a:srgbClr val="000000"/>
+                </a:solidFill>
+                <a:latin typeface="Consolas" panose="020B0609020204030204" pitchFamily="49" charset="0"/>
+              </a:rPr>
+              <a:t>BirthDay</a:t>
+            </a:r>
+            <a:r>
+              <a:rPr lang="en-US" sz="1600" dirty="0">
+                <a:solidFill>
+                  <a:srgbClr val="000000"/>
+                </a:solidFill>
+                <a:latin typeface="Consolas" panose="020B0609020204030204" pitchFamily="49" charset="0"/>
+              </a:rPr>
+              <a:t> { </a:t>
+            </a:r>
+            <a:r>
+              <a:rPr lang="en-US" sz="1600" dirty="0">
+                <a:solidFill>
+                  <a:srgbClr val="0000FF"/>
+                </a:solidFill>
+                <a:latin typeface="Consolas" panose="020B0609020204030204" pitchFamily="49" charset="0"/>
+              </a:rPr>
+              <a:t>get</a:t>
+            </a:r>
+            <a:r>
+              <a:rPr lang="en-US" sz="1600" dirty="0">
+                <a:solidFill>
+                  <a:srgbClr val="000000"/>
+                </a:solidFill>
+                <a:latin typeface="Consolas" panose="020B0609020204030204" pitchFamily="49" charset="0"/>
+              </a:rPr>
+              <a:t>; </a:t>
+            </a:r>
+            <a:r>
+              <a:rPr lang="en-US" sz="1600" dirty="0">
+                <a:solidFill>
+                  <a:srgbClr val="0000FF"/>
+                </a:solidFill>
+                <a:latin typeface="Consolas" panose="020B0609020204030204" pitchFamily="49" charset="0"/>
+              </a:rPr>
+              <a:t>set</a:t>
+            </a:r>
+            <a:r>
+              <a:rPr lang="en-US" sz="1600" dirty="0">
+                <a:solidFill>
+                  <a:srgbClr val="000000"/>
+                </a:solidFill>
+                <a:latin typeface="Consolas" panose="020B0609020204030204" pitchFamily="49" charset="0"/>
+              </a:rPr>
+              <a:t>; }</a:t>
+            </a:r>
+          </a:p>
+          <a:p>
+            <a:pPr marL="0" indent="0">
+              <a:buNone/>
+            </a:pPr>
+            <a:r>
+              <a:rPr lang="ru-RU" sz="1600" dirty="0" smtClean="0">
+                <a:solidFill>
+                  <a:srgbClr val="000000"/>
+                </a:solidFill>
+                <a:latin typeface="Consolas" panose="020B0609020204030204" pitchFamily="49" charset="0"/>
+              </a:rPr>
+              <a:t>}</a:t>
+            </a:r>
+            <a:endParaRPr lang="ru-RU" sz="1600" dirty="0"/>
+          </a:p>
+        </p:txBody>
+      </p:sp>
+      <p:sp>
+        <p:nvSpPr>
+          <p:cNvPr id="4" name="Content Placeholder 3"/>
+          <p:cNvSpPr>
+            <a:spLocks noGrp="1"/>
+          </p:cNvSpPr>
+          <p:nvPr>
+            <p:ph sz="half" idx="2"/>
+          </p:nvPr>
+        </p:nvSpPr>
+        <p:spPr/>
+        <p:txBody>
+          <a:bodyPr>
+            <a:noAutofit/>
+          </a:bodyPr>
+          <a:lstStyle/>
+          <a:p>
+            <a:pPr marL="0" indent="0">
+              <a:buNone/>
+            </a:pPr>
+            <a:r>
+              <a:rPr lang="en-US" sz="1600" dirty="0" smtClean="0">
+                <a:solidFill>
+                  <a:srgbClr val="0000FF"/>
+                </a:solidFill>
+                <a:latin typeface="Consolas" panose="020B0609020204030204" pitchFamily="49" charset="0"/>
+              </a:rPr>
+              <a:t>interface</a:t>
+            </a:r>
+            <a:r>
+              <a:rPr lang="en-US" sz="1600" dirty="0" smtClean="0">
+                <a:solidFill>
+                  <a:srgbClr val="000000"/>
+                </a:solidFill>
+                <a:latin typeface="Consolas" panose="020B0609020204030204" pitchFamily="49" charset="0"/>
+              </a:rPr>
+              <a:t> </a:t>
+            </a:r>
+            <a:r>
+              <a:rPr lang="en-US" sz="1600" dirty="0" err="1">
+                <a:solidFill>
+                  <a:srgbClr val="2B91AF"/>
+                </a:solidFill>
+                <a:latin typeface="Consolas" panose="020B0609020204030204" pitchFamily="49" charset="0"/>
+              </a:rPr>
+              <a:t>IRealEntity</a:t>
+            </a:r>
+            <a:endParaRPr lang="en-US" sz="1600" dirty="0">
+              <a:solidFill>
+                <a:srgbClr val="000000"/>
+              </a:solidFill>
+              <a:latin typeface="Consolas" panose="020B0609020204030204" pitchFamily="49" charset="0"/>
+            </a:endParaRPr>
+          </a:p>
+          <a:p>
+            <a:pPr marL="0" indent="0">
+              <a:buNone/>
+            </a:pPr>
+            <a:r>
+              <a:rPr lang="ru-RU" sz="1600" dirty="0" smtClean="0">
+                <a:solidFill>
+                  <a:srgbClr val="000000"/>
+                </a:solidFill>
+                <a:latin typeface="Consolas" panose="020B0609020204030204" pitchFamily="49" charset="0"/>
+              </a:rPr>
+              <a:t>{</a:t>
+            </a:r>
+            <a:endParaRPr lang="ru-RU" sz="1600" dirty="0">
+              <a:solidFill>
+                <a:srgbClr val="000000"/>
+              </a:solidFill>
+              <a:latin typeface="Consolas" panose="020B0609020204030204" pitchFamily="49" charset="0"/>
+            </a:endParaRPr>
+          </a:p>
+          <a:p>
+            <a:pPr marL="0" indent="0">
+              <a:buNone/>
+            </a:pPr>
+            <a:r>
+              <a:rPr lang="en-US" sz="1600" dirty="0" smtClean="0">
+                <a:solidFill>
+                  <a:srgbClr val="0000FF"/>
+                </a:solidFill>
+                <a:latin typeface="Consolas" panose="020B0609020204030204" pitchFamily="49" charset="0"/>
+              </a:rPr>
+              <a:t>    </a:t>
+            </a:r>
+            <a:r>
+              <a:rPr lang="en-US" sz="1600" dirty="0" err="1" smtClean="0">
+                <a:solidFill>
+                  <a:srgbClr val="0000FF"/>
+                </a:solidFill>
+                <a:latin typeface="Consolas" panose="020B0609020204030204" pitchFamily="49" charset="0"/>
+              </a:rPr>
+              <a:t>int</a:t>
+            </a:r>
+            <a:r>
+              <a:rPr lang="en-US" sz="1600" dirty="0" smtClean="0">
+                <a:solidFill>
+                  <a:srgbClr val="000000"/>
+                </a:solidFill>
+                <a:latin typeface="Consolas" panose="020B0609020204030204" pitchFamily="49" charset="0"/>
+              </a:rPr>
+              <a:t> </a:t>
+            </a:r>
+            <a:r>
+              <a:rPr lang="en-US" sz="1600" dirty="0">
+                <a:solidFill>
+                  <a:srgbClr val="000000"/>
+                </a:solidFill>
+                <a:latin typeface="Consolas" panose="020B0609020204030204" pitchFamily="49" charset="0"/>
+              </a:rPr>
+              <a:t>Id { </a:t>
+            </a:r>
+            <a:r>
+              <a:rPr lang="en-US" sz="1600" dirty="0">
+                <a:solidFill>
+                  <a:srgbClr val="0000FF"/>
+                </a:solidFill>
+                <a:latin typeface="Consolas" panose="020B0609020204030204" pitchFamily="49" charset="0"/>
+              </a:rPr>
+              <a:t>get</a:t>
+            </a:r>
+            <a:r>
+              <a:rPr lang="en-US" sz="1600" dirty="0">
+                <a:solidFill>
+                  <a:srgbClr val="000000"/>
+                </a:solidFill>
+                <a:latin typeface="Consolas" panose="020B0609020204030204" pitchFamily="49" charset="0"/>
+              </a:rPr>
+              <a:t>; }</a:t>
+            </a:r>
+          </a:p>
+          <a:p>
+            <a:pPr marL="0" indent="0">
+              <a:buNone/>
+            </a:pPr>
+            <a:r>
+              <a:rPr lang="en-US" sz="1600" dirty="0" smtClean="0">
+                <a:solidFill>
+                  <a:srgbClr val="0000FF"/>
+                </a:solidFill>
+                <a:latin typeface="Consolas" panose="020B0609020204030204" pitchFamily="49" charset="0"/>
+              </a:rPr>
+              <a:t>    string</a:t>
+            </a:r>
+            <a:r>
+              <a:rPr lang="en-US" sz="1600" dirty="0" smtClean="0">
+                <a:solidFill>
+                  <a:srgbClr val="000000"/>
+                </a:solidFill>
+                <a:latin typeface="Consolas" panose="020B0609020204030204" pitchFamily="49" charset="0"/>
+              </a:rPr>
+              <a:t> </a:t>
+            </a:r>
+            <a:r>
+              <a:rPr lang="en-US" sz="1600" dirty="0" err="1">
+                <a:solidFill>
+                  <a:srgbClr val="000000"/>
+                </a:solidFill>
+                <a:latin typeface="Consolas" panose="020B0609020204030204" pitchFamily="49" charset="0"/>
+              </a:rPr>
+              <a:t>FirstName</a:t>
+            </a:r>
+            <a:r>
+              <a:rPr lang="en-US" sz="1600" dirty="0">
+                <a:solidFill>
+                  <a:srgbClr val="000000"/>
+                </a:solidFill>
+                <a:latin typeface="Consolas" panose="020B0609020204030204" pitchFamily="49" charset="0"/>
+              </a:rPr>
+              <a:t> { </a:t>
+            </a:r>
+            <a:r>
+              <a:rPr lang="en-US" sz="1600" dirty="0">
+                <a:solidFill>
+                  <a:srgbClr val="0000FF"/>
+                </a:solidFill>
+                <a:latin typeface="Consolas" panose="020B0609020204030204" pitchFamily="49" charset="0"/>
+              </a:rPr>
+              <a:t>get</a:t>
+            </a:r>
+            <a:r>
+              <a:rPr lang="en-US" sz="1600" dirty="0">
+                <a:solidFill>
+                  <a:srgbClr val="000000"/>
+                </a:solidFill>
+                <a:latin typeface="Consolas" panose="020B0609020204030204" pitchFamily="49" charset="0"/>
+              </a:rPr>
+              <a:t>; }</a:t>
+            </a:r>
+          </a:p>
+          <a:p>
+            <a:pPr marL="0" indent="0">
+              <a:buNone/>
+            </a:pPr>
+            <a:r>
+              <a:rPr lang="en-US" sz="1600" dirty="0" smtClean="0">
+                <a:solidFill>
+                  <a:srgbClr val="0000FF"/>
+                </a:solidFill>
+                <a:latin typeface="Consolas" panose="020B0609020204030204" pitchFamily="49" charset="0"/>
+              </a:rPr>
+              <a:t>    string</a:t>
+            </a:r>
+            <a:r>
+              <a:rPr lang="en-US" sz="1600" dirty="0" smtClean="0">
+                <a:solidFill>
+                  <a:srgbClr val="000000"/>
+                </a:solidFill>
+                <a:latin typeface="Consolas" panose="020B0609020204030204" pitchFamily="49" charset="0"/>
+              </a:rPr>
+              <a:t> </a:t>
+            </a:r>
+            <a:r>
+              <a:rPr lang="en-US" sz="1600" dirty="0" err="1">
+                <a:solidFill>
+                  <a:srgbClr val="000000"/>
+                </a:solidFill>
+                <a:latin typeface="Consolas" panose="020B0609020204030204" pitchFamily="49" charset="0"/>
+              </a:rPr>
+              <a:t>SecondName</a:t>
+            </a:r>
+            <a:r>
+              <a:rPr lang="en-US" sz="1600" dirty="0">
+                <a:solidFill>
+                  <a:srgbClr val="000000"/>
+                </a:solidFill>
+                <a:latin typeface="Consolas" panose="020B0609020204030204" pitchFamily="49" charset="0"/>
+              </a:rPr>
+              <a:t> { </a:t>
+            </a:r>
+            <a:r>
+              <a:rPr lang="en-US" sz="1600" dirty="0">
+                <a:solidFill>
+                  <a:srgbClr val="0000FF"/>
+                </a:solidFill>
+                <a:latin typeface="Consolas" panose="020B0609020204030204" pitchFamily="49" charset="0"/>
+              </a:rPr>
+              <a:t>get</a:t>
+            </a:r>
+            <a:r>
+              <a:rPr lang="en-US" sz="1600" dirty="0">
+                <a:solidFill>
+                  <a:srgbClr val="000000"/>
+                </a:solidFill>
+                <a:latin typeface="Consolas" panose="020B0609020204030204" pitchFamily="49" charset="0"/>
+              </a:rPr>
+              <a:t>; }</a:t>
+            </a:r>
+          </a:p>
+          <a:p>
+            <a:pPr marL="0" indent="0">
+              <a:buNone/>
+            </a:pPr>
+            <a:r>
+              <a:rPr lang="en-US" sz="1600" dirty="0" smtClean="0">
+                <a:solidFill>
+                  <a:srgbClr val="0000FF"/>
+                </a:solidFill>
+                <a:latin typeface="Consolas" panose="020B0609020204030204" pitchFamily="49" charset="0"/>
+              </a:rPr>
+              <a:t>    string</a:t>
+            </a:r>
+            <a:r>
+              <a:rPr lang="en-US" sz="1600" dirty="0" smtClean="0">
+                <a:solidFill>
+                  <a:srgbClr val="000000"/>
+                </a:solidFill>
+                <a:latin typeface="Consolas" panose="020B0609020204030204" pitchFamily="49" charset="0"/>
+              </a:rPr>
+              <a:t> </a:t>
+            </a:r>
+            <a:r>
+              <a:rPr lang="en-US" sz="1600" dirty="0">
+                <a:solidFill>
+                  <a:srgbClr val="000000"/>
+                </a:solidFill>
+                <a:latin typeface="Consolas" panose="020B0609020204030204" pitchFamily="49" charset="0"/>
+              </a:rPr>
+              <a:t>Role { </a:t>
+            </a:r>
+            <a:r>
+              <a:rPr lang="en-US" sz="1600" dirty="0">
+                <a:solidFill>
+                  <a:srgbClr val="0000FF"/>
+                </a:solidFill>
+                <a:latin typeface="Consolas" panose="020B0609020204030204" pitchFamily="49" charset="0"/>
+              </a:rPr>
+              <a:t>get</a:t>
+            </a:r>
+            <a:r>
+              <a:rPr lang="en-US" sz="1600" dirty="0">
+                <a:solidFill>
+                  <a:srgbClr val="000000"/>
+                </a:solidFill>
+                <a:latin typeface="Consolas" panose="020B0609020204030204" pitchFamily="49" charset="0"/>
+              </a:rPr>
+              <a:t>; }</a:t>
+            </a:r>
+          </a:p>
+          <a:p>
+            <a:pPr marL="0" indent="0">
+              <a:buNone/>
+            </a:pPr>
+            <a:r>
+              <a:rPr lang="en-US" sz="1600" dirty="0" smtClean="0">
+                <a:solidFill>
+                  <a:srgbClr val="0000FF"/>
+                </a:solidFill>
+                <a:latin typeface="Consolas" panose="020B0609020204030204" pitchFamily="49" charset="0"/>
+              </a:rPr>
+              <a:t>    </a:t>
+            </a:r>
+            <a:r>
+              <a:rPr lang="en-US" sz="1600" dirty="0" err="1" smtClean="0">
+                <a:solidFill>
+                  <a:srgbClr val="0000FF"/>
+                </a:solidFill>
+                <a:latin typeface="Consolas" panose="020B0609020204030204" pitchFamily="49" charset="0"/>
+              </a:rPr>
+              <a:t>int</a:t>
+            </a:r>
+            <a:r>
+              <a:rPr lang="en-US" sz="1600" dirty="0" smtClean="0">
+                <a:solidFill>
+                  <a:srgbClr val="000000"/>
+                </a:solidFill>
+                <a:latin typeface="Consolas" panose="020B0609020204030204" pitchFamily="49" charset="0"/>
+              </a:rPr>
+              <a:t> </a:t>
+            </a:r>
+            <a:r>
+              <a:rPr lang="en-US" sz="1600" dirty="0">
+                <a:solidFill>
+                  <a:srgbClr val="000000"/>
+                </a:solidFill>
+                <a:latin typeface="Consolas" panose="020B0609020204030204" pitchFamily="49" charset="0"/>
+              </a:rPr>
+              <a:t>Age { </a:t>
+            </a:r>
+            <a:r>
+              <a:rPr lang="en-US" sz="1600" dirty="0">
+                <a:solidFill>
+                  <a:srgbClr val="0000FF"/>
+                </a:solidFill>
+                <a:latin typeface="Consolas" panose="020B0609020204030204" pitchFamily="49" charset="0"/>
+              </a:rPr>
+              <a:t>get</a:t>
+            </a:r>
+            <a:r>
+              <a:rPr lang="en-US" sz="1600" dirty="0">
+                <a:solidFill>
+                  <a:srgbClr val="000000"/>
+                </a:solidFill>
+                <a:latin typeface="Consolas" panose="020B0609020204030204" pitchFamily="49" charset="0"/>
+              </a:rPr>
+              <a:t>; }</a:t>
+            </a:r>
+          </a:p>
+          <a:p>
+            <a:pPr marL="0" indent="0">
+              <a:buNone/>
+            </a:pPr>
+            <a:r>
+              <a:rPr lang="en-US" sz="1600" dirty="0" smtClean="0">
+                <a:solidFill>
+                  <a:srgbClr val="0000FF"/>
+                </a:solidFill>
+                <a:latin typeface="Consolas" panose="020B0609020204030204" pitchFamily="49" charset="0"/>
+              </a:rPr>
+              <a:t>    </a:t>
+            </a:r>
+            <a:r>
+              <a:rPr lang="en-US" sz="1600" dirty="0" err="1" smtClean="0">
+                <a:solidFill>
+                  <a:srgbClr val="0000FF"/>
+                </a:solidFill>
+                <a:latin typeface="Consolas" panose="020B0609020204030204" pitchFamily="49" charset="0"/>
+              </a:rPr>
+              <a:t>int</a:t>
+            </a:r>
+            <a:r>
+              <a:rPr lang="en-US" sz="1600" dirty="0" smtClean="0">
+                <a:solidFill>
+                  <a:srgbClr val="000000"/>
+                </a:solidFill>
+                <a:latin typeface="Consolas" panose="020B0609020204030204" pitchFamily="49" charset="0"/>
+              </a:rPr>
+              <a:t> </a:t>
+            </a:r>
+            <a:r>
+              <a:rPr lang="en-US" sz="1600" dirty="0">
+                <a:solidFill>
+                  <a:srgbClr val="000000"/>
+                </a:solidFill>
+                <a:latin typeface="Consolas" panose="020B0609020204030204" pitchFamily="49" charset="0"/>
+              </a:rPr>
+              <a:t>Pin { </a:t>
+            </a:r>
+            <a:r>
+              <a:rPr lang="en-US" sz="1600" dirty="0">
+                <a:solidFill>
+                  <a:srgbClr val="0000FF"/>
+                </a:solidFill>
+                <a:latin typeface="Consolas" panose="020B0609020204030204" pitchFamily="49" charset="0"/>
+              </a:rPr>
+              <a:t>get</a:t>
+            </a:r>
+            <a:r>
+              <a:rPr lang="en-US" sz="1600" dirty="0">
+                <a:solidFill>
+                  <a:srgbClr val="000000"/>
+                </a:solidFill>
+                <a:latin typeface="Consolas" panose="020B0609020204030204" pitchFamily="49" charset="0"/>
+              </a:rPr>
+              <a:t>; }</a:t>
+            </a:r>
+          </a:p>
+          <a:p>
+            <a:pPr marL="0" indent="0">
+              <a:buNone/>
+            </a:pPr>
+            <a:r>
+              <a:rPr lang="en-US" sz="1600" dirty="0" smtClean="0">
+                <a:solidFill>
+                  <a:srgbClr val="0000FF"/>
+                </a:solidFill>
+                <a:latin typeface="Consolas" panose="020B0609020204030204" pitchFamily="49" charset="0"/>
+              </a:rPr>
+              <a:t>    string</a:t>
+            </a:r>
+            <a:r>
+              <a:rPr lang="en-US" sz="1600" dirty="0" smtClean="0">
+                <a:solidFill>
+                  <a:srgbClr val="000000"/>
+                </a:solidFill>
+                <a:latin typeface="Consolas" panose="020B0609020204030204" pitchFamily="49" charset="0"/>
+              </a:rPr>
+              <a:t> </a:t>
+            </a:r>
+            <a:r>
+              <a:rPr lang="en-US" sz="1600" dirty="0">
+                <a:solidFill>
+                  <a:srgbClr val="000000"/>
+                </a:solidFill>
+                <a:latin typeface="Consolas" panose="020B0609020204030204" pitchFamily="49" charset="0"/>
+              </a:rPr>
+              <a:t>Address { </a:t>
+            </a:r>
+            <a:r>
+              <a:rPr lang="en-US" sz="1600" dirty="0">
+                <a:solidFill>
+                  <a:srgbClr val="0000FF"/>
+                </a:solidFill>
+                <a:latin typeface="Consolas" panose="020B0609020204030204" pitchFamily="49" charset="0"/>
+              </a:rPr>
+              <a:t>get</a:t>
+            </a:r>
+            <a:r>
+              <a:rPr lang="en-US" sz="1600" dirty="0">
+                <a:solidFill>
+                  <a:srgbClr val="000000"/>
+                </a:solidFill>
+                <a:latin typeface="Consolas" panose="020B0609020204030204" pitchFamily="49" charset="0"/>
+              </a:rPr>
+              <a:t>; }</a:t>
+            </a:r>
+          </a:p>
+          <a:p>
+            <a:pPr marL="0" indent="0">
+              <a:buNone/>
+            </a:pPr>
+            <a:r>
+              <a:rPr lang="en-US" sz="1600" dirty="0" smtClean="0">
+                <a:solidFill>
+                  <a:srgbClr val="000000"/>
+                </a:solidFill>
+                <a:latin typeface="Consolas" panose="020B0609020204030204" pitchFamily="49" charset="0"/>
+              </a:rPr>
+              <a:t>    </a:t>
+            </a:r>
+            <a:r>
+              <a:rPr lang="en-US" sz="1600" dirty="0" err="1" smtClean="0">
+                <a:solidFill>
+                  <a:srgbClr val="000000"/>
+                </a:solidFill>
+                <a:latin typeface="Consolas" panose="020B0609020204030204" pitchFamily="49" charset="0"/>
+              </a:rPr>
+              <a:t>DateTime</a:t>
+            </a:r>
+            <a:r>
+              <a:rPr lang="en-US" sz="1600" dirty="0" smtClean="0">
+                <a:solidFill>
+                  <a:srgbClr val="000000"/>
+                </a:solidFill>
+                <a:latin typeface="Consolas" panose="020B0609020204030204" pitchFamily="49" charset="0"/>
+              </a:rPr>
+              <a:t> </a:t>
+            </a:r>
+            <a:r>
+              <a:rPr lang="en-US" sz="1600" dirty="0" err="1">
+                <a:solidFill>
+                  <a:srgbClr val="000000"/>
+                </a:solidFill>
+                <a:latin typeface="Consolas" panose="020B0609020204030204" pitchFamily="49" charset="0"/>
+              </a:rPr>
+              <a:t>BirthDay</a:t>
+            </a:r>
+            <a:r>
+              <a:rPr lang="en-US" sz="1600" dirty="0">
+                <a:solidFill>
+                  <a:srgbClr val="000000"/>
+                </a:solidFill>
+                <a:latin typeface="Consolas" panose="020B0609020204030204" pitchFamily="49" charset="0"/>
+              </a:rPr>
+              <a:t> { </a:t>
+            </a:r>
+            <a:r>
+              <a:rPr lang="en-US" sz="1600" dirty="0">
+                <a:solidFill>
+                  <a:srgbClr val="0000FF"/>
+                </a:solidFill>
+                <a:latin typeface="Consolas" panose="020B0609020204030204" pitchFamily="49" charset="0"/>
+              </a:rPr>
+              <a:t>get</a:t>
+            </a:r>
+            <a:r>
+              <a:rPr lang="en-US" sz="1600" dirty="0">
+                <a:solidFill>
+                  <a:srgbClr val="000000"/>
+                </a:solidFill>
+                <a:latin typeface="Consolas" panose="020B0609020204030204" pitchFamily="49" charset="0"/>
+              </a:rPr>
+              <a:t>; }</a:t>
+            </a:r>
+          </a:p>
+          <a:p>
+            <a:pPr marL="0" indent="0">
+              <a:buNone/>
+            </a:pPr>
+            <a:r>
+              <a:rPr lang="ru-RU" sz="1600" dirty="0" smtClean="0">
+                <a:solidFill>
+                  <a:srgbClr val="000000"/>
+                </a:solidFill>
+                <a:latin typeface="Consolas" panose="020B0609020204030204" pitchFamily="49" charset="0"/>
+              </a:rPr>
+              <a:t>}</a:t>
+            </a:r>
+            <a:endParaRPr lang="ru-RU" sz="1600" dirty="0"/>
+          </a:p>
+        </p:txBody>
+      </p:sp>
+    </p:spTree>
+    <p:extLst>
+      <p:ext uri="{BB962C8B-B14F-4D97-AF65-F5344CB8AC3E}">
+        <p14:creationId xmlns:p14="http://schemas.microsoft.com/office/powerpoint/2010/main" val="1172219012"/>
       </p:ext>
     </p:extLst>
   </p:cSld>
@@ -12796,13 +14111,7 @@
             </a:r>
             <a:r>
               <a:rPr lang="en-US" dirty="0" smtClean="0"/>
-              <a:t>implementation</a:t>
-            </a:r>
-            <a:r>
-              <a:rPr lang="en-US" dirty="0" smtClean="0">
-                <a:sym typeface="Wingdings" panose="05000000000000000000" pitchFamily="2" charset="2"/>
-              </a:rPr>
-              <a:t></a:t>
+              <a:t>implementation advantages</a:t>
             </a:r>
             <a:endParaRPr lang="ru-RU" dirty="0"/>
           </a:p>
@@ -12810,1350 +14119,69 @@
       </p:sp>
       <p:sp>
         <p:nvSpPr>
-          <p:cNvPr id="3" name="Content Placeholder 2"/>
+          <p:cNvPr id="5" name="Content Placeholder 4"/>
           <p:cNvSpPr>
             <a:spLocks noGrp="1"/>
           </p:cNvSpPr>
           <p:nvPr>
-            <p:ph sz="half" idx="1"/>
+            <p:ph idx="1"/>
           </p:nvPr>
         </p:nvSpPr>
         <p:spPr/>
         <p:txBody>
-          <a:bodyPr>
-            <a:normAutofit/>
-          </a:bodyPr>
+          <a:bodyPr/>
           <a:lstStyle/>
           <a:p>
-            <a:pPr marL="0" indent="0">
-              <a:buNone/>
-            </a:pPr>
-            <a:r>
-              <a:rPr lang="en-US" sz="1600" dirty="0" smtClean="0">
-                <a:solidFill>
-                  <a:srgbClr val="0000FF"/>
-                </a:solidFill>
-                <a:latin typeface="Consolas" panose="020B0609020204030204" pitchFamily="49" charset="0"/>
-              </a:rPr>
-              <a:t>class</a:t>
-            </a:r>
-            <a:r>
-              <a:rPr lang="en-US" sz="1600" dirty="0" smtClean="0">
-                <a:solidFill>
-                  <a:srgbClr val="000000"/>
-                </a:solidFill>
-                <a:latin typeface="Consolas" panose="020B0609020204030204" pitchFamily="49" charset="0"/>
-              </a:rPr>
-              <a:t> </a:t>
-            </a:r>
-            <a:r>
-              <a:rPr lang="en-US" sz="1600" dirty="0" err="1" smtClean="0">
-                <a:solidFill>
-                  <a:srgbClr val="2B91AF"/>
-                </a:solidFill>
-                <a:latin typeface="Consolas" panose="020B0609020204030204" pitchFamily="49" charset="0"/>
-              </a:rPr>
-              <a:t>RealEntity</a:t>
-            </a:r>
-            <a:r>
-              <a:rPr lang="en-US" sz="1600" dirty="0" smtClean="0">
-                <a:solidFill>
-                  <a:srgbClr val="2B91AF"/>
-                </a:solidFill>
-                <a:latin typeface="Consolas" panose="020B0609020204030204" pitchFamily="49" charset="0"/>
-              </a:rPr>
-              <a:t> </a:t>
-            </a:r>
-            <a:r>
-              <a:rPr lang="en-US" sz="1600" dirty="0">
-                <a:solidFill>
-                  <a:srgbClr val="2B91AF"/>
-                </a:solidFill>
-                <a:latin typeface="Consolas" panose="020B0609020204030204" pitchFamily="49" charset="0"/>
-              </a:rPr>
-              <a:t>: </a:t>
-            </a:r>
-            <a:r>
-              <a:rPr lang="en-US" sz="1600" dirty="0" err="1">
-                <a:solidFill>
-                  <a:srgbClr val="2B91AF"/>
-                </a:solidFill>
-                <a:latin typeface="Consolas" panose="020B0609020204030204" pitchFamily="49" charset="0"/>
-              </a:rPr>
-              <a:t>IRealEntity</a:t>
-            </a:r>
-            <a:endParaRPr lang="en-US" sz="1600" dirty="0">
-              <a:solidFill>
-                <a:srgbClr val="000000"/>
-              </a:solidFill>
-              <a:latin typeface="Consolas" panose="020B0609020204030204" pitchFamily="49" charset="0"/>
-            </a:endParaRPr>
-          </a:p>
-          <a:p>
-            <a:pPr marL="0" indent="0">
-              <a:buNone/>
-            </a:pPr>
-            <a:r>
-              <a:rPr lang="ru-RU" sz="1600" dirty="0" smtClean="0">
-                <a:solidFill>
-                  <a:srgbClr val="000000"/>
-                </a:solidFill>
-                <a:latin typeface="Consolas" panose="020B0609020204030204" pitchFamily="49" charset="0"/>
-              </a:rPr>
-              <a:t>{</a:t>
-            </a:r>
-            <a:endParaRPr lang="ru-RU" sz="1600" dirty="0">
-              <a:solidFill>
-                <a:srgbClr val="000000"/>
-              </a:solidFill>
-              <a:latin typeface="Consolas" panose="020B0609020204030204" pitchFamily="49" charset="0"/>
-            </a:endParaRPr>
-          </a:p>
-          <a:p>
-            <a:pPr marL="0" indent="0">
-              <a:buNone/>
-            </a:pPr>
-            <a:r>
-              <a:rPr lang="en-US" sz="1600" dirty="0" smtClean="0">
-                <a:solidFill>
-                  <a:srgbClr val="0000FF"/>
-                </a:solidFill>
-                <a:latin typeface="Consolas" panose="020B0609020204030204" pitchFamily="49" charset="0"/>
-              </a:rPr>
-              <a:t>    public</a:t>
-            </a:r>
-            <a:r>
-              <a:rPr lang="en-US" sz="1600" dirty="0" smtClean="0">
-                <a:solidFill>
-                  <a:srgbClr val="000000"/>
-                </a:solidFill>
-                <a:latin typeface="Consolas" panose="020B0609020204030204" pitchFamily="49" charset="0"/>
-              </a:rPr>
-              <a:t> </a:t>
-            </a:r>
-            <a:r>
-              <a:rPr lang="en-US" sz="1600" dirty="0" err="1">
-                <a:solidFill>
-                  <a:srgbClr val="0000FF"/>
-                </a:solidFill>
-                <a:latin typeface="Consolas" panose="020B0609020204030204" pitchFamily="49" charset="0"/>
-              </a:rPr>
-              <a:t>int</a:t>
-            </a:r>
-            <a:r>
-              <a:rPr lang="en-US" sz="1600" dirty="0">
-                <a:solidFill>
-                  <a:srgbClr val="000000"/>
-                </a:solidFill>
-                <a:latin typeface="Consolas" panose="020B0609020204030204" pitchFamily="49" charset="0"/>
-              </a:rPr>
-              <a:t> Id { </a:t>
-            </a:r>
-            <a:r>
-              <a:rPr lang="en-US" sz="1600" dirty="0">
-                <a:solidFill>
-                  <a:srgbClr val="0000FF"/>
-                </a:solidFill>
-                <a:latin typeface="Consolas" panose="020B0609020204030204" pitchFamily="49" charset="0"/>
-              </a:rPr>
-              <a:t>get</a:t>
-            </a:r>
-            <a:r>
-              <a:rPr lang="en-US" sz="1600" dirty="0">
-                <a:solidFill>
-                  <a:srgbClr val="000000"/>
-                </a:solidFill>
-                <a:latin typeface="Consolas" panose="020B0609020204030204" pitchFamily="49" charset="0"/>
-              </a:rPr>
-              <a:t>; </a:t>
-            </a:r>
-            <a:r>
-              <a:rPr lang="en-US" sz="1600" dirty="0">
-                <a:solidFill>
-                  <a:srgbClr val="0000FF"/>
-                </a:solidFill>
-                <a:latin typeface="Consolas" panose="020B0609020204030204" pitchFamily="49" charset="0"/>
-              </a:rPr>
-              <a:t>set</a:t>
-            </a:r>
-            <a:r>
-              <a:rPr lang="en-US" sz="1600" dirty="0">
-                <a:solidFill>
-                  <a:srgbClr val="000000"/>
-                </a:solidFill>
-                <a:latin typeface="Consolas" panose="020B0609020204030204" pitchFamily="49" charset="0"/>
-              </a:rPr>
-              <a:t>; }</a:t>
-            </a:r>
-          </a:p>
-          <a:p>
-            <a:pPr marL="0" indent="0">
-              <a:buNone/>
-            </a:pPr>
-            <a:r>
-              <a:rPr lang="en-US" sz="1600" dirty="0" smtClean="0">
-                <a:solidFill>
-                  <a:srgbClr val="0000FF"/>
-                </a:solidFill>
-                <a:latin typeface="Consolas" panose="020B0609020204030204" pitchFamily="49" charset="0"/>
-              </a:rPr>
-              <a:t>    public</a:t>
-            </a:r>
-            <a:r>
-              <a:rPr lang="en-US" sz="1600" dirty="0" smtClean="0">
-                <a:solidFill>
-                  <a:srgbClr val="000000"/>
-                </a:solidFill>
-                <a:latin typeface="Consolas" panose="020B0609020204030204" pitchFamily="49" charset="0"/>
-              </a:rPr>
-              <a:t> </a:t>
-            </a:r>
-            <a:r>
-              <a:rPr lang="en-US" sz="1600" dirty="0">
-                <a:solidFill>
-                  <a:srgbClr val="0000FF"/>
-                </a:solidFill>
-                <a:latin typeface="Consolas" panose="020B0609020204030204" pitchFamily="49" charset="0"/>
-              </a:rPr>
-              <a:t>string</a:t>
-            </a:r>
-            <a:r>
-              <a:rPr lang="en-US" sz="1600" dirty="0">
-                <a:solidFill>
-                  <a:srgbClr val="000000"/>
-                </a:solidFill>
-                <a:latin typeface="Consolas" panose="020B0609020204030204" pitchFamily="49" charset="0"/>
-              </a:rPr>
-              <a:t> </a:t>
-            </a:r>
-            <a:r>
-              <a:rPr lang="en-US" sz="1600" dirty="0" err="1">
-                <a:solidFill>
-                  <a:srgbClr val="000000"/>
-                </a:solidFill>
-                <a:latin typeface="Consolas" panose="020B0609020204030204" pitchFamily="49" charset="0"/>
-              </a:rPr>
-              <a:t>FirstName</a:t>
-            </a:r>
-            <a:r>
-              <a:rPr lang="en-US" sz="1600" dirty="0">
-                <a:solidFill>
-                  <a:srgbClr val="000000"/>
-                </a:solidFill>
-                <a:latin typeface="Consolas" panose="020B0609020204030204" pitchFamily="49" charset="0"/>
-              </a:rPr>
-              <a:t> { </a:t>
-            </a:r>
-            <a:r>
-              <a:rPr lang="en-US" sz="1600" dirty="0">
-                <a:solidFill>
-                  <a:srgbClr val="0000FF"/>
-                </a:solidFill>
-                <a:latin typeface="Consolas" panose="020B0609020204030204" pitchFamily="49" charset="0"/>
-              </a:rPr>
-              <a:t>get</a:t>
-            </a:r>
-            <a:r>
-              <a:rPr lang="en-US" sz="1600" dirty="0">
-                <a:solidFill>
-                  <a:srgbClr val="000000"/>
-                </a:solidFill>
-                <a:latin typeface="Consolas" panose="020B0609020204030204" pitchFamily="49" charset="0"/>
-              </a:rPr>
-              <a:t>; </a:t>
-            </a:r>
-            <a:r>
-              <a:rPr lang="en-US" sz="1600" dirty="0">
-                <a:solidFill>
-                  <a:srgbClr val="0000FF"/>
-                </a:solidFill>
-                <a:latin typeface="Consolas" panose="020B0609020204030204" pitchFamily="49" charset="0"/>
-              </a:rPr>
-              <a:t>set</a:t>
-            </a:r>
-            <a:r>
-              <a:rPr lang="en-US" sz="1600" dirty="0">
-                <a:solidFill>
-                  <a:srgbClr val="000000"/>
-                </a:solidFill>
-                <a:latin typeface="Consolas" panose="020B0609020204030204" pitchFamily="49" charset="0"/>
-              </a:rPr>
-              <a:t>; }</a:t>
-            </a:r>
-          </a:p>
-          <a:p>
-            <a:pPr marL="0" indent="0">
-              <a:buNone/>
-            </a:pPr>
-            <a:r>
-              <a:rPr lang="en-US" sz="1600" dirty="0" smtClean="0">
-                <a:solidFill>
-                  <a:srgbClr val="0000FF"/>
-                </a:solidFill>
-                <a:latin typeface="Consolas" panose="020B0609020204030204" pitchFamily="49" charset="0"/>
-              </a:rPr>
-              <a:t>    public</a:t>
-            </a:r>
-            <a:r>
-              <a:rPr lang="en-US" sz="1600" dirty="0" smtClean="0">
-                <a:solidFill>
-                  <a:srgbClr val="000000"/>
-                </a:solidFill>
-                <a:latin typeface="Consolas" panose="020B0609020204030204" pitchFamily="49" charset="0"/>
-              </a:rPr>
-              <a:t> </a:t>
-            </a:r>
-            <a:r>
-              <a:rPr lang="en-US" sz="1600" dirty="0">
-                <a:solidFill>
-                  <a:srgbClr val="0000FF"/>
-                </a:solidFill>
-                <a:latin typeface="Consolas" panose="020B0609020204030204" pitchFamily="49" charset="0"/>
-              </a:rPr>
-              <a:t>string</a:t>
-            </a:r>
-            <a:r>
-              <a:rPr lang="en-US" sz="1600" dirty="0">
-                <a:solidFill>
-                  <a:srgbClr val="000000"/>
-                </a:solidFill>
-                <a:latin typeface="Consolas" panose="020B0609020204030204" pitchFamily="49" charset="0"/>
-              </a:rPr>
-              <a:t> </a:t>
-            </a:r>
-            <a:r>
-              <a:rPr lang="en-US" sz="1600" dirty="0" err="1">
-                <a:solidFill>
-                  <a:srgbClr val="000000"/>
-                </a:solidFill>
-                <a:latin typeface="Consolas" panose="020B0609020204030204" pitchFamily="49" charset="0"/>
-              </a:rPr>
-              <a:t>SecondName</a:t>
-            </a:r>
-            <a:r>
-              <a:rPr lang="en-US" sz="1600" dirty="0">
-                <a:solidFill>
-                  <a:srgbClr val="000000"/>
-                </a:solidFill>
-                <a:latin typeface="Consolas" panose="020B0609020204030204" pitchFamily="49" charset="0"/>
-              </a:rPr>
-              <a:t> { </a:t>
-            </a:r>
-            <a:r>
-              <a:rPr lang="en-US" sz="1600" dirty="0">
-                <a:solidFill>
-                  <a:srgbClr val="0000FF"/>
-                </a:solidFill>
-                <a:latin typeface="Consolas" panose="020B0609020204030204" pitchFamily="49" charset="0"/>
-              </a:rPr>
-              <a:t>get</a:t>
-            </a:r>
-            <a:r>
-              <a:rPr lang="en-US" sz="1600" dirty="0">
-                <a:solidFill>
-                  <a:srgbClr val="000000"/>
-                </a:solidFill>
-                <a:latin typeface="Consolas" panose="020B0609020204030204" pitchFamily="49" charset="0"/>
-              </a:rPr>
-              <a:t>; </a:t>
-            </a:r>
-            <a:r>
-              <a:rPr lang="en-US" sz="1600" dirty="0">
-                <a:solidFill>
-                  <a:srgbClr val="0000FF"/>
-                </a:solidFill>
-                <a:latin typeface="Consolas" panose="020B0609020204030204" pitchFamily="49" charset="0"/>
-              </a:rPr>
-              <a:t>set</a:t>
-            </a:r>
-            <a:r>
-              <a:rPr lang="en-US" sz="1600" dirty="0">
-                <a:solidFill>
-                  <a:srgbClr val="000000"/>
-                </a:solidFill>
-                <a:latin typeface="Consolas" panose="020B0609020204030204" pitchFamily="49" charset="0"/>
-              </a:rPr>
-              <a:t>; }</a:t>
-            </a:r>
-          </a:p>
-          <a:p>
-            <a:pPr marL="0" indent="0">
-              <a:buNone/>
-            </a:pPr>
-            <a:r>
-              <a:rPr lang="en-US" sz="1600" dirty="0" smtClean="0">
-                <a:solidFill>
-                  <a:srgbClr val="0000FF"/>
-                </a:solidFill>
-                <a:latin typeface="Consolas" panose="020B0609020204030204" pitchFamily="49" charset="0"/>
-              </a:rPr>
-              <a:t>    public</a:t>
-            </a:r>
-            <a:r>
-              <a:rPr lang="en-US" sz="1600" dirty="0" smtClean="0">
-                <a:solidFill>
-                  <a:srgbClr val="000000"/>
-                </a:solidFill>
-                <a:latin typeface="Consolas" panose="020B0609020204030204" pitchFamily="49" charset="0"/>
-              </a:rPr>
-              <a:t> </a:t>
-            </a:r>
-            <a:r>
-              <a:rPr lang="en-US" sz="1600" dirty="0">
-                <a:solidFill>
-                  <a:srgbClr val="0000FF"/>
-                </a:solidFill>
-                <a:latin typeface="Consolas" panose="020B0609020204030204" pitchFamily="49" charset="0"/>
-              </a:rPr>
-              <a:t>string</a:t>
-            </a:r>
-            <a:r>
-              <a:rPr lang="en-US" sz="1600" dirty="0">
-                <a:solidFill>
-                  <a:srgbClr val="000000"/>
-                </a:solidFill>
-                <a:latin typeface="Consolas" panose="020B0609020204030204" pitchFamily="49" charset="0"/>
-              </a:rPr>
-              <a:t> Role { </a:t>
-            </a:r>
-            <a:r>
-              <a:rPr lang="en-US" sz="1600" dirty="0">
-                <a:solidFill>
-                  <a:srgbClr val="0000FF"/>
-                </a:solidFill>
-                <a:latin typeface="Consolas" panose="020B0609020204030204" pitchFamily="49" charset="0"/>
-              </a:rPr>
-              <a:t>get</a:t>
-            </a:r>
-            <a:r>
-              <a:rPr lang="en-US" sz="1600" dirty="0">
-                <a:solidFill>
-                  <a:srgbClr val="000000"/>
-                </a:solidFill>
-                <a:latin typeface="Consolas" panose="020B0609020204030204" pitchFamily="49" charset="0"/>
-              </a:rPr>
-              <a:t>; </a:t>
-            </a:r>
-            <a:r>
-              <a:rPr lang="en-US" sz="1600" dirty="0">
-                <a:solidFill>
-                  <a:srgbClr val="0000FF"/>
-                </a:solidFill>
-                <a:latin typeface="Consolas" panose="020B0609020204030204" pitchFamily="49" charset="0"/>
-              </a:rPr>
-              <a:t>set</a:t>
-            </a:r>
-            <a:r>
-              <a:rPr lang="en-US" sz="1600" dirty="0">
-                <a:solidFill>
-                  <a:srgbClr val="000000"/>
-                </a:solidFill>
-                <a:latin typeface="Consolas" panose="020B0609020204030204" pitchFamily="49" charset="0"/>
-              </a:rPr>
-              <a:t>; }</a:t>
-            </a:r>
-          </a:p>
-          <a:p>
-            <a:pPr marL="0" indent="0">
-              <a:buNone/>
-            </a:pPr>
-            <a:r>
-              <a:rPr lang="en-US" sz="1600" dirty="0" smtClean="0">
-                <a:solidFill>
-                  <a:srgbClr val="0000FF"/>
-                </a:solidFill>
-                <a:latin typeface="Consolas" panose="020B0609020204030204" pitchFamily="49" charset="0"/>
-              </a:rPr>
-              <a:t>    public</a:t>
-            </a:r>
-            <a:r>
-              <a:rPr lang="en-US" sz="1600" dirty="0" smtClean="0">
-                <a:solidFill>
-                  <a:srgbClr val="000000"/>
-                </a:solidFill>
-                <a:latin typeface="Consolas" panose="020B0609020204030204" pitchFamily="49" charset="0"/>
-              </a:rPr>
-              <a:t> </a:t>
-            </a:r>
-            <a:r>
-              <a:rPr lang="en-US" sz="1600" dirty="0" err="1">
-                <a:solidFill>
-                  <a:srgbClr val="0000FF"/>
-                </a:solidFill>
-                <a:latin typeface="Consolas" panose="020B0609020204030204" pitchFamily="49" charset="0"/>
-              </a:rPr>
-              <a:t>int</a:t>
-            </a:r>
-            <a:r>
-              <a:rPr lang="en-US" sz="1600" dirty="0">
-                <a:solidFill>
-                  <a:srgbClr val="000000"/>
-                </a:solidFill>
-                <a:latin typeface="Consolas" panose="020B0609020204030204" pitchFamily="49" charset="0"/>
-              </a:rPr>
-              <a:t> Age { </a:t>
-            </a:r>
-            <a:r>
-              <a:rPr lang="en-US" sz="1600" dirty="0">
-                <a:solidFill>
-                  <a:srgbClr val="0000FF"/>
-                </a:solidFill>
-                <a:latin typeface="Consolas" panose="020B0609020204030204" pitchFamily="49" charset="0"/>
-              </a:rPr>
-              <a:t>get</a:t>
-            </a:r>
-            <a:r>
-              <a:rPr lang="en-US" sz="1600" dirty="0">
-                <a:solidFill>
-                  <a:srgbClr val="000000"/>
-                </a:solidFill>
-                <a:latin typeface="Consolas" panose="020B0609020204030204" pitchFamily="49" charset="0"/>
-              </a:rPr>
-              <a:t>; </a:t>
-            </a:r>
-            <a:r>
-              <a:rPr lang="en-US" sz="1600" dirty="0">
-                <a:solidFill>
-                  <a:srgbClr val="0000FF"/>
-                </a:solidFill>
-                <a:latin typeface="Consolas" panose="020B0609020204030204" pitchFamily="49" charset="0"/>
-              </a:rPr>
-              <a:t>set</a:t>
-            </a:r>
-            <a:r>
-              <a:rPr lang="en-US" sz="1600" dirty="0">
-                <a:solidFill>
-                  <a:srgbClr val="000000"/>
-                </a:solidFill>
-                <a:latin typeface="Consolas" panose="020B0609020204030204" pitchFamily="49" charset="0"/>
-              </a:rPr>
-              <a:t>; }</a:t>
-            </a:r>
-          </a:p>
-          <a:p>
-            <a:pPr marL="0" indent="0">
-              <a:buNone/>
-            </a:pPr>
-            <a:r>
-              <a:rPr lang="en-US" sz="1600" dirty="0" smtClean="0">
-                <a:solidFill>
-                  <a:srgbClr val="0000FF"/>
-                </a:solidFill>
-                <a:latin typeface="Consolas" panose="020B0609020204030204" pitchFamily="49" charset="0"/>
-              </a:rPr>
-              <a:t>    public</a:t>
-            </a:r>
-            <a:r>
-              <a:rPr lang="en-US" sz="1600" dirty="0" smtClean="0">
-                <a:solidFill>
-                  <a:srgbClr val="000000"/>
-                </a:solidFill>
-                <a:latin typeface="Consolas" panose="020B0609020204030204" pitchFamily="49" charset="0"/>
-              </a:rPr>
-              <a:t> </a:t>
-            </a:r>
-            <a:r>
-              <a:rPr lang="en-US" sz="1600" dirty="0" err="1">
-                <a:solidFill>
-                  <a:srgbClr val="0000FF"/>
-                </a:solidFill>
-                <a:latin typeface="Consolas" panose="020B0609020204030204" pitchFamily="49" charset="0"/>
-              </a:rPr>
-              <a:t>int</a:t>
-            </a:r>
-            <a:r>
-              <a:rPr lang="en-US" sz="1600" dirty="0">
-                <a:solidFill>
-                  <a:srgbClr val="000000"/>
-                </a:solidFill>
-                <a:latin typeface="Consolas" panose="020B0609020204030204" pitchFamily="49" charset="0"/>
-              </a:rPr>
-              <a:t> Pin { </a:t>
-            </a:r>
-            <a:r>
-              <a:rPr lang="en-US" sz="1600" dirty="0">
-                <a:solidFill>
-                  <a:srgbClr val="0000FF"/>
-                </a:solidFill>
-                <a:latin typeface="Consolas" panose="020B0609020204030204" pitchFamily="49" charset="0"/>
-              </a:rPr>
-              <a:t>get</a:t>
-            </a:r>
-            <a:r>
-              <a:rPr lang="en-US" sz="1600" dirty="0">
-                <a:solidFill>
-                  <a:srgbClr val="000000"/>
-                </a:solidFill>
-                <a:latin typeface="Consolas" panose="020B0609020204030204" pitchFamily="49" charset="0"/>
-              </a:rPr>
-              <a:t>; </a:t>
-            </a:r>
-            <a:r>
-              <a:rPr lang="en-US" sz="1600" dirty="0">
-                <a:solidFill>
-                  <a:srgbClr val="0000FF"/>
-                </a:solidFill>
-                <a:latin typeface="Consolas" panose="020B0609020204030204" pitchFamily="49" charset="0"/>
-              </a:rPr>
-              <a:t>set</a:t>
-            </a:r>
-            <a:r>
-              <a:rPr lang="en-US" sz="1600" dirty="0">
-                <a:solidFill>
-                  <a:srgbClr val="000000"/>
-                </a:solidFill>
-                <a:latin typeface="Consolas" panose="020B0609020204030204" pitchFamily="49" charset="0"/>
-              </a:rPr>
-              <a:t>; }</a:t>
-            </a:r>
-          </a:p>
-          <a:p>
-            <a:pPr marL="0" indent="0">
-              <a:buNone/>
-            </a:pPr>
-            <a:r>
-              <a:rPr lang="en-US" sz="1600" dirty="0" smtClean="0">
-                <a:solidFill>
-                  <a:srgbClr val="0000FF"/>
-                </a:solidFill>
-                <a:latin typeface="Consolas" panose="020B0609020204030204" pitchFamily="49" charset="0"/>
-              </a:rPr>
-              <a:t>    public</a:t>
-            </a:r>
-            <a:r>
-              <a:rPr lang="en-US" sz="1600" dirty="0" smtClean="0">
-                <a:solidFill>
-                  <a:srgbClr val="000000"/>
-                </a:solidFill>
-                <a:latin typeface="Consolas" panose="020B0609020204030204" pitchFamily="49" charset="0"/>
-              </a:rPr>
-              <a:t> </a:t>
-            </a:r>
-            <a:r>
-              <a:rPr lang="en-US" sz="1600" dirty="0">
-                <a:solidFill>
-                  <a:srgbClr val="0000FF"/>
-                </a:solidFill>
-                <a:latin typeface="Consolas" panose="020B0609020204030204" pitchFamily="49" charset="0"/>
-              </a:rPr>
-              <a:t>string</a:t>
-            </a:r>
-            <a:r>
-              <a:rPr lang="en-US" sz="1600" dirty="0">
-                <a:solidFill>
-                  <a:srgbClr val="000000"/>
-                </a:solidFill>
-                <a:latin typeface="Consolas" panose="020B0609020204030204" pitchFamily="49" charset="0"/>
-              </a:rPr>
-              <a:t> Address { </a:t>
-            </a:r>
-            <a:r>
-              <a:rPr lang="en-US" sz="1600" dirty="0">
-                <a:solidFill>
-                  <a:srgbClr val="0000FF"/>
-                </a:solidFill>
-                <a:latin typeface="Consolas" panose="020B0609020204030204" pitchFamily="49" charset="0"/>
-              </a:rPr>
-              <a:t>get</a:t>
-            </a:r>
-            <a:r>
-              <a:rPr lang="en-US" sz="1600" dirty="0">
-                <a:solidFill>
-                  <a:srgbClr val="000000"/>
-                </a:solidFill>
-                <a:latin typeface="Consolas" panose="020B0609020204030204" pitchFamily="49" charset="0"/>
-              </a:rPr>
-              <a:t>; </a:t>
-            </a:r>
-            <a:r>
-              <a:rPr lang="en-US" sz="1600" dirty="0">
-                <a:solidFill>
-                  <a:srgbClr val="0000FF"/>
-                </a:solidFill>
-                <a:latin typeface="Consolas" panose="020B0609020204030204" pitchFamily="49" charset="0"/>
-              </a:rPr>
-              <a:t>set</a:t>
-            </a:r>
-            <a:r>
-              <a:rPr lang="en-US" sz="1600" dirty="0">
-                <a:solidFill>
-                  <a:srgbClr val="000000"/>
-                </a:solidFill>
-                <a:latin typeface="Consolas" panose="020B0609020204030204" pitchFamily="49" charset="0"/>
-              </a:rPr>
-              <a:t>; }</a:t>
-            </a:r>
-          </a:p>
-          <a:p>
-            <a:pPr marL="0" indent="0">
-              <a:buNone/>
-            </a:pPr>
-            <a:r>
-              <a:rPr lang="en-US" sz="1600" dirty="0" smtClean="0">
-                <a:solidFill>
-                  <a:srgbClr val="0000FF"/>
-                </a:solidFill>
-                <a:latin typeface="Consolas" panose="020B0609020204030204" pitchFamily="49" charset="0"/>
-              </a:rPr>
-              <a:t>    public</a:t>
-            </a:r>
-            <a:r>
-              <a:rPr lang="en-US" sz="1600" dirty="0" smtClean="0">
-                <a:solidFill>
-                  <a:srgbClr val="000000"/>
-                </a:solidFill>
-                <a:latin typeface="Consolas" panose="020B0609020204030204" pitchFamily="49" charset="0"/>
-              </a:rPr>
-              <a:t> </a:t>
-            </a:r>
-            <a:r>
-              <a:rPr lang="en-US" sz="1600" dirty="0" err="1">
-                <a:solidFill>
-                  <a:srgbClr val="000000"/>
-                </a:solidFill>
-                <a:latin typeface="Consolas" panose="020B0609020204030204" pitchFamily="49" charset="0"/>
-              </a:rPr>
-              <a:t>DateTime</a:t>
-            </a:r>
-            <a:r>
-              <a:rPr lang="en-US" sz="1600" dirty="0">
-                <a:solidFill>
-                  <a:srgbClr val="000000"/>
-                </a:solidFill>
-                <a:latin typeface="Consolas" panose="020B0609020204030204" pitchFamily="49" charset="0"/>
-              </a:rPr>
-              <a:t> </a:t>
-            </a:r>
-            <a:r>
-              <a:rPr lang="en-US" sz="1600" dirty="0" err="1">
-                <a:solidFill>
-                  <a:srgbClr val="000000"/>
-                </a:solidFill>
-                <a:latin typeface="Consolas" panose="020B0609020204030204" pitchFamily="49" charset="0"/>
-              </a:rPr>
-              <a:t>BirthDay</a:t>
-            </a:r>
-            <a:r>
-              <a:rPr lang="en-US" sz="1600" dirty="0">
-                <a:solidFill>
-                  <a:srgbClr val="000000"/>
-                </a:solidFill>
-                <a:latin typeface="Consolas" panose="020B0609020204030204" pitchFamily="49" charset="0"/>
-              </a:rPr>
-              <a:t> { </a:t>
-            </a:r>
-            <a:r>
-              <a:rPr lang="en-US" sz="1600" dirty="0">
-                <a:solidFill>
-                  <a:srgbClr val="0000FF"/>
-                </a:solidFill>
-                <a:latin typeface="Consolas" panose="020B0609020204030204" pitchFamily="49" charset="0"/>
-              </a:rPr>
-              <a:t>get</a:t>
-            </a:r>
-            <a:r>
-              <a:rPr lang="en-US" sz="1600" dirty="0">
-                <a:solidFill>
-                  <a:srgbClr val="000000"/>
-                </a:solidFill>
-                <a:latin typeface="Consolas" panose="020B0609020204030204" pitchFamily="49" charset="0"/>
-              </a:rPr>
-              <a:t>; </a:t>
-            </a:r>
-            <a:r>
-              <a:rPr lang="en-US" sz="1600" dirty="0">
-                <a:solidFill>
-                  <a:srgbClr val="0000FF"/>
-                </a:solidFill>
-                <a:latin typeface="Consolas" panose="020B0609020204030204" pitchFamily="49" charset="0"/>
-              </a:rPr>
-              <a:t>set</a:t>
-            </a:r>
-            <a:r>
-              <a:rPr lang="en-US" sz="1600" dirty="0">
-                <a:solidFill>
-                  <a:srgbClr val="000000"/>
-                </a:solidFill>
-                <a:latin typeface="Consolas" panose="020B0609020204030204" pitchFamily="49" charset="0"/>
-              </a:rPr>
-              <a:t>; }</a:t>
-            </a:r>
-          </a:p>
-          <a:p>
-            <a:pPr marL="0" indent="0">
-              <a:buNone/>
-            </a:pPr>
-            <a:r>
-              <a:rPr lang="ru-RU" sz="1600" dirty="0" smtClean="0">
-                <a:solidFill>
-                  <a:srgbClr val="000000"/>
-                </a:solidFill>
-                <a:latin typeface="Consolas" panose="020B0609020204030204" pitchFamily="49" charset="0"/>
-              </a:rPr>
-              <a:t>}</a:t>
-            </a:r>
-            <a:endParaRPr lang="ru-RU" sz="1600" dirty="0"/>
-          </a:p>
-        </p:txBody>
-      </p:sp>
-      <p:sp>
-        <p:nvSpPr>
-          <p:cNvPr id="4" name="Content Placeholder 3"/>
-          <p:cNvSpPr>
-            <a:spLocks noGrp="1"/>
-          </p:cNvSpPr>
-          <p:nvPr>
-            <p:ph sz="half" idx="2"/>
-          </p:nvPr>
-        </p:nvSpPr>
-        <p:spPr/>
-        <p:txBody>
-          <a:bodyPr>
-            <a:noAutofit/>
-          </a:bodyPr>
-          <a:lstStyle/>
-          <a:p>
-            <a:pPr marL="0" indent="0">
-              <a:buNone/>
-            </a:pPr>
-            <a:r>
-              <a:rPr lang="en-US" sz="1600" dirty="0" smtClean="0">
-                <a:solidFill>
-                  <a:srgbClr val="0000FF"/>
-                </a:solidFill>
-                <a:latin typeface="Consolas" panose="020B0609020204030204" pitchFamily="49" charset="0"/>
-              </a:rPr>
-              <a:t>interface</a:t>
-            </a:r>
-            <a:r>
-              <a:rPr lang="en-US" sz="1600" dirty="0" smtClean="0">
-                <a:solidFill>
-                  <a:srgbClr val="000000"/>
-                </a:solidFill>
-                <a:latin typeface="Consolas" panose="020B0609020204030204" pitchFamily="49" charset="0"/>
-              </a:rPr>
-              <a:t> </a:t>
-            </a:r>
-            <a:r>
-              <a:rPr lang="en-US" sz="1600" dirty="0" err="1">
-                <a:solidFill>
-                  <a:srgbClr val="2B91AF"/>
-                </a:solidFill>
-                <a:latin typeface="Consolas" panose="020B0609020204030204" pitchFamily="49" charset="0"/>
-              </a:rPr>
-              <a:t>IRealEntity</a:t>
-            </a:r>
-            <a:endParaRPr lang="en-US" sz="1600" dirty="0">
-              <a:solidFill>
-                <a:srgbClr val="000000"/>
-              </a:solidFill>
-              <a:latin typeface="Consolas" panose="020B0609020204030204" pitchFamily="49" charset="0"/>
-            </a:endParaRPr>
-          </a:p>
-          <a:p>
-            <a:pPr marL="0" indent="0">
-              <a:buNone/>
-            </a:pPr>
-            <a:r>
-              <a:rPr lang="ru-RU" sz="1600" dirty="0" smtClean="0">
-                <a:solidFill>
-                  <a:srgbClr val="000000"/>
-                </a:solidFill>
-                <a:latin typeface="Consolas" panose="020B0609020204030204" pitchFamily="49" charset="0"/>
-              </a:rPr>
-              <a:t>{</a:t>
-            </a:r>
-            <a:endParaRPr lang="ru-RU" sz="1600" dirty="0">
-              <a:solidFill>
-                <a:srgbClr val="000000"/>
-              </a:solidFill>
-              <a:latin typeface="Consolas" panose="020B0609020204030204" pitchFamily="49" charset="0"/>
-            </a:endParaRPr>
-          </a:p>
-          <a:p>
-            <a:pPr marL="0" indent="0">
-              <a:buNone/>
-            </a:pPr>
-            <a:r>
-              <a:rPr lang="en-US" sz="1600" dirty="0" smtClean="0">
-                <a:solidFill>
-                  <a:srgbClr val="0000FF"/>
-                </a:solidFill>
-                <a:latin typeface="Consolas" panose="020B0609020204030204" pitchFamily="49" charset="0"/>
-              </a:rPr>
-              <a:t>    </a:t>
-            </a:r>
-            <a:r>
-              <a:rPr lang="en-US" sz="1600" dirty="0" err="1" smtClean="0">
-                <a:solidFill>
-                  <a:srgbClr val="0000FF"/>
-                </a:solidFill>
-                <a:latin typeface="Consolas" panose="020B0609020204030204" pitchFamily="49" charset="0"/>
-              </a:rPr>
-              <a:t>int</a:t>
-            </a:r>
-            <a:r>
-              <a:rPr lang="en-US" sz="1600" dirty="0" smtClean="0">
-                <a:solidFill>
-                  <a:srgbClr val="000000"/>
-                </a:solidFill>
-                <a:latin typeface="Consolas" panose="020B0609020204030204" pitchFamily="49" charset="0"/>
-              </a:rPr>
-              <a:t> </a:t>
-            </a:r>
-            <a:r>
-              <a:rPr lang="en-US" sz="1600" dirty="0">
-                <a:solidFill>
-                  <a:srgbClr val="000000"/>
-                </a:solidFill>
-                <a:latin typeface="Consolas" panose="020B0609020204030204" pitchFamily="49" charset="0"/>
-              </a:rPr>
-              <a:t>Id { </a:t>
-            </a:r>
-            <a:r>
-              <a:rPr lang="en-US" sz="1600" dirty="0">
-                <a:solidFill>
-                  <a:srgbClr val="0000FF"/>
-                </a:solidFill>
-                <a:latin typeface="Consolas" panose="020B0609020204030204" pitchFamily="49" charset="0"/>
-              </a:rPr>
-              <a:t>get</a:t>
-            </a:r>
-            <a:r>
-              <a:rPr lang="en-US" sz="1600" dirty="0">
-                <a:solidFill>
-                  <a:srgbClr val="000000"/>
-                </a:solidFill>
-                <a:latin typeface="Consolas" panose="020B0609020204030204" pitchFamily="49" charset="0"/>
-              </a:rPr>
-              <a:t>; }</a:t>
-            </a:r>
-          </a:p>
-          <a:p>
-            <a:pPr marL="0" indent="0">
-              <a:buNone/>
-            </a:pPr>
-            <a:r>
-              <a:rPr lang="en-US" sz="1600" dirty="0" smtClean="0">
-                <a:solidFill>
-                  <a:srgbClr val="0000FF"/>
-                </a:solidFill>
-                <a:latin typeface="Consolas" panose="020B0609020204030204" pitchFamily="49" charset="0"/>
-              </a:rPr>
-              <a:t>    string</a:t>
-            </a:r>
-            <a:r>
-              <a:rPr lang="en-US" sz="1600" dirty="0" smtClean="0">
-                <a:solidFill>
-                  <a:srgbClr val="000000"/>
-                </a:solidFill>
-                <a:latin typeface="Consolas" panose="020B0609020204030204" pitchFamily="49" charset="0"/>
-              </a:rPr>
-              <a:t> </a:t>
-            </a:r>
-            <a:r>
-              <a:rPr lang="en-US" sz="1600" dirty="0" err="1">
-                <a:solidFill>
-                  <a:srgbClr val="000000"/>
-                </a:solidFill>
-                <a:latin typeface="Consolas" panose="020B0609020204030204" pitchFamily="49" charset="0"/>
-              </a:rPr>
-              <a:t>FirstName</a:t>
-            </a:r>
-            <a:r>
-              <a:rPr lang="en-US" sz="1600" dirty="0">
-                <a:solidFill>
-                  <a:srgbClr val="000000"/>
-                </a:solidFill>
-                <a:latin typeface="Consolas" panose="020B0609020204030204" pitchFamily="49" charset="0"/>
-              </a:rPr>
-              <a:t> { </a:t>
-            </a:r>
-            <a:r>
-              <a:rPr lang="en-US" sz="1600" dirty="0">
-                <a:solidFill>
-                  <a:srgbClr val="0000FF"/>
-                </a:solidFill>
-                <a:latin typeface="Consolas" panose="020B0609020204030204" pitchFamily="49" charset="0"/>
-              </a:rPr>
-              <a:t>get</a:t>
-            </a:r>
-            <a:r>
-              <a:rPr lang="en-US" sz="1600" dirty="0">
-                <a:solidFill>
-                  <a:srgbClr val="000000"/>
-                </a:solidFill>
-                <a:latin typeface="Consolas" panose="020B0609020204030204" pitchFamily="49" charset="0"/>
-              </a:rPr>
-              <a:t>; }</a:t>
-            </a:r>
-          </a:p>
-          <a:p>
-            <a:pPr marL="0" indent="0">
-              <a:buNone/>
-            </a:pPr>
-            <a:r>
-              <a:rPr lang="en-US" sz="1600" dirty="0" smtClean="0">
-                <a:solidFill>
-                  <a:srgbClr val="0000FF"/>
-                </a:solidFill>
-                <a:latin typeface="Consolas" panose="020B0609020204030204" pitchFamily="49" charset="0"/>
-              </a:rPr>
-              <a:t>    string</a:t>
-            </a:r>
-            <a:r>
-              <a:rPr lang="en-US" sz="1600" dirty="0" smtClean="0">
-                <a:solidFill>
-                  <a:srgbClr val="000000"/>
-                </a:solidFill>
-                <a:latin typeface="Consolas" panose="020B0609020204030204" pitchFamily="49" charset="0"/>
-              </a:rPr>
-              <a:t> </a:t>
-            </a:r>
-            <a:r>
-              <a:rPr lang="en-US" sz="1600" dirty="0" err="1">
-                <a:solidFill>
-                  <a:srgbClr val="000000"/>
-                </a:solidFill>
-                <a:latin typeface="Consolas" panose="020B0609020204030204" pitchFamily="49" charset="0"/>
-              </a:rPr>
-              <a:t>SecondName</a:t>
-            </a:r>
-            <a:r>
-              <a:rPr lang="en-US" sz="1600" dirty="0">
-                <a:solidFill>
-                  <a:srgbClr val="000000"/>
-                </a:solidFill>
-                <a:latin typeface="Consolas" panose="020B0609020204030204" pitchFamily="49" charset="0"/>
-              </a:rPr>
-              <a:t> { </a:t>
-            </a:r>
-            <a:r>
-              <a:rPr lang="en-US" sz="1600" dirty="0">
-                <a:solidFill>
-                  <a:srgbClr val="0000FF"/>
-                </a:solidFill>
-                <a:latin typeface="Consolas" panose="020B0609020204030204" pitchFamily="49" charset="0"/>
-              </a:rPr>
-              <a:t>get</a:t>
-            </a:r>
-            <a:r>
-              <a:rPr lang="en-US" sz="1600" dirty="0">
-                <a:solidFill>
-                  <a:srgbClr val="000000"/>
-                </a:solidFill>
-                <a:latin typeface="Consolas" panose="020B0609020204030204" pitchFamily="49" charset="0"/>
-              </a:rPr>
-              <a:t>; }</a:t>
-            </a:r>
-          </a:p>
-          <a:p>
-            <a:pPr marL="0" indent="0">
-              <a:buNone/>
-            </a:pPr>
-            <a:r>
-              <a:rPr lang="en-US" sz="1600" dirty="0" smtClean="0">
-                <a:solidFill>
-                  <a:srgbClr val="0000FF"/>
-                </a:solidFill>
-                <a:latin typeface="Consolas" panose="020B0609020204030204" pitchFamily="49" charset="0"/>
-              </a:rPr>
-              <a:t>    string</a:t>
-            </a:r>
-            <a:r>
-              <a:rPr lang="en-US" sz="1600" dirty="0" smtClean="0">
-                <a:solidFill>
-                  <a:srgbClr val="000000"/>
-                </a:solidFill>
-                <a:latin typeface="Consolas" panose="020B0609020204030204" pitchFamily="49" charset="0"/>
-              </a:rPr>
-              <a:t> </a:t>
-            </a:r>
-            <a:r>
-              <a:rPr lang="en-US" sz="1600" dirty="0">
-                <a:solidFill>
-                  <a:srgbClr val="000000"/>
-                </a:solidFill>
-                <a:latin typeface="Consolas" panose="020B0609020204030204" pitchFamily="49" charset="0"/>
-              </a:rPr>
-              <a:t>Role { </a:t>
-            </a:r>
-            <a:r>
-              <a:rPr lang="en-US" sz="1600" dirty="0">
-                <a:solidFill>
-                  <a:srgbClr val="0000FF"/>
-                </a:solidFill>
-                <a:latin typeface="Consolas" panose="020B0609020204030204" pitchFamily="49" charset="0"/>
-              </a:rPr>
-              <a:t>get</a:t>
-            </a:r>
-            <a:r>
-              <a:rPr lang="en-US" sz="1600" dirty="0">
-                <a:solidFill>
-                  <a:srgbClr val="000000"/>
-                </a:solidFill>
-                <a:latin typeface="Consolas" panose="020B0609020204030204" pitchFamily="49" charset="0"/>
-              </a:rPr>
-              <a:t>; }</a:t>
-            </a:r>
-          </a:p>
-          <a:p>
-            <a:pPr marL="0" indent="0">
-              <a:buNone/>
-            </a:pPr>
-            <a:r>
-              <a:rPr lang="en-US" sz="1600" dirty="0" smtClean="0">
-                <a:solidFill>
-                  <a:srgbClr val="0000FF"/>
-                </a:solidFill>
-                <a:latin typeface="Consolas" panose="020B0609020204030204" pitchFamily="49" charset="0"/>
-              </a:rPr>
-              <a:t>    </a:t>
-            </a:r>
-            <a:r>
-              <a:rPr lang="en-US" sz="1600" dirty="0" err="1" smtClean="0">
-                <a:solidFill>
-                  <a:srgbClr val="0000FF"/>
-                </a:solidFill>
-                <a:latin typeface="Consolas" panose="020B0609020204030204" pitchFamily="49" charset="0"/>
-              </a:rPr>
-              <a:t>int</a:t>
-            </a:r>
-            <a:r>
-              <a:rPr lang="en-US" sz="1600" dirty="0" smtClean="0">
-                <a:solidFill>
-                  <a:srgbClr val="000000"/>
-                </a:solidFill>
-                <a:latin typeface="Consolas" panose="020B0609020204030204" pitchFamily="49" charset="0"/>
-              </a:rPr>
-              <a:t> </a:t>
-            </a:r>
-            <a:r>
-              <a:rPr lang="en-US" sz="1600" dirty="0">
-                <a:solidFill>
-                  <a:srgbClr val="000000"/>
-                </a:solidFill>
-                <a:latin typeface="Consolas" panose="020B0609020204030204" pitchFamily="49" charset="0"/>
-              </a:rPr>
-              <a:t>Age { </a:t>
-            </a:r>
-            <a:r>
-              <a:rPr lang="en-US" sz="1600" dirty="0">
-                <a:solidFill>
-                  <a:srgbClr val="0000FF"/>
-                </a:solidFill>
-                <a:latin typeface="Consolas" panose="020B0609020204030204" pitchFamily="49" charset="0"/>
-              </a:rPr>
-              <a:t>get</a:t>
-            </a:r>
-            <a:r>
-              <a:rPr lang="en-US" sz="1600" dirty="0">
-                <a:solidFill>
-                  <a:srgbClr val="000000"/>
-                </a:solidFill>
-                <a:latin typeface="Consolas" panose="020B0609020204030204" pitchFamily="49" charset="0"/>
-              </a:rPr>
-              <a:t>; }</a:t>
-            </a:r>
-          </a:p>
-          <a:p>
-            <a:pPr marL="0" indent="0">
-              <a:buNone/>
-            </a:pPr>
-            <a:r>
-              <a:rPr lang="en-US" sz="1600" dirty="0" smtClean="0">
-                <a:solidFill>
-                  <a:srgbClr val="0000FF"/>
-                </a:solidFill>
-                <a:latin typeface="Consolas" panose="020B0609020204030204" pitchFamily="49" charset="0"/>
-              </a:rPr>
-              <a:t>    </a:t>
-            </a:r>
-            <a:r>
-              <a:rPr lang="en-US" sz="1600" dirty="0" err="1" smtClean="0">
-                <a:solidFill>
-                  <a:srgbClr val="0000FF"/>
-                </a:solidFill>
-                <a:latin typeface="Consolas" panose="020B0609020204030204" pitchFamily="49" charset="0"/>
-              </a:rPr>
-              <a:t>int</a:t>
-            </a:r>
-            <a:r>
-              <a:rPr lang="en-US" sz="1600" dirty="0" smtClean="0">
-                <a:solidFill>
-                  <a:srgbClr val="000000"/>
-                </a:solidFill>
-                <a:latin typeface="Consolas" panose="020B0609020204030204" pitchFamily="49" charset="0"/>
-              </a:rPr>
-              <a:t> </a:t>
-            </a:r>
-            <a:r>
-              <a:rPr lang="en-US" sz="1600" dirty="0">
-                <a:solidFill>
-                  <a:srgbClr val="000000"/>
-                </a:solidFill>
-                <a:latin typeface="Consolas" panose="020B0609020204030204" pitchFamily="49" charset="0"/>
-              </a:rPr>
-              <a:t>Pin { </a:t>
-            </a:r>
-            <a:r>
-              <a:rPr lang="en-US" sz="1600" dirty="0">
-                <a:solidFill>
-                  <a:srgbClr val="0000FF"/>
-                </a:solidFill>
-                <a:latin typeface="Consolas" panose="020B0609020204030204" pitchFamily="49" charset="0"/>
-              </a:rPr>
-              <a:t>get</a:t>
-            </a:r>
-            <a:r>
-              <a:rPr lang="en-US" sz="1600" dirty="0">
-                <a:solidFill>
-                  <a:srgbClr val="000000"/>
-                </a:solidFill>
-                <a:latin typeface="Consolas" panose="020B0609020204030204" pitchFamily="49" charset="0"/>
-              </a:rPr>
-              <a:t>; }</a:t>
-            </a:r>
-          </a:p>
-          <a:p>
-            <a:pPr marL="0" indent="0">
-              <a:buNone/>
-            </a:pPr>
-            <a:r>
-              <a:rPr lang="en-US" sz="1600" dirty="0" smtClean="0">
-                <a:solidFill>
-                  <a:srgbClr val="0000FF"/>
-                </a:solidFill>
-                <a:latin typeface="Consolas" panose="020B0609020204030204" pitchFamily="49" charset="0"/>
-              </a:rPr>
-              <a:t>    string</a:t>
-            </a:r>
-            <a:r>
-              <a:rPr lang="en-US" sz="1600" dirty="0" smtClean="0">
-                <a:solidFill>
-                  <a:srgbClr val="000000"/>
-                </a:solidFill>
-                <a:latin typeface="Consolas" panose="020B0609020204030204" pitchFamily="49" charset="0"/>
-              </a:rPr>
-              <a:t> </a:t>
-            </a:r>
-            <a:r>
-              <a:rPr lang="en-US" sz="1600" dirty="0">
-                <a:solidFill>
-                  <a:srgbClr val="000000"/>
-                </a:solidFill>
-                <a:latin typeface="Consolas" panose="020B0609020204030204" pitchFamily="49" charset="0"/>
-              </a:rPr>
-              <a:t>Address { </a:t>
-            </a:r>
-            <a:r>
-              <a:rPr lang="en-US" sz="1600" dirty="0">
-                <a:solidFill>
-                  <a:srgbClr val="0000FF"/>
-                </a:solidFill>
-                <a:latin typeface="Consolas" panose="020B0609020204030204" pitchFamily="49" charset="0"/>
-              </a:rPr>
-              <a:t>get</a:t>
-            </a:r>
-            <a:r>
-              <a:rPr lang="en-US" sz="1600" dirty="0">
-                <a:solidFill>
-                  <a:srgbClr val="000000"/>
-                </a:solidFill>
-                <a:latin typeface="Consolas" panose="020B0609020204030204" pitchFamily="49" charset="0"/>
-              </a:rPr>
-              <a:t>; }</a:t>
-            </a:r>
-          </a:p>
-          <a:p>
-            <a:pPr marL="0" indent="0">
-              <a:buNone/>
-            </a:pPr>
-            <a:r>
-              <a:rPr lang="en-US" sz="1600" dirty="0" smtClean="0">
-                <a:solidFill>
-                  <a:srgbClr val="000000"/>
-                </a:solidFill>
-                <a:latin typeface="Consolas" panose="020B0609020204030204" pitchFamily="49" charset="0"/>
-              </a:rPr>
-              <a:t>    </a:t>
-            </a:r>
-            <a:r>
-              <a:rPr lang="en-US" sz="1600" dirty="0" err="1" smtClean="0">
-                <a:solidFill>
-                  <a:srgbClr val="000000"/>
-                </a:solidFill>
-                <a:latin typeface="Consolas" panose="020B0609020204030204" pitchFamily="49" charset="0"/>
-              </a:rPr>
-              <a:t>DateTime</a:t>
-            </a:r>
-            <a:r>
-              <a:rPr lang="en-US" sz="1600" dirty="0" smtClean="0">
-                <a:solidFill>
-                  <a:srgbClr val="000000"/>
-                </a:solidFill>
-                <a:latin typeface="Consolas" panose="020B0609020204030204" pitchFamily="49" charset="0"/>
-              </a:rPr>
-              <a:t> </a:t>
-            </a:r>
-            <a:r>
-              <a:rPr lang="en-US" sz="1600" dirty="0" err="1">
-                <a:solidFill>
-                  <a:srgbClr val="000000"/>
-                </a:solidFill>
-                <a:latin typeface="Consolas" panose="020B0609020204030204" pitchFamily="49" charset="0"/>
-              </a:rPr>
-              <a:t>BirthDay</a:t>
-            </a:r>
-            <a:r>
-              <a:rPr lang="en-US" sz="1600" dirty="0">
-                <a:solidFill>
-                  <a:srgbClr val="000000"/>
-                </a:solidFill>
-                <a:latin typeface="Consolas" panose="020B0609020204030204" pitchFamily="49" charset="0"/>
-              </a:rPr>
-              <a:t> { </a:t>
-            </a:r>
-            <a:r>
-              <a:rPr lang="en-US" sz="1600" dirty="0">
-                <a:solidFill>
-                  <a:srgbClr val="0000FF"/>
-                </a:solidFill>
-                <a:latin typeface="Consolas" panose="020B0609020204030204" pitchFamily="49" charset="0"/>
-              </a:rPr>
-              <a:t>get</a:t>
-            </a:r>
-            <a:r>
-              <a:rPr lang="en-US" sz="1600" dirty="0">
-                <a:solidFill>
-                  <a:srgbClr val="000000"/>
-                </a:solidFill>
-                <a:latin typeface="Consolas" panose="020B0609020204030204" pitchFamily="49" charset="0"/>
-              </a:rPr>
-              <a:t>; }</a:t>
-            </a:r>
-          </a:p>
-          <a:p>
-            <a:pPr marL="0" indent="0">
-              <a:buNone/>
-            </a:pPr>
-            <a:r>
-              <a:rPr lang="ru-RU" sz="1600" dirty="0" smtClean="0">
-                <a:solidFill>
-                  <a:srgbClr val="000000"/>
-                </a:solidFill>
-                <a:latin typeface="Consolas" panose="020B0609020204030204" pitchFamily="49" charset="0"/>
-              </a:rPr>
-              <a:t>}</a:t>
-            </a:r>
-            <a:endParaRPr lang="ru-RU" sz="1600" dirty="0"/>
+            <a:r>
+              <a:rPr lang="en-US" dirty="0"/>
+              <a:t>Compile time </a:t>
+            </a:r>
+            <a:r>
+              <a:rPr lang="en-US" dirty="0" smtClean="0"/>
+              <a:t>validation</a:t>
+            </a:r>
+          </a:p>
+          <a:p>
+            <a:r>
+              <a:rPr lang="en-US" dirty="0" smtClean="0"/>
+              <a:t>Mutable and immutable states of an entity</a:t>
+            </a:r>
+          </a:p>
+          <a:p>
+            <a:r>
+              <a:rPr lang="en-US" dirty="0" smtClean="0"/>
+              <a:t>Native deserialization support</a:t>
+            </a:r>
+          </a:p>
+          <a:p>
+            <a:r>
+              <a:rPr lang="en-US" dirty="0" smtClean="0"/>
+              <a:t>Native Entity Framework support</a:t>
+            </a:r>
+          </a:p>
+          <a:p>
+            <a:r>
+              <a:rPr lang="en-US" dirty="0" smtClean="0"/>
+              <a:t>Specification via Expression&lt;</a:t>
+            </a:r>
+            <a:r>
+              <a:rPr lang="en-US" dirty="0" err="1" smtClean="0"/>
+              <a:t>Predicade</a:t>
+            </a:r>
+            <a:r>
+              <a:rPr lang="en-US" dirty="0" smtClean="0"/>
+              <a:t>&lt;Entity&gt;&gt;</a:t>
+            </a:r>
+          </a:p>
+          <a:p>
+            <a:endParaRPr lang="ru-RU" dirty="0"/>
           </a:p>
         </p:txBody>
       </p:sp>
     </p:spTree>
     <p:extLst>
       <p:ext uri="{BB962C8B-B14F-4D97-AF65-F5344CB8AC3E}">
-        <p14:creationId xmlns:p14="http://schemas.microsoft.com/office/powerpoint/2010/main" val="1172219012"/>
+        <p14:creationId xmlns:p14="http://schemas.microsoft.com/office/powerpoint/2010/main" val="3485991850"/>
       </p:ext>
     </p:extLst>
   </p:cSld>
@@ -14189,7 +14217,13 @@
       </p:grpSpPr>
       <p:sp>
         <p:nvSpPr>
-          <p:cNvPr id="2" name="Title 1"/>
+          <p:cNvPr id="2" name="Title 1">
+            <a:extLst>
+              <a:ext uri="{FF2B5EF4-FFF2-40B4-BE49-F238E27FC236}">
+                <a16:creationId xmlns:a16="http://schemas.microsoft.com/office/drawing/2014/main" id="{20C3DC74-6C50-4957-9384-848EDDF556B3}"/>
+              </a:ext>
+            </a:extLst>
+          </p:cNvPr>
           <p:cNvSpPr>
             <a:spLocks noGrp="1"/>
           </p:cNvSpPr>
@@ -14204,19 +14238,28 @@
           <a:p>
             <a:r>
               <a:rPr lang="en-US" dirty="0"/>
-              <a:t>Immutable interface mutable </a:t>
-            </a:r>
-            <a:r>
-              <a:rPr lang="en-US" dirty="0" smtClean="0"/>
-              <a:t>implementation advantages</a:t>
-            </a:r>
-            <a:endParaRPr lang="ru-RU" dirty="0"/>
+              <a:t>The </a:t>
+            </a:r>
+            <a:r>
+              <a:rPr lang="en-US" dirty="0" err="1"/>
+              <a:t>Codless</a:t>
+            </a:r>
+            <a:r>
+              <a:rPr lang="en-US" dirty="0"/>
+              <a:t> Code. Case 96 Stateless</a:t>
+            </a:r>
           </a:p>
         </p:txBody>
       </p:sp>
       <p:sp>
         <p:nvSpPr>
-          <p:cNvPr id="5" name="Content Placeholder 4"/>
+          <p:cNvPr id="5" name="Content Placeholder 4">
+            <a:extLst>
+              <a:ext uri="{FF2B5EF4-FFF2-40B4-BE49-F238E27FC236}">
+                <a16:creationId xmlns:a16="http://schemas.microsoft.com/office/drawing/2014/main" id="{794B85E9-070D-4F15-A663-D7D8798C8510}"/>
+              </a:ext>
+            </a:extLst>
+          </p:cNvPr>
           <p:cNvSpPr>
             <a:spLocks noGrp="1"/>
           </p:cNvSpPr>
@@ -14226,64 +14269,72 @@
         </p:nvSpPr>
         <p:spPr/>
         <p:txBody>
-          <a:bodyPr/>
+          <a:bodyPr>
+            <a:normAutofit/>
+          </a:bodyPr>
           <a:lstStyle/>
           <a:p>
+            <a:pPr marL="0" indent="0">
+              <a:buNone/>
+            </a:pPr>
             <a:r>
               <a:rPr lang="en-US" dirty="0"/>
-              <a:t>Compile time </a:t>
-            </a:r>
-            <a:r>
-              <a:rPr lang="en-US" dirty="0" smtClean="0"/>
-              <a:t>validation</a:t>
-            </a:r>
-          </a:p>
-          <a:p>
-            <a:r>
-              <a:rPr lang="en-US" dirty="0" smtClean="0"/>
-              <a:t>Mutable and immutable states of an entity</a:t>
-            </a:r>
-          </a:p>
-          <a:p>
-            <a:r>
-              <a:rPr lang="en-US" dirty="0" smtClean="0"/>
-              <a:t>Native deserialization support</a:t>
-            </a:r>
-          </a:p>
-          <a:p>
-            <a:r>
-              <a:rPr lang="en-US" dirty="0" smtClean="0"/>
-              <a:t>Native Entity Framework support</a:t>
-            </a:r>
-          </a:p>
-          <a:p>
-            <a:r>
-              <a:rPr lang="en-US" dirty="0" smtClean="0"/>
-              <a:t>Specification via Expression&lt;</a:t>
-            </a:r>
-            <a:r>
-              <a:rPr lang="en-US" dirty="0" err="1" smtClean="0"/>
-              <a:t>Predicade</a:t>
-            </a:r>
-            <a:r>
-              <a:rPr lang="en-US" dirty="0" smtClean="0"/>
-              <a:t>&lt;Entity</a:t>
-            </a:r>
-            <a:r>
-              <a:rPr lang="en-US" dirty="0" smtClean="0"/>
-              <a:t>&gt;&gt;</a:t>
-            </a:r>
-            <a:endParaRPr lang="en-US" dirty="0" smtClean="0"/>
-          </a:p>
-          <a:p>
-            <a:endParaRPr lang="ru-RU" dirty="0"/>
+              <a:t>It is the duty of every monk to call upon master </a:t>
+            </a:r>
+            <a:r>
+              <a:rPr lang="en-US" dirty="0" err="1"/>
+              <a:t>Kaimu</a:t>
+            </a:r>
+            <a:r>
+              <a:rPr lang="en-US" dirty="0"/>
+              <a:t> at least once during their time at the temple. When the master opens his door the monk must bow and ask: “What is the great joy of stateless services?”</a:t>
+            </a:r>
+          </a:p>
+          <a:p>
+            <a:pPr marL="0" indent="0">
+              <a:buNone/>
+            </a:pPr>
+            <a:r>
+              <a:rPr lang="en-US" dirty="0"/>
+              <a:t>Without fail master </a:t>
+            </a:r>
+            <a:r>
+              <a:rPr lang="en-US" dirty="0" err="1"/>
+              <a:t>Kaimu</a:t>
+            </a:r>
+            <a:r>
+              <a:rPr lang="en-US" dirty="0"/>
+              <a:t> will reply: “Ten thousand guests fed by a single grain of rice.”</a:t>
+            </a:r>
+          </a:p>
+          <a:p>
+            <a:pPr marL="0" indent="0">
+              <a:buNone/>
+            </a:pPr>
+            <a:r>
+              <a:rPr lang="en-US" dirty="0"/>
+              <a:t>The monk must then ask: “And what is the great sorrow?”</a:t>
+            </a:r>
+          </a:p>
+          <a:p>
+            <a:pPr marL="0" indent="0">
+              <a:buNone/>
+            </a:pPr>
+            <a:r>
+              <a:rPr lang="en-US" dirty="0" err="1"/>
+              <a:t>Kaimu</a:t>
+            </a:r>
+            <a:r>
+              <a:rPr lang="en-US" dirty="0"/>
+              <a:t> will reply: “The great sorrow of what?”</a:t>
+            </a:r>
           </a:p>
         </p:txBody>
       </p:sp>
     </p:spTree>
     <p:extLst>
       <p:ext uri="{BB962C8B-B14F-4D97-AF65-F5344CB8AC3E}">
-        <p14:creationId xmlns:p14="http://schemas.microsoft.com/office/powerpoint/2010/main" val="3485991850"/>
+        <p14:creationId xmlns:p14="http://schemas.microsoft.com/office/powerpoint/2010/main" val="3306413850"/>
       </p:ext>
     </p:extLst>
   </p:cSld>
@@ -14322,7 +14373,7 @@
           <p:cNvPr id="2" name="Title 1">
             <a:extLst>
               <a:ext uri="{FF2B5EF4-FFF2-40B4-BE49-F238E27FC236}">
-                <a16:creationId xmlns:a16="http://schemas.microsoft.com/office/drawing/2014/main" id="{20C3DC74-6C50-4957-9384-848EDDF556B3}"/>
+                <a16:creationId xmlns:a16="http://schemas.microsoft.com/office/drawing/2014/main" id="{8CAAAD76-EDDF-48E8-BA0D-C3063418DCA8}"/>
               </a:ext>
             </a:extLst>
           </p:cNvPr>
@@ -14340,25 +14391,17 @@
           <a:p>
             <a:r>
               <a:rPr lang="en-US" dirty="0"/>
-              <a:t>The </a:t>
-            </a:r>
-            <a:r>
-              <a:rPr lang="en-US" dirty="0" err="1"/>
-              <a:t>Codless</a:t>
-            </a:r>
-            <a:r>
-              <a:rPr lang="en-US" dirty="0"/>
-              <a:t> Code. Case 96 Stateless</a:t>
+              <a:t>With pattern</a:t>
             </a:r>
           </a:p>
         </p:txBody>
       </p:sp>
       <p:sp>
         <p:nvSpPr>
-          <p:cNvPr id="5" name="Content Placeholder 4">
+          <p:cNvPr id="3" name="Content Placeholder 2">
             <a:extLst>
               <a:ext uri="{FF2B5EF4-FFF2-40B4-BE49-F238E27FC236}">
-                <a16:creationId xmlns:a16="http://schemas.microsoft.com/office/drawing/2014/main" id="{794B85E9-070D-4F15-A663-D7D8798C8510}"/>
+                <a16:creationId xmlns:a16="http://schemas.microsoft.com/office/drawing/2014/main" id="{E749CD9A-84B6-4103-82CC-296AB5BF121A}"/>
               </a:ext>
             </a:extLst>
           </p:cNvPr>
@@ -14372,7 +14415,7 @@
         <p:spPr/>
         <p:txBody>
           <a:bodyPr>
-            <a:normAutofit/>
+            <a:normAutofit fontScale="85000" lnSpcReduction="20000"/>
           </a:bodyPr>
           <a:lstStyle/>
           <a:p>
@@ -14380,63 +14423,474 @@
               <a:buNone/>
             </a:pPr>
             <a:r>
-              <a:rPr lang="en-US" dirty="0"/>
-              <a:t>It is the duty of every monk to call upon master </a:t>
-            </a:r>
-            <a:r>
-              <a:rPr lang="en-US" dirty="0" err="1"/>
-              <a:t>Kaimu</a:t>
-            </a:r>
-            <a:r>
-              <a:rPr lang="en-US" dirty="0"/>
-              <a:t> at least once during their time at the temple. When the master opens his door the monk must bow and ask: “What is the great joy of stateless services?”</a:t>
-            </a:r>
-          </a:p>
-          <a:p>
-            <a:pPr marL="0" indent="0">
-              <a:buNone/>
-            </a:pPr>
-            <a:r>
-              <a:rPr lang="en-US" dirty="0"/>
-              <a:t>Without fail master </a:t>
-            </a:r>
-            <a:r>
-              <a:rPr lang="en-US" dirty="0" err="1"/>
-              <a:t>Kaimu</a:t>
-            </a:r>
-            <a:r>
-              <a:rPr lang="en-US" dirty="0"/>
-              <a:t> will reply: “Ten thousand guests fed by a single grain of rice.”</a:t>
-            </a:r>
-          </a:p>
-          <a:p>
-            <a:pPr marL="0" indent="0">
-              <a:buNone/>
-            </a:pPr>
-            <a:r>
-              <a:rPr lang="en-US" dirty="0"/>
-              <a:t>The monk must then ask: “And what is the great sorrow?”</a:t>
-            </a:r>
-          </a:p>
-          <a:p>
-            <a:pPr marL="0" indent="0">
-              <a:buNone/>
-            </a:pPr>
-            <a:r>
-              <a:rPr lang="en-US" dirty="0" err="1"/>
-              <a:t>Kaimu</a:t>
-            </a:r>
-            <a:r>
-              <a:rPr lang="en-US" dirty="0"/>
-              <a:t> will reply: “The great sorrow of what?”</a:t>
-            </a:r>
+              <a:rPr lang="en-US" dirty="0">
+                <a:solidFill>
+                  <a:srgbClr val="000000"/>
+                </a:solidFill>
+                <a:latin typeface="Consolas" panose="020B0609020204030204" pitchFamily="49" charset="0"/>
+              </a:rPr>
+              <a:t> </a:t>
+            </a:r>
+            <a:r>
+              <a:rPr lang="en-US" dirty="0">
+                <a:solidFill>
+                  <a:srgbClr val="0000FF"/>
+                </a:solidFill>
+                <a:latin typeface="Consolas" panose="020B0609020204030204" pitchFamily="49" charset="0"/>
+              </a:rPr>
+              <a:t>class</a:t>
+            </a:r>
+            <a:r>
+              <a:rPr lang="en-US" dirty="0">
+                <a:solidFill>
+                  <a:srgbClr val="000000"/>
+                </a:solidFill>
+                <a:latin typeface="Consolas" panose="020B0609020204030204" pitchFamily="49" charset="0"/>
+              </a:rPr>
+              <a:t> </a:t>
+            </a:r>
+            <a:r>
+              <a:rPr lang="en-US" dirty="0" err="1">
+                <a:solidFill>
+                  <a:srgbClr val="2B91AF"/>
+                </a:solidFill>
+                <a:latin typeface="Consolas" panose="020B0609020204030204" pitchFamily="49" charset="0"/>
+              </a:rPr>
+              <a:t>OrderLine</a:t>
+            </a:r>
+            <a:endParaRPr lang="en-US" dirty="0">
+              <a:solidFill>
+                <a:srgbClr val="000000"/>
+              </a:solidFill>
+              <a:latin typeface="Consolas" panose="020B0609020204030204" pitchFamily="49" charset="0"/>
+            </a:endParaRPr>
+          </a:p>
+          <a:p>
+            <a:pPr marL="0" indent="0">
+              <a:buNone/>
+            </a:pPr>
+            <a:r>
+              <a:rPr lang="en-US" dirty="0">
+                <a:solidFill>
+                  <a:srgbClr val="000000"/>
+                </a:solidFill>
+                <a:latin typeface="Consolas" panose="020B0609020204030204" pitchFamily="49" charset="0"/>
+              </a:rPr>
+              <a:t> </a:t>
+            </a:r>
+            <a:r>
+              <a:rPr lang="en-US" dirty="0" smtClean="0">
+                <a:solidFill>
+                  <a:srgbClr val="000000"/>
+                </a:solidFill>
+                <a:latin typeface="Consolas" panose="020B0609020204030204" pitchFamily="49" charset="0"/>
+              </a:rPr>
+              <a:t>{</a:t>
+            </a:r>
+            <a:endParaRPr lang="en-US" dirty="0">
+              <a:solidFill>
+                <a:srgbClr val="000000"/>
+              </a:solidFill>
+              <a:latin typeface="Consolas" panose="020B0609020204030204" pitchFamily="49" charset="0"/>
+            </a:endParaRPr>
+          </a:p>
+          <a:p>
+            <a:pPr marL="0" indent="0">
+              <a:buNone/>
+            </a:pPr>
+            <a:r>
+              <a:rPr lang="en-US" dirty="0">
+                <a:solidFill>
+                  <a:srgbClr val="000000"/>
+                </a:solidFill>
+                <a:latin typeface="Consolas" panose="020B0609020204030204" pitchFamily="49" charset="0"/>
+              </a:rPr>
+              <a:t>    </a:t>
+            </a:r>
+            <a:r>
+              <a:rPr lang="en-US" dirty="0" smtClean="0">
+                <a:solidFill>
+                  <a:srgbClr val="008000"/>
+                </a:solidFill>
+                <a:latin typeface="Consolas" panose="020B0609020204030204" pitchFamily="49" charset="0"/>
+              </a:rPr>
+              <a:t>// </a:t>
+            </a:r>
+            <a:r>
+              <a:rPr lang="en-US" dirty="0">
+                <a:solidFill>
+                  <a:srgbClr val="008000"/>
+                </a:solidFill>
+                <a:latin typeface="Consolas" panose="020B0609020204030204" pitchFamily="49" charset="0"/>
+              </a:rPr>
+              <a:t>…</a:t>
+            </a:r>
+            <a:endParaRPr lang="en-US" dirty="0">
+              <a:solidFill>
+                <a:srgbClr val="000000"/>
+              </a:solidFill>
+              <a:latin typeface="Consolas" panose="020B0609020204030204" pitchFamily="49" charset="0"/>
+            </a:endParaRPr>
+          </a:p>
+          <a:p>
+            <a:pPr marL="0" indent="0">
+              <a:buNone/>
+            </a:pPr>
+            <a:endParaRPr lang="en-US" dirty="0">
+              <a:solidFill>
+                <a:srgbClr val="000000"/>
+              </a:solidFill>
+              <a:latin typeface="Consolas" panose="020B0609020204030204" pitchFamily="49" charset="0"/>
+            </a:endParaRPr>
+          </a:p>
+          <a:p>
+            <a:pPr marL="0" indent="0">
+              <a:buNone/>
+            </a:pPr>
+            <a:r>
+              <a:rPr lang="en-US" dirty="0">
+                <a:solidFill>
+                  <a:srgbClr val="000000"/>
+                </a:solidFill>
+                <a:latin typeface="Consolas" panose="020B0609020204030204" pitchFamily="49" charset="0"/>
+              </a:rPr>
+              <a:t>    </a:t>
+            </a:r>
+            <a:r>
+              <a:rPr lang="en-US" dirty="0" smtClean="0">
+                <a:solidFill>
+                  <a:srgbClr val="0000FF"/>
+                </a:solidFill>
+                <a:latin typeface="Consolas" panose="020B0609020204030204" pitchFamily="49" charset="0"/>
+              </a:rPr>
+              <a:t>public</a:t>
+            </a:r>
+            <a:r>
+              <a:rPr lang="en-US" dirty="0" smtClean="0">
+                <a:solidFill>
+                  <a:srgbClr val="000000"/>
+                </a:solidFill>
+                <a:latin typeface="Consolas" panose="020B0609020204030204" pitchFamily="49" charset="0"/>
+              </a:rPr>
+              <a:t> </a:t>
+            </a:r>
+            <a:r>
+              <a:rPr lang="en-US" dirty="0" err="1">
+                <a:solidFill>
+                  <a:srgbClr val="000000"/>
+                </a:solidFill>
+                <a:latin typeface="Consolas" panose="020B0609020204030204" pitchFamily="49" charset="0"/>
+              </a:rPr>
+              <a:t>OrderLine</a:t>
+            </a:r>
+            <a:r>
+              <a:rPr lang="en-US" dirty="0">
+                <a:solidFill>
+                  <a:srgbClr val="000000"/>
+                </a:solidFill>
+                <a:latin typeface="Consolas" panose="020B0609020204030204" pitchFamily="49" charset="0"/>
+              </a:rPr>
+              <a:t> </a:t>
+            </a:r>
+            <a:r>
+              <a:rPr lang="en-US" dirty="0" err="1">
+                <a:solidFill>
+                  <a:srgbClr val="000000"/>
+                </a:solidFill>
+                <a:latin typeface="Consolas" panose="020B0609020204030204" pitchFamily="49" charset="0"/>
+              </a:rPr>
+              <a:t>WithQuantity</a:t>
+            </a:r>
+            <a:r>
+              <a:rPr lang="en-US" dirty="0">
+                <a:solidFill>
+                  <a:srgbClr val="000000"/>
+                </a:solidFill>
+                <a:latin typeface="Consolas" panose="020B0609020204030204" pitchFamily="49" charset="0"/>
+              </a:rPr>
+              <a:t>(</a:t>
+            </a:r>
+            <a:r>
+              <a:rPr lang="en-US" dirty="0" err="1">
+                <a:solidFill>
+                  <a:srgbClr val="0000FF"/>
+                </a:solidFill>
+                <a:latin typeface="Consolas" panose="020B0609020204030204" pitchFamily="49" charset="0"/>
+              </a:rPr>
+              <a:t>int</a:t>
+            </a:r>
+            <a:r>
+              <a:rPr lang="en-US" dirty="0">
+                <a:solidFill>
+                  <a:srgbClr val="000000"/>
+                </a:solidFill>
+                <a:latin typeface="Consolas" panose="020B0609020204030204" pitchFamily="49" charset="0"/>
+              </a:rPr>
+              <a:t> value)</a:t>
+            </a:r>
+          </a:p>
+          <a:p>
+            <a:pPr marL="0" indent="0">
+              <a:buNone/>
+            </a:pPr>
+            <a:r>
+              <a:rPr lang="en-US" dirty="0">
+                <a:solidFill>
+                  <a:srgbClr val="000000"/>
+                </a:solidFill>
+                <a:latin typeface="Consolas" panose="020B0609020204030204" pitchFamily="49" charset="0"/>
+              </a:rPr>
+              <a:t>    </a:t>
+            </a:r>
+            <a:r>
+              <a:rPr lang="en-US" dirty="0" smtClean="0">
+                <a:solidFill>
+                  <a:srgbClr val="000000"/>
+                </a:solidFill>
+                <a:latin typeface="Consolas" panose="020B0609020204030204" pitchFamily="49" charset="0"/>
+              </a:rPr>
+              <a:t>{</a:t>
+            </a:r>
+            <a:endParaRPr lang="en-US" dirty="0">
+              <a:solidFill>
+                <a:srgbClr val="000000"/>
+              </a:solidFill>
+              <a:latin typeface="Consolas" panose="020B0609020204030204" pitchFamily="49" charset="0"/>
+            </a:endParaRPr>
+          </a:p>
+          <a:p>
+            <a:pPr marL="0" indent="0">
+              <a:buNone/>
+            </a:pPr>
+            <a:r>
+              <a:rPr lang="en-US" dirty="0">
+                <a:solidFill>
+                  <a:srgbClr val="000000"/>
+                </a:solidFill>
+                <a:latin typeface="Consolas" panose="020B0609020204030204" pitchFamily="49" charset="0"/>
+              </a:rPr>
+              <a:t>        </a:t>
+            </a:r>
+            <a:r>
+              <a:rPr lang="en-US" dirty="0" smtClean="0">
+                <a:solidFill>
+                  <a:srgbClr val="0000FF"/>
+                </a:solidFill>
+                <a:latin typeface="Consolas" panose="020B0609020204030204" pitchFamily="49" charset="0"/>
+              </a:rPr>
+              <a:t>return</a:t>
+            </a:r>
+            <a:r>
+              <a:rPr lang="en-US" dirty="0" smtClean="0">
+                <a:solidFill>
+                  <a:srgbClr val="000000"/>
+                </a:solidFill>
+                <a:latin typeface="Consolas" panose="020B0609020204030204" pitchFamily="49" charset="0"/>
+              </a:rPr>
+              <a:t> </a:t>
+            </a:r>
+            <a:r>
+              <a:rPr lang="en-US" dirty="0">
+                <a:solidFill>
+                  <a:srgbClr val="000000"/>
+                </a:solidFill>
+                <a:latin typeface="Consolas" panose="020B0609020204030204" pitchFamily="49" charset="0"/>
+              </a:rPr>
+              <a:t>value == Quantity</a:t>
+            </a:r>
+          </a:p>
+          <a:p>
+            <a:pPr marL="0" indent="0">
+              <a:buNone/>
+            </a:pPr>
+            <a:r>
+              <a:rPr lang="en-US" dirty="0">
+                <a:solidFill>
+                  <a:srgbClr val="000000"/>
+                </a:solidFill>
+                <a:latin typeface="Consolas" panose="020B0609020204030204" pitchFamily="49" charset="0"/>
+              </a:rPr>
+              <a:t>             </a:t>
+            </a:r>
+            <a:r>
+              <a:rPr lang="en-US" dirty="0" smtClean="0">
+                <a:solidFill>
+                  <a:srgbClr val="000000"/>
+                </a:solidFill>
+                <a:latin typeface="Consolas" panose="020B0609020204030204" pitchFamily="49" charset="0"/>
+              </a:rPr>
+              <a:t>   </a:t>
+            </a:r>
+            <a:r>
+              <a:rPr lang="en-US" dirty="0">
+                <a:solidFill>
+                  <a:srgbClr val="000000"/>
+                </a:solidFill>
+                <a:latin typeface="Consolas" panose="020B0609020204030204" pitchFamily="49" charset="0"/>
+              </a:rPr>
+              <a:t>? </a:t>
+            </a:r>
+            <a:r>
+              <a:rPr lang="en-US" dirty="0">
+                <a:solidFill>
+                  <a:srgbClr val="0000FF"/>
+                </a:solidFill>
+                <a:latin typeface="Consolas" panose="020B0609020204030204" pitchFamily="49" charset="0"/>
+              </a:rPr>
+              <a:t>this</a:t>
+            </a:r>
+            <a:endParaRPr lang="en-US" dirty="0">
+              <a:solidFill>
+                <a:srgbClr val="000000"/>
+              </a:solidFill>
+              <a:latin typeface="Consolas" panose="020B0609020204030204" pitchFamily="49" charset="0"/>
+            </a:endParaRPr>
+          </a:p>
+          <a:p>
+            <a:pPr marL="0" indent="0">
+              <a:buNone/>
+            </a:pPr>
+            <a:r>
+              <a:rPr lang="en-US" dirty="0">
+                <a:solidFill>
+                  <a:srgbClr val="000000"/>
+                </a:solidFill>
+                <a:latin typeface="Consolas" panose="020B0609020204030204" pitchFamily="49" charset="0"/>
+              </a:rPr>
+              <a:t>            </a:t>
+            </a:r>
+            <a:r>
+              <a:rPr lang="en-US" dirty="0" smtClean="0">
+                <a:solidFill>
+                  <a:srgbClr val="000000"/>
+                </a:solidFill>
+                <a:latin typeface="Consolas" panose="020B0609020204030204" pitchFamily="49" charset="0"/>
+              </a:rPr>
+              <a:t>    </a:t>
+            </a:r>
+            <a:r>
+              <a:rPr lang="en-US" dirty="0">
+                <a:solidFill>
+                  <a:srgbClr val="000000"/>
+                </a:solidFill>
+                <a:latin typeface="Consolas" panose="020B0609020204030204" pitchFamily="49" charset="0"/>
+              </a:rPr>
+              <a:t>: </a:t>
+            </a:r>
+            <a:r>
+              <a:rPr lang="en-US" dirty="0">
+                <a:solidFill>
+                  <a:srgbClr val="0000FF"/>
+                </a:solidFill>
+                <a:latin typeface="Consolas" panose="020B0609020204030204" pitchFamily="49" charset="0"/>
+              </a:rPr>
+              <a:t>new</a:t>
+            </a:r>
+            <a:r>
+              <a:rPr lang="en-US" dirty="0">
+                <a:solidFill>
+                  <a:srgbClr val="000000"/>
+                </a:solidFill>
+                <a:latin typeface="Consolas" panose="020B0609020204030204" pitchFamily="49" charset="0"/>
+              </a:rPr>
+              <a:t> </a:t>
+            </a:r>
+            <a:r>
+              <a:rPr lang="en-US" dirty="0" err="1">
+                <a:solidFill>
+                  <a:srgbClr val="000000"/>
+                </a:solidFill>
+                <a:latin typeface="Consolas" panose="020B0609020204030204" pitchFamily="49" charset="0"/>
+              </a:rPr>
+              <a:t>OrderLine</a:t>
+            </a:r>
+            <a:r>
+              <a:rPr lang="en-US" dirty="0">
+                <a:solidFill>
+                  <a:srgbClr val="000000"/>
+                </a:solidFill>
+                <a:latin typeface="Consolas" panose="020B0609020204030204" pitchFamily="49" charset="0"/>
+              </a:rPr>
+              <a:t>(value, </a:t>
+            </a:r>
+            <a:r>
+              <a:rPr lang="en-US" dirty="0" err="1">
+                <a:solidFill>
+                  <a:srgbClr val="000000"/>
+                </a:solidFill>
+                <a:latin typeface="Consolas" panose="020B0609020204030204" pitchFamily="49" charset="0"/>
+              </a:rPr>
+              <a:t>UnitPrice</a:t>
+            </a:r>
+            <a:r>
+              <a:rPr lang="en-US" dirty="0">
+                <a:solidFill>
+                  <a:srgbClr val="000000"/>
+                </a:solidFill>
+                <a:latin typeface="Consolas" panose="020B0609020204030204" pitchFamily="49" charset="0"/>
+              </a:rPr>
+              <a:t>, Discount);</a:t>
+            </a:r>
+          </a:p>
+          <a:p>
+            <a:pPr marL="0" indent="0">
+              <a:buNone/>
+            </a:pPr>
+            <a:r>
+              <a:rPr lang="en-US" dirty="0">
+                <a:solidFill>
+                  <a:srgbClr val="000000"/>
+                </a:solidFill>
+                <a:latin typeface="Consolas" panose="020B0609020204030204" pitchFamily="49" charset="0"/>
+              </a:rPr>
+              <a:t>    </a:t>
+            </a:r>
+            <a:r>
+              <a:rPr lang="en-US" dirty="0" smtClean="0">
+                <a:solidFill>
+                  <a:srgbClr val="000000"/>
+                </a:solidFill>
+                <a:latin typeface="Consolas" panose="020B0609020204030204" pitchFamily="49" charset="0"/>
+              </a:rPr>
+              <a:t>}</a:t>
+            </a:r>
+            <a:endParaRPr lang="en-US" dirty="0">
+              <a:solidFill>
+                <a:srgbClr val="000000"/>
+              </a:solidFill>
+              <a:latin typeface="Consolas" panose="020B0609020204030204" pitchFamily="49" charset="0"/>
+            </a:endParaRPr>
+          </a:p>
+          <a:p>
+            <a:pPr marL="0" indent="0">
+              <a:buNone/>
+            </a:pPr>
+            <a:r>
+              <a:rPr lang="en-US" dirty="0">
+                <a:solidFill>
+                  <a:srgbClr val="000000"/>
+                </a:solidFill>
+                <a:latin typeface="Consolas" panose="020B0609020204030204" pitchFamily="49" charset="0"/>
+              </a:rPr>
+              <a:t> </a:t>
+            </a:r>
+            <a:r>
+              <a:rPr lang="en-US" dirty="0" smtClean="0">
+                <a:solidFill>
+                  <a:srgbClr val="000000"/>
+                </a:solidFill>
+                <a:latin typeface="Consolas" panose="020B0609020204030204" pitchFamily="49" charset="0"/>
+              </a:rPr>
+              <a:t>}</a:t>
+            </a:r>
+            <a:endParaRPr lang="en-US" dirty="0"/>
           </a:p>
         </p:txBody>
       </p:sp>
     </p:spTree>
     <p:extLst>
       <p:ext uri="{BB962C8B-B14F-4D97-AF65-F5344CB8AC3E}">
-        <p14:creationId xmlns:p14="http://schemas.microsoft.com/office/powerpoint/2010/main" val="3306413850"/>
+        <p14:creationId xmlns:p14="http://schemas.microsoft.com/office/powerpoint/2010/main" val="948732505"/>
       </p:ext>
     </p:extLst>
   </p:cSld>
@@ -14475,562 +14929,6 @@
           <p:cNvPr id="2" name="Title 1">
             <a:extLst>
               <a:ext uri="{FF2B5EF4-FFF2-40B4-BE49-F238E27FC236}">
-                <a16:creationId xmlns:a16="http://schemas.microsoft.com/office/drawing/2014/main" id="{8CAAAD76-EDDF-48E8-BA0D-C3063418DCA8}"/>
-              </a:ext>
-            </a:extLst>
-          </p:cNvPr>
-          <p:cNvSpPr>
-            <a:spLocks noGrp="1"/>
-          </p:cNvSpPr>
-          <p:nvPr>
-            <p:ph type="title"/>
-          </p:nvPr>
-        </p:nvSpPr>
-        <p:spPr/>
-        <p:txBody>
-          <a:bodyPr/>
-          <a:lstStyle/>
-          <a:p>
-            <a:r>
-              <a:rPr lang="en-US" dirty="0"/>
-              <a:t>With pattern</a:t>
-            </a:r>
-          </a:p>
-        </p:txBody>
-      </p:sp>
-      <p:sp>
-        <p:nvSpPr>
-          <p:cNvPr id="3" name="Content Placeholder 2">
-            <a:extLst>
-              <a:ext uri="{FF2B5EF4-FFF2-40B4-BE49-F238E27FC236}">
-                <a16:creationId xmlns:a16="http://schemas.microsoft.com/office/drawing/2014/main" id="{E749CD9A-84B6-4103-82CC-296AB5BF121A}"/>
-              </a:ext>
-            </a:extLst>
-          </p:cNvPr>
-          <p:cNvSpPr>
-            <a:spLocks noGrp="1"/>
-          </p:cNvSpPr>
-          <p:nvPr>
-            <p:ph idx="1"/>
-          </p:nvPr>
-        </p:nvSpPr>
-        <p:spPr/>
-        <p:txBody>
-          <a:bodyPr>
-            <a:normAutofit fontScale="85000" lnSpcReduction="20000"/>
-          </a:bodyPr>
-          <a:lstStyle/>
-          <a:p>
-            <a:pPr marL="0" indent="0">
-              <a:buNone/>
-            </a:pPr>
-            <a:r>
-              <a:rPr lang="en-US" dirty="0">
-                <a:solidFill>
-                  <a:srgbClr val="000000"/>
-                </a:solidFill>
-                <a:latin typeface="Consolas" panose="020B0609020204030204" pitchFamily="49" charset="0"/>
-              </a:rPr>
-              <a:t> </a:t>
-            </a:r>
-            <a:r>
-              <a:rPr lang="en-US" dirty="0">
-                <a:solidFill>
-                  <a:srgbClr val="0000FF"/>
-                </a:solidFill>
-                <a:latin typeface="Consolas" panose="020B0609020204030204" pitchFamily="49" charset="0"/>
-              </a:rPr>
-              <a:t>class</a:t>
-            </a:r>
-            <a:r>
-              <a:rPr lang="en-US" dirty="0">
-                <a:solidFill>
-                  <a:srgbClr val="000000"/>
-                </a:solidFill>
-                <a:latin typeface="Consolas" panose="020B0609020204030204" pitchFamily="49" charset="0"/>
-              </a:rPr>
-              <a:t> </a:t>
-            </a:r>
-            <a:r>
-              <a:rPr lang="en-US" dirty="0" err="1">
-                <a:solidFill>
-                  <a:srgbClr val="2B91AF"/>
-                </a:solidFill>
-                <a:latin typeface="Consolas" panose="020B0609020204030204" pitchFamily="49" charset="0"/>
-              </a:rPr>
-              <a:t>OrderLine</a:t>
-            </a:r>
-            <a:endParaRPr lang="en-US" dirty="0">
-              <a:solidFill>
-                <a:srgbClr val="000000"/>
-              </a:solidFill>
-              <a:latin typeface="Consolas" panose="020B0609020204030204" pitchFamily="49" charset="0"/>
-            </a:endParaRPr>
-          </a:p>
-          <a:p>
-            <a:pPr marL="0" indent="0">
-              <a:buNone/>
-            </a:pPr>
-            <a:r>
-              <a:rPr lang="en-US" dirty="0">
-                <a:solidFill>
-                  <a:srgbClr val="000000"/>
-                </a:solidFill>
-                <a:latin typeface="Consolas" panose="020B0609020204030204" pitchFamily="49" charset="0"/>
-              </a:rPr>
-              <a:t> </a:t>
-            </a:r>
-            <a:r>
-              <a:rPr lang="en-US" dirty="0" smtClean="0">
-                <a:solidFill>
-                  <a:srgbClr val="000000"/>
-                </a:solidFill>
-                <a:latin typeface="Consolas" panose="020B0609020204030204" pitchFamily="49" charset="0"/>
-              </a:rPr>
-              <a:t>{</a:t>
-            </a:r>
-            <a:endParaRPr lang="en-US" dirty="0">
-              <a:solidFill>
-                <a:srgbClr val="000000"/>
-              </a:solidFill>
-              <a:latin typeface="Consolas" panose="020B0609020204030204" pitchFamily="49" charset="0"/>
-            </a:endParaRPr>
-          </a:p>
-          <a:p>
-            <a:pPr marL="0" indent="0">
-              <a:buNone/>
-            </a:pPr>
-            <a:r>
-              <a:rPr lang="en-US" dirty="0">
-                <a:solidFill>
-                  <a:srgbClr val="000000"/>
-                </a:solidFill>
-                <a:latin typeface="Consolas" panose="020B0609020204030204" pitchFamily="49" charset="0"/>
-              </a:rPr>
-              <a:t>    </a:t>
-            </a:r>
-            <a:r>
-              <a:rPr lang="en-US" dirty="0" smtClean="0">
-                <a:solidFill>
-                  <a:srgbClr val="008000"/>
-                </a:solidFill>
-                <a:latin typeface="Consolas" panose="020B0609020204030204" pitchFamily="49" charset="0"/>
-              </a:rPr>
-              <a:t>// </a:t>
-            </a:r>
-            <a:r>
-              <a:rPr lang="en-US" dirty="0">
-                <a:solidFill>
-                  <a:srgbClr val="008000"/>
-                </a:solidFill>
-                <a:latin typeface="Consolas" panose="020B0609020204030204" pitchFamily="49" charset="0"/>
-              </a:rPr>
-              <a:t>…</a:t>
-            </a:r>
-            <a:endParaRPr lang="en-US" dirty="0">
-              <a:solidFill>
-                <a:srgbClr val="000000"/>
-              </a:solidFill>
-              <a:latin typeface="Consolas" panose="020B0609020204030204" pitchFamily="49" charset="0"/>
-            </a:endParaRPr>
-          </a:p>
-          <a:p>
-            <a:pPr marL="0" indent="0">
-              <a:buNone/>
-            </a:pPr>
-            <a:endParaRPr lang="en-US" dirty="0">
-              <a:solidFill>
-                <a:srgbClr val="000000"/>
-              </a:solidFill>
-              <a:latin typeface="Consolas" panose="020B0609020204030204" pitchFamily="49" charset="0"/>
-            </a:endParaRPr>
-          </a:p>
-          <a:p>
-            <a:pPr marL="0" indent="0">
-              <a:buNone/>
-            </a:pPr>
-            <a:r>
-              <a:rPr lang="en-US" dirty="0">
-                <a:solidFill>
-                  <a:srgbClr val="000000"/>
-                </a:solidFill>
-                <a:latin typeface="Consolas" panose="020B0609020204030204" pitchFamily="49" charset="0"/>
-              </a:rPr>
-              <a:t>    </a:t>
-            </a:r>
-            <a:r>
-              <a:rPr lang="en-US" dirty="0" smtClean="0">
-                <a:solidFill>
-                  <a:srgbClr val="0000FF"/>
-                </a:solidFill>
-                <a:latin typeface="Consolas" panose="020B0609020204030204" pitchFamily="49" charset="0"/>
-              </a:rPr>
-              <a:t>public</a:t>
-            </a:r>
-            <a:r>
-              <a:rPr lang="en-US" dirty="0" smtClean="0">
-                <a:solidFill>
-                  <a:srgbClr val="000000"/>
-                </a:solidFill>
-                <a:latin typeface="Consolas" panose="020B0609020204030204" pitchFamily="49" charset="0"/>
-              </a:rPr>
-              <a:t> </a:t>
-            </a:r>
-            <a:r>
-              <a:rPr lang="en-US" dirty="0" err="1">
-                <a:solidFill>
-                  <a:srgbClr val="000000"/>
-                </a:solidFill>
-                <a:latin typeface="Consolas" panose="020B0609020204030204" pitchFamily="49" charset="0"/>
-              </a:rPr>
-              <a:t>OrderLine</a:t>
-            </a:r>
-            <a:r>
-              <a:rPr lang="en-US" dirty="0">
-                <a:solidFill>
-                  <a:srgbClr val="000000"/>
-                </a:solidFill>
-                <a:latin typeface="Consolas" panose="020B0609020204030204" pitchFamily="49" charset="0"/>
-              </a:rPr>
-              <a:t> </a:t>
-            </a:r>
-            <a:r>
-              <a:rPr lang="en-US" dirty="0" err="1">
-                <a:solidFill>
-                  <a:srgbClr val="000000"/>
-                </a:solidFill>
-                <a:latin typeface="Consolas" panose="020B0609020204030204" pitchFamily="49" charset="0"/>
-              </a:rPr>
-              <a:t>WithQuantity</a:t>
-            </a:r>
-            <a:r>
-              <a:rPr lang="en-US" dirty="0">
-                <a:solidFill>
-                  <a:srgbClr val="000000"/>
-                </a:solidFill>
-                <a:latin typeface="Consolas" panose="020B0609020204030204" pitchFamily="49" charset="0"/>
-              </a:rPr>
-              <a:t>(</a:t>
-            </a:r>
-            <a:r>
-              <a:rPr lang="en-US" dirty="0" err="1">
-                <a:solidFill>
-                  <a:srgbClr val="0000FF"/>
-                </a:solidFill>
-                <a:latin typeface="Consolas" panose="020B0609020204030204" pitchFamily="49" charset="0"/>
-              </a:rPr>
-              <a:t>int</a:t>
-            </a:r>
-            <a:r>
-              <a:rPr lang="en-US" dirty="0">
-                <a:solidFill>
-                  <a:srgbClr val="000000"/>
-                </a:solidFill>
-                <a:latin typeface="Consolas" panose="020B0609020204030204" pitchFamily="49" charset="0"/>
-              </a:rPr>
-              <a:t> value)</a:t>
-            </a:r>
-          </a:p>
-          <a:p>
-            <a:pPr marL="0" indent="0">
-              <a:buNone/>
-            </a:pPr>
-            <a:r>
-              <a:rPr lang="en-US" dirty="0">
-                <a:solidFill>
-                  <a:srgbClr val="000000"/>
-                </a:solidFill>
-                <a:latin typeface="Consolas" panose="020B0609020204030204" pitchFamily="49" charset="0"/>
-              </a:rPr>
-              <a:t>    </a:t>
-            </a:r>
-            <a:r>
-              <a:rPr lang="en-US" dirty="0" smtClean="0">
-                <a:solidFill>
-                  <a:srgbClr val="000000"/>
-                </a:solidFill>
-                <a:latin typeface="Consolas" panose="020B0609020204030204" pitchFamily="49" charset="0"/>
-              </a:rPr>
-              <a:t>{</a:t>
-            </a:r>
-            <a:endParaRPr lang="en-US" dirty="0">
-              <a:solidFill>
-                <a:srgbClr val="000000"/>
-              </a:solidFill>
-              <a:latin typeface="Consolas" panose="020B0609020204030204" pitchFamily="49" charset="0"/>
-            </a:endParaRPr>
-          </a:p>
-          <a:p>
-            <a:pPr marL="0" indent="0">
-              <a:buNone/>
-            </a:pPr>
-            <a:r>
-              <a:rPr lang="en-US" dirty="0">
-                <a:solidFill>
-                  <a:srgbClr val="000000"/>
-                </a:solidFill>
-                <a:latin typeface="Consolas" panose="020B0609020204030204" pitchFamily="49" charset="0"/>
-              </a:rPr>
-              <a:t>        </a:t>
-            </a:r>
-            <a:r>
-              <a:rPr lang="en-US" dirty="0" smtClean="0">
-                <a:solidFill>
-                  <a:srgbClr val="0000FF"/>
-                </a:solidFill>
-                <a:latin typeface="Consolas" panose="020B0609020204030204" pitchFamily="49" charset="0"/>
-              </a:rPr>
-              <a:t>return</a:t>
-            </a:r>
-            <a:r>
-              <a:rPr lang="en-US" dirty="0" smtClean="0">
-                <a:solidFill>
-                  <a:srgbClr val="000000"/>
-                </a:solidFill>
-                <a:latin typeface="Consolas" panose="020B0609020204030204" pitchFamily="49" charset="0"/>
-              </a:rPr>
-              <a:t> </a:t>
-            </a:r>
-            <a:r>
-              <a:rPr lang="en-US" dirty="0">
-                <a:solidFill>
-                  <a:srgbClr val="000000"/>
-                </a:solidFill>
-                <a:latin typeface="Consolas" panose="020B0609020204030204" pitchFamily="49" charset="0"/>
-              </a:rPr>
-              <a:t>value == Quantity</a:t>
-            </a:r>
-          </a:p>
-          <a:p>
-            <a:pPr marL="0" indent="0">
-              <a:buNone/>
-            </a:pPr>
-            <a:r>
-              <a:rPr lang="en-US" dirty="0">
-                <a:solidFill>
-                  <a:srgbClr val="000000"/>
-                </a:solidFill>
-                <a:latin typeface="Consolas" panose="020B0609020204030204" pitchFamily="49" charset="0"/>
-              </a:rPr>
-              <a:t>             </a:t>
-            </a:r>
-            <a:r>
-              <a:rPr lang="en-US" dirty="0" smtClean="0">
-                <a:solidFill>
-                  <a:srgbClr val="000000"/>
-                </a:solidFill>
-                <a:latin typeface="Consolas" panose="020B0609020204030204" pitchFamily="49" charset="0"/>
-              </a:rPr>
-              <a:t>   </a:t>
-            </a:r>
-            <a:r>
-              <a:rPr lang="en-US" dirty="0">
-                <a:solidFill>
-                  <a:srgbClr val="000000"/>
-                </a:solidFill>
-                <a:latin typeface="Consolas" panose="020B0609020204030204" pitchFamily="49" charset="0"/>
-              </a:rPr>
-              <a:t>? </a:t>
-            </a:r>
-            <a:r>
-              <a:rPr lang="en-US" dirty="0">
-                <a:solidFill>
-                  <a:srgbClr val="0000FF"/>
-                </a:solidFill>
-                <a:latin typeface="Consolas" panose="020B0609020204030204" pitchFamily="49" charset="0"/>
-              </a:rPr>
-              <a:t>this</a:t>
-            </a:r>
-            <a:endParaRPr lang="en-US" dirty="0">
-              <a:solidFill>
-                <a:srgbClr val="000000"/>
-              </a:solidFill>
-              <a:latin typeface="Consolas" panose="020B0609020204030204" pitchFamily="49" charset="0"/>
-            </a:endParaRPr>
-          </a:p>
-          <a:p>
-            <a:pPr marL="0" indent="0">
-              <a:buNone/>
-            </a:pPr>
-            <a:r>
-              <a:rPr lang="en-US" dirty="0">
-                <a:solidFill>
-                  <a:srgbClr val="000000"/>
-                </a:solidFill>
-                <a:latin typeface="Consolas" panose="020B0609020204030204" pitchFamily="49" charset="0"/>
-              </a:rPr>
-              <a:t>            </a:t>
-            </a:r>
-            <a:r>
-              <a:rPr lang="en-US" dirty="0" smtClean="0">
-                <a:solidFill>
-                  <a:srgbClr val="000000"/>
-                </a:solidFill>
-                <a:latin typeface="Consolas" panose="020B0609020204030204" pitchFamily="49" charset="0"/>
-              </a:rPr>
-              <a:t>    </a:t>
-            </a:r>
-            <a:r>
-              <a:rPr lang="en-US" dirty="0">
-                <a:solidFill>
-                  <a:srgbClr val="000000"/>
-                </a:solidFill>
-                <a:latin typeface="Consolas" panose="020B0609020204030204" pitchFamily="49" charset="0"/>
-              </a:rPr>
-              <a:t>: </a:t>
-            </a:r>
-            <a:r>
-              <a:rPr lang="en-US" dirty="0">
-                <a:solidFill>
-                  <a:srgbClr val="0000FF"/>
-                </a:solidFill>
-                <a:latin typeface="Consolas" panose="020B0609020204030204" pitchFamily="49" charset="0"/>
-              </a:rPr>
-              <a:t>new</a:t>
-            </a:r>
-            <a:r>
-              <a:rPr lang="en-US" dirty="0">
-                <a:solidFill>
-                  <a:srgbClr val="000000"/>
-                </a:solidFill>
-                <a:latin typeface="Consolas" panose="020B0609020204030204" pitchFamily="49" charset="0"/>
-              </a:rPr>
-              <a:t> </a:t>
-            </a:r>
-            <a:r>
-              <a:rPr lang="en-US" dirty="0" err="1">
-                <a:solidFill>
-                  <a:srgbClr val="000000"/>
-                </a:solidFill>
-                <a:latin typeface="Consolas" panose="020B0609020204030204" pitchFamily="49" charset="0"/>
-              </a:rPr>
-              <a:t>OrderLine</a:t>
-            </a:r>
-            <a:r>
-              <a:rPr lang="en-US" dirty="0">
-                <a:solidFill>
-                  <a:srgbClr val="000000"/>
-                </a:solidFill>
-                <a:latin typeface="Consolas" panose="020B0609020204030204" pitchFamily="49" charset="0"/>
-              </a:rPr>
-              <a:t>(value, </a:t>
-            </a:r>
-            <a:r>
-              <a:rPr lang="en-US" dirty="0" err="1">
-                <a:solidFill>
-                  <a:srgbClr val="000000"/>
-                </a:solidFill>
-                <a:latin typeface="Consolas" panose="020B0609020204030204" pitchFamily="49" charset="0"/>
-              </a:rPr>
-              <a:t>UnitPrice</a:t>
-            </a:r>
-            <a:r>
-              <a:rPr lang="en-US" dirty="0">
-                <a:solidFill>
-                  <a:srgbClr val="000000"/>
-                </a:solidFill>
-                <a:latin typeface="Consolas" panose="020B0609020204030204" pitchFamily="49" charset="0"/>
-              </a:rPr>
-              <a:t>, Discount);</a:t>
-            </a:r>
-          </a:p>
-          <a:p>
-            <a:pPr marL="0" indent="0">
-              <a:buNone/>
-            </a:pPr>
-            <a:r>
-              <a:rPr lang="en-US" dirty="0">
-                <a:solidFill>
-                  <a:srgbClr val="000000"/>
-                </a:solidFill>
-                <a:latin typeface="Consolas" panose="020B0609020204030204" pitchFamily="49" charset="0"/>
-              </a:rPr>
-              <a:t>    </a:t>
-            </a:r>
-            <a:r>
-              <a:rPr lang="en-US" dirty="0" smtClean="0">
-                <a:solidFill>
-                  <a:srgbClr val="000000"/>
-                </a:solidFill>
-                <a:latin typeface="Consolas" panose="020B0609020204030204" pitchFamily="49" charset="0"/>
-              </a:rPr>
-              <a:t>}</a:t>
-            </a:r>
-            <a:endParaRPr lang="en-US" dirty="0">
-              <a:solidFill>
-                <a:srgbClr val="000000"/>
-              </a:solidFill>
-              <a:latin typeface="Consolas" panose="020B0609020204030204" pitchFamily="49" charset="0"/>
-            </a:endParaRPr>
-          </a:p>
-          <a:p>
-            <a:pPr marL="0" indent="0">
-              <a:buNone/>
-            </a:pPr>
-            <a:r>
-              <a:rPr lang="en-US" dirty="0">
-                <a:solidFill>
-                  <a:srgbClr val="000000"/>
-                </a:solidFill>
-                <a:latin typeface="Consolas" panose="020B0609020204030204" pitchFamily="49" charset="0"/>
-              </a:rPr>
-              <a:t> </a:t>
-            </a:r>
-            <a:r>
-              <a:rPr lang="en-US" dirty="0" smtClean="0">
-                <a:solidFill>
-                  <a:srgbClr val="000000"/>
-                </a:solidFill>
-                <a:latin typeface="Consolas" panose="020B0609020204030204" pitchFamily="49" charset="0"/>
-              </a:rPr>
-              <a:t>}</a:t>
-            </a:r>
-            <a:endParaRPr lang="en-US" dirty="0"/>
-          </a:p>
-        </p:txBody>
-      </p:sp>
-    </p:spTree>
-    <p:extLst>
-      <p:ext uri="{BB962C8B-B14F-4D97-AF65-F5344CB8AC3E}">
-        <p14:creationId xmlns:p14="http://schemas.microsoft.com/office/powerpoint/2010/main" val="948732505"/>
-      </p:ext>
-    </p:extLst>
-  </p:cSld>
-  <p:clrMapOvr>
-    <a:masterClrMapping/>
-  </p:clrMapOvr>
-  <p:timing>
-    <p:tnLst>
-      <p:par>
-        <p:cTn id="1" dur="indefinite" restart="never" nodeType="tmRoot"/>
-      </p:par>
-    </p:tnLst>
-  </p:timing>
-</p:sld>
-</file>
-
-<file path=ppt/slides/slide24.xml><?xml version="1.0" encoding="utf-8"?>
-<p:sld xmlns:a="http://schemas.openxmlformats.org/drawingml/2006/main" xmlns:r="http://schemas.openxmlformats.org/officeDocument/2006/relationships" xmlns:p="http://schemas.openxmlformats.org/presentationml/2006/main">
-  <p:cSld>
-    <p:spTree>
-      <p:nvGrpSpPr>
-        <p:cNvPr id="1" name=""/>
-        <p:cNvGrpSpPr/>
-        <p:nvPr/>
-      </p:nvGrpSpPr>
-      <p:grpSpPr>
-        <a:xfrm>
-          <a:off x="0" y="0"/>
-          <a:ext cx="0" cy="0"/>
-          <a:chOff x="0" y="0"/>
-          <a:chExt cx="0" cy="0"/>
-        </a:xfrm>
-      </p:grpSpPr>
-      <p:sp>
-        <p:nvSpPr>
-          <p:cNvPr id="2" name="Title 1">
-            <a:extLst>
-              <a:ext uri="{FF2B5EF4-FFF2-40B4-BE49-F238E27FC236}">
                 <a16:creationId xmlns:a16="http://schemas.microsoft.com/office/drawing/2014/main" id="{8FA84517-B541-44A6-94B5-885E93C20656}"/>
               </a:ext>
             </a:extLst>
@@ -15263,7 +15161,7 @@
 </p:sld>
 </file>
 
-<file path=ppt/slides/slide25.xml><?xml version="1.0" encoding="utf-8"?>
+<file path=ppt/slides/slide24.xml><?xml version="1.0" encoding="utf-8"?>
 <p:sld xmlns:a="http://schemas.openxmlformats.org/drawingml/2006/main" xmlns:r="http://schemas.openxmlformats.org/officeDocument/2006/relationships" xmlns:p="http://schemas.openxmlformats.org/presentationml/2006/main">
   <p:cSld>
     <p:spTree>
@@ -16960,7 +16858,7 @@
 </p:sld>
 </file>
 
-<file path=ppt/slides/slide26.xml><?xml version="1.0" encoding="utf-8"?>
+<file path=ppt/slides/slide25.xml><?xml version="1.0" encoding="utf-8"?>
 <p:sld xmlns:a="http://schemas.openxmlformats.org/drawingml/2006/main" xmlns:r="http://schemas.openxmlformats.org/officeDocument/2006/relationships" xmlns:p="http://schemas.openxmlformats.org/presentationml/2006/main">
   <p:cSld>
     <p:spTree>
@@ -17556,7 +17454,7 @@
 </p:sld>
 </file>
 
-<file path=ppt/slides/slide27.xml><?xml version="1.0" encoding="utf-8"?>
+<file path=ppt/slides/slide26.xml><?xml version="1.0" encoding="utf-8"?>
 <p:sld xmlns:a="http://schemas.openxmlformats.org/drawingml/2006/main" xmlns:r="http://schemas.openxmlformats.org/officeDocument/2006/relationships" xmlns:p="http://schemas.openxmlformats.org/presentationml/2006/main">
   <p:cSld>
     <p:spTree>
@@ -17649,7 +17547,7 @@
 </p:sld>
 </file>
 
-<file path=ppt/slides/slide28.xml><?xml version="1.0" encoding="utf-8"?>
+<file path=ppt/slides/slide27.xml><?xml version="1.0" encoding="utf-8"?>
 <p:sld xmlns:a="http://schemas.openxmlformats.org/drawingml/2006/main" xmlns:r="http://schemas.openxmlformats.org/officeDocument/2006/relationships" xmlns:p="http://schemas.openxmlformats.org/presentationml/2006/main">
   <p:cSld>
     <p:spTree>
@@ -18829,6 +18727,575 @@
 </p:sld>
 </file>
 
+<file path=ppt/slides/slide28.xml><?xml version="1.0" encoding="utf-8"?>
+<p:sld xmlns:a="http://schemas.openxmlformats.org/drawingml/2006/main" xmlns:r="http://schemas.openxmlformats.org/officeDocument/2006/relationships" xmlns:p="http://schemas.openxmlformats.org/presentationml/2006/main">
+  <p:cSld>
+    <p:spTree>
+      <p:nvGrpSpPr>
+        <p:cNvPr id="1" name=""/>
+        <p:cNvGrpSpPr/>
+        <p:nvPr/>
+      </p:nvGrpSpPr>
+      <p:grpSpPr>
+        <a:xfrm>
+          <a:off x="0" y="0"/>
+          <a:ext cx="0" cy="0"/>
+          <a:chOff x="0" y="0"/>
+          <a:chExt cx="0" cy="0"/>
+        </a:xfrm>
+      </p:grpSpPr>
+      <p:sp>
+        <p:nvSpPr>
+          <p:cNvPr id="2" name="Title 1"/>
+          <p:cNvSpPr>
+            <a:spLocks noGrp="1"/>
+          </p:cNvSpPr>
+          <p:nvPr>
+            <p:ph type="title"/>
+          </p:nvPr>
+        </p:nvSpPr>
+        <p:spPr/>
+        <p:txBody>
+          <a:bodyPr/>
+          <a:lstStyle/>
+          <a:p>
+            <a:r>
+              <a:rPr lang="en-US" dirty="0" smtClean="0"/>
+              <a:t>Benchmark: Append</a:t>
+            </a:r>
+            <a:endParaRPr lang="ru-RU" dirty="0"/>
+          </a:p>
+        </p:txBody>
+      </p:sp>
+      <p:sp>
+        <p:nvSpPr>
+          <p:cNvPr id="4" name="Text Placeholder 3"/>
+          <p:cNvSpPr>
+            <a:spLocks noGrp="1"/>
+          </p:cNvSpPr>
+          <p:nvPr>
+            <p:ph type="body" idx="1"/>
+          </p:nvPr>
+        </p:nvSpPr>
+        <p:spPr>
+          <a:xfrm>
+            <a:off x="839788" y="1681163"/>
+            <a:ext cx="4528917" cy="823912"/>
+          </a:xfrm>
+        </p:spPr>
+        <p:txBody>
+          <a:bodyPr/>
+          <a:lstStyle/>
+          <a:p>
+            <a:r>
+              <a:rPr lang="en-US" dirty="0" smtClean="0"/>
+              <a:t>Mean: </a:t>
+            </a:r>
+            <a:r>
+              <a:rPr lang="en-US" b="0" dirty="0"/>
+              <a:t>1,193.7 ns</a:t>
+            </a:r>
+            <a:endParaRPr lang="ru-RU" dirty="0"/>
+          </a:p>
+        </p:txBody>
+      </p:sp>
+      <p:sp>
+        <p:nvSpPr>
+          <p:cNvPr id="5" name="Content Placeholder 4"/>
+          <p:cNvSpPr>
+            <a:spLocks noGrp="1"/>
+          </p:cNvSpPr>
+          <p:nvPr>
+            <p:ph sz="half" idx="2"/>
+          </p:nvPr>
+        </p:nvSpPr>
+        <p:spPr>
+          <a:xfrm>
+            <a:off x="839788" y="2505075"/>
+            <a:ext cx="4528917" cy="3684588"/>
+          </a:xfrm>
+        </p:spPr>
+        <p:txBody>
+          <a:bodyPr>
+            <a:normAutofit/>
+          </a:bodyPr>
+          <a:lstStyle/>
+          <a:p>
+            <a:pPr marL="0" indent="0">
+              <a:buNone/>
+            </a:pPr>
+            <a:r>
+              <a:rPr lang="en-US" sz="2000" dirty="0" smtClean="0">
+                <a:solidFill>
+                  <a:srgbClr val="000000"/>
+                </a:solidFill>
+                <a:latin typeface="Consolas" panose="020B0609020204030204" pitchFamily="49" charset="0"/>
+              </a:rPr>
+              <a:t>[</a:t>
+            </a:r>
+            <a:r>
+              <a:rPr lang="en-US" sz="2000" dirty="0">
+                <a:solidFill>
+                  <a:srgbClr val="000000"/>
+                </a:solidFill>
+                <a:latin typeface="Consolas" panose="020B0609020204030204" pitchFamily="49" charset="0"/>
+              </a:rPr>
+              <a:t>Benchmark</a:t>
+            </a:r>
+            <a:r>
+              <a:rPr lang="en-US" sz="2000" dirty="0" smtClean="0">
+                <a:solidFill>
+                  <a:srgbClr val="000000"/>
+                </a:solidFill>
+                <a:latin typeface="Consolas" panose="020B0609020204030204" pitchFamily="49" charset="0"/>
+              </a:rPr>
+              <a:t>]</a:t>
+            </a:r>
+            <a:endParaRPr lang="en-US" sz="2000" dirty="0">
+              <a:solidFill>
+                <a:srgbClr val="000000"/>
+              </a:solidFill>
+              <a:latin typeface="Consolas" panose="020B0609020204030204" pitchFamily="49" charset="0"/>
+            </a:endParaRPr>
+          </a:p>
+          <a:p>
+            <a:pPr marL="0" indent="0">
+              <a:buNone/>
+            </a:pPr>
+            <a:r>
+              <a:rPr lang="en-US" sz="2000" dirty="0" smtClean="0">
+                <a:solidFill>
+                  <a:srgbClr val="0000FF"/>
+                </a:solidFill>
+                <a:latin typeface="Consolas" panose="020B0609020204030204" pitchFamily="49" charset="0"/>
+              </a:rPr>
+              <a:t>object</a:t>
+            </a:r>
+            <a:r>
+              <a:rPr lang="en-US" sz="2000" dirty="0" smtClean="0">
+                <a:solidFill>
+                  <a:srgbClr val="000000"/>
+                </a:solidFill>
+                <a:latin typeface="Consolas" panose="020B0609020204030204" pitchFamily="49" charset="0"/>
+              </a:rPr>
+              <a:t> </a:t>
+            </a:r>
+            <a:r>
+              <a:rPr lang="en-US" sz="2000" dirty="0" err="1">
+                <a:solidFill>
+                  <a:srgbClr val="000000"/>
+                </a:solidFill>
+                <a:latin typeface="Consolas" panose="020B0609020204030204" pitchFamily="49" charset="0"/>
+              </a:rPr>
+              <a:t>List_Add</a:t>
+            </a:r>
+            <a:r>
+              <a:rPr lang="en-US" sz="2000" dirty="0">
+                <a:solidFill>
+                  <a:srgbClr val="000000"/>
+                </a:solidFill>
+                <a:latin typeface="Consolas" panose="020B0609020204030204" pitchFamily="49" charset="0"/>
+              </a:rPr>
+              <a:t>()</a:t>
+            </a:r>
+          </a:p>
+          <a:p>
+            <a:pPr marL="0" indent="0">
+              <a:buNone/>
+            </a:pPr>
+            <a:r>
+              <a:rPr lang="ru-RU" sz="2000" dirty="0" smtClean="0">
+                <a:solidFill>
+                  <a:srgbClr val="000000"/>
+                </a:solidFill>
+                <a:latin typeface="Consolas" panose="020B0609020204030204" pitchFamily="49" charset="0"/>
+              </a:rPr>
+              <a:t>{</a:t>
+            </a:r>
+            <a:endParaRPr lang="ru-RU" sz="2000" dirty="0">
+              <a:solidFill>
+                <a:srgbClr val="000000"/>
+              </a:solidFill>
+              <a:latin typeface="Consolas" panose="020B0609020204030204" pitchFamily="49" charset="0"/>
+            </a:endParaRPr>
+          </a:p>
+          <a:p>
+            <a:pPr marL="0" indent="0">
+              <a:buNone/>
+            </a:pPr>
+            <a:r>
+              <a:rPr lang="en-US" sz="2000" dirty="0" smtClean="0">
+                <a:solidFill>
+                  <a:srgbClr val="0000FF"/>
+                </a:solidFill>
+                <a:latin typeface="Consolas" panose="020B0609020204030204" pitchFamily="49" charset="0"/>
+              </a:rPr>
+              <a:t>    return</a:t>
+            </a:r>
+            <a:r>
+              <a:rPr lang="en-US" sz="2000" dirty="0" smtClean="0">
+                <a:solidFill>
+                  <a:srgbClr val="000000"/>
+                </a:solidFill>
+                <a:latin typeface="Consolas" panose="020B0609020204030204" pitchFamily="49" charset="0"/>
+              </a:rPr>
+              <a:t> </a:t>
+            </a:r>
+            <a:r>
+              <a:rPr lang="en-US" sz="2000" dirty="0" err="1" smtClean="0">
+                <a:solidFill>
+                  <a:srgbClr val="000000"/>
+                </a:solidFill>
+                <a:latin typeface="Consolas" panose="020B0609020204030204" pitchFamily="49" charset="0"/>
+              </a:rPr>
+              <a:t>BigList</a:t>
+            </a:r>
+            <a:endParaRPr lang="en-US" sz="2000" dirty="0" smtClean="0">
+              <a:solidFill>
+                <a:srgbClr val="000000"/>
+              </a:solidFill>
+              <a:latin typeface="Consolas" panose="020B0609020204030204" pitchFamily="49" charset="0"/>
+            </a:endParaRPr>
+          </a:p>
+          <a:p>
+            <a:pPr marL="0" indent="0">
+              <a:buNone/>
+            </a:pPr>
+            <a:r>
+              <a:rPr lang="en-US" sz="2000" dirty="0" smtClean="0">
+                <a:solidFill>
+                  <a:srgbClr val="000000"/>
+                </a:solidFill>
+                <a:latin typeface="Consolas" panose="020B0609020204030204" pitchFamily="49" charset="0"/>
+              </a:rPr>
+              <a:t>        .</a:t>
+            </a:r>
+            <a:r>
+              <a:rPr lang="en-US" sz="2000" dirty="0">
+                <a:solidFill>
+                  <a:srgbClr val="000000"/>
+                </a:solidFill>
+                <a:latin typeface="Consolas" panose="020B0609020204030204" pitchFamily="49" charset="0"/>
+              </a:rPr>
+              <a:t>Append(42)</a:t>
+            </a:r>
+          </a:p>
+          <a:p>
+            <a:pPr marL="0" indent="0">
+              <a:buNone/>
+            </a:pPr>
+            <a:r>
+              <a:rPr lang="en-US" sz="2000" dirty="0" smtClean="0">
+                <a:solidFill>
+                  <a:srgbClr val="000000"/>
+                </a:solidFill>
+                <a:latin typeface="Consolas" panose="020B0609020204030204" pitchFamily="49" charset="0"/>
+              </a:rPr>
+              <a:t>        .</a:t>
+            </a:r>
+            <a:r>
+              <a:rPr lang="en-US" sz="2000" dirty="0" err="1">
+                <a:solidFill>
+                  <a:srgbClr val="000000"/>
+                </a:solidFill>
+                <a:latin typeface="Consolas" panose="020B0609020204030204" pitchFamily="49" charset="0"/>
+              </a:rPr>
+              <a:t>ToList</a:t>
+            </a:r>
+            <a:r>
+              <a:rPr lang="en-US" sz="2000" dirty="0">
+                <a:solidFill>
+                  <a:srgbClr val="000000"/>
+                </a:solidFill>
+                <a:latin typeface="Consolas" panose="020B0609020204030204" pitchFamily="49" charset="0"/>
+              </a:rPr>
+              <a:t>()</a:t>
+            </a:r>
+          </a:p>
+          <a:p>
+            <a:pPr marL="0" indent="0">
+              <a:buNone/>
+            </a:pPr>
+            <a:r>
+              <a:rPr lang="en-US" sz="2000" dirty="0" smtClean="0">
+                <a:solidFill>
+                  <a:srgbClr val="000000"/>
+                </a:solidFill>
+                <a:latin typeface="Consolas" panose="020B0609020204030204" pitchFamily="49" charset="0"/>
+              </a:rPr>
+              <a:t>        .</a:t>
+            </a:r>
+            <a:r>
+              <a:rPr lang="en-US" sz="2000" dirty="0" err="1">
+                <a:solidFill>
+                  <a:srgbClr val="000000"/>
+                </a:solidFill>
+                <a:latin typeface="Consolas" panose="020B0609020204030204" pitchFamily="49" charset="0"/>
+              </a:rPr>
+              <a:t>AsReadOnly</a:t>
+            </a:r>
+            <a:r>
+              <a:rPr lang="en-US" sz="2000" dirty="0">
+                <a:solidFill>
+                  <a:srgbClr val="000000"/>
+                </a:solidFill>
+                <a:latin typeface="Consolas" panose="020B0609020204030204" pitchFamily="49" charset="0"/>
+              </a:rPr>
+              <a:t>();</a:t>
+            </a:r>
+          </a:p>
+          <a:p>
+            <a:pPr marL="0" indent="0">
+              <a:buNone/>
+            </a:pPr>
+            <a:r>
+              <a:rPr lang="ru-RU" sz="2000" dirty="0" smtClean="0">
+                <a:solidFill>
+                  <a:srgbClr val="000000"/>
+                </a:solidFill>
+                <a:latin typeface="Consolas" panose="020B0609020204030204" pitchFamily="49" charset="0"/>
+              </a:rPr>
+              <a:t>}</a:t>
+            </a:r>
+            <a:endParaRPr lang="ru-RU" sz="2000" dirty="0"/>
+          </a:p>
+        </p:txBody>
+      </p:sp>
+      <p:sp>
+        <p:nvSpPr>
+          <p:cNvPr id="6" name="Text Placeholder 5"/>
+          <p:cNvSpPr>
+            <a:spLocks noGrp="1"/>
+          </p:cNvSpPr>
+          <p:nvPr>
+            <p:ph type="body" sz="quarter" idx="3"/>
+          </p:nvPr>
+        </p:nvSpPr>
+        <p:spPr>
+          <a:xfrm>
+            <a:off x="5368705" y="1681163"/>
+            <a:ext cx="5986683" cy="823912"/>
+          </a:xfrm>
+        </p:spPr>
+        <p:txBody>
+          <a:bodyPr/>
+          <a:lstStyle/>
+          <a:p>
+            <a:r>
+              <a:rPr lang="en-US" dirty="0" smtClean="0"/>
+              <a:t>Mean: </a:t>
+            </a:r>
+            <a:r>
+              <a:rPr lang="en-US" b="0" dirty="0"/>
+              <a:t>365.9 ns</a:t>
+            </a:r>
+            <a:endParaRPr lang="ru-RU" dirty="0"/>
+          </a:p>
+        </p:txBody>
+      </p:sp>
+      <p:sp>
+        <p:nvSpPr>
+          <p:cNvPr id="7" name="Content Placeholder 6"/>
+          <p:cNvSpPr>
+            <a:spLocks noGrp="1"/>
+          </p:cNvSpPr>
+          <p:nvPr>
+            <p:ph sz="quarter" idx="4"/>
+          </p:nvPr>
+        </p:nvSpPr>
+        <p:spPr>
+          <a:xfrm>
+            <a:off x="5368705" y="2505075"/>
+            <a:ext cx="5986683" cy="3684588"/>
+          </a:xfrm>
+        </p:spPr>
+        <p:txBody>
+          <a:bodyPr>
+            <a:normAutofit/>
+          </a:bodyPr>
+          <a:lstStyle/>
+          <a:p>
+            <a:pPr marL="0" indent="0">
+              <a:buNone/>
+            </a:pPr>
+            <a:r>
+              <a:rPr lang="en-US" sz="2000" dirty="0" smtClean="0">
+                <a:solidFill>
+                  <a:srgbClr val="000000"/>
+                </a:solidFill>
+                <a:latin typeface="Consolas" panose="020B0609020204030204" pitchFamily="49" charset="0"/>
+              </a:rPr>
+              <a:t>[</a:t>
+            </a:r>
+            <a:r>
+              <a:rPr lang="en-US" sz="2000" dirty="0">
+                <a:solidFill>
+                  <a:srgbClr val="000000"/>
+                </a:solidFill>
+                <a:latin typeface="Consolas" panose="020B0609020204030204" pitchFamily="49" charset="0"/>
+              </a:rPr>
+              <a:t>Benchmark]</a:t>
+            </a:r>
+          </a:p>
+          <a:p>
+            <a:pPr marL="0" indent="0">
+              <a:buNone/>
+            </a:pPr>
+            <a:r>
+              <a:rPr lang="en-US" sz="2000" dirty="0" smtClean="0">
+                <a:solidFill>
+                  <a:srgbClr val="0000FF"/>
+                </a:solidFill>
+                <a:latin typeface="Consolas" panose="020B0609020204030204" pitchFamily="49" charset="0"/>
+              </a:rPr>
+              <a:t>object</a:t>
+            </a:r>
+            <a:r>
+              <a:rPr lang="en-US" sz="2000" dirty="0" smtClean="0">
+                <a:solidFill>
+                  <a:srgbClr val="000000"/>
+                </a:solidFill>
+                <a:latin typeface="Consolas" panose="020B0609020204030204" pitchFamily="49" charset="0"/>
+              </a:rPr>
+              <a:t> </a:t>
+            </a:r>
+            <a:r>
+              <a:rPr lang="en-US" sz="2000" dirty="0" err="1" smtClean="0">
+                <a:solidFill>
+                  <a:srgbClr val="000000"/>
+                </a:solidFill>
+                <a:latin typeface="Consolas" panose="020B0609020204030204" pitchFamily="49" charset="0"/>
+              </a:rPr>
+              <a:t>ImmutableList_Add</a:t>
+            </a:r>
+            <a:r>
+              <a:rPr lang="en-US" sz="2000" dirty="0">
+                <a:solidFill>
+                  <a:srgbClr val="000000"/>
+                </a:solidFill>
+                <a:latin typeface="Consolas" panose="020B0609020204030204" pitchFamily="49" charset="0"/>
+              </a:rPr>
+              <a:t>()</a:t>
+            </a:r>
+          </a:p>
+          <a:p>
+            <a:pPr marL="0" indent="0">
+              <a:buNone/>
+            </a:pPr>
+            <a:r>
+              <a:rPr lang="ru-RU" sz="2000" dirty="0" smtClean="0">
+                <a:solidFill>
+                  <a:srgbClr val="000000"/>
+                </a:solidFill>
+                <a:latin typeface="Consolas" panose="020B0609020204030204" pitchFamily="49" charset="0"/>
+              </a:rPr>
+              <a:t>{</a:t>
+            </a:r>
+            <a:endParaRPr lang="ru-RU" sz="2000" dirty="0">
+              <a:solidFill>
+                <a:srgbClr val="000000"/>
+              </a:solidFill>
+              <a:latin typeface="Consolas" panose="020B0609020204030204" pitchFamily="49" charset="0"/>
+            </a:endParaRPr>
+          </a:p>
+          <a:p>
+            <a:pPr marL="0" indent="0">
+              <a:buNone/>
+            </a:pPr>
+            <a:r>
+              <a:rPr lang="en-US" sz="2000" dirty="0" smtClean="0">
+                <a:solidFill>
+                  <a:srgbClr val="0000FF"/>
+                </a:solidFill>
+                <a:latin typeface="Consolas" panose="020B0609020204030204" pitchFamily="49" charset="0"/>
+              </a:rPr>
+              <a:t>    return</a:t>
+            </a:r>
+            <a:r>
+              <a:rPr lang="en-US" sz="2000" dirty="0" smtClean="0">
+                <a:solidFill>
+                  <a:srgbClr val="000000"/>
+                </a:solidFill>
+                <a:latin typeface="Consolas" panose="020B0609020204030204" pitchFamily="49" charset="0"/>
+              </a:rPr>
+              <a:t> </a:t>
+            </a:r>
+            <a:r>
+              <a:rPr lang="en-US" sz="2000" dirty="0" err="1">
+                <a:solidFill>
+                  <a:srgbClr val="000000"/>
+                </a:solidFill>
+                <a:latin typeface="Consolas" panose="020B0609020204030204" pitchFamily="49" charset="0"/>
+              </a:rPr>
+              <a:t>BigImmutableList</a:t>
+            </a:r>
+            <a:endParaRPr lang="en-US" sz="2000" dirty="0">
+              <a:solidFill>
+                <a:srgbClr val="000000"/>
+              </a:solidFill>
+              <a:latin typeface="Consolas" panose="020B0609020204030204" pitchFamily="49" charset="0"/>
+            </a:endParaRPr>
+          </a:p>
+          <a:p>
+            <a:pPr marL="0" indent="0">
+              <a:buNone/>
+            </a:pPr>
+            <a:r>
+              <a:rPr lang="en-US" sz="2000" dirty="0" smtClean="0">
+                <a:solidFill>
+                  <a:srgbClr val="000000"/>
+                </a:solidFill>
+                <a:latin typeface="Consolas" panose="020B0609020204030204" pitchFamily="49" charset="0"/>
+              </a:rPr>
+              <a:t>        .</a:t>
+            </a:r>
+            <a:r>
+              <a:rPr lang="en-US" sz="2000" dirty="0">
+                <a:solidFill>
+                  <a:srgbClr val="000000"/>
+                </a:solidFill>
+                <a:latin typeface="Consolas" panose="020B0609020204030204" pitchFamily="49" charset="0"/>
+              </a:rPr>
+              <a:t>Add(42);</a:t>
+            </a:r>
+          </a:p>
+          <a:p>
+            <a:pPr marL="0" indent="0">
+              <a:buNone/>
+            </a:pPr>
+            <a:r>
+              <a:rPr lang="ru-RU" sz="2000" dirty="0" smtClean="0">
+                <a:solidFill>
+                  <a:srgbClr val="000000"/>
+                </a:solidFill>
+                <a:latin typeface="Consolas" panose="020B0609020204030204" pitchFamily="49" charset="0"/>
+              </a:rPr>
+              <a:t>}</a:t>
+            </a:r>
+            <a:endParaRPr lang="ru-RU" sz="2000" dirty="0"/>
+          </a:p>
+        </p:txBody>
+      </p:sp>
+    </p:spTree>
+    <p:extLst>
+      <p:ext uri="{BB962C8B-B14F-4D97-AF65-F5344CB8AC3E}">
+        <p14:creationId xmlns:p14="http://schemas.microsoft.com/office/powerpoint/2010/main" val="668232325"/>
+      </p:ext>
+    </p:extLst>
+  </p:cSld>
+  <p:clrMapOvr>
+    <a:masterClrMapping/>
+  </p:clrMapOvr>
+  <p:timing>
+    <p:tnLst>
+      <p:par>
+        <p:cTn id="1" dur="indefinite" restart="never" nodeType="tmRoot"/>
+      </p:par>
+    </p:tnLst>
+  </p:timing>
+</p:sld>
+</file>
+
 <file path=ppt/slides/slide29.xml><?xml version="1.0" encoding="utf-8"?>
 <p:sld xmlns:a="http://schemas.openxmlformats.org/drawingml/2006/main" xmlns:r="http://schemas.openxmlformats.org/officeDocument/2006/relationships" xmlns:p="http://schemas.openxmlformats.org/presentationml/2006/main">
   <p:cSld>
@@ -18863,7 +19330,7 @@
           <a:p>
             <a:r>
               <a:rPr lang="en-US" dirty="0" smtClean="0"/>
-              <a:t>Benchmark: Append</a:t>
+              <a:t>Benchmark: Select</a:t>
             </a:r>
             <a:endParaRPr lang="ru-RU" dirty="0"/>
           </a:p>
@@ -18871,7 +19338,7 @@
       </p:sp>
       <p:sp>
         <p:nvSpPr>
-          <p:cNvPr id="4" name="Text Placeholder 3"/>
+          <p:cNvPr id="3" name="Text Placeholder 2"/>
           <p:cNvSpPr>
             <a:spLocks noGrp="1"/>
           </p:cNvSpPr>
@@ -18879,12 +19346,7 @@
             <p:ph type="body" idx="1"/>
           </p:nvPr>
         </p:nvSpPr>
-        <p:spPr>
-          <a:xfrm>
-            <a:off x="839788" y="1681163"/>
-            <a:ext cx="4528917" cy="823912"/>
-          </a:xfrm>
-        </p:spPr>
+        <p:spPr/>
         <p:txBody>
           <a:bodyPr/>
           <a:lstStyle/>
@@ -18895,7 +19357,11 @@
             </a:r>
             <a:r>
               <a:rPr lang="en-US" b="0" dirty="0"/>
-              <a:t>1,193.7 ns</a:t>
+              <a:t>133,267.5 ns</a:t>
+            </a:r>
+            <a:r>
+              <a:rPr lang="en-US" dirty="0" smtClean="0"/>
+              <a:t> </a:t>
             </a:r>
             <a:endParaRPr lang="ru-RU" dirty="0"/>
           </a:p>
@@ -18903,7 +19369,7 @@
       </p:sp>
       <p:sp>
         <p:nvSpPr>
-          <p:cNvPr id="5" name="Content Placeholder 4"/>
+          <p:cNvPr id="4" name="Content Placeholder 3"/>
           <p:cNvSpPr>
             <a:spLocks noGrp="1"/>
           </p:cNvSpPr>
@@ -18911,12 +19377,7 @@
             <p:ph sz="half" idx="2"/>
           </p:nvPr>
         </p:nvSpPr>
-        <p:spPr>
-          <a:xfrm>
-            <a:off x="839788" y="2505075"/>
-            <a:ext cx="4528917" cy="3684588"/>
-          </a:xfrm>
-        </p:spPr>
+        <p:spPr/>
         <p:txBody>
           <a:bodyPr>
             <a:normAutofit/>
@@ -18942,16 +19403,100 @@
                 </a:solidFill>
                 <a:latin typeface="Consolas" panose="020B0609020204030204" pitchFamily="49" charset="0"/>
               </a:rPr>
-              <a:t>Benchmark</a:t>
-            </a:r>
+              <a:t>Benchmark]</a:t>
+            </a:r>
+          </a:p>
+          <a:p>
+            <a:pPr marL="0" indent="0">
+              <a:buNone/>
+            </a:pPr>
             <a:r>
               <a:rPr lang="en-US" sz="2000" dirty="0" smtClean="0">
                 <a:solidFill>
-                  <a:srgbClr val="000000"/>
-                </a:solidFill>
-                <a:latin typeface="Consolas" panose="020B0609020204030204" pitchFamily="49" charset="0"/>
-              </a:rPr>
-              <a:t>]</a:t>
+                  <a:srgbClr val="0000FF"/>
+                </a:solidFill>
+                <a:latin typeface="Consolas" panose="020B0609020204030204" pitchFamily="49" charset="0"/>
+              </a:rPr>
+              <a:t>object</a:t>
+            </a:r>
+            <a:r>
+              <a:rPr lang="en-US" sz="2000" dirty="0" smtClean="0">
+                <a:solidFill>
+                  <a:srgbClr val="000000"/>
+                </a:solidFill>
+                <a:latin typeface="Consolas" panose="020B0609020204030204" pitchFamily="49" charset="0"/>
+              </a:rPr>
+              <a:t> </a:t>
+            </a:r>
+            <a:r>
+              <a:rPr lang="en-US" sz="2000" dirty="0" err="1">
+                <a:solidFill>
+                  <a:srgbClr val="000000"/>
+                </a:solidFill>
+                <a:latin typeface="Consolas" panose="020B0609020204030204" pitchFamily="49" charset="0"/>
+              </a:rPr>
+              <a:t>List_Select</a:t>
+            </a:r>
+            <a:r>
+              <a:rPr lang="en-US" sz="2000" dirty="0">
+                <a:solidFill>
+                  <a:srgbClr val="000000"/>
+                </a:solidFill>
+                <a:latin typeface="Consolas" panose="020B0609020204030204" pitchFamily="49" charset="0"/>
+              </a:rPr>
+              <a:t>()</a:t>
+            </a:r>
+          </a:p>
+          <a:p>
+            <a:pPr marL="0" indent="0">
+              <a:buNone/>
+            </a:pPr>
+            <a:r>
+              <a:rPr lang="ru-RU" sz="2000" dirty="0" smtClean="0">
+                <a:solidFill>
+                  <a:srgbClr val="000000"/>
+                </a:solidFill>
+                <a:latin typeface="Consolas" panose="020B0609020204030204" pitchFamily="49" charset="0"/>
+              </a:rPr>
+              <a:t>{</a:t>
+            </a:r>
+            <a:endParaRPr lang="ru-RU" sz="2000" dirty="0">
+              <a:solidFill>
+                <a:srgbClr val="000000"/>
+              </a:solidFill>
+              <a:latin typeface="Consolas" panose="020B0609020204030204" pitchFamily="49" charset="0"/>
+            </a:endParaRPr>
+          </a:p>
+          <a:p>
+            <a:pPr marL="0" indent="0">
+              <a:buNone/>
+            </a:pPr>
+            <a:r>
+              <a:rPr lang="en-US" sz="2000" dirty="0" smtClean="0">
+                <a:solidFill>
+                  <a:srgbClr val="0000FF"/>
+                </a:solidFill>
+                <a:latin typeface="Consolas" panose="020B0609020204030204" pitchFamily="49" charset="0"/>
+              </a:rPr>
+              <a:t>    return</a:t>
+            </a:r>
+            <a:r>
+              <a:rPr lang="en-US" sz="2000" dirty="0" smtClean="0">
+                <a:solidFill>
+                  <a:srgbClr val="000000"/>
+                </a:solidFill>
+                <a:latin typeface="Consolas" panose="020B0609020204030204" pitchFamily="49" charset="0"/>
+              </a:rPr>
+              <a:t> </a:t>
+            </a:r>
+            <a:r>
+              <a:rPr lang="en-US" sz="2000" dirty="0" err="1">
+                <a:solidFill>
+                  <a:srgbClr val="000000"/>
+                </a:solidFill>
+                <a:latin typeface="Consolas" panose="020B0609020204030204" pitchFamily="49" charset="0"/>
+              </a:rPr>
+              <a:t>BigList</a:t>
             </a:r>
             <a:endParaRPr lang="en-US" sz="2000" dirty="0">
               <a:solidFill>
@@ -18967,11 +19512,38 @@
             <a:r>
               <a:rPr lang="en-US" sz="2000" dirty="0" smtClean="0">
                 <a:solidFill>
-                  <a:srgbClr val="0000FF"/>
-                </a:solidFill>
-                <a:latin typeface="Consolas" panose="020B0609020204030204" pitchFamily="49" charset="0"/>
-              </a:rPr>
-              <a:t>object</a:t>
+                  <a:srgbClr val="000000"/>
+                </a:solidFill>
+                <a:latin typeface="Consolas" panose="020B0609020204030204" pitchFamily="49" charset="0"/>
+              </a:rPr>
+              <a:t>        .</a:t>
+            </a:r>
+            <a:r>
+              <a:rPr lang="en-US" sz="2000" dirty="0">
+                <a:solidFill>
+                  <a:srgbClr val="000000"/>
+                </a:solidFill>
+                <a:latin typeface="Consolas" panose="020B0609020204030204" pitchFamily="49" charset="0"/>
+              </a:rPr>
+              <a:t>Select(</a:t>
+            </a:r>
+            <a:r>
+              <a:rPr lang="en-US" sz="2000" dirty="0" err="1">
+                <a:solidFill>
+                  <a:srgbClr val="000000"/>
+                </a:solidFill>
+                <a:latin typeface="Consolas" panose="020B0609020204030204" pitchFamily="49" charset="0"/>
+              </a:rPr>
+              <a:t>i</a:t>
+            </a:r>
+            <a:r>
+              <a:rPr lang="en-US" sz="2000" dirty="0">
+                <a:solidFill>
+                  <a:srgbClr val="000000"/>
+                </a:solidFill>
+                <a:latin typeface="Consolas" panose="020B0609020204030204" pitchFamily="49" charset="0"/>
+              </a:rPr>
+              <a:t> </a:t>
             </a:r>
             <a:r>
               <a:rPr lang="en-US" sz="2000" dirty="0" smtClean="0">
@@ -18980,7 +19552,7 @@
                 </a:solidFill>
                 <a:latin typeface="Consolas" panose="020B0609020204030204" pitchFamily="49" charset="0"/>
               </a:rPr>
-              <a:t> </a:t>
+              <a:t>=&gt; </a:t>
             </a:r>
             <a:r>
               <a:rPr lang="en-US" sz="2000" dirty="0" err="1">
@@ -18989,7 +19561,7 @@
                 </a:solidFill>
                 <a:latin typeface="Consolas" panose="020B0609020204030204" pitchFamily="49" charset="0"/>
               </a:rPr>
-              <a:t>List_Add</a:t>
+              <a:t>i.ToString</a:t>
             </a:r>
             <a:r>
               <a:rPr lang="en-US" sz="2000" dirty="0">
@@ -18998,28 +19570,8 @@
                 </a:solidFill>
                 <a:latin typeface="Consolas" panose="020B0609020204030204" pitchFamily="49" charset="0"/>
               </a:rPr>
-              <a:t>()</a:t>
-            </a:r>
-          </a:p>
-          <a:p>
-            <a:pPr marL="0" indent="0">
-              <a:buNone/>
-            </a:pPr>
-            <a:r>
-              <a:rPr lang="ru-RU" sz="2000" dirty="0" smtClean="0">
-                <a:solidFill>
-                  <a:srgbClr val="000000"/>
-                </a:solidFill>
-                <a:latin typeface="Consolas" panose="020B0609020204030204" pitchFamily="49" charset="0"/>
-              </a:rPr>
-              <a:t>{</a:t>
-            </a:r>
-            <a:endParaRPr lang="ru-RU" sz="2000" dirty="0">
-              <a:solidFill>
-                <a:srgbClr val="000000"/>
-              </a:solidFill>
-              <a:latin typeface="Consolas" panose="020B0609020204030204" pitchFamily="49" charset="0"/>
-            </a:endParaRPr>
+              <a:t>())</a:t>
+            </a:r>
           </a:p>
           <a:p>
             <a:pPr marL="0" indent="0">
@@ -19028,44 +19580,6 @@
             <a:r>
               <a:rPr lang="en-US" sz="2000" dirty="0" smtClean="0">
                 <a:solidFill>
-                  <a:srgbClr val="0000FF"/>
-                </a:solidFill>
-                <a:latin typeface="Consolas" panose="020B0609020204030204" pitchFamily="49" charset="0"/>
-              </a:rPr>
-              <a:t>    return</a:t>
-            </a:r>
-            <a:r>
-              <a:rPr lang="en-US" sz="2000" dirty="0" smtClean="0">
-                <a:solidFill>
-                  <a:srgbClr val="000000"/>
-                </a:solidFill>
-                <a:latin typeface="Consolas" panose="020B0609020204030204" pitchFamily="49" charset="0"/>
-              </a:rPr>
-              <a:t> </a:t>
-            </a:r>
-            <a:r>
-              <a:rPr lang="en-US" sz="2000" dirty="0" err="1" smtClean="0">
-                <a:solidFill>
-                  <a:srgbClr val="000000"/>
-                </a:solidFill>
-                <a:latin typeface="Consolas" panose="020B0609020204030204" pitchFamily="49" charset="0"/>
-              </a:rPr>
-              <a:t>BigList</a:t>
-            </a:r>
-            <a:endParaRPr lang="en-US" sz="2000" dirty="0" smtClean="0">
-              <a:solidFill>
-                <a:srgbClr val="000000"/>
-              </a:solidFill>
-              <a:latin typeface="Consolas" panose="020B0609020204030204" pitchFamily="49" charset="0"/>
-            </a:endParaRPr>
-          </a:p>
-          <a:p>
-            <a:pPr marL="0" indent="0">
-              <a:buNone/>
-            </a:pPr>
-            <a:r>
-              <a:rPr lang="en-US" sz="2000" dirty="0" smtClean="0">
-                <a:solidFill>
                   <a:srgbClr val="000000"/>
                 </a:solidFill>
                 <a:latin typeface="Consolas" panose="020B0609020204030204" pitchFamily="49" charset="0"/>
@@ -19073,29 +19587,6 @@
               <a:t>        .</a:t>
             </a:r>
             <a:r>
-              <a:rPr lang="en-US" sz="2000" dirty="0">
-                <a:solidFill>
-                  <a:srgbClr val="000000"/>
-                </a:solidFill>
-                <a:latin typeface="Consolas" panose="020B0609020204030204" pitchFamily="49" charset="0"/>
-              </a:rPr>
-              <a:t>Append(42)</a:t>
-            </a:r>
-          </a:p>
-          <a:p>
-            <a:pPr marL="0" indent="0">
-              <a:buNone/>
-            </a:pPr>
-            <a:r>
-              <a:rPr lang="en-US" sz="2000" dirty="0" smtClean="0">
-                <a:solidFill>
-                  <a:srgbClr val="000000"/>
-                </a:solidFill>
-                <a:latin typeface="Consolas" panose="020B0609020204030204" pitchFamily="49" charset="0"/>
-              </a:rPr>
-              <a:t>        .</a:t>
-            </a:r>
-            <a:r>
               <a:rPr lang="en-US" sz="2000" dirty="0" err="1">
                 <a:solidFill>
                   <a:srgbClr val="000000"/>
@@ -19103,38 +19594,6 @@
                 <a:latin typeface="Consolas" panose="020B0609020204030204" pitchFamily="49" charset="0"/>
               </a:rPr>
               <a:t>ToList</a:t>
-            </a:r>
-            <a:r>
-              <a:rPr lang="en-US" sz="2000" dirty="0">
-                <a:solidFill>
-                  <a:srgbClr val="000000"/>
-                </a:solidFill>
-                <a:latin typeface="Consolas" panose="020B0609020204030204" pitchFamily="49" charset="0"/>
-              </a:rPr>
-              <a:t>()</a:t>
-            </a:r>
-          </a:p>
-          <a:p>
-            <a:pPr marL="0" indent="0">
-              <a:buNone/>
-            </a:pPr>
-            <a:r>
-              <a:rPr lang="en-US" sz="2000" dirty="0" smtClean="0">
-                <a:solidFill>
-                  <a:srgbClr val="000000"/>
-                </a:solidFill>
-                <a:latin typeface="Consolas" panose="020B0609020204030204" pitchFamily="49" charset="0"/>
-              </a:rPr>
-              <a:t>        .</a:t>
-            </a:r>
-            <a:r>
-              <a:rPr lang="en-US" sz="2000" dirty="0" err="1">
-                <a:solidFill>
-                  <a:srgbClr val="000000"/>
-                </a:solidFill>
-                <a:latin typeface="Consolas" panose="020B0609020204030204" pitchFamily="49" charset="0"/>
-              </a:rPr>
-              <a:t>AsReadOnly</a:t>
             </a:r>
             <a:r>
               <a:rPr lang="en-US" sz="2000" dirty="0">
@@ -19165,7 +19624,7 @@
       </p:sp>
       <p:sp>
         <p:nvSpPr>
-          <p:cNvPr id="6" name="Text Placeholder 5"/>
+          <p:cNvPr id="5" name="Text Placeholder 4"/>
           <p:cNvSpPr>
             <a:spLocks noGrp="1"/>
           </p:cNvSpPr>
@@ -19173,12 +19632,7 @@
             <p:ph type="body" sz="quarter" idx="3"/>
           </p:nvPr>
         </p:nvSpPr>
-        <p:spPr>
-          <a:xfrm>
-            <a:off x="5368705" y="1681163"/>
-            <a:ext cx="5986683" cy="823912"/>
-          </a:xfrm>
-        </p:spPr>
+        <p:spPr/>
         <p:txBody>
           <a:bodyPr/>
           <a:lstStyle/>
@@ -19189,7 +19643,7 @@
             </a:r>
             <a:r>
               <a:rPr lang="en-US" b="0" dirty="0"/>
-              <a:t>365.9 ns</a:t>
+              <a:t>276,739.8 ns</a:t>
             </a:r>
             <a:endParaRPr lang="ru-RU" dirty="0"/>
           </a:p>
@@ -19197,7 +19651,7 @@
       </p:sp>
       <p:sp>
         <p:nvSpPr>
-          <p:cNvPr id="7" name="Content Placeholder 6"/>
+          <p:cNvPr id="6" name="Content Placeholder 5"/>
           <p:cNvSpPr>
             <a:spLocks noGrp="1"/>
           </p:cNvSpPr>
@@ -19205,12 +19659,7 @@
             <p:ph sz="quarter" idx="4"/>
           </p:nvPr>
         </p:nvSpPr>
-        <p:spPr>
-          <a:xfrm>
-            <a:off x="5368705" y="2505075"/>
-            <a:ext cx="5986683" cy="3684588"/>
-          </a:xfrm>
-        </p:spPr>
+        <p:spPr/>
         <p:txBody>
           <a:bodyPr>
             <a:normAutofit/>
@@ -19268,7 +19717,7 @@
                 </a:solidFill>
                 <a:latin typeface="Consolas" panose="020B0609020204030204" pitchFamily="49" charset="0"/>
               </a:rPr>
-              <a:t>ImmutableList_Add</a:t>
+              <a:t>ImmutableList_Select</a:t>
             </a:r>
             <a:r>
               <a:rPr lang="en-US" sz="2000" dirty="0">
@@ -19358,7 +19807,75 @@
                 </a:solidFill>
                 <a:latin typeface="Consolas" panose="020B0609020204030204" pitchFamily="49" charset="0"/>
               </a:rPr>
-              <a:t>Add(42);</a:t>
+              <a:t>Select(</a:t>
+            </a:r>
+            <a:r>
+              <a:rPr lang="en-US" sz="2000" dirty="0" err="1">
+                <a:solidFill>
+                  <a:srgbClr val="000000"/>
+                </a:solidFill>
+                <a:latin typeface="Consolas" panose="020B0609020204030204" pitchFamily="49" charset="0"/>
+              </a:rPr>
+              <a:t>i</a:t>
+            </a:r>
+            <a:r>
+              <a:rPr lang="en-US" sz="2000" dirty="0">
+                <a:solidFill>
+                  <a:srgbClr val="000000"/>
+                </a:solidFill>
+                <a:latin typeface="Consolas" panose="020B0609020204030204" pitchFamily="49" charset="0"/>
+              </a:rPr>
+              <a:t> =&gt; </a:t>
+            </a:r>
+            <a:r>
+              <a:rPr lang="en-US" sz="2000" dirty="0" err="1">
+                <a:solidFill>
+                  <a:srgbClr val="000000"/>
+                </a:solidFill>
+                <a:latin typeface="Consolas" panose="020B0609020204030204" pitchFamily="49" charset="0"/>
+              </a:rPr>
+              <a:t>i.ToString</a:t>
+            </a:r>
+            <a:r>
+              <a:rPr lang="en-US" sz="2000" dirty="0">
+                <a:solidFill>
+                  <a:srgbClr val="000000"/>
+                </a:solidFill>
+                <a:latin typeface="Consolas" panose="020B0609020204030204" pitchFamily="49" charset="0"/>
+              </a:rPr>
+              <a:t>())</a:t>
+            </a:r>
+          </a:p>
+          <a:p>
+            <a:pPr marL="0" indent="0">
+              <a:buNone/>
+            </a:pPr>
+            <a:r>
+              <a:rPr lang="en-US" sz="2000" dirty="0" smtClean="0">
+                <a:solidFill>
+                  <a:srgbClr val="000000"/>
+                </a:solidFill>
+                <a:latin typeface="Consolas" panose="020B0609020204030204" pitchFamily="49" charset="0"/>
+              </a:rPr>
+              <a:t>        .</a:t>
+            </a:r>
+            <a:r>
+              <a:rPr lang="en-US" sz="2000" dirty="0" err="1">
+                <a:solidFill>
+                  <a:srgbClr val="000000"/>
+                </a:solidFill>
+                <a:latin typeface="Consolas" panose="020B0609020204030204" pitchFamily="49" charset="0"/>
+              </a:rPr>
+              <a:t>ToImmutableList</a:t>
+            </a:r>
+            <a:r>
+              <a:rPr lang="en-US" sz="2000" dirty="0">
+                <a:solidFill>
+                  <a:srgbClr val="000000"/>
+                </a:solidFill>
+                <a:latin typeface="Consolas" panose="020B0609020204030204" pitchFamily="49" charset="0"/>
+              </a:rPr>
+              <a:t>();</a:t>
             </a:r>
           </a:p>
           <a:p>
@@ -19381,7 +19898,7 @@
     </p:spTree>
     <p:extLst>
       <p:ext uri="{BB962C8B-B14F-4D97-AF65-F5344CB8AC3E}">
-        <p14:creationId xmlns:p14="http://schemas.microsoft.com/office/powerpoint/2010/main" val="668232325"/>
+        <p14:creationId xmlns:p14="http://schemas.microsoft.com/office/powerpoint/2010/main" val="2198830094"/>
       </p:ext>
     </p:extLst>
   </p:cSld>
@@ -19417,13 +19934,7 @@
       </p:grpSpPr>
       <p:sp>
         <p:nvSpPr>
-          <p:cNvPr id="2" name="Title 1">
-            <a:extLst>
-              <a:ext uri="{FF2B5EF4-FFF2-40B4-BE49-F238E27FC236}">
-                <a16:creationId xmlns:a16="http://schemas.microsoft.com/office/drawing/2014/main" id="{F66AF39F-04D1-4094-93E2-09A9A35F270B}"/>
-              </a:ext>
-            </a:extLst>
-          </p:cNvPr>
+          <p:cNvPr id="2" name="Title 1"/>
           <p:cNvSpPr>
             <a:spLocks noGrp="1"/>
           </p:cNvSpPr>
@@ -19437,21 +19948,16 @@
           <a:lstStyle/>
           <a:p>
             <a:r>
-              <a:rPr lang="en-US" dirty="0"/>
-              <a:t>Former presentations and articles</a:t>
-            </a:r>
+              <a:rPr lang="en-US" dirty="0" smtClean="0"/>
+              <a:t>Plan</a:t>
+            </a:r>
+            <a:endParaRPr lang="ru-RU" dirty="0"/>
           </a:p>
         </p:txBody>
       </p:sp>
       <p:sp>
         <p:nvSpPr>
-          <p:cNvPr id="3" name="Content Placeholder 2">
-            <a:extLst>
-              <a:ext uri="{FF2B5EF4-FFF2-40B4-BE49-F238E27FC236}">
-                <a16:creationId xmlns:a16="http://schemas.microsoft.com/office/drawing/2014/main" id="{6E523FEB-84AF-48BB-A70D-77BD175EC20E}"/>
-              </a:ext>
-            </a:extLst>
-          </p:cNvPr>
+          <p:cNvPr id="3" name="Content Placeholder 2"/>
           <p:cNvSpPr>
             <a:spLocks noGrp="1"/>
           </p:cNvSpPr>
@@ -19465,63 +19971,37 @@
           <a:lstStyle/>
           <a:p>
             <a:r>
-              <a:rPr lang="en-US" dirty="0"/>
-              <a:t>Jon Skeet — The changing state of immutability C#</a:t>
-            </a:r>
-          </a:p>
-          <a:p>
-            <a:r>
-              <a:rPr lang="en-US" dirty="0" err="1"/>
-              <a:t>Msdn</a:t>
-            </a:r>
-            <a:r>
-              <a:rPr lang="en-US" dirty="0"/>
-              <a:t> blog:</a:t>
-            </a:r>
-          </a:p>
-          <a:p>
-            <a:pPr lvl="1"/>
-            <a:r>
-              <a:rPr lang="en-US" dirty="0"/>
-              <a:t>Immutability in C# Part One</a:t>
-            </a:r>
-          </a:p>
-          <a:p>
-            <a:pPr lvl="1"/>
-            <a:r>
-              <a:rPr lang="en-US" dirty="0"/>
-              <a:t>Immutability in C# Part Two</a:t>
-            </a:r>
-          </a:p>
-          <a:p>
-            <a:r>
-              <a:rPr lang="en-US" dirty="0"/>
-              <a:t>Immutable Objects in C# | Pluralsight</a:t>
-            </a:r>
-          </a:p>
-          <a:p>
-            <a:r>
-              <a:rPr lang="en-US" dirty="0"/>
-              <a:t>Google: “</a:t>
-            </a:r>
-            <a:r>
-              <a:rPr lang="en-US" dirty="0" err="1"/>
-              <a:t>c#</a:t>
-            </a:r>
-            <a:r>
-              <a:rPr lang="en-US" dirty="0"/>
-              <a:t> immutability”</a:t>
-            </a:r>
-          </a:p>
-          <a:p>
-            <a:endParaRPr lang="en-US" dirty="0"/>
+              <a:rPr lang="en-US" dirty="0" smtClean="0"/>
+              <a:t>Advantages of using immutable entities and collections</a:t>
+            </a:r>
+          </a:p>
+          <a:p>
+            <a:r>
+              <a:rPr lang="en-US" dirty="0" smtClean="0"/>
+              <a:t>Techniques to make entities immutable</a:t>
+            </a:r>
+          </a:p>
+          <a:p>
+            <a:r>
+              <a:rPr lang="en-US" dirty="0" smtClean="0"/>
+              <a:t>How to make changes to immutable entity</a:t>
+            </a:r>
+          </a:p>
+          <a:p>
+            <a:r>
+              <a:rPr lang="en-US" dirty="0" smtClean="0"/>
+              <a:t>Myths about immutable collections</a:t>
+            </a:r>
+          </a:p>
+          <a:p>
+            <a:endParaRPr lang="ru-RU" dirty="0"/>
           </a:p>
         </p:txBody>
       </p:sp>
     </p:spTree>
     <p:extLst>
       <p:ext uri="{BB962C8B-B14F-4D97-AF65-F5344CB8AC3E}">
-        <p14:creationId xmlns:p14="http://schemas.microsoft.com/office/powerpoint/2010/main" val="290849336"/>
+        <p14:creationId xmlns:p14="http://schemas.microsoft.com/office/powerpoint/2010/main" val="538256183"/>
       </p:ext>
     </p:extLst>
   </p:cSld>
@@ -19565,7 +20045,7 @@
           <a:p>
             <a:r>
               <a:rPr lang="en-US" dirty="0" smtClean="0"/>
-              <a:t>Benchmark: Select</a:t>
+              <a:t>Benchmark: Where</a:t>
             </a:r>
             <a:endParaRPr lang="ru-RU" dirty="0"/>
           </a:p>
@@ -19592,7 +20072,7 @@
             </a:r>
             <a:r>
               <a:rPr lang="en-US" b="0" dirty="0"/>
-              <a:t>133,267.5 ns</a:t>
+              <a:t>3,990.8 ns</a:t>
             </a:r>
             <a:r>
               <a:rPr lang="en-US" dirty="0" smtClean="0"/>
@@ -19670,7 +20150,7 @@
                 </a:solidFill>
                 <a:latin typeface="Consolas" panose="020B0609020204030204" pitchFamily="49" charset="0"/>
               </a:rPr>
-              <a:t>List_Select</a:t>
+              <a:t>List_Where</a:t>
             </a:r>
             <a:r>
               <a:rPr lang="en-US" sz="2000" dirty="0">
@@ -19760,7 +20240,7 @@
                 </a:solidFill>
                 <a:latin typeface="Consolas" panose="020B0609020204030204" pitchFamily="49" charset="0"/>
               </a:rPr>
-              <a:t>Select(</a:t>
+              <a:t>Where(</a:t>
             </a:r>
             <a:r>
               <a:rPr lang="en-US" sz="2000" dirty="0" err="1">
@@ -19778,16 +20258,7 @@
                 </a:solidFill>
                 <a:latin typeface="Consolas" panose="020B0609020204030204" pitchFamily="49" charset="0"/>
               </a:rPr>
-              <a:t> </a:t>
-            </a:r>
-            <a:r>
-              <a:rPr lang="en-US" sz="2000" dirty="0" smtClean="0">
-                <a:solidFill>
-                  <a:srgbClr val="000000"/>
-                </a:solidFill>
-                <a:latin typeface="Consolas" panose="020B0609020204030204" pitchFamily="49" charset="0"/>
-              </a:rPr>
-              <a:t>=&gt; </a:t>
+              <a:t> =&gt; </a:t>
             </a:r>
             <a:r>
               <a:rPr lang="en-US" sz="2000" dirty="0" err="1">
@@ -19796,7 +20267,7 @@
                 </a:solidFill>
                 <a:latin typeface="Consolas" panose="020B0609020204030204" pitchFamily="49" charset="0"/>
               </a:rPr>
-              <a:t>i.ToString</a:t>
+              <a:t>i</a:t>
             </a:r>
             <a:r>
               <a:rPr lang="en-US" sz="2000" dirty="0">
@@ -19805,7 +20276,7 @@
                 </a:solidFill>
                 <a:latin typeface="Consolas" panose="020B0609020204030204" pitchFamily="49" charset="0"/>
               </a:rPr>
-              <a:t>())</a:t>
+              <a:t> &lt; 100)</a:t>
             </a:r>
           </a:p>
           <a:p>
@@ -19878,7 +20349,7 @@
             </a:r>
             <a:r>
               <a:rPr lang="en-US" b="0" dirty="0"/>
-              <a:t>276,739.8 ns</a:t>
+              <a:t>74,251.9 ns</a:t>
             </a:r>
             <a:endParaRPr lang="ru-RU" dirty="0"/>
           </a:p>
@@ -19952,7 +20423,7 @@
                 </a:solidFill>
                 <a:latin typeface="Consolas" panose="020B0609020204030204" pitchFamily="49" charset="0"/>
               </a:rPr>
-              <a:t>ImmutableList_Select</a:t>
+              <a:t>ImmutableList_Where</a:t>
             </a:r>
             <a:r>
               <a:rPr lang="en-US" sz="2000" dirty="0">
@@ -20042,7 +20513,7 @@
                 </a:solidFill>
                 <a:latin typeface="Consolas" panose="020B0609020204030204" pitchFamily="49" charset="0"/>
               </a:rPr>
-              <a:t>Select(</a:t>
+              <a:t>Where(</a:t>
             </a:r>
             <a:r>
               <a:rPr lang="en-US" sz="2000" dirty="0" err="1">
@@ -20069,7 +20540,7 @@
                 </a:solidFill>
                 <a:latin typeface="Consolas" panose="020B0609020204030204" pitchFamily="49" charset="0"/>
               </a:rPr>
-              <a:t>i.ToString</a:t>
+              <a:t>i</a:t>
             </a:r>
             <a:r>
               <a:rPr lang="en-US" sz="2000" dirty="0">
@@ -20078,13 +20549,8 @@
                 </a:solidFill>
                 <a:latin typeface="Consolas" panose="020B0609020204030204" pitchFamily="49" charset="0"/>
               </a:rPr>
-              <a:t>())</a:t>
-            </a:r>
-          </a:p>
-          <a:p>
-            <a:pPr marL="0" indent="0">
-              <a:buNone/>
-            </a:pPr>
+              <a:t> &lt; 100</a:t>
+            </a:r>
             <a:r>
               <a:rPr lang="en-US" sz="2000" dirty="0" smtClean="0">
                 <a:solidFill>
@@ -20092,7 +20558,30 @@
                 </a:solidFill>
                 <a:latin typeface="Consolas" panose="020B0609020204030204" pitchFamily="49" charset="0"/>
               </a:rPr>
-              <a:t>        .</a:t>
+              <a:t>)</a:t>
+            </a:r>
+          </a:p>
+          <a:p>
+            <a:pPr marL="0" indent="0">
+              <a:buNone/>
+            </a:pPr>
+            <a:r>
+              <a:rPr lang="en-US" sz="2000" dirty="0">
+                <a:solidFill>
+                  <a:srgbClr val="000000"/>
+                </a:solidFill>
+                <a:latin typeface="Consolas" panose="020B0609020204030204" pitchFamily="49" charset="0"/>
+              </a:rPr>
+              <a:t> </a:t>
+            </a:r>
+            <a:r>
+              <a:rPr lang="en-US" sz="2000" dirty="0" smtClean="0">
+                <a:solidFill>
+                  <a:srgbClr val="000000"/>
+                </a:solidFill>
+                <a:latin typeface="Consolas" panose="020B0609020204030204" pitchFamily="49" charset="0"/>
+              </a:rPr>
+              <a:t>       .</a:t>
             </a:r>
             <a:r>
               <a:rPr lang="en-US" sz="2000" dirty="0" err="1">
@@ -20133,7 +20622,7 @@
     </p:spTree>
     <p:extLst>
       <p:ext uri="{BB962C8B-B14F-4D97-AF65-F5344CB8AC3E}">
-        <p14:creationId xmlns:p14="http://schemas.microsoft.com/office/powerpoint/2010/main" val="2198830094"/>
+        <p14:creationId xmlns:p14="http://schemas.microsoft.com/office/powerpoint/2010/main" val="4281887182"/>
       </p:ext>
     </p:extLst>
   </p:cSld>
@@ -20184,7 +20673,7 @@
           <a:p>
             <a:r>
               <a:rPr lang="en-US" dirty="0" smtClean="0"/>
-              <a:t>Benchmark: Where</a:t>
+              <a:t>Benchmark: Dictionary Get</a:t>
             </a:r>
             <a:endParaRPr lang="ru-RU" dirty="0"/>
           </a:p>
@@ -20211,11 +20700,7 @@
             </a:r>
             <a:r>
               <a:rPr lang="en-US" b="0" dirty="0"/>
-              <a:t>3,990.8 ns</a:t>
-            </a:r>
-            <a:r>
-              <a:rPr lang="en-US" dirty="0" smtClean="0"/>
-              <a:t> </a:t>
+              <a:t>20.47 ns</a:t>
             </a:r>
             <a:endParaRPr lang="ru-RU" dirty="0"/>
           </a:p>
@@ -20289,7 +20774,7 @@
                 </a:solidFill>
                 <a:latin typeface="Consolas" panose="020B0609020204030204" pitchFamily="49" charset="0"/>
               </a:rPr>
-              <a:t>List_Where</a:t>
+              <a:t>Dictianary_Get</a:t>
             </a:r>
             <a:r>
               <a:rPr lang="en-US" sz="2000" dirty="0">
@@ -20344,110 +20829,13 @@
               <a:t> </a:t>
             </a:r>
             <a:r>
-              <a:rPr lang="en-US" sz="2000" dirty="0" err="1">
-                <a:solidFill>
-                  <a:srgbClr val="000000"/>
-                </a:solidFill>
-                <a:latin typeface="Consolas" panose="020B0609020204030204" pitchFamily="49" charset="0"/>
-              </a:rPr>
-              <a:t>BigList</a:t>
-            </a:r>
-            <a:endParaRPr lang="en-US" sz="2000" dirty="0">
-              <a:solidFill>
-                <a:srgbClr val="000000"/>
-              </a:solidFill>
-              <a:latin typeface="Consolas" panose="020B0609020204030204" pitchFamily="49" charset="0"/>
-            </a:endParaRPr>
-          </a:p>
-          <a:p>
-            <a:pPr marL="0" indent="0">
-              <a:buNone/>
-            </a:pPr>
-            <a:r>
-              <a:rPr lang="en-US" sz="2000" dirty="0" smtClean="0">
-                <a:solidFill>
-                  <a:srgbClr val="000000"/>
-                </a:solidFill>
-                <a:latin typeface="Consolas" panose="020B0609020204030204" pitchFamily="49" charset="0"/>
-              </a:rPr>
-              <a:t>        .</a:t>
-            </a:r>
-            <a:r>
               <a:rPr lang="en-US" sz="2000" dirty="0">
                 <a:solidFill>
                   <a:srgbClr val="000000"/>
                 </a:solidFill>
                 <a:latin typeface="Consolas" panose="020B0609020204030204" pitchFamily="49" charset="0"/>
               </a:rPr>
-              <a:t>Where(</a:t>
-            </a:r>
-            <a:r>
-              <a:rPr lang="en-US" sz="2000" dirty="0" err="1">
-                <a:solidFill>
-                  <a:srgbClr val="000000"/>
-                </a:solidFill>
-                <a:latin typeface="Consolas" panose="020B0609020204030204" pitchFamily="49" charset="0"/>
-              </a:rPr>
-              <a:t>i</a:t>
-            </a:r>
-            <a:r>
-              <a:rPr lang="en-US" sz="2000" dirty="0">
-                <a:solidFill>
-                  <a:srgbClr val="000000"/>
-                </a:solidFill>
-                <a:latin typeface="Consolas" panose="020B0609020204030204" pitchFamily="49" charset="0"/>
-              </a:rPr>
-              <a:t> =&gt; </a:t>
-            </a:r>
-            <a:r>
-              <a:rPr lang="en-US" sz="2000" dirty="0" err="1">
-                <a:solidFill>
-                  <a:srgbClr val="000000"/>
-                </a:solidFill>
-                <a:latin typeface="Consolas" panose="020B0609020204030204" pitchFamily="49" charset="0"/>
-              </a:rPr>
-              <a:t>i</a:t>
-            </a:r>
-            <a:r>
-              <a:rPr lang="en-US" sz="2000" dirty="0">
-                <a:solidFill>
-                  <a:srgbClr val="000000"/>
-                </a:solidFill>
-                <a:latin typeface="Consolas" panose="020B0609020204030204" pitchFamily="49" charset="0"/>
-              </a:rPr>
-              <a:t> &lt; 100)</a:t>
-            </a:r>
-          </a:p>
-          <a:p>
-            <a:pPr marL="0" indent="0">
-              <a:buNone/>
-            </a:pPr>
-            <a:r>
-              <a:rPr lang="en-US" sz="2000" dirty="0" smtClean="0">
-                <a:solidFill>
-                  <a:srgbClr val="000000"/>
-                </a:solidFill>
-                <a:latin typeface="Consolas" panose="020B0609020204030204" pitchFamily="49" charset="0"/>
-              </a:rPr>
-              <a:t>        .</a:t>
-            </a:r>
-            <a:r>
-              <a:rPr lang="en-US" sz="2000" dirty="0" err="1">
-                <a:solidFill>
-                  <a:srgbClr val="000000"/>
-                </a:solidFill>
-                <a:latin typeface="Consolas" panose="020B0609020204030204" pitchFamily="49" charset="0"/>
-              </a:rPr>
-              <a:t>ToList</a:t>
-            </a:r>
-            <a:r>
-              <a:rPr lang="en-US" sz="2000" dirty="0">
-                <a:solidFill>
-                  <a:srgbClr val="000000"/>
-                </a:solidFill>
-                <a:latin typeface="Consolas" panose="020B0609020204030204" pitchFamily="49" charset="0"/>
-              </a:rPr>
-              <a:t>();</a:t>
+              <a:t>Big[42];</a:t>
             </a:r>
           </a:p>
           <a:p>
@@ -20488,7 +20876,11 @@
             </a:r>
             <a:r>
               <a:rPr lang="en-US" b="0" dirty="0"/>
-              <a:t>74,251.9 ns</a:t>
+              <a:t>109.25 ns</a:t>
+            </a:r>
+            <a:r>
+              <a:rPr lang="en-US" dirty="0" smtClean="0"/>
+              <a:t> </a:t>
             </a:r>
             <a:endParaRPr lang="ru-RU" dirty="0"/>
           </a:p>
@@ -20556,13 +20948,13 @@
               <a:t> </a:t>
             </a:r>
             <a:r>
-              <a:rPr lang="en-US" sz="2000" dirty="0" err="1" smtClean="0">
-                <a:solidFill>
-                  <a:srgbClr val="000000"/>
-                </a:solidFill>
-                <a:latin typeface="Consolas" panose="020B0609020204030204" pitchFamily="49" charset="0"/>
-              </a:rPr>
-              <a:t>ImmutableList_Where</a:t>
+              <a:rPr lang="en-US" sz="2000" dirty="0" err="1">
+                <a:solidFill>
+                  <a:srgbClr val="000000"/>
+                </a:solidFill>
+                <a:latin typeface="Consolas" panose="020B0609020204030204" pitchFamily="49" charset="0"/>
+              </a:rPr>
+              <a:t>ImmutablDictionary_Get</a:t>
             </a:r>
             <a:r>
               <a:rPr lang="en-US" sz="2000" dirty="0">
@@ -20623,27 +21015,7 @@
                 </a:solidFill>
                 <a:latin typeface="Consolas" panose="020B0609020204030204" pitchFamily="49" charset="0"/>
               </a:rPr>
-              <a:t>BigImmutableList</a:t>
-            </a:r>
-            <a:endParaRPr lang="en-US" sz="2000" dirty="0">
-              <a:solidFill>
-                <a:srgbClr val="000000"/>
-              </a:solidFill>
-              <a:latin typeface="Consolas" panose="020B0609020204030204" pitchFamily="49" charset="0"/>
-            </a:endParaRPr>
-          </a:p>
-          <a:p>
-            <a:pPr marL="0" indent="0">
-              <a:buNone/>
-            </a:pPr>
-            <a:r>
-              <a:rPr lang="en-US" sz="2000" dirty="0" smtClean="0">
-                <a:solidFill>
-                  <a:srgbClr val="000000"/>
-                </a:solidFill>
-                <a:latin typeface="Consolas" panose="020B0609020204030204" pitchFamily="49" charset="0"/>
-              </a:rPr>
-              <a:t>        .</a:t>
+              <a:t>BigImmutable</a:t>
             </a:r>
             <a:r>
               <a:rPr lang="en-US" sz="2000" dirty="0">
@@ -20652,93 +21024,7 @@
                 </a:solidFill>
                 <a:latin typeface="Consolas" panose="020B0609020204030204" pitchFamily="49" charset="0"/>
               </a:rPr>
-              <a:t>Where(</a:t>
-            </a:r>
-            <a:r>
-              <a:rPr lang="en-US" sz="2000" dirty="0" err="1">
-                <a:solidFill>
-                  <a:srgbClr val="000000"/>
-                </a:solidFill>
-                <a:latin typeface="Consolas" panose="020B0609020204030204" pitchFamily="49" charset="0"/>
-              </a:rPr>
-              <a:t>i</a:t>
-            </a:r>
-            <a:r>
-              <a:rPr lang="en-US" sz="2000" dirty="0">
-                <a:solidFill>
-                  <a:srgbClr val="000000"/>
-                </a:solidFill>
-                <a:latin typeface="Consolas" panose="020B0609020204030204" pitchFamily="49" charset="0"/>
-              </a:rPr>
-              <a:t> =&gt; </a:t>
-            </a:r>
-            <a:r>
-              <a:rPr lang="en-US" sz="2000" dirty="0" err="1">
-                <a:solidFill>
-                  <a:srgbClr val="000000"/>
-                </a:solidFill>
-                <a:latin typeface="Consolas" panose="020B0609020204030204" pitchFamily="49" charset="0"/>
-              </a:rPr>
-              <a:t>i</a:t>
-            </a:r>
-            <a:r>
-              <a:rPr lang="en-US" sz="2000" dirty="0">
-                <a:solidFill>
-                  <a:srgbClr val="000000"/>
-                </a:solidFill>
-                <a:latin typeface="Consolas" panose="020B0609020204030204" pitchFamily="49" charset="0"/>
-              </a:rPr>
-              <a:t> &lt; 100</a:t>
-            </a:r>
-            <a:r>
-              <a:rPr lang="en-US" sz="2000" dirty="0" smtClean="0">
-                <a:solidFill>
-                  <a:srgbClr val="000000"/>
-                </a:solidFill>
-                <a:latin typeface="Consolas" panose="020B0609020204030204" pitchFamily="49" charset="0"/>
-              </a:rPr>
-              <a:t>)</a:t>
-            </a:r>
-          </a:p>
-          <a:p>
-            <a:pPr marL="0" indent="0">
-              <a:buNone/>
-            </a:pPr>
-            <a:r>
-              <a:rPr lang="en-US" sz="2000" dirty="0">
-                <a:solidFill>
-                  <a:srgbClr val="000000"/>
-                </a:solidFill>
-                <a:latin typeface="Consolas" panose="020B0609020204030204" pitchFamily="49" charset="0"/>
-              </a:rPr>
-              <a:t> </a:t>
-            </a:r>
-            <a:r>
-              <a:rPr lang="en-US" sz="2000" dirty="0" smtClean="0">
-                <a:solidFill>
-                  <a:srgbClr val="000000"/>
-                </a:solidFill>
-                <a:latin typeface="Consolas" panose="020B0609020204030204" pitchFamily="49" charset="0"/>
-              </a:rPr>
-              <a:t>       .</a:t>
-            </a:r>
-            <a:r>
-              <a:rPr lang="en-US" sz="2000" dirty="0" err="1">
-                <a:solidFill>
-                  <a:srgbClr val="000000"/>
-                </a:solidFill>
-                <a:latin typeface="Consolas" panose="020B0609020204030204" pitchFamily="49" charset="0"/>
-              </a:rPr>
-              <a:t>ToImmutableList</a:t>
-            </a:r>
-            <a:r>
-              <a:rPr lang="en-US" sz="2000" dirty="0">
-                <a:solidFill>
-                  <a:srgbClr val="000000"/>
-                </a:solidFill>
-                <a:latin typeface="Consolas" panose="020B0609020204030204" pitchFamily="49" charset="0"/>
-              </a:rPr>
-              <a:t>();</a:t>
+              <a:t>[42];</a:t>
             </a:r>
           </a:p>
           <a:p>
@@ -20761,7 +21047,7 @@
     </p:spTree>
     <p:extLst>
       <p:ext uri="{BB962C8B-B14F-4D97-AF65-F5344CB8AC3E}">
-        <p14:creationId xmlns:p14="http://schemas.microsoft.com/office/powerpoint/2010/main" val="4281887182"/>
+        <p14:creationId xmlns:p14="http://schemas.microsoft.com/office/powerpoint/2010/main" val="3846966769"/>
       </p:ext>
     </p:extLst>
   </p:cSld>
@@ -20812,431 +21098,6 @@
           <a:p>
             <a:r>
               <a:rPr lang="en-US" dirty="0" smtClean="0"/>
-              <a:t>Benchmark: Dictionary Get</a:t>
-            </a:r>
-            <a:endParaRPr lang="ru-RU" dirty="0"/>
-          </a:p>
-        </p:txBody>
-      </p:sp>
-      <p:sp>
-        <p:nvSpPr>
-          <p:cNvPr id="3" name="Text Placeholder 2"/>
-          <p:cNvSpPr>
-            <a:spLocks noGrp="1"/>
-          </p:cNvSpPr>
-          <p:nvPr>
-            <p:ph type="body" idx="1"/>
-          </p:nvPr>
-        </p:nvSpPr>
-        <p:spPr/>
-        <p:txBody>
-          <a:bodyPr/>
-          <a:lstStyle/>
-          <a:p>
-            <a:r>
-              <a:rPr lang="en-US" dirty="0" smtClean="0"/>
-              <a:t>Mean: </a:t>
-            </a:r>
-            <a:r>
-              <a:rPr lang="en-US" b="0" dirty="0"/>
-              <a:t>20.47 ns</a:t>
-            </a:r>
-            <a:endParaRPr lang="ru-RU" dirty="0"/>
-          </a:p>
-        </p:txBody>
-      </p:sp>
-      <p:sp>
-        <p:nvSpPr>
-          <p:cNvPr id="4" name="Content Placeholder 3"/>
-          <p:cNvSpPr>
-            <a:spLocks noGrp="1"/>
-          </p:cNvSpPr>
-          <p:nvPr>
-            <p:ph sz="half" idx="2"/>
-          </p:nvPr>
-        </p:nvSpPr>
-        <p:spPr/>
-        <p:txBody>
-          <a:bodyPr>
-            <a:normAutofit/>
-          </a:bodyPr>
-          <a:lstStyle/>
-          <a:p>
-            <a:pPr marL="0" indent="0">
-              <a:buNone/>
-            </a:pPr>
-            <a:r>
-              <a:rPr lang="en-US" sz="2000" dirty="0" smtClean="0">
-                <a:solidFill>
-                  <a:srgbClr val="000000"/>
-                </a:solidFill>
-                <a:latin typeface="Consolas" panose="020B0609020204030204" pitchFamily="49" charset="0"/>
-              </a:rPr>
-              <a:t>[</a:t>
-            </a:r>
-            <a:r>
-              <a:rPr lang="en-US" sz="2000" dirty="0">
-                <a:solidFill>
-                  <a:srgbClr val="000000"/>
-                </a:solidFill>
-                <a:latin typeface="Consolas" panose="020B0609020204030204" pitchFamily="49" charset="0"/>
-              </a:rPr>
-              <a:t>Benchmark]</a:t>
-            </a:r>
-          </a:p>
-          <a:p>
-            <a:pPr marL="0" indent="0">
-              <a:buNone/>
-            </a:pPr>
-            <a:r>
-              <a:rPr lang="en-US" sz="2000" dirty="0" smtClean="0">
-                <a:solidFill>
-                  <a:srgbClr val="0000FF"/>
-                </a:solidFill>
-                <a:latin typeface="Consolas" panose="020B0609020204030204" pitchFamily="49" charset="0"/>
-              </a:rPr>
-              <a:t>object</a:t>
-            </a:r>
-            <a:r>
-              <a:rPr lang="en-US" sz="2000" dirty="0" smtClean="0">
-                <a:solidFill>
-                  <a:srgbClr val="000000"/>
-                </a:solidFill>
-                <a:latin typeface="Consolas" panose="020B0609020204030204" pitchFamily="49" charset="0"/>
-              </a:rPr>
-              <a:t> </a:t>
-            </a:r>
-            <a:r>
-              <a:rPr lang="en-US" sz="2000" dirty="0" err="1">
-                <a:solidFill>
-                  <a:srgbClr val="000000"/>
-                </a:solidFill>
-                <a:latin typeface="Consolas" panose="020B0609020204030204" pitchFamily="49" charset="0"/>
-              </a:rPr>
-              <a:t>Dictianary_Get</a:t>
-            </a:r>
-            <a:r>
-              <a:rPr lang="en-US" sz="2000" dirty="0">
-                <a:solidFill>
-                  <a:srgbClr val="000000"/>
-                </a:solidFill>
-                <a:latin typeface="Consolas" panose="020B0609020204030204" pitchFamily="49" charset="0"/>
-              </a:rPr>
-              <a:t>()</a:t>
-            </a:r>
-          </a:p>
-          <a:p>
-            <a:pPr marL="0" indent="0">
-              <a:buNone/>
-            </a:pPr>
-            <a:r>
-              <a:rPr lang="ru-RU" sz="2000" dirty="0" smtClean="0">
-                <a:solidFill>
-                  <a:srgbClr val="000000"/>
-                </a:solidFill>
-                <a:latin typeface="Consolas" panose="020B0609020204030204" pitchFamily="49" charset="0"/>
-              </a:rPr>
-              <a:t>{</a:t>
-            </a:r>
-            <a:endParaRPr lang="ru-RU" sz="2000" dirty="0">
-              <a:solidFill>
-                <a:srgbClr val="000000"/>
-              </a:solidFill>
-              <a:latin typeface="Consolas" panose="020B0609020204030204" pitchFamily="49" charset="0"/>
-            </a:endParaRPr>
-          </a:p>
-          <a:p>
-            <a:pPr marL="0" indent="0">
-              <a:buNone/>
-            </a:pPr>
-            <a:r>
-              <a:rPr lang="en-US" sz="2000" dirty="0" smtClean="0">
-                <a:solidFill>
-                  <a:srgbClr val="0000FF"/>
-                </a:solidFill>
-                <a:latin typeface="Consolas" panose="020B0609020204030204" pitchFamily="49" charset="0"/>
-              </a:rPr>
-              <a:t>    return</a:t>
-            </a:r>
-            <a:r>
-              <a:rPr lang="en-US" sz="2000" dirty="0" smtClean="0">
-                <a:solidFill>
-                  <a:srgbClr val="000000"/>
-                </a:solidFill>
-                <a:latin typeface="Consolas" panose="020B0609020204030204" pitchFamily="49" charset="0"/>
-              </a:rPr>
-              <a:t> </a:t>
-            </a:r>
-            <a:r>
-              <a:rPr lang="en-US" sz="2000" dirty="0">
-                <a:solidFill>
-                  <a:srgbClr val="000000"/>
-                </a:solidFill>
-                <a:latin typeface="Consolas" panose="020B0609020204030204" pitchFamily="49" charset="0"/>
-              </a:rPr>
-              <a:t>Big[42];</a:t>
-            </a:r>
-          </a:p>
-          <a:p>
-            <a:pPr marL="0" indent="0">
-              <a:buNone/>
-            </a:pPr>
-            <a:r>
-              <a:rPr lang="ru-RU" sz="2000" dirty="0" smtClean="0">
-                <a:solidFill>
-                  <a:srgbClr val="000000"/>
-                </a:solidFill>
-                <a:latin typeface="Consolas" panose="020B0609020204030204" pitchFamily="49" charset="0"/>
-              </a:rPr>
-              <a:t>}</a:t>
-            </a:r>
-            <a:endParaRPr lang="ru-RU" sz="2000" dirty="0"/>
-          </a:p>
-        </p:txBody>
-      </p:sp>
-      <p:sp>
-        <p:nvSpPr>
-          <p:cNvPr id="5" name="Text Placeholder 4"/>
-          <p:cNvSpPr>
-            <a:spLocks noGrp="1"/>
-          </p:cNvSpPr>
-          <p:nvPr>
-            <p:ph type="body" sz="quarter" idx="3"/>
-          </p:nvPr>
-        </p:nvSpPr>
-        <p:spPr/>
-        <p:txBody>
-          <a:bodyPr/>
-          <a:lstStyle/>
-          <a:p>
-            <a:r>
-              <a:rPr lang="en-US" dirty="0" smtClean="0"/>
-              <a:t>Mean: </a:t>
-            </a:r>
-            <a:r>
-              <a:rPr lang="en-US" b="0" dirty="0"/>
-              <a:t>109.25 ns</a:t>
-            </a:r>
-            <a:r>
-              <a:rPr lang="en-US" dirty="0" smtClean="0"/>
-              <a:t> </a:t>
-            </a:r>
-            <a:endParaRPr lang="ru-RU" dirty="0"/>
-          </a:p>
-        </p:txBody>
-      </p:sp>
-      <p:sp>
-        <p:nvSpPr>
-          <p:cNvPr id="6" name="Content Placeholder 5"/>
-          <p:cNvSpPr>
-            <a:spLocks noGrp="1"/>
-          </p:cNvSpPr>
-          <p:nvPr>
-            <p:ph sz="quarter" idx="4"/>
-          </p:nvPr>
-        </p:nvSpPr>
-        <p:spPr/>
-        <p:txBody>
-          <a:bodyPr>
-            <a:normAutofit/>
-          </a:bodyPr>
-          <a:lstStyle/>
-          <a:p>
-            <a:pPr marL="0" indent="0">
-              <a:buNone/>
-            </a:pPr>
-            <a:r>
-              <a:rPr lang="en-US" sz="2000" dirty="0" smtClean="0">
-                <a:solidFill>
-                  <a:srgbClr val="000000"/>
-                </a:solidFill>
-                <a:latin typeface="Consolas" panose="020B0609020204030204" pitchFamily="49" charset="0"/>
-              </a:rPr>
-              <a:t>[</a:t>
-            </a:r>
-            <a:r>
-              <a:rPr lang="en-US" sz="2000" dirty="0">
-                <a:solidFill>
-                  <a:srgbClr val="000000"/>
-                </a:solidFill>
-                <a:latin typeface="Consolas" panose="020B0609020204030204" pitchFamily="49" charset="0"/>
-              </a:rPr>
-              <a:t>Benchmark]</a:t>
-            </a:r>
-          </a:p>
-          <a:p>
-            <a:pPr marL="0" indent="0">
-              <a:buNone/>
-            </a:pPr>
-            <a:r>
-              <a:rPr lang="en-US" sz="2000" dirty="0" smtClean="0">
-                <a:solidFill>
-                  <a:srgbClr val="0000FF"/>
-                </a:solidFill>
-                <a:latin typeface="Consolas" panose="020B0609020204030204" pitchFamily="49" charset="0"/>
-              </a:rPr>
-              <a:t>object</a:t>
-            </a:r>
-            <a:r>
-              <a:rPr lang="en-US" sz="2000" dirty="0" smtClean="0">
-                <a:solidFill>
-                  <a:srgbClr val="000000"/>
-                </a:solidFill>
-                <a:latin typeface="Consolas" panose="020B0609020204030204" pitchFamily="49" charset="0"/>
-              </a:rPr>
-              <a:t> </a:t>
-            </a:r>
-            <a:r>
-              <a:rPr lang="en-US" sz="2000" dirty="0" err="1">
-                <a:solidFill>
-                  <a:srgbClr val="000000"/>
-                </a:solidFill>
-                <a:latin typeface="Consolas" panose="020B0609020204030204" pitchFamily="49" charset="0"/>
-              </a:rPr>
-              <a:t>ImmutablDictionary_Get</a:t>
-            </a:r>
-            <a:r>
-              <a:rPr lang="en-US" sz="2000" dirty="0">
-                <a:solidFill>
-                  <a:srgbClr val="000000"/>
-                </a:solidFill>
-                <a:latin typeface="Consolas" panose="020B0609020204030204" pitchFamily="49" charset="0"/>
-              </a:rPr>
-              <a:t>()</a:t>
-            </a:r>
-          </a:p>
-          <a:p>
-            <a:pPr marL="0" indent="0">
-              <a:buNone/>
-            </a:pPr>
-            <a:r>
-              <a:rPr lang="ru-RU" sz="2000" dirty="0" smtClean="0">
-                <a:solidFill>
-                  <a:srgbClr val="000000"/>
-                </a:solidFill>
-                <a:latin typeface="Consolas" panose="020B0609020204030204" pitchFamily="49" charset="0"/>
-              </a:rPr>
-              <a:t>{</a:t>
-            </a:r>
-            <a:endParaRPr lang="ru-RU" sz="2000" dirty="0">
-              <a:solidFill>
-                <a:srgbClr val="000000"/>
-              </a:solidFill>
-              <a:latin typeface="Consolas" panose="020B0609020204030204" pitchFamily="49" charset="0"/>
-            </a:endParaRPr>
-          </a:p>
-          <a:p>
-            <a:pPr marL="0" indent="0">
-              <a:buNone/>
-            </a:pPr>
-            <a:r>
-              <a:rPr lang="en-US" sz="2000" dirty="0" smtClean="0">
-                <a:solidFill>
-                  <a:srgbClr val="0000FF"/>
-                </a:solidFill>
-                <a:latin typeface="Consolas" panose="020B0609020204030204" pitchFamily="49" charset="0"/>
-              </a:rPr>
-              <a:t>    return</a:t>
-            </a:r>
-            <a:r>
-              <a:rPr lang="en-US" sz="2000" dirty="0" smtClean="0">
-                <a:solidFill>
-                  <a:srgbClr val="000000"/>
-                </a:solidFill>
-                <a:latin typeface="Consolas" panose="020B0609020204030204" pitchFamily="49" charset="0"/>
-              </a:rPr>
-              <a:t> </a:t>
-            </a:r>
-            <a:r>
-              <a:rPr lang="en-US" sz="2000" dirty="0" err="1">
-                <a:solidFill>
-                  <a:srgbClr val="000000"/>
-                </a:solidFill>
-                <a:latin typeface="Consolas" panose="020B0609020204030204" pitchFamily="49" charset="0"/>
-              </a:rPr>
-              <a:t>BigImmutable</a:t>
-            </a:r>
-            <a:r>
-              <a:rPr lang="en-US" sz="2000" dirty="0">
-                <a:solidFill>
-                  <a:srgbClr val="000000"/>
-                </a:solidFill>
-                <a:latin typeface="Consolas" panose="020B0609020204030204" pitchFamily="49" charset="0"/>
-              </a:rPr>
-              <a:t>[42];</a:t>
-            </a:r>
-          </a:p>
-          <a:p>
-            <a:pPr marL="0" indent="0">
-              <a:buNone/>
-            </a:pPr>
-            <a:r>
-              <a:rPr lang="ru-RU" sz="2000" dirty="0" smtClean="0">
-                <a:solidFill>
-                  <a:srgbClr val="000000"/>
-                </a:solidFill>
-                <a:latin typeface="Consolas" panose="020B0609020204030204" pitchFamily="49" charset="0"/>
-              </a:rPr>
-              <a:t>}</a:t>
-            </a:r>
-            <a:endParaRPr lang="ru-RU" sz="2000" dirty="0"/>
-          </a:p>
-        </p:txBody>
-      </p:sp>
-    </p:spTree>
-    <p:extLst>
-      <p:ext uri="{BB962C8B-B14F-4D97-AF65-F5344CB8AC3E}">
-        <p14:creationId xmlns:p14="http://schemas.microsoft.com/office/powerpoint/2010/main" val="3846966769"/>
-      </p:ext>
-    </p:extLst>
-  </p:cSld>
-  <p:clrMapOvr>
-    <a:masterClrMapping/>
-  </p:clrMapOvr>
-  <p:timing>
-    <p:tnLst>
-      <p:par>
-        <p:cTn id="1" dur="indefinite" restart="never" nodeType="tmRoot"/>
-      </p:par>
-    </p:tnLst>
-  </p:timing>
-</p:sld>
-</file>
-
-<file path=ppt/slides/slide33.xml><?xml version="1.0" encoding="utf-8"?>
-<p:sld xmlns:a="http://schemas.openxmlformats.org/drawingml/2006/main" xmlns:r="http://schemas.openxmlformats.org/officeDocument/2006/relationships" xmlns:p="http://schemas.openxmlformats.org/presentationml/2006/main">
-  <p:cSld>
-    <p:spTree>
-      <p:nvGrpSpPr>
-        <p:cNvPr id="1" name=""/>
-        <p:cNvGrpSpPr/>
-        <p:nvPr/>
-      </p:nvGrpSpPr>
-      <p:grpSpPr>
-        <a:xfrm>
-          <a:off x="0" y="0"/>
-          <a:ext cx="0" cy="0"/>
-          <a:chOff x="0" y="0"/>
-          <a:chExt cx="0" cy="0"/>
-        </a:xfrm>
-      </p:grpSpPr>
-      <p:sp>
-        <p:nvSpPr>
-          <p:cNvPr id="2" name="Title 1"/>
-          <p:cNvSpPr>
-            <a:spLocks noGrp="1"/>
-          </p:cNvSpPr>
-          <p:nvPr>
-            <p:ph type="title"/>
-          </p:nvPr>
-        </p:nvSpPr>
-        <p:spPr/>
-        <p:txBody>
-          <a:bodyPr/>
-          <a:lstStyle/>
-          <a:p>
-            <a:r>
-              <a:rPr lang="en-US" dirty="0" smtClean="0"/>
               <a:t>Benchmark: New Dictionary Set</a:t>
             </a:r>
             <a:endParaRPr lang="ru-RU" dirty="0"/>
@@ -22032,7 +21893,7 @@
 </p:sld>
 </file>
 
-<file path=ppt/slides/slide34.xml><?xml version="1.0" encoding="utf-8"?>
+<file path=ppt/slides/slide33.xml><?xml version="1.0" encoding="utf-8"?>
 <p:sld xmlns:a="http://schemas.openxmlformats.org/drawingml/2006/main" xmlns:r="http://schemas.openxmlformats.org/officeDocument/2006/relationships" xmlns:p="http://schemas.openxmlformats.org/presentationml/2006/main">
   <p:cSld>
     <p:spTree>
@@ -23096,6 +22957,143 @@
 </p:sld>
 </file>
 
+<file path=ppt/slides/slide34.xml><?xml version="1.0" encoding="utf-8"?>
+<p:sld xmlns:a="http://schemas.openxmlformats.org/drawingml/2006/main" xmlns:r="http://schemas.openxmlformats.org/officeDocument/2006/relationships" xmlns:p="http://schemas.openxmlformats.org/presentationml/2006/main">
+  <p:cSld>
+    <p:spTree>
+      <p:nvGrpSpPr>
+        <p:cNvPr id="1" name=""/>
+        <p:cNvGrpSpPr/>
+        <p:nvPr/>
+      </p:nvGrpSpPr>
+      <p:grpSpPr>
+        <a:xfrm>
+          <a:off x="0" y="0"/>
+          <a:ext cx="0" cy="0"/>
+          <a:chOff x="0" y="0"/>
+          <a:chExt cx="0" cy="0"/>
+        </a:xfrm>
+      </p:grpSpPr>
+      <p:sp>
+        <p:nvSpPr>
+          <p:cNvPr id="2" name="Title 1">
+            <a:extLst>
+              <a:ext uri="{FF2B5EF4-FFF2-40B4-BE49-F238E27FC236}">
+                <a16:creationId xmlns:a16="http://schemas.microsoft.com/office/drawing/2014/main" id="{F66AF39F-04D1-4094-93E2-09A9A35F270B}"/>
+              </a:ext>
+            </a:extLst>
+          </p:cNvPr>
+          <p:cNvSpPr>
+            <a:spLocks noGrp="1"/>
+          </p:cNvSpPr>
+          <p:nvPr>
+            <p:ph type="title"/>
+          </p:nvPr>
+        </p:nvSpPr>
+        <p:spPr/>
+        <p:txBody>
+          <a:bodyPr/>
+          <a:lstStyle/>
+          <a:p>
+            <a:r>
+              <a:rPr lang="en-US" dirty="0" smtClean="0"/>
+              <a:t>Useful </a:t>
+            </a:r>
+            <a:r>
+              <a:rPr lang="en-US" dirty="0"/>
+              <a:t>presentations and articles</a:t>
+            </a:r>
+          </a:p>
+        </p:txBody>
+      </p:sp>
+      <p:sp>
+        <p:nvSpPr>
+          <p:cNvPr id="3" name="Content Placeholder 2">
+            <a:extLst>
+              <a:ext uri="{FF2B5EF4-FFF2-40B4-BE49-F238E27FC236}">
+                <a16:creationId xmlns:a16="http://schemas.microsoft.com/office/drawing/2014/main" id="{6E523FEB-84AF-48BB-A70D-77BD175EC20E}"/>
+              </a:ext>
+            </a:extLst>
+          </p:cNvPr>
+          <p:cNvSpPr>
+            <a:spLocks noGrp="1"/>
+          </p:cNvSpPr>
+          <p:nvPr>
+            <p:ph idx="1"/>
+          </p:nvPr>
+        </p:nvSpPr>
+        <p:spPr/>
+        <p:txBody>
+          <a:bodyPr/>
+          <a:lstStyle/>
+          <a:p>
+            <a:r>
+              <a:rPr lang="en-US" dirty="0"/>
+              <a:t>Jon Skeet — The changing state of immutability C#</a:t>
+            </a:r>
+          </a:p>
+          <a:p>
+            <a:r>
+              <a:rPr lang="en-US" dirty="0" err="1"/>
+              <a:t>Msdn</a:t>
+            </a:r>
+            <a:r>
+              <a:rPr lang="en-US" dirty="0"/>
+              <a:t> blog:</a:t>
+            </a:r>
+          </a:p>
+          <a:p>
+            <a:pPr lvl="1"/>
+            <a:r>
+              <a:rPr lang="en-US" dirty="0"/>
+              <a:t>Immutability in C# Part One</a:t>
+            </a:r>
+          </a:p>
+          <a:p>
+            <a:pPr lvl="1"/>
+            <a:r>
+              <a:rPr lang="en-US" dirty="0"/>
+              <a:t>Immutability in C# Part Two</a:t>
+            </a:r>
+          </a:p>
+          <a:p>
+            <a:r>
+              <a:rPr lang="en-US" dirty="0"/>
+              <a:t>Immutable Objects in C# | Pluralsight</a:t>
+            </a:r>
+          </a:p>
+          <a:p>
+            <a:r>
+              <a:rPr lang="en-US" dirty="0"/>
+              <a:t>Google: “</a:t>
+            </a:r>
+            <a:r>
+              <a:rPr lang="en-US" dirty="0" err="1"/>
+              <a:t>c#</a:t>
+            </a:r>
+            <a:r>
+              <a:rPr lang="en-US" dirty="0"/>
+              <a:t> immutability”</a:t>
+            </a:r>
+          </a:p>
+          <a:p>
+            <a:endParaRPr lang="en-US" dirty="0"/>
+          </a:p>
+        </p:txBody>
+      </p:sp>
+    </p:spTree>
+    <p:extLst>
+      <p:ext uri="{BB962C8B-B14F-4D97-AF65-F5344CB8AC3E}">
+        <p14:creationId xmlns:p14="http://schemas.microsoft.com/office/powerpoint/2010/main" val="290849336"/>
+      </p:ext>
+    </p:extLst>
+  </p:cSld>
+  <p:clrMapOvr>
+    <a:masterClrMapping/>
+  </p:clrMapOvr>
+</p:sld>
+</file>
+
 <file path=ppt/slides/slide35.xml><?xml version="1.0" encoding="utf-8"?>
 <p:sld xmlns:a="http://schemas.openxmlformats.org/drawingml/2006/main" xmlns:r="http://schemas.openxmlformats.org/officeDocument/2006/relationships" xmlns:p="http://schemas.openxmlformats.org/presentationml/2006/main">
   <p:cSld>
@@ -23135,8 +23133,8 @@
           <a:lstStyle/>
           <a:p>
             <a:r>
-              <a:rPr lang="ru-RU" dirty="0"/>
-              <a:t>Заключение</a:t>
+              <a:rPr lang="en-US" smtClean="0"/>
+              <a:t>Conclusion</a:t>
             </a:r>
             <a:endParaRPr lang="en-US" dirty="0"/>
           </a:p>
@@ -23206,106 +23204,6 @@
       </p:grpSpPr>
       <p:sp>
         <p:nvSpPr>
-          <p:cNvPr id="2" name="Title 1"/>
-          <p:cNvSpPr>
-            <a:spLocks noGrp="1"/>
-          </p:cNvSpPr>
-          <p:nvPr>
-            <p:ph type="title"/>
-          </p:nvPr>
-        </p:nvSpPr>
-        <p:spPr/>
-        <p:txBody>
-          <a:bodyPr/>
-          <a:lstStyle/>
-          <a:p>
-            <a:r>
-              <a:rPr lang="en-US" dirty="0" smtClean="0"/>
-              <a:t>Plan</a:t>
-            </a:r>
-            <a:endParaRPr lang="ru-RU" dirty="0"/>
-          </a:p>
-        </p:txBody>
-      </p:sp>
-      <p:sp>
-        <p:nvSpPr>
-          <p:cNvPr id="3" name="Content Placeholder 2"/>
-          <p:cNvSpPr>
-            <a:spLocks noGrp="1"/>
-          </p:cNvSpPr>
-          <p:nvPr>
-            <p:ph idx="1"/>
-          </p:nvPr>
-        </p:nvSpPr>
-        <p:spPr/>
-        <p:txBody>
-          <a:bodyPr/>
-          <a:lstStyle/>
-          <a:p>
-            <a:r>
-              <a:rPr lang="en-US" dirty="0" smtClean="0"/>
-              <a:t>Advantages of using immutable entities and collections</a:t>
-            </a:r>
-          </a:p>
-          <a:p>
-            <a:r>
-              <a:rPr lang="en-US" dirty="0" smtClean="0"/>
-              <a:t>Techniques </a:t>
-            </a:r>
-            <a:r>
-              <a:rPr lang="en-US" dirty="0" smtClean="0"/>
-              <a:t>to make entities immutable</a:t>
-            </a:r>
-          </a:p>
-          <a:p>
-            <a:r>
-              <a:rPr lang="en-US" dirty="0" smtClean="0"/>
-              <a:t>How to make changes to immutable entity</a:t>
-            </a:r>
-          </a:p>
-          <a:p>
-            <a:r>
-              <a:rPr lang="en-US" dirty="0" smtClean="0"/>
-              <a:t>Myths about immutable collections</a:t>
-            </a:r>
-          </a:p>
-          <a:p>
-            <a:endParaRPr lang="ru-RU" dirty="0"/>
-          </a:p>
-        </p:txBody>
-      </p:sp>
-    </p:spTree>
-    <p:extLst>
-      <p:ext uri="{BB962C8B-B14F-4D97-AF65-F5344CB8AC3E}">
-        <p14:creationId xmlns:p14="http://schemas.microsoft.com/office/powerpoint/2010/main" val="538256183"/>
-      </p:ext>
-    </p:extLst>
-  </p:cSld>
-  <p:clrMapOvr>
-    <a:masterClrMapping/>
-  </p:clrMapOvr>
-</p:sld>
-</file>
-
-<file path=ppt/slides/slide5.xml><?xml version="1.0" encoding="utf-8"?>
-<p:sld xmlns:a="http://schemas.openxmlformats.org/drawingml/2006/main" xmlns:r="http://schemas.openxmlformats.org/officeDocument/2006/relationships" xmlns:p="http://schemas.openxmlformats.org/presentationml/2006/main">
-  <p:cSld>
-    <p:spTree>
-      <p:nvGrpSpPr>
-        <p:cNvPr id="1" name=""/>
-        <p:cNvGrpSpPr/>
-        <p:nvPr/>
-      </p:nvGrpSpPr>
-      <p:grpSpPr>
-        <a:xfrm>
-          <a:off x="0" y="0"/>
-          <a:ext cx="0" cy="0"/>
-          <a:chOff x="0" y="0"/>
-          <a:chExt cx="0" cy="0"/>
-        </a:xfrm>
-      </p:grpSpPr>
-      <p:sp>
-        <p:nvSpPr>
           <p:cNvPr id="2" name="Title 1">
             <a:extLst>
               <a:ext uri="{FF2B5EF4-FFF2-40B4-BE49-F238E27FC236}">
@@ -23407,7 +23305,7 @@
 </p:sld>
 </file>
 
-<file path=ppt/slides/slide6.xml><?xml version="1.0" encoding="utf-8"?>
+<file path=ppt/slides/slide5.xml><?xml version="1.0" encoding="utf-8"?>
 <p:sld xmlns:a="http://schemas.openxmlformats.org/drawingml/2006/main" xmlns:r="http://schemas.openxmlformats.org/officeDocument/2006/relationships" xmlns:p="http://schemas.openxmlformats.org/presentationml/2006/main">
   <p:cSld>
     <p:spTree>
@@ -23802,16 +23700,7 @@
                 </a:solidFill>
                 <a:latin typeface="Consolas" panose="020B0609020204030204" pitchFamily="49" charset="0"/>
               </a:rPr>
-              <a:t>public </a:t>
-            </a:r>
-            <a:r>
-              <a:rPr lang="en-US" sz="1800" dirty="0" smtClean="0">
-                <a:solidFill>
-                  <a:srgbClr val="0000FF"/>
-                </a:solidFill>
-                <a:latin typeface="Consolas" panose="020B0609020204030204" pitchFamily="49" charset="0"/>
-              </a:rPr>
-              <a:t>string</a:t>
+              <a:t>public string</a:t>
             </a:r>
             <a:r>
               <a:rPr lang="en-US" sz="1800" dirty="0" smtClean="0">
@@ -24274,7 +24163,7 @@
 </p:sld>
 </file>
 
-<file path=ppt/slides/slide7.xml><?xml version="1.0" encoding="utf-8"?>
+<file path=ppt/slides/slide6.xml><?xml version="1.0" encoding="utf-8"?>
 <p:sld xmlns:a="http://schemas.openxmlformats.org/drawingml/2006/main" xmlns:r="http://schemas.openxmlformats.org/officeDocument/2006/relationships" xmlns:p="http://schemas.openxmlformats.org/presentationml/2006/main">
   <p:cSld>
     <p:spTree>
@@ -24354,16 +24243,7 @@
                 </a:solidFill>
                 <a:latin typeface="Consolas" panose="020B0609020204030204" pitchFamily="49" charset="0"/>
               </a:rPr>
-              <a:t>rivate </a:t>
-            </a:r>
-            <a:r>
-              <a:rPr lang="en-US" dirty="0" smtClean="0">
-                <a:solidFill>
-                  <a:srgbClr val="0000FF"/>
-                </a:solidFill>
-                <a:latin typeface="Consolas" panose="020B0609020204030204" pitchFamily="49" charset="0"/>
-              </a:rPr>
-              <a:t>static</a:t>
+              <a:t>rivate static</a:t>
             </a:r>
             <a:r>
               <a:rPr lang="en-US" dirty="0" smtClean="0">
@@ -24855,7 +24735,7 @@
 </p:sld>
 </file>
 
-<file path=ppt/slides/slide8.xml><?xml version="1.0" encoding="utf-8"?>
+<file path=ppt/slides/slide7.xml><?xml version="1.0" encoding="utf-8"?>
 <p:sld xmlns:a="http://schemas.openxmlformats.org/drawingml/2006/main" xmlns:r="http://schemas.openxmlformats.org/officeDocument/2006/relationships" xmlns:p="http://schemas.openxmlformats.org/presentationml/2006/main">
   <p:cSld>
     <p:spTree>
@@ -25724,7 +25604,7 @@
 </p:sld>
 </file>
 
-<file path=ppt/slides/slide9.xml><?xml version="1.0" encoding="utf-8"?>
+<file path=ppt/slides/slide8.xml><?xml version="1.0" encoding="utf-8"?>
 <p:sld xmlns:a="http://schemas.openxmlformats.org/drawingml/2006/main" xmlns:r="http://schemas.openxmlformats.org/officeDocument/2006/relationships" xmlns:p="http://schemas.openxmlformats.org/presentationml/2006/main">
   <p:cSld>
     <p:spTree>
@@ -25830,6 +25710,103 @@
     <p:extLst>
       <p:ext uri="{BB962C8B-B14F-4D97-AF65-F5344CB8AC3E}">
         <p14:creationId xmlns:p14="http://schemas.microsoft.com/office/powerpoint/2010/main" val="2701192191"/>
+      </p:ext>
+    </p:extLst>
+  </p:cSld>
+  <p:clrMapOvr>
+    <a:masterClrMapping/>
+  </p:clrMapOvr>
+  <p:timing>
+    <p:tnLst>
+      <p:par>
+        <p:cTn id="1" dur="indefinite" restart="never" nodeType="tmRoot"/>
+      </p:par>
+    </p:tnLst>
+  </p:timing>
+</p:sld>
+</file>
+
+<file path=ppt/slides/slide9.xml><?xml version="1.0" encoding="utf-8"?>
+<p:sld xmlns:a="http://schemas.openxmlformats.org/drawingml/2006/main" xmlns:r="http://schemas.openxmlformats.org/officeDocument/2006/relationships" xmlns:p="http://schemas.openxmlformats.org/presentationml/2006/main">
+  <p:cSld>
+    <p:spTree>
+      <p:nvGrpSpPr>
+        <p:cNvPr id="1" name=""/>
+        <p:cNvGrpSpPr/>
+        <p:nvPr/>
+      </p:nvGrpSpPr>
+      <p:grpSpPr>
+        <a:xfrm>
+          <a:off x="0" y="0"/>
+          <a:ext cx="0" cy="0"/>
+          <a:chOff x="0" y="0"/>
+          <a:chExt cx="0" cy="0"/>
+        </a:xfrm>
+      </p:grpSpPr>
+      <p:sp>
+        <p:nvSpPr>
+          <p:cNvPr id="2" name="Title 1">
+            <a:extLst>
+              <a:ext uri="{FF2B5EF4-FFF2-40B4-BE49-F238E27FC236}">
+                <a16:creationId xmlns:a16="http://schemas.microsoft.com/office/drawing/2014/main" id="{CB5B48B1-780C-4B56-ADD1-982AF33CDF89}"/>
+              </a:ext>
+            </a:extLst>
+          </p:cNvPr>
+          <p:cNvSpPr>
+            <a:spLocks noGrp="1"/>
+          </p:cNvSpPr>
+          <p:nvPr>
+            <p:ph type="title"/>
+          </p:nvPr>
+        </p:nvSpPr>
+        <p:spPr/>
+        <p:txBody>
+          <a:bodyPr/>
+          <a:lstStyle/>
+          <a:p>
+            <a:r>
+              <a:rPr lang="en-US" dirty="0"/>
+              <a:t>Records</a:t>
+            </a:r>
+          </a:p>
+        </p:txBody>
+      </p:sp>
+      <p:pic>
+        <p:nvPicPr>
+          <p:cNvPr id="8" name="Content Placeholder 7">
+            <a:extLst>
+              <a:ext uri="{FF2B5EF4-FFF2-40B4-BE49-F238E27FC236}">
+                <a16:creationId xmlns:a16="http://schemas.microsoft.com/office/drawing/2014/main" id="{A68E2EB5-083D-4B15-8D9E-AF3B4AED8E80}"/>
+              </a:ext>
+            </a:extLst>
+          </p:cNvPr>
+          <p:cNvPicPr>
+            <a:picLocks noGrp="1" noChangeAspect="1"/>
+          </p:cNvPicPr>
+          <p:nvPr>
+            <p:ph idx="1"/>
+          </p:nvPr>
+        </p:nvPicPr>
+        <p:blipFill>
+          <a:blip r:embed="rId3"/>
+          <a:stretch>
+            <a:fillRect/>
+          </a:stretch>
+        </p:blipFill>
+        <p:spPr>
+          <a:xfrm>
+            <a:off x="885825" y="1972469"/>
+            <a:ext cx="10420350" cy="4057650"/>
+          </a:xfrm>
+          <a:prstGeom prst="rect">
+            <a:avLst/>
+          </a:prstGeom>
+        </p:spPr>
+      </p:pic>
+    </p:spTree>
+    <p:extLst>
+      <p:ext uri="{BB962C8B-B14F-4D97-AF65-F5344CB8AC3E}">
+        <p14:creationId xmlns:p14="http://schemas.microsoft.com/office/powerpoint/2010/main" val="3847945778"/>
       </p:ext>
     </p:extLst>
   </p:cSld>

--- a/Presentation.pptx
+++ b/Presentation.pptx
@@ -298,7 +298,7 @@
           <a:p>
             <a:fld id="{E8677973-4C7D-4B32-A1AE-9D6A9A1BEB65}" type="datetimeFigureOut">
               <a:rPr lang="en-US" smtClean="0"/>
-              <a:t>5/2/2018</a:t>
+              <a:t>5/6/2018</a:t>
             </a:fld>
             <a:endParaRPr lang="en-US"/>
           </a:p>
@@ -3012,9 +3012,9 @@
           <a:bodyPr/>
           <a:lstStyle/>
           <a:p>
-            <a:fld id="{225299FE-2656-4E46-94DA-BF0F86052EEC}" type="datetimeFigureOut">
+            <a:fld id="{A3080D3A-A941-4AD9-841B-3309D54C6E0D}" type="datetime1">
               <a:rPr lang="en-US" smtClean="0"/>
-              <a:t>5/2/2018</a:t>
+              <a:t>5/6/2018</a:t>
             </a:fld>
             <a:endParaRPr lang="en-US"/>
           </a:p>
@@ -3210,9 +3210,9 @@
           <a:bodyPr/>
           <a:lstStyle/>
           <a:p>
-            <a:fld id="{225299FE-2656-4E46-94DA-BF0F86052EEC}" type="datetimeFigureOut">
+            <a:fld id="{78963F58-0520-42B6-8BEC-FA74DE52E84A}" type="datetime1">
               <a:rPr lang="en-US" smtClean="0"/>
-              <a:t>5/2/2018</a:t>
+              <a:t>5/6/2018</a:t>
             </a:fld>
             <a:endParaRPr lang="en-US"/>
           </a:p>
@@ -3418,9 +3418,9 @@
           <a:bodyPr/>
           <a:lstStyle/>
           <a:p>
-            <a:fld id="{225299FE-2656-4E46-94DA-BF0F86052EEC}" type="datetimeFigureOut">
+            <a:fld id="{1E0741F7-5606-4EF4-BBF2-2E583FB4696B}" type="datetime1">
               <a:rPr lang="en-US" smtClean="0"/>
-              <a:t>5/2/2018</a:t>
+              <a:t>5/6/2018</a:t>
             </a:fld>
             <a:endParaRPr lang="en-US"/>
           </a:p>
@@ -3616,9 +3616,9 @@
           <a:bodyPr/>
           <a:lstStyle/>
           <a:p>
-            <a:fld id="{225299FE-2656-4E46-94DA-BF0F86052EEC}" type="datetimeFigureOut">
+            <a:fld id="{8A243E26-5328-4A3E-9742-86E8E5618FB9}" type="datetime1">
               <a:rPr lang="en-US" smtClean="0"/>
-              <a:t>5/2/2018</a:t>
+              <a:t>5/6/2018</a:t>
             </a:fld>
             <a:endParaRPr lang="en-US"/>
           </a:p>
@@ -3891,9 +3891,9 @@
           <a:bodyPr/>
           <a:lstStyle/>
           <a:p>
-            <a:fld id="{225299FE-2656-4E46-94DA-BF0F86052EEC}" type="datetimeFigureOut">
+            <a:fld id="{79F3BB67-8FEA-42EA-BE41-1C0C499F6715}" type="datetime1">
               <a:rPr lang="en-US" smtClean="0"/>
-              <a:t>5/2/2018</a:t>
+              <a:t>5/6/2018</a:t>
             </a:fld>
             <a:endParaRPr lang="en-US"/>
           </a:p>
@@ -4156,9 +4156,9 @@
           <a:bodyPr/>
           <a:lstStyle/>
           <a:p>
-            <a:fld id="{225299FE-2656-4E46-94DA-BF0F86052EEC}" type="datetimeFigureOut">
+            <a:fld id="{3C5F631E-1ED2-4508-8511-18A4F93AB530}" type="datetime1">
               <a:rPr lang="en-US" smtClean="0"/>
-              <a:t>5/2/2018</a:t>
+              <a:t>5/6/2018</a:t>
             </a:fld>
             <a:endParaRPr lang="en-US"/>
           </a:p>
@@ -4568,9 +4568,9 @@
           <a:bodyPr/>
           <a:lstStyle/>
           <a:p>
-            <a:fld id="{225299FE-2656-4E46-94DA-BF0F86052EEC}" type="datetimeFigureOut">
+            <a:fld id="{4A147336-6269-4B5B-981C-D66BB990C237}" type="datetime1">
               <a:rPr lang="en-US" smtClean="0"/>
-              <a:t>5/2/2018</a:t>
+              <a:t>5/6/2018</a:t>
             </a:fld>
             <a:endParaRPr lang="en-US"/>
           </a:p>
@@ -4709,9 +4709,9 @@
           <a:bodyPr/>
           <a:lstStyle/>
           <a:p>
-            <a:fld id="{225299FE-2656-4E46-94DA-BF0F86052EEC}" type="datetimeFigureOut">
+            <a:fld id="{F51CFDBD-456D-49E1-AB6F-9E02C6121DD3}" type="datetime1">
               <a:rPr lang="en-US" smtClean="0"/>
-              <a:t>5/2/2018</a:t>
+              <a:t>5/6/2018</a:t>
             </a:fld>
             <a:endParaRPr lang="en-US"/>
           </a:p>
@@ -4822,9 +4822,9 @@
           <a:bodyPr/>
           <a:lstStyle/>
           <a:p>
-            <a:fld id="{225299FE-2656-4E46-94DA-BF0F86052EEC}" type="datetimeFigureOut">
+            <a:fld id="{4DE7A270-92EF-4670-8B83-FDF43736C09D}" type="datetime1">
               <a:rPr lang="en-US" smtClean="0"/>
-              <a:t>5/2/2018</a:t>
+              <a:t>5/6/2018</a:t>
             </a:fld>
             <a:endParaRPr lang="en-US"/>
           </a:p>
@@ -5133,9 +5133,9 @@
           <a:bodyPr/>
           <a:lstStyle/>
           <a:p>
-            <a:fld id="{225299FE-2656-4E46-94DA-BF0F86052EEC}" type="datetimeFigureOut">
+            <a:fld id="{BAD4F61B-83FC-4661-82EB-A269331ECF46}" type="datetime1">
               <a:rPr lang="en-US" smtClean="0"/>
-              <a:t>5/2/2018</a:t>
+              <a:t>5/6/2018</a:t>
             </a:fld>
             <a:endParaRPr lang="en-US"/>
           </a:p>
@@ -5421,9 +5421,9 @@
           <a:bodyPr/>
           <a:lstStyle/>
           <a:p>
-            <a:fld id="{225299FE-2656-4E46-94DA-BF0F86052EEC}" type="datetimeFigureOut">
+            <a:fld id="{320A9D37-F2C2-466D-8885-FC3D2A009462}" type="datetime1">
               <a:rPr lang="en-US" smtClean="0"/>
-              <a:t>5/2/2018</a:t>
+              <a:t>5/6/2018</a:t>
             </a:fld>
             <a:endParaRPr lang="en-US"/>
           </a:p>
@@ -5662,9 +5662,9 @@
             </a:lvl1pPr>
           </a:lstStyle>
           <a:p>
-            <a:fld id="{225299FE-2656-4E46-94DA-BF0F86052EEC}" type="datetimeFigureOut">
+            <a:fld id="{784CA7B1-FDE6-4A69-BC76-07B9AE315539}" type="datetime1">
               <a:rPr lang="en-US" smtClean="0"/>
-              <a:t>5/2/2018</a:t>
+              <a:t>5/6/2018</a:t>
             </a:fld>
             <a:endParaRPr lang="en-US"/>
           </a:p>
@@ -5781,6 +5781,7 @@
     <p:sldLayoutId id="2147483658" r:id="rId10"/>
     <p:sldLayoutId id="2147483659" r:id="rId11"/>
   </p:sldLayoutIdLst>
+  <p:hf hdr="0" ftr="0" dt="0"/>
   <p:txStyles>
     <p:titleStyle>
       <a:lvl1pPr algn="l" defTabSz="914400" rtl="0" eaLnBrk="1" latinLnBrk="0" hangingPunct="1">
@@ -6145,6 +6146,29 @@
           </a:p>
         </p:txBody>
       </p:sp>
+      <p:sp>
+        <p:nvSpPr>
+          <p:cNvPr id="4" name="Slide Number Placeholder 3"/>
+          <p:cNvSpPr>
+            <a:spLocks noGrp="1"/>
+          </p:cNvSpPr>
+          <p:nvPr>
+            <p:ph type="sldNum" sz="quarter" idx="12"/>
+          </p:nvPr>
+        </p:nvSpPr>
+        <p:spPr/>
+        <p:txBody>
+          <a:bodyPr/>
+          <a:lstStyle/>
+          <a:p>
+            <a:fld id="{4DEA8F66-15CB-4911-B573-45FF012716D2}" type="slidenum">
+              <a:rPr lang="en-US" smtClean="0"/>
+              <a:t>1</a:t>
+            </a:fld>
+            <a:endParaRPr lang="en-US"/>
+          </a:p>
+        </p:txBody>
+      </p:sp>
     </p:spTree>
     <p:extLst>
       <p:ext uri="{BB962C8B-B14F-4D97-AF65-F5344CB8AC3E}">
@@ -6589,6 +6613,29 @@
               <a:t>    }</a:t>
             </a:r>
             <a:endParaRPr lang="en-US" dirty="0"/>
+          </a:p>
+        </p:txBody>
+      </p:sp>
+      <p:sp>
+        <p:nvSpPr>
+          <p:cNvPr id="3" name="Slide Number Placeholder 2"/>
+          <p:cNvSpPr>
+            <a:spLocks noGrp="1"/>
+          </p:cNvSpPr>
+          <p:nvPr>
+            <p:ph type="sldNum" sz="quarter" idx="12"/>
+          </p:nvPr>
+        </p:nvSpPr>
+        <p:spPr/>
+        <p:txBody>
+          <a:bodyPr/>
+          <a:lstStyle/>
+          <a:p>
+            <a:fld id="{4DEA8F66-15CB-4911-B573-45FF012716D2}" type="slidenum">
+              <a:rPr lang="en-US" smtClean="0"/>
+              <a:t>10</a:t>
+            </a:fld>
+            <a:endParaRPr lang="en-US"/>
           </a:p>
         </p:txBody>
       </p:sp>
@@ -6722,6 +6769,29 @@
           </a:p>
         </p:txBody>
       </p:sp>
+      <p:sp>
+        <p:nvSpPr>
+          <p:cNvPr id="4" name="Slide Number Placeholder 3"/>
+          <p:cNvSpPr>
+            <a:spLocks noGrp="1"/>
+          </p:cNvSpPr>
+          <p:nvPr>
+            <p:ph type="sldNum" sz="quarter" idx="12"/>
+          </p:nvPr>
+        </p:nvSpPr>
+        <p:spPr/>
+        <p:txBody>
+          <a:bodyPr/>
+          <a:lstStyle/>
+          <a:p>
+            <a:fld id="{4DEA8F66-15CB-4911-B573-45FF012716D2}" type="slidenum">
+              <a:rPr lang="en-US" smtClean="0"/>
+              <a:t>11</a:t>
+            </a:fld>
+            <a:endParaRPr lang="en-US"/>
+          </a:p>
+        </p:txBody>
+      </p:sp>
     </p:spTree>
     <p:extLst>
       <p:ext uri="{BB962C8B-B14F-4D97-AF65-F5344CB8AC3E}">
@@ -7389,6 +7459,29 @@
               <a:t>}</a:t>
             </a:r>
             <a:endParaRPr lang="en-US" dirty="0"/>
+          </a:p>
+        </p:txBody>
+      </p:sp>
+      <p:sp>
+        <p:nvSpPr>
+          <p:cNvPr id="4" name="Slide Number Placeholder 3"/>
+          <p:cNvSpPr>
+            <a:spLocks noGrp="1"/>
+          </p:cNvSpPr>
+          <p:nvPr>
+            <p:ph type="sldNum" sz="quarter" idx="12"/>
+          </p:nvPr>
+        </p:nvSpPr>
+        <p:spPr/>
+        <p:txBody>
+          <a:bodyPr/>
+          <a:lstStyle/>
+          <a:p>
+            <a:fld id="{4DEA8F66-15CB-4911-B573-45FF012716D2}" type="slidenum">
+              <a:rPr lang="en-US" smtClean="0"/>
+              <a:t>12</a:t>
+            </a:fld>
+            <a:endParaRPr lang="en-US"/>
           </a:p>
         </p:txBody>
       </p:sp>
@@ -8176,6 +8269,29 @@
           </a:extLst>
         </p:spPr>
       </p:pic>
+      <p:sp>
+        <p:nvSpPr>
+          <p:cNvPr id="3" name="Slide Number Placeholder 2"/>
+          <p:cNvSpPr>
+            <a:spLocks noGrp="1"/>
+          </p:cNvSpPr>
+          <p:nvPr>
+            <p:ph type="sldNum" sz="quarter" idx="12"/>
+          </p:nvPr>
+        </p:nvSpPr>
+        <p:spPr/>
+        <p:txBody>
+          <a:bodyPr/>
+          <a:lstStyle/>
+          <a:p>
+            <a:fld id="{4DEA8F66-15CB-4911-B573-45FF012716D2}" type="slidenum">
+              <a:rPr lang="en-US" smtClean="0"/>
+              <a:t>13</a:t>
+            </a:fld>
+            <a:endParaRPr lang="en-US"/>
+          </a:p>
+        </p:txBody>
+      </p:sp>
     </p:spTree>
     <p:extLst>
       <p:ext uri="{BB962C8B-B14F-4D97-AF65-F5344CB8AC3E}">
@@ -10153,6 +10269,29 @@
               <a:t>    }</a:t>
             </a:r>
             <a:endParaRPr lang="en-US" dirty="0"/>
+          </a:p>
+        </p:txBody>
+      </p:sp>
+      <p:sp>
+        <p:nvSpPr>
+          <p:cNvPr id="2" name="Slide Number Placeholder 1"/>
+          <p:cNvSpPr>
+            <a:spLocks noGrp="1"/>
+          </p:cNvSpPr>
+          <p:nvPr>
+            <p:ph type="sldNum" sz="quarter" idx="12"/>
+          </p:nvPr>
+        </p:nvSpPr>
+        <p:spPr/>
+        <p:txBody>
+          <a:bodyPr/>
+          <a:lstStyle/>
+          <a:p>
+            <a:fld id="{4DEA8F66-15CB-4911-B573-45FF012716D2}" type="slidenum">
+              <a:rPr lang="en-US" smtClean="0"/>
+              <a:t>14</a:t>
+            </a:fld>
+            <a:endParaRPr lang="en-US"/>
           </a:p>
         </p:txBody>
       </p:sp>
@@ -10519,6 +10658,29 @@
           </a:p>
         </p:txBody>
       </p:sp>
+      <p:sp>
+        <p:nvSpPr>
+          <p:cNvPr id="3" name="Slide Number Placeholder 2"/>
+          <p:cNvSpPr>
+            <a:spLocks noGrp="1"/>
+          </p:cNvSpPr>
+          <p:nvPr>
+            <p:ph type="sldNum" sz="quarter" idx="12"/>
+          </p:nvPr>
+        </p:nvSpPr>
+        <p:spPr/>
+        <p:txBody>
+          <a:bodyPr/>
+          <a:lstStyle/>
+          <a:p>
+            <a:fld id="{4DEA8F66-15CB-4911-B573-45FF012716D2}" type="slidenum">
+              <a:rPr lang="en-US" smtClean="0"/>
+              <a:t>15</a:t>
+            </a:fld>
+            <a:endParaRPr lang="en-US"/>
+          </a:p>
+        </p:txBody>
+      </p:sp>
     </p:spTree>
     <p:extLst>
       <p:ext uri="{BB962C8B-B14F-4D97-AF65-F5344CB8AC3E}">
@@ -10618,6 +10780,29 @@
           </a:prstGeom>
         </p:spPr>
       </p:pic>
+      <p:sp>
+        <p:nvSpPr>
+          <p:cNvPr id="3" name="Slide Number Placeholder 2"/>
+          <p:cNvSpPr>
+            <a:spLocks noGrp="1"/>
+          </p:cNvSpPr>
+          <p:nvPr>
+            <p:ph type="sldNum" sz="quarter" idx="12"/>
+          </p:nvPr>
+        </p:nvSpPr>
+        <p:spPr/>
+        <p:txBody>
+          <a:bodyPr/>
+          <a:lstStyle/>
+          <a:p>
+            <a:fld id="{4DEA8F66-15CB-4911-B573-45FF012716D2}" type="slidenum">
+              <a:rPr lang="en-US" smtClean="0"/>
+              <a:t>16</a:t>
+            </a:fld>
+            <a:endParaRPr lang="en-US"/>
+          </a:p>
+        </p:txBody>
+      </p:sp>
     </p:spTree>
     <p:extLst>
       <p:ext uri="{BB962C8B-B14F-4D97-AF65-F5344CB8AC3E}">
@@ -11844,6 +12029,29 @@
               <a:t>}</a:t>
             </a:r>
             <a:endParaRPr lang="ru-RU" dirty="0"/>
+          </a:p>
+        </p:txBody>
+      </p:sp>
+      <p:sp>
+        <p:nvSpPr>
+          <p:cNvPr id="5" name="Slide Number Placeholder 4"/>
+          <p:cNvSpPr>
+            <a:spLocks noGrp="1"/>
+          </p:cNvSpPr>
+          <p:nvPr>
+            <p:ph type="sldNum" sz="quarter" idx="12"/>
+          </p:nvPr>
+        </p:nvSpPr>
+        <p:spPr/>
+        <p:txBody>
+          <a:bodyPr/>
+          <a:lstStyle/>
+          <a:p>
+            <a:fld id="{4DEA8F66-15CB-4911-B573-45FF012716D2}" type="slidenum">
+              <a:rPr lang="en-US" smtClean="0"/>
+              <a:t>17</a:t>
+            </a:fld>
+            <a:endParaRPr lang="en-US"/>
           </a:p>
         </p:txBody>
       </p:sp>
@@ -12505,6 +12713,29 @@
           </a:p>
         </p:txBody>
       </p:sp>
+      <p:sp>
+        <p:nvSpPr>
+          <p:cNvPr id="5" name="Slide Number Placeholder 4"/>
+          <p:cNvSpPr>
+            <a:spLocks noGrp="1"/>
+          </p:cNvSpPr>
+          <p:nvPr>
+            <p:ph type="sldNum" sz="quarter" idx="12"/>
+          </p:nvPr>
+        </p:nvSpPr>
+        <p:spPr/>
+        <p:txBody>
+          <a:bodyPr/>
+          <a:lstStyle/>
+          <a:p>
+            <a:fld id="{4DEA8F66-15CB-4911-B573-45FF012716D2}" type="slidenum">
+              <a:rPr lang="en-US" smtClean="0"/>
+              <a:t>18</a:t>
+            </a:fld>
+            <a:endParaRPr lang="en-US"/>
+          </a:p>
+        </p:txBody>
+      </p:sp>
     </p:spTree>
     <p:extLst>
       <p:ext uri="{BB962C8B-B14F-4D97-AF65-F5344CB8AC3E}">
@@ -13914,6 +14145,29 @@
               <a:t>}</a:t>
             </a:r>
             <a:endParaRPr lang="ru-RU" sz="1600" dirty="0"/>
+          </a:p>
+        </p:txBody>
+      </p:sp>
+      <p:sp>
+        <p:nvSpPr>
+          <p:cNvPr id="5" name="Slide Number Placeholder 4"/>
+          <p:cNvSpPr>
+            <a:spLocks noGrp="1"/>
+          </p:cNvSpPr>
+          <p:nvPr>
+            <p:ph type="sldNum" sz="quarter" idx="12"/>
+          </p:nvPr>
+        </p:nvSpPr>
+        <p:spPr/>
+        <p:txBody>
+          <a:bodyPr/>
+          <a:lstStyle/>
+          <a:p>
+            <a:fld id="{4DEA8F66-15CB-4911-B573-45FF012716D2}" type="slidenum">
+              <a:rPr lang="en-US" smtClean="0"/>
+              <a:t>19</a:t>
+            </a:fld>
+            <a:endParaRPr lang="en-US"/>
           </a:p>
         </p:txBody>
       </p:sp>
@@ -14060,6 +14314,29 @@
           </a:p>
         </p:txBody>
       </p:sp>
+      <p:sp>
+        <p:nvSpPr>
+          <p:cNvPr id="4" name="Slide Number Placeholder 3"/>
+          <p:cNvSpPr>
+            <a:spLocks noGrp="1"/>
+          </p:cNvSpPr>
+          <p:nvPr>
+            <p:ph type="sldNum" sz="quarter" idx="12"/>
+          </p:nvPr>
+        </p:nvSpPr>
+        <p:spPr/>
+        <p:txBody>
+          <a:bodyPr/>
+          <a:lstStyle/>
+          <a:p>
+            <a:fld id="{4DEA8F66-15CB-4911-B573-45FF012716D2}" type="slidenum">
+              <a:rPr lang="en-US" smtClean="0"/>
+              <a:t>2</a:t>
+            </a:fld>
+            <a:endParaRPr lang="en-US"/>
+          </a:p>
+        </p:txBody>
+      </p:sp>
     </p:spTree>
     <p:extLst>
       <p:ext uri="{BB962C8B-B14F-4D97-AF65-F5344CB8AC3E}">
@@ -14175,6 +14452,29 @@
           </a:p>
           <a:p>
             <a:endParaRPr lang="ru-RU" dirty="0"/>
+          </a:p>
+        </p:txBody>
+      </p:sp>
+      <p:sp>
+        <p:nvSpPr>
+          <p:cNvPr id="3" name="Slide Number Placeholder 2"/>
+          <p:cNvSpPr>
+            <a:spLocks noGrp="1"/>
+          </p:cNvSpPr>
+          <p:nvPr>
+            <p:ph type="sldNum" sz="quarter" idx="12"/>
+          </p:nvPr>
+        </p:nvSpPr>
+        <p:spPr/>
+        <p:txBody>
+          <a:bodyPr/>
+          <a:lstStyle/>
+          <a:p>
+            <a:fld id="{4DEA8F66-15CB-4911-B573-45FF012716D2}" type="slidenum">
+              <a:rPr lang="en-US" smtClean="0"/>
+              <a:t>20</a:t>
+            </a:fld>
+            <a:endParaRPr lang="en-US"/>
           </a:p>
         </p:txBody>
       </p:sp>
@@ -14331,6 +14631,29 @@
           </a:p>
         </p:txBody>
       </p:sp>
+      <p:sp>
+        <p:nvSpPr>
+          <p:cNvPr id="3" name="Slide Number Placeholder 2"/>
+          <p:cNvSpPr>
+            <a:spLocks noGrp="1"/>
+          </p:cNvSpPr>
+          <p:nvPr>
+            <p:ph type="sldNum" sz="quarter" idx="12"/>
+          </p:nvPr>
+        </p:nvSpPr>
+        <p:spPr/>
+        <p:txBody>
+          <a:bodyPr/>
+          <a:lstStyle/>
+          <a:p>
+            <a:fld id="{4DEA8F66-15CB-4911-B573-45FF012716D2}" type="slidenum">
+              <a:rPr lang="en-US" smtClean="0"/>
+              <a:t>21</a:t>
+            </a:fld>
+            <a:endParaRPr lang="en-US"/>
+          </a:p>
+        </p:txBody>
+      </p:sp>
     </p:spTree>
     <p:extLst>
       <p:ext uri="{BB962C8B-B14F-4D97-AF65-F5344CB8AC3E}">
@@ -14884,6 +15207,29 @@
               <a:t>}</a:t>
             </a:r>
             <a:endParaRPr lang="en-US" dirty="0"/>
+          </a:p>
+        </p:txBody>
+      </p:sp>
+      <p:sp>
+        <p:nvSpPr>
+          <p:cNvPr id="4" name="Slide Number Placeholder 3"/>
+          <p:cNvSpPr>
+            <a:spLocks noGrp="1"/>
+          </p:cNvSpPr>
+          <p:nvPr>
+            <p:ph type="sldNum" sz="quarter" idx="12"/>
+          </p:nvPr>
+        </p:nvSpPr>
+        <p:spPr/>
+        <p:txBody>
+          <a:bodyPr/>
+          <a:lstStyle/>
+          <a:p>
+            <a:fld id="{4DEA8F66-15CB-4911-B573-45FF012716D2}" type="slidenum">
+              <a:rPr lang="en-US" smtClean="0"/>
+              <a:t>22</a:t>
+            </a:fld>
+            <a:endParaRPr lang="en-US"/>
           </a:p>
         </p:txBody>
       </p:sp>
@@ -15141,6 +15487,29 @@
           </a:p>
         </p:txBody>
       </p:sp>
+      <p:sp>
+        <p:nvSpPr>
+          <p:cNvPr id="4" name="Slide Number Placeholder 3"/>
+          <p:cNvSpPr>
+            <a:spLocks noGrp="1"/>
+          </p:cNvSpPr>
+          <p:nvPr>
+            <p:ph type="sldNum" sz="quarter" idx="12"/>
+          </p:nvPr>
+        </p:nvSpPr>
+        <p:spPr/>
+        <p:txBody>
+          <a:bodyPr/>
+          <a:lstStyle/>
+          <a:p>
+            <a:fld id="{4DEA8F66-15CB-4911-B573-45FF012716D2}" type="slidenum">
+              <a:rPr lang="en-US" smtClean="0"/>
+              <a:t>23</a:t>
+            </a:fld>
+            <a:endParaRPr lang="en-US"/>
+          </a:p>
+        </p:txBody>
+      </p:sp>
     </p:spTree>
     <p:extLst>
       <p:ext uri="{BB962C8B-B14F-4D97-AF65-F5344CB8AC3E}">
@@ -16355,6 +16724,29 @@
               <a:t>}</a:t>
             </a:r>
             <a:endParaRPr lang="ru-RU" dirty="0"/>
+          </a:p>
+        </p:txBody>
+      </p:sp>
+      <p:sp>
+        <p:nvSpPr>
+          <p:cNvPr id="3" name="Slide Number Placeholder 2"/>
+          <p:cNvSpPr>
+            <a:spLocks noGrp="1"/>
+          </p:cNvSpPr>
+          <p:nvPr>
+            <p:ph type="sldNum" sz="quarter" idx="12"/>
+          </p:nvPr>
+        </p:nvSpPr>
+        <p:spPr/>
+        <p:txBody>
+          <a:bodyPr/>
+          <a:lstStyle/>
+          <a:p>
+            <a:fld id="{4DEA8F66-15CB-4911-B573-45FF012716D2}" type="slidenum">
+              <a:rPr lang="en-US" smtClean="0"/>
+              <a:t>24</a:t>
+            </a:fld>
+            <a:endParaRPr lang="en-US"/>
           </a:p>
         </p:txBody>
       </p:sp>
@@ -17434,6 +17826,29 @@
           </a:p>
         </p:txBody>
       </p:sp>
+      <p:sp>
+        <p:nvSpPr>
+          <p:cNvPr id="4" name="Slide Number Placeholder 3"/>
+          <p:cNvSpPr>
+            <a:spLocks noGrp="1"/>
+          </p:cNvSpPr>
+          <p:nvPr>
+            <p:ph type="sldNum" sz="quarter" idx="12"/>
+          </p:nvPr>
+        </p:nvSpPr>
+        <p:spPr/>
+        <p:txBody>
+          <a:bodyPr/>
+          <a:lstStyle/>
+          <a:p>
+            <a:fld id="{4DEA8F66-15CB-4911-B573-45FF012716D2}" type="slidenum">
+              <a:rPr lang="en-US" smtClean="0"/>
+              <a:t>25</a:t>
+            </a:fld>
+            <a:endParaRPr lang="en-US"/>
+          </a:p>
+        </p:txBody>
+      </p:sp>
     </p:spTree>
     <p:extLst>
       <p:ext uri="{BB962C8B-B14F-4D97-AF65-F5344CB8AC3E}">
@@ -17524,6 +17939,29 @@
               <a:rPr lang="en-US" dirty="0"/>
               <a:t>Instead of comparing immutable collections with a mutable collection we should consider it as an alternative to using mutable collections in an immutable way.</a:t>
             </a:r>
+          </a:p>
+        </p:txBody>
+      </p:sp>
+      <p:sp>
+        <p:nvSpPr>
+          <p:cNvPr id="3" name="Slide Number Placeholder 2"/>
+          <p:cNvSpPr>
+            <a:spLocks noGrp="1"/>
+          </p:cNvSpPr>
+          <p:nvPr>
+            <p:ph type="sldNum" sz="quarter" idx="12"/>
+          </p:nvPr>
+        </p:nvSpPr>
+        <p:spPr/>
+        <p:txBody>
+          <a:bodyPr/>
+          <a:lstStyle/>
+          <a:p>
+            <a:fld id="{4DEA8F66-15CB-4911-B573-45FF012716D2}" type="slidenum">
+              <a:rPr lang="en-US" smtClean="0"/>
+              <a:t>26</a:t>
+            </a:fld>
+            <a:endParaRPr lang="en-US"/>
           </a:p>
         </p:txBody>
       </p:sp>
@@ -18707,6 +19145,29 @@
           </a:graphicData>
         </a:graphic>
       </p:graphicFrame>
+      <p:sp>
+        <p:nvSpPr>
+          <p:cNvPr id="3" name="Slide Number Placeholder 2"/>
+          <p:cNvSpPr>
+            <a:spLocks noGrp="1"/>
+          </p:cNvSpPr>
+          <p:nvPr>
+            <p:ph type="sldNum" sz="quarter" idx="12"/>
+          </p:nvPr>
+        </p:nvSpPr>
+        <p:spPr/>
+        <p:txBody>
+          <a:bodyPr/>
+          <a:lstStyle/>
+          <a:p>
+            <a:fld id="{4DEA8F66-15CB-4911-B573-45FF012716D2}" type="slidenum">
+              <a:rPr lang="en-US" smtClean="0"/>
+              <a:t>27</a:t>
+            </a:fld>
+            <a:endParaRPr lang="en-US"/>
+          </a:p>
+        </p:txBody>
+      </p:sp>
     </p:spTree>
     <p:extLst>
       <p:ext uri="{BB962C8B-B14F-4D97-AF65-F5344CB8AC3E}">
@@ -18792,10 +19253,18 @@
               <a:t>Mean: </a:t>
             </a:r>
             <a:r>
-              <a:rPr lang="en-US" b="0" dirty="0"/>
+              <a:rPr lang="en-US" b="0" dirty="0">
+                <a:solidFill>
+                  <a:srgbClr val="FF0000"/>
+                </a:solidFill>
+              </a:rPr>
               <a:t>1,193.7 ns</a:t>
             </a:r>
-            <a:endParaRPr lang="ru-RU" dirty="0"/>
+            <a:endParaRPr lang="ru-RU" dirty="0">
+              <a:solidFill>
+                <a:srgbClr val="FF0000"/>
+              </a:solidFill>
+            </a:endParaRPr>
           </a:p>
         </p:txBody>
       </p:sp>
@@ -19086,10 +19555,18 @@
               <a:t>Mean: </a:t>
             </a:r>
             <a:r>
-              <a:rPr lang="en-US" b="0" dirty="0"/>
+              <a:rPr lang="en-US" b="0" dirty="0">
+                <a:solidFill>
+                  <a:srgbClr val="FF0000"/>
+                </a:solidFill>
+              </a:rPr>
               <a:t>365.9 ns</a:t>
             </a:r>
-            <a:endParaRPr lang="ru-RU" dirty="0"/>
+            <a:endParaRPr lang="ru-RU" dirty="0">
+              <a:solidFill>
+                <a:srgbClr val="FF0000"/>
+              </a:solidFill>
+            </a:endParaRPr>
           </a:p>
         </p:txBody>
       </p:sp>
@@ -19273,6 +19750,29 @@
               <a:t>}</a:t>
             </a:r>
             <a:endParaRPr lang="ru-RU" sz="2000" dirty="0"/>
+          </a:p>
+        </p:txBody>
+      </p:sp>
+      <p:sp>
+        <p:nvSpPr>
+          <p:cNvPr id="3" name="Slide Number Placeholder 2"/>
+          <p:cNvSpPr>
+            <a:spLocks noGrp="1"/>
+          </p:cNvSpPr>
+          <p:nvPr>
+            <p:ph type="sldNum" sz="quarter" idx="12"/>
+          </p:nvPr>
+        </p:nvSpPr>
+        <p:spPr/>
+        <p:txBody>
+          <a:bodyPr/>
+          <a:lstStyle/>
+          <a:p>
+            <a:fld id="{4DEA8F66-15CB-4911-B573-45FF012716D2}" type="slidenum">
+              <a:rPr lang="en-US" smtClean="0"/>
+              <a:t>28</a:t>
+            </a:fld>
+            <a:endParaRPr lang="en-US"/>
           </a:p>
         </p:txBody>
       </p:sp>
@@ -19356,14 +19856,26 @@
               <a:t>Mean: </a:t>
             </a:r>
             <a:r>
-              <a:rPr lang="en-US" b="0" dirty="0"/>
+              <a:rPr lang="en-US" b="0" dirty="0">
+                <a:solidFill>
+                  <a:srgbClr val="FF0000"/>
+                </a:solidFill>
+              </a:rPr>
               <a:t>133,267.5 ns</a:t>
             </a:r>
             <a:r>
-              <a:rPr lang="en-US" dirty="0" smtClean="0"/>
+              <a:rPr lang="en-US" dirty="0" smtClean="0">
+                <a:solidFill>
+                  <a:srgbClr val="FF0000"/>
+                </a:solidFill>
+              </a:rPr>
               <a:t> </a:t>
             </a:r>
-            <a:endParaRPr lang="ru-RU" dirty="0"/>
+            <a:endParaRPr lang="ru-RU" dirty="0">
+              <a:solidFill>
+                <a:srgbClr val="FF0000"/>
+              </a:solidFill>
+            </a:endParaRPr>
           </a:p>
         </p:txBody>
       </p:sp>
@@ -19642,10 +20154,18 @@
               <a:t>Mean: </a:t>
             </a:r>
             <a:r>
-              <a:rPr lang="en-US" b="0" dirty="0"/>
+              <a:rPr lang="en-US" b="0" dirty="0">
+                <a:solidFill>
+                  <a:srgbClr val="FF0000"/>
+                </a:solidFill>
+              </a:rPr>
               <a:t>276,739.8 ns</a:t>
             </a:r>
-            <a:endParaRPr lang="ru-RU" dirty="0"/>
+            <a:endParaRPr lang="ru-RU" dirty="0">
+              <a:solidFill>
+                <a:srgbClr val="FF0000"/>
+              </a:solidFill>
+            </a:endParaRPr>
           </a:p>
         </p:txBody>
       </p:sp>
@@ -19892,6 +20412,29 @@
               <a:t>}</a:t>
             </a:r>
             <a:endParaRPr lang="ru-RU" sz="2000" dirty="0"/>
+          </a:p>
+        </p:txBody>
+      </p:sp>
+      <p:sp>
+        <p:nvSpPr>
+          <p:cNvPr id="7" name="Slide Number Placeholder 6"/>
+          <p:cNvSpPr>
+            <a:spLocks noGrp="1"/>
+          </p:cNvSpPr>
+          <p:nvPr>
+            <p:ph type="sldNum" sz="quarter" idx="12"/>
+          </p:nvPr>
+        </p:nvSpPr>
+        <p:spPr/>
+        <p:txBody>
+          <a:bodyPr/>
+          <a:lstStyle/>
+          <a:p>
+            <a:fld id="{4DEA8F66-15CB-4911-B573-45FF012716D2}" type="slidenum">
+              <a:rPr lang="en-US" smtClean="0"/>
+              <a:t>29</a:t>
+            </a:fld>
+            <a:endParaRPr lang="en-US"/>
           </a:p>
         </p:txBody>
       </p:sp>
@@ -19998,6 +20541,29 @@
           </a:p>
         </p:txBody>
       </p:sp>
+      <p:sp>
+        <p:nvSpPr>
+          <p:cNvPr id="4" name="Slide Number Placeholder 3"/>
+          <p:cNvSpPr>
+            <a:spLocks noGrp="1"/>
+          </p:cNvSpPr>
+          <p:nvPr>
+            <p:ph type="sldNum" sz="quarter" idx="12"/>
+          </p:nvPr>
+        </p:nvSpPr>
+        <p:spPr/>
+        <p:txBody>
+          <a:bodyPr/>
+          <a:lstStyle/>
+          <a:p>
+            <a:fld id="{4DEA8F66-15CB-4911-B573-45FF012716D2}" type="slidenum">
+              <a:rPr lang="en-US" smtClean="0"/>
+              <a:t>3</a:t>
+            </a:fld>
+            <a:endParaRPr lang="en-US"/>
+          </a:p>
+        </p:txBody>
+      </p:sp>
     </p:spTree>
     <p:extLst>
       <p:ext uri="{BB962C8B-B14F-4D97-AF65-F5344CB8AC3E}">
@@ -20071,14 +20637,26 @@
               <a:t>Mean: </a:t>
             </a:r>
             <a:r>
-              <a:rPr lang="en-US" b="0" dirty="0"/>
+              <a:rPr lang="en-US" b="0" dirty="0">
+                <a:solidFill>
+                  <a:srgbClr val="FF0000"/>
+                </a:solidFill>
+              </a:rPr>
               <a:t>3,990.8 ns</a:t>
             </a:r>
             <a:r>
-              <a:rPr lang="en-US" dirty="0" smtClean="0"/>
+              <a:rPr lang="en-US" dirty="0" smtClean="0">
+                <a:solidFill>
+                  <a:srgbClr val="FF0000"/>
+                </a:solidFill>
+              </a:rPr>
               <a:t> </a:t>
             </a:r>
-            <a:endParaRPr lang="ru-RU" dirty="0"/>
+            <a:endParaRPr lang="ru-RU" dirty="0">
+              <a:solidFill>
+                <a:srgbClr val="FF0000"/>
+              </a:solidFill>
+            </a:endParaRPr>
           </a:p>
         </p:txBody>
       </p:sp>
@@ -20348,10 +20926,18 @@
               <a:t>Mean: </a:t>
             </a:r>
             <a:r>
-              <a:rPr lang="en-US" b="0" dirty="0"/>
+              <a:rPr lang="en-US" b="0" dirty="0">
+                <a:solidFill>
+                  <a:srgbClr val="FF0000"/>
+                </a:solidFill>
+              </a:rPr>
               <a:t>74,251.9 ns</a:t>
             </a:r>
-            <a:endParaRPr lang="ru-RU" dirty="0"/>
+            <a:endParaRPr lang="ru-RU" dirty="0">
+              <a:solidFill>
+                <a:srgbClr val="FF0000"/>
+              </a:solidFill>
+            </a:endParaRPr>
           </a:p>
         </p:txBody>
       </p:sp>
@@ -20616,6 +21202,29 @@
               <a:t>}</a:t>
             </a:r>
             <a:endParaRPr lang="ru-RU" sz="2000" dirty="0"/>
+          </a:p>
+        </p:txBody>
+      </p:sp>
+      <p:sp>
+        <p:nvSpPr>
+          <p:cNvPr id="7" name="Slide Number Placeholder 6"/>
+          <p:cNvSpPr>
+            <a:spLocks noGrp="1"/>
+          </p:cNvSpPr>
+          <p:nvPr>
+            <p:ph type="sldNum" sz="quarter" idx="12"/>
+          </p:nvPr>
+        </p:nvSpPr>
+        <p:spPr/>
+        <p:txBody>
+          <a:bodyPr/>
+          <a:lstStyle/>
+          <a:p>
+            <a:fld id="{4DEA8F66-15CB-4911-B573-45FF012716D2}" type="slidenum">
+              <a:rPr lang="en-US" smtClean="0"/>
+              <a:t>30</a:t>
+            </a:fld>
+            <a:endParaRPr lang="en-US"/>
           </a:p>
         </p:txBody>
       </p:sp>
@@ -20699,10 +21308,18 @@
               <a:t>Mean: </a:t>
             </a:r>
             <a:r>
-              <a:rPr lang="en-US" b="0" dirty="0"/>
+              <a:rPr lang="en-US" b="0" dirty="0">
+                <a:solidFill>
+                  <a:srgbClr val="FF0000"/>
+                </a:solidFill>
+              </a:rPr>
               <a:t>20.47 ns</a:t>
             </a:r>
-            <a:endParaRPr lang="ru-RU" dirty="0"/>
+            <a:endParaRPr lang="ru-RU" dirty="0">
+              <a:solidFill>
+                <a:srgbClr val="FF0000"/>
+              </a:solidFill>
+            </a:endParaRPr>
           </a:p>
         </p:txBody>
       </p:sp>
@@ -20875,14 +21492,26 @@
               <a:t>Mean: </a:t>
             </a:r>
             <a:r>
-              <a:rPr lang="en-US" b="0" dirty="0"/>
+              <a:rPr lang="en-US" b="0" dirty="0">
+                <a:solidFill>
+                  <a:srgbClr val="FF0000"/>
+                </a:solidFill>
+              </a:rPr>
               <a:t>109.25 ns</a:t>
             </a:r>
             <a:r>
-              <a:rPr lang="en-US" dirty="0" smtClean="0"/>
+              <a:rPr lang="en-US" dirty="0" smtClean="0">
+                <a:solidFill>
+                  <a:srgbClr val="FF0000"/>
+                </a:solidFill>
+              </a:rPr>
               <a:t> </a:t>
             </a:r>
-            <a:endParaRPr lang="ru-RU" dirty="0"/>
+            <a:endParaRPr lang="ru-RU" dirty="0">
+              <a:solidFill>
+                <a:srgbClr val="FF0000"/>
+              </a:solidFill>
+            </a:endParaRPr>
           </a:p>
         </p:txBody>
       </p:sp>
@@ -21041,6 +21670,29 @@
               <a:t>}</a:t>
             </a:r>
             <a:endParaRPr lang="ru-RU" sz="2000" dirty="0"/>
+          </a:p>
+        </p:txBody>
+      </p:sp>
+      <p:sp>
+        <p:nvSpPr>
+          <p:cNvPr id="7" name="Slide Number Placeholder 6"/>
+          <p:cNvSpPr>
+            <a:spLocks noGrp="1"/>
+          </p:cNvSpPr>
+          <p:nvPr>
+            <p:ph type="sldNum" sz="quarter" idx="12"/>
+          </p:nvPr>
+        </p:nvSpPr>
+        <p:spPr/>
+        <p:txBody>
+          <a:bodyPr/>
+          <a:lstStyle/>
+          <a:p>
+            <a:fld id="{4DEA8F66-15CB-4911-B573-45FF012716D2}" type="slidenum">
+              <a:rPr lang="en-US" smtClean="0"/>
+              <a:t>31</a:t>
+            </a:fld>
+            <a:endParaRPr lang="en-US"/>
           </a:p>
         </p:txBody>
       </p:sp>
@@ -21124,10 +21776,18 @@
               <a:t>Mean: </a:t>
             </a:r>
             <a:r>
-              <a:rPr lang="en-US" b="0" dirty="0"/>
+              <a:rPr lang="en-US" b="0" dirty="0">
+                <a:solidFill>
+                  <a:srgbClr val="FF0000"/>
+                </a:solidFill>
+              </a:rPr>
               <a:t>35,392.16 ns</a:t>
             </a:r>
-            <a:endParaRPr lang="ru-RU" dirty="0"/>
+            <a:endParaRPr lang="ru-RU" dirty="0">
+              <a:solidFill>
+                <a:srgbClr val="FF0000"/>
+              </a:solidFill>
+            </a:endParaRPr>
           </a:p>
         </p:txBody>
       </p:sp>
@@ -21550,10 +22210,18 @@
               <a:t>Mean: </a:t>
             </a:r>
             <a:r>
-              <a:rPr lang="en-US" b="0" dirty="0"/>
+              <a:rPr lang="en-US" b="0" dirty="0">
+                <a:solidFill>
+                  <a:srgbClr val="FF0000"/>
+                </a:solidFill>
+              </a:rPr>
               <a:t>4,628.17 ns</a:t>
             </a:r>
-            <a:endParaRPr lang="ru-RU" dirty="0"/>
+            <a:endParaRPr lang="ru-RU" dirty="0">
+              <a:solidFill>
+                <a:srgbClr val="FF0000"/>
+              </a:solidFill>
+            </a:endParaRPr>
           </a:p>
         </p:txBody>
       </p:sp>
@@ -21870,6 +22538,29 @@
               <a:t>}</a:t>
             </a:r>
             <a:endParaRPr lang="ru-RU" sz="1800" dirty="0"/>
+          </a:p>
+        </p:txBody>
+      </p:sp>
+      <p:sp>
+        <p:nvSpPr>
+          <p:cNvPr id="7" name="Slide Number Placeholder 6"/>
+          <p:cNvSpPr>
+            <a:spLocks noGrp="1"/>
+          </p:cNvSpPr>
+          <p:nvPr>
+            <p:ph type="sldNum" sz="quarter" idx="12"/>
+          </p:nvPr>
+        </p:nvSpPr>
+        <p:spPr/>
+        <p:txBody>
+          <a:bodyPr/>
+          <a:lstStyle/>
+          <a:p>
+            <a:fld id="{4DEA8F66-15CB-4911-B573-45FF012716D2}" type="slidenum">
+              <a:rPr lang="en-US" smtClean="0"/>
+              <a:t>32</a:t>
+            </a:fld>
+            <a:endParaRPr lang="en-US"/>
           </a:p>
         </p:txBody>
       </p:sp>
@@ -22937,6 +23628,29 @@
           </a:graphicData>
         </a:graphic>
       </p:graphicFrame>
+      <p:sp>
+        <p:nvSpPr>
+          <p:cNvPr id="3" name="Slide Number Placeholder 2"/>
+          <p:cNvSpPr>
+            <a:spLocks noGrp="1"/>
+          </p:cNvSpPr>
+          <p:nvPr>
+            <p:ph type="sldNum" sz="quarter" idx="12"/>
+          </p:nvPr>
+        </p:nvSpPr>
+        <p:spPr/>
+        <p:txBody>
+          <a:bodyPr/>
+          <a:lstStyle/>
+          <a:p>
+            <a:fld id="{4DEA8F66-15CB-4911-B573-45FF012716D2}" type="slidenum">
+              <a:rPr lang="en-US" smtClean="0"/>
+              <a:t>33</a:t>
+            </a:fld>
+            <a:endParaRPr lang="en-US"/>
+          </a:p>
+        </p:txBody>
+      </p:sp>
     </p:spTree>
     <p:extLst>
       <p:ext uri="{BB962C8B-B14F-4D97-AF65-F5344CB8AC3E}">
@@ -23028,9 +23742,12 @@
           <a:lstStyle/>
           <a:p>
             <a:r>
-              <a:rPr lang="en-US" dirty="0"/>
+              <a:rPr lang="en-US" dirty="0">
+                <a:hlinkClick r:id="rId3"/>
+              </a:rPr>
               <a:t>Jon Skeet — The changing state of immutability C#</a:t>
             </a:r>
+            <a:endParaRPr lang="en-US" dirty="0"/>
           </a:p>
           <a:p>
             <a:r>
@@ -23045,39 +23762,84 @@
           <a:p>
             <a:pPr lvl="1"/>
             <a:r>
-              <a:rPr lang="en-US" dirty="0"/>
+              <a:rPr lang="en-US" dirty="0">
+                <a:hlinkClick r:id="rId4"/>
+              </a:rPr>
               <a:t>Immutability in C# Part One</a:t>
             </a:r>
+            <a:endParaRPr lang="en-US" dirty="0"/>
           </a:p>
           <a:p>
             <a:pPr lvl="1"/>
             <a:r>
-              <a:rPr lang="en-US" dirty="0"/>
+              <a:rPr lang="en-US" dirty="0">
+                <a:hlinkClick r:id="rId5"/>
+              </a:rPr>
               <a:t>Immutability in C# Part Two</a:t>
             </a:r>
-          </a:p>
-          <a:p>
-            <a:r>
-              <a:rPr lang="en-US" dirty="0"/>
-              <a:t>Immutable Objects in C# | Pluralsight</a:t>
-            </a:r>
-          </a:p>
-          <a:p>
-            <a:r>
-              <a:rPr lang="en-US" dirty="0"/>
-              <a:t>Google: “</a:t>
-            </a:r>
-            <a:r>
-              <a:rPr lang="en-US" dirty="0" err="1"/>
-              <a:t>c#</a:t>
-            </a:r>
-            <a:r>
-              <a:rPr lang="en-US" dirty="0"/>
-              <a:t> immutability”</a:t>
-            </a:r>
-          </a:p>
-          <a:p>
             <a:endParaRPr lang="en-US" dirty="0"/>
+          </a:p>
+          <a:p>
+            <a:r>
+              <a:rPr lang="en-US" dirty="0">
+                <a:hlinkClick r:id="rId6"/>
+              </a:rPr>
+              <a:t>Functional C#: </a:t>
+            </a:r>
+            <a:r>
+              <a:rPr lang="en-US" dirty="0" smtClean="0">
+                <a:hlinkClick r:id="rId6"/>
+              </a:rPr>
+              <a:t>Immutability</a:t>
+            </a:r>
+            <a:endParaRPr lang="en-US" dirty="0" smtClean="0"/>
+          </a:p>
+          <a:p>
+            <a:r>
+              <a:rPr lang="en-US" dirty="0">
+                <a:hlinkClick r:id="rId7"/>
+              </a:rPr>
+              <a:t>Functional Programming In-Depth (12) </a:t>
+            </a:r>
+            <a:r>
+              <a:rPr lang="en-US" dirty="0" smtClean="0">
+                <a:hlinkClick r:id="rId7"/>
+              </a:rPr>
+              <a:t>Immutability,</a:t>
+            </a:r>
+            <a:r>
+              <a:rPr lang="en-US" dirty="0">
+                <a:hlinkClick r:id="rId7"/>
+              </a:rPr>
+              <a:t> Anonymous Type, and Tuple</a:t>
+            </a:r>
+            <a:endParaRPr lang="en-US" dirty="0"/>
+          </a:p>
+          <a:p>
+            <a:endParaRPr lang="en-US" dirty="0"/>
+          </a:p>
+        </p:txBody>
+      </p:sp>
+      <p:sp>
+        <p:nvSpPr>
+          <p:cNvPr id="4" name="Slide Number Placeholder 3"/>
+          <p:cNvSpPr>
+            <a:spLocks noGrp="1"/>
+          </p:cNvSpPr>
+          <p:nvPr>
+            <p:ph type="sldNum" sz="quarter" idx="12"/>
+          </p:nvPr>
+        </p:nvSpPr>
+        <p:spPr/>
+        <p:txBody>
+          <a:bodyPr/>
+          <a:lstStyle/>
+          <a:p>
+            <a:fld id="{4DEA8F66-15CB-4911-B573-45FF012716D2}" type="slidenum">
+              <a:rPr lang="en-US" smtClean="0"/>
+              <a:t>34</a:t>
+            </a:fld>
+            <a:endParaRPr lang="en-US"/>
           </a:p>
         </p:txBody>
       </p:sp>
@@ -23091,6 +23853,13 @@
   <p:clrMapOvr>
     <a:masterClrMapping/>
   </p:clrMapOvr>
+  <p:timing>
+    <p:tnLst>
+      <p:par>
+        <p:cTn id="1" dur="indefinite" restart="never" nodeType="tmRoot"/>
+      </p:par>
+    </p:tnLst>
+  </p:timing>
 </p:sld>
 </file>
 
@@ -23161,6 +23930,29 @@
           <a:bodyPr/>
           <a:lstStyle/>
           <a:p>
+            <a:endParaRPr lang="en-US"/>
+          </a:p>
+        </p:txBody>
+      </p:sp>
+      <p:sp>
+        <p:nvSpPr>
+          <p:cNvPr id="4" name="Slide Number Placeholder 3"/>
+          <p:cNvSpPr>
+            <a:spLocks noGrp="1"/>
+          </p:cNvSpPr>
+          <p:nvPr>
+            <p:ph type="sldNum" sz="quarter" idx="12"/>
+          </p:nvPr>
+        </p:nvSpPr>
+        <p:spPr/>
+        <p:txBody>
+          <a:bodyPr/>
+          <a:lstStyle/>
+          <a:p>
+            <a:fld id="{4DEA8F66-15CB-4911-B573-45FF012716D2}" type="slidenum">
+              <a:rPr lang="en-US" smtClean="0"/>
+              <a:t>35</a:t>
+            </a:fld>
             <a:endParaRPr lang="en-US"/>
           </a:p>
         </p:txBody>
@@ -23285,6 +24077,29 @@
           </a:p>
         </p:txBody>
       </p:sp>
+      <p:sp>
+        <p:nvSpPr>
+          <p:cNvPr id="4" name="Slide Number Placeholder 3"/>
+          <p:cNvSpPr>
+            <a:spLocks noGrp="1"/>
+          </p:cNvSpPr>
+          <p:nvPr>
+            <p:ph type="sldNum" sz="quarter" idx="12"/>
+          </p:nvPr>
+        </p:nvSpPr>
+        <p:spPr/>
+        <p:txBody>
+          <a:bodyPr/>
+          <a:lstStyle/>
+          <a:p>
+            <a:fld id="{4DEA8F66-15CB-4911-B573-45FF012716D2}" type="slidenum">
+              <a:rPr lang="en-US" smtClean="0"/>
+              <a:t>4</a:t>
+            </a:fld>
+            <a:endParaRPr lang="en-US"/>
+          </a:p>
+        </p:txBody>
+      </p:sp>
     </p:spTree>
     <p:extLst>
       <p:ext uri="{BB962C8B-B14F-4D97-AF65-F5344CB8AC3E}">
@@ -24071,6 +24886,29 @@
           </a:p>
         </p:txBody>
       </p:sp>
+      <p:sp>
+        <p:nvSpPr>
+          <p:cNvPr id="3" name="Slide Number Placeholder 2"/>
+          <p:cNvSpPr>
+            <a:spLocks noGrp="1"/>
+          </p:cNvSpPr>
+          <p:nvPr>
+            <p:ph type="sldNum" sz="quarter" idx="12"/>
+          </p:nvPr>
+        </p:nvSpPr>
+        <p:spPr/>
+        <p:txBody>
+          <a:bodyPr/>
+          <a:lstStyle/>
+          <a:p>
+            <a:fld id="{4DEA8F66-15CB-4911-B573-45FF012716D2}" type="slidenum">
+              <a:rPr lang="en-US" smtClean="0"/>
+              <a:t>5</a:t>
+            </a:fld>
+            <a:endParaRPr lang="en-US"/>
+          </a:p>
+        </p:txBody>
+      </p:sp>
     </p:spTree>
     <p:extLst>
       <p:ext uri="{BB962C8B-B14F-4D97-AF65-F5344CB8AC3E}">
@@ -24102,7 +24940,7 @@
                             </p:stCondLst>
                             <p:childTnLst>
                               <p:par>
-                                <p:cTn id="5" presetID="1" presetClass="entr" presetSubtype="0" fill="hold" nodeType="clickEffect">
+                                <p:cTn id="5" presetID="1" presetClass="entr" presetSubtype="0" fill="hold" grpId="0" nodeType="clickEffect">
                                   <p:stCondLst>
                                     <p:cond delay="0"/>
                                   </p:stCondLst>
@@ -24110,6 +24948,237 @@
                                     <p:set>
                                       <p:cBhvr>
                                         <p:cTn id="6" dur="1" fill="hold">
+                                          <p:stCondLst>
+                                            <p:cond delay="0"/>
+                                          </p:stCondLst>
+                                        </p:cTn>
+                                        <p:tgtEl>
+                                          <p:spTgt spid="5">
+                                            <p:txEl>
+                                              <p:pRg st="0" end="0"/>
+                                            </p:txEl>
+                                          </p:spTgt>
+                                        </p:tgtEl>
+                                        <p:attrNameLst>
+                                          <p:attrName>style.visibility</p:attrName>
+                                        </p:attrNameLst>
+                                      </p:cBhvr>
+                                      <p:to>
+                                        <p:strVal val="visible"/>
+                                      </p:to>
+                                    </p:set>
+                                  </p:childTnLst>
+                                </p:cTn>
+                              </p:par>
+                              <p:par>
+                                <p:cTn id="7" presetID="1" presetClass="entr" presetSubtype="0" fill="hold" grpId="0" nodeType="withEffect">
+                                  <p:stCondLst>
+                                    <p:cond delay="0"/>
+                                  </p:stCondLst>
+                                  <p:childTnLst>
+                                    <p:set>
+                                      <p:cBhvr>
+                                        <p:cTn id="8" dur="1" fill="hold">
+                                          <p:stCondLst>
+                                            <p:cond delay="0"/>
+                                          </p:stCondLst>
+                                        </p:cTn>
+                                        <p:tgtEl>
+                                          <p:spTgt spid="5">
+                                            <p:txEl>
+                                              <p:pRg st="1" end="1"/>
+                                            </p:txEl>
+                                          </p:spTgt>
+                                        </p:tgtEl>
+                                        <p:attrNameLst>
+                                          <p:attrName>style.visibility</p:attrName>
+                                        </p:attrNameLst>
+                                      </p:cBhvr>
+                                      <p:to>
+                                        <p:strVal val="visible"/>
+                                      </p:to>
+                                    </p:set>
+                                  </p:childTnLst>
+                                </p:cTn>
+                              </p:par>
+                              <p:par>
+                                <p:cTn id="9" presetID="1" presetClass="entr" presetSubtype="0" fill="hold" grpId="0" nodeType="withEffect">
+                                  <p:stCondLst>
+                                    <p:cond delay="0"/>
+                                  </p:stCondLst>
+                                  <p:childTnLst>
+                                    <p:set>
+                                      <p:cBhvr>
+                                        <p:cTn id="10" dur="1" fill="hold">
+                                          <p:stCondLst>
+                                            <p:cond delay="0"/>
+                                          </p:stCondLst>
+                                        </p:cTn>
+                                        <p:tgtEl>
+                                          <p:spTgt spid="5">
+                                            <p:txEl>
+                                              <p:pRg st="2" end="2"/>
+                                            </p:txEl>
+                                          </p:spTgt>
+                                        </p:tgtEl>
+                                        <p:attrNameLst>
+                                          <p:attrName>style.visibility</p:attrName>
+                                        </p:attrNameLst>
+                                      </p:cBhvr>
+                                      <p:to>
+                                        <p:strVal val="visible"/>
+                                      </p:to>
+                                    </p:set>
+                                  </p:childTnLst>
+                                </p:cTn>
+                              </p:par>
+                              <p:par>
+                                <p:cTn id="11" presetID="1" presetClass="entr" presetSubtype="0" fill="hold" grpId="0" nodeType="withEffect">
+                                  <p:stCondLst>
+                                    <p:cond delay="0"/>
+                                  </p:stCondLst>
+                                  <p:childTnLst>
+                                    <p:set>
+                                      <p:cBhvr>
+                                        <p:cTn id="12" dur="1" fill="hold">
+                                          <p:stCondLst>
+                                            <p:cond delay="0"/>
+                                          </p:stCondLst>
+                                        </p:cTn>
+                                        <p:tgtEl>
+                                          <p:spTgt spid="5">
+                                            <p:txEl>
+                                              <p:pRg st="6" end="6"/>
+                                            </p:txEl>
+                                          </p:spTgt>
+                                        </p:tgtEl>
+                                        <p:attrNameLst>
+                                          <p:attrName>style.visibility</p:attrName>
+                                        </p:attrNameLst>
+                                      </p:cBhvr>
+                                      <p:to>
+                                        <p:strVal val="visible"/>
+                                      </p:to>
+                                    </p:set>
+                                  </p:childTnLst>
+                                </p:cTn>
+                              </p:par>
+                              <p:par>
+                                <p:cTn id="13" presetID="1" presetClass="entr" presetSubtype="0" fill="hold" grpId="0" nodeType="withEffect">
+                                  <p:stCondLst>
+                                    <p:cond delay="0"/>
+                                  </p:stCondLst>
+                                  <p:childTnLst>
+                                    <p:set>
+                                      <p:cBhvr>
+                                        <p:cTn id="14" dur="1" fill="hold">
+                                          <p:stCondLst>
+                                            <p:cond delay="0"/>
+                                          </p:stCondLst>
+                                        </p:cTn>
+                                        <p:tgtEl>
+                                          <p:spTgt spid="5">
+                                            <p:txEl>
+                                              <p:pRg st="8" end="8"/>
+                                            </p:txEl>
+                                          </p:spTgt>
+                                        </p:tgtEl>
+                                        <p:attrNameLst>
+                                          <p:attrName>style.visibility</p:attrName>
+                                        </p:attrNameLst>
+                                      </p:cBhvr>
+                                      <p:to>
+                                        <p:strVal val="visible"/>
+                                      </p:to>
+                                    </p:set>
+                                  </p:childTnLst>
+                                </p:cTn>
+                              </p:par>
+                              <p:par>
+                                <p:cTn id="15" presetID="1" presetClass="entr" presetSubtype="0" fill="hold" grpId="0" nodeType="withEffect">
+                                  <p:stCondLst>
+                                    <p:cond delay="0"/>
+                                  </p:stCondLst>
+                                  <p:childTnLst>
+                                    <p:set>
+                                      <p:cBhvr>
+                                        <p:cTn id="16" dur="1" fill="hold">
+                                          <p:stCondLst>
+                                            <p:cond delay="0"/>
+                                          </p:stCondLst>
+                                        </p:cTn>
+                                        <p:tgtEl>
+                                          <p:spTgt spid="5">
+                                            <p:txEl>
+                                              <p:pRg st="9" end="9"/>
+                                            </p:txEl>
+                                          </p:spTgt>
+                                        </p:tgtEl>
+                                        <p:attrNameLst>
+                                          <p:attrName>style.visibility</p:attrName>
+                                        </p:attrNameLst>
+                                      </p:cBhvr>
+                                      <p:to>
+                                        <p:strVal val="visible"/>
+                                      </p:to>
+                                    </p:set>
+                                  </p:childTnLst>
+                                </p:cTn>
+                              </p:par>
+                              <p:par>
+                                <p:cTn id="17" presetID="1" presetClass="entr" presetSubtype="0" fill="hold" grpId="0" nodeType="withEffect">
+                                  <p:stCondLst>
+                                    <p:cond delay="0"/>
+                                  </p:stCondLst>
+                                  <p:childTnLst>
+                                    <p:set>
+                                      <p:cBhvr>
+                                        <p:cTn id="18" dur="1" fill="hold">
+                                          <p:stCondLst>
+                                            <p:cond delay="0"/>
+                                          </p:stCondLst>
+                                        </p:cTn>
+                                        <p:tgtEl>
+                                          <p:spTgt spid="7"/>
+                                        </p:tgtEl>
+                                        <p:attrNameLst>
+                                          <p:attrName>style.visibility</p:attrName>
+                                        </p:attrNameLst>
+                                      </p:cBhvr>
+                                      <p:to>
+                                        <p:strVal val="visible"/>
+                                      </p:to>
+                                    </p:set>
+                                  </p:childTnLst>
+                                </p:cTn>
+                              </p:par>
+                            </p:childTnLst>
+                          </p:cTn>
+                        </p:par>
+                      </p:childTnLst>
+                    </p:cTn>
+                  </p:par>
+                  <p:par>
+                    <p:cTn id="19" fill="hold">
+                      <p:stCondLst>
+                        <p:cond delay="indefinite"/>
+                      </p:stCondLst>
+                      <p:childTnLst>
+                        <p:par>
+                          <p:cTn id="20" fill="hold">
+                            <p:stCondLst>
+                              <p:cond delay="0"/>
+                            </p:stCondLst>
+                            <p:childTnLst>
+                              <p:par>
+                                <p:cTn id="21" presetID="1" presetClass="entr" presetSubtype="0" fill="hold" nodeType="clickEffect">
+                                  <p:stCondLst>
+                                    <p:cond delay="0"/>
+                                  </p:stCondLst>
+                                  <p:childTnLst>
+                                    <p:set>
+                                      <p:cBhvr>
+                                        <p:cTn id="22" dur="1" fill="hold">
                                           <p:stCondLst>
                                             <p:cond delay="0"/>
                                           </p:stCondLst>
@@ -24159,6 +25228,10 @@
         </p:cTn>
       </p:par>
     </p:tnLst>
+    <p:bldLst>
+      <p:bldP spid="5" grpId="0" uiExpand="1" build="allAtOnce"/>
+      <p:bldP spid="7" grpId="0" animBg="1"/>
+    </p:bldLst>
   </p:timing>
 </p:sld>
 </file>
@@ -24640,6 +25713,29 @@
               <a:t> }</a:t>
             </a:r>
             <a:endParaRPr lang="ru-RU" dirty="0"/>
+          </a:p>
+        </p:txBody>
+      </p:sp>
+      <p:sp>
+        <p:nvSpPr>
+          <p:cNvPr id="3" name="Slide Number Placeholder 2"/>
+          <p:cNvSpPr>
+            <a:spLocks noGrp="1"/>
+          </p:cNvSpPr>
+          <p:nvPr>
+            <p:ph type="sldNum" sz="quarter" idx="12"/>
+          </p:nvPr>
+        </p:nvSpPr>
+        <p:spPr/>
+        <p:txBody>
+          <a:bodyPr/>
+          <a:lstStyle/>
+          <a:p>
+            <a:fld id="{4DEA8F66-15CB-4911-B573-45FF012716D2}" type="slidenum">
+              <a:rPr lang="en-US" smtClean="0"/>
+              <a:t>6</a:t>
+            </a:fld>
+            <a:endParaRPr lang="en-US"/>
           </a:p>
         </p:txBody>
       </p:sp>
@@ -25385,6 +26481,29 @@
               <a:t>}</a:t>
             </a:r>
             <a:endParaRPr lang="ru-RU" dirty="0"/>
+          </a:p>
+        </p:txBody>
+      </p:sp>
+      <p:sp>
+        <p:nvSpPr>
+          <p:cNvPr id="4" name="Slide Number Placeholder 3"/>
+          <p:cNvSpPr>
+            <a:spLocks noGrp="1"/>
+          </p:cNvSpPr>
+          <p:nvPr>
+            <p:ph type="sldNum" sz="quarter" idx="12"/>
+          </p:nvPr>
+        </p:nvSpPr>
+        <p:spPr/>
+        <p:txBody>
+          <a:bodyPr/>
+          <a:lstStyle/>
+          <a:p>
+            <a:fld id="{4DEA8F66-15CB-4911-B573-45FF012716D2}" type="slidenum">
+              <a:rPr lang="en-US" smtClean="0"/>
+              <a:t>7</a:t>
+            </a:fld>
+            <a:endParaRPr lang="en-US"/>
           </a:p>
         </p:txBody>
       </p:sp>
@@ -25706,6 +26825,29 @@
           </a:p>
         </p:txBody>
       </p:sp>
+      <p:sp>
+        <p:nvSpPr>
+          <p:cNvPr id="4" name="Slide Number Placeholder 3"/>
+          <p:cNvSpPr>
+            <a:spLocks noGrp="1"/>
+          </p:cNvSpPr>
+          <p:nvPr>
+            <p:ph type="sldNum" sz="quarter" idx="12"/>
+          </p:nvPr>
+        </p:nvSpPr>
+        <p:spPr/>
+        <p:txBody>
+          <a:bodyPr/>
+          <a:lstStyle/>
+          <a:p>
+            <a:fld id="{4DEA8F66-15CB-4911-B573-45FF012716D2}" type="slidenum">
+              <a:rPr lang="en-US" smtClean="0"/>
+              <a:t>8</a:t>
+            </a:fld>
+            <a:endParaRPr lang="en-US"/>
+          </a:p>
+        </p:txBody>
+      </p:sp>
     </p:spTree>
     <p:extLst>
       <p:ext uri="{BB962C8B-B14F-4D97-AF65-F5344CB8AC3E}">
@@ -25803,6 +26945,29 @@
           </a:prstGeom>
         </p:spPr>
       </p:pic>
+      <p:sp>
+        <p:nvSpPr>
+          <p:cNvPr id="3" name="Slide Number Placeholder 2"/>
+          <p:cNvSpPr>
+            <a:spLocks noGrp="1"/>
+          </p:cNvSpPr>
+          <p:nvPr>
+            <p:ph type="sldNum" sz="quarter" idx="12"/>
+          </p:nvPr>
+        </p:nvSpPr>
+        <p:spPr/>
+        <p:txBody>
+          <a:bodyPr/>
+          <a:lstStyle/>
+          <a:p>
+            <a:fld id="{4DEA8F66-15CB-4911-B573-45FF012716D2}" type="slidenum">
+              <a:rPr lang="en-US" smtClean="0"/>
+              <a:t>9</a:t>
+            </a:fld>
+            <a:endParaRPr lang="en-US"/>
+          </a:p>
+        </p:txBody>
+      </p:sp>
     </p:spTree>
     <p:extLst>
       <p:ext uri="{BB962C8B-B14F-4D97-AF65-F5344CB8AC3E}">

--- a/Presentation.pptx
+++ b/Presentation.pptx
@@ -298,7 +298,7 @@
           <a:p>
             <a:fld id="{E8677973-4C7D-4B32-A1AE-9D6A9A1BEB65}" type="datetimeFigureOut">
               <a:rPr lang="en-US" smtClean="0"/>
-              <a:t>5/9/2018</a:t>
+              <a:t>5/13/2018</a:t>
             </a:fld>
             <a:endParaRPr lang="en-US"/>
           </a:p>
@@ -1206,20 +1206,8 @@
           <a:lstStyle/>
           <a:p>
             <a:r>
-              <a:rPr lang="en-US" dirty="0"/>
-              <a:t>2</a:t>
-            </a:r>
-            <a:r>
-              <a:rPr lang="ru-RU" dirty="0"/>
-              <a:t>8</a:t>
-            </a:r>
-            <a:r>
-              <a:rPr lang="en-US" dirty="0"/>
-              <a:t>: </a:t>
-            </a:r>
-            <a:r>
-              <a:rPr lang="ru-RU" dirty="0"/>
-              <a:t>Пересказ коаны. Мораль – без изменений наша система будет бесполезна</a:t>
+              <a:rPr lang="ru-RU" dirty="0" smtClean="0"/>
+              <a:t>Каждый монах должен позвать учителя Кайму как минимум раз за время пребывания в храме. Когда учитель откроет дверь, монах должен поклониться и спросить: “Какой большой плюс у сервисов без состояния?” Кайму наверняка ответит: “Десять тысяч гостей кормятся одним зерном риса”. Затем монах должен спросить: “А какой большой минус?” Кайму ответит: “Большой минус у чего?”</a:t>
             </a:r>
             <a:endParaRPr lang="en-US" dirty="0"/>
           </a:p>
@@ -1739,12 +1727,8 @@
           <a:lstStyle/>
           <a:p>
             <a:r>
-              <a:rPr lang="en-US" dirty="0"/>
-              <a:t>02-04: </a:t>
-            </a:r>
-            <a:r>
-              <a:rPr lang="ru-RU" dirty="0"/>
-              <a:t>Пересказ данной коаны программирования</a:t>
+              <a:rPr lang="ru-RU" dirty="0" smtClean="0"/>
+              <a:t>Послушник недавно прибыл из Храма Трёх Камней, где используется только язык C. Он был новичком в Java и вскоре наткнулся на неизменяемость строк. “Я хочу только поменять содержимое этого поля!” - воскликнул он. “Но для этого требуется создать объект StringBuffer и, впоследствии, новый объект String, дважды копируя множество нетронутых символов между ними! С какой целью были разработаны такие строки?” Учёная сестра услышала его и посоветовала: “Медную монету, передаваемую из рук в руки, всё ещё можно обменять на другой день, но только не яйцо”. И послушник просветился.</a:t>
             </a:r>
             <a:endParaRPr lang="en-US" dirty="0"/>
           </a:p>
@@ -2465,12 +2449,12 @@
           <a:lstStyle/>
           <a:p>
             <a:r>
-              <a:rPr lang="en-US" dirty="0"/>
-              <a:t>12:</a:t>
-            </a:r>
-            <a:r>
-              <a:rPr lang="ru-RU" dirty="0"/>
-              <a:t> Существует множество способов сделать сущности неизменяемыми</a:t>
+              <a:rPr lang="ru-RU" dirty="0" smtClean="0"/>
+              <a:t>Сказать</a:t>
+            </a:r>
+            <a:r>
+              <a:rPr lang="ru-RU" baseline="0" dirty="0" smtClean="0"/>
+              <a:t> про статическую типизацю</a:t>
             </a:r>
             <a:endParaRPr lang="en-US" dirty="0"/>
           </a:p>
@@ -2772,44 +2756,8 @@
           <a:lstStyle/>
           <a:p>
             <a:r>
-              <a:rPr lang="en-US" dirty="0"/>
-              <a:t>1</a:t>
-            </a:r>
-            <a:r>
-              <a:rPr lang="ru-RU" dirty="0"/>
-              <a:t>5</a:t>
-            </a:r>
-            <a:r>
-              <a:rPr lang="en-US" dirty="0"/>
-              <a:t>-18: </a:t>
-            </a:r>
-            <a:r>
-              <a:rPr lang="ru-RU" dirty="0"/>
-              <a:t>Я бы хотел рассказать продолжение коаны про иммутабельность. </a:t>
-            </a:r>
-            <a:r>
-              <a:rPr lang="en-US" dirty="0"/>
-              <a:t>DEMO:</a:t>
-            </a:r>
-            <a:r>
-              <a:rPr lang="ru-RU" dirty="0"/>
-              <a:t> Рассмотреть недостатки работы с большими сущностями. Показать пример, когда приходится внутри метода реализовывать</a:t>
-            </a:r>
-            <a:r>
-              <a:rPr lang="en-US" dirty="0"/>
-              <a:t> </a:t>
-            </a:r>
-            <a:r>
-              <a:rPr lang="ru-RU" dirty="0"/>
-              <a:t>сложную логику, и неизменяемая сущность вынуждает создавать массу</a:t>
-            </a:r>
-            <a:r>
-              <a:rPr lang="en-US" dirty="0"/>
-              <a:t> </a:t>
-            </a:r>
-            <a:r>
-              <a:rPr lang="ru-RU" dirty="0"/>
-              <a:t>лищних переменных</a:t>
+              <a:rPr lang="ru-RU" dirty="0" smtClean="0"/>
+              <a:t>Вскоре послушник стал определять все классы неизменяемыми. Ни одно свойство нельзя было менять: только при создании нового экземпляра можно было делать необходимые изменения. Его конструкторы иногда были удивительно большими и сложными.Учитель Java узнал об этом и сказал: “Пусть яйцо отольют из меди подадут монахине на завтрак.”Таким образом была наказана монахиня за свой совет послушнику.</a:t>
             </a:r>
             <a:endParaRPr lang="en-US" dirty="0"/>
           </a:p>
@@ -2896,12 +2844,16 @@
           <a:lstStyle/>
           <a:p>
             <a:r>
-              <a:rPr lang="en-US" dirty="0"/>
-              <a:t>MEETUP: </a:t>
-            </a:r>
-            <a:r>
-              <a:rPr lang="ru-RU" dirty="0"/>
-              <a:t>показать пример из дата трансфера</a:t>
+              <a:rPr lang="ru-RU" dirty="0" smtClean="0"/>
+              <a:t>Сериализация</a:t>
+            </a:r>
+            <a:r>
+              <a:rPr lang="ru-RU" baseline="0" dirty="0" smtClean="0"/>
+              <a:t> + </a:t>
+            </a:r>
+            <a:r>
+              <a:rPr lang="en-US" baseline="0" dirty="0" smtClean="0"/>
+              <a:t>Entity Framework</a:t>
             </a:r>
             <a:endParaRPr lang="en-US" dirty="0"/>
           </a:p>
@@ -3090,7 +3042,7 @@
           <a:p>
             <a:fld id="{A3080D3A-A941-4AD9-841B-3309D54C6E0D}" type="datetime1">
               <a:rPr lang="en-US" smtClean="0"/>
-              <a:t>5/9/2018</a:t>
+              <a:t>5/13/2018</a:t>
             </a:fld>
             <a:endParaRPr lang="en-US"/>
           </a:p>
@@ -3288,7 +3240,7 @@
           <a:p>
             <a:fld id="{78963F58-0520-42B6-8BEC-FA74DE52E84A}" type="datetime1">
               <a:rPr lang="en-US" smtClean="0"/>
-              <a:t>5/9/2018</a:t>
+              <a:t>5/13/2018</a:t>
             </a:fld>
             <a:endParaRPr lang="en-US"/>
           </a:p>
@@ -3496,7 +3448,7 @@
           <a:p>
             <a:fld id="{1E0741F7-5606-4EF4-BBF2-2E583FB4696B}" type="datetime1">
               <a:rPr lang="en-US" smtClean="0"/>
-              <a:t>5/9/2018</a:t>
+              <a:t>5/13/2018</a:t>
             </a:fld>
             <a:endParaRPr lang="en-US"/>
           </a:p>
@@ -3694,7 +3646,7 @@
           <a:p>
             <a:fld id="{8A243E26-5328-4A3E-9742-86E8E5618FB9}" type="datetime1">
               <a:rPr lang="en-US" smtClean="0"/>
-              <a:t>5/9/2018</a:t>
+              <a:t>5/13/2018</a:t>
             </a:fld>
             <a:endParaRPr lang="en-US"/>
           </a:p>
@@ -3969,7 +3921,7 @@
           <a:p>
             <a:fld id="{79F3BB67-8FEA-42EA-BE41-1C0C499F6715}" type="datetime1">
               <a:rPr lang="en-US" smtClean="0"/>
-              <a:t>5/9/2018</a:t>
+              <a:t>5/13/2018</a:t>
             </a:fld>
             <a:endParaRPr lang="en-US"/>
           </a:p>
@@ -4234,7 +4186,7 @@
           <a:p>
             <a:fld id="{3C5F631E-1ED2-4508-8511-18A4F93AB530}" type="datetime1">
               <a:rPr lang="en-US" smtClean="0"/>
-              <a:t>5/9/2018</a:t>
+              <a:t>5/13/2018</a:t>
             </a:fld>
             <a:endParaRPr lang="en-US"/>
           </a:p>
@@ -4646,7 +4598,7 @@
           <a:p>
             <a:fld id="{4A147336-6269-4B5B-981C-D66BB990C237}" type="datetime1">
               <a:rPr lang="en-US" smtClean="0"/>
-              <a:t>5/9/2018</a:t>
+              <a:t>5/13/2018</a:t>
             </a:fld>
             <a:endParaRPr lang="en-US"/>
           </a:p>
@@ -4787,7 +4739,7 @@
           <a:p>
             <a:fld id="{F51CFDBD-456D-49E1-AB6F-9E02C6121DD3}" type="datetime1">
               <a:rPr lang="en-US" smtClean="0"/>
-              <a:t>5/9/2018</a:t>
+              <a:t>5/13/2018</a:t>
             </a:fld>
             <a:endParaRPr lang="en-US"/>
           </a:p>
@@ -4900,7 +4852,7 @@
           <a:p>
             <a:fld id="{4DE7A270-92EF-4670-8B83-FDF43736C09D}" type="datetime1">
               <a:rPr lang="en-US" smtClean="0"/>
-              <a:t>5/9/2018</a:t>
+              <a:t>5/13/2018</a:t>
             </a:fld>
             <a:endParaRPr lang="en-US"/>
           </a:p>
@@ -5211,7 +5163,7 @@
           <a:p>
             <a:fld id="{BAD4F61B-83FC-4661-82EB-A269331ECF46}" type="datetime1">
               <a:rPr lang="en-US" smtClean="0"/>
-              <a:t>5/9/2018</a:t>
+              <a:t>5/13/2018</a:t>
             </a:fld>
             <a:endParaRPr lang="en-US"/>
           </a:p>
@@ -5499,7 +5451,7 @@
           <a:p>
             <a:fld id="{320A9D37-F2C2-466D-8885-FC3D2A009462}" type="datetime1">
               <a:rPr lang="en-US" smtClean="0"/>
-              <a:t>5/9/2018</a:t>
+              <a:t>5/13/2018</a:t>
             </a:fld>
             <a:endParaRPr lang="en-US"/>
           </a:p>
@@ -5740,7 +5692,7 @@
           <a:p>
             <a:fld id="{784CA7B1-FDE6-4A69-BC76-07B9AE315539}" type="datetime1">
               <a:rPr lang="en-US" smtClean="0"/>
-              <a:t>5/9/2018</a:t>
+              <a:t>5/13/2018</a:t>
             </a:fld>
             <a:endParaRPr lang="en-US"/>
           </a:p>
@@ -6247,6 +6199,13 @@
   <p:clrMapOvr>
     <a:masterClrMapping/>
   </p:clrMapOvr>
+  <p:timing>
+    <p:tnLst>
+      <p:par>
+        <p:cTn id="1" dur="indefinite" restart="never" nodeType="tmRoot"/>
+      </p:par>
+    </p:tnLst>
+  </p:timing>
 </p:sld>
 </file>
 
@@ -6690,6 +6649,13 @@
   <p:clrMapOvr>
     <a:masterClrMapping/>
   </p:clrMapOvr>
+  <p:timing>
+    <p:tnLst>
+      <p:par>
+        <p:cTn id="1" dur="indefinite" restart="never" nodeType="tmRoot"/>
+      </p:par>
+    </p:tnLst>
+  </p:timing>
 </p:sld>
 </file>
 
@@ -6836,6 +6802,13 @@
   <p:clrMapOvr>
     <a:masterClrMapping/>
   </p:clrMapOvr>
+  <p:timing>
+    <p:tnLst>
+      <p:par>
+        <p:cTn id="1" dur="indefinite" restart="never" nodeType="tmRoot"/>
+      </p:par>
+    </p:tnLst>
+  </p:timing>
 </p:sld>
 </file>
 
@@ -7643,6 +7616,13 @@
   <p:clrMapOvr>
     <a:masterClrMapping/>
   </p:clrMapOvr>
+  <p:timing>
+    <p:tnLst>
+      <p:par>
+        <p:cTn id="1" dur="indefinite" restart="never" nodeType="tmRoot"/>
+      </p:par>
+    </p:tnLst>
+  </p:timing>
 </p:sld>
 </file>
 
@@ -8443,6 +8423,13 @@
   <p:clrMapOvr>
     <a:masterClrMapping/>
   </p:clrMapOvr>
+  <p:timing>
+    <p:tnLst>
+      <p:par>
+        <p:cTn id="1" dur="indefinite" restart="never" nodeType="tmRoot"/>
+      </p:par>
+    </p:tnLst>
+  </p:timing>
 </p:sld>
 </file>
 
@@ -11155,6 +11142,13 @@
   <p:clrMapOvr>
     <a:masterClrMapping/>
   </p:clrMapOvr>
+  <p:timing>
+    <p:tnLst>
+      <p:par>
+        <p:cTn id="1" dur="indefinite" restart="never" nodeType="tmRoot"/>
+      </p:par>
+    </p:tnLst>
+  </p:timing>
 </p:sld>
 </file>
 
@@ -11270,6 +11264,13 @@
   <p:clrMapOvr>
     <a:masterClrMapping/>
   </p:clrMapOvr>
+  <p:timing>
+    <p:tnLst>
+      <p:par>
+        <p:cTn id="1" dur="indefinite" restart="never" nodeType="tmRoot"/>
+      </p:par>
+    </p:tnLst>
+  </p:timing>
 </p:sld>
 </file>
 
@@ -13105,6 +13106,13 @@
   <p:clrMapOvr>
     <a:masterClrMapping/>
   </p:clrMapOvr>
+  <p:timing>
+    <p:tnLst>
+      <p:par>
+        <p:cTn id="1" dur="indefinite" restart="never" nodeType="tmRoot"/>
+      </p:par>
+    </p:tnLst>
+  </p:timing>
 </p:sld>
 </file>
 
@@ -14677,6 +14685,13 @@
   <p:clrMapOvr>
     <a:masterClrMapping/>
   </p:clrMapOvr>
+  <p:timing>
+    <p:tnLst>
+      <p:par>
+        <p:cTn id="1" dur="indefinite" restart="never" nodeType="tmRoot"/>
+      </p:par>
+    </p:tnLst>
+  </p:timing>
 </p:sld>
 </file>
 
@@ -14836,6 +14851,13 @@
   <p:clrMapOvr>
     <a:masterClrMapping/>
   </p:clrMapOvr>
+  <p:timing>
+    <p:tnLst>
+      <p:par>
+        <p:cTn id="1" dur="indefinite" restart="never" nodeType="tmRoot"/>
+      </p:par>
+    </p:tnLst>
+  </p:timing>
 </p:sld>
 </file>
 
@@ -14961,6 +14983,13 @@
   <p:clrMapOvr>
     <a:masterClrMapping/>
   </p:clrMapOvr>
+  <p:timing>
+    <p:tnLst>
+      <p:par>
+        <p:cTn id="1" dur="indefinite" restart="never" nodeType="tmRoot"/>
+      </p:par>
+    </p:tnLst>
+  </p:timing>
 </p:sld>
 </file>
 
@@ -15130,6 +15159,13 @@
   <p:clrMapOvr>
     <a:masterClrMapping/>
   </p:clrMapOvr>
+  <p:timing>
+    <p:tnLst>
+      <p:par>
+        <p:cTn id="1" dur="indefinite" restart="never" nodeType="tmRoot"/>
+      </p:par>
+    </p:tnLst>
+  </p:timing>
 </p:sld>
 </file>
 
@@ -15576,6 +15612,13 @@
   <p:clrMapOvr>
     <a:masterClrMapping/>
   </p:clrMapOvr>
+  <p:timing>
+    <p:tnLst>
+      <p:par>
+        <p:cTn id="1" dur="indefinite" restart="never" nodeType="tmRoot"/>
+      </p:par>
+    </p:tnLst>
+  </p:timing>
 </p:sld>
 </file>
 
@@ -15872,6 +15915,13 @@
   <p:clrMapOvr>
     <a:masterClrMapping/>
   </p:clrMapOvr>
+  <p:timing>
+    <p:tnLst>
+      <p:par>
+        <p:cTn id="1" dur="indefinite" restart="never" nodeType="tmRoot"/>
+      </p:par>
+    </p:tnLst>
+  </p:timing>
 </p:sld>
 </file>
 
@@ -15972,13 +16022,22 @@
               <a:t> : </a:t>
             </a:r>
             <a:r>
-              <a:rPr lang="en-US" sz="1400" dirty="0" err="1">
-                <a:solidFill>
-                  <a:srgbClr val="000000"/>
-                </a:solidFill>
-                <a:latin typeface="Consolas" panose="020B0609020204030204" pitchFamily="49" charset="0"/>
-              </a:rPr>
-              <a:t>IEntity</a:t>
+              <a:rPr lang="en-US" sz="1400" dirty="0" err="1" smtClean="0">
+                <a:solidFill>
+                  <a:srgbClr val="000000"/>
+                </a:solidFill>
+                <a:latin typeface="Consolas" panose="020B0609020204030204" pitchFamily="49" charset="0"/>
+              </a:rPr>
+              <a:t>I</a:t>
+            </a:r>
+            <a:r>
+              <a:rPr lang="en-US" sz="1400" dirty="0" err="1" smtClean="0">
+                <a:solidFill>
+                  <a:srgbClr val="000000"/>
+                </a:solidFill>
+                <a:latin typeface="Consolas" panose="020B0609020204030204" pitchFamily="49" charset="0"/>
+              </a:rPr>
+              <a:t>Car</a:t>
             </a:r>
             <a:endParaRPr lang="en-US" sz="1400" dirty="0">
               <a:solidFill>
@@ -15992,7 +16051,7 @@
               <a:buNone/>
             </a:pPr>
             <a:r>
-              <a:rPr lang="en-US" sz="1400" dirty="0">
+              <a:rPr lang="en-US" sz="1400" dirty="0" smtClean="0">
                 <a:solidFill>
                   <a:srgbClr val="000000"/>
                 </a:solidFill>
@@ -16000,6 +16059,12 @@
               </a:rPr>
               <a:t>{</a:t>
             </a:r>
+            <a:endParaRPr lang="en-US" sz="1400" dirty="0">
+              <a:solidFill>
+                <a:srgbClr val="000000"/>
+              </a:solidFill>
+              <a:latin typeface="Consolas" panose="020B0609020204030204" pitchFamily="49" charset="0"/>
+            </a:endParaRPr>
           </a:p>
           <a:p>
             <a:pPr marL="0" indent="0">
@@ -16510,22 +16575,31 @@
               <a:t>    </a:t>
             </a:r>
             <a:r>
-              <a:rPr lang="en-US" dirty="0" err="1">
-                <a:solidFill>
-                  <a:srgbClr val="000000"/>
-                </a:solidFill>
-                <a:latin typeface="Consolas" panose="020B0609020204030204" pitchFamily="49" charset="0"/>
-              </a:rPr>
-              <a:t>IEntity</a:t>
-            </a:r>
-            <a:r>
-              <a:rPr lang="en-US" dirty="0">
-                <a:solidFill>
-                  <a:srgbClr val="000000"/>
-                </a:solidFill>
-                <a:latin typeface="Consolas" panose="020B0609020204030204" pitchFamily="49" charset="0"/>
-              </a:rPr>
-              <a:t> entity = </a:t>
+              <a:rPr lang="en-US" dirty="0" err="1" smtClean="0">
+                <a:solidFill>
+                  <a:srgbClr val="000000"/>
+                </a:solidFill>
+                <a:latin typeface="Consolas" panose="020B0609020204030204" pitchFamily="49" charset="0"/>
+              </a:rPr>
+              <a:t>ICar</a:t>
+            </a:r>
+            <a:r>
+              <a:rPr lang="en-US" dirty="0" smtClean="0">
+                <a:solidFill>
+                  <a:srgbClr val="000000"/>
+                </a:solidFill>
+                <a:latin typeface="Consolas" panose="020B0609020204030204" pitchFamily="49" charset="0"/>
+              </a:rPr>
+              <a:t> car </a:t>
+            </a:r>
+            <a:r>
+              <a:rPr lang="en-US" dirty="0">
+                <a:solidFill>
+                  <a:srgbClr val="000000"/>
+                </a:solidFill>
+                <a:latin typeface="Consolas" panose="020B0609020204030204" pitchFamily="49" charset="0"/>
+              </a:rPr>
+              <a:t>= </a:t>
             </a:r>
             <a:r>
               <a:rPr lang="en-US" dirty="0">
@@ -16695,16 +16769,16 @@
               <a:t>    </a:t>
             </a:r>
             <a:r>
-              <a:rPr lang="en-US" dirty="0" err="1">
-                <a:solidFill>
-                  <a:srgbClr val="000000"/>
-                </a:solidFill>
-                <a:latin typeface="Consolas" panose="020B0609020204030204" pitchFamily="49" charset="0"/>
-              </a:rPr>
-              <a:t>IEntity</a:t>
-            </a:r>
-            <a:r>
-              <a:rPr lang="en-US" dirty="0">
+              <a:rPr lang="en-US" dirty="0" err="1" smtClean="0">
+                <a:solidFill>
+                  <a:srgbClr val="000000"/>
+                </a:solidFill>
+                <a:latin typeface="Consolas" panose="020B0609020204030204" pitchFamily="49" charset="0"/>
+              </a:rPr>
+              <a:t>ICar</a:t>
+            </a:r>
+            <a:r>
+              <a:rPr lang="en-US" dirty="0" smtClean="0">
                 <a:solidFill>
                   <a:srgbClr val="000000"/>
                 </a:solidFill>
@@ -16713,34 +16787,43 @@
               <a:t> </a:t>
             </a:r>
             <a:r>
-              <a:rPr lang="en-US" dirty="0" err="1">
-                <a:solidFill>
-                  <a:srgbClr val="000000"/>
-                </a:solidFill>
-                <a:latin typeface="Consolas" panose="020B0609020204030204" pitchFamily="49" charset="0"/>
-              </a:rPr>
-              <a:t>newValue</a:t>
-            </a:r>
-            <a:r>
-              <a:rPr lang="en-US" dirty="0">
-                <a:solidFill>
-                  <a:srgbClr val="000000"/>
-                </a:solidFill>
-                <a:latin typeface="Consolas" panose="020B0609020204030204" pitchFamily="49" charset="0"/>
-              </a:rPr>
-              <a:t> = </a:t>
-            </a:r>
-            <a:r>
-              <a:rPr lang="en-US" dirty="0" err="1">
-                <a:solidFill>
-                  <a:srgbClr val="000000"/>
-                </a:solidFill>
-                <a:latin typeface="Consolas" panose="020B0609020204030204" pitchFamily="49" charset="0"/>
-              </a:rPr>
-              <a:t>entity.With</a:t>
-            </a:r>
-            <a:r>
-              <a:rPr lang="en-US" dirty="0">
+              <a:rPr lang="en-US" dirty="0" err="1" smtClean="0">
+                <a:solidFill>
+                  <a:srgbClr val="000000"/>
+                </a:solidFill>
+                <a:latin typeface="Consolas" panose="020B0609020204030204" pitchFamily="49" charset="0"/>
+              </a:rPr>
+              <a:t>soldCar</a:t>
+            </a:r>
+            <a:r>
+              <a:rPr lang="en-US" dirty="0" smtClean="0">
+                <a:solidFill>
+                  <a:srgbClr val="000000"/>
+                </a:solidFill>
+                <a:latin typeface="Consolas" panose="020B0609020204030204" pitchFamily="49" charset="0"/>
+              </a:rPr>
+              <a:t> </a:t>
+            </a:r>
+            <a:r>
+              <a:rPr lang="en-US" dirty="0">
+                <a:solidFill>
+                  <a:srgbClr val="000000"/>
+                </a:solidFill>
+                <a:latin typeface="Consolas" panose="020B0609020204030204" pitchFamily="49" charset="0"/>
+              </a:rPr>
+              <a:t>= </a:t>
+            </a:r>
+            <a:r>
+              <a:rPr lang="en-US" dirty="0" err="1" smtClean="0">
+                <a:solidFill>
+                  <a:srgbClr val="000000"/>
+                </a:solidFill>
+                <a:latin typeface="Consolas" panose="020B0609020204030204" pitchFamily="49" charset="0"/>
+              </a:rPr>
+              <a:t>car.With</a:t>
+            </a:r>
+            <a:r>
+              <a:rPr lang="en-US" dirty="0" smtClean="0">
                 <a:solidFill>
                   <a:srgbClr val="000000"/>
                 </a:solidFill>
@@ -16748,61 +16831,6 @@
               </a:rPr>
               <a:t>(e </a:t>
             </a:r>
-          </a:p>
-          <a:p>
-            <a:pPr marL="0" indent="0">
-              <a:buNone/>
-            </a:pPr>
-            <a:r>
-              <a:rPr lang="en-US" dirty="0">
-                <a:solidFill>
-                  <a:srgbClr val="000000"/>
-                </a:solidFill>
-                <a:latin typeface="Consolas" panose="020B0609020204030204" pitchFamily="49" charset="0"/>
-              </a:rPr>
-              <a:t>                =&gt; </a:t>
-            </a:r>
-            <a:r>
-              <a:rPr lang="en-US" dirty="0" err="1">
-                <a:solidFill>
-                  <a:srgbClr val="000000"/>
-                </a:solidFill>
-                <a:latin typeface="Consolas" panose="020B0609020204030204" pitchFamily="49" charset="0"/>
-              </a:rPr>
-              <a:t>e.CurrentOwner.Name</a:t>
-            </a:r>
-            <a:r>
-              <a:rPr lang="en-US" dirty="0">
-                <a:solidFill>
-                  <a:srgbClr val="000000"/>
-                </a:solidFill>
-                <a:latin typeface="Consolas" panose="020B0609020204030204" pitchFamily="49" charset="0"/>
-              </a:rPr>
-              <a:t> = </a:t>
-            </a:r>
-            <a:r>
-              <a:rPr lang="en-US" dirty="0">
-                <a:solidFill>
-                  <a:srgbClr val="A31515"/>
-                </a:solidFill>
-                <a:latin typeface="Consolas" panose="020B0609020204030204" pitchFamily="49" charset="0"/>
-              </a:rPr>
-              <a:t>"Jon Skeet"</a:t>
-            </a:r>
-            <a:r>
-              <a:rPr lang="en-US" dirty="0">
-                <a:solidFill>
-                  <a:srgbClr val="000000"/>
-                </a:solidFill>
-                <a:latin typeface="Consolas" panose="020B0609020204030204" pitchFamily="49" charset="0"/>
-              </a:rPr>
-              <a:t>);</a:t>
-            </a:r>
-          </a:p>
-          <a:p>
-            <a:pPr marL="0" indent="0">
-              <a:buNone/>
-            </a:pPr>
             <a:endParaRPr lang="en-US" dirty="0">
               <a:solidFill>
                 <a:srgbClr val="000000"/>
@@ -16821,6 +16849,67 @@
                 </a:solidFill>
                 <a:latin typeface="Consolas" panose="020B0609020204030204" pitchFamily="49" charset="0"/>
               </a:rPr>
+              <a:t>                =&gt; </a:t>
+            </a:r>
+            <a:r>
+              <a:rPr lang="en-US" dirty="0" err="1">
+                <a:solidFill>
+                  <a:srgbClr val="000000"/>
+                </a:solidFill>
+                <a:latin typeface="Consolas" panose="020B0609020204030204" pitchFamily="49" charset="0"/>
+              </a:rPr>
+              <a:t>e.CurrentOwner.Name</a:t>
+            </a:r>
+            <a:r>
+              <a:rPr lang="en-US" dirty="0">
+                <a:solidFill>
+                  <a:srgbClr val="000000"/>
+                </a:solidFill>
+                <a:latin typeface="Consolas" panose="020B0609020204030204" pitchFamily="49" charset="0"/>
+              </a:rPr>
+              <a:t> = </a:t>
+            </a:r>
+            <a:r>
+              <a:rPr lang="en-US" dirty="0">
+                <a:solidFill>
+                  <a:srgbClr val="A31515"/>
+                </a:solidFill>
+                <a:latin typeface="Consolas" panose="020B0609020204030204" pitchFamily="49" charset="0"/>
+              </a:rPr>
+              <a:t>"Jon Skeet"</a:t>
+            </a:r>
+            <a:r>
+              <a:rPr lang="en-US" dirty="0">
+                <a:solidFill>
+                  <a:srgbClr val="000000"/>
+                </a:solidFill>
+                <a:latin typeface="Consolas" panose="020B0609020204030204" pitchFamily="49" charset="0"/>
+              </a:rPr>
+              <a:t>);</a:t>
+            </a:r>
+          </a:p>
+          <a:p>
+            <a:pPr marL="0" indent="0">
+              <a:buNone/>
+            </a:pPr>
+            <a:endParaRPr lang="en-US" dirty="0">
+              <a:solidFill>
+                <a:srgbClr val="000000"/>
+              </a:solidFill>
+              <a:latin typeface="Consolas" panose="020B0609020204030204" pitchFamily="49" charset="0"/>
+            </a:endParaRPr>
+          </a:p>
+          <a:p>
+            <a:pPr marL="0" indent="0">
+              <a:buNone/>
+            </a:pPr>
+            <a:r>
+              <a:rPr lang="en-US" dirty="0">
+                <a:solidFill>
+                  <a:srgbClr val="000000"/>
+                </a:solidFill>
+                <a:latin typeface="Consolas" panose="020B0609020204030204" pitchFamily="49" charset="0"/>
+              </a:rPr>
               <a:t>    </a:t>
             </a:r>
             <a:r>
@@ -16879,13 +16968,13 @@
               <a:t>        </a:t>
             </a:r>
             <a:r>
-              <a:rPr lang="en-US" dirty="0" err="1">
-                <a:solidFill>
-                  <a:srgbClr val="000000"/>
-                </a:solidFill>
-                <a:latin typeface="Consolas" panose="020B0609020204030204" pitchFamily="49" charset="0"/>
-              </a:rPr>
-              <a:t>entity.CurrentOwner.Name</a:t>
+              <a:rPr lang="en-US" dirty="0" err="1" smtClean="0">
+                <a:solidFill>
+                  <a:srgbClr val="000000"/>
+                </a:solidFill>
+                <a:latin typeface="Consolas" panose="020B0609020204030204" pitchFamily="49" charset="0"/>
+              </a:rPr>
+              <a:t>car.CurrentOwner.Name</a:t>
             </a:r>
             <a:r>
               <a:rPr lang="en-US" dirty="0">
@@ -23944,6 +24033,13 @@
   <p:clrMapOvr>
     <a:masterClrMapping/>
   </p:clrMapOvr>
+  <p:timing>
+    <p:tnLst>
+      <p:par>
+        <p:cTn id="1" dur="indefinite" restart="never" nodeType="tmRoot"/>
+      </p:par>
+    </p:tnLst>
+  </p:timing>
 </p:sld>
 </file>
 
@@ -26448,6 +26544,13 @@
   <p:clrMapOvr>
     <a:masterClrMapping/>
   </p:clrMapOvr>
+  <p:timing>
+    <p:tnLst>
+      <p:par>
+        <p:cTn id="1" dur="indefinite" restart="never" nodeType="tmRoot"/>
+      </p:par>
+    </p:tnLst>
+  </p:timing>
 </p:sld>
 </file>
 
@@ -26561,6 +26664,13 @@
   <p:clrMapOvr>
     <a:masterClrMapping/>
   </p:clrMapOvr>
+  <p:timing>
+    <p:tnLst>
+      <p:par>
+        <p:cTn id="1" dur="indefinite" restart="never" nodeType="tmRoot"/>
+      </p:par>
+    </p:tnLst>
+  </p:timing>
 </p:sld>
 </file>
 

--- a/Presentation.pptx
+++ b/Presentation.pptx
@@ -3082,15 +3082,23 @@
           <a:p>
             <a:r>
               <a:rPr lang="ru-RU" dirty="0" smtClean="0"/>
-              <a:t>Источники</a:t>
+              <a:t>Я</a:t>
             </a:r>
             <a:r>
               <a:rPr lang="ru-RU" baseline="0" dirty="0" smtClean="0"/>
-              <a:t> мудрости в </a:t>
-            </a:r>
-            <a:r>
-              <a:rPr lang="en-US" baseline="0" dirty="0" smtClean="0"/>
-              <a:t>IT</a:t>
+              <a:t> раздаю книги коллегам</a:t>
+            </a:r>
+          </a:p>
+          <a:p>
+            <a:r>
+              <a:rPr lang="ru-RU" baseline="0" dirty="0" smtClean="0"/>
+              <a:t>У меня собака погрызла книгу</a:t>
+            </a:r>
+          </a:p>
+          <a:p>
+            <a:r>
+              <a:rPr lang="ru-RU" baseline="0" dirty="0" smtClean="0"/>
+              <a:t>Моя коллега носит книжку в файлике</a:t>
             </a:r>
             <a:endParaRPr lang="en-US" dirty="0"/>
           </a:p>
@@ -3176,7 +3184,7 @@
           <a:bodyPr/>
           <a:lstStyle/>
           <a:p>
-            <a:endParaRPr lang="en-US" dirty="0"/>
+            <a:endParaRPr lang="ru-RU" dirty="0"/>
           </a:p>
         </p:txBody>
       </p:sp>
@@ -3197,7 +3205,7 @@
           <a:p>
             <a:fld id="{516C5DDC-7799-4ACC-A213-90C50CBCB02D}" type="slidenum">
               <a:rPr lang="en-US" smtClean="0"/>
-              <a:t>16</a:t>
+              <a:t>14</a:t>
             </a:fld>
             <a:endParaRPr lang="en-US"/>
           </a:p>
@@ -3206,7 +3214,7 @@
     </p:spTree>
     <p:extLst>
       <p:ext uri="{BB962C8B-B14F-4D97-AF65-F5344CB8AC3E}">
-        <p14:creationId xmlns:p14="http://schemas.microsoft.com/office/powerpoint/2010/main" val="651436057"/>
+        <p14:creationId xmlns:p14="http://schemas.microsoft.com/office/powerpoint/2010/main" val="3630162557"/>
       </p:ext>
     </p:extLst>
   </p:cSld>
@@ -3260,7 +3268,7 @@
           <a:bodyPr/>
           <a:lstStyle/>
           <a:p>
-            <a:endParaRPr lang="ru-RU" dirty="0"/>
+            <a:endParaRPr lang="en-US" dirty="0"/>
           </a:p>
         </p:txBody>
       </p:sp>
@@ -3281,7 +3289,7 @@
           <a:p>
             <a:fld id="{516C5DDC-7799-4ACC-A213-90C50CBCB02D}" type="slidenum">
               <a:rPr lang="en-US" smtClean="0"/>
-              <a:t>17</a:t>
+              <a:t>16</a:t>
             </a:fld>
             <a:endParaRPr lang="en-US"/>
           </a:p>
@@ -3290,7 +3298,7 @@
     </p:spTree>
     <p:extLst>
       <p:ext uri="{BB962C8B-B14F-4D97-AF65-F5344CB8AC3E}">
-        <p14:creationId xmlns:p14="http://schemas.microsoft.com/office/powerpoint/2010/main" val="1871440519"/>
+        <p14:creationId xmlns:p14="http://schemas.microsoft.com/office/powerpoint/2010/main" val="651436057"/>
       </p:ext>
     </p:extLst>
   </p:cSld>
@@ -3344,7 +3352,7 @@
           <a:bodyPr/>
           <a:lstStyle/>
           <a:p>
-            <a:endParaRPr lang="en-US" dirty="0"/>
+            <a:endParaRPr lang="ru-RU" dirty="0"/>
           </a:p>
         </p:txBody>
       </p:sp>
@@ -3365,7 +3373,7 @@
           <a:p>
             <a:fld id="{516C5DDC-7799-4ACC-A213-90C50CBCB02D}" type="slidenum">
               <a:rPr lang="en-US" smtClean="0"/>
-              <a:t>18</a:t>
+              <a:t>17</a:t>
             </a:fld>
             <a:endParaRPr lang="en-US"/>
           </a:p>
@@ -3374,7 +3382,7 @@
     </p:spTree>
     <p:extLst>
       <p:ext uri="{BB962C8B-B14F-4D97-AF65-F5344CB8AC3E}">
-        <p14:creationId xmlns:p14="http://schemas.microsoft.com/office/powerpoint/2010/main" val="2493709556"/>
+        <p14:creationId xmlns:p14="http://schemas.microsoft.com/office/powerpoint/2010/main" val="1871440519"/>
       </p:ext>
     </p:extLst>
   </p:cSld>
@@ -3449,7 +3457,7 @@
           <a:p>
             <a:fld id="{516C5DDC-7799-4ACC-A213-90C50CBCB02D}" type="slidenum">
               <a:rPr lang="en-US" smtClean="0"/>
-              <a:t>20</a:t>
+              <a:t>18</a:t>
             </a:fld>
             <a:endParaRPr lang="en-US"/>
           </a:p>
@@ -3458,7 +3466,7 @@
     </p:spTree>
     <p:extLst>
       <p:ext uri="{BB962C8B-B14F-4D97-AF65-F5344CB8AC3E}">
-        <p14:creationId xmlns:p14="http://schemas.microsoft.com/office/powerpoint/2010/main" val="2683931491"/>
+        <p14:creationId xmlns:p14="http://schemas.microsoft.com/office/powerpoint/2010/main" val="2493709556"/>
       </p:ext>
     </p:extLst>
   </p:cSld>
@@ -3533,7 +3541,7 @@
           <a:p>
             <a:fld id="{516C5DDC-7799-4ACC-A213-90C50CBCB02D}" type="slidenum">
               <a:rPr lang="en-US" smtClean="0"/>
-              <a:t>21</a:t>
+              <a:t>20</a:t>
             </a:fld>
             <a:endParaRPr lang="en-US"/>
           </a:p>
@@ -3542,7 +3550,7 @@
     </p:spTree>
     <p:extLst>
       <p:ext uri="{BB962C8B-B14F-4D97-AF65-F5344CB8AC3E}">
-        <p14:creationId xmlns:p14="http://schemas.microsoft.com/office/powerpoint/2010/main" val="1251983408"/>
+        <p14:creationId xmlns:p14="http://schemas.microsoft.com/office/powerpoint/2010/main" val="2683931491"/>
       </p:ext>
     </p:extLst>
   </p:cSld>
@@ -3617,7 +3625,7 @@
           <a:p>
             <a:fld id="{516C5DDC-7799-4ACC-A213-90C50CBCB02D}" type="slidenum">
               <a:rPr lang="en-US" smtClean="0"/>
-              <a:t>23</a:t>
+              <a:t>21</a:t>
             </a:fld>
             <a:endParaRPr lang="en-US"/>
           </a:p>
@@ -3626,7 +3634,7 @@
     </p:spTree>
     <p:extLst>
       <p:ext uri="{BB962C8B-B14F-4D97-AF65-F5344CB8AC3E}">
-        <p14:creationId xmlns:p14="http://schemas.microsoft.com/office/powerpoint/2010/main" val="3920638634"/>
+        <p14:creationId xmlns:p14="http://schemas.microsoft.com/office/powerpoint/2010/main" val="1251983408"/>
       </p:ext>
     </p:extLst>
   </p:cSld>
@@ -3701,7 +3709,7 @@
           <a:p>
             <a:fld id="{516C5DDC-7799-4ACC-A213-90C50CBCB02D}" type="slidenum">
               <a:rPr lang="en-US" smtClean="0"/>
-              <a:t>24</a:t>
+              <a:t>23</a:t>
             </a:fld>
             <a:endParaRPr lang="en-US"/>
           </a:p>
@@ -3710,7 +3718,7 @@
     </p:spTree>
     <p:extLst>
       <p:ext uri="{BB962C8B-B14F-4D97-AF65-F5344CB8AC3E}">
-        <p14:creationId xmlns:p14="http://schemas.microsoft.com/office/powerpoint/2010/main" val="4005419235"/>
+        <p14:creationId xmlns:p14="http://schemas.microsoft.com/office/powerpoint/2010/main" val="3920638634"/>
       </p:ext>
     </p:extLst>
   </p:cSld>
@@ -3785,7 +3793,7 @@
           <a:p>
             <a:fld id="{516C5DDC-7799-4ACC-A213-90C50CBCB02D}" type="slidenum">
               <a:rPr lang="en-US" smtClean="0"/>
-              <a:t>26</a:t>
+              <a:t>24</a:t>
             </a:fld>
             <a:endParaRPr lang="en-US"/>
           </a:p>
@@ -3794,7 +3802,7 @@
     </p:spTree>
     <p:extLst>
       <p:ext uri="{BB962C8B-B14F-4D97-AF65-F5344CB8AC3E}">
-        <p14:creationId xmlns:p14="http://schemas.microsoft.com/office/powerpoint/2010/main" val="3050276223"/>
+        <p14:creationId xmlns:p14="http://schemas.microsoft.com/office/powerpoint/2010/main" val="4005419235"/>
       </p:ext>
     </p:extLst>
   </p:cSld>
@@ -3869,7 +3877,7 @@
           <a:p>
             <a:fld id="{516C5DDC-7799-4ACC-A213-90C50CBCB02D}" type="slidenum">
               <a:rPr lang="en-US" smtClean="0"/>
-              <a:t>27</a:t>
+              <a:t>26</a:t>
             </a:fld>
             <a:endParaRPr lang="en-US"/>
           </a:p>
@@ -3878,7 +3886,7 @@
     </p:spTree>
     <p:extLst>
       <p:ext uri="{BB962C8B-B14F-4D97-AF65-F5344CB8AC3E}">
-        <p14:creationId xmlns:p14="http://schemas.microsoft.com/office/powerpoint/2010/main" val="2720547197"/>
+        <p14:creationId xmlns:p14="http://schemas.microsoft.com/office/powerpoint/2010/main" val="3050276223"/>
       </p:ext>
     </p:extLst>
   </p:cSld>
@@ -3953,7 +3961,7 @@
           <a:p>
             <a:fld id="{516C5DDC-7799-4ACC-A213-90C50CBCB02D}" type="slidenum">
               <a:rPr lang="en-US" smtClean="0"/>
-              <a:t>28</a:t>
+              <a:t>27</a:t>
             </a:fld>
             <a:endParaRPr lang="en-US"/>
           </a:p>
@@ -3962,7 +3970,7 @@
     </p:spTree>
     <p:extLst>
       <p:ext uri="{BB962C8B-B14F-4D97-AF65-F5344CB8AC3E}">
-        <p14:creationId xmlns:p14="http://schemas.microsoft.com/office/powerpoint/2010/main" val="1570735884"/>
+        <p14:creationId xmlns:p14="http://schemas.microsoft.com/office/powerpoint/2010/main" val="2720547197"/>
       </p:ext>
     </p:extLst>
   </p:cSld>
@@ -4016,7 +4024,31 @@
           <a:bodyPr/>
           <a:lstStyle/>
           <a:p>
-            <a:endParaRPr lang="en-US" dirty="0"/>
+            <a:r>
+              <a:rPr lang="ru-RU" dirty="0" smtClean="0"/>
+              <a:t>Я буду часто оговариваться</a:t>
+            </a:r>
+            <a:r>
+              <a:rPr lang="ru-RU" baseline="0" dirty="0" smtClean="0"/>
+              <a:t> и говорить про </a:t>
+            </a:r>
+            <a:r>
+              <a:rPr lang="en-US" baseline="0" dirty="0" err="1" smtClean="0"/>
+              <a:t>readonly</a:t>
+            </a:r>
+            <a:r>
+              <a:rPr lang="en-US" baseline="0" dirty="0" smtClean="0"/>
+              <a:t> </a:t>
+            </a:r>
+            <a:r>
+              <a:rPr lang="ru-RU" baseline="0" dirty="0" smtClean="0"/>
+              <a:t>в контексте </a:t>
+            </a:r>
+            <a:r>
+              <a:rPr lang="en-US" baseline="0" dirty="0" smtClean="0"/>
+              <a:t>immutability</a:t>
+            </a:r>
+            <a:endParaRPr lang="ru-RU" dirty="0"/>
           </a:p>
         </p:txBody>
       </p:sp>
@@ -4037,7 +4069,7 @@
           <a:p>
             <a:fld id="{516C5DDC-7799-4ACC-A213-90C50CBCB02D}" type="slidenum">
               <a:rPr lang="en-US" smtClean="0"/>
-              <a:t>4</a:t>
+              <a:t>3</a:t>
             </a:fld>
             <a:endParaRPr lang="en-US"/>
           </a:p>
@@ -4046,7 +4078,7 @@
     </p:spTree>
     <p:extLst>
       <p:ext uri="{BB962C8B-B14F-4D97-AF65-F5344CB8AC3E}">
-        <p14:creationId xmlns:p14="http://schemas.microsoft.com/office/powerpoint/2010/main" val="905343077"/>
+        <p14:creationId xmlns:p14="http://schemas.microsoft.com/office/powerpoint/2010/main" val="4155003972"/>
       </p:ext>
     </p:extLst>
   </p:cSld>
@@ -4121,6 +4153,90 @@
           <a:p>
             <a:fld id="{516C5DDC-7799-4ACC-A213-90C50CBCB02D}" type="slidenum">
               <a:rPr lang="en-US" smtClean="0"/>
+              <a:t>28</a:t>
+            </a:fld>
+            <a:endParaRPr lang="en-US"/>
+          </a:p>
+        </p:txBody>
+      </p:sp>
+    </p:spTree>
+    <p:extLst>
+      <p:ext uri="{BB962C8B-B14F-4D97-AF65-F5344CB8AC3E}">
+        <p14:creationId xmlns:p14="http://schemas.microsoft.com/office/powerpoint/2010/main" val="1570735884"/>
+      </p:ext>
+    </p:extLst>
+  </p:cSld>
+  <p:clrMapOvr>
+    <a:masterClrMapping/>
+  </p:clrMapOvr>
+</p:notes>
+</file>
+
+<file path=ppt/notesSlides/notesSlide21.xml><?xml version="1.0" encoding="utf-8"?>
+<p:notes xmlns:a="http://schemas.openxmlformats.org/drawingml/2006/main" xmlns:r="http://schemas.openxmlformats.org/officeDocument/2006/relationships" xmlns:p="http://schemas.openxmlformats.org/presentationml/2006/main">
+  <p:cSld>
+    <p:spTree>
+      <p:nvGrpSpPr>
+        <p:cNvPr id="1" name=""/>
+        <p:cNvGrpSpPr/>
+        <p:nvPr/>
+      </p:nvGrpSpPr>
+      <p:grpSpPr>
+        <a:xfrm>
+          <a:off x="0" y="0"/>
+          <a:ext cx="0" cy="0"/>
+          <a:chOff x="0" y="0"/>
+          <a:chExt cx="0" cy="0"/>
+        </a:xfrm>
+      </p:grpSpPr>
+      <p:sp>
+        <p:nvSpPr>
+          <p:cNvPr id="2" name="Slide Image Placeholder 1"/>
+          <p:cNvSpPr>
+            <a:spLocks noGrp="1" noRot="1" noChangeAspect="1"/>
+          </p:cNvSpPr>
+          <p:nvPr>
+            <p:ph type="sldImg"/>
+          </p:nvPr>
+        </p:nvSpPr>
+        <p:spPr/>
+      </p:sp>
+      <p:sp>
+        <p:nvSpPr>
+          <p:cNvPr id="3" name="Notes Placeholder 2"/>
+          <p:cNvSpPr>
+            <a:spLocks noGrp="1"/>
+          </p:cNvSpPr>
+          <p:nvPr>
+            <p:ph type="body" idx="1"/>
+          </p:nvPr>
+        </p:nvSpPr>
+        <p:spPr/>
+        <p:txBody>
+          <a:bodyPr/>
+          <a:lstStyle/>
+          <a:p>
+            <a:endParaRPr lang="en-US" dirty="0"/>
+          </a:p>
+        </p:txBody>
+      </p:sp>
+      <p:sp>
+        <p:nvSpPr>
+          <p:cNvPr id="4" name="Slide Number Placeholder 3"/>
+          <p:cNvSpPr>
+            <a:spLocks noGrp="1"/>
+          </p:cNvSpPr>
+          <p:nvPr>
+            <p:ph type="sldNum" sz="quarter" idx="10"/>
+          </p:nvPr>
+        </p:nvSpPr>
+        <p:spPr/>
+        <p:txBody>
+          <a:bodyPr/>
+          <a:lstStyle/>
+          <a:p>
+            <a:fld id="{516C5DDC-7799-4ACC-A213-90C50CBCB02D}" type="slidenum">
+              <a:rPr lang="en-US" smtClean="0"/>
               <a:t>36</a:t>
             </a:fld>
             <a:endParaRPr lang="en-US"/>
@@ -4140,7 +4256,7 @@
 </p:notes>
 </file>
 
-<file path=ppt/notesSlides/notesSlide21.xml><?xml version="1.0" encoding="utf-8"?>
+<file path=ppt/notesSlides/notesSlide22.xml><?xml version="1.0" encoding="utf-8"?>
 <p:notes xmlns:a="http://schemas.openxmlformats.org/drawingml/2006/main" xmlns:r="http://schemas.openxmlformats.org/officeDocument/2006/relationships" xmlns:p="http://schemas.openxmlformats.org/presentationml/2006/main">
   <p:cSld>
     <p:spTree>
@@ -4354,7 +4470,7 @@
           <a:bodyPr/>
           <a:lstStyle/>
           <a:p>
-            <a:endParaRPr lang="ru-RU" dirty="0"/>
+            <a:endParaRPr lang="en-US" dirty="0"/>
           </a:p>
         </p:txBody>
       </p:sp>
@@ -4375,7 +4491,7 @@
           <a:p>
             <a:fld id="{516C5DDC-7799-4ACC-A213-90C50CBCB02D}" type="slidenum">
               <a:rPr lang="en-US" smtClean="0"/>
-              <a:t>7</a:t>
+              <a:t>4</a:t>
             </a:fld>
             <a:endParaRPr lang="en-US"/>
           </a:p>
@@ -4384,7 +4500,7 @@
     </p:spTree>
     <p:extLst>
       <p:ext uri="{BB962C8B-B14F-4D97-AF65-F5344CB8AC3E}">
-        <p14:creationId xmlns:p14="http://schemas.microsoft.com/office/powerpoint/2010/main" val="1792474972"/>
+        <p14:creationId xmlns:p14="http://schemas.microsoft.com/office/powerpoint/2010/main" val="905343077"/>
       </p:ext>
     </p:extLst>
   </p:cSld>
@@ -4438,7 +4554,7 @@
           <a:bodyPr/>
           <a:lstStyle/>
           <a:p>
-            <a:endParaRPr lang="en-US" dirty="0"/>
+            <a:endParaRPr lang="ru-RU" dirty="0"/>
           </a:p>
         </p:txBody>
       </p:sp>
@@ -4459,7 +4575,7 @@
           <a:p>
             <a:fld id="{516C5DDC-7799-4ACC-A213-90C50CBCB02D}" type="slidenum">
               <a:rPr lang="en-US" smtClean="0"/>
-              <a:t>8</a:t>
+              <a:t>7</a:t>
             </a:fld>
             <a:endParaRPr lang="en-US"/>
           </a:p>
@@ -4468,7 +4584,7 @@
     </p:spTree>
     <p:extLst>
       <p:ext uri="{BB962C8B-B14F-4D97-AF65-F5344CB8AC3E}">
-        <p14:creationId xmlns:p14="http://schemas.microsoft.com/office/powerpoint/2010/main" val="3948139063"/>
+        <p14:creationId xmlns:p14="http://schemas.microsoft.com/office/powerpoint/2010/main" val="1792474972"/>
       </p:ext>
     </p:extLst>
   </p:cSld>
@@ -4543,7 +4659,7 @@
           <a:p>
             <a:fld id="{516C5DDC-7799-4ACC-A213-90C50CBCB02D}" type="slidenum">
               <a:rPr lang="en-US" smtClean="0"/>
-              <a:t>9</a:t>
+              <a:t>8</a:t>
             </a:fld>
             <a:endParaRPr lang="en-US"/>
           </a:p>
@@ -4552,7 +4668,7 @@
     </p:spTree>
     <p:extLst>
       <p:ext uri="{BB962C8B-B14F-4D97-AF65-F5344CB8AC3E}">
-        <p14:creationId xmlns:p14="http://schemas.microsoft.com/office/powerpoint/2010/main" val="2525185904"/>
+        <p14:creationId xmlns:p14="http://schemas.microsoft.com/office/powerpoint/2010/main" val="3948139063"/>
       </p:ext>
     </p:extLst>
   </p:cSld>
@@ -4627,7 +4743,7 @@
           <a:p>
             <a:fld id="{516C5DDC-7799-4ACC-A213-90C50CBCB02D}" type="slidenum">
               <a:rPr lang="en-US" smtClean="0"/>
-              <a:t>10</a:t>
+              <a:t>9</a:t>
             </a:fld>
             <a:endParaRPr lang="en-US"/>
           </a:p>
@@ -4636,7 +4752,7 @@
     </p:spTree>
     <p:extLst>
       <p:ext uri="{BB962C8B-B14F-4D97-AF65-F5344CB8AC3E}">
-        <p14:creationId xmlns:p14="http://schemas.microsoft.com/office/powerpoint/2010/main" val="1063470018"/>
+        <p14:creationId xmlns:p14="http://schemas.microsoft.com/office/powerpoint/2010/main" val="2525185904"/>
       </p:ext>
     </p:extLst>
   </p:cSld>
@@ -4690,100 +4806,7 @@
           <a:bodyPr/>
           <a:lstStyle/>
           <a:p>
-            <a:pPr marL="0" indent="0">
-              <a:buFontTx/>
-              <a:buNone/>
-            </a:pPr>
-            <a:r>
-              <a:rPr lang="en-US" dirty="0" smtClean="0"/>
-              <a:t>- </a:t>
-            </a:r>
-            <a:r>
-              <a:rPr lang="ru-RU" dirty="0" smtClean="0"/>
-              <a:t>Проверка</a:t>
-            </a:r>
-            <a:r>
-              <a:rPr lang="ru-RU" baseline="0" dirty="0" smtClean="0"/>
-              <a:t> в </a:t>
-            </a:r>
-            <a:r>
-              <a:rPr lang="en-US" baseline="0" dirty="0" smtClean="0"/>
-              <a:t>compile time</a:t>
-            </a:r>
-            <a:endParaRPr lang="en-US" dirty="0" smtClean="0"/>
-          </a:p>
-          <a:p>
-            <a:pPr marL="0" indent="0">
-              <a:buFontTx/>
-              <a:buNone/>
-            </a:pPr>
-            <a:r>
-              <a:rPr lang="en-US" dirty="0" smtClean="0"/>
-              <a:t>- </a:t>
-            </a:r>
-            <a:r>
-              <a:rPr lang="ru-RU" dirty="0" smtClean="0"/>
-              <a:t>Много</a:t>
-            </a:r>
-            <a:r>
-              <a:rPr lang="ru-RU" baseline="0" dirty="0" smtClean="0"/>
-              <a:t> аргументов в конструкторе</a:t>
-            </a:r>
-            <a:endParaRPr lang="en-US" dirty="0" smtClean="0"/>
-          </a:p>
-          <a:p>
-            <a:pPr marL="0" indent="0">
-              <a:buFontTx/>
-              <a:buNone/>
-            </a:pPr>
-            <a:r>
-              <a:rPr lang="en-US" dirty="0" smtClean="0"/>
-              <a:t>- </a:t>
-            </a:r>
-            <a:r>
-              <a:rPr lang="ru-RU" dirty="0" smtClean="0"/>
-              <a:t>Сериализация</a:t>
-            </a:r>
-            <a:r>
-              <a:rPr lang="ru-RU" baseline="0" dirty="0" smtClean="0"/>
-              <a:t> </a:t>
-            </a:r>
-            <a:endParaRPr lang="en-US" baseline="0" dirty="0" smtClean="0"/>
-          </a:p>
-          <a:p>
-            <a:pPr marL="0" indent="0">
-              <a:buFontTx/>
-              <a:buNone/>
-            </a:pPr>
-            <a:r>
-              <a:rPr lang="en-US" baseline="0" dirty="0" smtClean="0"/>
-              <a:t>- Entity Framework</a:t>
-            </a:r>
-          </a:p>
-          <a:p>
-            <a:r>
-              <a:rPr lang="en-US" dirty="0" smtClean="0"/>
-              <a:t>+ Simple</a:t>
-            </a:r>
-          </a:p>
-          <a:p>
-            <a:r>
-              <a:rPr lang="en-US" dirty="0" smtClean="0"/>
-              <a:t>+</a:t>
-            </a:r>
-            <a:r>
-              <a:rPr lang="en-US" baseline="0" dirty="0" smtClean="0"/>
-              <a:t> </a:t>
-            </a:r>
-            <a:r>
-              <a:rPr lang="en-US" baseline="0" dirty="0" err="1" smtClean="0"/>
-              <a:t>Automapper</a:t>
-            </a:r>
-            <a:r>
-              <a:rPr lang="en-US" baseline="0" dirty="0" smtClean="0"/>
-              <a:t> can</a:t>
-            </a:r>
-            <a:endParaRPr lang="en-US" dirty="0" smtClean="0"/>
+            <a:endParaRPr lang="en-US" dirty="0"/>
           </a:p>
         </p:txBody>
       </p:sp>
@@ -4804,7 +4827,7 @@
           <a:p>
             <a:fld id="{516C5DDC-7799-4ACC-A213-90C50CBCB02D}" type="slidenum">
               <a:rPr lang="en-US" smtClean="0"/>
-              <a:t>11</a:t>
+              <a:t>10</a:t>
             </a:fld>
             <a:endParaRPr lang="en-US"/>
           </a:p>
@@ -4813,7 +4836,7 @@
     </p:spTree>
     <p:extLst>
       <p:ext uri="{BB962C8B-B14F-4D97-AF65-F5344CB8AC3E}">
-        <p14:creationId xmlns:p14="http://schemas.microsoft.com/office/powerpoint/2010/main" val="838380362"/>
+        <p14:creationId xmlns:p14="http://schemas.microsoft.com/office/powerpoint/2010/main" val="1063470018"/>
       </p:ext>
     </p:extLst>
   </p:cSld>
@@ -4867,46 +4890,11 @@
           <a:bodyPr/>
           <a:lstStyle/>
           <a:p>
-            <a:pPr marL="0" marR="0" lvl="0" indent="0" algn="l" defTabSz="914400" rtl="0" eaLnBrk="1" fontAlgn="auto" latinLnBrk="0" hangingPunct="1">
-              <a:lnSpc>
-                <a:spcPct val="100000"/>
-              </a:lnSpc>
-              <a:spcBef>
-                <a:spcPts val="0"/>
-              </a:spcBef>
-              <a:spcAft>
-                <a:spcPts val="0"/>
-              </a:spcAft>
-              <a:buClrTx/>
-              <a:buSzTx/>
+            <a:pPr marL="0" indent="0">
               <a:buFontTx/>
               <a:buNone/>
-              <a:tabLst/>
-              <a:defRPr/>
-            </a:pPr>
-            <a:r>
-              <a:rPr lang="en-US" dirty="0" smtClean="0"/>
-              <a:t>+ </a:t>
-            </a:r>
-            <a:r>
-              <a:rPr lang="en-US" dirty="0" err="1" smtClean="0"/>
-              <a:t>Popsticle</a:t>
-            </a:r>
-            <a:r>
-              <a:rPr lang="en-US" dirty="0" smtClean="0"/>
-              <a:t> immutability</a:t>
-            </a:r>
-          </a:p>
-          <a:p>
-            <a:r>
-              <a:rPr lang="en-US" dirty="0" smtClean="0"/>
-              <a:t>+ POCO</a:t>
-            </a:r>
-            <a:r>
-              <a:rPr lang="en-US" baseline="0" dirty="0" smtClean="0"/>
-              <a:t> class</a:t>
-            </a:r>
-            <a:endParaRPr lang="en-US" dirty="0"/>
+            </a:pPr>
+            <a:endParaRPr lang="en-US" dirty="0" smtClean="0"/>
           </a:p>
         </p:txBody>
       </p:sp>
@@ -4927,7 +4915,7 @@
           <a:p>
             <a:fld id="{516C5DDC-7799-4ACC-A213-90C50CBCB02D}" type="slidenum">
               <a:rPr lang="en-US" smtClean="0"/>
-              <a:t>13</a:t>
+              <a:t>11</a:t>
             </a:fld>
             <a:endParaRPr lang="en-US"/>
           </a:p>
@@ -4936,7 +4924,7 @@
     </p:spTree>
     <p:extLst>
       <p:ext uri="{BB962C8B-B14F-4D97-AF65-F5344CB8AC3E}">
-        <p14:creationId xmlns:p14="http://schemas.microsoft.com/office/powerpoint/2010/main" val="1434091891"/>
+        <p14:creationId xmlns:p14="http://schemas.microsoft.com/office/powerpoint/2010/main" val="838380362"/>
       </p:ext>
     </p:extLst>
   </p:cSld>
@@ -4990,11 +4978,24 @@
           <a:bodyPr/>
           <a:lstStyle/>
           <a:p>
-            <a:r>
-              <a:rPr lang="en-US" dirty="0" smtClean="0"/>
-              <a:t>- No compile time</a:t>
-            </a:r>
-            <a:endParaRPr lang="ru-RU" dirty="0"/>
+            <a:pPr marL="0" marR="0" lvl="0" indent="0" algn="l" defTabSz="914400" rtl="0" eaLnBrk="1" fontAlgn="auto" latinLnBrk="0" hangingPunct="1">
+              <a:lnSpc>
+                <a:spcPct val="100000"/>
+              </a:lnSpc>
+              <a:spcBef>
+                <a:spcPts val="0"/>
+              </a:spcBef>
+              <a:spcAft>
+                <a:spcPts val="0"/>
+              </a:spcAft>
+              <a:buClrTx/>
+              <a:buSzTx/>
+              <a:buFontTx/>
+              <a:buNone/>
+              <a:tabLst/>
+              <a:defRPr/>
+            </a:pPr>
+            <a:endParaRPr lang="en-US" dirty="0"/>
           </a:p>
         </p:txBody>
       </p:sp>
@@ -5015,7 +5016,7 @@
           <a:p>
             <a:fld id="{516C5DDC-7799-4ACC-A213-90C50CBCB02D}" type="slidenum">
               <a:rPr lang="en-US" smtClean="0"/>
-              <a:t>14</a:t>
+              <a:t>13</a:t>
             </a:fld>
             <a:endParaRPr lang="en-US"/>
           </a:p>
@@ -5024,7 +5025,7 @@
     </p:spTree>
     <p:extLst>
       <p:ext uri="{BB962C8B-B14F-4D97-AF65-F5344CB8AC3E}">
-        <p14:creationId xmlns:p14="http://schemas.microsoft.com/office/powerpoint/2010/main" val="3630162557"/>
+        <p14:creationId xmlns:p14="http://schemas.microsoft.com/office/powerpoint/2010/main" val="1434091891"/>
       </p:ext>
     </p:extLst>
   </p:cSld>
@@ -15677,6 +15678,13 @@
   <p:clrMapOvr>
     <a:masterClrMapping/>
   </p:clrMapOvr>
+  <p:timing>
+    <p:tnLst>
+      <p:par>
+        <p:cTn id="1" dur="indefinite" restart="never" nodeType="tmRoot"/>
+      </p:par>
+    </p:tnLst>
+  </p:timing>
 </p:sld>
 </file>
 

--- a/Presentation.pptx
+++ b/Presentation.pptx
@@ -3520,6 +3520,14 @@
           <a:bodyPr/>
           <a:lstStyle/>
           <a:p>
+            <a:r>
+              <a:rPr lang="ru-RU" dirty="0" smtClean="0"/>
+              <a:t>Это не</a:t>
+            </a:r>
+            <a:r>
+              <a:rPr lang="ru-RU" baseline="0" dirty="0" smtClean="0"/>
+              <a:t> иммутабельность а редонли</a:t>
+            </a:r>
             <a:endParaRPr lang="en-US" dirty="0"/>
           </a:p>
         </p:txBody>
@@ -8388,9 +8396,10 @@
           <a:lstStyle/>
           <a:p>
             <a:r>
-              <a:rPr lang="en-US" dirty="0"/>
+              <a:rPr lang="en-US" dirty="0" smtClean="0"/>
               <a:t>Constructor</a:t>
             </a:r>
+            <a:endParaRPr lang="en-US" dirty="0"/>
           </a:p>
         </p:txBody>
       </p:sp>
@@ -9761,8 +9770,13 @@
           <a:p>
             <a:r>
               <a:rPr lang="en-US" dirty="0" smtClean="0"/>
-              <a:t>No serialization</a:t>
-            </a:r>
+              <a:t>No </a:t>
+            </a:r>
+            <a:r>
+              <a:rPr lang="en-US" dirty="0"/>
+              <a:t>deserialization</a:t>
+            </a:r>
+            <a:endParaRPr lang="en-US" dirty="0" smtClean="0"/>
           </a:p>
           <a:p>
             <a:r>
@@ -13128,8 +13142,13 @@
           <a:p>
             <a:r>
               <a:rPr lang="en-US" dirty="0" smtClean="0"/>
-              <a:t>Support serialization</a:t>
-            </a:r>
+              <a:t>Support </a:t>
+            </a:r>
+            <a:r>
+              <a:rPr lang="en-US" dirty="0"/>
+              <a:t>deserialization</a:t>
+            </a:r>
+            <a:endParaRPr lang="en-US" dirty="0" smtClean="0"/>
           </a:p>
           <a:p>
             <a:r>
@@ -15421,21 +15440,13 @@
           <a:p>
             <a:r>
               <a:rPr lang="en-US" dirty="0" smtClean="0"/>
-              <a:t>We can use mutable POCO classes!!!</a:t>
-            </a:r>
-          </a:p>
-          <a:p>
+              <a:t>We can use mutable POCO classes</a:t>
+            </a:r>
             <a:r>
               <a:rPr lang="en-US" dirty="0" smtClean="0"/>
-              <a:t>Support serialization</a:t>
-            </a:r>
-          </a:p>
-          <a:p>
-            <a:r>
-              <a:rPr lang="en-US" dirty="0" smtClean="0"/>
-              <a:t>Support Entity Framework</a:t>
-            </a:r>
-            <a:endParaRPr lang="en-US" dirty="0"/>
+              <a:t>!!!</a:t>
+            </a:r>
+            <a:endParaRPr lang="en-US" dirty="0" smtClean="0"/>
           </a:p>
         </p:txBody>
       </p:sp>
@@ -18009,7 +18020,7 @@
         <p:spPr/>
         <p:txBody>
           <a:bodyPr>
-            <a:normAutofit lnSpcReduction="10000"/>
+            <a:normAutofit fontScale="92500" lnSpcReduction="20000"/>
           </a:bodyPr>
           <a:lstStyle/>
           <a:p>
@@ -18037,6 +18048,20 @@
               <a:rPr lang="en-US" dirty="0" smtClean="0"/>
               <a:t>entity</a:t>
             </a:r>
+          </a:p>
+          <a:p>
+            <a:r>
+              <a:rPr lang="en-US"/>
+              <a:t>Methods </a:t>
+            </a:r>
+            <a:r>
+              <a:rPr lang="en-US"/>
+              <a:t>via </a:t>
+            </a:r>
+            <a:r>
+              <a:rPr lang="en-US" smtClean="0"/>
+              <a:t>interfaces</a:t>
+            </a:r>
             <a:endParaRPr lang="en-US" dirty="0"/>
           </a:p>
           <a:p>
@@ -18064,7 +18089,11 @@
           <a:p>
             <a:r>
               <a:rPr lang="en-US" dirty="0"/>
-              <a:t>Specification via Expression&lt;Predicate&lt;Entity&gt;&gt;</a:t>
+              <a:t>Specification via Expression&lt;Predicate&lt;Entity</a:t>
+            </a:r>
+            <a:r>
+              <a:rPr lang="en-US" dirty="0" smtClean="0"/>
+              <a:t>&gt;&gt;</a:t>
             </a:r>
           </a:p>
         </p:txBody>
@@ -18109,12 +18138,6 @@
           <a:p>
             <a:r>
               <a:rPr lang="en-US" dirty="0" smtClean="0"/>
-              <a:t>Verbose</a:t>
-            </a:r>
-          </a:p>
-          <a:p>
-            <a:r>
-              <a:rPr lang="en-US" dirty="0" smtClean="0"/>
               <a:t>Vulnerable </a:t>
             </a:r>
             <a:r>
@@ -18125,12 +18148,14 @@
               <a:rPr lang="en-US" dirty="0" smtClean="0"/>
               <a:t>cast</a:t>
             </a:r>
+            <a:endParaRPr lang="ru-RU" dirty="0" smtClean="0"/>
           </a:p>
           <a:p>
             <a:r>
               <a:rPr lang="en-US" dirty="0" smtClean="0"/>
-              <a:t>No methods*</a:t>
-            </a:r>
+              <a:t>Required code review</a:t>
+            </a:r>
+            <a:endParaRPr lang="en-US" dirty="0" smtClean="0"/>
           </a:p>
         </p:txBody>
       </p:sp>

--- a/Presentation.pptx
+++ b/Presentation.pptx
@@ -18051,15 +18051,11 @@
           </a:p>
           <a:p>
             <a:r>
-              <a:rPr lang="en-US"/>
-              <a:t>Methods </a:t>
-            </a:r>
-            <a:r>
-              <a:rPr lang="en-US"/>
-              <a:t>via </a:t>
-            </a:r>
-            <a:r>
-              <a:rPr lang="en-US" smtClean="0"/>
+              <a:rPr lang="en-US" dirty="0"/>
+              <a:t>Methods via </a:t>
+            </a:r>
+            <a:r>
+              <a:rPr lang="en-US" dirty="0" smtClean="0"/>
               <a:t>interfaces</a:t>
             </a:r>
             <a:endParaRPr lang="en-US" dirty="0"/>
@@ -18241,9 +18237,10 @@
           <a:lstStyle/>
           <a:p>
             <a:r>
-              <a:rPr lang="en-US" dirty="0"/>
-              <a:t>With pattern</a:t>
-            </a:r>
+              <a:rPr lang="en-US" dirty="0" smtClean="0"/>
+              <a:t>Pattern “With”</a:t>
+            </a:r>
+            <a:endParaRPr lang="en-US" dirty="0"/>
           </a:p>
         </p:txBody>
       </p:sp>
@@ -18694,8 +18691,12 @@
           <a:lstStyle/>
           <a:p>
             <a:r>
+              <a:rPr lang="en-US" dirty="0" smtClean="0"/>
+              <a:t>Pattern </a:t>
+            </a:r>
+            <a:r>
               <a:rPr lang="en-US" dirty="0"/>
-              <a:t>Anti-pattern “With builder”</a:t>
+              <a:t>“With builder”</a:t>
             </a:r>
           </a:p>
         </p:txBody>
@@ -20946,22 +20947,22 @@
               <a:t> </a:t>
             </a:r>
             <a:r>
-              <a:rPr lang="en-US" dirty="0" err="1">
-                <a:solidFill>
-                  <a:srgbClr val="000000"/>
-                </a:solidFill>
-                <a:latin typeface="Consolas" panose="020B0609020204030204" pitchFamily="49" charset="0"/>
-              </a:rPr>
-              <a:t>AddItems</a:t>
-            </a:r>
-            <a:r>
-              <a:rPr lang="en-US" dirty="0">
-                <a:solidFill>
-                  <a:srgbClr val="000000"/>
-                </a:solidFill>
-                <a:latin typeface="Consolas" panose="020B0609020204030204" pitchFamily="49" charset="0"/>
-              </a:rPr>
-              <a:t>(</a:t>
+              <a:rPr lang="en-US" dirty="0" err="1" smtClean="0">
+                <a:solidFill>
+                  <a:srgbClr val="000000"/>
+                </a:solidFill>
+                <a:latin typeface="Consolas" panose="020B0609020204030204" pitchFamily="49" charset="0"/>
+              </a:rPr>
+              <a:t>AddOwners</a:t>
+            </a:r>
+            <a:r>
+              <a:rPr lang="en-US" dirty="0" smtClean="0">
+                <a:solidFill>
+                  <a:srgbClr val="000000"/>
+                </a:solidFill>
+                <a:latin typeface="Consolas" panose="020B0609020204030204" pitchFamily="49" charset="0"/>
+              </a:rPr>
+              <a:t> (</a:t>
             </a:r>
             <a:r>
               <a:rPr lang="en-US" dirty="0" err="1">
@@ -24129,9 +24130,134 @@
   <p:timing>
     <p:tnLst>
       <p:par>
-        <p:cTn id="1" dur="indefinite" restart="never" nodeType="tmRoot"/>
+        <p:cTn id="1" dur="indefinite" restart="never" nodeType="tmRoot">
+          <p:childTnLst>
+            <p:seq concurrent="1" nextAc="seek">
+              <p:cTn id="2" dur="indefinite" nodeType="mainSeq">
+                <p:childTnLst>
+                  <p:par>
+                    <p:cTn id="3" fill="hold">
+                      <p:stCondLst>
+                        <p:cond delay="indefinite"/>
+                      </p:stCondLst>
+                      <p:childTnLst>
+                        <p:par>
+                          <p:cTn id="4" fill="hold">
+                            <p:stCondLst>
+                              <p:cond delay="0"/>
+                            </p:stCondLst>
+                            <p:childTnLst>
+                              <p:par>
+                                <p:cTn id="5" presetID="1" presetClass="entr" presetSubtype="0" fill="hold" grpId="0" nodeType="clickEffect">
+                                  <p:stCondLst>
+                                    <p:cond delay="0"/>
+                                  </p:stCondLst>
+                                  <p:childTnLst>
+                                    <p:set>
+                                      <p:cBhvr>
+                                        <p:cTn id="6" dur="1" fill="hold">
+                                          <p:stCondLst>
+                                            <p:cond delay="0"/>
+                                          </p:stCondLst>
+                                        </p:cTn>
+                                        <p:tgtEl>
+                                          <p:spTgt spid="4">
+                                            <p:txEl>
+                                              <p:pRg st="0" end="0"/>
+                                            </p:txEl>
+                                          </p:spTgt>
+                                        </p:tgtEl>
+                                        <p:attrNameLst>
+                                          <p:attrName>style.visibility</p:attrName>
+                                        </p:attrNameLst>
+                                      </p:cBhvr>
+                                      <p:to>
+                                        <p:strVal val="visible"/>
+                                      </p:to>
+                                    </p:set>
+                                  </p:childTnLst>
+                                </p:cTn>
+                              </p:par>
+                            </p:childTnLst>
+                          </p:cTn>
+                        </p:par>
+                      </p:childTnLst>
+                    </p:cTn>
+                  </p:par>
+                  <p:par>
+                    <p:cTn id="7" fill="hold">
+                      <p:stCondLst>
+                        <p:cond delay="indefinite"/>
+                      </p:stCondLst>
+                      <p:childTnLst>
+                        <p:par>
+                          <p:cTn id="8" fill="hold">
+                            <p:stCondLst>
+                              <p:cond delay="0"/>
+                            </p:stCondLst>
+                            <p:childTnLst>
+                              <p:par>
+                                <p:cTn id="9" presetID="1" presetClass="entr" presetSubtype="0" fill="hold" grpId="0" nodeType="clickEffect">
+                                  <p:stCondLst>
+                                    <p:cond delay="0"/>
+                                  </p:stCondLst>
+                                  <p:childTnLst>
+                                    <p:set>
+                                      <p:cBhvr>
+                                        <p:cTn id="10" dur="1" fill="hold">
+                                          <p:stCondLst>
+                                            <p:cond delay="0"/>
+                                          </p:stCondLst>
+                                        </p:cTn>
+                                        <p:tgtEl>
+                                          <p:spTgt spid="6">
+                                            <p:txEl>
+                                              <p:pRg st="0" end="0"/>
+                                            </p:txEl>
+                                          </p:spTgt>
+                                        </p:tgtEl>
+                                        <p:attrNameLst>
+                                          <p:attrName>style.visibility</p:attrName>
+                                        </p:attrNameLst>
+                                      </p:cBhvr>
+                                      <p:to>
+                                        <p:strVal val="visible"/>
+                                      </p:to>
+                                    </p:set>
+                                  </p:childTnLst>
+                                </p:cTn>
+                              </p:par>
+                            </p:childTnLst>
+                          </p:cTn>
+                        </p:par>
+                      </p:childTnLst>
+                    </p:cTn>
+                  </p:par>
+                </p:childTnLst>
+              </p:cTn>
+              <p:prevCondLst>
+                <p:cond evt="onPrev" delay="0">
+                  <p:tgtEl>
+                    <p:sldTgt/>
+                  </p:tgtEl>
+                </p:cond>
+              </p:prevCondLst>
+              <p:nextCondLst>
+                <p:cond evt="onNext" delay="0">
+                  <p:tgtEl>
+                    <p:sldTgt/>
+                  </p:tgtEl>
+                </p:cond>
+              </p:nextCondLst>
+            </p:seq>
+          </p:childTnLst>
+        </p:cTn>
       </p:par>
     </p:tnLst>
+    <p:bldLst>
+      <p:bldP spid="4" grpId="0" build="p"/>
+      <p:bldP spid="6" grpId="0" build="p"/>
+    </p:bldLst>
   </p:timing>
 </p:sld>
 </file>
@@ -24734,9 +24860,134 @@
   <p:timing>
     <p:tnLst>
       <p:par>
-        <p:cTn id="1" dur="indefinite" restart="never" nodeType="tmRoot"/>
+        <p:cTn id="1" dur="indefinite" restart="never" nodeType="tmRoot">
+          <p:childTnLst>
+            <p:seq concurrent="1" nextAc="seek">
+              <p:cTn id="2" dur="indefinite" nodeType="mainSeq">
+                <p:childTnLst>
+                  <p:par>
+                    <p:cTn id="3" fill="hold">
+                      <p:stCondLst>
+                        <p:cond delay="indefinite"/>
+                      </p:stCondLst>
+                      <p:childTnLst>
+                        <p:par>
+                          <p:cTn id="4" fill="hold">
+                            <p:stCondLst>
+                              <p:cond delay="0"/>
+                            </p:stCondLst>
+                            <p:childTnLst>
+                              <p:par>
+                                <p:cTn id="5" presetID="1" presetClass="entr" presetSubtype="0" fill="hold" grpId="0" nodeType="clickEffect">
+                                  <p:stCondLst>
+                                    <p:cond delay="0"/>
+                                  </p:stCondLst>
+                                  <p:childTnLst>
+                                    <p:set>
+                                      <p:cBhvr>
+                                        <p:cTn id="6" dur="1" fill="hold">
+                                          <p:stCondLst>
+                                            <p:cond delay="0"/>
+                                          </p:stCondLst>
+                                        </p:cTn>
+                                        <p:tgtEl>
+                                          <p:spTgt spid="3">
+                                            <p:txEl>
+                                              <p:pRg st="0" end="0"/>
+                                            </p:txEl>
+                                          </p:spTgt>
+                                        </p:tgtEl>
+                                        <p:attrNameLst>
+                                          <p:attrName>style.visibility</p:attrName>
+                                        </p:attrNameLst>
+                                      </p:cBhvr>
+                                      <p:to>
+                                        <p:strVal val="visible"/>
+                                      </p:to>
+                                    </p:set>
+                                  </p:childTnLst>
+                                </p:cTn>
+                              </p:par>
+                            </p:childTnLst>
+                          </p:cTn>
+                        </p:par>
+                      </p:childTnLst>
+                    </p:cTn>
+                  </p:par>
+                  <p:par>
+                    <p:cTn id="7" fill="hold">
+                      <p:stCondLst>
+                        <p:cond delay="indefinite"/>
+                      </p:stCondLst>
+                      <p:childTnLst>
+                        <p:par>
+                          <p:cTn id="8" fill="hold">
+                            <p:stCondLst>
+                              <p:cond delay="0"/>
+                            </p:stCondLst>
+                            <p:childTnLst>
+                              <p:par>
+                                <p:cTn id="9" presetID="1" presetClass="entr" presetSubtype="0" fill="hold" grpId="0" nodeType="clickEffect">
+                                  <p:stCondLst>
+                                    <p:cond delay="0"/>
+                                  </p:stCondLst>
+                                  <p:childTnLst>
+                                    <p:set>
+                                      <p:cBhvr>
+                                        <p:cTn id="10" dur="1" fill="hold">
+                                          <p:stCondLst>
+                                            <p:cond delay="0"/>
+                                          </p:stCondLst>
+                                        </p:cTn>
+                                        <p:tgtEl>
+                                          <p:spTgt spid="5">
+                                            <p:txEl>
+                                              <p:pRg st="0" end="0"/>
+                                            </p:txEl>
+                                          </p:spTgt>
+                                        </p:tgtEl>
+                                        <p:attrNameLst>
+                                          <p:attrName>style.visibility</p:attrName>
+                                        </p:attrNameLst>
+                                      </p:cBhvr>
+                                      <p:to>
+                                        <p:strVal val="visible"/>
+                                      </p:to>
+                                    </p:set>
+                                  </p:childTnLst>
+                                </p:cTn>
+                              </p:par>
+                            </p:childTnLst>
+                          </p:cTn>
+                        </p:par>
+                      </p:childTnLst>
+                    </p:cTn>
+                  </p:par>
+                </p:childTnLst>
+              </p:cTn>
+              <p:prevCondLst>
+                <p:cond evt="onPrev" delay="0">
+                  <p:tgtEl>
+                    <p:sldTgt/>
+                  </p:tgtEl>
+                </p:cond>
+              </p:prevCondLst>
+              <p:nextCondLst>
+                <p:cond evt="onNext" delay="0">
+                  <p:tgtEl>
+                    <p:sldTgt/>
+                  </p:tgtEl>
+                </p:cond>
+              </p:nextCondLst>
+            </p:seq>
+          </p:childTnLst>
+        </p:cTn>
       </p:par>
     </p:tnLst>
+    <p:bldLst>
+      <p:bldP spid="3" grpId="0" build="p"/>
+      <p:bldP spid="5" grpId="0" build="p"/>
+    </p:bldLst>
   </p:timing>
 </p:sld>
 </file>
@@ -25339,9 +25590,134 @@
   <p:timing>
     <p:tnLst>
       <p:par>
-        <p:cTn id="1" dur="indefinite" restart="never" nodeType="tmRoot"/>
+        <p:cTn id="1" dur="indefinite" restart="never" nodeType="tmRoot">
+          <p:childTnLst>
+            <p:seq concurrent="1" nextAc="seek">
+              <p:cTn id="2" dur="indefinite" nodeType="mainSeq">
+                <p:childTnLst>
+                  <p:par>
+                    <p:cTn id="3" fill="hold">
+                      <p:stCondLst>
+                        <p:cond delay="indefinite"/>
+                      </p:stCondLst>
+                      <p:childTnLst>
+                        <p:par>
+                          <p:cTn id="4" fill="hold">
+                            <p:stCondLst>
+                              <p:cond delay="0"/>
+                            </p:stCondLst>
+                            <p:childTnLst>
+                              <p:par>
+                                <p:cTn id="5" presetID="1" presetClass="entr" presetSubtype="0" fill="hold" grpId="0" nodeType="clickEffect">
+                                  <p:stCondLst>
+                                    <p:cond delay="0"/>
+                                  </p:stCondLst>
+                                  <p:childTnLst>
+                                    <p:set>
+                                      <p:cBhvr>
+                                        <p:cTn id="6" dur="1" fill="hold">
+                                          <p:stCondLst>
+                                            <p:cond delay="0"/>
+                                          </p:stCondLst>
+                                        </p:cTn>
+                                        <p:tgtEl>
+                                          <p:spTgt spid="3">
+                                            <p:txEl>
+                                              <p:pRg st="0" end="0"/>
+                                            </p:txEl>
+                                          </p:spTgt>
+                                        </p:tgtEl>
+                                        <p:attrNameLst>
+                                          <p:attrName>style.visibility</p:attrName>
+                                        </p:attrNameLst>
+                                      </p:cBhvr>
+                                      <p:to>
+                                        <p:strVal val="visible"/>
+                                      </p:to>
+                                    </p:set>
+                                  </p:childTnLst>
+                                </p:cTn>
+                              </p:par>
+                            </p:childTnLst>
+                          </p:cTn>
+                        </p:par>
+                      </p:childTnLst>
+                    </p:cTn>
+                  </p:par>
+                  <p:par>
+                    <p:cTn id="7" fill="hold">
+                      <p:stCondLst>
+                        <p:cond delay="indefinite"/>
+                      </p:stCondLst>
+                      <p:childTnLst>
+                        <p:par>
+                          <p:cTn id="8" fill="hold">
+                            <p:stCondLst>
+                              <p:cond delay="0"/>
+                            </p:stCondLst>
+                            <p:childTnLst>
+                              <p:par>
+                                <p:cTn id="9" presetID="1" presetClass="entr" presetSubtype="0" fill="hold" grpId="0" nodeType="clickEffect">
+                                  <p:stCondLst>
+                                    <p:cond delay="0"/>
+                                  </p:stCondLst>
+                                  <p:childTnLst>
+                                    <p:set>
+                                      <p:cBhvr>
+                                        <p:cTn id="10" dur="1" fill="hold">
+                                          <p:stCondLst>
+                                            <p:cond delay="0"/>
+                                          </p:stCondLst>
+                                        </p:cTn>
+                                        <p:tgtEl>
+                                          <p:spTgt spid="5">
+                                            <p:txEl>
+                                              <p:pRg st="0" end="0"/>
+                                            </p:txEl>
+                                          </p:spTgt>
+                                        </p:tgtEl>
+                                        <p:attrNameLst>
+                                          <p:attrName>style.visibility</p:attrName>
+                                        </p:attrNameLst>
+                                      </p:cBhvr>
+                                      <p:to>
+                                        <p:strVal val="visible"/>
+                                      </p:to>
+                                    </p:set>
+                                  </p:childTnLst>
+                                </p:cTn>
+                              </p:par>
+                            </p:childTnLst>
+                          </p:cTn>
+                        </p:par>
+                      </p:childTnLst>
+                    </p:cTn>
+                  </p:par>
+                </p:childTnLst>
+              </p:cTn>
+              <p:prevCondLst>
+                <p:cond evt="onPrev" delay="0">
+                  <p:tgtEl>
+                    <p:sldTgt/>
+                  </p:tgtEl>
+                </p:cond>
+              </p:prevCondLst>
+              <p:nextCondLst>
+                <p:cond evt="onNext" delay="0">
+                  <p:tgtEl>
+                    <p:sldTgt/>
+                  </p:tgtEl>
+                </p:cond>
+              </p:nextCondLst>
+            </p:seq>
+          </p:childTnLst>
+        </p:cTn>
       </p:par>
     </p:tnLst>
+    <p:bldLst>
+      <p:bldP spid="3" grpId="0" build="p"/>
+      <p:bldP spid="5" grpId="0" build="p"/>
+    </p:bldLst>
   </p:timing>
 </p:sld>
 </file>
@@ -26418,9 +26794,134 @@
   <p:timing>
     <p:tnLst>
       <p:par>
-        <p:cTn id="1" dur="indefinite" restart="never" nodeType="tmRoot"/>
+        <p:cTn id="1" dur="indefinite" restart="never" nodeType="tmRoot">
+          <p:childTnLst>
+            <p:seq concurrent="1" nextAc="seek">
+              <p:cTn id="2" dur="indefinite" nodeType="mainSeq">
+                <p:childTnLst>
+                  <p:par>
+                    <p:cTn id="3" fill="hold">
+                      <p:stCondLst>
+                        <p:cond delay="indefinite"/>
+                      </p:stCondLst>
+                      <p:childTnLst>
+                        <p:par>
+                          <p:cTn id="4" fill="hold">
+                            <p:stCondLst>
+                              <p:cond delay="0"/>
+                            </p:stCondLst>
+                            <p:childTnLst>
+                              <p:par>
+                                <p:cTn id="5" presetID="1" presetClass="entr" presetSubtype="0" fill="hold" grpId="0" nodeType="clickEffect">
+                                  <p:stCondLst>
+                                    <p:cond delay="0"/>
+                                  </p:stCondLst>
+                                  <p:childTnLst>
+                                    <p:set>
+                                      <p:cBhvr>
+                                        <p:cTn id="6" dur="1" fill="hold">
+                                          <p:stCondLst>
+                                            <p:cond delay="0"/>
+                                          </p:stCondLst>
+                                        </p:cTn>
+                                        <p:tgtEl>
+                                          <p:spTgt spid="3">
+                                            <p:txEl>
+                                              <p:pRg st="0" end="0"/>
+                                            </p:txEl>
+                                          </p:spTgt>
+                                        </p:tgtEl>
+                                        <p:attrNameLst>
+                                          <p:attrName>style.visibility</p:attrName>
+                                        </p:attrNameLst>
+                                      </p:cBhvr>
+                                      <p:to>
+                                        <p:strVal val="visible"/>
+                                      </p:to>
+                                    </p:set>
+                                  </p:childTnLst>
+                                </p:cTn>
+                              </p:par>
+                            </p:childTnLst>
+                          </p:cTn>
+                        </p:par>
+                      </p:childTnLst>
+                    </p:cTn>
+                  </p:par>
+                  <p:par>
+                    <p:cTn id="7" fill="hold">
+                      <p:stCondLst>
+                        <p:cond delay="indefinite"/>
+                      </p:stCondLst>
+                      <p:childTnLst>
+                        <p:par>
+                          <p:cTn id="8" fill="hold">
+                            <p:stCondLst>
+                              <p:cond delay="0"/>
+                            </p:stCondLst>
+                            <p:childTnLst>
+                              <p:par>
+                                <p:cTn id="9" presetID="1" presetClass="entr" presetSubtype="0" fill="hold" grpId="0" nodeType="clickEffect">
+                                  <p:stCondLst>
+                                    <p:cond delay="0"/>
+                                  </p:stCondLst>
+                                  <p:childTnLst>
+                                    <p:set>
+                                      <p:cBhvr>
+                                        <p:cTn id="10" dur="1" fill="hold">
+                                          <p:stCondLst>
+                                            <p:cond delay="0"/>
+                                          </p:stCondLst>
+                                        </p:cTn>
+                                        <p:tgtEl>
+                                          <p:spTgt spid="5">
+                                            <p:txEl>
+                                              <p:pRg st="0" end="0"/>
+                                            </p:txEl>
+                                          </p:spTgt>
+                                        </p:tgtEl>
+                                        <p:attrNameLst>
+                                          <p:attrName>style.visibility</p:attrName>
+                                        </p:attrNameLst>
+                                      </p:cBhvr>
+                                      <p:to>
+                                        <p:strVal val="visible"/>
+                                      </p:to>
+                                    </p:set>
+                                  </p:childTnLst>
+                                </p:cTn>
+                              </p:par>
+                            </p:childTnLst>
+                          </p:cTn>
+                        </p:par>
+                      </p:childTnLst>
+                    </p:cTn>
+                  </p:par>
+                </p:childTnLst>
+              </p:cTn>
+              <p:prevCondLst>
+                <p:cond evt="onPrev" delay="0">
+                  <p:tgtEl>
+                    <p:sldTgt/>
+                  </p:tgtEl>
+                </p:cond>
+              </p:prevCondLst>
+              <p:nextCondLst>
+                <p:cond evt="onNext" delay="0">
+                  <p:tgtEl>
+                    <p:sldTgt/>
+                  </p:tgtEl>
+                </p:cond>
+              </p:nextCondLst>
+            </p:seq>
+          </p:childTnLst>
+        </p:cTn>
       </p:par>
     </p:tnLst>
+    <p:bldLst>
+      <p:bldP spid="3" grpId="0" build="p"/>
+      <p:bldP spid="5" grpId="0" build="p"/>
+    </p:bldLst>
   </p:timing>
 </p:sld>
 </file>
@@ -27220,9 +27721,134 @@
   <p:timing>
     <p:tnLst>
       <p:par>
-        <p:cTn id="1" dur="indefinite" restart="never" nodeType="tmRoot"/>
+        <p:cTn id="1" dur="indefinite" restart="never" nodeType="tmRoot">
+          <p:childTnLst>
+            <p:seq concurrent="1" nextAc="seek">
+              <p:cTn id="2" dur="indefinite" nodeType="mainSeq">
+                <p:childTnLst>
+                  <p:par>
+                    <p:cTn id="3" fill="hold">
+                      <p:stCondLst>
+                        <p:cond delay="indefinite"/>
+                      </p:stCondLst>
+                      <p:childTnLst>
+                        <p:par>
+                          <p:cTn id="4" fill="hold">
+                            <p:stCondLst>
+                              <p:cond delay="0"/>
+                            </p:stCondLst>
+                            <p:childTnLst>
+                              <p:par>
+                                <p:cTn id="5" presetID="1" presetClass="entr" presetSubtype="0" fill="hold" grpId="0" nodeType="clickEffect">
+                                  <p:stCondLst>
+                                    <p:cond delay="0"/>
+                                  </p:stCondLst>
+                                  <p:childTnLst>
+                                    <p:set>
+                                      <p:cBhvr>
+                                        <p:cTn id="6" dur="1" fill="hold">
+                                          <p:stCondLst>
+                                            <p:cond delay="0"/>
+                                          </p:stCondLst>
+                                        </p:cTn>
+                                        <p:tgtEl>
+                                          <p:spTgt spid="3">
+                                            <p:txEl>
+                                              <p:pRg st="0" end="0"/>
+                                            </p:txEl>
+                                          </p:spTgt>
+                                        </p:tgtEl>
+                                        <p:attrNameLst>
+                                          <p:attrName>style.visibility</p:attrName>
+                                        </p:attrNameLst>
+                                      </p:cBhvr>
+                                      <p:to>
+                                        <p:strVal val="visible"/>
+                                      </p:to>
+                                    </p:set>
+                                  </p:childTnLst>
+                                </p:cTn>
+                              </p:par>
+                            </p:childTnLst>
+                          </p:cTn>
+                        </p:par>
+                      </p:childTnLst>
+                    </p:cTn>
+                  </p:par>
+                  <p:par>
+                    <p:cTn id="7" fill="hold">
+                      <p:stCondLst>
+                        <p:cond delay="indefinite"/>
+                      </p:stCondLst>
+                      <p:childTnLst>
+                        <p:par>
+                          <p:cTn id="8" fill="hold">
+                            <p:stCondLst>
+                              <p:cond delay="0"/>
+                            </p:stCondLst>
+                            <p:childTnLst>
+                              <p:par>
+                                <p:cTn id="9" presetID="1" presetClass="entr" presetSubtype="0" fill="hold" grpId="0" nodeType="clickEffect">
+                                  <p:stCondLst>
+                                    <p:cond delay="0"/>
+                                  </p:stCondLst>
+                                  <p:childTnLst>
+                                    <p:set>
+                                      <p:cBhvr>
+                                        <p:cTn id="10" dur="1" fill="hold">
+                                          <p:stCondLst>
+                                            <p:cond delay="0"/>
+                                          </p:stCondLst>
+                                        </p:cTn>
+                                        <p:tgtEl>
+                                          <p:spTgt spid="5">
+                                            <p:txEl>
+                                              <p:pRg st="0" end="0"/>
+                                            </p:txEl>
+                                          </p:spTgt>
+                                        </p:tgtEl>
+                                        <p:attrNameLst>
+                                          <p:attrName>style.visibility</p:attrName>
+                                        </p:attrNameLst>
+                                      </p:cBhvr>
+                                      <p:to>
+                                        <p:strVal val="visible"/>
+                                      </p:to>
+                                    </p:set>
+                                  </p:childTnLst>
+                                </p:cTn>
+                              </p:par>
+                            </p:childTnLst>
+                          </p:cTn>
+                        </p:par>
+                      </p:childTnLst>
+                    </p:cTn>
+                  </p:par>
+                </p:childTnLst>
+              </p:cTn>
+              <p:prevCondLst>
+                <p:cond evt="onPrev" delay="0">
+                  <p:tgtEl>
+                    <p:sldTgt/>
+                  </p:tgtEl>
+                </p:cond>
+              </p:prevCondLst>
+              <p:nextCondLst>
+                <p:cond evt="onNext" delay="0">
+                  <p:tgtEl>
+                    <p:sldTgt/>
+                  </p:tgtEl>
+                </p:cond>
+              </p:nextCondLst>
+            </p:seq>
+          </p:childTnLst>
+        </p:cTn>
       </p:par>
     </p:tnLst>
+    <p:bldLst>
+      <p:bldP spid="3" grpId="0" build="p"/>
+      <p:bldP spid="5" grpId="0" build="p"/>
+    </p:bldLst>
   </p:timing>
 </p:sld>
 </file>
@@ -27324,7 +27950,21 @@
               <a:rPr lang="en-US" dirty="0">
                 <a:hlinkClick r:id="rId5"/>
               </a:rPr>
-              <a:t>Immutability in C# Part Two</a:t>
+              <a:t>Immutability in C# Part </a:t>
+            </a:r>
+            <a:r>
+              <a:rPr lang="en-US" dirty="0" smtClean="0">
+                <a:hlinkClick r:id="rId5"/>
+              </a:rPr>
+              <a:t>Two</a:t>
+            </a:r>
+            <a:endParaRPr lang="en-US" dirty="0" smtClean="0"/>
+          </a:p>
+          <a:p>
+            <a:pPr lvl="1"/>
+            <a:r>
+              <a:rPr lang="en-US" dirty="0" smtClean="0"/>
+              <a:t>…</a:t>
             </a:r>
             <a:endParaRPr lang="en-US" dirty="0"/>
           </a:p>

--- a/Presentation.pptx
+++ b/Presentation.pptx
@@ -2769,7 +2769,7 @@
           <a:p>
             <a:fld id="{E8677973-4C7D-4B32-A1AE-9D6A9A1BEB65}" type="datetimeFigureOut">
               <a:rPr lang="en-US" smtClean="0"/>
-              <a:t>5/19/2018</a:t>
+              <a:t>5/20/2018</a:t>
             </a:fld>
             <a:endParaRPr lang="en-US"/>
           </a:p>
@@ -5190,7 +5190,7 @@
           <a:p>
             <a:fld id="{A3080D3A-A941-4AD9-841B-3309D54C6E0D}" type="datetime1">
               <a:rPr lang="en-US" smtClean="0"/>
-              <a:t>5/19/2018</a:t>
+              <a:t>5/20/2018</a:t>
             </a:fld>
             <a:endParaRPr lang="en-US"/>
           </a:p>
@@ -5388,7 +5388,7 @@
           <a:p>
             <a:fld id="{78963F58-0520-42B6-8BEC-FA74DE52E84A}" type="datetime1">
               <a:rPr lang="en-US" smtClean="0"/>
-              <a:t>5/19/2018</a:t>
+              <a:t>5/20/2018</a:t>
             </a:fld>
             <a:endParaRPr lang="en-US"/>
           </a:p>
@@ -5596,7 +5596,7 @@
           <a:p>
             <a:fld id="{1E0741F7-5606-4EF4-BBF2-2E583FB4696B}" type="datetime1">
               <a:rPr lang="en-US" smtClean="0"/>
-              <a:t>5/19/2018</a:t>
+              <a:t>5/20/2018</a:t>
             </a:fld>
             <a:endParaRPr lang="en-US"/>
           </a:p>
@@ -5794,7 +5794,7 @@
           <a:p>
             <a:fld id="{8A243E26-5328-4A3E-9742-86E8E5618FB9}" type="datetime1">
               <a:rPr lang="en-US" smtClean="0"/>
-              <a:t>5/19/2018</a:t>
+              <a:t>5/20/2018</a:t>
             </a:fld>
             <a:endParaRPr lang="en-US"/>
           </a:p>
@@ -6069,7 +6069,7 @@
           <a:p>
             <a:fld id="{79F3BB67-8FEA-42EA-BE41-1C0C499F6715}" type="datetime1">
               <a:rPr lang="en-US" smtClean="0"/>
-              <a:t>5/19/2018</a:t>
+              <a:t>5/20/2018</a:t>
             </a:fld>
             <a:endParaRPr lang="en-US"/>
           </a:p>
@@ -6334,7 +6334,7 @@
           <a:p>
             <a:fld id="{3C5F631E-1ED2-4508-8511-18A4F93AB530}" type="datetime1">
               <a:rPr lang="en-US" smtClean="0"/>
-              <a:t>5/19/2018</a:t>
+              <a:t>5/20/2018</a:t>
             </a:fld>
             <a:endParaRPr lang="en-US"/>
           </a:p>
@@ -6746,7 +6746,7 @@
           <a:p>
             <a:fld id="{4A147336-6269-4B5B-981C-D66BB990C237}" type="datetime1">
               <a:rPr lang="en-US" smtClean="0"/>
-              <a:t>5/19/2018</a:t>
+              <a:t>5/20/2018</a:t>
             </a:fld>
             <a:endParaRPr lang="en-US"/>
           </a:p>
@@ -6887,7 +6887,7 @@
           <a:p>
             <a:fld id="{F51CFDBD-456D-49E1-AB6F-9E02C6121DD3}" type="datetime1">
               <a:rPr lang="en-US" smtClean="0"/>
-              <a:t>5/19/2018</a:t>
+              <a:t>5/20/2018</a:t>
             </a:fld>
             <a:endParaRPr lang="en-US"/>
           </a:p>
@@ -7000,7 +7000,7 @@
           <a:p>
             <a:fld id="{4DE7A270-92EF-4670-8B83-FDF43736C09D}" type="datetime1">
               <a:rPr lang="en-US" smtClean="0"/>
-              <a:t>5/19/2018</a:t>
+              <a:t>5/20/2018</a:t>
             </a:fld>
             <a:endParaRPr lang="en-US"/>
           </a:p>
@@ -7311,7 +7311,7 @@
           <a:p>
             <a:fld id="{BAD4F61B-83FC-4661-82EB-A269331ECF46}" type="datetime1">
               <a:rPr lang="en-US" smtClean="0"/>
-              <a:t>5/19/2018</a:t>
+              <a:t>5/20/2018</a:t>
             </a:fld>
             <a:endParaRPr lang="en-US"/>
           </a:p>
@@ -7599,7 +7599,7 @@
           <a:p>
             <a:fld id="{320A9D37-F2C2-466D-8885-FC3D2A009462}" type="datetime1">
               <a:rPr lang="en-US" smtClean="0"/>
-              <a:t>5/19/2018</a:t>
+              <a:t>5/20/2018</a:t>
             </a:fld>
             <a:endParaRPr lang="en-US"/>
           </a:p>
@@ -7840,7 +7840,7 @@
           <a:p>
             <a:fld id="{784CA7B1-FDE6-4A69-BC76-07B9AE315539}" type="datetime1">
               <a:rPr lang="en-US" smtClean="0"/>
-              <a:t>5/19/2018</a:t>
+              <a:t>5/20/2018</a:t>
             </a:fld>
             <a:endParaRPr lang="en-US"/>
           </a:p>
@@ -15440,13 +15440,8 @@
           <a:p>
             <a:r>
               <a:rPr lang="en-US" dirty="0" smtClean="0"/>
-              <a:t>We can use mutable POCO classes</a:t>
-            </a:r>
-            <a:r>
-              <a:rPr lang="en-US" dirty="0" smtClean="0"/>
-              <a:t>!!!</a:t>
-            </a:r>
-            <a:endParaRPr lang="en-US" dirty="0" smtClean="0"/>
+              <a:t>We can use mutable POCO classes!!!</a:t>
+            </a:r>
           </a:p>
         </p:txBody>
       </p:sp>
@@ -18151,7 +18146,6 @@
               <a:rPr lang="en-US" dirty="0" smtClean="0"/>
               <a:t>Required code review</a:t>
             </a:r>
-            <a:endParaRPr lang="en-US" dirty="0" smtClean="0"/>
           </a:p>
         </p:txBody>
       </p:sp>
@@ -27932,7 +27926,6 @@
               <a:rPr lang="en-US" dirty="0"/>
               <a:t>Eric Lippert:</a:t>
             </a:r>
-            <a:endParaRPr lang="en-US" dirty="0"/>
           </a:p>
           <a:p>
             <a:pPr lvl="1"/>
@@ -28519,7 +28512,15 @@
           <a:p>
             <a:r>
               <a:rPr lang="en-US" sz="4000" dirty="0"/>
-              <a:t>Avoiding unexpected changes in huge code base</a:t>
+              <a:t>Avoiding unexpected changes </a:t>
+            </a:r>
+            <a:r>
+              <a:rPr lang="en-US" sz="4000" dirty="0" smtClean="0"/>
+              <a:t>in a </a:t>
+            </a:r>
+            <a:r>
+              <a:rPr lang="en-US" sz="4000" dirty="0"/>
+              <a:t>huge code base</a:t>
             </a:r>
             <a:endParaRPr lang="ru-RU" sz="4000" dirty="0"/>
           </a:p>

--- a/Presentation.pptx
+++ b/Presentation.pptx
@@ -167,6 +167,9 @@
         </p14:section>
       </p14:sectionLst>
     </p:ext>
+    <p:ext uri="{EFAFB233-063F-42B5-8137-9DF3F51BA10A}">
+      <p15:sldGuideLst xmlns:p15="http://schemas.microsoft.com/office/powerpoint/2012/main"/>
+    </p:ext>
   </p:extLst>
 </p:presentation>
 </file>
@@ -257,7 +260,7 @@
           <a:p>
             <a:fld id="{BDF47937-8844-444D-ACC0-77A251FA5D68}" type="datetimeFigureOut">
               <a:rPr lang="en-US" smtClean="0"/>
-              <a:t>7/15/2018</a:t>
+              <a:t>7/16/2018</a:t>
             </a:fld>
             <a:endParaRPr lang="en-US"/>
           </a:p>
@@ -608,6 +611,423 @@
 </p:notes>
 </file>
 
+<file path=ppt/notesSlides/notesSlide2.xml><?xml version="1.0" encoding="utf-8"?>
+<p:notes xmlns:a="http://schemas.openxmlformats.org/drawingml/2006/main" xmlns:r="http://schemas.openxmlformats.org/officeDocument/2006/relationships" xmlns:p="http://schemas.openxmlformats.org/presentationml/2006/main">
+  <p:cSld>
+    <p:spTree>
+      <p:nvGrpSpPr>
+        <p:cNvPr id="1" name=""/>
+        <p:cNvGrpSpPr/>
+        <p:nvPr/>
+      </p:nvGrpSpPr>
+      <p:grpSpPr>
+        <a:xfrm>
+          <a:off x="0" y="0"/>
+          <a:ext cx="0" cy="0"/>
+          <a:chOff x="0" y="0"/>
+          <a:chExt cx="0" cy="0"/>
+        </a:xfrm>
+      </p:grpSpPr>
+      <p:sp>
+        <p:nvSpPr>
+          <p:cNvPr id="2" name="Slide Image Placeholder 1"/>
+          <p:cNvSpPr>
+            <a:spLocks noGrp="1" noRot="1" noChangeAspect="1"/>
+          </p:cNvSpPr>
+          <p:nvPr>
+            <p:ph type="sldImg"/>
+          </p:nvPr>
+        </p:nvSpPr>
+        <p:spPr/>
+      </p:sp>
+      <p:sp>
+        <p:nvSpPr>
+          <p:cNvPr id="3" name="Notes Placeholder 2"/>
+          <p:cNvSpPr>
+            <a:spLocks noGrp="1"/>
+          </p:cNvSpPr>
+          <p:nvPr>
+            <p:ph type="body" idx="1"/>
+          </p:nvPr>
+        </p:nvSpPr>
+        <p:spPr/>
+        <p:txBody>
+          <a:bodyPr/>
+          <a:lstStyle/>
+          <a:p>
+            <a:r>
+              <a:rPr lang="ru-RU" dirty="0"/>
+              <a:t>(повторяем код в тестах) (это как тестирование кода программистами)</a:t>
+            </a:r>
+            <a:endParaRPr lang="en-US" dirty="0"/>
+          </a:p>
+        </p:txBody>
+      </p:sp>
+      <p:sp>
+        <p:nvSpPr>
+          <p:cNvPr id="4" name="Slide Number Placeholder 3"/>
+          <p:cNvSpPr>
+            <a:spLocks noGrp="1"/>
+          </p:cNvSpPr>
+          <p:nvPr>
+            <p:ph type="sldNum" sz="quarter" idx="10"/>
+          </p:nvPr>
+        </p:nvSpPr>
+        <p:spPr/>
+        <p:txBody>
+          <a:bodyPr/>
+          <a:lstStyle/>
+          <a:p>
+            <a:fld id="{8D746921-B4EB-4062-9CC3-057C02F94791}" type="slidenum">
+              <a:rPr lang="en-US" smtClean="0"/>
+              <a:t>4</a:t>
+            </a:fld>
+            <a:endParaRPr lang="en-US"/>
+          </a:p>
+        </p:txBody>
+      </p:sp>
+    </p:spTree>
+    <p:extLst>
+      <p:ext uri="{BB962C8B-B14F-4D97-AF65-F5344CB8AC3E}">
+        <p14:creationId xmlns:p14="http://schemas.microsoft.com/office/powerpoint/2010/main" val="1764124012"/>
+      </p:ext>
+    </p:extLst>
+  </p:cSld>
+  <p:clrMapOvr>
+    <a:masterClrMapping/>
+  </p:clrMapOvr>
+</p:notes>
+</file>
+
+<file path=ppt/notesSlides/notesSlide3.xml><?xml version="1.0" encoding="utf-8"?>
+<p:notes xmlns:a="http://schemas.openxmlformats.org/drawingml/2006/main" xmlns:r="http://schemas.openxmlformats.org/officeDocument/2006/relationships" xmlns:p="http://schemas.openxmlformats.org/presentationml/2006/main">
+  <p:cSld>
+    <p:spTree>
+      <p:nvGrpSpPr>
+        <p:cNvPr id="1" name=""/>
+        <p:cNvGrpSpPr/>
+        <p:nvPr/>
+      </p:nvGrpSpPr>
+      <p:grpSpPr>
+        <a:xfrm>
+          <a:off x="0" y="0"/>
+          <a:ext cx="0" cy="0"/>
+          <a:chOff x="0" y="0"/>
+          <a:chExt cx="0" cy="0"/>
+        </a:xfrm>
+      </p:grpSpPr>
+      <p:sp>
+        <p:nvSpPr>
+          <p:cNvPr id="2" name="Slide Image Placeholder 1"/>
+          <p:cNvSpPr>
+            <a:spLocks noGrp="1" noRot="1" noChangeAspect="1"/>
+          </p:cNvSpPr>
+          <p:nvPr>
+            <p:ph type="sldImg"/>
+          </p:nvPr>
+        </p:nvSpPr>
+        <p:spPr/>
+      </p:sp>
+      <p:sp>
+        <p:nvSpPr>
+          <p:cNvPr id="3" name="Notes Placeholder 2"/>
+          <p:cNvSpPr>
+            <a:spLocks noGrp="1"/>
+          </p:cNvSpPr>
+          <p:nvPr>
+            <p:ph type="body" idx="1"/>
+          </p:nvPr>
+        </p:nvSpPr>
+        <p:spPr/>
+        <p:txBody>
+          <a:bodyPr/>
+          <a:lstStyle/>
+          <a:p>
+            <a:pPr marL="0" marR="0" lvl="0" indent="0" algn="l" defTabSz="914400" rtl="0" eaLnBrk="1" fontAlgn="auto" latinLnBrk="0" hangingPunct="1">
+              <a:lnSpc>
+                <a:spcPct val="100000"/>
+              </a:lnSpc>
+              <a:spcBef>
+                <a:spcPts val="0"/>
+              </a:spcBef>
+              <a:spcAft>
+                <a:spcPts val="0"/>
+              </a:spcAft>
+              <a:buClrTx/>
+              <a:buSzTx/>
+              <a:buFontTx/>
+              <a:buNone/>
+              <a:tabLst/>
+              <a:defRPr/>
+            </a:pPr>
+            <a:r>
+              <a:rPr lang="ru-RU" dirty="0"/>
+              <a:t>Прогибалка стульев икея</a:t>
+            </a:r>
+          </a:p>
+          <a:p>
+            <a:pPr marL="0" marR="0" lvl="0" indent="0" algn="l" defTabSz="914400" rtl="0" eaLnBrk="1" fontAlgn="auto" latinLnBrk="0" hangingPunct="1">
+              <a:lnSpc>
+                <a:spcPct val="100000"/>
+              </a:lnSpc>
+              <a:spcBef>
+                <a:spcPts val="0"/>
+              </a:spcBef>
+              <a:spcAft>
+                <a:spcPts val="0"/>
+              </a:spcAft>
+              <a:buClrTx/>
+              <a:buSzTx/>
+              <a:buFontTx/>
+              <a:buNone/>
+              <a:tabLst/>
+              <a:defRPr/>
+            </a:pPr>
+            <a:r>
+              <a:rPr lang="ru-RU" dirty="0"/>
+              <a:t>Тестовый стенд по спецификации</a:t>
+            </a:r>
+          </a:p>
+        </p:txBody>
+      </p:sp>
+      <p:sp>
+        <p:nvSpPr>
+          <p:cNvPr id="4" name="Slide Number Placeholder 3"/>
+          <p:cNvSpPr>
+            <a:spLocks noGrp="1"/>
+          </p:cNvSpPr>
+          <p:nvPr>
+            <p:ph type="sldNum" sz="quarter" idx="10"/>
+          </p:nvPr>
+        </p:nvSpPr>
+        <p:spPr/>
+        <p:txBody>
+          <a:bodyPr/>
+          <a:lstStyle/>
+          <a:p>
+            <a:fld id="{8D746921-B4EB-4062-9CC3-057C02F94791}" type="slidenum">
+              <a:rPr lang="en-US" smtClean="0"/>
+              <a:t>5</a:t>
+            </a:fld>
+            <a:endParaRPr lang="en-US"/>
+          </a:p>
+        </p:txBody>
+      </p:sp>
+    </p:spTree>
+    <p:extLst>
+      <p:ext uri="{BB962C8B-B14F-4D97-AF65-F5344CB8AC3E}">
+        <p14:creationId xmlns:p14="http://schemas.microsoft.com/office/powerpoint/2010/main" val="2522550149"/>
+      </p:ext>
+    </p:extLst>
+  </p:cSld>
+  <p:clrMapOvr>
+    <a:masterClrMapping/>
+  </p:clrMapOvr>
+</p:notes>
+</file>
+
+<file path=ppt/notesSlides/notesSlide4.xml><?xml version="1.0" encoding="utf-8"?>
+<p:notes xmlns:a="http://schemas.openxmlformats.org/drawingml/2006/main" xmlns:r="http://schemas.openxmlformats.org/officeDocument/2006/relationships" xmlns:p="http://schemas.openxmlformats.org/presentationml/2006/main">
+  <p:cSld>
+    <p:spTree>
+      <p:nvGrpSpPr>
+        <p:cNvPr id="1" name=""/>
+        <p:cNvGrpSpPr/>
+        <p:nvPr/>
+      </p:nvGrpSpPr>
+      <p:grpSpPr>
+        <a:xfrm>
+          <a:off x="0" y="0"/>
+          <a:ext cx="0" cy="0"/>
+          <a:chOff x="0" y="0"/>
+          <a:chExt cx="0" cy="0"/>
+        </a:xfrm>
+      </p:grpSpPr>
+      <p:sp>
+        <p:nvSpPr>
+          <p:cNvPr id="2" name="Slide Image Placeholder 1"/>
+          <p:cNvSpPr>
+            <a:spLocks noGrp="1" noRot="1" noChangeAspect="1"/>
+          </p:cNvSpPr>
+          <p:nvPr>
+            <p:ph type="sldImg"/>
+          </p:nvPr>
+        </p:nvSpPr>
+        <p:spPr/>
+      </p:sp>
+      <p:sp>
+        <p:nvSpPr>
+          <p:cNvPr id="3" name="Notes Placeholder 2"/>
+          <p:cNvSpPr>
+            <a:spLocks noGrp="1"/>
+          </p:cNvSpPr>
+          <p:nvPr>
+            <p:ph type="body" idx="1"/>
+          </p:nvPr>
+        </p:nvSpPr>
+        <p:spPr/>
+        <p:txBody>
+          <a:bodyPr/>
+          <a:lstStyle/>
+          <a:p>
+            <a:pPr lvl="1"/>
+            <a:r>
+              <a:rPr lang="ru-RU" dirty="0"/>
+              <a:t>Про недостатки спросить зал</a:t>
+            </a:r>
+          </a:p>
+          <a:p>
+            <a:pPr lvl="1"/>
+            <a:r>
+              <a:rPr lang="en-US" dirty="0"/>
+              <a:t>TDD </a:t>
+            </a:r>
+            <a:r>
+              <a:rPr lang="ru-RU" dirty="0"/>
+              <a:t>как религия</a:t>
+            </a:r>
+          </a:p>
+          <a:p>
+            <a:pPr lvl="1"/>
+            <a:r>
+              <a:rPr lang="ru-RU" dirty="0"/>
+              <a:t>Есть приверженцы, есть противники</a:t>
+            </a:r>
+          </a:p>
+          <a:p>
+            <a:pPr lvl="1"/>
+            <a:r>
+              <a:rPr lang="en-US" dirty="0"/>
+              <a:t>Code Retreat </a:t>
+            </a:r>
+            <a:r>
+              <a:rPr lang="ru-RU" dirty="0"/>
+              <a:t>как секта</a:t>
+            </a:r>
+            <a:endParaRPr lang="en-US" dirty="0"/>
+          </a:p>
+        </p:txBody>
+      </p:sp>
+      <p:sp>
+        <p:nvSpPr>
+          <p:cNvPr id="4" name="Slide Number Placeholder 3"/>
+          <p:cNvSpPr>
+            <a:spLocks noGrp="1"/>
+          </p:cNvSpPr>
+          <p:nvPr>
+            <p:ph type="sldNum" sz="quarter" idx="10"/>
+          </p:nvPr>
+        </p:nvSpPr>
+        <p:spPr/>
+        <p:txBody>
+          <a:bodyPr/>
+          <a:lstStyle/>
+          <a:p>
+            <a:fld id="{8D746921-B4EB-4062-9CC3-057C02F94791}" type="slidenum">
+              <a:rPr lang="en-US" smtClean="0"/>
+              <a:t>6</a:t>
+            </a:fld>
+            <a:endParaRPr lang="en-US"/>
+          </a:p>
+        </p:txBody>
+      </p:sp>
+    </p:spTree>
+    <p:extLst>
+      <p:ext uri="{BB962C8B-B14F-4D97-AF65-F5344CB8AC3E}">
+        <p14:creationId xmlns:p14="http://schemas.microsoft.com/office/powerpoint/2010/main" val="3121395667"/>
+      </p:ext>
+    </p:extLst>
+  </p:cSld>
+  <p:clrMapOvr>
+    <a:masterClrMapping/>
+  </p:clrMapOvr>
+</p:notes>
+</file>
+
+<file path=ppt/notesSlides/notesSlide5.xml><?xml version="1.0" encoding="utf-8"?>
+<p:notes xmlns:a="http://schemas.openxmlformats.org/drawingml/2006/main" xmlns:r="http://schemas.openxmlformats.org/officeDocument/2006/relationships" xmlns:p="http://schemas.openxmlformats.org/presentationml/2006/main">
+  <p:cSld>
+    <p:spTree>
+      <p:nvGrpSpPr>
+        <p:cNvPr id="1" name=""/>
+        <p:cNvGrpSpPr/>
+        <p:nvPr/>
+      </p:nvGrpSpPr>
+      <p:grpSpPr>
+        <a:xfrm>
+          <a:off x="0" y="0"/>
+          <a:ext cx="0" cy="0"/>
+          <a:chOff x="0" y="0"/>
+          <a:chExt cx="0" cy="0"/>
+        </a:xfrm>
+      </p:grpSpPr>
+      <p:sp>
+        <p:nvSpPr>
+          <p:cNvPr id="2" name="Slide Image Placeholder 1"/>
+          <p:cNvSpPr>
+            <a:spLocks noGrp="1" noRot="1" noChangeAspect="1"/>
+          </p:cNvSpPr>
+          <p:nvPr>
+            <p:ph type="sldImg"/>
+          </p:nvPr>
+        </p:nvSpPr>
+        <p:spPr/>
+      </p:sp>
+      <p:sp>
+        <p:nvSpPr>
+          <p:cNvPr id="3" name="Notes Placeholder 2"/>
+          <p:cNvSpPr>
+            <a:spLocks noGrp="1"/>
+          </p:cNvSpPr>
+          <p:nvPr>
+            <p:ph type="body" idx="1"/>
+          </p:nvPr>
+        </p:nvSpPr>
+        <p:spPr/>
+        <p:txBody>
+          <a:bodyPr/>
+          <a:lstStyle/>
+          <a:p>
+            <a:endParaRPr lang="en-US" dirty="0"/>
+          </a:p>
+        </p:txBody>
+      </p:sp>
+      <p:sp>
+        <p:nvSpPr>
+          <p:cNvPr id="4" name="Slide Number Placeholder 3"/>
+          <p:cNvSpPr>
+            <a:spLocks noGrp="1"/>
+          </p:cNvSpPr>
+          <p:nvPr>
+            <p:ph type="sldNum" sz="quarter" idx="10"/>
+          </p:nvPr>
+        </p:nvSpPr>
+        <p:spPr/>
+        <p:txBody>
+          <a:bodyPr/>
+          <a:lstStyle/>
+          <a:p>
+            <a:fld id="{8D746921-B4EB-4062-9CC3-057C02F94791}" type="slidenum">
+              <a:rPr lang="en-US" smtClean="0"/>
+              <a:t>8</a:t>
+            </a:fld>
+            <a:endParaRPr lang="en-US"/>
+          </a:p>
+        </p:txBody>
+      </p:sp>
+    </p:spTree>
+    <p:extLst>
+      <p:ext uri="{BB962C8B-B14F-4D97-AF65-F5344CB8AC3E}">
+        <p14:creationId xmlns:p14="http://schemas.microsoft.com/office/powerpoint/2010/main" val="829815254"/>
+      </p:ext>
+    </p:extLst>
+  </p:cSld>
+  <p:clrMapOvr>
+    <a:masterClrMapping/>
+  </p:clrMapOvr>
+</p:notes>
+</file>
+
 <file path=ppt/slideLayouts/slideLayout1.xml><?xml version="1.0" encoding="utf-8"?>
 <p:sldLayout xmlns:a="http://schemas.openxmlformats.org/drawingml/2006/main" xmlns:r="http://schemas.openxmlformats.org/officeDocument/2006/relationships" xmlns:p="http://schemas.openxmlformats.org/presentationml/2006/main" type="title" preserve="1">
   <p:cSld name="Title Slide">
@@ -755,7 +1175,7 @@
           <a:p>
             <a:fld id="{DC2BC312-3B01-4A45-B8A8-3EB590FFC2FF}" type="datetimeFigureOut">
               <a:rPr lang="en-US" smtClean="0"/>
-              <a:t>7/15/2018</a:t>
+              <a:t>7/16/2018</a:t>
             </a:fld>
             <a:endParaRPr lang="en-US"/>
           </a:p>
@@ -953,7 +1373,7 @@
           <a:p>
             <a:fld id="{DC2BC312-3B01-4A45-B8A8-3EB590FFC2FF}" type="datetimeFigureOut">
               <a:rPr lang="en-US" smtClean="0"/>
-              <a:t>7/15/2018</a:t>
+              <a:t>7/16/2018</a:t>
             </a:fld>
             <a:endParaRPr lang="en-US"/>
           </a:p>
@@ -1161,7 +1581,7 @@
           <a:p>
             <a:fld id="{DC2BC312-3B01-4A45-B8A8-3EB590FFC2FF}" type="datetimeFigureOut">
               <a:rPr lang="en-US" smtClean="0"/>
-              <a:t>7/15/2018</a:t>
+              <a:t>7/16/2018</a:t>
             </a:fld>
             <a:endParaRPr lang="en-US"/>
           </a:p>
@@ -1359,7 +1779,7 @@
           <a:p>
             <a:fld id="{DC2BC312-3B01-4A45-B8A8-3EB590FFC2FF}" type="datetimeFigureOut">
               <a:rPr lang="en-US" smtClean="0"/>
-              <a:t>7/15/2018</a:t>
+              <a:t>7/16/2018</a:t>
             </a:fld>
             <a:endParaRPr lang="en-US"/>
           </a:p>
@@ -1634,7 +2054,7 @@
           <a:p>
             <a:fld id="{DC2BC312-3B01-4A45-B8A8-3EB590FFC2FF}" type="datetimeFigureOut">
               <a:rPr lang="en-US" smtClean="0"/>
-              <a:t>7/15/2018</a:t>
+              <a:t>7/16/2018</a:t>
             </a:fld>
             <a:endParaRPr lang="en-US"/>
           </a:p>
@@ -1899,7 +2319,7 @@
           <a:p>
             <a:fld id="{DC2BC312-3B01-4A45-B8A8-3EB590FFC2FF}" type="datetimeFigureOut">
               <a:rPr lang="en-US" smtClean="0"/>
-              <a:t>7/15/2018</a:t>
+              <a:t>7/16/2018</a:t>
             </a:fld>
             <a:endParaRPr lang="en-US"/>
           </a:p>
@@ -2311,7 +2731,7 @@
           <a:p>
             <a:fld id="{DC2BC312-3B01-4A45-B8A8-3EB590FFC2FF}" type="datetimeFigureOut">
               <a:rPr lang="en-US" smtClean="0"/>
-              <a:t>7/15/2018</a:t>
+              <a:t>7/16/2018</a:t>
             </a:fld>
             <a:endParaRPr lang="en-US"/>
           </a:p>
@@ -2452,7 +2872,7 @@
           <a:p>
             <a:fld id="{DC2BC312-3B01-4A45-B8A8-3EB590FFC2FF}" type="datetimeFigureOut">
               <a:rPr lang="en-US" smtClean="0"/>
-              <a:t>7/15/2018</a:t>
+              <a:t>7/16/2018</a:t>
             </a:fld>
             <a:endParaRPr lang="en-US"/>
           </a:p>
@@ -2565,7 +2985,7 @@
           <a:p>
             <a:fld id="{DC2BC312-3B01-4A45-B8A8-3EB590FFC2FF}" type="datetimeFigureOut">
               <a:rPr lang="en-US" smtClean="0"/>
-              <a:t>7/15/2018</a:t>
+              <a:t>7/16/2018</a:t>
             </a:fld>
             <a:endParaRPr lang="en-US"/>
           </a:p>
@@ -2876,7 +3296,7 @@
           <a:p>
             <a:fld id="{DC2BC312-3B01-4A45-B8A8-3EB590FFC2FF}" type="datetimeFigureOut">
               <a:rPr lang="en-US" smtClean="0"/>
-              <a:t>7/15/2018</a:t>
+              <a:t>7/16/2018</a:t>
             </a:fld>
             <a:endParaRPr lang="en-US"/>
           </a:p>
@@ -3164,7 +3584,7 @@
           <a:p>
             <a:fld id="{DC2BC312-3B01-4A45-B8A8-3EB590FFC2FF}" type="datetimeFigureOut">
               <a:rPr lang="en-US" smtClean="0"/>
-              <a:t>7/15/2018</a:t>
+              <a:t>7/16/2018</a:t>
             </a:fld>
             <a:endParaRPr lang="en-US"/>
           </a:p>
@@ -3405,7 +3825,7 @@
           <a:p>
             <a:fld id="{DC2BC312-3B01-4A45-B8A8-3EB590FFC2FF}" type="datetimeFigureOut">
               <a:rPr lang="en-US" smtClean="0"/>
-              <a:t>7/15/2018</a:t>
+              <a:t>7/16/2018</a:t>
             </a:fld>
             <a:endParaRPr lang="en-US"/>
           </a:p>
@@ -4002,7 +4422,7 @@
           <a:p>
             <a:r>
               <a:rPr lang="ru-RU" dirty="0"/>
-              <a:t>Проще спроэктировать интерфейс</a:t>
+              <a:t>Проще спроектировать интерфейс</a:t>
             </a:r>
             <a:endParaRPr lang="en-US" dirty="0"/>
           </a:p>
@@ -4372,7 +4792,15 @@
           <a:p>
             <a:r>
               <a:rPr lang="ru-RU" dirty="0"/>
-              <a:t>От состояния потока человек получает удовольствие, так что в жопу работу</a:t>
+              <a:t>От состояния потока человек получает удовольствие, так что в топку</a:t>
+            </a:r>
+            <a:r>
+              <a:rPr lang="en-US" dirty="0"/>
+              <a:t> </a:t>
+            </a:r>
+            <a:r>
+              <a:rPr lang="ru-RU" dirty="0"/>
+              <a:t>правила</a:t>
             </a:r>
           </a:p>
           <a:p>
@@ -5340,7 +5768,7 @@
           <a:p>
             <a:r>
               <a:rPr lang="ru-RU" dirty="0"/>
-              <a:t>Есть фанатики </a:t>
+              <a:t>Есть приверженцы </a:t>
             </a:r>
             <a:r>
               <a:rPr lang="en-US" dirty="0"/>
@@ -5350,7 +5778,7 @@
           <a:p>
             <a:r>
               <a:rPr lang="ru-RU" dirty="0"/>
-              <a:t>При этом многие путают </a:t>
+              <a:t>При этом </a:t>
             </a:r>
             <a:r>
               <a:rPr lang="en-US" dirty="0"/>
@@ -5358,12 +5786,17 @@
             </a:r>
             <a:r>
               <a:rPr lang="ru-RU" dirty="0"/>
-              <a:t>с </a:t>
+              <a:t>и </a:t>
             </a:r>
             <a:r>
               <a:rPr lang="en-US" dirty="0"/>
               <a:t>Test First</a:t>
             </a:r>
+            <a:r>
+              <a:rPr lang="ru-RU" dirty="0"/>
+              <a:t> подходы несколько различаются</a:t>
+            </a:r>
+            <a:endParaRPr lang="en-US" dirty="0"/>
           </a:p>
         </p:txBody>
       </p:sp>
@@ -5377,6 +5810,186 @@
   <p:clrMapOvr>
     <a:masterClrMapping/>
   </p:clrMapOvr>
+  <p:timing>
+    <p:tnLst>
+      <p:par>
+        <p:cTn id="1" dur="indefinite" restart="never" nodeType="tmRoot">
+          <p:childTnLst>
+            <p:seq concurrent="1" nextAc="seek">
+              <p:cTn id="2" dur="indefinite" nodeType="mainSeq">
+                <p:childTnLst>
+                  <p:par>
+                    <p:cTn id="3" fill="hold">
+                      <p:stCondLst>
+                        <p:cond delay="indefinite"/>
+                      </p:stCondLst>
+                      <p:childTnLst>
+                        <p:par>
+                          <p:cTn id="4" fill="hold">
+                            <p:stCondLst>
+                              <p:cond delay="0"/>
+                            </p:stCondLst>
+                            <p:childTnLst>
+                              <p:par>
+                                <p:cTn id="5" presetID="1" presetClass="entr" presetSubtype="0" fill="hold" grpId="0" nodeType="clickEffect">
+                                  <p:stCondLst>
+                                    <p:cond delay="0"/>
+                                  </p:stCondLst>
+                                  <p:childTnLst>
+                                    <p:set>
+                                      <p:cBhvr>
+                                        <p:cTn id="6" dur="1" fill="hold">
+                                          <p:stCondLst>
+                                            <p:cond delay="0"/>
+                                          </p:stCondLst>
+                                        </p:cTn>
+                                        <p:tgtEl>
+                                          <p:spTgt spid="3">
+                                            <p:txEl>
+                                              <p:pRg st="0" end="0"/>
+                                            </p:txEl>
+                                          </p:spTgt>
+                                        </p:tgtEl>
+                                        <p:attrNameLst>
+                                          <p:attrName>style.visibility</p:attrName>
+                                        </p:attrNameLst>
+                                      </p:cBhvr>
+                                      <p:to>
+                                        <p:strVal val="visible"/>
+                                      </p:to>
+                                    </p:set>
+                                  </p:childTnLst>
+                                </p:cTn>
+                              </p:par>
+                            </p:childTnLst>
+                          </p:cTn>
+                        </p:par>
+                      </p:childTnLst>
+                    </p:cTn>
+                  </p:par>
+                  <p:par>
+                    <p:cTn id="7" fill="hold">
+                      <p:stCondLst>
+                        <p:cond delay="indefinite"/>
+                      </p:stCondLst>
+                      <p:childTnLst>
+                        <p:par>
+                          <p:cTn id="8" fill="hold">
+                            <p:stCondLst>
+                              <p:cond delay="0"/>
+                            </p:stCondLst>
+                            <p:childTnLst>
+                              <p:par>
+                                <p:cTn id="9" presetID="1" presetClass="entr" presetSubtype="0" fill="hold" grpId="0" nodeType="clickEffect">
+                                  <p:stCondLst>
+                                    <p:cond delay="0"/>
+                                  </p:stCondLst>
+                                  <p:childTnLst>
+                                    <p:set>
+                                      <p:cBhvr>
+                                        <p:cTn id="10" dur="1" fill="hold">
+                                          <p:stCondLst>
+                                            <p:cond delay="0"/>
+                                          </p:stCondLst>
+                                        </p:cTn>
+                                        <p:tgtEl>
+                                          <p:spTgt spid="3">
+                                            <p:txEl>
+                                              <p:pRg st="1" end="1"/>
+                                            </p:txEl>
+                                          </p:spTgt>
+                                        </p:tgtEl>
+                                        <p:attrNameLst>
+                                          <p:attrName>style.visibility</p:attrName>
+                                        </p:attrNameLst>
+                                      </p:cBhvr>
+                                      <p:to>
+                                        <p:strVal val="visible"/>
+                                      </p:to>
+                                    </p:set>
+                                  </p:childTnLst>
+                                </p:cTn>
+                              </p:par>
+                            </p:childTnLst>
+                          </p:cTn>
+                        </p:par>
+                      </p:childTnLst>
+                    </p:cTn>
+                  </p:par>
+                  <p:par>
+                    <p:cTn id="11" fill="hold">
+                      <p:stCondLst>
+                        <p:cond delay="indefinite"/>
+                      </p:stCondLst>
+                      <p:childTnLst>
+                        <p:par>
+                          <p:cTn id="12" fill="hold">
+                            <p:stCondLst>
+                              <p:cond delay="0"/>
+                            </p:stCondLst>
+                            <p:childTnLst>
+                              <p:par>
+                                <p:cTn id="13" presetID="1" presetClass="entr" presetSubtype="0" fill="hold" grpId="0" nodeType="clickEffect">
+                                  <p:stCondLst>
+                                    <p:cond delay="0"/>
+                                  </p:stCondLst>
+                                  <p:childTnLst>
+                                    <p:set>
+                                      <p:cBhvr>
+                                        <p:cTn id="14" dur="1" fill="hold">
+                                          <p:stCondLst>
+                                            <p:cond delay="0"/>
+                                          </p:stCondLst>
+                                        </p:cTn>
+                                        <p:tgtEl>
+                                          <p:spTgt spid="3">
+                                            <p:txEl>
+                                              <p:pRg st="2" end="2"/>
+                                            </p:txEl>
+                                          </p:spTgt>
+                                        </p:tgtEl>
+                                        <p:attrNameLst>
+                                          <p:attrName>style.visibility</p:attrName>
+                                        </p:attrNameLst>
+                                      </p:cBhvr>
+                                      <p:to>
+                                        <p:strVal val="visible"/>
+                                      </p:to>
+                                    </p:set>
+                                  </p:childTnLst>
+                                </p:cTn>
+                              </p:par>
+                            </p:childTnLst>
+                          </p:cTn>
+                        </p:par>
+                      </p:childTnLst>
+                    </p:cTn>
+                  </p:par>
+                </p:childTnLst>
+              </p:cTn>
+              <p:prevCondLst>
+                <p:cond evt="onPrev" delay="0">
+                  <p:tgtEl>
+                    <p:sldTgt/>
+                  </p:tgtEl>
+                </p:cond>
+              </p:prevCondLst>
+              <p:nextCondLst>
+                <p:cond evt="onNext" delay="0">
+                  <p:tgtEl>
+                    <p:sldTgt/>
+                  </p:tgtEl>
+                </p:cond>
+              </p:nextCondLst>
+            </p:seq>
+          </p:childTnLst>
+        </p:cTn>
+      </p:par>
+    </p:tnLst>
+    <p:bldLst>
+      <p:bldP spid="3" grpId="0" build="p"/>
+    </p:bldLst>
+  </p:timing>
 </p:sld>
 </file>
 
@@ -5448,13 +6061,28 @@
           <a:p>
             <a:r>
               <a:rPr lang="ru-RU" dirty="0"/>
-              <a:t>Он привычный</a:t>
-            </a:r>
-          </a:p>
-          <a:p>
-            <a:r>
-              <a:rPr lang="ru-RU" dirty="0"/>
-              <a:t>Недостатоки</a:t>
+              <a:t>Привычно</a:t>
+            </a:r>
+          </a:p>
+          <a:p>
+            <a:r>
+              <a:rPr lang="ru-RU" dirty="0"/>
+              <a:t>Быстро</a:t>
+            </a:r>
+          </a:p>
+          <a:p>
+            <a:r>
+              <a:rPr lang="ru-RU" dirty="0"/>
+              <a:t>Универсально</a:t>
+            </a:r>
+          </a:p>
+          <a:p>
+            <a:endParaRPr lang="ru-RU" dirty="0"/>
+          </a:p>
+          <a:p>
+            <a:r>
+              <a:rPr lang="ru-RU" dirty="0"/>
+              <a:t>Недостатки</a:t>
             </a:r>
           </a:p>
           <a:p>
@@ -5468,7 +6096,7 @@
             <a:pPr lvl="1"/>
             <a:r>
               <a:rPr lang="ru-RU" dirty="0"/>
-              <a:t>Понимание реализации влиает на тест (повторяем код в тестах) (это как работа без тестировщика)</a:t>
+              <a:t>Понимание реализации влияет на тест</a:t>
             </a:r>
             <a:endParaRPr lang="en-US" dirty="0"/>
           </a:p>
@@ -5484,6 +6112,297 @@
   <p:clrMapOvr>
     <a:masterClrMapping/>
   </p:clrMapOvr>
+  <p:timing>
+    <p:tnLst>
+      <p:par>
+        <p:cTn id="1" dur="indefinite" restart="never" nodeType="tmRoot">
+          <p:childTnLst>
+            <p:seq concurrent="1" nextAc="seek">
+              <p:cTn id="2" dur="indefinite" nodeType="mainSeq">
+                <p:childTnLst>
+                  <p:par>
+                    <p:cTn id="3" fill="hold">
+                      <p:stCondLst>
+                        <p:cond delay="indefinite"/>
+                      </p:stCondLst>
+                      <p:childTnLst>
+                        <p:par>
+                          <p:cTn id="4" fill="hold">
+                            <p:stCondLst>
+                              <p:cond delay="0"/>
+                            </p:stCondLst>
+                            <p:childTnLst>
+                              <p:par>
+                                <p:cTn id="5" presetID="1" presetClass="entr" presetSubtype="0" fill="hold" grpId="0" nodeType="clickEffect">
+                                  <p:stCondLst>
+                                    <p:cond delay="0"/>
+                                  </p:stCondLst>
+                                  <p:childTnLst>
+                                    <p:set>
+                                      <p:cBhvr>
+                                        <p:cTn id="6" dur="1" fill="hold">
+                                          <p:stCondLst>
+                                            <p:cond delay="0"/>
+                                          </p:stCondLst>
+                                        </p:cTn>
+                                        <p:tgtEl>
+                                          <p:spTgt spid="3">
+                                            <p:txEl>
+                                              <p:pRg st="0" end="0"/>
+                                            </p:txEl>
+                                          </p:spTgt>
+                                        </p:tgtEl>
+                                        <p:attrNameLst>
+                                          <p:attrName>style.visibility</p:attrName>
+                                        </p:attrNameLst>
+                                      </p:cBhvr>
+                                      <p:to>
+                                        <p:strVal val="visible"/>
+                                      </p:to>
+                                    </p:set>
+                                  </p:childTnLst>
+                                </p:cTn>
+                              </p:par>
+                            </p:childTnLst>
+                          </p:cTn>
+                        </p:par>
+                      </p:childTnLst>
+                    </p:cTn>
+                  </p:par>
+                  <p:par>
+                    <p:cTn id="7" fill="hold">
+                      <p:stCondLst>
+                        <p:cond delay="indefinite"/>
+                      </p:stCondLst>
+                      <p:childTnLst>
+                        <p:par>
+                          <p:cTn id="8" fill="hold">
+                            <p:stCondLst>
+                              <p:cond delay="0"/>
+                            </p:stCondLst>
+                            <p:childTnLst>
+                              <p:par>
+                                <p:cTn id="9" presetID="1" presetClass="entr" presetSubtype="0" fill="hold" grpId="0" nodeType="clickEffect">
+                                  <p:stCondLst>
+                                    <p:cond delay="0"/>
+                                  </p:stCondLst>
+                                  <p:childTnLst>
+                                    <p:set>
+                                      <p:cBhvr>
+                                        <p:cTn id="10" dur="1" fill="hold">
+                                          <p:stCondLst>
+                                            <p:cond delay="0"/>
+                                          </p:stCondLst>
+                                        </p:cTn>
+                                        <p:tgtEl>
+                                          <p:spTgt spid="3">
+                                            <p:txEl>
+                                              <p:pRg st="1" end="1"/>
+                                            </p:txEl>
+                                          </p:spTgt>
+                                        </p:tgtEl>
+                                        <p:attrNameLst>
+                                          <p:attrName>style.visibility</p:attrName>
+                                        </p:attrNameLst>
+                                      </p:cBhvr>
+                                      <p:to>
+                                        <p:strVal val="visible"/>
+                                      </p:to>
+                                    </p:set>
+                                  </p:childTnLst>
+                                </p:cTn>
+                              </p:par>
+                            </p:childTnLst>
+                          </p:cTn>
+                        </p:par>
+                      </p:childTnLst>
+                    </p:cTn>
+                  </p:par>
+                  <p:par>
+                    <p:cTn id="11" fill="hold">
+                      <p:stCondLst>
+                        <p:cond delay="indefinite"/>
+                      </p:stCondLst>
+                      <p:childTnLst>
+                        <p:par>
+                          <p:cTn id="12" fill="hold">
+                            <p:stCondLst>
+                              <p:cond delay="0"/>
+                            </p:stCondLst>
+                            <p:childTnLst>
+                              <p:par>
+                                <p:cTn id="13" presetID="1" presetClass="entr" presetSubtype="0" fill="hold" grpId="0" nodeType="clickEffect">
+                                  <p:stCondLst>
+                                    <p:cond delay="0"/>
+                                  </p:stCondLst>
+                                  <p:childTnLst>
+                                    <p:set>
+                                      <p:cBhvr>
+                                        <p:cTn id="14" dur="1" fill="hold">
+                                          <p:stCondLst>
+                                            <p:cond delay="0"/>
+                                          </p:stCondLst>
+                                        </p:cTn>
+                                        <p:tgtEl>
+                                          <p:spTgt spid="3">
+                                            <p:txEl>
+                                              <p:pRg st="2" end="2"/>
+                                            </p:txEl>
+                                          </p:spTgt>
+                                        </p:tgtEl>
+                                        <p:attrNameLst>
+                                          <p:attrName>style.visibility</p:attrName>
+                                        </p:attrNameLst>
+                                      </p:cBhvr>
+                                      <p:to>
+                                        <p:strVal val="visible"/>
+                                      </p:to>
+                                    </p:set>
+                                  </p:childTnLst>
+                                </p:cTn>
+                              </p:par>
+                            </p:childTnLst>
+                          </p:cTn>
+                        </p:par>
+                      </p:childTnLst>
+                    </p:cTn>
+                  </p:par>
+                  <p:par>
+                    <p:cTn id="15" fill="hold">
+                      <p:stCondLst>
+                        <p:cond delay="indefinite"/>
+                      </p:stCondLst>
+                      <p:childTnLst>
+                        <p:par>
+                          <p:cTn id="16" fill="hold">
+                            <p:stCondLst>
+                              <p:cond delay="0"/>
+                            </p:stCondLst>
+                            <p:childTnLst>
+                              <p:par>
+                                <p:cTn id="17" presetID="1" presetClass="entr" presetSubtype="0" fill="hold" grpId="0" nodeType="clickEffect">
+                                  <p:stCondLst>
+                                    <p:cond delay="0"/>
+                                  </p:stCondLst>
+                                  <p:childTnLst>
+                                    <p:set>
+                                      <p:cBhvr>
+                                        <p:cTn id="18" dur="1" fill="hold">
+                                          <p:stCondLst>
+                                            <p:cond delay="0"/>
+                                          </p:stCondLst>
+                                        </p:cTn>
+                                        <p:tgtEl>
+                                          <p:spTgt spid="3">
+                                            <p:txEl>
+                                              <p:pRg st="4" end="4"/>
+                                            </p:txEl>
+                                          </p:spTgt>
+                                        </p:tgtEl>
+                                        <p:attrNameLst>
+                                          <p:attrName>style.visibility</p:attrName>
+                                        </p:attrNameLst>
+                                      </p:cBhvr>
+                                      <p:to>
+                                        <p:strVal val="visible"/>
+                                      </p:to>
+                                    </p:set>
+                                  </p:childTnLst>
+                                </p:cTn>
+                              </p:par>
+                              <p:par>
+                                <p:cTn id="19" presetID="1" presetClass="entr" presetSubtype="0" fill="hold" grpId="0" nodeType="withEffect">
+                                  <p:stCondLst>
+                                    <p:cond delay="0"/>
+                                  </p:stCondLst>
+                                  <p:childTnLst>
+                                    <p:set>
+                                      <p:cBhvr>
+                                        <p:cTn id="20" dur="1" fill="hold">
+                                          <p:stCondLst>
+                                            <p:cond delay="0"/>
+                                          </p:stCondLst>
+                                        </p:cTn>
+                                        <p:tgtEl>
+                                          <p:spTgt spid="3">
+                                            <p:txEl>
+                                              <p:pRg st="5" end="5"/>
+                                            </p:txEl>
+                                          </p:spTgt>
+                                        </p:tgtEl>
+                                        <p:attrNameLst>
+                                          <p:attrName>style.visibility</p:attrName>
+                                        </p:attrNameLst>
+                                      </p:cBhvr>
+                                      <p:to>
+                                        <p:strVal val="visible"/>
+                                      </p:to>
+                                    </p:set>
+                                  </p:childTnLst>
+                                </p:cTn>
+                              </p:par>
+                              <p:par>
+                                <p:cTn id="21" presetID="1" presetClass="entr" presetSubtype="0" fill="hold" grpId="0" nodeType="withEffect">
+                                  <p:stCondLst>
+                                    <p:cond delay="0"/>
+                                  </p:stCondLst>
+                                  <p:childTnLst>
+                                    <p:set>
+                                      <p:cBhvr>
+                                        <p:cTn id="22" dur="1" fill="hold">
+                                          <p:stCondLst>
+                                            <p:cond delay="0"/>
+                                          </p:stCondLst>
+                                        </p:cTn>
+                                        <p:tgtEl>
+                                          <p:spTgt spid="3">
+                                            <p:txEl>
+                                              <p:pRg st="6" end="6"/>
+                                            </p:txEl>
+                                          </p:spTgt>
+                                        </p:tgtEl>
+                                        <p:attrNameLst>
+                                          <p:attrName>style.visibility</p:attrName>
+                                        </p:attrNameLst>
+                                      </p:cBhvr>
+                                      <p:to>
+                                        <p:strVal val="visible"/>
+                                      </p:to>
+                                    </p:set>
+                                  </p:childTnLst>
+                                </p:cTn>
+                              </p:par>
+                            </p:childTnLst>
+                          </p:cTn>
+                        </p:par>
+                      </p:childTnLst>
+                    </p:cTn>
+                  </p:par>
+                </p:childTnLst>
+              </p:cTn>
+              <p:prevCondLst>
+                <p:cond evt="onPrev" delay="0">
+                  <p:tgtEl>
+                    <p:sldTgt/>
+                  </p:tgtEl>
+                </p:cond>
+              </p:prevCondLst>
+              <p:nextCondLst>
+                <p:cond evt="onNext" delay="0">
+                  <p:tgtEl>
+                    <p:sldTgt/>
+                  </p:tgtEl>
+                </p:cond>
+              </p:nextCondLst>
+            </p:seq>
+          </p:childTnLst>
+        </p:cTn>
+      </p:par>
+    </p:tnLst>
+    <p:bldLst>
+      <p:bldP spid="3" grpId="0" build="p"/>
+    </p:bldLst>
+  </p:timing>
 </p:sld>
 </file>
 
@@ -5559,16 +6478,7 @@
             </a:r>
           </a:p>
           <a:p>
-            <a:r>
-              <a:rPr lang="ru-RU" dirty="0"/>
-              <a:t>Тестовый стенд по спецификации</a:t>
-            </a:r>
-          </a:p>
-          <a:p>
-            <a:r>
-              <a:rPr lang="ru-RU" dirty="0"/>
-              <a:t>Прогибалка стульев икея</a:t>
-            </a:r>
+            <a:endParaRPr lang="ru-RU" dirty="0"/>
           </a:p>
           <a:p>
             <a:r>
@@ -5580,7 +6490,7 @@
             <a:pPr lvl="1"/>
             <a:r>
               <a:rPr lang="ru-RU" dirty="0"/>
-              <a:t>Сложно работать без интерфейса</a:t>
+              <a:t>Сложно/невозможно работать без интерфейса</a:t>
             </a:r>
           </a:p>
           <a:p>
@@ -5605,6 +6515,199 @@
   <p:clrMapOvr>
     <a:masterClrMapping/>
   </p:clrMapOvr>
+  <p:timing>
+    <p:tnLst>
+      <p:par>
+        <p:cTn id="1" dur="indefinite" restart="never" nodeType="tmRoot">
+          <p:childTnLst>
+            <p:seq concurrent="1" nextAc="seek">
+              <p:cTn id="2" dur="indefinite" nodeType="mainSeq">
+                <p:childTnLst>
+                  <p:par>
+                    <p:cTn id="3" fill="hold">
+                      <p:stCondLst>
+                        <p:cond delay="indefinite"/>
+                      </p:stCondLst>
+                      <p:childTnLst>
+                        <p:par>
+                          <p:cTn id="4" fill="hold">
+                            <p:stCondLst>
+                              <p:cond delay="0"/>
+                            </p:stCondLst>
+                            <p:childTnLst>
+                              <p:par>
+                                <p:cTn id="5" presetID="1" presetClass="entr" presetSubtype="0" fill="hold" grpId="0" nodeType="clickEffect">
+                                  <p:stCondLst>
+                                    <p:cond delay="0"/>
+                                  </p:stCondLst>
+                                  <p:childTnLst>
+                                    <p:set>
+                                      <p:cBhvr>
+                                        <p:cTn id="6" dur="1" fill="hold">
+                                          <p:stCondLst>
+                                            <p:cond delay="0"/>
+                                          </p:stCondLst>
+                                        </p:cTn>
+                                        <p:tgtEl>
+                                          <p:spTgt spid="3">
+                                            <p:txEl>
+                                              <p:pRg st="0" end="0"/>
+                                            </p:txEl>
+                                          </p:spTgt>
+                                        </p:tgtEl>
+                                        <p:attrNameLst>
+                                          <p:attrName>style.visibility</p:attrName>
+                                        </p:attrNameLst>
+                                      </p:cBhvr>
+                                      <p:to>
+                                        <p:strVal val="visible"/>
+                                      </p:to>
+                                    </p:set>
+                                  </p:childTnLst>
+                                </p:cTn>
+                              </p:par>
+                            </p:childTnLst>
+                          </p:cTn>
+                        </p:par>
+                      </p:childTnLst>
+                    </p:cTn>
+                  </p:par>
+                  <p:par>
+                    <p:cTn id="7" fill="hold">
+                      <p:stCondLst>
+                        <p:cond delay="indefinite"/>
+                      </p:stCondLst>
+                      <p:childTnLst>
+                        <p:par>
+                          <p:cTn id="8" fill="hold">
+                            <p:stCondLst>
+                              <p:cond delay="0"/>
+                            </p:stCondLst>
+                            <p:childTnLst>
+                              <p:par>
+                                <p:cTn id="9" presetID="1" presetClass="entr" presetSubtype="0" fill="hold" grpId="0" nodeType="clickEffect">
+                                  <p:stCondLst>
+                                    <p:cond delay="0"/>
+                                  </p:stCondLst>
+                                  <p:childTnLst>
+                                    <p:set>
+                                      <p:cBhvr>
+                                        <p:cTn id="10" dur="1" fill="hold">
+                                          <p:stCondLst>
+                                            <p:cond delay="0"/>
+                                          </p:stCondLst>
+                                        </p:cTn>
+                                        <p:tgtEl>
+                                          <p:spTgt spid="3">
+                                            <p:txEl>
+                                              <p:pRg st="2" end="2"/>
+                                            </p:txEl>
+                                          </p:spTgt>
+                                        </p:tgtEl>
+                                        <p:attrNameLst>
+                                          <p:attrName>style.visibility</p:attrName>
+                                        </p:attrNameLst>
+                                      </p:cBhvr>
+                                      <p:to>
+                                        <p:strVal val="visible"/>
+                                      </p:to>
+                                    </p:set>
+                                  </p:childTnLst>
+                                </p:cTn>
+                              </p:par>
+                              <p:par>
+                                <p:cTn id="11" presetID="1" presetClass="entr" presetSubtype="0" fill="hold" grpId="0" nodeType="withEffect">
+                                  <p:stCondLst>
+                                    <p:cond delay="0"/>
+                                  </p:stCondLst>
+                                  <p:childTnLst>
+                                    <p:set>
+                                      <p:cBhvr>
+                                        <p:cTn id="12" dur="1" fill="hold">
+                                          <p:stCondLst>
+                                            <p:cond delay="0"/>
+                                          </p:stCondLst>
+                                        </p:cTn>
+                                        <p:tgtEl>
+                                          <p:spTgt spid="3">
+                                            <p:txEl>
+                                              <p:pRg st="3" end="3"/>
+                                            </p:txEl>
+                                          </p:spTgt>
+                                        </p:tgtEl>
+                                        <p:attrNameLst>
+                                          <p:attrName>style.visibility</p:attrName>
+                                        </p:attrNameLst>
+                                      </p:cBhvr>
+                                      <p:to>
+                                        <p:strVal val="visible"/>
+                                      </p:to>
+                                    </p:set>
+                                  </p:childTnLst>
+                                </p:cTn>
+                              </p:par>
+                              <p:par>
+                                <p:cTn id="13" presetID="1" presetClass="entr" presetSubtype="0" fill="hold" grpId="0" nodeType="withEffect">
+                                  <p:stCondLst>
+                                    <p:cond delay="0"/>
+                                  </p:stCondLst>
+                                  <p:childTnLst>
+                                    <p:set>
+                                      <p:cBhvr>
+                                        <p:cTn id="14" dur="1" fill="hold">
+                                          <p:stCondLst>
+                                            <p:cond delay="0"/>
+                                          </p:stCondLst>
+                                        </p:cTn>
+                                        <p:tgtEl>
+                                          <p:spTgt spid="3">
+                                            <p:txEl>
+                                              <p:pRg st="4" end="4"/>
+                                            </p:txEl>
+                                          </p:spTgt>
+                                        </p:tgtEl>
+                                        <p:attrNameLst>
+                                          <p:attrName>style.visibility</p:attrName>
+                                        </p:attrNameLst>
+                                      </p:cBhvr>
+                                      <p:to>
+                                        <p:strVal val="visible"/>
+                                      </p:to>
+                                    </p:set>
+                                  </p:childTnLst>
+                                </p:cTn>
+                              </p:par>
+                            </p:childTnLst>
+                          </p:cTn>
+                        </p:par>
+                      </p:childTnLst>
+                    </p:cTn>
+                  </p:par>
+                </p:childTnLst>
+              </p:cTn>
+              <p:prevCondLst>
+                <p:cond evt="onPrev" delay="0">
+                  <p:tgtEl>
+                    <p:sldTgt/>
+                  </p:tgtEl>
+                </p:cond>
+              </p:prevCondLst>
+              <p:nextCondLst>
+                <p:cond evt="onNext" delay="0">
+                  <p:tgtEl>
+                    <p:sldTgt/>
+                  </p:tgtEl>
+                </p:cond>
+              </p:nextCondLst>
+            </p:seq>
+          </p:childTnLst>
+        </p:cTn>
+      </p:par>
+    </p:tnLst>
+    <p:bldLst>
+      <p:bldP spid="3" grpId="0" build="p"/>
+    </p:bldLst>
+  </p:timing>
 </p:sld>
 </file>
 
@@ -5678,6 +6781,8 @@
               <a:rPr lang="ru-RU" dirty="0"/>
               <a:t>Итеративная разработка: тест на маленький кусок функциональности, маленький кусок функциональности, повторить</a:t>
             </a:r>
+          </a:p>
+          <a:p>
             <a:endParaRPr lang="en-US" dirty="0"/>
           </a:p>
           <a:p>
@@ -5689,32 +6794,27 @@
           <a:p>
             <a:pPr lvl="1"/>
             <a:r>
-              <a:rPr lang="en-US" dirty="0"/>
-              <a:t>TDD </a:t>
-            </a:r>
-            <a:r>
-              <a:rPr lang="ru-RU" dirty="0"/>
-              <a:t>как религия</a:t>
+              <a:rPr lang="ru-RU" dirty="0"/>
+              <a:t>Высокий порог входа</a:t>
             </a:r>
           </a:p>
           <a:p>
             <a:pPr lvl="1"/>
             <a:r>
               <a:rPr lang="ru-RU" dirty="0"/>
-              <a:t>Есть приверженцы, есть противники</a:t>
+              <a:t>Много лишних телодвижений</a:t>
             </a:r>
           </a:p>
           <a:p>
             <a:pPr lvl="1"/>
             <a:r>
-              <a:rPr lang="en-US" dirty="0"/>
-              <a:t>Code Retreat </a:t>
-            </a:r>
-            <a:r>
-              <a:rPr lang="ru-RU" dirty="0"/>
-              <a:t>как секта</a:t>
-            </a:r>
-            <a:endParaRPr lang="en-US" dirty="0"/>
+              <a:rPr lang="ru-RU" dirty="0"/>
+              <a:t>Замедляет разработку</a:t>
+            </a:r>
+          </a:p>
+          <a:p>
+            <a:pPr lvl="1"/>
+            <a:endParaRPr lang="ru-RU" dirty="0"/>
           </a:p>
         </p:txBody>
       </p:sp>
@@ -5884,6 +6984,10 @@
           <a:bodyPr/>
           <a:lstStyle/>
           <a:p>
+            <a:r>
+              <a:rPr lang="en-US" dirty="0"/>
+              <a:t>TODO: </a:t>
+            </a:r>
             <a:r>
               <a:rPr lang="ru-RU" dirty="0"/>
               <a:t>Фотку автора</a:t>

--- a/Presentation.pptx
+++ b/Presentation.pptx
@@ -5,7 +5,7 @@
     <p:sldMasterId id="2147483648" r:id="rId1"/>
   </p:sldMasterIdLst>
   <p:notesMasterIdLst>
-    <p:notesMasterId r:id="rId44"/>
+    <p:notesMasterId r:id="rId50"/>
   </p:notesMasterIdLst>
   <p:sldIdLst>
     <p:sldId id="256" r:id="rId2"/>
@@ -33,23 +33,29 @@
     <p:sldId id="299" r:id="rId24"/>
     <p:sldId id="300" r:id="rId25"/>
     <p:sldId id="301" r:id="rId26"/>
-    <p:sldId id="286" r:id="rId27"/>
-    <p:sldId id="268" r:id="rId28"/>
-    <p:sldId id="275" r:id="rId29"/>
-    <p:sldId id="277" r:id="rId30"/>
-    <p:sldId id="287" r:id="rId31"/>
-    <p:sldId id="276" r:id="rId32"/>
-    <p:sldId id="278" r:id="rId33"/>
-    <p:sldId id="279" r:id="rId34"/>
-    <p:sldId id="280" r:id="rId35"/>
-    <p:sldId id="281" r:id="rId36"/>
-    <p:sldId id="285" r:id="rId37"/>
-    <p:sldId id="269" r:id="rId38"/>
-    <p:sldId id="270" r:id="rId39"/>
-    <p:sldId id="271" r:id="rId40"/>
-    <p:sldId id="272" r:id="rId41"/>
-    <p:sldId id="288" r:id="rId42"/>
-    <p:sldId id="265" r:id="rId43"/>
+    <p:sldId id="270" r:id="rId27"/>
+    <p:sldId id="305" r:id="rId28"/>
+    <p:sldId id="307" r:id="rId29"/>
+    <p:sldId id="302" r:id="rId30"/>
+    <p:sldId id="306" r:id="rId31"/>
+    <p:sldId id="303" r:id="rId32"/>
+    <p:sldId id="304" r:id="rId33"/>
+    <p:sldId id="286" r:id="rId34"/>
+    <p:sldId id="268" r:id="rId35"/>
+    <p:sldId id="275" r:id="rId36"/>
+    <p:sldId id="277" r:id="rId37"/>
+    <p:sldId id="287" r:id="rId38"/>
+    <p:sldId id="276" r:id="rId39"/>
+    <p:sldId id="278" r:id="rId40"/>
+    <p:sldId id="279" r:id="rId41"/>
+    <p:sldId id="280" r:id="rId42"/>
+    <p:sldId id="281" r:id="rId43"/>
+    <p:sldId id="285" r:id="rId44"/>
+    <p:sldId id="269" r:id="rId45"/>
+    <p:sldId id="271" r:id="rId46"/>
+    <p:sldId id="272" r:id="rId47"/>
+    <p:sldId id="288" r:id="rId48"/>
+    <p:sldId id="265" r:id="rId49"/>
   </p:sldIdLst>
   <p:sldSz cx="12192000" cy="6858000"/>
   <p:notesSz cx="6858000" cy="9144000"/>
@@ -196,6 +202,17 @@
             <p14:sldId id="301"/>
           </p14:sldIdLst>
         </p14:section>
+        <p14:section name="Ranges" id="{FF6A519F-755A-4494-B99A-C0E4989D74E1}">
+          <p14:sldIdLst>
+            <p14:sldId id="270"/>
+            <p14:sldId id="305"/>
+            <p14:sldId id="307"/>
+            <p14:sldId id="302"/>
+            <p14:sldId id="306"/>
+            <p14:sldId id="303"/>
+            <p14:sldId id="304"/>
+          </p14:sldIdLst>
+        </p14:section>
         <p14:section name="Target-typed new" id="{0791F349-AD14-4402-BD31-B831B85A3BC4}">
           <p14:sldIdLst>
             <p14:sldId id="286"/>
@@ -214,11 +231,6 @@
         <p14:section name="Pattern-based using" id="{16A19472-AB8D-4B9B-BCDA-A85515748C9A}">
           <p14:sldIdLst>
             <p14:sldId id="269"/>
-          </p14:sldIdLst>
-        </p14:section>
-        <p14:section name="Ranges" id="{FF6A519F-755A-4494-B99A-C0E4989D74E1}">
-          <p14:sldIdLst>
-            <p14:sldId id="270"/>
           </p14:sldIdLst>
         </p14:section>
         <p14:section name="Default Interface Methods" id="{BB99B77E-77F0-40AE-9175-A0AF1152A69D}">
@@ -3267,7 +3279,91 @@
           <a:p>
             <a:fld id="{60569FAF-C6E3-452F-BCDF-22FDC743A85F}" type="slidenum">
               <a:rPr lang="en-US" smtClean="0"/>
-              <a:t>30</a:t>
+              <a:t>36</a:t>
+            </a:fld>
+            <a:endParaRPr lang="en-US"/>
+          </a:p>
+        </p:txBody>
+      </p:sp>
+    </p:spTree>
+    <p:extLst>
+      <p:ext uri="{BB962C8B-B14F-4D97-AF65-F5344CB8AC3E}">
+        <p14:creationId xmlns:p14="http://schemas.microsoft.com/office/powerpoint/2010/main" val="4246852475"/>
+      </p:ext>
+    </p:extLst>
+  </p:cSld>
+  <p:clrMapOvr>
+    <a:masterClrMapping/>
+  </p:clrMapOvr>
+</p:notes>
+</file>
+
+<file path=ppt/notesSlides/notesSlide11.xml><?xml version="1.0" encoding="utf-8"?>
+<p:notes xmlns:a="http://schemas.openxmlformats.org/drawingml/2006/main" xmlns:r="http://schemas.openxmlformats.org/officeDocument/2006/relationships" xmlns:p="http://schemas.openxmlformats.org/presentationml/2006/main">
+  <p:cSld>
+    <p:spTree>
+      <p:nvGrpSpPr>
+        <p:cNvPr id="1" name=""/>
+        <p:cNvGrpSpPr/>
+        <p:nvPr/>
+      </p:nvGrpSpPr>
+      <p:grpSpPr>
+        <a:xfrm>
+          <a:off x="0" y="0"/>
+          <a:ext cx="0" cy="0"/>
+          <a:chOff x="0" y="0"/>
+          <a:chExt cx="0" cy="0"/>
+        </a:xfrm>
+      </p:grpSpPr>
+      <p:sp>
+        <p:nvSpPr>
+          <p:cNvPr id="2" name="Slide Image Placeholder 1"/>
+          <p:cNvSpPr>
+            <a:spLocks noGrp="1" noRot="1" noChangeAspect="1"/>
+          </p:cNvSpPr>
+          <p:nvPr>
+            <p:ph type="sldImg"/>
+          </p:nvPr>
+        </p:nvSpPr>
+        <p:spPr/>
+      </p:sp>
+      <p:sp>
+        <p:nvSpPr>
+          <p:cNvPr id="3" name="Notes Placeholder 2"/>
+          <p:cNvSpPr>
+            <a:spLocks noGrp="1"/>
+          </p:cNvSpPr>
+          <p:nvPr>
+            <p:ph type="body" idx="1"/>
+          </p:nvPr>
+        </p:nvSpPr>
+        <p:spPr/>
+        <p:txBody>
+          <a:bodyPr/>
+          <a:lstStyle/>
+          <a:p>
+            <a:endParaRPr lang="en-US" dirty="0"/>
+          </a:p>
+        </p:txBody>
+      </p:sp>
+      <p:sp>
+        <p:nvSpPr>
+          <p:cNvPr id="4" name="Slide Number Placeholder 3"/>
+          <p:cNvSpPr>
+            <a:spLocks noGrp="1"/>
+          </p:cNvSpPr>
+          <p:nvPr>
+            <p:ph type="sldNum" sz="quarter" idx="10"/>
+          </p:nvPr>
+        </p:nvSpPr>
+        <p:spPr/>
+        <p:txBody>
+          <a:bodyPr/>
+          <a:lstStyle/>
+          <a:p>
+            <a:fld id="{60569FAF-C6E3-452F-BCDF-22FDC743A85F}" type="slidenum">
+              <a:rPr lang="en-US" smtClean="0"/>
+              <a:t>37</a:t>
             </a:fld>
             <a:endParaRPr lang="en-US"/>
           </a:p>
@@ -3908,6 +4004,18 @@
           <a:bodyPr/>
           <a:lstStyle/>
           <a:p>
+            <a:r>
+              <a:rPr lang="en-US" dirty="0"/>
+              <a:t>TODO: </a:t>
+            </a:r>
+            <a:r>
+              <a:rPr lang="ru-RU" dirty="0"/>
+              <a:t>поискать какой либо алгоритм известный и показать как его </a:t>
+            </a:r>
+            <a:r>
+              <a:rPr lang="ru-RU" dirty="0" err="1"/>
+              <a:t>имплементить</a:t>
+            </a:r>
             <a:endParaRPr lang="en-US" dirty="0"/>
           </a:p>
         </p:txBody>
@@ -3929,7 +4037,7 @@
           <a:p>
             <a:fld id="{60569FAF-C6E3-452F-BCDF-22FDC743A85F}" type="slidenum">
               <a:rPr lang="en-US" smtClean="0"/>
-              <a:t>26</a:t>
+              <a:t>32</a:t>
             </a:fld>
             <a:endParaRPr lang="en-US"/>
           </a:p>
@@ -3938,7 +4046,7 @@
     </p:spTree>
     <p:extLst>
       <p:ext uri="{BB962C8B-B14F-4D97-AF65-F5344CB8AC3E}">
-        <p14:creationId xmlns:p14="http://schemas.microsoft.com/office/powerpoint/2010/main" val="3385853178"/>
+        <p14:creationId xmlns:p14="http://schemas.microsoft.com/office/powerpoint/2010/main" val="2779126349"/>
       </p:ext>
     </p:extLst>
   </p:cSld>
@@ -4013,7 +4121,7 @@
           <a:p>
             <a:fld id="{60569FAF-C6E3-452F-BCDF-22FDC743A85F}" type="slidenum">
               <a:rPr lang="en-US" smtClean="0"/>
-              <a:t>29</a:t>
+              <a:t>33</a:t>
             </a:fld>
             <a:endParaRPr lang="en-US"/>
           </a:p>
@@ -4022,7 +4130,7 @@
     </p:spTree>
     <p:extLst>
       <p:ext uri="{BB962C8B-B14F-4D97-AF65-F5344CB8AC3E}">
-        <p14:creationId xmlns:p14="http://schemas.microsoft.com/office/powerpoint/2010/main" val="4246852475"/>
+        <p14:creationId xmlns:p14="http://schemas.microsoft.com/office/powerpoint/2010/main" val="3385853178"/>
       </p:ext>
     </p:extLst>
   </p:cSld>
@@ -7397,6 +7505,12 @@
               <a:rPr lang="en-US" dirty="0"/>
               <a:t>Recursive patterns</a:t>
             </a:r>
+          </a:p>
+          <a:p>
+            <a:r>
+              <a:rPr lang="en-US" dirty="0"/>
+              <a:t>Ranges</a:t>
+            </a:r>
             <a:endParaRPr lang="ru-RU" dirty="0"/>
           </a:p>
           <a:p>
@@ -7412,12 +7526,6 @@
               <a:t>Pattern-based using</a:t>
             </a:r>
             <a:endParaRPr lang="ru-RU" dirty="0"/>
-          </a:p>
-          <a:p>
-            <a:r>
-              <a:rPr lang="en-US" dirty="0"/>
-              <a:t>Ranges</a:t>
-            </a:r>
           </a:p>
           <a:p>
             <a:r>
@@ -18959,6 +19067,7030 @@
           <p:cNvPr id="2" name="Title 1">
             <a:extLst>
               <a:ext uri="{FF2B5EF4-FFF2-40B4-BE49-F238E27FC236}">
+                <a16:creationId xmlns:a16="http://schemas.microsoft.com/office/drawing/2014/main" id="{36864CB9-2E7F-4904-9742-C195C2AA4B54}"/>
+              </a:ext>
+            </a:extLst>
+          </p:cNvPr>
+          <p:cNvSpPr>
+            <a:spLocks noGrp="1"/>
+          </p:cNvSpPr>
+          <p:nvPr>
+            <p:ph type="title"/>
+          </p:nvPr>
+        </p:nvSpPr>
+        <p:spPr/>
+        <p:txBody>
+          <a:bodyPr/>
+          <a:lstStyle/>
+          <a:p>
+            <a:r>
+              <a:rPr lang="en-US" dirty="0"/>
+              <a:t>Ranges</a:t>
+            </a:r>
+          </a:p>
+        </p:txBody>
+      </p:sp>
+      <p:sp>
+        <p:nvSpPr>
+          <p:cNvPr id="3" name="Content Placeholder 2">
+            <a:extLst>
+              <a:ext uri="{FF2B5EF4-FFF2-40B4-BE49-F238E27FC236}">
+                <a16:creationId xmlns:a16="http://schemas.microsoft.com/office/drawing/2014/main" id="{9E55097F-45D7-4713-9521-5519992BC11E}"/>
+              </a:ext>
+            </a:extLst>
+          </p:cNvPr>
+          <p:cNvSpPr>
+            <a:spLocks noGrp="1"/>
+          </p:cNvSpPr>
+          <p:nvPr>
+            <p:ph idx="1"/>
+          </p:nvPr>
+        </p:nvSpPr>
+        <p:spPr/>
+        <p:txBody>
+          <a:bodyPr/>
+          <a:lstStyle/>
+          <a:p>
+            <a:pPr marL="0" indent="0">
+              <a:buNone/>
+            </a:pPr>
+            <a:r>
+              <a:rPr lang="en-US" dirty="0">
+                <a:solidFill>
+                  <a:srgbClr val="0000FF"/>
+                </a:solidFill>
+                <a:latin typeface="Consolas" panose="020B0609020204030204" pitchFamily="49" charset="0"/>
+              </a:rPr>
+              <a:t>int</a:t>
+            </a:r>
+            <a:r>
+              <a:rPr lang="en-US" dirty="0">
+                <a:solidFill>
+                  <a:srgbClr val="000000"/>
+                </a:solidFill>
+                <a:latin typeface="Consolas" panose="020B0609020204030204" pitchFamily="49" charset="0"/>
+              </a:rPr>
+              <a:t>[] </a:t>
+            </a:r>
+            <a:r>
+              <a:rPr lang="en-US" dirty="0">
+                <a:solidFill>
+                  <a:srgbClr val="001080"/>
+                </a:solidFill>
+                <a:latin typeface="Consolas" panose="020B0609020204030204" pitchFamily="49" charset="0"/>
+              </a:rPr>
+              <a:t>array</a:t>
+            </a:r>
+            <a:r>
+              <a:rPr lang="en-US" dirty="0">
+                <a:solidFill>
+                  <a:srgbClr val="000000"/>
+                </a:solidFill>
+                <a:latin typeface="Consolas" panose="020B0609020204030204" pitchFamily="49" charset="0"/>
+              </a:rPr>
+              <a:t> = { </a:t>
+            </a:r>
+            <a:r>
+              <a:rPr lang="en-US" dirty="0">
+                <a:solidFill>
+                  <a:srgbClr val="09885A"/>
+                </a:solidFill>
+                <a:latin typeface="Consolas" panose="020B0609020204030204" pitchFamily="49" charset="0"/>
+              </a:rPr>
+              <a:t>1</a:t>
+            </a:r>
+            <a:r>
+              <a:rPr lang="en-US" dirty="0">
+                <a:solidFill>
+                  <a:srgbClr val="000000"/>
+                </a:solidFill>
+                <a:latin typeface="Consolas" panose="020B0609020204030204" pitchFamily="49" charset="0"/>
+              </a:rPr>
+              <a:t>, </a:t>
+            </a:r>
+            <a:r>
+              <a:rPr lang="en-US" dirty="0">
+                <a:solidFill>
+                  <a:srgbClr val="09885A"/>
+                </a:solidFill>
+                <a:latin typeface="Consolas" panose="020B0609020204030204" pitchFamily="49" charset="0"/>
+              </a:rPr>
+              <a:t>2</a:t>
+            </a:r>
+            <a:r>
+              <a:rPr lang="en-US" dirty="0">
+                <a:solidFill>
+                  <a:srgbClr val="000000"/>
+                </a:solidFill>
+                <a:latin typeface="Consolas" panose="020B0609020204030204" pitchFamily="49" charset="0"/>
+              </a:rPr>
+              <a:t>, </a:t>
+            </a:r>
+            <a:r>
+              <a:rPr lang="en-US" dirty="0">
+                <a:solidFill>
+                  <a:srgbClr val="09885A"/>
+                </a:solidFill>
+                <a:latin typeface="Consolas" panose="020B0609020204030204" pitchFamily="49" charset="0"/>
+              </a:rPr>
+              <a:t>3</a:t>
+            </a:r>
+            <a:r>
+              <a:rPr lang="en-US" dirty="0">
+                <a:solidFill>
+                  <a:srgbClr val="000000"/>
+                </a:solidFill>
+                <a:latin typeface="Consolas" panose="020B0609020204030204" pitchFamily="49" charset="0"/>
+              </a:rPr>
+              <a:t>, </a:t>
+            </a:r>
+            <a:r>
+              <a:rPr lang="en-US" dirty="0">
+                <a:solidFill>
+                  <a:srgbClr val="09885A"/>
+                </a:solidFill>
+                <a:latin typeface="Consolas" panose="020B0609020204030204" pitchFamily="49" charset="0"/>
+              </a:rPr>
+              <a:t>4</a:t>
+            </a:r>
+            <a:r>
+              <a:rPr lang="en-US" dirty="0">
+                <a:solidFill>
+                  <a:srgbClr val="000000"/>
+                </a:solidFill>
+                <a:latin typeface="Consolas" panose="020B0609020204030204" pitchFamily="49" charset="0"/>
+              </a:rPr>
+              <a:t>, </a:t>
+            </a:r>
+            <a:r>
+              <a:rPr lang="en-US" dirty="0">
+                <a:solidFill>
+                  <a:srgbClr val="09885A"/>
+                </a:solidFill>
+                <a:latin typeface="Consolas" panose="020B0609020204030204" pitchFamily="49" charset="0"/>
+              </a:rPr>
+              <a:t>5</a:t>
+            </a:r>
+            <a:r>
+              <a:rPr lang="en-US" dirty="0">
+                <a:solidFill>
+                  <a:srgbClr val="000000"/>
+                </a:solidFill>
+                <a:latin typeface="Consolas" panose="020B0609020204030204" pitchFamily="49" charset="0"/>
+              </a:rPr>
+              <a:t>, </a:t>
+            </a:r>
+            <a:r>
+              <a:rPr lang="en-US" dirty="0">
+                <a:solidFill>
+                  <a:srgbClr val="09885A"/>
+                </a:solidFill>
+                <a:latin typeface="Consolas" panose="020B0609020204030204" pitchFamily="49" charset="0"/>
+              </a:rPr>
+              <a:t>6</a:t>
+            </a:r>
+            <a:r>
+              <a:rPr lang="en-US" dirty="0">
+                <a:solidFill>
+                  <a:srgbClr val="000000"/>
+                </a:solidFill>
+                <a:latin typeface="Consolas" panose="020B0609020204030204" pitchFamily="49" charset="0"/>
+              </a:rPr>
+              <a:t>, </a:t>
+            </a:r>
+            <a:r>
+              <a:rPr lang="en-US" dirty="0">
+                <a:solidFill>
+                  <a:srgbClr val="09885A"/>
+                </a:solidFill>
+                <a:latin typeface="Consolas" panose="020B0609020204030204" pitchFamily="49" charset="0"/>
+              </a:rPr>
+              <a:t>7</a:t>
+            </a:r>
+            <a:r>
+              <a:rPr lang="en-US" dirty="0">
+                <a:solidFill>
+                  <a:srgbClr val="000000"/>
+                </a:solidFill>
+                <a:latin typeface="Consolas" panose="020B0609020204030204" pitchFamily="49" charset="0"/>
+              </a:rPr>
+              <a:t>, </a:t>
+            </a:r>
+            <a:r>
+              <a:rPr lang="en-US" dirty="0">
+                <a:solidFill>
+                  <a:srgbClr val="09885A"/>
+                </a:solidFill>
+                <a:latin typeface="Consolas" panose="020B0609020204030204" pitchFamily="49" charset="0"/>
+              </a:rPr>
+              <a:t>8</a:t>
+            </a:r>
+            <a:r>
+              <a:rPr lang="en-US" dirty="0">
+                <a:solidFill>
+                  <a:srgbClr val="000000"/>
+                </a:solidFill>
+                <a:latin typeface="Consolas" panose="020B0609020204030204" pitchFamily="49" charset="0"/>
+              </a:rPr>
+              <a:t>, </a:t>
+            </a:r>
+            <a:r>
+              <a:rPr lang="en-US" dirty="0">
+                <a:solidFill>
+                  <a:srgbClr val="09885A"/>
+                </a:solidFill>
+                <a:latin typeface="Consolas" panose="020B0609020204030204" pitchFamily="49" charset="0"/>
+              </a:rPr>
+              <a:t>9</a:t>
+            </a:r>
+            <a:r>
+              <a:rPr lang="en-US" dirty="0">
+                <a:solidFill>
+                  <a:srgbClr val="000000"/>
+                </a:solidFill>
+                <a:latin typeface="Consolas" panose="020B0609020204030204" pitchFamily="49" charset="0"/>
+              </a:rPr>
+              <a:t> };</a:t>
+            </a:r>
+          </a:p>
+          <a:p>
+            <a:pPr marL="0" indent="0">
+              <a:buNone/>
+            </a:pPr>
+            <a:endParaRPr lang="en-US" dirty="0"/>
+          </a:p>
+          <a:p>
+            <a:pPr marL="0" indent="0">
+              <a:buNone/>
+            </a:pPr>
+            <a:r>
+              <a:rPr lang="en-US" dirty="0">
+                <a:solidFill>
+                  <a:srgbClr val="267F99"/>
+                </a:solidFill>
+                <a:latin typeface="Consolas" panose="020B0609020204030204" pitchFamily="49" charset="0"/>
+              </a:rPr>
+              <a:t>Span</a:t>
+            </a:r>
+            <a:r>
+              <a:rPr lang="en-US" dirty="0">
+                <a:solidFill>
+                  <a:srgbClr val="000000"/>
+                </a:solidFill>
+                <a:latin typeface="Consolas" panose="020B0609020204030204" pitchFamily="49" charset="0"/>
+              </a:rPr>
+              <a:t>&lt;</a:t>
+            </a:r>
+            <a:r>
+              <a:rPr lang="en-US" dirty="0">
+                <a:solidFill>
+                  <a:srgbClr val="0000FF"/>
+                </a:solidFill>
+                <a:latin typeface="Consolas" panose="020B0609020204030204" pitchFamily="49" charset="0"/>
+              </a:rPr>
+              <a:t>int</a:t>
+            </a:r>
+            <a:r>
+              <a:rPr lang="en-US" dirty="0">
+                <a:solidFill>
+                  <a:srgbClr val="000000"/>
+                </a:solidFill>
+                <a:latin typeface="Consolas" panose="020B0609020204030204" pitchFamily="49" charset="0"/>
+              </a:rPr>
+              <a:t>&gt; </a:t>
+            </a:r>
+            <a:r>
+              <a:rPr lang="en-US" dirty="0">
+                <a:solidFill>
+                  <a:srgbClr val="001080"/>
+                </a:solidFill>
+                <a:latin typeface="Consolas" panose="020B0609020204030204" pitchFamily="49" charset="0"/>
+              </a:rPr>
+              <a:t>span</a:t>
+            </a:r>
+            <a:r>
+              <a:rPr lang="en-US" dirty="0">
+                <a:solidFill>
+                  <a:srgbClr val="000000"/>
+                </a:solidFill>
+                <a:latin typeface="Consolas" panose="020B0609020204030204" pitchFamily="49" charset="0"/>
+              </a:rPr>
+              <a:t> = </a:t>
+            </a:r>
+            <a:r>
+              <a:rPr lang="en-US" dirty="0">
+                <a:solidFill>
+                  <a:srgbClr val="001080"/>
+                </a:solidFill>
+                <a:latin typeface="Consolas" panose="020B0609020204030204" pitchFamily="49" charset="0"/>
+              </a:rPr>
+              <a:t>array</a:t>
+            </a:r>
+            <a:r>
+              <a:rPr lang="en-US" dirty="0">
+                <a:solidFill>
+                  <a:srgbClr val="000000"/>
+                </a:solidFill>
+                <a:latin typeface="Consolas" panose="020B0609020204030204" pitchFamily="49" charset="0"/>
+              </a:rPr>
+              <a:t>[</a:t>
+            </a:r>
+            <a:r>
+              <a:rPr lang="en-US" dirty="0">
+                <a:solidFill>
+                  <a:srgbClr val="09885A"/>
+                </a:solidFill>
+                <a:latin typeface="Consolas" panose="020B0609020204030204" pitchFamily="49" charset="0"/>
+              </a:rPr>
+              <a:t>1</a:t>
+            </a:r>
+            <a:r>
+              <a:rPr lang="en-US" dirty="0">
+                <a:solidFill>
+                  <a:srgbClr val="000000"/>
+                </a:solidFill>
+                <a:latin typeface="Consolas" panose="020B0609020204030204" pitchFamily="49" charset="0"/>
+              </a:rPr>
+              <a:t>..</a:t>
+            </a:r>
+            <a:r>
+              <a:rPr lang="en-US" dirty="0">
+                <a:solidFill>
+                  <a:srgbClr val="09885A"/>
+                </a:solidFill>
+                <a:latin typeface="Consolas" panose="020B0609020204030204" pitchFamily="49" charset="0"/>
+              </a:rPr>
+              <a:t>3</a:t>
+            </a:r>
+            <a:r>
+              <a:rPr lang="en-US" dirty="0">
+                <a:solidFill>
+                  <a:srgbClr val="000000"/>
+                </a:solidFill>
+                <a:latin typeface="Consolas" panose="020B0609020204030204" pitchFamily="49" charset="0"/>
+              </a:rPr>
+              <a:t>];</a:t>
+            </a:r>
+          </a:p>
+          <a:p>
+            <a:pPr marL="0" indent="0">
+              <a:buNone/>
+            </a:pPr>
+            <a:endParaRPr lang="en-US" dirty="0">
+              <a:solidFill>
+                <a:srgbClr val="008000"/>
+              </a:solidFill>
+              <a:latin typeface="Consolas" panose="020B0609020204030204" pitchFamily="49" charset="0"/>
+            </a:endParaRPr>
+          </a:p>
+          <a:p>
+            <a:pPr marL="0" indent="0">
+              <a:buNone/>
+            </a:pPr>
+            <a:r>
+              <a:rPr lang="en-US" dirty="0">
+                <a:solidFill>
+                  <a:srgbClr val="008000"/>
+                </a:solidFill>
+                <a:latin typeface="Consolas" panose="020B0609020204030204" pitchFamily="49" charset="0"/>
+              </a:rPr>
+              <a:t>// out: [2, 3]</a:t>
+            </a:r>
+            <a:endParaRPr lang="en-US" dirty="0">
+              <a:solidFill>
+                <a:srgbClr val="000000"/>
+              </a:solidFill>
+              <a:latin typeface="Consolas" panose="020B0609020204030204" pitchFamily="49" charset="0"/>
+            </a:endParaRPr>
+          </a:p>
+          <a:p>
+            <a:pPr marL="0" indent="0">
+              <a:buNone/>
+            </a:pPr>
+            <a:endParaRPr lang="en-US" dirty="0"/>
+          </a:p>
+        </p:txBody>
+      </p:sp>
+    </p:spTree>
+    <p:extLst>
+      <p:ext uri="{BB962C8B-B14F-4D97-AF65-F5344CB8AC3E}">
+        <p14:creationId xmlns:p14="http://schemas.microsoft.com/office/powerpoint/2010/main" val="1632299569"/>
+      </p:ext>
+    </p:extLst>
+  </p:cSld>
+  <p:clrMapOvr>
+    <a:masterClrMapping/>
+  </p:clrMapOvr>
+  <p:timing>
+    <p:tnLst>
+      <p:par>
+        <p:cTn id="1" dur="indefinite" restart="never" nodeType="tmRoot">
+          <p:childTnLst>
+            <p:seq concurrent="1" nextAc="seek">
+              <p:cTn id="2" dur="indefinite" nodeType="mainSeq">
+                <p:childTnLst>
+                  <p:par>
+                    <p:cTn id="3" fill="hold">
+                      <p:stCondLst>
+                        <p:cond delay="indefinite"/>
+                      </p:stCondLst>
+                      <p:childTnLst>
+                        <p:par>
+                          <p:cTn id="4" fill="hold">
+                            <p:stCondLst>
+                              <p:cond delay="0"/>
+                            </p:stCondLst>
+                            <p:childTnLst>
+                              <p:par>
+                                <p:cTn id="5" presetID="1" presetClass="entr" presetSubtype="0" fill="hold" grpId="0" nodeType="clickEffect">
+                                  <p:stCondLst>
+                                    <p:cond delay="0"/>
+                                  </p:stCondLst>
+                                  <p:childTnLst>
+                                    <p:set>
+                                      <p:cBhvr>
+                                        <p:cTn id="6" dur="1" fill="hold">
+                                          <p:stCondLst>
+                                            <p:cond delay="0"/>
+                                          </p:stCondLst>
+                                        </p:cTn>
+                                        <p:tgtEl>
+                                          <p:spTgt spid="3">
+                                            <p:txEl>
+                                              <p:pRg st="0" end="0"/>
+                                            </p:txEl>
+                                          </p:spTgt>
+                                        </p:tgtEl>
+                                        <p:attrNameLst>
+                                          <p:attrName>style.visibility</p:attrName>
+                                        </p:attrNameLst>
+                                      </p:cBhvr>
+                                      <p:to>
+                                        <p:strVal val="visible"/>
+                                      </p:to>
+                                    </p:set>
+                                  </p:childTnLst>
+                                </p:cTn>
+                              </p:par>
+                            </p:childTnLst>
+                          </p:cTn>
+                        </p:par>
+                      </p:childTnLst>
+                    </p:cTn>
+                  </p:par>
+                  <p:par>
+                    <p:cTn id="7" fill="hold">
+                      <p:stCondLst>
+                        <p:cond delay="indefinite"/>
+                      </p:stCondLst>
+                      <p:childTnLst>
+                        <p:par>
+                          <p:cTn id="8" fill="hold">
+                            <p:stCondLst>
+                              <p:cond delay="0"/>
+                            </p:stCondLst>
+                            <p:childTnLst>
+                              <p:par>
+                                <p:cTn id="9" presetID="1" presetClass="entr" presetSubtype="0" fill="hold" grpId="0" nodeType="clickEffect">
+                                  <p:stCondLst>
+                                    <p:cond delay="0"/>
+                                  </p:stCondLst>
+                                  <p:childTnLst>
+                                    <p:set>
+                                      <p:cBhvr>
+                                        <p:cTn id="10" dur="1" fill="hold">
+                                          <p:stCondLst>
+                                            <p:cond delay="0"/>
+                                          </p:stCondLst>
+                                        </p:cTn>
+                                        <p:tgtEl>
+                                          <p:spTgt spid="3">
+                                            <p:txEl>
+                                              <p:pRg st="2" end="2"/>
+                                            </p:txEl>
+                                          </p:spTgt>
+                                        </p:tgtEl>
+                                        <p:attrNameLst>
+                                          <p:attrName>style.visibility</p:attrName>
+                                        </p:attrNameLst>
+                                      </p:cBhvr>
+                                      <p:to>
+                                        <p:strVal val="visible"/>
+                                      </p:to>
+                                    </p:set>
+                                  </p:childTnLst>
+                                </p:cTn>
+                              </p:par>
+                            </p:childTnLst>
+                          </p:cTn>
+                        </p:par>
+                      </p:childTnLst>
+                    </p:cTn>
+                  </p:par>
+                  <p:par>
+                    <p:cTn id="11" fill="hold">
+                      <p:stCondLst>
+                        <p:cond delay="indefinite"/>
+                      </p:stCondLst>
+                      <p:childTnLst>
+                        <p:par>
+                          <p:cTn id="12" fill="hold">
+                            <p:stCondLst>
+                              <p:cond delay="0"/>
+                            </p:stCondLst>
+                            <p:childTnLst>
+                              <p:par>
+                                <p:cTn id="13" presetID="1" presetClass="entr" presetSubtype="0" fill="hold" grpId="0" nodeType="clickEffect">
+                                  <p:stCondLst>
+                                    <p:cond delay="0"/>
+                                  </p:stCondLst>
+                                  <p:childTnLst>
+                                    <p:set>
+                                      <p:cBhvr>
+                                        <p:cTn id="14" dur="1" fill="hold">
+                                          <p:stCondLst>
+                                            <p:cond delay="0"/>
+                                          </p:stCondLst>
+                                        </p:cTn>
+                                        <p:tgtEl>
+                                          <p:spTgt spid="3">
+                                            <p:txEl>
+                                              <p:pRg st="4" end="4"/>
+                                            </p:txEl>
+                                          </p:spTgt>
+                                        </p:tgtEl>
+                                        <p:attrNameLst>
+                                          <p:attrName>style.visibility</p:attrName>
+                                        </p:attrNameLst>
+                                      </p:cBhvr>
+                                      <p:to>
+                                        <p:strVal val="visible"/>
+                                      </p:to>
+                                    </p:set>
+                                  </p:childTnLst>
+                                </p:cTn>
+                              </p:par>
+                            </p:childTnLst>
+                          </p:cTn>
+                        </p:par>
+                      </p:childTnLst>
+                    </p:cTn>
+                  </p:par>
+                </p:childTnLst>
+              </p:cTn>
+              <p:prevCondLst>
+                <p:cond evt="onPrev" delay="0">
+                  <p:tgtEl>
+                    <p:sldTgt/>
+                  </p:tgtEl>
+                </p:cond>
+              </p:prevCondLst>
+              <p:nextCondLst>
+                <p:cond evt="onNext" delay="0">
+                  <p:tgtEl>
+                    <p:sldTgt/>
+                  </p:tgtEl>
+                </p:cond>
+              </p:nextCondLst>
+            </p:seq>
+          </p:childTnLst>
+        </p:cTn>
+      </p:par>
+    </p:tnLst>
+    <p:bldLst>
+      <p:bldP spid="3" grpId="0" build="p"/>
+    </p:bldLst>
+  </p:timing>
+</p:sld>
+</file>
+
+<file path=ppt/slides/slide27.xml><?xml version="1.0" encoding="utf-8"?>
+<p:sld xmlns:a="http://schemas.openxmlformats.org/drawingml/2006/main" xmlns:r="http://schemas.openxmlformats.org/officeDocument/2006/relationships" xmlns:p="http://schemas.openxmlformats.org/presentationml/2006/main">
+  <p:cSld>
+    <p:spTree>
+      <p:nvGrpSpPr>
+        <p:cNvPr id="1" name=""/>
+        <p:cNvGrpSpPr/>
+        <p:nvPr/>
+      </p:nvGrpSpPr>
+      <p:grpSpPr>
+        <a:xfrm>
+          <a:off x="0" y="0"/>
+          <a:ext cx="0" cy="0"/>
+          <a:chOff x="0" y="0"/>
+          <a:chExt cx="0" cy="0"/>
+        </a:xfrm>
+      </p:grpSpPr>
+      <p:sp>
+        <p:nvSpPr>
+          <p:cNvPr id="2" name="Title 1">
+            <a:extLst>
+              <a:ext uri="{FF2B5EF4-FFF2-40B4-BE49-F238E27FC236}">
+                <a16:creationId xmlns:a16="http://schemas.microsoft.com/office/drawing/2014/main" id="{EFDC481A-6287-4974-AAB4-F78C81BDF905}"/>
+              </a:ext>
+            </a:extLst>
+          </p:cNvPr>
+          <p:cNvSpPr>
+            <a:spLocks noGrp="1"/>
+          </p:cNvSpPr>
+          <p:nvPr>
+            <p:ph type="title"/>
+          </p:nvPr>
+        </p:nvSpPr>
+        <p:spPr/>
+        <p:txBody>
+          <a:bodyPr/>
+          <a:lstStyle/>
+          <a:p>
+            <a:r>
+              <a:rPr lang="en-US" dirty="0" err="1"/>
+              <a:t>System.Index</a:t>
+            </a:r>
+            <a:endParaRPr lang="en-US" dirty="0"/>
+          </a:p>
+        </p:txBody>
+      </p:sp>
+      <p:sp>
+        <p:nvSpPr>
+          <p:cNvPr id="3" name="Content Placeholder 2">
+            <a:extLst>
+              <a:ext uri="{FF2B5EF4-FFF2-40B4-BE49-F238E27FC236}">
+                <a16:creationId xmlns:a16="http://schemas.microsoft.com/office/drawing/2014/main" id="{68EC19C3-DD67-43B0-8959-FAF68AA0889D}"/>
+              </a:ext>
+            </a:extLst>
+          </p:cNvPr>
+          <p:cNvSpPr>
+            <a:spLocks noGrp="1"/>
+          </p:cNvSpPr>
+          <p:nvPr>
+            <p:ph idx="1"/>
+          </p:nvPr>
+        </p:nvSpPr>
+        <p:spPr/>
+        <p:txBody>
+          <a:bodyPr>
+            <a:noAutofit/>
+          </a:bodyPr>
+          <a:lstStyle/>
+          <a:p>
+            <a:pPr marL="0" indent="0">
+              <a:buNone/>
+            </a:pPr>
+            <a:r>
+              <a:rPr lang="en-US" sz="2200" dirty="0">
+                <a:solidFill>
+                  <a:srgbClr val="0000FF"/>
+                </a:solidFill>
+                <a:latin typeface="Consolas" panose="020B0609020204030204" pitchFamily="49" charset="0"/>
+              </a:rPr>
+              <a:t>public</a:t>
+            </a:r>
+            <a:r>
+              <a:rPr lang="en-US" sz="2200" dirty="0">
+                <a:solidFill>
+                  <a:srgbClr val="000000"/>
+                </a:solidFill>
+                <a:latin typeface="Consolas" panose="020B0609020204030204" pitchFamily="49" charset="0"/>
+              </a:rPr>
+              <a:t> </a:t>
+            </a:r>
+            <a:r>
+              <a:rPr lang="en-US" sz="2200" dirty="0" err="1">
+                <a:solidFill>
+                  <a:srgbClr val="0000FF"/>
+                </a:solidFill>
+                <a:latin typeface="Consolas" panose="020B0609020204030204" pitchFamily="49" charset="0"/>
+              </a:rPr>
+              <a:t>readonly</a:t>
+            </a:r>
+            <a:r>
+              <a:rPr lang="en-US" sz="2200" dirty="0">
+                <a:solidFill>
+                  <a:srgbClr val="000000"/>
+                </a:solidFill>
+                <a:latin typeface="Consolas" panose="020B0609020204030204" pitchFamily="49" charset="0"/>
+              </a:rPr>
+              <a:t> </a:t>
+            </a:r>
+            <a:r>
+              <a:rPr lang="en-US" sz="2200" dirty="0">
+                <a:solidFill>
+                  <a:srgbClr val="0000FF"/>
+                </a:solidFill>
+                <a:latin typeface="Consolas" panose="020B0609020204030204" pitchFamily="49" charset="0"/>
+              </a:rPr>
+              <a:t>struct</a:t>
+            </a:r>
+            <a:r>
+              <a:rPr lang="en-US" sz="2200" dirty="0">
+                <a:solidFill>
+                  <a:srgbClr val="000000"/>
+                </a:solidFill>
+                <a:latin typeface="Consolas" panose="020B0609020204030204" pitchFamily="49" charset="0"/>
+              </a:rPr>
+              <a:t> </a:t>
+            </a:r>
+            <a:r>
+              <a:rPr lang="en-US" sz="2200" dirty="0">
+                <a:solidFill>
+                  <a:srgbClr val="267F99"/>
+                </a:solidFill>
+                <a:latin typeface="Consolas" panose="020B0609020204030204" pitchFamily="49" charset="0"/>
+              </a:rPr>
+              <a:t>Index </a:t>
+            </a:r>
+            <a:r>
+              <a:rPr lang="en-US" sz="2200" dirty="0">
+                <a:solidFill>
+                  <a:srgbClr val="000000"/>
+                </a:solidFill>
+                <a:latin typeface="Consolas" panose="020B0609020204030204" pitchFamily="49" charset="0"/>
+              </a:rPr>
+              <a:t>{</a:t>
+            </a:r>
+          </a:p>
+          <a:p>
+            <a:pPr marL="0" indent="0">
+              <a:buNone/>
+            </a:pPr>
+            <a:r>
+              <a:rPr lang="en-US" sz="2200" dirty="0">
+                <a:solidFill>
+                  <a:srgbClr val="0000FF"/>
+                </a:solidFill>
+                <a:latin typeface="Consolas" panose="020B0609020204030204" pitchFamily="49" charset="0"/>
+              </a:rPr>
+              <a:t>    private</a:t>
+            </a:r>
+            <a:r>
+              <a:rPr lang="en-US" sz="2200" dirty="0">
+                <a:solidFill>
+                  <a:srgbClr val="000000"/>
+                </a:solidFill>
+                <a:latin typeface="Consolas" panose="020B0609020204030204" pitchFamily="49" charset="0"/>
+              </a:rPr>
+              <a:t> </a:t>
+            </a:r>
+            <a:r>
+              <a:rPr lang="en-US" sz="2200" dirty="0" err="1">
+                <a:solidFill>
+                  <a:srgbClr val="0000FF"/>
+                </a:solidFill>
+                <a:latin typeface="Consolas" panose="020B0609020204030204" pitchFamily="49" charset="0"/>
+              </a:rPr>
+              <a:t>readonly</a:t>
+            </a:r>
+            <a:r>
+              <a:rPr lang="en-US" sz="2200" dirty="0">
+                <a:solidFill>
+                  <a:srgbClr val="000000"/>
+                </a:solidFill>
+                <a:latin typeface="Consolas" panose="020B0609020204030204" pitchFamily="49" charset="0"/>
+              </a:rPr>
+              <a:t> </a:t>
+            </a:r>
+            <a:r>
+              <a:rPr lang="en-US" sz="2200" dirty="0">
+                <a:solidFill>
+                  <a:srgbClr val="0000FF"/>
+                </a:solidFill>
+                <a:latin typeface="Consolas" panose="020B0609020204030204" pitchFamily="49" charset="0"/>
+              </a:rPr>
+              <a:t>int</a:t>
+            </a:r>
+            <a:r>
+              <a:rPr lang="en-US" sz="2200" dirty="0">
+                <a:solidFill>
+                  <a:srgbClr val="000000"/>
+                </a:solidFill>
+                <a:latin typeface="Consolas" panose="020B0609020204030204" pitchFamily="49" charset="0"/>
+              </a:rPr>
+              <a:t> </a:t>
+            </a:r>
+            <a:r>
+              <a:rPr lang="en-US" sz="2200" dirty="0">
+                <a:solidFill>
+                  <a:srgbClr val="001080"/>
+                </a:solidFill>
+                <a:latin typeface="Consolas" panose="020B0609020204030204" pitchFamily="49" charset="0"/>
+              </a:rPr>
+              <a:t>_value</a:t>
+            </a:r>
+            <a:r>
+              <a:rPr lang="en-US" sz="2200" dirty="0">
+                <a:solidFill>
+                  <a:srgbClr val="000000"/>
+                </a:solidFill>
+                <a:latin typeface="Consolas" panose="020B0609020204030204" pitchFamily="49" charset="0"/>
+              </a:rPr>
+              <a:t>;</a:t>
+            </a:r>
+          </a:p>
+          <a:p>
+            <a:pPr marL="0" indent="0">
+              <a:buNone/>
+            </a:pPr>
+            <a:r>
+              <a:rPr lang="en-US" sz="2200" dirty="0">
+                <a:solidFill>
+                  <a:srgbClr val="000000"/>
+                </a:solidFill>
+                <a:latin typeface="Consolas" panose="020B0609020204030204" pitchFamily="49" charset="0"/>
+              </a:rPr>
+              <a:t>    </a:t>
+            </a:r>
+            <a:r>
+              <a:rPr lang="en-US" sz="2200" dirty="0">
+                <a:solidFill>
+                  <a:srgbClr val="0000FF"/>
+                </a:solidFill>
+                <a:latin typeface="Consolas" panose="020B0609020204030204" pitchFamily="49" charset="0"/>
+              </a:rPr>
+              <a:t>public</a:t>
+            </a:r>
+            <a:r>
+              <a:rPr lang="en-US" sz="2200" dirty="0">
+                <a:solidFill>
+                  <a:srgbClr val="000000"/>
+                </a:solidFill>
+                <a:latin typeface="Consolas" panose="020B0609020204030204" pitchFamily="49" charset="0"/>
+              </a:rPr>
+              <a:t> </a:t>
+            </a:r>
+            <a:r>
+              <a:rPr lang="en-US" sz="2200" dirty="0">
+                <a:solidFill>
+                  <a:srgbClr val="0000FF"/>
+                </a:solidFill>
+                <a:latin typeface="Consolas" panose="020B0609020204030204" pitchFamily="49" charset="0"/>
+              </a:rPr>
+              <a:t>int</a:t>
+            </a:r>
+            <a:r>
+              <a:rPr lang="en-US" sz="2200" dirty="0">
+                <a:solidFill>
+                  <a:srgbClr val="000000"/>
+                </a:solidFill>
+                <a:latin typeface="Consolas" panose="020B0609020204030204" pitchFamily="49" charset="0"/>
+              </a:rPr>
+              <a:t> </a:t>
+            </a:r>
+            <a:r>
+              <a:rPr lang="en-US" sz="2200" dirty="0">
+                <a:solidFill>
+                  <a:srgbClr val="001080"/>
+                </a:solidFill>
+                <a:latin typeface="Consolas" panose="020B0609020204030204" pitchFamily="49" charset="0"/>
+              </a:rPr>
+              <a:t>Value</a:t>
+            </a:r>
+            <a:r>
+              <a:rPr lang="en-US" sz="2200" dirty="0">
+                <a:solidFill>
+                  <a:srgbClr val="000000"/>
+                </a:solidFill>
+                <a:latin typeface="Consolas" panose="020B0609020204030204" pitchFamily="49" charset="0"/>
+              </a:rPr>
+              <a:t> =&gt; </a:t>
+            </a:r>
+            <a:r>
+              <a:rPr lang="en-US" sz="2200" dirty="0">
+                <a:solidFill>
+                  <a:srgbClr val="001080"/>
+                </a:solidFill>
+                <a:latin typeface="Consolas" panose="020B0609020204030204" pitchFamily="49" charset="0"/>
+              </a:rPr>
+              <a:t>_value</a:t>
+            </a:r>
+            <a:r>
+              <a:rPr lang="en-US" sz="2200" dirty="0">
+                <a:solidFill>
+                  <a:srgbClr val="000000"/>
+                </a:solidFill>
+                <a:latin typeface="Consolas" panose="020B0609020204030204" pitchFamily="49" charset="0"/>
+              </a:rPr>
+              <a:t> &lt; </a:t>
+            </a:r>
+            <a:r>
+              <a:rPr lang="en-US" sz="2200" dirty="0">
+                <a:solidFill>
+                  <a:srgbClr val="09885A"/>
+                </a:solidFill>
+                <a:latin typeface="Consolas" panose="020B0609020204030204" pitchFamily="49" charset="0"/>
+              </a:rPr>
+              <a:t>0</a:t>
+            </a:r>
+            <a:r>
+              <a:rPr lang="en-US" sz="2200" dirty="0">
+                <a:solidFill>
+                  <a:srgbClr val="000000"/>
+                </a:solidFill>
+                <a:latin typeface="Consolas" panose="020B0609020204030204" pitchFamily="49" charset="0"/>
+              </a:rPr>
+              <a:t> ? ~</a:t>
+            </a:r>
+            <a:r>
+              <a:rPr lang="en-US" sz="2200" dirty="0">
+                <a:solidFill>
+                  <a:srgbClr val="001080"/>
+                </a:solidFill>
+                <a:latin typeface="Consolas" panose="020B0609020204030204" pitchFamily="49" charset="0"/>
+              </a:rPr>
+              <a:t>_value</a:t>
+            </a:r>
+            <a:r>
+              <a:rPr lang="en-US" sz="2200" dirty="0">
+                <a:solidFill>
+                  <a:srgbClr val="000000"/>
+                </a:solidFill>
+                <a:latin typeface="Consolas" panose="020B0609020204030204" pitchFamily="49" charset="0"/>
+              </a:rPr>
+              <a:t> : </a:t>
+            </a:r>
+            <a:r>
+              <a:rPr lang="en-US" sz="2200" dirty="0">
+                <a:solidFill>
+                  <a:srgbClr val="001080"/>
+                </a:solidFill>
+                <a:latin typeface="Consolas" panose="020B0609020204030204" pitchFamily="49" charset="0"/>
+              </a:rPr>
+              <a:t>_value</a:t>
+            </a:r>
+            <a:r>
+              <a:rPr lang="en-US" sz="2200" dirty="0">
+                <a:solidFill>
+                  <a:srgbClr val="000000"/>
+                </a:solidFill>
+                <a:latin typeface="Consolas" panose="020B0609020204030204" pitchFamily="49" charset="0"/>
+              </a:rPr>
+              <a:t>;</a:t>
+            </a:r>
+          </a:p>
+          <a:p>
+            <a:pPr marL="0" indent="0">
+              <a:buNone/>
+            </a:pPr>
+            <a:r>
+              <a:rPr lang="en-US" sz="2200" dirty="0">
+                <a:solidFill>
+                  <a:srgbClr val="0000FF"/>
+                </a:solidFill>
+                <a:latin typeface="Consolas" panose="020B0609020204030204" pitchFamily="49" charset="0"/>
+              </a:rPr>
+              <a:t>    public</a:t>
+            </a:r>
+            <a:r>
+              <a:rPr lang="en-US" sz="2200" dirty="0">
+                <a:solidFill>
+                  <a:srgbClr val="000000"/>
+                </a:solidFill>
+                <a:latin typeface="Consolas" panose="020B0609020204030204" pitchFamily="49" charset="0"/>
+              </a:rPr>
+              <a:t> </a:t>
+            </a:r>
+            <a:r>
+              <a:rPr lang="en-US" sz="2200" dirty="0">
+                <a:solidFill>
+                  <a:srgbClr val="0000FF"/>
+                </a:solidFill>
+                <a:latin typeface="Consolas" panose="020B0609020204030204" pitchFamily="49" charset="0"/>
+              </a:rPr>
+              <a:t>bool</a:t>
+            </a:r>
+            <a:r>
+              <a:rPr lang="en-US" sz="2200" dirty="0">
+                <a:solidFill>
+                  <a:srgbClr val="000000"/>
+                </a:solidFill>
+                <a:latin typeface="Consolas" panose="020B0609020204030204" pitchFamily="49" charset="0"/>
+              </a:rPr>
+              <a:t> </a:t>
+            </a:r>
+            <a:r>
+              <a:rPr lang="en-US" sz="2200" dirty="0" err="1">
+                <a:solidFill>
+                  <a:srgbClr val="001080"/>
+                </a:solidFill>
+                <a:latin typeface="Consolas" panose="020B0609020204030204" pitchFamily="49" charset="0"/>
+              </a:rPr>
+              <a:t>FromEnd</a:t>
+            </a:r>
+            <a:r>
+              <a:rPr lang="en-US" sz="2200" dirty="0">
+                <a:solidFill>
+                  <a:srgbClr val="000000"/>
+                </a:solidFill>
+                <a:latin typeface="Consolas" panose="020B0609020204030204" pitchFamily="49" charset="0"/>
+              </a:rPr>
+              <a:t> =&gt; </a:t>
+            </a:r>
+            <a:r>
+              <a:rPr lang="en-US" sz="2200" dirty="0">
+                <a:solidFill>
+                  <a:srgbClr val="001080"/>
+                </a:solidFill>
+                <a:latin typeface="Consolas" panose="020B0609020204030204" pitchFamily="49" charset="0"/>
+              </a:rPr>
+              <a:t>_value</a:t>
+            </a:r>
+            <a:r>
+              <a:rPr lang="en-US" sz="2200" dirty="0">
+                <a:solidFill>
+                  <a:srgbClr val="000000"/>
+                </a:solidFill>
+                <a:latin typeface="Consolas" panose="020B0609020204030204" pitchFamily="49" charset="0"/>
+              </a:rPr>
+              <a:t> &lt; </a:t>
+            </a:r>
+            <a:r>
+              <a:rPr lang="en-US" sz="2200" dirty="0">
+                <a:solidFill>
+                  <a:srgbClr val="09885A"/>
+                </a:solidFill>
+                <a:latin typeface="Consolas" panose="020B0609020204030204" pitchFamily="49" charset="0"/>
+              </a:rPr>
+              <a:t>0</a:t>
+            </a:r>
+            <a:r>
+              <a:rPr lang="en-US" sz="2200" dirty="0">
+                <a:solidFill>
+                  <a:srgbClr val="000000"/>
+                </a:solidFill>
+                <a:latin typeface="Consolas" panose="020B0609020204030204" pitchFamily="49" charset="0"/>
+              </a:rPr>
+              <a:t>;</a:t>
+            </a:r>
+          </a:p>
+          <a:p>
+            <a:pPr marL="0" indent="0">
+              <a:buNone/>
+            </a:pPr>
+            <a:r>
+              <a:rPr lang="en-US" sz="2200" dirty="0">
+                <a:solidFill>
+                  <a:srgbClr val="0000FF"/>
+                </a:solidFill>
+                <a:latin typeface="Consolas" panose="020B0609020204030204" pitchFamily="49" charset="0"/>
+              </a:rPr>
+              <a:t>    public</a:t>
+            </a:r>
+            <a:r>
+              <a:rPr lang="en-US" sz="2200" dirty="0">
+                <a:solidFill>
+                  <a:srgbClr val="000000"/>
+                </a:solidFill>
+                <a:latin typeface="Consolas" panose="020B0609020204030204" pitchFamily="49" charset="0"/>
+              </a:rPr>
+              <a:t> </a:t>
+            </a:r>
+            <a:r>
+              <a:rPr lang="en-US" sz="2200" dirty="0">
+                <a:solidFill>
+                  <a:srgbClr val="795E26"/>
+                </a:solidFill>
+                <a:latin typeface="Consolas" panose="020B0609020204030204" pitchFamily="49" charset="0"/>
+              </a:rPr>
+              <a:t>Index</a:t>
+            </a:r>
+            <a:r>
+              <a:rPr lang="en-US" sz="2200" dirty="0">
+                <a:solidFill>
+                  <a:srgbClr val="000000"/>
+                </a:solidFill>
+                <a:latin typeface="Consolas" panose="020B0609020204030204" pitchFamily="49" charset="0"/>
+              </a:rPr>
+              <a:t>(</a:t>
+            </a:r>
+            <a:r>
+              <a:rPr lang="en-US" sz="2200" dirty="0">
+                <a:solidFill>
+                  <a:srgbClr val="0000FF"/>
+                </a:solidFill>
+                <a:latin typeface="Consolas" panose="020B0609020204030204" pitchFamily="49" charset="0"/>
+              </a:rPr>
+              <a:t>int</a:t>
+            </a:r>
+            <a:r>
+              <a:rPr lang="en-US" sz="2200" dirty="0">
+                <a:solidFill>
+                  <a:srgbClr val="000000"/>
+                </a:solidFill>
+                <a:latin typeface="Consolas" panose="020B0609020204030204" pitchFamily="49" charset="0"/>
+              </a:rPr>
+              <a:t> </a:t>
+            </a:r>
+            <a:r>
+              <a:rPr lang="en-US" sz="2200" dirty="0">
+                <a:solidFill>
+                  <a:srgbClr val="001080"/>
+                </a:solidFill>
+                <a:latin typeface="Consolas" panose="020B0609020204030204" pitchFamily="49" charset="0"/>
+              </a:rPr>
+              <a:t>value</a:t>
+            </a:r>
+            <a:r>
+              <a:rPr lang="en-US" sz="2200" dirty="0">
+                <a:solidFill>
+                  <a:srgbClr val="000000"/>
+                </a:solidFill>
+                <a:latin typeface="Consolas" panose="020B0609020204030204" pitchFamily="49" charset="0"/>
+              </a:rPr>
+              <a:t>, </a:t>
+            </a:r>
+            <a:r>
+              <a:rPr lang="en-US" sz="2200" dirty="0">
+                <a:solidFill>
+                  <a:srgbClr val="0000FF"/>
+                </a:solidFill>
+                <a:latin typeface="Consolas" panose="020B0609020204030204" pitchFamily="49" charset="0"/>
+              </a:rPr>
+              <a:t>bool</a:t>
+            </a:r>
+            <a:r>
+              <a:rPr lang="en-US" sz="2200" dirty="0">
+                <a:solidFill>
+                  <a:srgbClr val="000000"/>
+                </a:solidFill>
+                <a:latin typeface="Consolas" panose="020B0609020204030204" pitchFamily="49" charset="0"/>
+              </a:rPr>
+              <a:t> </a:t>
+            </a:r>
+            <a:r>
+              <a:rPr lang="en-US" sz="2200" dirty="0" err="1">
+                <a:solidFill>
+                  <a:srgbClr val="001080"/>
+                </a:solidFill>
+                <a:latin typeface="Consolas" panose="020B0609020204030204" pitchFamily="49" charset="0"/>
+              </a:rPr>
+              <a:t>fromEnd</a:t>
+            </a:r>
+            <a:r>
+              <a:rPr lang="en-US" sz="2200" dirty="0">
+                <a:solidFill>
+                  <a:srgbClr val="000000"/>
+                </a:solidFill>
+                <a:latin typeface="Consolas" panose="020B0609020204030204" pitchFamily="49" charset="0"/>
+              </a:rPr>
+              <a:t>) {</a:t>
+            </a:r>
+          </a:p>
+          <a:p>
+            <a:pPr marL="0" indent="0">
+              <a:buNone/>
+            </a:pPr>
+            <a:r>
+              <a:rPr lang="en-US" sz="2200" dirty="0">
+                <a:solidFill>
+                  <a:srgbClr val="AF00DB"/>
+                </a:solidFill>
+                <a:latin typeface="Consolas" panose="020B0609020204030204" pitchFamily="49" charset="0"/>
+              </a:rPr>
+              <a:t>        if</a:t>
+            </a:r>
+            <a:r>
+              <a:rPr lang="en-US" sz="2200" dirty="0">
+                <a:solidFill>
+                  <a:srgbClr val="000000"/>
+                </a:solidFill>
+                <a:latin typeface="Consolas" panose="020B0609020204030204" pitchFamily="49" charset="0"/>
+              </a:rPr>
+              <a:t> (</a:t>
+            </a:r>
+            <a:r>
+              <a:rPr lang="en-US" sz="2200" dirty="0">
+                <a:solidFill>
+                  <a:srgbClr val="001080"/>
+                </a:solidFill>
+                <a:latin typeface="Consolas" panose="020B0609020204030204" pitchFamily="49" charset="0"/>
+              </a:rPr>
+              <a:t>value</a:t>
+            </a:r>
+            <a:r>
+              <a:rPr lang="en-US" sz="2200" dirty="0">
+                <a:solidFill>
+                  <a:srgbClr val="000000"/>
+                </a:solidFill>
+                <a:latin typeface="Consolas" panose="020B0609020204030204" pitchFamily="49" charset="0"/>
+              </a:rPr>
+              <a:t> &lt; </a:t>
+            </a:r>
+            <a:r>
+              <a:rPr lang="en-US" sz="2200" dirty="0">
+                <a:solidFill>
+                  <a:srgbClr val="09885A"/>
+                </a:solidFill>
+                <a:latin typeface="Consolas" panose="020B0609020204030204" pitchFamily="49" charset="0"/>
+              </a:rPr>
+              <a:t>0</a:t>
+            </a:r>
+            <a:r>
+              <a:rPr lang="en-US" sz="2200" dirty="0">
+                <a:solidFill>
+                  <a:srgbClr val="000000"/>
+                </a:solidFill>
+                <a:latin typeface="Consolas" panose="020B0609020204030204" pitchFamily="49" charset="0"/>
+              </a:rPr>
+              <a:t>) </a:t>
+            </a:r>
+            <a:r>
+              <a:rPr lang="en-US" sz="2200" dirty="0">
+                <a:solidFill>
+                  <a:srgbClr val="AF00DB"/>
+                </a:solidFill>
+                <a:latin typeface="Consolas" panose="020B0609020204030204" pitchFamily="49" charset="0"/>
+              </a:rPr>
+              <a:t>throw</a:t>
+            </a:r>
+            <a:r>
+              <a:rPr lang="en-US" sz="2200" dirty="0">
+                <a:solidFill>
+                  <a:srgbClr val="000000"/>
+                </a:solidFill>
+                <a:latin typeface="Consolas" panose="020B0609020204030204" pitchFamily="49" charset="0"/>
+              </a:rPr>
+              <a:t> </a:t>
+            </a:r>
+            <a:r>
+              <a:rPr lang="en-US" sz="2200" dirty="0">
+                <a:solidFill>
+                  <a:srgbClr val="0000FF"/>
+                </a:solidFill>
+                <a:latin typeface="Consolas" panose="020B0609020204030204" pitchFamily="49" charset="0"/>
+              </a:rPr>
+              <a:t>new</a:t>
+            </a:r>
+            <a:r>
+              <a:rPr lang="en-US" sz="2200" dirty="0">
+                <a:solidFill>
+                  <a:srgbClr val="000000"/>
+                </a:solidFill>
+                <a:latin typeface="Consolas" panose="020B0609020204030204" pitchFamily="49" charset="0"/>
+              </a:rPr>
+              <a:t> </a:t>
+            </a:r>
+            <a:r>
+              <a:rPr lang="en-US" sz="2200" dirty="0" err="1">
+                <a:solidFill>
+                  <a:srgbClr val="267F99"/>
+                </a:solidFill>
+                <a:latin typeface="Consolas" panose="020B0609020204030204" pitchFamily="49" charset="0"/>
+              </a:rPr>
+              <a:t>ArgumentException</a:t>
+            </a:r>
+            <a:r>
+              <a:rPr lang="en-US" sz="2200" dirty="0">
+                <a:solidFill>
+                  <a:srgbClr val="000000"/>
+                </a:solidFill>
+                <a:latin typeface="Consolas" panose="020B0609020204030204" pitchFamily="49" charset="0"/>
+              </a:rPr>
+              <a:t>();</a:t>
+            </a:r>
+          </a:p>
+          <a:p>
+            <a:pPr marL="0" indent="0">
+              <a:buNone/>
+            </a:pPr>
+            <a:r>
+              <a:rPr lang="en-US" sz="2200" dirty="0">
+                <a:solidFill>
+                  <a:srgbClr val="001080"/>
+                </a:solidFill>
+                <a:latin typeface="Consolas" panose="020B0609020204030204" pitchFamily="49" charset="0"/>
+              </a:rPr>
+              <a:t>        _value</a:t>
+            </a:r>
+            <a:r>
+              <a:rPr lang="en-US" sz="2200" dirty="0">
+                <a:solidFill>
+                  <a:srgbClr val="000000"/>
+                </a:solidFill>
+                <a:latin typeface="Consolas" panose="020B0609020204030204" pitchFamily="49" charset="0"/>
+              </a:rPr>
+              <a:t> = </a:t>
+            </a:r>
+            <a:r>
+              <a:rPr lang="en-US" sz="2200" dirty="0" err="1">
+                <a:solidFill>
+                  <a:srgbClr val="001080"/>
+                </a:solidFill>
+                <a:latin typeface="Consolas" panose="020B0609020204030204" pitchFamily="49" charset="0"/>
+              </a:rPr>
+              <a:t>fromEnd</a:t>
+            </a:r>
+            <a:r>
+              <a:rPr lang="en-US" sz="2200" dirty="0">
+                <a:solidFill>
+                  <a:srgbClr val="000000"/>
+                </a:solidFill>
+                <a:latin typeface="Consolas" panose="020B0609020204030204" pitchFamily="49" charset="0"/>
+              </a:rPr>
+              <a:t> ? ~</a:t>
+            </a:r>
+            <a:r>
+              <a:rPr lang="en-US" sz="2200" dirty="0">
+                <a:solidFill>
+                  <a:srgbClr val="001080"/>
+                </a:solidFill>
+                <a:latin typeface="Consolas" panose="020B0609020204030204" pitchFamily="49" charset="0"/>
+              </a:rPr>
+              <a:t>value</a:t>
+            </a:r>
+            <a:r>
+              <a:rPr lang="en-US" sz="2200" dirty="0">
+                <a:solidFill>
+                  <a:srgbClr val="000000"/>
+                </a:solidFill>
+                <a:latin typeface="Consolas" panose="020B0609020204030204" pitchFamily="49" charset="0"/>
+              </a:rPr>
+              <a:t> : </a:t>
+            </a:r>
+            <a:r>
+              <a:rPr lang="en-US" sz="2200" dirty="0">
+                <a:solidFill>
+                  <a:srgbClr val="001080"/>
+                </a:solidFill>
+                <a:latin typeface="Consolas" panose="020B0609020204030204" pitchFamily="49" charset="0"/>
+              </a:rPr>
+              <a:t>value</a:t>
+            </a:r>
+            <a:r>
+              <a:rPr lang="en-US" sz="2200" dirty="0">
+                <a:solidFill>
+                  <a:srgbClr val="000000"/>
+                </a:solidFill>
+                <a:latin typeface="Consolas" panose="020B0609020204030204" pitchFamily="49" charset="0"/>
+              </a:rPr>
+              <a:t>;</a:t>
+            </a:r>
+          </a:p>
+          <a:p>
+            <a:pPr marL="0" indent="0">
+              <a:buNone/>
+            </a:pPr>
+            <a:r>
+              <a:rPr lang="en-US" sz="2200" dirty="0">
+                <a:solidFill>
+                  <a:srgbClr val="000000"/>
+                </a:solidFill>
+                <a:latin typeface="Consolas" panose="020B0609020204030204" pitchFamily="49" charset="0"/>
+              </a:rPr>
+              <a:t>    }</a:t>
+            </a:r>
+          </a:p>
+          <a:p>
+            <a:pPr marL="0" indent="0">
+              <a:buNone/>
+            </a:pPr>
+            <a:r>
+              <a:rPr lang="en-US" sz="2200" dirty="0">
+                <a:solidFill>
+                  <a:srgbClr val="0000FF"/>
+                </a:solidFill>
+                <a:latin typeface="Consolas" panose="020B0609020204030204" pitchFamily="49" charset="0"/>
+              </a:rPr>
+              <a:t>    public</a:t>
+            </a:r>
+            <a:r>
+              <a:rPr lang="en-US" sz="2200" dirty="0">
+                <a:solidFill>
+                  <a:srgbClr val="000000"/>
+                </a:solidFill>
+                <a:latin typeface="Consolas" panose="020B0609020204030204" pitchFamily="49" charset="0"/>
+              </a:rPr>
+              <a:t> </a:t>
+            </a:r>
+            <a:r>
+              <a:rPr lang="en-US" sz="2200" dirty="0">
+                <a:solidFill>
+                  <a:srgbClr val="0000FF"/>
+                </a:solidFill>
+                <a:latin typeface="Consolas" panose="020B0609020204030204" pitchFamily="49" charset="0"/>
+              </a:rPr>
+              <a:t>static</a:t>
+            </a:r>
+            <a:r>
+              <a:rPr lang="en-US" sz="2200" dirty="0">
+                <a:solidFill>
+                  <a:srgbClr val="000000"/>
+                </a:solidFill>
+                <a:latin typeface="Consolas" panose="020B0609020204030204" pitchFamily="49" charset="0"/>
+              </a:rPr>
+              <a:t> </a:t>
+            </a:r>
+            <a:r>
+              <a:rPr lang="en-US" sz="2200" dirty="0">
+                <a:solidFill>
+                  <a:srgbClr val="0000FF"/>
+                </a:solidFill>
+                <a:latin typeface="Consolas" panose="020B0609020204030204" pitchFamily="49" charset="0"/>
+              </a:rPr>
+              <a:t>implicit</a:t>
+            </a:r>
+            <a:r>
+              <a:rPr lang="en-US" sz="2200" dirty="0">
+                <a:solidFill>
+                  <a:srgbClr val="000000"/>
+                </a:solidFill>
+                <a:latin typeface="Consolas" panose="020B0609020204030204" pitchFamily="49" charset="0"/>
+              </a:rPr>
+              <a:t> </a:t>
+            </a:r>
+            <a:r>
+              <a:rPr lang="en-US" sz="2200" dirty="0">
+                <a:solidFill>
+                  <a:srgbClr val="0000FF"/>
+                </a:solidFill>
+                <a:latin typeface="Consolas" panose="020B0609020204030204" pitchFamily="49" charset="0"/>
+              </a:rPr>
+              <a:t>operator</a:t>
+            </a:r>
+            <a:r>
+              <a:rPr lang="en-US" sz="2200" dirty="0">
+                <a:solidFill>
+                  <a:srgbClr val="000000"/>
+                </a:solidFill>
+                <a:latin typeface="Consolas" panose="020B0609020204030204" pitchFamily="49" charset="0"/>
+              </a:rPr>
+              <a:t> </a:t>
+            </a:r>
+            <a:r>
+              <a:rPr lang="en-US" sz="2200" dirty="0">
+                <a:solidFill>
+                  <a:srgbClr val="267F99"/>
+                </a:solidFill>
+                <a:latin typeface="Consolas" panose="020B0609020204030204" pitchFamily="49" charset="0"/>
+              </a:rPr>
+              <a:t>Index</a:t>
+            </a:r>
+            <a:r>
+              <a:rPr lang="en-US" sz="2200" dirty="0">
+                <a:solidFill>
+                  <a:srgbClr val="000000"/>
+                </a:solidFill>
+                <a:latin typeface="Consolas" panose="020B0609020204030204" pitchFamily="49" charset="0"/>
+              </a:rPr>
+              <a:t>(</a:t>
+            </a:r>
+            <a:r>
+              <a:rPr lang="en-US" sz="2200" dirty="0">
+                <a:solidFill>
+                  <a:srgbClr val="0000FF"/>
+                </a:solidFill>
+                <a:latin typeface="Consolas" panose="020B0609020204030204" pitchFamily="49" charset="0"/>
+              </a:rPr>
+              <a:t>int</a:t>
+            </a:r>
+            <a:r>
+              <a:rPr lang="en-US" sz="2200" dirty="0">
+                <a:solidFill>
+                  <a:srgbClr val="000000"/>
+                </a:solidFill>
+                <a:latin typeface="Consolas" panose="020B0609020204030204" pitchFamily="49" charset="0"/>
+              </a:rPr>
+              <a:t> </a:t>
+            </a:r>
+            <a:r>
+              <a:rPr lang="en-US" sz="2200" dirty="0">
+                <a:solidFill>
+                  <a:srgbClr val="001080"/>
+                </a:solidFill>
+                <a:latin typeface="Consolas" panose="020B0609020204030204" pitchFamily="49" charset="0"/>
+              </a:rPr>
+              <a:t>value</a:t>
+            </a:r>
+            <a:r>
+              <a:rPr lang="en-US" sz="2200" dirty="0">
+                <a:solidFill>
+                  <a:srgbClr val="000000"/>
+                </a:solidFill>
+                <a:latin typeface="Consolas" panose="020B0609020204030204" pitchFamily="49" charset="0"/>
+              </a:rPr>
+              <a:t>)</a:t>
+            </a:r>
+          </a:p>
+          <a:p>
+            <a:pPr marL="0" indent="0">
+              <a:buNone/>
+            </a:pPr>
+            <a:r>
+              <a:rPr lang="en-US" sz="2200" dirty="0">
+                <a:solidFill>
+                  <a:srgbClr val="000000"/>
+                </a:solidFill>
+                <a:latin typeface="Consolas" panose="020B0609020204030204" pitchFamily="49" charset="0"/>
+              </a:rPr>
+              <a:t>         =&gt; </a:t>
+            </a:r>
+            <a:r>
+              <a:rPr lang="en-US" sz="2200" dirty="0">
+                <a:solidFill>
+                  <a:srgbClr val="0000FF"/>
+                </a:solidFill>
+                <a:latin typeface="Consolas" panose="020B0609020204030204" pitchFamily="49" charset="0"/>
+              </a:rPr>
+              <a:t>new</a:t>
+            </a:r>
+            <a:r>
+              <a:rPr lang="en-US" sz="2200" dirty="0">
+                <a:solidFill>
+                  <a:srgbClr val="000000"/>
+                </a:solidFill>
+                <a:latin typeface="Consolas" panose="020B0609020204030204" pitchFamily="49" charset="0"/>
+              </a:rPr>
+              <a:t> </a:t>
+            </a:r>
+            <a:r>
+              <a:rPr lang="en-US" sz="2200" dirty="0">
+                <a:solidFill>
+                  <a:srgbClr val="267F99"/>
+                </a:solidFill>
+                <a:latin typeface="Consolas" panose="020B0609020204030204" pitchFamily="49" charset="0"/>
+              </a:rPr>
+              <a:t>Index</a:t>
+            </a:r>
+            <a:r>
+              <a:rPr lang="en-US" sz="2200" dirty="0">
+                <a:solidFill>
+                  <a:srgbClr val="000000"/>
+                </a:solidFill>
+                <a:latin typeface="Consolas" panose="020B0609020204030204" pitchFamily="49" charset="0"/>
+              </a:rPr>
+              <a:t>(</a:t>
+            </a:r>
+            <a:r>
+              <a:rPr lang="en-US" sz="2200" dirty="0">
+                <a:solidFill>
+                  <a:srgbClr val="001080"/>
+                </a:solidFill>
+                <a:latin typeface="Consolas" panose="020B0609020204030204" pitchFamily="49" charset="0"/>
+              </a:rPr>
+              <a:t>value</a:t>
+            </a:r>
+            <a:r>
+              <a:rPr lang="en-US" sz="2200" dirty="0">
+                <a:solidFill>
+                  <a:srgbClr val="000000"/>
+                </a:solidFill>
+                <a:latin typeface="Consolas" panose="020B0609020204030204" pitchFamily="49" charset="0"/>
+              </a:rPr>
+              <a:t>, </a:t>
+            </a:r>
+            <a:r>
+              <a:rPr lang="en-US" sz="2200" dirty="0" err="1">
+                <a:solidFill>
+                  <a:srgbClr val="001080"/>
+                </a:solidFill>
+                <a:latin typeface="Consolas" panose="020B0609020204030204" pitchFamily="49" charset="0"/>
+              </a:rPr>
+              <a:t>fromEnd</a:t>
+            </a:r>
+            <a:r>
+              <a:rPr lang="en-US" sz="2200" dirty="0">
+                <a:solidFill>
+                  <a:srgbClr val="000000"/>
+                </a:solidFill>
+                <a:latin typeface="Consolas" panose="020B0609020204030204" pitchFamily="49" charset="0"/>
+              </a:rPr>
+              <a:t>: </a:t>
+            </a:r>
+            <a:r>
+              <a:rPr lang="en-US" sz="2200" dirty="0">
+                <a:solidFill>
+                  <a:srgbClr val="0000FF"/>
+                </a:solidFill>
+                <a:latin typeface="Consolas" panose="020B0609020204030204" pitchFamily="49" charset="0"/>
+              </a:rPr>
+              <a:t>false</a:t>
+            </a:r>
+            <a:r>
+              <a:rPr lang="en-US" sz="2200" dirty="0">
+                <a:solidFill>
+                  <a:srgbClr val="000000"/>
+                </a:solidFill>
+                <a:latin typeface="Consolas" panose="020B0609020204030204" pitchFamily="49" charset="0"/>
+              </a:rPr>
+              <a:t>);</a:t>
+            </a:r>
+          </a:p>
+          <a:p>
+            <a:pPr marL="0" indent="0">
+              <a:buNone/>
+            </a:pPr>
+            <a:r>
+              <a:rPr lang="en-US" sz="2200" dirty="0">
+                <a:solidFill>
+                  <a:srgbClr val="000000"/>
+                </a:solidFill>
+                <a:latin typeface="Consolas" panose="020B0609020204030204" pitchFamily="49" charset="0"/>
+              </a:rPr>
+              <a:t>}</a:t>
+            </a:r>
+          </a:p>
+          <a:p>
+            <a:pPr marL="0" indent="0">
+              <a:buNone/>
+            </a:pPr>
+            <a:endParaRPr lang="en-US" sz="2200" dirty="0"/>
+          </a:p>
+        </p:txBody>
+      </p:sp>
+    </p:spTree>
+    <p:extLst>
+      <p:ext uri="{BB962C8B-B14F-4D97-AF65-F5344CB8AC3E}">
+        <p14:creationId xmlns:p14="http://schemas.microsoft.com/office/powerpoint/2010/main" val="4089994774"/>
+      </p:ext>
+    </p:extLst>
+  </p:cSld>
+  <p:clrMapOvr>
+    <a:masterClrMapping/>
+  </p:clrMapOvr>
+  <p:timing>
+    <p:tnLst>
+      <p:par>
+        <p:cTn id="1" dur="indefinite" restart="never" nodeType="tmRoot">
+          <p:childTnLst>
+            <p:seq concurrent="1" nextAc="seek">
+              <p:cTn id="2" dur="indefinite" nodeType="mainSeq">
+                <p:childTnLst>
+                  <p:par>
+                    <p:cTn id="3" fill="hold">
+                      <p:stCondLst>
+                        <p:cond delay="indefinite"/>
+                        <p:cond evt="onBegin" delay="0">
+                          <p:tn val="2"/>
+                        </p:cond>
+                      </p:stCondLst>
+                      <p:childTnLst>
+                        <p:par>
+                          <p:cTn id="4" fill="hold">
+                            <p:stCondLst>
+                              <p:cond delay="0"/>
+                            </p:stCondLst>
+                            <p:childTnLst>
+                              <p:par>
+                                <p:cTn id="5" presetID="1" presetClass="entr" presetSubtype="0" fill="hold" grpId="0" nodeType="withEffect">
+                                  <p:stCondLst>
+                                    <p:cond delay="0"/>
+                                  </p:stCondLst>
+                                  <p:childTnLst>
+                                    <p:set>
+                                      <p:cBhvr>
+                                        <p:cTn id="6" dur="1" fill="hold">
+                                          <p:stCondLst>
+                                            <p:cond delay="0"/>
+                                          </p:stCondLst>
+                                        </p:cTn>
+                                        <p:tgtEl>
+                                          <p:spTgt spid="3">
+                                            <p:txEl>
+                                              <p:pRg st="0" end="0"/>
+                                            </p:txEl>
+                                          </p:spTgt>
+                                        </p:tgtEl>
+                                        <p:attrNameLst>
+                                          <p:attrName>style.visibility</p:attrName>
+                                        </p:attrNameLst>
+                                      </p:cBhvr>
+                                      <p:to>
+                                        <p:strVal val="visible"/>
+                                      </p:to>
+                                    </p:set>
+                                  </p:childTnLst>
+                                </p:cTn>
+                              </p:par>
+                              <p:par>
+                                <p:cTn id="7" presetID="1" presetClass="entr" presetSubtype="0" fill="hold" grpId="0" nodeType="withEffect">
+                                  <p:stCondLst>
+                                    <p:cond delay="0"/>
+                                  </p:stCondLst>
+                                  <p:childTnLst>
+                                    <p:set>
+                                      <p:cBhvr>
+                                        <p:cTn id="8" dur="1" fill="hold">
+                                          <p:stCondLst>
+                                            <p:cond delay="0"/>
+                                          </p:stCondLst>
+                                        </p:cTn>
+                                        <p:tgtEl>
+                                          <p:spTgt spid="3">
+                                            <p:txEl>
+                                              <p:pRg st="10" end="10"/>
+                                            </p:txEl>
+                                          </p:spTgt>
+                                        </p:tgtEl>
+                                        <p:attrNameLst>
+                                          <p:attrName>style.visibility</p:attrName>
+                                        </p:attrNameLst>
+                                      </p:cBhvr>
+                                      <p:to>
+                                        <p:strVal val="visible"/>
+                                      </p:to>
+                                    </p:set>
+                                  </p:childTnLst>
+                                </p:cTn>
+                              </p:par>
+                            </p:childTnLst>
+                          </p:cTn>
+                        </p:par>
+                      </p:childTnLst>
+                    </p:cTn>
+                  </p:par>
+                  <p:par>
+                    <p:cTn id="9" fill="hold">
+                      <p:stCondLst>
+                        <p:cond delay="indefinite"/>
+                      </p:stCondLst>
+                      <p:childTnLst>
+                        <p:par>
+                          <p:cTn id="10" fill="hold">
+                            <p:stCondLst>
+                              <p:cond delay="0"/>
+                            </p:stCondLst>
+                            <p:childTnLst>
+                              <p:par>
+                                <p:cTn id="11" presetID="1" presetClass="entr" presetSubtype="0" fill="hold" grpId="0" nodeType="clickEffect">
+                                  <p:stCondLst>
+                                    <p:cond delay="0"/>
+                                  </p:stCondLst>
+                                  <p:childTnLst>
+                                    <p:set>
+                                      <p:cBhvr>
+                                        <p:cTn id="12" dur="1" fill="hold">
+                                          <p:stCondLst>
+                                            <p:cond delay="0"/>
+                                          </p:stCondLst>
+                                        </p:cTn>
+                                        <p:tgtEl>
+                                          <p:spTgt spid="3">
+                                            <p:txEl>
+                                              <p:pRg st="1" end="1"/>
+                                            </p:txEl>
+                                          </p:spTgt>
+                                        </p:tgtEl>
+                                        <p:attrNameLst>
+                                          <p:attrName>style.visibility</p:attrName>
+                                        </p:attrNameLst>
+                                      </p:cBhvr>
+                                      <p:to>
+                                        <p:strVal val="visible"/>
+                                      </p:to>
+                                    </p:set>
+                                  </p:childTnLst>
+                                </p:cTn>
+                              </p:par>
+                            </p:childTnLst>
+                          </p:cTn>
+                        </p:par>
+                      </p:childTnLst>
+                    </p:cTn>
+                  </p:par>
+                  <p:par>
+                    <p:cTn id="13" fill="hold">
+                      <p:stCondLst>
+                        <p:cond delay="indefinite"/>
+                      </p:stCondLst>
+                      <p:childTnLst>
+                        <p:par>
+                          <p:cTn id="14" fill="hold">
+                            <p:stCondLst>
+                              <p:cond delay="0"/>
+                            </p:stCondLst>
+                            <p:childTnLst>
+                              <p:par>
+                                <p:cTn id="15" presetID="1" presetClass="entr" presetSubtype="0" fill="hold" grpId="0" nodeType="clickEffect">
+                                  <p:stCondLst>
+                                    <p:cond delay="0"/>
+                                  </p:stCondLst>
+                                  <p:childTnLst>
+                                    <p:set>
+                                      <p:cBhvr>
+                                        <p:cTn id="16" dur="1" fill="hold">
+                                          <p:stCondLst>
+                                            <p:cond delay="0"/>
+                                          </p:stCondLst>
+                                        </p:cTn>
+                                        <p:tgtEl>
+                                          <p:spTgt spid="3">
+                                            <p:txEl>
+                                              <p:pRg st="2" end="2"/>
+                                            </p:txEl>
+                                          </p:spTgt>
+                                        </p:tgtEl>
+                                        <p:attrNameLst>
+                                          <p:attrName>style.visibility</p:attrName>
+                                        </p:attrNameLst>
+                                      </p:cBhvr>
+                                      <p:to>
+                                        <p:strVal val="visible"/>
+                                      </p:to>
+                                    </p:set>
+                                  </p:childTnLst>
+                                </p:cTn>
+                              </p:par>
+                            </p:childTnLst>
+                          </p:cTn>
+                        </p:par>
+                      </p:childTnLst>
+                    </p:cTn>
+                  </p:par>
+                  <p:par>
+                    <p:cTn id="17" fill="hold">
+                      <p:stCondLst>
+                        <p:cond delay="indefinite"/>
+                      </p:stCondLst>
+                      <p:childTnLst>
+                        <p:par>
+                          <p:cTn id="18" fill="hold">
+                            <p:stCondLst>
+                              <p:cond delay="0"/>
+                            </p:stCondLst>
+                            <p:childTnLst>
+                              <p:par>
+                                <p:cTn id="19" presetID="1" presetClass="entr" presetSubtype="0" fill="hold" grpId="0" nodeType="clickEffect">
+                                  <p:stCondLst>
+                                    <p:cond delay="0"/>
+                                  </p:stCondLst>
+                                  <p:childTnLst>
+                                    <p:set>
+                                      <p:cBhvr>
+                                        <p:cTn id="20" dur="1" fill="hold">
+                                          <p:stCondLst>
+                                            <p:cond delay="0"/>
+                                          </p:stCondLst>
+                                        </p:cTn>
+                                        <p:tgtEl>
+                                          <p:spTgt spid="3">
+                                            <p:txEl>
+                                              <p:pRg st="3" end="3"/>
+                                            </p:txEl>
+                                          </p:spTgt>
+                                        </p:tgtEl>
+                                        <p:attrNameLst>
+                                          <p:attrName>style.visibility</p:attrName>
+                                        </p:attrNameLst>
+                                      </p:cBhvr>
+                                      <p:to>
+                                        <p:strVal val="visible"/>
+                                      </p:to>
+                                    </p:set>
+                                  </p:childTnLst>
+                                </p:cTn>
+                              </p:par>
+                            </p:childTnLst>
+                          </p:cTn>
+                        </p:par>
+                      </p:childTnLst>
+                    </p:cTn>
+                  </p:par>
+                  <p:par>
+                    <p:cTn id="21" fill="hold">
+                      <p:stCondLst>
+                        <p:cond delay="indefinite"/>
+                      </p:stCondLst>
+                      <p:childTnLst>
+                        <p:par>
+                          <p:cTn id="22" fill="hold">
+                            <p:stCondLst>
+                              <p:cond delay="0"/>
+                            </p:stCondLst>
+                            <p:childTnLst>
+                              <p:par>
+                                <p:cTn id="23" presetID="1" presetClass="entr" presetSubtype="0" fill="hold" grpId="0" nodeType="clickEffect">
+                                  <p:stCondLst>
+                                    <p:cond delay="0"/>
+                                  </p:stCondLst>
+                                  <p:childTnLst>
+                                    <p:set>
+                                      <p:cBhvr>
+                                        <p:cTn id="24" dur="1" fill="hold">
+                                          <p:stCondLst>
+                                            <p:cond delay="0"/>
+                                          </p:stCondLst>
+                                        </p:cTn>
+                                        <p:tgtEl>
+                                          <p:spTgt spid="3">
+                                            <p:txEl>
+                                              <p:pRg st="4" end="4"/>
+                                            </p:txEl>
+                                          </p:spTgt>
+                                        </p:tgtEl>
+                                        <p:attrNameLst>
+                                          <p:attrName>style.visibility</p:attrName>
+                                        </p:attrNameLst>
+                                      </p:cBhvr>
+                                      <p:to>
+                                        <p:strVal val="visible"/>
+                                      </p:to>
+                                    </p:set>
+                                  </p:childTnLst>
+                                </p:cTn>
+                              </p:par>
+                              <p:par>
+                                <p:cTn id="25" presetID="1" presetClass="entr" presetSubtype="0" fill="hold" grpId="0" nodeType="withEffect">
+                                  <p:stCondLst>
+                                    <p:cond delay="0"/>
+                                  </p:stCondLst>
+                                  <p:childTnLst>
+                                    <p:set>
+                                      <p:cBhvr>
+                                        <p:cTn id="26" dur="1" fill="hold">
+                                          <p:stCondLst>
+                                            <p:cond delay="0"/>
+                                          </p:stCondLst>
+                                        </p:cTn>
+                                        <p:tgtEl>
+                                          <p:spTgt spid="3">
+                                            <p:txEl>
+                                              <p:pRg st="5" end="5"/>
+                                            </p:txEl>
+                                          </p:spTgt>
+                                        </p:tgtEl>
+                                        <p:attrNameLst>
+                                          <p:attrName>style.visibility</p:attrName>
+                                        </p:attrNameLst>
+                                      </p:cBhvr>
+                                      <p:to>
+                                        <p:strVal val="visible"/>
+                                      </p:to>
+                                    </p:set>
+                                  </p:childTnLst>
+                                </p:cTn>
+                              </p:par>
+                              <p:par>
+                                <p:cTn id="27" presetID="1" presetClass="entr" presetSubtype="0" fill="hold" grpId="0" nodeType="withEffect">
+                                  <p:stCondLst>
+                                    <p:cond delay="0"/>
+                                  </p:stCondLst>
+                                  <p:childTnLst>
+                                    <p:set>
+                                      <p:cBhvr>
+                                        <p:cTn id="28" dur="1" fill="hold">
+                                          <p:stCondLst>
+                                            <p:cond delay="0"/>
+                                          </p:stCondLst>
+                                        </p:cTn>
+                                        <p:tgtEl>
+                                          <p:spTgt spid="3">
+                                            <p:txEl>
+                                              <p:pRg st="6" end="6"/>
+                                            </p:txEl>
+                                          </p:spTgt>
+                                        </p:tgtEl>
+                                        <p:attrNameLst>
+                                          <p:attrName>style.visibility</p:attrName>
+                                        </p:attrNameLst>
+                                      </p:cBhvr>
+                                      <p:to>
+                                        <p:strVal val="visible"/>
+                                      </p:to>
+                                    </p:set>
+                                  </p:childTnLst>
+                                </p:cTn>
+                              </p:par>
+                              <p:par>
+                                <p:cTn id="29" presetID="1" presetClass="entr" presetSubtype="0" fill="hold" grpId="0" nodeType="withEffect">
+                                  <p:stCondLst>
+                                    <p:cond delay="0"/>
+                                  </p:stCondLst>
+                                  <p:childTnLst>
+                                    <p:set>
+                                      <p:cBhvr>
+                                        <p:cTn id="30" dur="1" fill="hold">
+                                          <p:stCondLst>
+                                            <p:cond delay="0"/>
+                                          </p:stCondLst>
+                                        </p:cTn>
+                                        <p:tgtEl>
+                                          <p:spTgt spid="3">
+                                            <p:txEl>
+                                              <p:pRg st="7" end="7"/>
+                                            </p:txEl>
+                                          </p:spTgt>
+                                        </p:tgtEl>
+                                        <p:attrNameLst>
+                                          <p:attrName>style.visibility</p:attrName>
+                                        </p:attrNameLst>
+                                      </p:cBhvr>
+                                      <p:to>
+                                        <p:strVal val="visible"/>
+                                      </p:to>
+                                    </p:set>
+                                  </p:childTnLst>
+                                </p:cTn>
+                              </p:par>
+                            </p:childTnLst>
+                          </p:cTn>
+                        </p:par>
+                      </p:childTnLst>
+                    </p:cTn>
+                  </p:par>
+                  <p:par>
+                    <p:cTn id="31" fill="hold">
+                      <p:stCondLst>
+                        <p:cond delay="indefinite"/>
+                      </p:stCondLst>
+                      <p:childTnLst>
+                        <p:par>
+                          <p:cTn id="32" fill="hold">
+                            <p:stCondLst>
+                              <p:cond delay="0"/>
+                            </p:stCondLst>
+                            <p:childTnLst>
+                              <p:par>
+                                <p:cTn id="33" presetID="1" presetClass="entr" presetSubtype="0" fill="hold" grpId="0" nodeType="clickEffect">
+                                  <p:stCondLst>
+                                    <p:cond delay="0"/>
+                                  </p:stCondLst>
+                                  <p:childTnLst>
+                                    <p:set>
+                                      <p:cBhvr>
+                                        <p:cTn id="34" dur="1" fill="hold">
+                                          <p:stCondLst>
+                                            <p:cond delay="0"/>
+                                          </p:stCondLst>
+                                        </p:cTn>
+                                        <p:tgtEl>
+                                          <p:spTgt spid="3">
+                                            <p:txEl>
+                                              <p:pRg st="8" end="8"/>
+                                            </p:txEl>
+                                          </p:spTgt>
+                                        </p:tgtEl>
+                                        <p:attrNameLst>
+                                          <p:attrName>style.visibility</p:attrName>
+                                        </p:attrNameLst>
+                                      </p:cBhvr>
+                                      <p:to>
+                                        <p:strVal val="visible"/>
+                                      </p:to>
+                                    </p:set>
+                                  </p:childTnLst>
+                                </p:cTn>
+                              </p:par>
+                              <p:par>
+                                <p:cTn id="35" presetID="1" presetClass="entr" presetSubtype="0" fill="hold" grpId="0" nodeType="withEffect">
+                                  <p:stCondLst>
+                                    <p:cond delay="0"/>
+                                  </p:stCondLst>
+                                  <p:childTnLst>
+                                    <p:set>
+                                      <p:cBhvr>
+                                        <p:cTn id="36" dur="1" fill="hold">
+                                          <p:stCondLst>
+                                            <p:cond delay="0"/>
+                                          </p:stCondLst>
+                                        </p:cTn>
+                                        <p:tgtEl>
+                                          <p:spTgt spid="3">
+                                            <p:txEl>
+                                              <p:pRg st="9" end="9"/>
+                                            </p:txEl>
+                                          </p:spTgt>
+                                        </p:tgtEl>
+                                        <p:attrNameLst>
+                                          <p:attrName>style.visibility</p:attrName>
+                                        </p:attrNameLst>
+                                      </p:cBhvr>
+                                      <p:to>
+                                        <p:strVal val="visible"/>
+                                      </p:to>
+                                    </p:set>
+                                  </p:childTnLst>
+                                </p:cTn>
+                              </p:par>
+                            </p:childTnLst>
+                          </p:cTn>
+                        </p:par>
+                      </p:childTnLst>
+                    </p:cTn>
+                  </p:par>
+                </p:childTnLst>
+              </p:cTn>
+              <p:prevCondLst>
+                <p:cond evt="onPrev" delay="0">
+                  <p:tgtEl>
+                    <p:sldTgt/>
+                  </p:tgtEl>
+                </p:cond>
+              </p:prevCondLst>
+              <p:nextCondLst>
+                <p:cond evt="onNext" delay="0">
+                  <p:tgtEl>
+                    <p:sldTgt/>
+                  </p:tgtEl>
+                </p:cond>
+              </p:nextCondLst>
+            </p:seq>
+          </p:childTnLst>
+        </p:cTn>
+      </p:par>
+    </p:tnLst>
+    <p:bldLst>
+      <p:bldP spid="3" grpId="0" uiExpand="1" build="p"/>
+    </p:bldLst>
+  </p:timing>
+</p:sld>
+</file>
+
+<file path=ppt/slides/slide28.xml><?xml version="1.0" encoding="utf-8"?>
+<p:sld xmlns:a="http://schemas.openxmlformats.org/drawingml/2006/main" xmlns:r="http://schemas.openxmlformats.org/officeDocument/2006/relationships" xmlns:p="http://schemas.openxmlformats.org/presentationml/2006/main">
+  <p:cSld>
+    <p:spTree>
+      <p:nvGrpSpPr>
+        <p:cNvPr id="1" name=""/>
+        <p:cNvGrpSpPr/>
+        <p:nvPr/>
+      </p:nvGrpSpPr>
+      <p:grpSpPr>
+        <a:xfrm>
+          <a:off x="0" y="0"/>
+          <a:ext cx="0" cy="0"/>
+          <a:chOff x="0" y="0"/>
+          <a:chExt cx="0" cy="0"/>
+        </a:xfrm>
+      </p:grpSpPr>
+      <p:sp>
+        <p:nvSpPr>
+          <p:cNvPr id="2" name="Title 1">
+            <a:extLst>
+              <a:ext uri="{FF2B5EF4-FFF2-40B4-BE49-F238E27FC236}">
+                <a16:creationId xmlns:a16="http://schemas.microsoft.com/office/drawing/2014/main" id="{A6A39FB4-62EA-4AE6-A7E8-FC63EDEB3F7A}"/>
+              </a:ext>
+            </a:extLst>
+          </p:cNvPr>
+          <p:cNvSpPr>
+            <a:spLocks noGrp="1"/>
+          </p:cNvSpPr>
+          <p:nvPr>
+            <p:ph type="title"/>
+          </p:nvPr>
+        </p:nvSpPr>
+        <p:spPr/>
+        <p:txBody>
+          <a:bodyPr/>
+          <a:lstStyle/>
+          <a:p>
+            <a:r>
+              <a:rPr lang="en-US" dirty="0"/>
+              <a:t>Index</a:t>
+            </a:r>
+          </a:p>
+        </p:txBody>
+      </p:sp>
+      <p:sp>
+        <p:nvSpPr>
+          <p:cNvPr id="3" name="Content Placeholder 2">
+            <a:extLst>
+              <a:ext uri="{FF2B5EF4-FFF2-40B4-BE49-F238E27FC236}">
+                <a16:creationId xmlns:a16="http://schemas.microsoft.com/office/drawing/2014/main" id="{F1239037-DA8C-4AA0-95E2-61102563286C}"/>
+              </a:ext>
+            </a:extLst>
+          </p:cNvPr>
+          <p:cNvSpPr>
+            <a:spLocks noGrp="1"/>
+          </p:cNvSpPr>
+          <p:nvPr>
+            <p:ph idx="1"/>
+          </p:nvPr>
+        </p:nvSpPr>
+        <p:spPr/>
+        <p:txBody>
+          <a:bodyPr/>
+          <a:lstStyle/>
+          <a:p>
+            <a:pPr marL="0" indent="0">
+              <a:buNone/>
+            </a:pPr>
+            <a:r>
+              <a:rPr lang="en-US" dirty="0">
+                <a:solidFill>
+                  <a:srgbClr val="0000FF"/>
+                </a:solidFill>
+                <a:latin typeface="Consolas" panose="020B0609020204030204" pitchFamily="49" charset="0"/>
+              </a:rPr>
+              <a:t>int</a:t>
+            </a:r>
+            <a:r>
+              <a:rPr lang="en-US" dirty="0">
+                <a:solidFill>
+                  <a:srgbClr val="000000"/>
+                </a:solidFill>
+                <a:latin typeface="Consolas" panose="020B0609020204030204" pitchFamily="49" charset="0"/>
+              </a:rPr>
+              <a:t>[] </a:t>
+            </a:r>
+            <a:r>
+              <a:rPr lang="en-US" dirty="0">
+                <a:solidFill>
+                  <a:srgbClr val="001080"/>
+                </a:solidFill>
+                <a:latin typeface="Consolas" panose="020B0609020204030204" pitchFamily="49" charset="0"/>
+              </a:rPr>
+              <a:t>array</a:t>
+            </a:r>
+            <a:r>
+              <a:rPr lang="en-US" dirty="0">
+                <a:solidFill>
+                  <a:srgbClr val="000000"/>
+                </a:solidFill>
+                <a:latin typeface="Consolas" panose="020B0609020204030204" pitchFamily="49" charset="0"/>
+              </a:rPr>
+              <a:t> = { </a:t>
+            </a:r>
+            <a:r>
+              <a:rPr lang="en-US" dirty="0">
+                <a:solidFill>
+                  <a:srgbClr val="09885A"/>
+                </a:solidFill>
+                <a:latin typeface="Consolas" panose="020B0609020204030204" pitchFamily="49" charset="0"/>
+              </a:rPr>
+              <a:t>1</a:t>
+            </a:r>
+            <a:r>
+              <a:rPr lang="en-US" dirty="0">
+                <a:solidFill>
+                  <a:srgbClr val="000000"/>
+                </a:solidFill>
+                <a:latin typeface="Consolas" panose="020B0609020204030204" pitchFamily="49" charset="0"/>
+              </a:rPr>
+              <a:t>, </a:t>
+            </a:r>
+            <a:r>
+              <a:rPr lang="en-US" dirty="0">
+                <a:solidFill>
+                  <a:srgbClr val="09885A"/>
+                </a:solidFill>
+                <a:latin typeface="Consolas" panose="020B0609020204030204" pitchFamily="49" charset="0"/>
+              </a:rPr>
+              <a:t>2</a:t>
+            </a:r>
+            <a:r>
+              <a:rPr lang="en-US" dirty="0">
+                <a:solidFill>
+                  <a:srgbClr val="000000"/>
+                </a:solidFill>
+                <a:latin typeface="Consolas" panose="020B0609020204030204" pitchFamily="49" charset="0"/>
+              </a:rPr>
+              <a:t>, </a:t>
+            </a:r>
+            <a:r>
+              <a:rPr lang="en-US" dirty="0">
+                <a:solidFill>
+                  <a:srgbClr val="09885A"/>
+                </a:solidFill>
+                <a:latin typeface="Consolas" panose="020B0609020204030204" pitchFamily="49" charset="0"/>
+              </a:rPr>
+              <a:t>3</a:t>
+            </a:r>
+            <a:r>
+              <a:rPr lang="en-US" dirty="0">
+                <a:solidFill>
+                  <a:srgbClr val="000000"/>
+                </a:solidFill>
+                <a:latin typeface="Consolas" panose="020B0609020204030204" pitchFamily="49" charset="0"/>
+              </a:rPr>
+              <a:t>, </a:t>
+            </a:r>
+            <a:r>
+              <a:rPr lang="en-US" dirty="0">
+                <a:solidFill>
+                  <a:srgbClr val="09885A"/>
+                </a:solidFill>
+                <a:latin typeface="Consolas" panose="020B0609020204030204" pitchFamily="49" charset="0"/>
+              </a:rPr>
+              <a:t>4</a:t>
+            </a:r>
+            <a:r>
+              <a:rPr lang="en-US" dirty="0">
+                <a:solidFill>
+                  <a:srgbClr val="000000"/>
+                </a:solidFill>
+                <a:latin typeface="Consolas" panose="020B0609020204030204" pitchFamily="49" charset="0"/>
+              </a:rPr>
+              <a:t>, </a:t>
+            </a:r>
+            <a:r>
+              <a:rPr lang="en-US" dirty="0">
+                <a:solidFill>
+                  <a:srgbClr val="09885A"/>
+                </a:solidFill>
+                <a:latin typeface="Consolas" panose="020B0609020204030204" pitchFamily="49" charset="0"/>
+              </a:rPr>
+              <a:t>5</a:t>
+            </a:r>
+            <a:r>
+              <a:rPr lang="en-US" dirty="0">
+                <a:solidFill>
+                  <a:srgbClr val="000000"/>
+                </a:solidFill>
+                <a:latin typeface="Consolas" panose="020B0609020204030204" pitchFamily="49" charset="0"/>
+              </a:rPr>
+              <a:t>, </a:t>
+            </a:r>
+            <a:r>
+              <a:rPr lang="en-US" dirty="0">
+                <a:solidFill>
+                  <a:srgbClr val="09885A"/>
+                </a:solidFill>
+                <a:latin typeface="Consolas" panose="020B0609020204030204" pitchFamily="49" charset="0"/>
+              </a:rPr>
+              <a:t>6</a:t>
+            </a:r>
+            <a:r>
+              <a:rPr lang="en-US" dirty="0">
+                <a:solidFill>
+                  <a:srgbClr val="000000"/>
+                </a:solidFill>
+                <a:latin typeface="Consolas" panose="020B0609020204030204" pitchFamily="49" charset="0"/>
+              </a:rPr>
+              <a:t>, </a:t>
+            </a:r>
+            <a:r>
+              <a:rPr lang="en-US" dirty="0">
+                <a:solidFill>
+                  <a:srgbClr val="09885A"/>
+                </a:solidFill>
+                <a:latin typeface="Consolas" panose="020B0609020204030204" pitchFamily="49" charset="0"/>
+              </a:rPr>
+              <a:t>7</a:t>
+            </a:r>
+            <a:r>
+              <a:rPr lang="en-US" dirty="0">
+                <a:solidFill>
+                  <a:srgbClr val="000000"/>
+                </a:solidFill>
+                <a:latin typeface="Consolas" panose="020B0609020204030204" pitchFamily="49" charset="0"/>
+              </a:rPr>
+              <a:t>, </a:t>
+            </a:r>
+            <a:r>
+              <a:rPr lang="en-US" dirty="0">
+                <a:solidFill>
+                  <a:srgbClr val="09885A"/>
+                </a:solidFill>
+                <a:latin typeface="Consolas" panose="020B0609020204030204" pitchFamily="49" charset="0"/>
+              </a:rPr>
+              <a:t>8</a:t>
+            </a:r>
+            <a:r>
+              <a:rPr lang="en-US" dirty="0">
+                <a:solidFill>
+                  <a:srgbClr val="000000"/>
+                </a:solidFill>
+                <a:latin typeface="Consolas" panose="020B0609020204030204" pitchFamily="49" charset="0"/>
+              </a:rPr>
+              <a:t>, </a:t>
+            </a:r>
+            <a:r>
+              <a:rPr lang="en-US" dirty="0">
+                <a:solidFill>
+                  <a:srgbClr val="09885A"/>
+                </a:solidFill>
+                <a:latin typeface="Consolas" panose="020B0609020204030204" pitchFamily="49" charset="0"/>
+              </a:rPr>
+              <a:t>9</a:t>
+            </a:r>
+            <a:r>
+              <a:rPr lang="en-US" dirty="0">
+                <a:solidFill>
+                  <a:srgbClr val="000000"/>
+                </a:solidFill>
+                <a:latin typeface="Consolas" panose="020B0609020204030204" pitchFamily="49" charset="0"/>
+              </a:rPr>
+              <a:t> };</a:t>
+            </a:r>
+          </a:p>
+          <a:p>
+            <a:pPr marL="0" indent="0">
+              <a:buNone/>
+            </a:pPr>
+            <a:endParaRPr lang="en-US" dirty="0">
+              <a:solidFill>
+                <a:srgbClr val="008000"/>
+              </a:solidFill>
+              <a:latin typeface="Consolas" panose="020B0609020204030204" pitchFamily="49" charset="0"/>
+            </a:endParaRPr>
+          </a:p>
+          <a:p>
+            <a:pPr marL="0" indent="0">
+              <a:buNone/>
+            </a:pPr>
+            <a:r>
+              <a:rPr lang="en-US" dirty="0">
+                <a:solidFill>
+                  <a:srgbClr val="008000"/>
+                </a:solidFill>
+                <a:latin typeface="Consolas" panose="020B0609020204030204" pitchFamily="49" charset="0"/>
+              </a:rPr>
+              <a:t>// with indexes</a:t>
+            </a:r>
+            <a:endParaRPr lang="en-US" dirty="0">
+              <a:solidFill>
+                <a:srgbClr val="000000"/>
+              </a:solidFill>
+              <a:latin typeface="Consolas" panose="020B0609020204030204" pitchFamily="49" charset="0"/>
+            </a:endParaRPr>
+          </a:p>
+          <a:p>
+            <a:pPr marL="0" indent="0">
+              <a:buNone/>
+            </a:pPr>
+            <a:r>
+              <a:rPr lang="en-US" dirty="0">
+                <a:solidFill>
+                  <a:srgbClr val="0000FF"/>
+                </a:solidFill>
+                <a:latin typeface="Consolas" panose="020B0609020204030204" pitchFamily="49" charset="0"/>
+              </a:rPr>
+              <a:t>int</a:t>
+            </a:r>
+            <a:r>
+              <a:rPr lang="en-US" dirty="0">
+                <a:solidFill>
+                  <a:srgbClr val="000000"/>
+                </a:solidFill>
+                <a:latin typeface="Consolas" panose="020B0609020204030204" pitchFamily="49" charset="0"/>
+              </a:rPr>
+              <a:t> </a:t>
+            </a:r>
+            <a:r>
+              <a:rPr lang="en-US" dirty="0">
+                <a:solidFill>
+                  <a:srgbClr val="001080"/>
+                </a:solidFill>
+                <a:latin typeface="Consolas" panose="020B0609020204030204" pitchFamily="49" charset="0"/>
+              </a:rPr>
+              <a:t>last</a:t>
+            </a:r>
+            <a:r>
+              <a:rPr lang="en-US" dirty="0">
+                <a:solidFill>
+                  <a:srgbClr val="000000"/>
+                </a:solidFill>
+                <a:latin typeface="Consolas" panose="020B0609020204030204" pitchFamily="49" charset="0"/>
+              </a:rPr>
+              <a:t> = </a:t>
+            </a:r>
+            <a:r>
+              <a:rPr lang="en-US" dirty="0">
+                <a:solidFill>
+                  <a:srgbClr val="001080"/>
+                </a:solidFill>
+                <a:latin typeface="Consolas" panose="020B0609020204030204" pitchFamily="49" charset="0"/>
+              </a:rPr>
+              <a:t>array</a:t>
+            </a:r>
+            <a:r>
+              <a:rPr lang="en-US" dirty="0">
+                <a:solidFill>
+                  <a:srgbClr val="000000"/>
+                </a:solidFill>
+                <a:latin typeface="Consolas" panose="020B0609020204030204" pitchFamily="49" charset="0"/>
+              </a:rPr>
+              <a:t>[^</a:t>
+            </a:r>
+            <a:r>
+              <a:rPr lang="en-US" dirty="0">
+                <a:solidFill>
+                  <a:srgbClr val="09885A"/>
+                </a:solidFill>
+                <a:latin typeface="Consolas" panose="020B0609020204030204" pitchFamily="49" charset="0"/>
+              </a:rPr>
+              <a:t>1</a:t>
+            </a:r>
+            <a:r>
+              <a:rPr lang="en-US" dirty="0">
+                <a:solidFill>
+                  <a:srgbClr val="000000"/>
+                </a:solidFill>
+                <a:latin typeface="Consolas" panose="020B0609020204030204" pitchFamily="49" charset="0"/>
+              </a:rPr>
+              <a:t>];</a:t>
+            </a:r>
+            <a:r>
+              <a:rPr lang="en-US" dirty="0">
+                <a:solidFill>
+                  <a:srgbClr val="008000"/>
+                </a:solidFill>
+                <a:latin typeface="Consolas" panose="020B0609020204030204" pitchFamily="49" charset="0"/>
+              </a:rPr>
+              <a:t> // out: 9</a:t>
+            </a:r>
+            <a:endParaRPr lang="en-US" dirty="0">
+              <a:solidFill>
+                <a:srgbClr val="000000"/>
+              </a:solidFill>
+              <a:latin typeface="Consolas" panose="020B0609020204030204" pitchFamily="49" charset="0"/>
+            </a:endParaRPr>
+          </a:p>
+          <a:p>
+            <a:pPr marL="0" indent="0">
+              <a:buNone/>
+            </a:pPr>
+            <a:endParaRPr lang="en-US" dirty="0">
+              <a:solidFill>
+                <a:srgbClr val="000000"/>
+              </a:solidFill>
+              <a:latin typeface="Consolas" panose="020B0609020204030204" pitchFamily="49" charset="0"/>
+            </a:endParaRPr>
+          </a:p>
+          <a:p>
+            <a:pPr marL="0" indent="0">
+              <a:buNone/>
+            </a:pPr>
+            <a:r>
+              <a:rPr lang="en-US" dirty="0">
+                <a:solidFill>
+                  <a:srgbClr val="008000"/>
+                </a:solidFill>
+                <a:latin typeface="Consolas" panose="020B0609020204030204" pitchFamily="49" charset="0"/>
+              </a:rPr>
+              <a:t>// without indexes</a:t>
+            </a:r>
+            <a:endParaRPr lang="en-US" dirty="0">
+              <a:solidFill>
+                <a:srgbClr val="000000"/>
+              </a:solidFill>
+              <a:latin typeface="Consolas" panose="020B0609020204030204" pitchFamily="49" charset="0"/>
+            </a:endParaRPr>
+          </a:p>
+          <a:p>
+            <a:pPr marL="0" indent="0">
+              <a:buNone/>
+            </a:pPr>
+            <a:r>
+              <a:rPr lang="en-US" dirty="0">
+                <a:solidFill>
+                  <a:srgbClr val="0000FF"/>
+                </a:solidFill>
+                <a:latin typeface="Consolas" panose="020B0609020204030204" pitchFamily="49" charset="0"/>
+              </a:rPr>
+              <a:t>int</a:t>
+            </a:r>
+            <a:r>
+              <a:rPr lang="en-US" dirty="0">
+                <a:solidFill>
+                  <a:srgbClr val="000000"/>
+                </a:solidFill>
+                <a:latin typeface="Consolas" panose="020B0609020204030204" pitchFamily="49" charset="0"/>
+              </a:rPr>
+              <a:t> </a:t>
+            </a:r>
+            <a:r>
+              <a:rPr lang="en-US" dirty="0">
+                <a:solidFill>
+                  <a:srgbClr val="001080"/>
+                </a:solidFill>
+                <a:latin typeface="Consolas" panose="020B0609020204030204" pitchFamily="49" charset="0"/>
+              </a:rPr>
+              <a:t>last</a:t>
+            </a:r>
+            <a:r>
+              <a:rPr lang="en-US" dirty="0">
+                <a:solidFill>
+                  <a:srgbClr val="000000"/>
+                </a:solidFill>
+                <a:latin typeface="Consolas" panose="020B0609020204030204" pitchFamily="49" charset="0"/>
+              </a:rPr>
+              <a:t> = </a:t>
+            </a:r>
+            <a:r>
+              <a:rPr lang="en-US" dirty="0">
+                <a:solidFill>
+                  <a:srgbClr val="001080"/>
+                </a:solidFill>
+                <a:latin typeface="Consolas" panose="020B0609020204030204" pitchFamily="49" charset="0"/>
+              </a:rPr>
+              <a:t>array</a:t>
+            </a:r>
+            <a:r>
+              <a:rPr lang="en-US" dirty="0">
+                <a:solidFill>
+                  <a:srgbClr val="000000"/>
+                </a:solidFill>
+                <a:latin typeface="Consolas" panose="020B0609020204030204" pitchFamily="49" charset="0"/>
+              </a:rPr>
+              <a:t>[</a:t>
+            </a:r>
+            <a:r>
+              <a:rPr lang="en-US" dirty="0" err="1">
+                <a:solidFill>
+                  <a:srgbClr val="001080"/>
+                </a:solidFill>
+                <a:latin typeface="Consolas" panose="020B0609020204030204" pitchFamily="49" charset="0"/>
+              </a:rPr>
+              <a:t>array</a:t>
+            </a:r>
+            <a:r>
+              <a:rPr lang="en-US" dirty="0" err="1">
+                <a:solidFill>
+                  <a:srgbClr val="000000"/>
+                </a:solidFill>
+                <a:latin typeface="Consolas" panose="020B0609020204030204" pitchFamily="49" charset="0"/>
+              </a:rPr>
+              <a:t>.</a:t>
+            </a:r>
+            <a:r>
+              <a:rPr lang="en-US" dirty="0" err="1">
+                <a:solidFill>
+                  <a:srgbClr val="001080"/>
+                </a:solidFill>
+                <a:latin typeface="Consolas" panose="020B0609020204030204" pitchFamily="49" charset="0"/>
+              </a:rPr>
+              <a:t>Length</a:t>
+            </a:r>
+            <a:r>
+              <a:rPr lang="en-US" dirty="0">
+                <a:solidFill>
+                  <a:srgbClr val="000000"/>
+                </a:solidFill>
+                <a:latin typeface="Consolas" panose="020B0609020204030204" pitchFamily="49" charset="0"/>
+              </a:rPr>
+              <a:t> - </a:t>
+            </a:r>
+            <a:r>
+              <a:rPr lang="en-US" dirty="0">
+                <a:solidFill>
+                  <a:srgbClr val="09885A"/>
+                </a:solidFill>
+                <a:latin typeface="Consolas" panose="020B0609020204030204" pitchFamily="49" charset="0"/>
+              </a:rPr>
+              <a:t>1</a:t>
+            </a:r>
+            <a:r>
+              <a:rPr lang="en-US" dirty="0">
+                <a:solidFill>
+                  <a:srgbClr val="000000"/>
+                </a:solidFill>
+                <a:latin typeface="Consolas" panose="020B0609020204030204" pitchFamily="49" charset="0"/>
+              </a:rPr>
+              <a:t>];</a:t>
+            </a:r>
+            <a:r>
+              <a:rPr lang="en-US" dirty="0">
+                <a:solidFill>
+                  <a:srgbClr val="008000"/>
+                </a:solidFill>
+                <a:latin typeface="Consolas" panose="020B0609020204030204" pitchFamily="49" charset="0"/>
+              </a:rPr>
+              <a:t> // out: 9</a:t>
+            </a:r>
+            <a:endParaRPr lang="en-US" dirty="0">
+              <a:solidFill>
+                <a:srgbClr val="000000"/>
+              </a:solidFill>
+              <a:latin typeface="Consolas" panose="020B0609020204030204" pitchFamily="49" charset="0"/>
+            </a:endParaRPr>
+          </a:p>
+          <a:p>
+            <a:pPr marL="0" indent="0">
+              <a:buNone/>
+            </a:pPr>
+            <a:endParaRPr lang="en-US" dirty="0"/>
+          </a:p>
+        </p:txBody>
+      </p:sp>
+    </p:spTree>
+    <p:extLst>
+      <p:ext uri="{BB962C8B-B14F-4D97-AF65-F5344CB8AC3E}">
+        <p14:creationId xmlns:p14="http://schemas.microsoft.com/office/powerpoint/2010/main" val="3659322896"/>
+      </p:ext>
+    </p:extLst>
+  </p:cSld>
+  <p:clrMapOvr>
+    <a:masterClrMapping/>
+  </p:clrMapOvr>
+  <p:timing>
+    <p:tnLst>
+      <p:par>
+        <p:cTn id="1" dur="indefinite" restart="never" nodeType="tmRoot">
+          <p:childTnLst>
+            <p:seq concurrent="1" nextAc="seek">
+              <p:cTn id="2" dur="indefinite" nodeType="mainSeq">
+                <p:childTnLst>
+                  <p:par>
+                    <p:cTn id="3" fill="hold">
+                      <p:stCondLst>
+                        <p:cond delay="indefinite"/>
+                      </p:stCondLst>
+                      <p:childTnLst>
+                        <p:par>
+                          <p:cTn id="4" fill="hold">
+                            <p:stCondLst>
+                              <p:cond delay="0"/>
+                            </p:stCondLst>
+                            <p:childTnLst>
+                              <p:par>
+                                <p:cTn id="5" presetID="1" presetClass="entr" presetSubtype="0" fill="hold" grpId="0" nodeType="clickEffect">
+                                  <p:stCondLst>
+                                    <p:cond delay="0"/>
+                                  </p:stCondLst>
+                                  <p:childTnLst>
+                                    <p:set>
+                                      <p:cBhvr>
+                                        <p:cTn id="6" dur="1" fill="hold">
+                                          <p:stCondLst>
+                                            <p:cond delay="0"/>
+                                          </p:stCondLst>
+                                        </p:cTn>
+                                        <p:tgtEl>
+                                          <p:spTgt spid="3">
+                                            <p:txEl>
+                                              <p:pRg st="0" end="0"/>
+                                            </p:txEl>
+                                          </p:spTgt>
+                                        </p:tgtEl>
+                                        <p:attrNameLst>
+                                          <p:attrName>style.visibility</p:attrName>
+                                        </p:attrNameLst>
+                                      </p:cBhvr>
+                                      <p:to>
+                                        <p:strVal val="visible"/>
+                                      </p:to>
+                                    </p:set>
+                                  </p:childTnLst>
+                                </p:cTn>
+                              </p:par>
+                            </p:childTnLst>
+                          </p:cTn>
+                        </p:par>
+                      </p:childTnLst>
+                    </p:cTn>
+                  </p:par>
+                  <p:par>
+                    <p:cTn id="7" fill="hold">
+                      <p:stCondLst>
+                        <p:cond delay="indefinite"/>
+                      </p:stCondLst>
+                      <p:childTnLst>
+                        <p:par>
+                          <p:cTn id="8" fill="hold">
+                            <p:stCondLst>
+                              <p:cond delay="0"/>
+                            </p:stCondLst>
+                            <p:childTnLst>
+                              <p:par>
+                                <p:cTn id="9" presetID="1" presetClass="entr" presetSubtype="0" fill="hold" grpId="0" nodeType="clickEffect">
+                                  <p:stCondLst>
+                                    <p:cond delay="0"/>
+                                  </p:stCondLst>
+                                  <p:childTnLst>
+                                    <p:set>
+                                      <p:cBhvr>
+                                        <p:cTn id="10" dur="1" fill="hold">
+                                          <p:stCondLst>
+                                            <p:cond delay="0"/>
+                                          </p:stCondLst>
+                                        </p:cTn>
+                                        <p:tgtEl>
+                                          <p:spTgt spid="3">
+                                            <p:txEl>
+                                              <p:pRg st="2" end="2"/>
+                                            </p:txEl>
+                                          </p:spTgt>
+                                        </p:tgtEl>
+                                        <p:attrNameLst>
+                                          <p:attrName>style.visibility</p:attrName>
+                                        </p:attrNameLst>
+                                      </p:cBhvr>
+                                      <p:to>
+                                        <p:strVal val="visible"/>
+                                      </p:to>
+                                    </p:set>
+                                  </p:childTnLst>
+                                </p:cTn>
+                              </p:par>
+                            </p:childTnLst>
+                          </p:cTn>
+                        </p:par>
+                      </p:childTnLst>
+                    </p:cTn>
+                  </p:par>
+                  <p:par>
+                    <p:cTn id="11" fill="hold">
+                      <p:stCondLst>
+                        <p:cond delay="indefinite"/>
+                      </p:stCondLst>
+                      <p:childTnLst>
+                        <p:par>
+                          <p:cTn id="12" fill="hold">
+                            <p:stCondLst>
+                              <p:cond delay="0"/>
+                            </p:stCondLst>
+                            <p:childTnLst>
+                              <p:par>
+                                <p:cTn id="13" presetID="1" presetClass="entr" presetSubtype="0" fill="hold" grpId="0" nodeType="clickEffect">
+                                  <p:stCondLst>
+                                    <p:cond delay="0"/>
+                                  </p:stCondLst>
+                                  <p:childTnLst>
+                                    <p:set>
+                                      <p:cBhvr>
+                                        <p:cTn id="14" dur="1" fill="hold">
+                                          <p:stCondLst>
+                                            <p:cond delay="0"/>
+                                          </p:stCondLst>
+                                        </p:cTn>
+                                        <p:tgtEl>
+                                          <p:spTgt spid="3">
+                                            <p:txEl>
+                                              <p:pRg st="3" end="3"/>
+                                            </p:txEl>
+                                          </p:spTgt>
+                                        </p:tgtEl>
+                                        <p:attrNameLst>
+                                          <p:attrName>style.visibility</p:attrName>
+                                        </p:attrNameLst>
+                                      </p:cBhvr>
+                                      <p:to>
+                                        <p:strVal val="visible"/>
+                                      </p:to>
+                                    </p:set>
+                                  </p:childTnLst>
+                                </p:cTn>
+                              </p:par>
+                            </p:childTnLst>
+                          </p:cTn>
+                        </p:par>
+                      </p:childTnLst>
+                    </p:cTn>
+                  </p:par>
+                  <p:par>
+                    <p:cTn id="15" fill="hold">
+                      <p:stCondLst>
+                        <p:cond delay="indefinite"/>
+                      </p:stCondLst>
+                      <p:childTnLst>
+                        <p:par>
+                          <p:cTn id="16" fill="hold">
+                            <p:stCondLst>
+                              <p:cond delay="0"/>
+                            </p:stCondLst>
+                            <p:childTnLst>
+                              <p:par>
+                                <p:cTn id="17" presetID="1" presetClass="entr" presetSubtype="0" fill="hold" grpId="0" nodeType="clickEffect">
+                                  <p:stCondLst>
+                                    <p:cond delay="0"/>
+                                  </p:stCondLst>
+                                  <p:childTnLst>
+                                    <p:set>
+                                      <p:cBhvr>
+                                        <p:cTn id="18" dur="1" fill="hold">
+                                          <p:stCondLst>
+                                            <p:cond delay="0"/>
+                                          </p:stCondLst>
+                                        </p:cTn>
+                                        <p:tgtEl>
+                                          <p:spTgt spid="3">
+                                            <p:txEl>
+                                              <p:pRg st="5" end="5"/>
+                                            </p:txEl>
+                                          </p:spTgt>
+                                        </p:tgtEl>
+                                        <p:attrNameLst>
+                                          <p:attrName>style.visibility</p:attrName>
+                                        </p:attrNameLst>
+                                      </p:cBhvr>
+                                      <p:to>
+                                        <p:strVal val="visible"/>
+                                      </p:to>
+                                    </p:set>
+                                  </p:childTnLst>
+                                </p:cTn>
+                              </p:par>
+                            </p:childTnLst>
+                          </p:cTn>
+                        </p:par>
+                      </p:childTnLst>
+                    </p:cTn>
+                  </p:par>
+                  <p:par>
+                    <p:cTn id="19" fill="hold">
+                      <p:stCondLst>
+                        <p:cond delay="indefinite"/>
+                      </p:stCondLst>
+                      <p:childTnLst>
+                        <p:par>
+                          <p:cTn id="20" fill="hold">
+                            <p:stCondLst>
+                              <p:cond delay="0"/>
+                            </p:stCondLst>
+                            <p:childTnLst>
+                              <p:par>
+                                <p:cTn id="21" presetID="1" presetClass="entr" presetSubtype="0" fill="hold" grpId="0" nodeType="clickEffect">
+                                  <p:stCondLst>
+                                    <p:cond delay="0"/>
+                                  </p:stCondLst>
+                                  <p:childTnLst>
+                                    <p:set>
+                                      <p:cBhvr>
+                                        <p:cTn id="22" dur="1" fill="hold">
+                                          <p:stCondLst>
+                                            <p:cond delay="0"/>
+                                          </p:stCondLst>
+                                        </p:cTn>
+                                        <p:tgtEl>
+                                          <p:spTgt spid="3">
+                                            <p:txEl>
+                                              <p:pRg st="6" end="6"/>
+                                            </p:txEl>
+                                          </p:spTgt>
+                                        </p:tgtEl>
+                                        <p:attrNameLst>
+                                          <p:attrName>style.visibility</p:attrName>
+                                        </p:attrNameLst>
+                                      </p:cBhvr>
+                                      <p:to>
+                                        <p:strVal val="visible"/>
+                                      </p:to>
+                                    </p:set>
+                                  </p:childTnLst>
+                                </p:cTn>
+                              </p:par>
+                            </p:childTnLst>
+                          </p:cTn>
+                        </p:par>
+                      </p:childTnLst>
+                    </p:cTn>
+                  </p:par>
+                </p:childTnLst>
+              </p:cTn>
+              <p:prevCondLst>
+                <p:cond evt="onPrev" delay="0">
+                  <p:tgtEl>
+                    <p:sldTgt/>
+                  </p:tgtEl>
+                </p:cond>
+              </p:prevCondLst>
+              <p:nextCondLst>
+                <p:cond evt="onNext" delay="0">
+                  <p:tgtEl>
+                    <p:sldTgt/>
+                  </p:tgtEl>
+                </p:cond>
+              </p:nextCondLst>
+            </p:seq>
+          </p:childTnLst>
+        </p:cTn>
+      </p:par>
+    </p:tnLst>
+    <p:bldLst>
+      <p:bldP spid="3" grpId="0" build="p"/>
+    </p:bldLst>
+  </p:timing>
+</p:sld>
+</file>
+
+<file path=ppt/slides/slide29.xml><?xml version="1.0" encoding="utf-8"?>
+<p:sld xmlns:a="http://schemas.openxmlformats.org/drawingml/2006/main" xmlns:r="http://schemas.openxmlformats.org/officeDocument/2006/relationships" xmlns:p="http://schemas.openxmlformats.org/presentationml/2006/main">
+  <p:cSld>
+    <p:spTree>
+      <p:nvGrpSpPr>
+        <p:cNvPr id="1" name=""/>
+        <p:cNvGrpSpPr/>
+        <p:nvPr/>
+      </p:nvGrpSpPr>
+      <p:grpSpPr>
+        <a:xfrm>
+          <a:off x="0" y="0"/>
+          <a:ext cx="0" cy="0"/>
+          <a:chOff x="0" y="0"/>
+          <a:chExt cx="0" cy="0"/>
+        </a:xfrm>
+      </p:grpSpPr>
+      <p:sp>
+        <p:nvSpPr>
+          <p:cNvPr id="2" name="Title 1">
+            <a:extLst>
+              <a:ext uri="{FF2B5EF4-FFF2-40B4-BE49-F238E27FC236}">
+                <a16:creationId xmlns:a16="http://schemas.microsoft.com/office/drawing/2014/main" id="{610952AC-4992-41DE-B060-5504E3EFEFEB}"/>
+              </a:ext>
+            </a:extLst>
+          </p:cNvPr>
+          <p:cNvSpPr>
+            <a:spLocks noGrp="1"/>
+          </p:cNvSpPr>
+          <p:nvPr>
+            <p:ph type="title"/>
+          </p:nvPr>
+        </p:nvSpPr>
+        <p:spPr/>
+        <p:txBody>
+          <a:bodyPr/>
+          <a:lstStyle/>
+          <a:p>
+            <a:r>
+              <a:rPr lang="en-US" dirty="0" err="1"/>
+              <a:t>System.Range</a:t>
+            </a:r>
+            <a:endParaRPr lang="en-US" dirty="0"/>
+          </a:p>
+        </p:txBody>
+      </p:sp>
+      <p:sp>
+        <p:nvSpPr>
+          <p:cNvPr id="3" name="Content Placeholder 2">
+            <a:extLst>
+              <a:ext uri="{FF2B5EF4-FFF2-40B4-BE49-F238E27FC236}">
+                <a16:creationId xmlns:a16="http://schemas.microsoft.com/office/drawing/2014/main" id="{1310DEF6-DDD3-4C0B-A41B-03FBDC1C3987}"/>
+              </a:ext>
+            </a:extLst>
+          </p:cNvPr>
+          <p:cNvSpPr>
+            <a:spLocks noGrp="1"/>
+          </p:cNvSpPr>
+          <p:nvPr>
+            <p:ph idx="1"/>
+          </p:nvPr>
+        </p:nvSpPr>
+        <p:spPr/>
+        <p:txBody>
+          <a:bodyPr>
+            <a:noAutofit/>
+          </a:bodyPr>
+          <a:lstStyle/>
+          <a:p>
+            <a:pPr marL="0" indent="0">
+              <a:buNone/>
+            </a:pPr>
+            <a:r>
+              <a:rPr lang="en-US" sz="2200" dirty="0">
+                <a:solidFill>
+                  <a:srgbClr val="0000FF"/>
+                </a:solidFill>
+                <a:latin typeface="Consolas" panose="020B0609020204030204" pitchFamily="49" charset="0"/>
+              </a:rPr>
+              <a:t>public</a:t>
+            </a:r>
+            <a:r>
+              <a:rPr lang="en-US" sz="2200" dirty="0">
+                <a:solidFill>
+                  <a:srgbClr val="000000"/>
+                </a:solidFill>
+                <a:latin typeface="Consolas" panose="020B0609020204030204" pitchFamily="49" charset="0"/>
+              </a:rPr>
+              <a:t> </a:t>
+            </a:r>
+            <a:r>
+              <a:rPr lang="en-US" sz="2200" dirty="0" err="1">
+                <a:solidFill>
+                  <a:srgbClr val="0000FF"/>
+                </a:solidFill>
+                <a:latin typeface="Consolas" panose="020B0609020204030204" pitchFamily="49" charset="0"/>
+              </a:rPr>
+              <a:t>readonly</a:t>
+            </a:r>
+            <a:r>
+              <a:rPr lang="en-US" sz="2200" dirty="0">
+                <a:solidFill>
+                  <a:srgbClr val="000000"/>
+                </a:solidFill>
+                <a:latin typeface="Consolas" panose="020B0609020204030204" pitchFamily="49" charset="0"/>
+              </a:rPr>
+              <a:t> </a:t>
+            </a:r>
+            <a:r>
+              <a:rPr lang="en-US" sz="2200" dirty="0">
+                <a:solidFill>
+                  <a:srgbClr val="0000FF"/>
+                </a:solidFill>
+                <a:latin typeface="Consolas" panose="020B0609020204030204" pitchFamily="49" charset="0"/>
+              </a:rPr>
+              <a:t>struct</a:t>
+            </a:r>
+            <a:r>
+              <a:rPr lang="en-US" sz="2200" dirty="0">
+                <a:solidFill>
+                  <a:srgbClr val="000000"/>
+                </a:solidFill>
+                <a:latin typeface="Consolas" panose="020B0609020204030204" pitchFamily="49" charset="0"/>
+              </a:rPr>
+              <a:t> </a:t>
+            </a:r>
+            <a:r>
+              <a:rPr lang="en-US" sz="2200" dirty="0">
+                <a:solidFill>
+                  <a:srgbClr val="267F99"/>
+                </a:solidFill>
+                <a:latin typeface="Consolas" panose="020B0609020204030204" pitchFamily="49" charset="0"/>
+              </a:rPr>
+              <a:t>Range </a:t>
+            </a:r>
+            <a:r>
+              <a:rPr lang="en-US" sz="2200" dirty="0">
+                <a:solidFill>
+                  <a:srgbClr val="000000"/>
+                </a:solidFill>
+                <a:latin typeface="Consolas" panose="020B0609020204030204" pitchFamily="49" charset="0"/>
+              </a:rPr>
+              <a:t>{</a:t>
+            </a:r>
+          </a:p>
+          <a:p>
+            <a:pPr marL="0" indent="0">
+              <a:buNone/>
+            </a:pPr>
+            <a:r>
+              <a:rPr lang="en-US" sz="2200" dirty="0">
+                <a:solidFill>
+                  <a:srgbClr val="0000FF"/>
+                </a:solidFill>
+                <a:latin typeface="Consolas" panose="020B0609020204030204" pitchFamily="49" charset="0"/>
+              </a:rPr>
+              <a:t>    public</a:t>
+            </a:r>
+            <a:r>
+              <a:rPr lang="en-US" sz="2200" dirty="0">
+                <a:solidFill>
+                  <a:srgbClr val="000000"/>
+                </a:solidFill>
+                <a:latin typeface="Consolas" panose="020B0609020204030204" pitchFamily="49" charset="0"/>
+              </a:rPr>
+              <a:t> </a:t>
+            </a:r>
+            <a:r>
+              <a:rPr lang="en-US" sz="2200" dirty="0">
+                <a:solidFill>
+                  <a:srgbClr val="267F99"/>
+                </a:solidFill>
+                <a:latin typeface="Consolas" panose="020B0609020204030204" pitchFamily="49" charset="0"/>
+              </a:rPr>
+              <a:t>Index</a:t>
+            </a:r>
+            <a:r>
+              <a:rPr lang="en-US" sz="2200" dirty="0">
+                <a:solidFill>
+                  <a:srgbClr val="000000"/>
+                </a:solidFill>
+                <a:latin typeface="Consolas" panose="020B0609020204030204" pitchFamily="49" charset="0"/>
+              </a:rPr>
+              <a:t> </a:t>
+            </a:r>
+            <a:r>
+              <a:rPr lang="en-US" sz="2200" dirty="0">
+                <a:solidFill>
+                  <a:srgbClr val="001080"/>
+                </a:solidFill>
+                <a:latin typeface="Consolas" panose="020B0609020204030204" pitchFamily="49" charset="0"/>
+              </a:rPr>
+              <a:t>Start</a:t>
+            </a:r>
+            <a:r>
+              <a:rPr lang="en-US" sz="2200" dirty="0">
+                <a:solidFill>
+                  <a:srgbClr val="000000"/>
+                </a:solidFill>
+                <a:latin typeface="Consolas" panose="020B0609020204030204" pitchFamily="49" charset="0"/>
+              </a:rPr>
+              <a:t> { </a:t>
+            </a:r>
+            <a:r>
+              <a:rPr lang="en-US" sz="2200" dirty="0">
+                <a:solidFill>
+                  <a:srgbClr val="0000FF"/>
+                </a:solidFill>
+                <a:latin typeface="Consolas" panose="020B0609020204030204" pitchFamily="49" charset="0"/>
+              </a:rPr>
+              <a:t>get</a:t>
+            </a:r>
+            <a:r>
+              <a:rPr lang="en-US" sz="2200" dirty="0">
+                <a:solidFill>
+                  <a:srgbClr val="000000"/>
+                </a:solidFill>
+                <a:latin typeface="Consolas" panose="020B0609020204030204" pitchFamily="49" charset="0"/>
+              </a:rPr>
+              <a:t>; }</a:t>
+            </a:r>
+          </a:p>
+          <a:p>
+            <a:pPr marL="0" indent="0">
+              <a:buNone/>
+            </a:pPr>
+            <a:r>
+              <a:rPr lang="en-US" sz="2200" dirty="0">
+                <a:solidFill>
+                  <a:srgbClr val="0000FF"/>
+                </a:solidFill>
+                <a:latin typeface="Consolas" panose="020B0609020204030204" pitchFamily="49" charset="0"/>
+              </a:rPr>
+              <a:t>    public</a:t>
+            </a:r>
+            <a:r>
+              <a:rPr lang="en-US" sz="2200" dirty="0">
+                <a:solidFill>
+                  <a:srgbClr val="000000"/>
+                </a:solidFill>
+                <a:latin typeface="Consolas" panose="020B0609020204030204" pitchFamily="49" charset="0"/>
+              </a:rPr>
+              <a:t> </a:t>
+            </a:r>
+            <a:r>
+              <a:rPr lang="en-US" sz="2200" dirty="0">
+                <a:solidFill>
+                  <a:srgbClr val="267F99"/>
+                </a:solidFill>
+                <a:latin typeface="Consolas" panose="020B0609020204030204" pitchFamily="49" charset="0"/>
+              </a:rPr>
+              <a:t>Index</a:t>
+            </a:r>
+            <a:r>
+              <a:rPr lang="en-US" sz="2200" dirty="0">
+                <a:solidFill>
+                  <a:srgbClr val="000000"/>
+                </a:solidFill>
+                <a:latin typeface="Consolas" panose="020B0609020204030204" pitchFamily="49" charset="0"/>
+              </a:rPr>
+              <a:t> </a:t>
+            </a:r>
+            <a:r>
+              <a:rPr lang="en-US" sz="2200" dirty="0">
+                <a:solidFill>
+                  <a:srgbClr val="001080"/>
+                </a:solidFill>
+                <a:latin typeface="Consolas" panose="020B0609020204030204" pitchFamily="49" charset="0"/>
+              </a:rPr>
+              <a:t>End</a:t>
+            </a:r>
+            <a:r>
+              <a:rPr lang="en-US" sz="2200" dirty="0">
+                <a:solidFill>
+                  <a:srgbClr val="000000"/>
+                </a:solidFill>
+                <a:latin typeface="Consolas" panose="020B0609020204030204" pitchFamily="49" charset="0"/>
+              </a:rPr>
+              <a:t> { </a:t>
+            </a:r>
+            <a:r>
+              <a:rPr lang="en-US" sz="2200" dirty="0">
+                <a:solidFill>
+                  <a:srgbClr val="0000FF"/>
+                </a:solidFill>
+                <a:latin typeface="Consolas" panose="020B0609020204030204" pitchFamily="49" charset="0"/>
+              </a:rPr>
+              <a:t>get</a:t>
+            </a:r>
+            <a:r>
+              <a:rPr lang="en-US" sz="2200" dirty="0">
+                <a:solidFill>
+                  <a:srgbClr val="000000"/>
+                </a:solidFill>
+                <a:latin typeface="Consolas" panose="020B0609020204030204" pitchFamily="49" charset="0"/>
+              </a:rPr>
+              <a:t>; }    </a:t>
+            </a:r>
+          </a:p>
+          <a:p>
+            <a:pPr marL="0" indent="0">
+              <a:buNone/>
+            </a:pPr>
+            <a:r>
+              <a:rPr lang="en-US" sz="2200" dirty="0">
+                <a:solidFill>
+                  <a:srgbClr val="0000FF"/>
+                </a:solidFill>
+                <a:latin typeface="Consolas" panose="020B0609020204030204" pitchFamily="49" charset="0"/>
+              </a:rPr>
+              <a:t>    private</a:t>
+            </a:r>
+            <a:r>
+              <a:rPr lang="en-US" sz="2200" dirty="0">
+                <a:solidFill>
+                  <a:srgbClr val="000000"/>
+                </a:solidFill>
+                <a:latin typeface="Consolas" panose="020B0609020204030204" pitchFamily="49" charset="0"/>
+              </a:rPr>
+              <a:t> </a:t>
+            </a:r>
+            <a:r>
+              <a:rPr lang="en-US" sz="2200" dirty="0">
+                <a:solidFill>
+                  <a:srgbClr val="795E26"/>
+                </a:solidFill>
+                <a:latin typeface="Consolas" panose="020B0609020204030204" pitchFamily="49" charset="0"/>
+              </a:rPr>
+              <a:t>Range</a:t>
+            </a:r>
+            <a:r>
+              <a:rPr lang="en-US" sz="2200" dirty="0">
+                <a:solidFill>
+                  <a:srgbClr val="000000"/>
+                </a:solidFill>
+                <a:latin typeface="Consolas" panose="020B0609020204030204" pitchFamily="49" charset="0"/>
+              </a:rPr>
+              <a:t>(</a:t>
+            </a:r>
+            <a:r>
+              <a:rPr lang="en-US" sz="2200" dirty="0">
+                <a:solidFill>
+                  <a:srgbClr val="267F99"/>
+                </a:solidFill>
+                <a:latin typeface="Consolas" panose="020B0609020204030204" pitchFamily="49" charset="0"/>
+              </a:rPr>
+              <a:t>Index</a:t>
+            </a:r>
+            <a:r>
+              <a:rPr lang="en-US" sz="2200" dirty="0">
+                <a:solidFill>
+                  <a:srgbClr val="000000"/>
+                </a:solidFill>
+                <a:latin typeface="Consolas" panose="020B0609020204030204" pitchFamily="49" charset="0"/>
+              </a:rPr>
+              <a:t> </a:t>
+            </a:r>
+            <a:r>
+              <a:rPr lang="en-US" sz="2200" dirty="0">
+                <a:solidFill>
+                  <a:srgbClr val="001080"/>
+                </a:solidFill>
+                <a:latin typeface="Consolas" panose="020B0609020204030204" pitchFamily="49" charset="0"/>
+              </a:rPr>
+              <a:t>start</a:t>
+            </a:r>
+            <a:r>
+              <a:rPr lang="en-US" sz="2200" dirty="0">
+                <a:solidFill>
+                  <a:srgbClr val="000000"/>
+                </a:solidFill>
+                <a:latin typeface="Consolas" panose="020B0609020204030204" pitchFamily="49" charset="0"/>
+              </a:rPr>
+              <a:t>, </a:t>
+            </a:r>
+            <a:r>
+              <a:rPr lang="en-US" sz="2200" dirty="0">
+                <a:solidFill>
+                  <a:srgbClr val="267F99"/>
+                </a:solidFill>
+                <a:latin typeface="Consolas" panose="020B0609020204030204" pitchFamily="49" charset="0"/>
+              </a:rPr>
+              <a:t>Index</a:t>
+            </a:r>
+            <a:r>
+              <a:rPr lang="en-US" sz="2200" dirty="0">
+                <a:solidFill>
+                  <a:srgbClr val="000000"/>
+                </a:solidFill>
+                <a:latin typeface="Consolas" panose="020B0609020204030204" pitchFamily="49" charset="0"/>
+              </a:rPr>
+              <a:t> </a:t>
+            </a:r>
+            <a:r>
+              <a:rPr lang="en-US" sz="2200" dirty="0">
+                <a:solidFill>
+                  <a:srgbClr val="001080"/>
+                </a:solidFill>
+                <a:latin typeface="Consolas" panose="020B0609020204030204" pitchFamily="49" charset="0"/>
+              </a:rPr>
+              <a:t>end</a:t>
+            </a:r>
+            <a:r>
+              <a:rPr lang="en-US" sz="2200" dirty="0">
+                <a:solidFill>
+                  <a:srgbClr val="000000"/>
+                </a:solidFill>
+                <a:latin typeface="Consolas" panose="020B0609020204030204" pitchFamily="49" charset="0"/>
+              </a:rPr>
+              <a:t>){</a:t>
+            </a:r>
+          </a:p>
+          <a:p>
+            <a:pPr marL="0" indent="0">
+              <a:buNone/>
+            </a:pPr>
+            <a:r>
+              <a:rPr lang="en-US" sz="2200" dirty="0">
+                <a:solidFill>
+                  <a:srgbClr val="0000FF"/>
+                </a:solidFill>
+                <a:latin typeface="Consolas" panose="020B0609020204030204" pitchFamily="49" charset="0"/>
+              </a:rPr>
+              <a:t>        </a:t>
+            </a:r>
+            <a:r>
+              <a:rPr lang="en-US" sz="2200" dirty="0" err="1">
+                <a:solidFill>
+                  <a:srgbClr val="0000FF"/>
+                </a:solidFill>
+                <a:latin typeface="Consolas" panose="020B0609020204030204" pitchFamily="49" charset="0"/>
+              </a:rPr>
+              <a:t>this</a:t>
+            </a:r>
+            <a:r>
+              <a:rPr lang="en-US" sz="2200" dirty="0" err="1">
+                <a:solidFill>
+                  <a:srgbClr val="000000"/>
+                </a:solidFill>
+                <a:latin typeface="Consolas" panose="020B0609020204030204" pitchFamily="49" charset="0"/>
+              </a:rPr>
+              <a:t>.</a:t>
+            </a:r>
+            <a:r>
+              <a:rPr lang="en-US" sz="2200" dirty="0" err="1">
+                <a:solidFill>
+                  <a:srgbClr val="001080"/>
+                </a:solidFill>
+                <a:latin typeface="Consolas" panose="020B0609020204030204" pitchFamily="49" charset="0"/>
+              </a:rPr>
+              <a:t>Start</a:t>
+            </a:r>
+            <a:r>
+              <a:rPr lang="en-US" sz="2200" dirty="0">
+                <a:solidFill>
+                  <a:srgbClr val="000000"/>
+                </a:solidFill>
+                <a:latin typeface="Consolas" panose="020B0609020204030204" pitchFamily="49" charset="0"/>
+              </a:rPr>
+              <a:t> = </a:t>
+            </a:r>
+            <a:r>
+              <a:rPr lang="en-US" sz="2200" dirty="0">
+                <a:solidFill>
+                  <a:srgbClr val="001080"/>
+                </a:solidFill>
+                <a:latin typeface="Consolas" panose="020B0609020204030204" pitchFamily="49" charset="0"/>
+              </a:rPr>
+              <a:t>start</a:t>
+            </a:r>
+            <a:r>
+              <a:rPr lang="en-US" sz="2200" dirty="0">
+                <a:solidFill>
+                  <a:srgbClr val="000000"/>
+                </a:solidFill>
+                <a:latin typeface="Consolas" panose="020B0609020204030204" pitchFamily="49" charset="0"/>
+              </a:rPr>
+              <a:t>;</a:t>
+            </a:r>
+          </a:p>
+          <a:p>
+            <a:pPr marL="0" indent="0">
+              <a:buNone/>
+            </a:pPr>
+            <a:r>
+              <a:rPr lang="en-US" sz="2200" dirty="0">
+                <a:solidFill>
+                  <a:srgbClr val="0000FF"/>
+                </a:solidFill>
+                <a:latin typeface="Consolas" panose="020B0609020204030204" pitchFamily="49" charset="0"/>
+              </a:rPr>
+              <a:t>        </a:t>
+            </a:r>
+            <a:r>
+              <a:rPr lang="en-US" sz="2200" dirty="0" err="1">
+                <a:solidFill>
+                  <a:srgbClr val="0000FF"/>
+                </a:solidFill>
+                <a:latin typeface="Consolas" panose="020B0609020204030204" pitchFamily="49" charset="0"/>
+              </a:rPr>
+              <a:t>this</a:t>
+            </a:r>
+            <a:r>
+              <a:rPr lang="en-US" sz="2200" dirty="0" err="1">
+                <a:solidFill>
+                  <a:srgbClr val="000000"/>
+                </a:solidFill>
+                <a:latin typeface="Consolas" panose="020B0609020204030204" pitchFamily="49" charset="0"/>
+              </a:rPr>
+              <a:t>.</a:t>
+            </a:r>
+            <a:r>
+              <a:rPr lang="en-US" sz="2200" dirty="0" err="1">
+                <a:solidFill>
+                  <a:srgbClr val="001080"/>
+                </a:solidFill>
+                <a:latin typeface="Consolas" panose="020B0609020204030204" pitchFamily="49" charset="0"/>
+              </a:rPr>
+              <a:t>End</a:t>
+            </a:r>
+            <a:r>
+              <a:rPr lang="en-US" sz="2200" dirty="0">
+                <a:solidFill>
+                  <a:srgbClr val="000000"/>
+                </a:solidFill>
+                <a:latin typeface="Consolas" panose="020B0609020204030204" pitchFamily="49" charset="0"/>
+              </a:rPr>
+              <a:t> = </a:t>
+            </a:r>
+            <a:r>
+              <a:rPr lang="en-US" sz="2200" dirty="0">
+                <a:solidFill>
+                  <a:srgbClr val="001080"/>
+                </a:solidFill>
+                <a:latin typeface="Consolas" panose="020B0609020204030204" pitchFamily="49" charset="0"/>
+              </a:rPr>
+              <a:t>end</a:t>
+            </a:r>
+            <a:r>
+              <a:rPr lang="en-US" sz="2200" dirty="0">
+                <a:solidFill>
+                  <a:srgbClr val="000000"/>
+                </a:solidFill>
+                <a:latin typeface="Consolas" panose="020B0609020204030204" pitchFamily="49" charset="0"/>
+              </a:rPr>
+              <a:t>;</a:t>
+            </a:r>
+          </a:p>
+          <a:p>
+            <a:pPr marL="0" indent="0">
+              <a:buNone/>
+            </a:pPr>
+            <a:r>
+              <a:rPr lang="en-US" sz="2200" dirty="0">
+                <a:solidFill>
+                  <a:srgbClr val="000000"/>
+                </a:solidFill>
+                <a:latin typeface="Consolas" panose="020B0609020204030204" pitchFamily="49" charset="0"/>
+              </a:rPr>
+              <a:t>    }</a:t>
+            </a:r>
+          </a:p>
+          <a:p>
+            <a:pPr marL="0" indent="0">
+              <a:buNone/>
+            </a:pPr>
+            <a:r>
+              <a:rPr lang="en-US" sz="2200" dirty="0">
+                <a:solidFill>
+                  <a:srgbClr val="000000"/>
+                </a:solidFill>
+                <a:latin typeface="Consolas" panose="020B0609020204030204" pitchFamily="49" charset="0"/>
+              </a:rPr>
+              <a:t>…</a:t>
+            </a:r>
+          </a:p>
+          <a:p>
+            <a:pPr marL="0" indent="0">
+              <a:buNone/>
+            </a:pPr>
+            <a:endParaRPr lang="en-US" sz="2200" dirty="0"/>
+          </a:p>
+          <a:p>
+            <a:pPr marL="0" indent="0">
+              <a:buNone/>
+            </a:pPr>
+            <a:endParaRPr lang="en-US" sz="2200" dirty="0"/>
+          </a:p>
+        </p:txBody>
+      </p:sp>
+    </p:spTree>
+    <p:extLst>
+      <p:ext uri="{BB962C8B-B14F-4D97-AF65-F5344CB8AC3E}">
+        <p14:creationId xmlns:p14="http://schemas.microsoft.com/office/powerpoint/2010/main" val="3873365394"/>
+      </p:ext>
+    </p:extLst>
+  </p:cSld>
+  <p:clrMapOvr>
+    <a:masterClrMapping/>
+  </p:clrMapOvr>
+  <p:timing>
+    <p:tnLst>
+      <p:par>
+        <p:cTn id="1" dur="indefinite" restart="never" nodeType="tmRoot">
+          <p:childTnLst>
+            <p:seq concurrent="1" nextAc="seek">
+              <p:cTn id="2" dur="indefinite" nodeType="mainSeq">
+                <p:childTnLst>
+                  <p:par>
+                    <p:cTn id="3" fill="hold">
+                      <p:stCondLst>
+                        <p:cond delay="indefinite"/>
+                        <p:cond evt="onBegin" delay="0">
+                          <p:tn val="2"/>
+                        </p:cond>
+                      </p:stCondLst>
+                      <p:childTnLst>
+                        <p:par>
+                          <p:cTn id="4" fill="hold">
+                            <p:stCondLst>
+                              <p:cond delay="0"/>
+                            </p:stCondLst>
+                            <p:childTnLst>
+                              <p:par>
+                                <p:cTn id="5" presetID="1" presetClass="entr" presetSubtype="0" fill="hold" grpId="0" nodeType="withEffect">
+                                  <p:stCondLst>
+                                    <p:cond delay="0"/>
+                                  </p:stCondLst>
+                                  <p:childTnLst>
+                                    <p:set>
+                                      <p:cBhvr>
+                                        <p:cTn id="6" dur="1" fill="hold">
+                                          <p:stCondLst>
+                                            <p:cond delay="0"/>
+                                          </p:stCondLst>
+                                        </p:cTn>
+                                        <p:tgtEl>
+                                          <p:spTgt spid="3">
+                                            <p:txEl>
+                                              <p:pRg st="0" end="0"/>
+                                            </p:txEl>
+                                          </p:spTgt>
+                                        </p:tgtEl>
+                                        <p:attrNameLst>
+                                          <p:attrName>style.visibility</p:attrName>
+                                        </p:attrNameLst>
+                                      </p:cBhvr>
+                                      <p:to>
+                                        <p:strVal val="visible"/>
+                                      </p:to>
+                                    </p:set>
+                                  </p:childTnLst>
+                                </p:cTn>
+                              </p:par>
+                              <p:par>
+                                <p:cTn id="7" presetID="1" presetClass="entr" presetSubtype="0" fill="hold" grpId="0" nodeType="withEffect">
+                                  <p:stCondLst>
+                                    <p:cond delay="0"/>
+                                  </p:stCondLst>
+                                  <p:childTnLst>
+                                    <p:set>
+                                      <p:cBhvr>
+                                        <p:cTn id="8" dur="1" fill="hold">
+                                          <p:stCondLst>
+                                            <p:cond delay="0"/>
+                                          </p:stCondLst>
+                                        </p:cTn>
+                                        <p:tgtEl>
+                                          <p:spTgt spid="3">
+                                            <p:txEl>
+                                              <p:pRg st="7" end="7"/>
+                                            </p:txEl>
+                                          </p:spTgt>
+                                        </p:tgtEl>
+                                        <p:attrNameLst>
+                                          <p:attrName>style.visibility</p:attrName>
+                                        </p:attrNameLst>
+                                      </p:cBhvr>
+                                      <p:to>
+                                        <p:strVal val="visible"/>
+                                      </p:to>
+                                    </p:set>
+                                  </p:childTnLst>
+                                </p:cTn>
+                              </p:par>
+                            </p:childTnLst>
+                          </p:cTn>
+                        </p:par>
+                      </p:childTnLst>
+                    </p:cTn>
+                  </p:par>
+                  <p:par>
+                    <p:cTn id="9" fill="hold">
+                      <p:stCondLst>
+                        <p:cond delay="indefinite"/>
+                      </p:stCondLst>
+                      <p:childTnLst>
+                        <p:par>
+                          <p:cTn id="10" fill="hold">
+                            <p:stCondLst>
+                              <p:cond delay="0"/>
+                            </p:stCondLst>
+                            <p:childTnLst>
+                              <p:par>
+                                <p:cTn id="11" presetID="1" presetClass="entr" presetSubtype="0" fill="hold" grpId="0" nodeType="clickEffect">
+                                  <p:stCondLst>
+                                    <p:cond delay="0"/>
+                                  </p:stCondLst>
+                                  <p:childTnLst>
+                                    <p:set>
+                                      <p:cBhvr>
+                                        <p:cTn id="12" dur="1" fill="hold">
+                                          <p:stCondLst>
+                                            <p:cond delay="0"/>
+                                          </p:stCondLst>
+                                        </p:cTn>
+                                        <p:tgtEl>
+                                          <p:spTgt spid="3">
+                                            <p:txEl>
+                                              <p:pRg st="1" end="1"/>
+                                            </p:txEl>
+                                          </p:spTgt>
+                                        </p:tgtEl>
+                                        <p:attrNameLst>
+                                          <p:attrName>style.visibility</p:attrName>
+                                        </p:attrNameLst>
+                                      </p:cBhvr>
+                                      <p:to>
+                                        <p:strVal val="visible"/>
+                                      </p:to>
+                                    </p:set>
+                                  </p:childTnLst>
+                                </p:cTn>
+                              </p:par>
+                            </p:childTnLst>
+                          </p:cTn>
+                        </p:par>
+                      </p:childTnLst>
+                    </p:cTn>
+                  </p:par>
+                  <p:par>
+                    <p:cTn id="13" fill="hold">
+                      <p:stCondLst>
+                        <p:cond delay="indefinite"/>
+                      </p:stCondLst>
+                      <p:childTnLst>
+                        <p:par>
+                          <p:cTn id="14" fill="hold">
+                            <p:stCondLst>
+                              <p:cond delay="0"/>
+                            </p:stCondLst>
+                            <p:childTnLst>
+                              <p:par>
+                                <p:cTn id="15" presetID="1" presetClass="entr" presetSubtype="0" fill="hold" grpId="0" nodeType="clickEffect">
+                                  <p:stCondLst>
+                                    <p:cond delay="0"/>
+                                  </p:stCondLst>
+                                  <p:childTnLst>
+                                    <p:set>
+                                      <p:cBhvr>
+                                        <p:cTn id="16" dur="1" fill="hold">
+                                          <p:stCondLst>
+                                            <p:cond delay="0"/>
+                                          </p:stCondLst>
+                                        </p:cTn>
+                                        <p:tgtEl>
+                                          <p:spTgt spid="3">
+                                            <p:txEl>
+                                              <p:pRg st="2" end="2"/>
+                                            </p:txEl>
+                                          </p:spTgt>
+                                        </p:tgtEl>
+                                        <p:attrNameLst>
+                                          <p:attrName>style.visibility</p:attrName>
+                                        </p:attrNameLst>
+                                      </p:cBhvr>
+                                      <p:to>
+                                        <p:strVal val="visible"/>
+                                      </p:to>
+                                    </p:set>
+                                  </p:childTnLst>
+                                </p:cTn>
+                              </p:par>
+                            </p:childTnLst>
+                          </p:cTn>
+                        </p:par>
+                      </p:childTnLst>
+                    </p:cTn>
+                  </p:par>
+                  <p:par>
+                    <p:cTn id="17" fill="hold">
+                      <p:stCondLst>
+                        <p:cond delay="indefinite"/>
+                      </p:stCondLst>
+                      <p:childTnLst>
+                        <p:par>
+                          <p:cTn id="18" fill="hold">
+                            <p:stCondLst>
+                              <p:cond delay="0"/>
+                            </p:stCondLst>
+                            <p:childTnLst>
+                              <p:par>
+                                <p:cTn id="19" presetID="1" presetClass="entr" presetSubtype="0" fill="hold" grpId="0" nodeType="clickEffect">
+                                  <p:stCondLst>
+                                    <p:cond delay="0"/>
+                                  </p:stCondLst>
+                                  <p:childTnLst>
+                                    <p:set>
+                                      <p:cBhvr>
+                                        <p:cTn id="20" dur="1" fill="hold">
+                                          <p:stCondLst>
+                                            <p:cond delay="0"/>
+                                          </p:stCondLst>
+                                        </p:cTn>
+                                        <p:tgtEl>
+                                          <p:spTgt spid="3">
+                                            <p:txEl>
+                                              <p:pRg st="3" end="3"/>
+                                            </p:txEl>
+                                          </p:spTgt>
+                                        </p:tgtEl>
+                                        <p:attrNameLst>
+                                          <p:attrName>style.visibility</p:attrName>
+                                        </p:attrNameLst>
+                                      </p:cBhvr>
+                                      <p:to>
+                                        <p:strVal val="visible"/>
+                                      </p:to>
+                                    </p:set>
+                                  </p:childTnLst>
+                                </p:cTn>
+                              </p:par>
+                              <p:par>
+                                <p:cTn id="21" presetID="1" presetClass="entr" presetSubtype="0" fill="hold" grpId="0" nodeType="withEffect">
+                                  <p:stCondLst>
+                                    <p:cond delay="0"/>
+                                  </p:stCondLst>
+                                  <p:childTnLst>
+                                    <p:set>
+                                      <p:cBhvr>
+                                        <p:cTn id="22" dur="1" fill="hold">
+                                          <p:stCondLst>
+                                            <p:cond delay="0"/>
+                                          </p:stCondLst>
+                                        </p:cTn>
+                                        <p:tgtEl>
+                                          <p:spTgt spid="3">
+                                            <p:txEl>
+                                              <p:pRg st="4" end="4"/>
+                                            </p:txEl>
+                                          </p:spTgt>
+                                        </p:tgtEl>
+                                        <p:attrNameLst>
+                                          <p:attrName>style.visibility</p:attrName>
+                                        </p:attrNameLst>
+                                      </p:cBhvr>
+                                      <p:to>
+                                        <p:strVal val="visible"/>
+                                      </p:to>
+                                    </p:set>
+                                  </p:childTnLst>
+                                </p:cTn>
+                              </p:par>
+                              <p:par>
+                                <p:cTn id="23" presetID="1" presetClass="entr" presetSubtype="0" fill="hold" grpId="0" nodeType="withEffect">
+                                  <p:stCondLst>
+                                    <p:cond delay="0"/>
+                                  </p:stCondLst>
+                                  <p:childTnLst>
+                                    <p:set>
+                                      <p:cBhvr>
+                                        <p:cTn id="24" dur="1" fill="hold">
+                                          <p:stCondLst>
+                                            <p:cond delay="0"/>
+                                          </p:stCondLst>
+                                        </p:cTn>
+                                        <p:tgtEl>
+                                          <p:spTgt spid="3">
+                                            <p:txEl>
+                                              <p:pRg st="5" end="5"/>
+                                            </p:txEl>
+                                          </p:spTgt>
+                                        </p:tgtEl>
+                                        <p:attrNameLst>
+                                          <p:attrName>style.visibility</p:attrName>
+                                        </p:attrNameLst>
+                                      </p:cBhvr>
+                                      <p:to>
+                                        <p:strVal val="visible"/>
+                                      </p:to>
+                                    </p:set>
+                                  </p:childTnLst>
+                                </p:cTn>
+                              </p:par>
+                              <p:par>
+                                <p:cTn id="25" presetID="1" presetClass="entr" presetSubtype="0" fill="hold" grpId="0" nodeType="withEffect">
+                                  <p:stCondLst>
+                                    <p:cond delay="0"/>
+                                  </p:stCondLst>
+                                  <p:childTnLst>
+                                    <p:set>
+                                      <p:cBhvr>
+                                        <p:cTn id="26" dur="1" fill="hold">
+                                          <p:stCondLst>
+                                            <p:cond delay="0"/>
+                                          </p:stCondLst>
+                                        </p:cTn>
+                                        <p:tgtEl>
+                                          <p:spTgt spid="3">
+                                            <p:txEl>
+                                              <p:pRg st="6" end="6"/>
+                                            </p:txEl>
+                                          </p:spTgt>
+                                        </p:tgtEl>
+                                        <p:attrNameLst>
+                                          <p:attrName>style.visibility</p:attrName>
+                                        </p:attrNameLst>
+                                      </p:cBhvr>
+                                      <p:to>
+                                        <p:strVal val="visible"/>
+                                      </p:to>
+                                    </p:set>
+                                  </p:childTnLst>
+                                </p:cTn>
+                              </p:par>
+                            </p:childTnLst>
+                          </p:cTn>
+                        </p:par>
+                      </p:childTnLst>
+                    </p:cTn>
+                  </p:par>
+                </p:childTnLst>
+              </p:cTn>
+              <p:prevCondLst>
+                <p:cond evt="onPrev" delay="0">
+                  <p:tgtEl>
+                    <p:sldTgt/>
+                  </p:tgtEl>
+                </p:cond>
+              </p:prevCondLst>
+              <p:nextCondLst>
+                <p:cond evt="onNext" delay="0">
+                  <p:tgtEl>
+                    <p:sldTgt/>
+                  </p:tgtEl>
+                </p:cond>
+              </p:nextCondLst>
+            </p:seq>
+          </p:childTnLst>
+        </p:cTn>
+      </p:par>
+    </p:tnLst>
+    <p:bldLst>
+      <p:bldP spid="3" grpId="0" uiExpand="1" build="p"/>
+    </p:bldLst>
+  </p:timing>
+</p:sld>
+</file>
+
+<file path=ppt/slides/slide3.xml><?xml version="1.0" encoding="utf-8"?>
+<p:sld xmlns:a="http://schemas.openxmlformats.org/drawingml/2006/main" xmlns:r="http://schemas.openxmlformats.org/officeDocument/2006/relationships" xmlns:p="http://schemas.openxmlformats.org/presentationml/2006/main">
+  <p:cSld>
+    <p:spTree>
+      <p:nvGrpSpPr>
+        <p:cNvPr id="1" name=""/>
+        <p:cNvGrpSpPr/>
+        <p:nvPr/>
+      </p:nvGrpSpPr>
+      <p:grpSpPr>
+        <a:xfrm>
+          <a:off x="0" y="0"/>
+          <a:ext cx="0" cy="0"/>
+          <a:chOff x="0" y="0"/>
+          <a:chExt cx="0" cy="0"/>
+        </a:xfrm>
+      </p:grpSpPr>
+      <p:sp>
+        <p:nvSpPr>
+          <p:cNvPr id="2" name="Title 1">
+            <a:extLst>
+              <a:ext uri="{FF2B5EF4-FFF2-40B4-BE49-F238E27FC236}">
+                <a16:creationId xmlns:a16="http://schemas.microsoft.com/office/drawing/2014/main" id="{57FB1402-7BF9-4789-A5B8-85A8DB8F3651}"/>
+              </a:ext>
+            </a:extLst>
+          </p:cNvPr>
+          <p:cNvSpPr>
+            <a:spLocks noGrp="1"/>
+          </p:cNvSpPr>
+          <p:nvPr>
+            <p:ph type="title"/>
+          </p:nvPr>
+        </p:nvSpPr>
+        <p:spPr/>
+        <p:txBody>
+          <a:bodyPr/>
+          <a:lstStyle/>
+          <a:p>
+            <a:r>
+              <a:rPr lang="en-US" dirty="0"/>
+              <a:t>C#8 </a:t>
+            </a:r>
+            <a:r>
+              <a:rPr lang="ru-RU" dirty="0"/>
+              <a:t>уже скоро</a:t>
+            </a:r>
+            <a:endParaRPr lang="en-US" dirty="0"/>
+          </a:p>
+        </p:txBody>
+      </p:sp>
+      <p:sp>
+        <p:nvSpPr>
+          <p:cNvPr id="3" name="Content Placeholder 2">
+            <a:extLst>
+              <a:ext uri="{FF2B5EF4-FFF2-40B4-BE49-F238E27FC236}">
+                <a16:creationId xmlns:a16="http://schemas.microsoft.com/office/drawing/2014/main" id="{D8E4C36B-3B29-49EF-97C7-3F46FDE93C64}"/>
+              </a:ext>
+            </a:extLst>
+          </p:cNvPr>
+          <p:cNvSpPr>
+            <a:spLocks noGrp="1"/>
+          </p:cNvSpPr>
+          <p:nvPr>
+            <p:ph idx="1"/>
+          </p:nvPr>
+        </p:nvSpPr>
+        <p:spPr/>
+        <p:txBody>
+          <a:bodyPr/>
+          <a:lstStyle/>
+          <a:p>
+            <a:r>
+              <a:rPr lang="en-US" dirty="0"/>
+              <a:t>TODO: </a:t>
+            </a:r>
+            <a:r>
+              <a:rPr lang="ru-RU" dirty="0"/>
+              <a:t>добавить картинку с </a:t>
+            </a:r>
+            <a:r>
+              <a:rPr lang="en-US" dirty="0"/>
+              <a:t>milestones</a:t>
+            </a:r>
+          </a:p>
+        </p:txBody>
+      </p:sp>
+    </p:spTree>
+    <p:extLst>
+      <p:ext uri="{BB962C8B-B14F-4D97-AF65-F5344CB8AC3E}">
+        <p14:creationId xmlns:p14="http://schemas.microsoft.com/office/powerpoint/2010/main" val="1601886800"/>
+      </p:ext>
+    </p:extLst>
+  </p:cSld>
+  <p:clrMapOvr>
+    <a:masterClrMapping/>
+  </p:clrMapOvr>
+</p:sld>
+</file>
+
+<file path=ppt/slides/slide30.xml><?xml version="1.0" encoding="utf-8"?>
+<p:sld xmlns:a="http://schemas.openxmlformats.org/drawingml/2006/main" xmlns:r="http://schemas.openxmlformats.org/officeDocument/2006/relationships" xmlns:p="http://schemas.openxmlformats.org/presentationml/2006/main">
+  <p:cSld>
+    <p:spTree>
+      <p:nvGrpSpPr>
+        <p:cNvPr id="1" name=""/>
+        <p:cNvGrpSpPr/>
+        <p:nvPr/>
+      </p:nvGrpSpPr>
+      <p:grpSpPr>
+        <a:xfrm>
+          <a:off x="0" y="0"/>
+          <a:ext cx="0" cy="0"/>
+          <a:chOff x="0" y="0"/>
+          <a:chExt cx="0" cy="0"/>
+        </a:xfrm>
+      </p:grpSpPr>
+      <p:sp>
+        <p:nvSpPr>
+          <p:cNvPr id="2" name="Title 1">
+            <a:extLst>
+              <a:ext uri="{FF2B5EF4-FFF2-40B4-BE49-F238E27FC236}">
+                <a16:creationId xmlns:a16="http://schemas.microsoft.com/office/drawing/2014/main" id="{22F3472B-2EFF-454A-8908-E18D53639C4E}"/>
+              </a:ext>
+            </a:extLst>
+          </p:cNvPr>
+          <p:cNvSpPr>
+            <a:spLocks noGrp="1"/>
+          </p:cNvSpPr>
+          <p:nvPr>
+            <p:ph type="title"/>
+          </p:nvPr>
+        </p:nvSpPr>
+        <p:spPr/>
+        <p:txBody>
+          <a:bodyPr/>
+          <a:lstStyle/>
+          <a:p>
+            <a:r>
+              <a:rPr lang="en-US" dirty="0" err="1"/>
+              <a:t>System.Range</a:t>
+            </a:r>
+            <a:r>
+              <a:rPr lang="en-US" dirty="0"/>
+              <a:t> </a:t>
+            </a:r>
+            <a:r>
+              <a:rPr lang="ru-RU" dirty="0"/>
+              <a:t>фабрики</a:t>
+            </a:r>
+            <a:endParaRPr lang="en-US" dirty="0"/>
+          </a:p>
+        </p:txBody>
+      </p:sp>
+      <p:sp>
+        <p:nvSpPr>
+          <p:cNvPr id="3" name="Content Placeholder 2">
+            <a:extLst>
+              <a:ext uri="{FF2B5EF4-FFF2-40B4-BE49-F238E27FC236}">
+                <a16:creationId xmlns:a16="http://schemas.microsoft.com/office/drawing/2014/main" id="{2731D4F2-BBB3-445F-918E-F5725E85A34A}"/>
+              </a:ext>
+            </a:extLst>
+          </p:cNvPr>
+          <p:cNvSpPr>
+            <a:spLocks noGrp="1"/>
+          </p:cNvSpPr>
+          <p:nvPr>
+            <p:ph idx="1"/>
+          </p:nvPr>
+        </p:nvSpPr>
+        <p:spPr/>
+        <p:txBody>
+          <a:bodyPr>
+            <a:normAutofit/>
+          </a:bodyPr>
+          <a:lstStyle/>
+          <a:p>
+            <a:pPr marL="0" indent="0">
+              <a:buNone/>
+            </a:pPr>
+            <a:r>
+              <a:rPr lang="en-US" sz="2200" dirty="0">
+                <a:solidFill>
+                  <a:srgbClr val="0000FF"/>
+                </a:solidFill>
+                <a:latin typeface="Consolas" panose="020B0609020204030204" pitchFamily="49" charset="0"/>
+              </a:rPr>
+              <a:t>public</a:t>
+            </a:r>
+            <a:r>
+              <a:rPr lang="en-US" sz="2200" dirty="0">
+                <a:solidFill>
+                  <a:srgbClr val="000000"/>
+                </a:solidFill>
+                <a:latin typeface="Consolas" panose="020B0609020204030204" pitchFamily="49" charset="0"/>
+              </a:rPr>
+              <a:t> </a:t>
+            </a:r>
+            <a:r>
+              <a:rPr lang="en-US" sz="2200" dirty="0">
+                <a:solidFill>
+                  <a:srgbClr val="0000FF"/>
+                </a:solidFill>
+                <a:latin typeface="Consolas" panose="020B0609020204030204" pitchFamily="49" charset="0"/>
+              </a:rPr>
+              <a:t>static</a:t>
+            </a:r>
+            <a:r>
+              <a:rPr lang="en-US" sz="2200" dirty="0">
+                <a:solidFill>
+                  <a:srgbClr val="000000"/>
+                </a:solidFill>
+                <a:latin typeface="Consolas" panose="020B0609020204030204" pitchFamily="49" charset="0"/>
+              </a:rPr>
+              <a:t> </a:t>
+            </a:r>
+            <a:r>
+              <a:rPr lang="en-US" sz="2200" dirty="0">
+                <a:solidFill>
+                  <a:srgbClr val="267F99"/>
+                </a:solidFill>
+                <a:latin typeface="Consolas" panose="020B0609020204030204" pitchFamily="49" charset="0"/>
+              </a:rPr>
+              <a:t>Range</a:t>
+            </a:r>
+            <a:r>
+              <a:rPr lang="en-US" sz="2200" dirty="0">
+                <a:solidFill>
+                  <a:srgbClr val="000000"/>
+                </a:solidFill>
+                <a:latin typeface="Consolas" panose="020B0609020204030204" pitchFamily="49" charset="0"/>
+              </a:rPr>
+              <a:t> </a:t>
+            </a:r>
+            <a:r>
+              <a:rPr lang="en-US" sz="2200" dirty="0">
+                <a:solidFill>
+                  <a:srgbClr val="795E26"/>
+                </a:solidFill>
+                <a:latin typeface="Consolas" panose="020B0609020204030204" pitchFamily="49" charset="0"/>
+              </a:rPr>
+              <a:t>Create</a:t>
+            </a:r>
+            <a:r>
+              <a:rPr lang="en-US" sz="2200" dirty="0">
+                <a:solidFill>
+                  <a:srgbClr val="000000"/>
+                </a:solidFill>
+                <a:latin typeface="Consolas" panose="020B0609020204030204" pitchFamily="49" charset="0"/>
+              </a:rPr>
+              <a:t>(</a:t>
+            </a:r>
+            <a:r>
+              <a:rPr lang="en-US" sz="2200" dirty="0">
+                <a:solidFill>
+                  <a:srgbClr val="267F99"/>
+                </a:solidFill>
+                <a:latin typeface="Consolas" panose="020B0609020204030204" pitchFamily="49" charset="0"/>
+              </a:rPr>
+              <a:t>Index</a:t>
+            </a:r>
+            <a:r>
+              <a:rPr lang="en-US" sz="2200" dirty="0">
+                <a:solidFill>
+                  <a:srgbClr val="000000"/>
+                </a:solidFill>
+                <a:latin typeface="Consolas" panose="020B0609020204030204" pitchFamily="49" charset="0"/>
+              </a:rPr>
+              <a:t> </a:t>
+            </a:r>
+            <a:r>
+              <a:rPr lang="en-US" sz="2200" dirty="0">
+                <a:solidFill>
+                  <a:srgbClr val="001080"/>
+                </a:solidFill>
+                <a:latin typeface="Consolas" panose="020B0609020204030204" pitchFamily="49" charset="0"/>
+              </a:rPr>
+              <a:t>start</a:t>
+            </a:r>
+            <a:r>
+              <a:rPr lang="en-US" sz="2200" dirty="0">
+                <a:solidFill>
+                  <a:srgbClr val="000000"/>
+                </a:solidFill>
+                <a:latin typeface="Consolas" panose="020B0609020204030204" pitchFamily="49" charset="0"/>
+              </a:rPr>
+              <a:t>, </a:t>
+            </a:r>
+            <a:r>
+              <a:rPr lang="en-US" sz="2200" dirty="0">
+                <a:solidFill>
+                  <a:srgbClr val="267F99"/>
+                </a:solidFill>
+                <a:latin typeface="Consolas" panose="020B0609020204030204" pitchFamily="49" charset="0"/>
+              </a:rPr>
+              <a:t>Index</a:t>
+            </a:r>
+            <a:r>
+              <a:rPr lang="en-US" sz="2200" dirty="0">
+                <a:solidFill>
+                  <a:srgbClr val="000000"/>
+                </a:solidFill>
+                <a:latin typeface="Consolas" panose="020B0609020204030204" pitchFamily="49" charset="0"/>
+              </a:rPr>
+              <a:t> </a:t>
+            </a:r>
+            <a:r>
+              <a:rPr lang="en-US" sz="2200" dirty="0">
+                <a:solidFill>
+                  <a:srgbClr val="001080"/>
+                </a:solidFill>
+                <a:latin typeface="Consolas" panose="020B0609020204030204" pitchFamily="49" charset="0"/>
+              </a:rPr>
+              <a:t>end</a:t>
+            </a:r>
+            <a:r>
+              <a:rPr lang="en-US" sz="2200" dirty="0">
+                <a:solidFill>
+                  <a:srgbClr val="000000"/>
+                </a:solidFill>
+                <a:latin typeface="Consolas" panose="020B0609020204030204" pitchFamily="49" charset="0"/>
+              </a:rPr>
+              <a:t>)</a:t>
+            </a:r>
+          </a:p>
+          <a:p>
+            <a:pPr marL="0" indent="0">
+              <a:buNone/>
+            </a:pPr>
+            <a:r>
+              <a:rPr lang="en-US" sz="2200" dirty="0">
+                <a:solidFill>
+                  <a:srgbClr val="000000"/>
+                </a:solidFill>
+                <a:latin typeface="Consolas" panose="020B0609020204030204" pitchFamily="49" charset="0"/>
+              </a:rPr>
+              <a:t>    =&gt; </a:t>
+            </a:r>
+            <a:r>
+              <a:rPr lang="en-US" sz="2200" dirty="0">
+                <a:solidFill>
+                  <a:srgbClr val="0000FF"/>
+                </a:solidFill>
+                <a:latin typeface="Consolas" panose="020B0609020204030204" pitchFamily="49" charset="0"/>
+              </a:rPr>
+              <a:t>new</a:t>
+            </a:r>
+            <a:r>
+              <a:rPr lang="en-US" sz="2200" dirty="0">
+                <a:solidFill>
+                  <a:srgbClr val="000000"/>
+                </a:solidFill>
+                <a:latin typeface="Consolas" panose="020B0609020204030204" pitchFamily="49" charset="0"/>
+              </a:rPr>
+              <a:t> </a:t>
+            </a:r>
+            <a:r>
+              <a:rPr lang="en-US" sz="2200" dirty="0">
+                <a:solidFill>
+                  <a:srgbClr val="267F99"/>
+                </a:solidFill>
+                <a:latin typeface="Consolas" panose="020B0609020204030204" pitchFamily="49" charset="0"/>
+              </a:rPr>
+              <a:t>Range</a:t>
+            </a:r>
+            <a:r>
+              <a:rPr lang="en-US" sz="2200" dirty="0">
+                <a:solidFill>
+                  <a:srgbClr val="000000"/>
+                </a:solidFill>
+                <a:latin typeface="Consolas" panose="020B0609020204030204" pitchFamily="49" charset="0"/>
+              </a:rPr>
+              <a:t>(</a:t>
+            </a:r>
+            <a:r>
+              <a:rPr lang="en-US" sz="2200" dirty="0">
+                <a:solidFill>
+                  <a:srgbClr val="001080"/>
+                </a:solidFill>
+                <a:latin typeface="Consolas" panose="020B0609020204030204" pitchFamily="49" charset="0"/>
+              </a:rPr>
+              <a:t>start</a:t>
+            </a:r>
+            <a:r>
+              <a:rPr lang="en-US" sz="2200" dirty="0">
+                <a:solidFill>
+                  <a:srgbClr val="000000"/>
+                </a:solidFill>
+                <a:latin typeface="Consolas" panose="020B0609020204030204" pitchFamily="49" charset="0"/>
+              </a:rPr>
+              <a:t>, </a:t>
+            </a:r>
+            <a:r>
+              <a:rPr lang="en-US" sz="2200" dirty="0">
+                <a:solidFill>
+                  <a:srgbClr val="001080"/>
+                </a:solidFill>
+                <a:latin typeface="Consolas" panose="020B0609020204030204" pitchFamily="49" charset="0"/>
+              </a:rPr>
+              <a:t>end</a:t>
+            </a:r>
+            <a:r>
+              <a:rPr lang="en-US" sz="2200" dirty="0">
+                <a:solidFill>
+                  <a:srgbClr val="000000"/>
+                </a:solidFill>
+                <a:latin typeface="Consolas" panose="020B0609020204030204" pitchFamily="49" charset="0"/>
+              </a:rPr>
+              <a:t>);</a:t>
+            </a:r>
+          </a:p>
+          <a:p>
+            <a:pPr marL="0" indent="0">
+              <a:buNone/>
+            </a:pPr>
+            <a:r>
+              <a:rPr lang="en-US" sz="2200" dirty="0">
+                <a:solidFill>
+                  <a:srgbClr val="0000FF"/>
+                </a:solidFill>
+                <a:latin typeface="Consolas" panose="020B0609020204030204" pitchFamily="49" charset="0"/>
+              </a:rPr>
+              <a:t>public</a:t>
+            </a:r>
+            <a:r>
+              <a:rPr lang="en-US" sz="2200" dirty="0">
+                <a:solidFill>
+                  <a:srgbClr val="000000"/>
+                </a:solidFill>
+                <a:latin typeface="Consolas" panose="020B0609020204030204" pitchFamily="49" charset="0"/>
+              </a:rPr>
+              <a:t> </a:t>
+            </a:r>
+            <a:r>
+              <a:rPr lang="en-US" sz="2200" dirty="0">
+                <a:solidFill>
+                  <a:srgbClr val="0000FF"/>
+                </a:solidFill>
+                <a:latin typeface="Consolas" panose="020B0609020204030204" pitchFamily="49" charset="0"/>
+              </a:rPr>
+              <a:t>static</a:t>
+            </a:r>
+            <a:r>
+              <a:rPr lang="en-US" sz="2200" dirty="0">
+                <a:solidFill>
+                  <a:srgbClr val="000000"/>
+                </a:solidFill>
+                <a:latin typeface="Consolas" panose="020B0609020204030204" pitchFamily="49" charset="0"/>
+              </a:rPr>
+              <a:t> </a:t>
+            </a:r>
+            <a:r>
+              <a:rPr lang="en-US" sz="2200" dirty="0">
+                <a:solidFill>
+                  <a:srgbClr val="267F99"/>
+                </a:solidFill>
+                <a:latin typeface="Consolas" panose="020B0609020204030204" pitchFamily="49" charset="0"/>
+              </a:rPr>
+              <a:t>Range</a:t>
+            </a:r>
+            <a:r>
+              <a:rPr lang="en-US" sz="2200" dirty="0">
+                <a:solidFill>
+                  <a:srgbClr val="000000"/>
+                </a:solidFill>
+                <a:latin typeface="Consolas" panose="020B0609020204030204" pitchFamily="49" charset="0"/>
+              </a:rPr>
+              <a:t> </a:t>
+            </a:r>
+            <a:r>
+              <a:rPr lang="en-US" sz="2200" dirty="0" err="1">
+                <a:solidFill>
+                  <a:srgbClr val="795E26"/>
+                </a:solidFill>
+                <a:latin typeface="Consolas" panose="020B0609020204030204" pitchFamily="49" charset="0"/>
+              </a:rPr>
+              <a:t>FromStart</a:t>
+            </a:r>
+            <a:r>
+              <a:rPr lang="en-US" sz="2200" dirty="0">
+                <a:solidFill>
+                  <a:srgbClr val="000000"/>
+                </a:solidFill>
+                <a:latin typeface="Consolas" panose="020B0609020204030204" pitchFamily="49" charset="0"/>
+              </a:rPr>
+              <a:t>(</a:t>
+            </a:r>
+            <a:r>
+              <a:rPr lang="en-US" sz="2200" dirty="0">
+                <a:solidFill>
+                  <a:srgbClr val="267F99"/>
+                </a:solidFill>
+                <a:latin typeface="Consolas" panose="020B0609020204030204" pitchFamily="49" charset="0"/>
+              </a:rPr>
+              <a:t>Index</a:t>
+            </a:r>
+            <a:r>
+              <a:rPr lang="en-US" sz="2200" dirty="0">
+                <a:solidFill>
+                  <a:srgbClr val="000000"/>
+                </a:solidFill>
+                <a:latin typeface="Consolas" panose="020B0609020204030204" pitchFamily="49" charset="0"/>
+              </a:rPr>
+              <a:t> </a:t>
+            </a:r>
+            <a:r>
+              <a:rPr lang="en-US" sz="2200" dirty="0">
+                <a:solidFill>
+                  <a:srgbClr val="001080"/>
+                </a:solidFill>
+                <a:latin typeface="Consolas" panose="020B0609020204030204" pitchFamily="49" charset="0"/>
+              </a:rPr>
+              <a:t>start</a:t>
+            </a:r>
+            <a:r>
+              <a:rPr lang="en-US" sz="2200" dirty="0">
+                <a:solidFill>
+                  <a:srgbClr val="000000"/>
+                </a:solidFill>
+                <a:latin typeface="Consolas" panose="020B0609020204030204" pitchFamily="49" charset="0"/>
+              </a:rPr>
+              <a:t>) </a:t>
+            </a:r>
+          </a:p>
+          <a:p>
+            <a:pPr marL="0" indent="0">
+              <a:buNone/>
+            </a:pPr>
+            <a:r>
+              <a:rPr lang="en-US" sz="2200" dirty="0">
+                <a:solidFill>
+                  <a:srgbClr val="000000"/>
+                </a:solidFill>
+                <a:latin typeface="Consolas" panose="020B0609020204030204" pitchFamily="49" charset="0"/>
+              </a:rPr>
+              <a:t>    =&gt; </a:t>
+            </a:r>
+            <a:r>
+              <a:rPr lang="en-US" sz="2200" dirty="0">
+                <a:solidFill>
+                  <a:srgbClr val="0000FF"/>
+                </a:solidFill>
+                <a:latin typeface="Consolas" panose="020B0609020204030204" pitchFamily="49" charset="0"/>
+              </a:rPr>
+              <a:t>new</a:t>
+            </a:r>
+            <a:r>
+              <a:rPr lang="en-US" sz="2200" dirty="0">
+                <a:solidFill>
+                  <a:srgbClr val="000000"/>
+                </a:solidFill>
+                <a:latin typeface="Consolas" panose="020B0609020204030204" pitchFamily="49" charset="0"/>
+              </a:rPr>
+              <a:t> </a:t>
+            </a:r>
+            <a:r>
+              <a:rPr lang="en-US" sz="2200" dirty="0">
+                <a:solidFill>
+                  <a:srgbClr val="267F99"/>
+                </a:solidFill>
+                <a:latin typeface="Consolas" panose="020B0609020204030204" pitchFamily="49" charset="0"/>
+              </a:rPr>
+              <a:t>Range</a:t>
+            </a:r>
+            <a:r>
+              <a:rPr lang="en-US" sz="2200" dirty="0">
+                <a:solidFill>
+                  <a:srgbClr val="000000"/>
+                </a:solidFill>
+                <a:latin typeface="Consolas" panose="020B0609020204030204" pitchFamily="49" charset="0"/>
+              </a:rPr>
+              <a:t>(</a:t>
+            </a:r>
+            <a:r>
+              <a:rPr lang="en-US" sz="2200" dirty="0">
+                <a:solidFill>
+                  <a:srgbClr val="001080"/>
+                </a:solidFill>
+                <a:latin typeface="Consolas" panose="020B0609020204030204" pitchFamily="49" charset="0"/>
+              </a:rPr>
+              <a:t>start</a:t>
+            </a:r>
+            <a:r>
+              <a:rPr lang="en-US" sz="2200" dirty="0">
+                <a:solidFill>
+                  <a:srgbClr val="000000"/>
+                </a:solidFill>
+                <a:latin typeface="Consolas" panose="020B0609020204030204" pitchFamily="49" charset="0"/>
+              </a:rPr>
+              <a:t>, </a:t>
+            </a:r>
+            <a:r>
+              <a:rPr lang="en-US" sz="2200" dirty="0">
+                <a:solidFill>
+                  <a:srgbClr val="0000FF"/>
+                </a:solidFill>
+                <a:latin typeface="Consolas" panose="020B0609020204030204" pitchFamily="49" charset="0"/>
+              </a:rPr>
+              <a:t>new</a:t>
+            </a:r>
+            <a:r>
+              <a:rPr lang="en-US" sz="2200" dirty="0">
+                <a:solidFill>
+                  <a:srgbClr val="000000"/>
+                </a:solidFill>
+                <a:latin typeface="Consolas" panose="020B0609020204030204" pitchFamily="49" charset="0"/>
+              </a:rPr>
+              <a:t> </a:t>
+            </a:r>
+            <a:r>
+              <a:rPr lang="en-US" sz="2200" dirty="0">
+                <a:solidFill>
+                  <a:srgbClr val="267F99"/>
+                </a:solidFill>
+                <a:latin typeface="Consolas" panose="020B0609020204030204" pitchFamily="49" charset="0"/>
+              </a:rPr>
+              <a:t>Index</a:t>
+            </a:r>
+            <a:r>
+              <a:rPr lang="en-US" sz="2200" dirty="0">
+                <a:solidFill>
+                  <a:srgbClr val="000000"/>
+                </a:solidFill>
+                <a:latin typeface="Consolas" panose="020B0609020204030204" pitchFamily="49" charset="0"/>
+              </a:rPr>
+              <a:t>(</a:t>
+            </a:r>
+            <a:r>
+              <a:rPr lang="en-US" sz="2200" dirty="0">
+                <a:solidFill>
+                  <a:srgbClr val="09885A"/>
+                </a:solidFill>
+                <a:latin typeface="Consolas" panose="020B0609020204030204" pitchFamily="49" charset="0"/>
+              </a:rPr>
+              <a:t>0</a:t>
+            </a:r>
+            <a:r>
+              <a:rPr lang="en-US" sz="2200" dirty="0">
+                <a:solidFill>
+                  <a:srgbClr val="000000"/>
+                </a:solidFill>
+                <a:latin typeface="Consolas" panose="020B0609020204030204" pitchFamily="49" charset="0"/>
+              </a:rPr>
+              <a:t>, </a:t>
+            </a:r>
+            <a:r>
+              <a:rPr lang="en-US" sz="2200" dirty="0" err="1">
+                <a:solidFill>
+                  <a:srgbClr val="001080"/>
+                </a:solidFill>
+                <a:latin typeface="Consolas" panose="020B0609020204030204" pitchFamily="49" charset="0"/>
+              </a:rPr>
+              <a:t>fromEnd</a:t>
+            </a:r>
+            <a:r>
+              <a:rPr lang="en-US" sz="2200" dirty="0">
+                <a:solidFill>
+                  <a:srgbClr val="000000"/>
+                </a:solidFill>
+                <a:latin typeface="Consolas" panose="020B0609020204030204" pitchFamily="49" charset="0"/>
+              </a:rPr>
+              <a:t>: </a:t>
+            </a:r>
+            <a:r>
+              <a:rPr lang="en-US" sz="2200" dirty="0">
+                <a:solidFill>
+                  <a:srgbClr val="0000FF"/>
+                </a:solidFill>
+                <a:latin typeface="Consolas" panose="020B0609020204030204" pitchFamily="49" charset="0"/>
+              </a:rPr>
+              <a:t>true</a:t>
+            </a:r>
+            <a:r>
+              <a:rPr lang="en-US" sz="2200" dirty="0">
+                <a:solidFill>
+                  <a:srgbClr val="000000"/>
+                </a:solidFill>
+                <a:latin typeface="Consolas" panose="020B0609020204030204" pitchFamily="49" charset="0"/>
+              </a:rPr>
+              <a:t>));</a:t>
+            </a:r>
+          </a:p>
+          <a:p>
+            <a:pPr marL="0" indent="0">
+              <a:buNone/>
+            </a:pPr>
+            <a:r>
+              <a:rPr lang="en-US" sz="2200" dirty="0">
+                <a:solidFill>
+                  <a:srgbClr val="0000FF"/>
+                </a:solidFill>
+                <a:latin typeface="Consolas" panose="020B0609020204030204" pitchFamily="49" charset="0"/>
+              </a:rPr>
+              <a:t>public</a:t>
+            </a:r>
+            <a:r>
+              <a:rPr lang="en-US" sz="2200" dirty="0">
+                <a:solidFill>
+                  <a:srgbClr val="000000"/>
+                </a:solidFill>
+                <a:latin typeface="Consolas" panose="020B0609020204030204" pitchFamily="49" charset="0"/>
+              </a:rPr>
+              <a:t> </a:t>
+            </a:r>
+            <a:r>
+              <a:rPr lang="en-US" sz="2200" dirty="0">
+                <a:solidFill>
+                  <a:srgbClr val="0000FF"/>
+                </a:solidFill>
+                <a:latin typeface="Consolas" panose="020B0609020204030204" pitchFamily="49" charset="0"/>
+              </a:rPr>
+              <a:t>static</a:t>
+            </a:r>
+            <a:r>
+              <a:rPr lang="en-US" sz="2200" dirty="0">
+                <a:solidFill>
+                  <a:srgbClr val="000000"/>
+                </a:solidFill>
+                <a:latin typeface="Consolas" panose="020B0609020204030204" pitchFamily="49" charset="0"/>
+              </a:rPr>
+              <a:t> </a:t>
+            </a:r>
+            <a:r>
+              <a:rPr lang="en-US" sz="2200" dirty="0">
+                <a:solidFill>
+                  <a:srgbClr val="267F99"/>
+                </a:solidFill>
+                <a:latin typeface="Consolas" panose="020B0609020204030204" pitchFamily="49" charset="0"/>
+              </a:rPr>
+              <a:t>Range</a:t>
+            </a:r>
+            <a:r>
+              <a:rPr lang="en-US" sz="2200" dirty="0">
+                <a:solidFill>
+                  <a:srgbClr val="000000"/>
+                </a:solidFill>
+                <a:latin typeface="Consolas" panose="020B0609020204030204" pitchFamily="49" charset="0"/>
+              </a:rPr>
+              <a:t> </a:t>
+            </a:r>
+            <a:r>
+              <a:rPr lang="en-US" sz="2200" dirty="0" err="1">
+                <a:solidFill>
+                  <a:srgbClr val="795E26"/>
+                </a:solidFill>
+                <a:latin typeface="Consolas" panose="020B0609020204030204" pitchFamily="49" charset="0"/>
+              </a:rPr>
+              <a:t>ToEnd</a:t>
+            </a:r>
+            <a:r>
+              <a:rPr lang="en-US" sz="2200" dirty="0">
+                <a:solidFill>
+                  <a:srgbClr val="000000"/>
+                </a:solidFill>
+                <a:latin typeface="Consolas" panose="020B0609020204030204" pitchFamily="49" charset="0"/>
+              </a:rPr>
+              <a:t>(</a:t>
+            </a:r>
+            <a:r>
+              <a:rPr lang="en-US" sz="2200" dirty="0">
+                <a:solidFill>
+                  <a:srgbClr val="267F99"/>
+                </a:solidFill>
+                <a:latin typeface="Consolas" panose="020B0609020204030204" pitchFamily="49" charset="0"/>
+              </a:rPr>
+              <a:t>Index</a:t>
+            </a:r>
+            <a:r>
+              <a:rPr lang="en-US" sz="2200" dirty="0">
+                <a:solidFill>
+                  <a:srgbClr val="000000"/>
+                </a:solidFill>
+                <a:latin typeface="Consolas" panose="020B0609020204030204" pitchFamily="49" charset="0"/>
+              </a:rPr>
+              <a:t> </a:t>
+            </a:r>
+            <a:r>
+              <a:rPr lang="en-US" sz="2200" dirty="0">
+                <a:solidFill>
+                  <a:srgbClr val="001080"/>
+                </a:solidFill>
+                <a:latin typeface="Consolas" panose="020B0609020204030204" pitchFamily="49" charset="0"/>
+              </a:rPr>
+              <a:t>end</a:t>
+            </a:r>
+            <a:r>
+              <a:rPr lang="en-US" sz="2200" dirty="0">
+                <a:solidFill>
+                  <a:srgbClr val="000000"/>
+                </a:solidFill>
+                <a:latin typeface="Consolas" panose="020B0609020204030204" pitchFamily="49" charset="0"/>
+              </a:rPr>
+              <a:t>) </a:t>
+            </a:r>
+          </a:p>
+          <a:p>
+            <a:pPr marL="0" indent="0">
+              <a:buNone/>
+            </a:pPr>
+            <a:r>
+              <a:rPr lang="en-US" sz="2200" dirty="0">
+                <a:solidFill>
+                  <a:srgbClr val="000000"/>
+                </a:solidFill>
+                <a:latin typeface="Consolas" panose="020B0609020204030204" pitchFamily="49" charset="0"/>
+              </a:rPr>
+              <a:t>    =&gt; </a:t>
+            </a:r>
+            <a:r>
+              <a:rPr lang="en-US" sz="2200" dirty="0">
+                <a:solidFill>
+                  <a:srgbClr val="0000FF"/>
+                </a:solidFill>
+                <a:latin typeface="Consolas" panose="020B0609020204030204" pitchFamily="49" charset="0"/>
+              </a:rPr>
+              <a:t>new</a:t>
+            </a:r>
+            <a:r>
+              <a:rPr lang="en-US" sz="2200" dirty="0">
+                <a:solidFill>
+                  <a:srgbClr val="000000"/>
+                </a:solidFill>
+                <a:latin typeface="Consolas" panose="020B0609020204030204" pitchFamily="49" charset="0"/>
+              </a:rPr>
+              <a:t> </a:t>
+            </a:r>
+            <a:r>
+              <a:rPr lang="en-US" sz="2200" dirty="0">
+                <a:solidFill>
+                  <a:srgbClr val="267F99"/>
+                </a:solidFill>
+                <a:latin typeface="Consolas" panose="020B0609020204030204" pitchFamily="49" charset="0"/>
+              </a:rPr>
+              <a:t>Range</a:t>
+            </a:r>
+            <a:r>
+              <a:rPr lang="en-US" sz="2200" dirty="0">
+                <a:solidFill>
+                  <a:srgbClr val="000000"/>
+                </a:solidFill>
+                <a:latin typeface="Consolas" panose="020B0609020204030204" pitchFamily="49" charset="0"/>
+              </a:rPr>
+              <a:t>(</a:t>
+            </a:r>
+            <a:r>
+              <a:rPr lang="en-US" sz="2200" dirty="0">
+                <a:solidFill>
+                  <a:srgbClr val="0000FF"/>
+                </a:solidFill>
+                <a:latin typeface="Consolas" panose="020B0609020204030204" pitchFamily="49" charset="0"/>
+              </a:rPr>
+              <a:t>new</a:t>
+            </a:r>
+            <a:r>
+              <a:rPr lang="en-US" sz="2200" dirty="0">
+                <a:solidFill>
+                  <a:srgbClr val="000000"/>
+                </a:solidFill>
+                <a:latin typeface="Consolas" panose="020B0609020204030204" pitchFamily="49" charset="0"/>
+              </a:rPr>
+              <a:t> </a:t>
+            </a:r>
+            <a:r>
+              <a:rPr lang="en-US" sz="2200" dirty="0">
+                <a:solidFill>
+                  <a:srgbClr val="267F99"/>
+                </a:solidFill>
+                <a:latin typeface="Consolas" panose="020B0609020204030204" pitchFamily="49" charset="0"/>
+              </a:rPr>
+              <a:t>Index</a:t>
+            </a:r>
+            <a:r>
+              <a:rPr lang="en-US" sz="2200" dirty="0">
+                <a:solidFill>
+                  <a:srgbClr val="000000"/>
+                </a:solidFill>
+                <a:latin typeface="Consolas" panose="020B0609020204030204" pitchFamily="49" charset="0"/>
+              </a:rPr>
+              <a:t>(</a:t>
+            </a:r>
+            <a:r>
+              <a:rPr lang="en-US" sz="2200" dirty="0">
+                <a:solidFill>
+                  <a:srgbClr val="09885A"/>
+                </a:solidFill>
+                <a:latin typeface="Consolas" panose="020B0609020204030204" pitchFamily="49" charset="0"/>
+              </a:rPr>
+              <a:t>0</a:t>
+            </a:r>
+            <a:r>
+              <a:rPr lang="en-US" sz="2200" dirty="0">
+                <a:solidFill>
+                  <a:srgbClr val="000000"/>
+                </a:solidFill>
+                <a:latin typeface="Consolas" panose="020B0609020204030204" pitchFamily="49" charset="0"/>
+              </a:rPr>
+              <a:t>, </a:t>
+            </a:r>
+            <a:r>
+              <a:rPr lang="en-US" sz="2200" dirty="0" err="1">
+                <a:solidFill>
+                  <a:srgbClr val="001080"/>
+                </a:solidFill>
+                <a:latin typeface="Consolas" panose="020B0609020204030204" pitchFamily="49" charset="0"/>
+              </a:rPr>
+              <a:t>fromEnd</a:t>
+            </a:r>
+            <a:r>
+              <a:rPr lang="en-US" sz="2200" dirty="0">
+                <a:solidFill>
+                  <a:srgbClr val="000000"/>
+                </a:solidFill>
+                <a:latin typeface="Consolas" panose="020B0609020204030204" pitchFamily="49" charset="0"/>
+              </a:rPr>
+              <a:t>: </a:t>
+            </a:r>
+            <a:r>
+              <a:rPr lang="en-US" sz="2200" dirty="0">
+                <a:solidFill>
+                  <a:srgbClr val="0000FF"/>
+                </a:solidFill>
+                <a:latin typeface="Consolas" panose="020B0609020204030204" pitchFamily="49" charset="0"/>
+              </a:rPr>
+              <a:t>false</a:t>
+            </a:r>
+            <a:r>
+              <a:rPr lang="en-US" sz="2200" dirty="0">
+                <a:solidFill>
+                  <a:srgbClr val="000000"/>
+                </a:solidFill>
+                <a:latin typeface="Consolas" panose="020B0609020204030204" pitchFamily="49" charset="0"/>
+              </a:rPr>
+              <a:t>), </a:t>
+            </a:r>
+            <a:r>
+              <a:rPr lang="en-US" sz="2200" dirty="0">
+                <a:solidFill>
+                  <a:srgbClr val="001080"/>
+                </a:solidFill>
+                <a:latin typeface="Consolas" panose="020B0609020204030204" pitchFamily="49" charset="0"/>
+              </a:rPr>
+              <a:t>end</a:t>
+            </a:r>
+            <a:r>
+              <a:rPr lang="en-US" sz="2200" dirty="0">
+                <a:solidFill>
+                  <a:srgbClr val="000000"/>
+                </a:solidFill>
+                <a:latin typeface="Consolas" panose="020B0609020204030204" pitchFamily="49" charset="0"/>
+              </a:rPr>
+              <a:t>);</a:t>
+            </a:r>
+          </a:p>
+          <a:p>
+            <a:pPr marL="0" indent="0">
+              <a:buNone/>
+            </a:pPr>
+            <a:r>
+              <a:rPr lang="en-US" sz="2200" dirty="0">
+                <a:solidFill>
+                  <a:srgbClr val="0000FF"/>
+                </a:solidFill>
+                <a:latin typeface="Consolas" panose="020B0609020204030204" pitchFamily="49" charset="0"/>
+              </a:rPr>
+              <a:t>public</a:t>
+            </a:r>
+            <a:r>
+              <a:rPr lang="en-US" sz="2200" dirty="0">
+                <a:solidFill>
+                  <a:srgbClr val="000000"/>
+                </a:solidFill>
+                <a:latin typeface="Consolas" panose="020B0609020204030204" pitchFamily="49" charset="0"/>
+              </a:rPr>
+              <a:t> </a:t>
+            </a:r>
+            <a:r>
+              <a:rPr lang="en-US" sz="2200" dirty="0">
+                <a:solidFill>
+                  <a:srgbClr val="0000FF"/>
+                </a:solidFill>
+                <a:latin typeface="Consolas" panose="020B0609020204030204" pitchFamily="49" charset="0"/>
+              </a:rPr>
+              <a:t>static</a:t>
+            </a:r>
+            <a:r>
+              <a:rPr lang="en-US" sz="2200" dirty="0">
+                <a:solidFill>
+                  <a:srgbClr val="000000"/>
+                </a:solidFill>
+                <a:latin typeface="Consolas" panose="020B0609020204030204" pitchFamily="49" charset="0"/>
+              </a:rPr>
+              <a:t> </a:t>
+            </a:r>
+            <a:r>
+              <a:rPr lang="en-US" sz="2200" dirty="0">
+                <a:solidFill>
+                  <a:srgbClr val="267F99"/>
+                </a:solidFill>
+                <a:latin typeface="Consolas" panose="020B0609020204030204" pitchFamily="49" charset="0"/>
+              </a:rPr>
+              <a:t>Range</a:t>
+            </a:r>
+            <a:r>
+              <a:rPr lang="en-US" sz="2200" dirty="0">
+                <a:solidFill>
+                  <a:srgbClr val="000000"/>
+                </a:solidFill>
+                <a:latin typeface="Consolas" panose="020B0609020204030204" pitchFamily="49" charset="0"/>
+              </a:rPr>
+              <a:t> </a:t>
+            </a:r>
+            <a:r>
+              <a:rPr lang="en-US" sz="2200" dirty="0">
+                <a:solidFill>
+                  <a:srgbClr val="795E26"/>
+                </a:solidFill>
+                <a:latin typeface="Consolas" panose="020B0609020204030204" pitchFamily="49" charset="0"/>
+              </a:rPr>
+              <a:t>All</a:t>
+            </a:r>
+            <a:r>
+              <a:rPr lang="en-US" sz="2200" dirty="0">
+                <a:solidFill>
+                  <a:srgbClr val="000000"/>
+                </a:solidFill>
+                <a:latin typeface="Consolas" panose="020B0609020204030204" pitchFamily="49" charset="0"/>
+              </a:rPr>
+              <a:t>() </a:t>
+            </a:r>
+          </a:p>
+          <a:p>
+            <a:pPr marL="0" indent="0">
+              <a:buNone/>
+            </a:pPr>
+            <a:r>
+              <a:rPr lang="en-US" sz="2200" dirty="0">
+                <a:solidFill>
+                  <a:srgbClr val="000000"/>
+                </a:solidFill>
+                <a:latin typeface="Consolas" panose="020B0609020204030204" pitchFamily="49" charset="0"/>
+              </a:rPr>
+              <a:t>    =&gt; </a:t>
+            </a:r>
+            <a:r>
+              <a:rPr lang="en-US" sz="2200" dirty="0">
+                <a:solidFill>
+                  <a:srgbClr val="0000FF"/>
+                </a:solidFill>
+                <a:latin typeface="Consolas" panose="020B0609020204030204" pitchFamily="49" charset="0"/>
+              </a:rPr>
+              <a:t>new</a:t>
+            </a:r>
+            <a:r>
+              <a:rPr lang="en-US" sz="2200" dirty="0">
+                <a:solidFill>
+                  <a:srgbClr val="000000"/>
+                </a:solidFill>
+                <a:latin typeface="Consolas" panose="020B0609020204030204" pitchFamily="49" charset="0"/>
+              </a:rPr>
+              <a:t> </a:t>
+            </a:r>
+            <a:r>
+              <a:rPr lang="en-US" sz="2200" dirty="0">
+                <a:solidFill>
+                  <a:srgbClr val="267F99"/>
+                </a:solidFill>
+                <a:latin typeface="Consolas" panose="020B0609020204030204" pitchFamily="49" charset="0"/>
+              </a:rPr>
+              <a:t>Range</a:t>
+            </a:r>
+            <a:r>
+              <a:rPr lang="en-US" sz="2200" dirty="0">
+                <a:solidFill>
+                  <a:srgbClr val="000000"/>
+                </a:solidFill>
+                <a:latin typeface="Consolas" panose="020B0609020204030204" pitchFamily="49" charset="0"/>
+              </a:rPr>
+              <a:t>(</a:t>
+            </a:r>
+            <a:r>
+              <a:rPr lang="en-US" sz="2200" dirty="0">
+                <a:solidFill>
+                  <a:srgbClr val="0000FF"/>
+                </a:solidFill>
+                <a:latin typeface="Consolas" panose="020B0609020204030204" pitchFamily="49" charset="0"/>
+              </a:rPr>
+              <a:t>new</a:t>
+            </a:r>
+            <a:r>
+              <a:rPr lang="en-US" sz="2200" dirty="0">
+                <a:solidFill>
+                  <a:srgbClr val="000000"/>
+                </a:solidFill>
+                <a:latin typeface="Consolas" panose="020B0609020204030204" pitchFamily="49" charset="0"/>
+              </a:rPr>
+              <a:t> </a:t>
+            </a:r>
+            <a:r>
+              <a:rPr lang="en-US" sz="2200" dirty="0">
+                <a:solidFill>
+                  <a:srgbClr val="267F99"/>
+                </a:solidFill>
+                <a:latin typeface="Consolas" panose="020B0609020204030204" pitchFamily="49" charset="0"/>
+              </a:rPr>
+              <a:t>Index</a:t>
+            </a:r>
+            <a:r>
+              <a:rPr lang="en-US" sz="2200" dirty="0">
+                <a:solidFill>
+                  <a:srgbClr val="000000"/>
+                </a:solidFill>
+                <a:latin typeface="Consolas" panose="020B0609020204030204" pitchFamily="49" charset="0"/>
+              </a:rPr>
+              <a:t>(</a:t>
+            </a:r>
+            <a:r>
+              <a:rPr lang="en-US" sz="2200" dirty="0">
+                <a:solidFill>
+                  <a:srgbClr val="09885A"/>
+                </a:solidFill>
+                <a:latin typeface="Consolas" panose="020B0609020204030204" pitchFamily="49" charset="0"/>
+              </a:rPr>
+              <a:t>0</a:t>
+            </a:r>
+            <a:r>
+              <a:rPr lang="en-US" sz="2200" dirty="0">
+                <a:solidFill>
+                  <a:srgbClr val="000000"/>
+                </a:solidFill>
+                <a:latin typeface="Consolas" panose="020B0609020204030204" pitchFamily="49" charset="0"/>
+              </a:rPr>
+              <a:t>, </a:t>
+            </a:r>
+            <a:r>
+              <a:rPr lang="en-US" sz="2200" dirty="0" err="1">
+                <a:solidFill>
+                  <a:srgbClr val="001080"/>
+                </a:solidFill>
+                <a:latin typeface="Consolas" panose="020B0609020204030204" pitchFamily="49" charset="0"/>
+              </a:rPr>
+              <a:t>fromEnd</a:t>
+            </a:r>
+            <a:r>
+              <a:rPr lang="en-US" sz="2200" dirty="0">
+                <a:solidFill>
+                  <a:srgbClr val="000000"/>
+                </a:solidFill>
+                <a:latin typeface="Consolas" panose="020B0609020204030204" pitchFamily="49" charset="0"/>
+              </a:rPr>
+              <a:t>: </a:t>
+            </a:r>
+            <a:r>
+              <a:rPr lang="en-US" sz="2200" dirty="0">
+                <a:solidFill>
+                  <a:srgbClr val="0000FF"/>
+                </a:solidFill>
+                <a:latin typeface="Consolas" panose="020B0609020204030204" pitchFamily="49" charset="0"/>
+              </a:rPr>
+              <a:t>false</a:t>
+            </a:r>
+            <a:r>
+              <a:rPr lang="en-US" sz="2200" dirty="0">
+                <a:solidFill>
+                  <a:srgbClr val="000000"/>
+                </a:solidFill>
+                <a:latin typeface="Consolas" panose="020B0609020204030204" pitchFamily="49" charset="0"/>
+              </a:rPr>
+              <a:t>),</a:t>
+            </a:r>
+          </a:p>
+          <a:p>
+            <a:pPr marL="0" indent="0">
+              <a:buNone/>
+            </a:pPr>
+            <a:r>
+              <a:rPr lang="en-US" sz="2200" dirty="0">
+                <a:solidFill>
+                  <a:srgbClr val="0000FF"/>
+                </a:solidFill>
+                <a:latin typeface="Consolas" panose="020B0609020204030204" pitchFamily="49" charset="0"/>
+              </a:rPr>
+              <a:t>            new</a:t>
+            </a:r>
+            <a:r>
+              <a:rPr lang="en-US" sz="2200" dirty="0">
+                <a:solidFill>
+                  <a:srgbClr val="000000"/>
+                </a:solidFill>
+                <a:latin typeface="Consolas" panose="020B0609020204030204" pitchFamily="49" charset="0"/>
+              </a:rPr>
+              <a:t> </a:t>
+            </a:r>
+            <a:r>
+              <a:rPr lang="en-US" sz="2200" dirty="0">
+                <a:solidFill>
+                  <a:srgbClr val="267F99"/>
+                </a:solidFill>
+                <a:latin typeface="Consolas" panose="020B0609020204030204" pitchFamily="49" charset="0"/>
+              </a:rPr>
+              <a:t>Index</a:t>
+            </a:r>
+            <a:r>
+              <a:rPr lang="en-US" sz="2200" dirty="0">
+                <a:solidFill>
+                  <a:srgbClr val="000000"/>
+                </a:solidFill>
+                <a:latin typeface="Consolas" panose="020B0609020204030204" pitchFamily="49" charset="0"/>
+              </a:rPr>
+              <a:t>(</a:t>
+            </a:r>
+            <a:r>
+              <a:rPr lang="en-US" sz="2200" dirty="0">
+                <a:solidFill>
+                  <a:srgbClr val="09885A"/>
+                </a:solidFill>
+                <a:latin typeface="Consolas" panose="020B0609020204030204" pitchFamily="49" charset="0"/>
+              </a:rPr>
+              <a:t>0</a:t>
+            </a:r>
+            <a:r>
+              <a:rPr lang="en-US" sz="2200" dirty="0">
+                <a:solidFill>
+                  <a:srgbClr val="000000"/>
+                </a:solidFill>
+                <a:latin typeface="Consolas" panose="020B0609020204030204" pitchFamily="49" charset="0"/>
+              </a:rPr>
+              <a:t>, </a:t>
+            </a:r>
+            <a:r>
+              <a:rPr lang="en-US" sz="2200" dirty="0" err="1">
+                <a:solidFill>
+                  <a:srgbClr val="001080"/>
+                </a:solidFill>
+                <a:latin typeface="Consolas" panose="020B0609020204030204" pitchFamily="49" charset="0"/>
+              </a:rPr>
+              <a:t>fromEnd</a:t>
+            </a:r>
+            <a:r>
+              <a:rPr lang="en-US" sz="2200" dirty="0">
+                <a:solidFill>
+                  <a:srgbClr val="000000"/>
+                </a:solidFill>
+                <a:latin typeface="Consolas" panose="020B0609020204030204" pitchFamily="49" charset="0"/>
+              </a:rPr>
+              <a:t>: </a:t>
+            </a:r>
+            <a:r>
+              <a:rPr lang="en-US" sz="2200" dirty="0">
+                <a:solidFill>
+                  <a:srgbClr val="0000FF"/>
+                </a:solidFill>
+                <a:latin typeface="Consolas" panose="020B0609020204030204" pitchFamily="49" charset="0"/>
+              </a:rPr>
+              <a:t>true</a:t>
+            </a:r>
+            <a:r>
+              <a:rPr lang="en-US" sz="2200" dirty="0">
+                <a:solidFill>
+                  <a:srgbClr val="000000"/>
+                </a:solidFill>
+                <a:latin typeface="Consolas" panose="020B0609020204030204" pitchFamily="49" charset="0"/>
+              </a:rPr>
+              <a:t>));</a:t>
+            </a:r>
+          </a:p>
+          <a:p>
+            <a:pPr marL="0" indent="0">
+              <a:buNone/>
+            </a:pPr>
+            <a:r>
+              <a:rPr lang="en-US" sz="2200" dirty="0">
+                <a:solidFill>
+                  <a:srgbClr val="000000"/>
+                </a:solidFill>
+                <a:latin typeface="Consolas" panose="020B0609020204030204" pitchFamily="49" charset="0"/>
+              </a:rPr>
+              <a:t>}</a:t>
+            </a:r>
+            <a:endParaRPr lang="en-US" sz="2200" dirty="0"/>
+          </a:p>
+        </p:txBody>
+      </p:sp>
+    </p:spTree>
+    <p:extLst>
+      <p:ext uri="{BB962C8B-B14F-4D97-AF65-F5344CB8AC3E}">
+        <p14:creationId xmlns:p14="http://schemas.microsoft.com/office/powerpoint/2010/main" val="3183537153"/>
+      </p:ext>
+    </p:extLst>
+  </p:cSld>
+  <p:clrMapOvr>
+    <a:masterClrMapping/>
+  </p:clrMapOvr>
+  <p:timing>
+    <p:tnLst>
+      <p:par>
+        <p:cTn id="1" dur="indefinite" restart="never" nodeType="tmRoot">
+          <p:childTnLst>
+            <p:seq concurrent="1" nextAc="seek">
+              <p:cTn id="2" dur="indefinite" nodeType="mainSeq">
+                <p:childTnLst>
+                  <p:par>
+                    <p:cTn id="3" fill="hold">
+                      <p:stCondLst>
+                        <p:cond delay="indefinite"/>
+                        <p:cond evt="onBegin" delay="0">
+                          <p:tn val="2"/>
+                        </p:cond>
+                      </p:stCondLst>
+                      <p:childTnLst>
+                        <p:par>
+                          <p:cTn id="4" fill="hold">
+                            <p:stCondLst>
+                              <p:cond delay="0"/>
+                            </p:stCondLst>
+                            <p:childTnLst>
+                              <p:par>
+                                <p:cTn id="5" presetID="1" presetClass="entr" presetSubtype="0" fill="hold" grpId="0" nodeType="withEffect">
+                                  <p:stCondLst>
+                                    <p:cond delay="0"/>
+                                  </p:stCondLst>
+                                  <p:childTnLst>
+                                    <p:set>
+                                      <p:cBhvr>
+                                        <p:cTn id="6" dur="1" fill="hold">
+                                          <p:stCondLst>
+                                            <p:cond delay="0"/>
+                                          </p:stCondLst>
+                                        </p:cTn>
+                                        <p:tgtEl>
+                                          <p:spTgt spid="3">
+                                            <p:txEl>
+                                              <p:pRg st="9" end="9"/>
+                                            </p:txEl>
+                                          </p:spTgt>
+                                        </p:tgtEl>
+                                        <p:attrNameLst>
+                                          <p:attrName>style.visibility</p:attrName>
+                                        </p:attrNameLst>
+                                      </p:cBhvr>
+                                      <p:to>
+                                        <p:strVal val="visible"/>
+                                      </p:to>
+                                    </p:set>
+                                  </p:childTnLst>
+                                </p:cTn>
+                              </p:par>
+                            </p:childTnLst>
+                          </p:cTn>
+                        </p:par>
+                      </p:childTnLst>
+                    </p:cTn>
+                  </p:par>
+                  <p:par>
+                    <p:cTn id="7" fill="hold">
+                      <p:stCondLst>
+                        <p:cond delay="indefinite"/>
+                      </p:stCondLst>
+                      <p:childTnLst>
+                        <p:par>
+                          <p:cTn id="8" fill="hold">
+                            <p:stCondLst>
+                              <p:cond delay="0"/>
+                            </p:stCondLst>
+                            <p:childTnLst>
+                              <p:par>
+                                <p:cTn id="9" presetID="1" presetClass="entr" presetSubtype="0" fill="hold" grpId="0" nodeType="clickEffect">
+                                  <p:stCondLst>
+                                    <p:cond delay="0"/>
+                                  </p:stCondLst>
+                                  <p:childTnLst>
+                                    <p:set>
+                                      <p:cBhvr>
+                                        <p:cTn id="10" dur="1" fill="hold">
+                                          <p:stCondLst>
+                                            <p:cond delay="0"/>
+                                          </p:stCondLst>
+                                        </p:cTn>
+                                        <p:tgtEl>
+                                          <p:spTgt spid="3">
+                                            <p:txEl>
+                                              <p:pRg st="0" end="0"/>
+                                            </p:txEl>
+                                          </p:spTgt>
+                                        </p:tgtEl>
+                                        <p:attrNameLst>
+                                          <p:attrName>style.visibility</p:attrName>
+                                        </p:attrNameLst>
+                                      </p:cBhvr>
+                                      <p:to>
+                                        <p:strVal val="visible"/>
+                                      </p:to>
+                                    </p:set>
+                                  </p:childTnLst>
+                                </p:cTn>
+                              </p:par>
+                              <p:par>
+                                <p:cTn id="11" presetID="1" presetClass="entr" presetSubtype="0" fill="hold" grpId="0" nodeType="withEffect">
+                                  <p:stCondLst>
+                                    <p:cond delay="0"/>
+                                  </p:stCondLst>
+                                  <p:childTnLst>
+                                    <p:set>
+                                      <p:cBhvr>
+                                        <p:cTn id="12" dur="1" fill="hold">
+                                          <p:stCondLst>
+                                            <p:cond delay="0"/>
+                                          </p:stCondLst>
+                                        </p:cTn>
+                                        <p:tgtEl>
+                                          <p:spTgt spid="3">
+                                            <p:txEl>
+                                              <p:pRg st="1" end="1"/>
+                                            </p:txEl>
+                                          </p:spTgt>
+                                        </p:tgtEl>
+                                        <p:attrNameLst>
+                                          <p:attrName>style.visibility</p:attrName>
+                                        </p:attrNameLst>
+                                      </p:cBhvr>
+                                      <p:to>
+                                        <p:strVal val="visible"/>
+                                      </p:to>
+                                    </p:set>
+                                  </p:childTnLst>
+                                </p:cTn>
+                              </p:par>
+                            </p:childTnLst>
+                          </p:cTn>
+                        </p:par>
+                      </p:childTnLst>
+                    </p:cTn>
+                  </p:par>
+                  <p:par>
+                    <p:cTn id="13" fill="hold">
+                      <p:stCondLst>
+                        <p:cond delay="indefinite"/>
+                      </p:stCondLst>
+                      <p:childTnLst>
+                        <p:par>
+                          <p:cTn id="14" fill="hold">
+                            <p:stCondLst>
+                              <p:cond delay="0"/>
+                            </p:stCondLst>
+                            <p:childTnLst>
+                              <p:par>
+                                <p:cTn id="15" presetID="1" presetClass="entr" presetSubtype="0" fill="hold" grpId="0" nodeType="clickEffect">
+                                  <p:stCondLst>
+                                    <p:cond delay="0"/>
+                                  </p:stCondLst>
+                                  <p:childTnLst>
+                                    <p:set>
+                                      <p:cBhvr>
+                                        <p:cTn id="16" dur="1" fill="hold">
+                                          <p:stCondLst>
+                                            <p:cond delay="0"/>
+                                          </p:stCondLst>
+                                        </p:cTn>
+                                        <p:tgtEl>
+                                          <p:spTgt spid="3">
+                                            <p:txEl>
+                                              <p:pRg st="2" end="2"/>
+                                            </p:txEl>
+                                          </p:spTgt>
+                                        </p:tgtEl>
+                                        <p:attrNameLst>
+                                          <p:attrName>style.visibility</p:attrName>
+                                        </p:attrNameLst>
+                                      </p:cBhvr>
+                                      <p:to>
+                                        <p:strVal val="visible"/>
+                                      </p:to>
+                                    </p:set>
+                                  </p:childTnLst>
+                                </p:cTn>
+                              </p:par>
+                              <p:par>
+                                <p:cTn id="17" presetID="1" presetClass="entr" presetSubtype="0" fill="hold" grpId="0" nodeType="withEffect">
+                                  <p:stCondLst>
+                                    <p:cond delay="0"/>
+                                  </p:stCondLst>
+                                  <p:childTnLst>
+                                    <p:set>
+                                      <p:cBhvr>
+                                        <p:cTn id="18" dur="1" fill="hold">
+                                          <p:stCondLst>
+                                            <p:cond delay="0"/>
+                                          </p:stCondLst>
+                                        </p:cTn>
+                                        <p:tgtEl>
+                                          <p:spTgt spid="3">
+                                            <p:txEl>
+                                              <p:pRg st="3" end="3"/>
+                                            </p:txEl>
+                                          </p:spTgt>
+                                        </p:tgtEl>
+                                        <p:attrNameLst>
+                                          <p:attrName>style.visibility</p:attrName>
+                                        </p:attrNameLst>
+                                      </p:cBhvr>
+                                      <p:to>
+                                        <p:strVal val="visible"/>
+                                      </p:to>
+                                    </p:set>
+                                  </p:childTnLst>
+                                </p:cTn>
+                              </p:par>
+                            </p:childTnLst>
+                          </p:cTn>
+                        </p:par>
+                      </p:childTnLst>
+                    </p:cTn>
+                  </p:par>
+                  <p:par>
+                    <p:cTn id="19" fill="hold">
+                      <p:stCondLst>
+                        <p:cond delay="indefinite"/>
+                      </p:stCondLst>
+                      <p:childTnLst>
+                        <p:par>
+                          <p:cTn id="20" fill="hold">
+                            <p:stCondLst>
+                              <p:cond delay="0"/>
+                            </p:stCondLst>
+                            <p:childTnLst>
+                              <p:par>
+                                <p:cTn id="21" presetID="1" presetClass="entr" presetSubtype="0" fill="hold" grpId="0" nodeType="clickEffect">
+                                  <p:stCondLst>
+                                    <p:cond delay="0"/>
+                                  </p:stCondLst>
+                                  <p:childTnLst>
+                                    <p:set>
+                                      <p:cBhvr>
+                                        <p:cTn id="22" dur="1" fill="hold">
+                                          <p:stCondLst>
+                                            <p:cond delay="0"/>
+                                          </p:stCondLst>
+                                        </p:cTn>
+                                        <p:tgtEl>
+                                          <p:spTgt spid="3">
+                                            <p:txEl>
+                                              <p:pRg st="4" end="4"/>
+                                            </p:txEl>
+                                          </p:spTgt>
+                                        </p:tgtEl>
+                                        <p:attrNameLst>
+                                          <p:attrName>style.visibility</p:attrName>
+                                        </p:attrNameLst>
+                                      </p:cBhvr>
+                                      <p:to>
+                                        <p:strVal val="visible"/>
+                                      </p:to>
+                                    </p:set>
+                                  </p:childTnLst>
+                                </p:cTn>
+                              </p:par>
+                              <p:par>
+                                <p:cTn id="23" presetID="1" presetClass="entr" presetSubtype="0" fill="hold" grpId="0" nodeType="withEffect">
+                                  <p:stCondLst>
+                                    <p:cond delay="0"/>
+                                  </p:stCondLst>
+                                  <p:childTnLst>
+                                    <p:set>
+                                      <p:cBhvr>
+                                        <p:cTn id="24" dur="1" fill="hold">
+                                          <p:stCondLst>
+                                            <p:cond delay="0"/>
+                                          </p:stCondLst>
+                                        </p:cTn>
+                                        <p:tgtEl>
+                                          <p:spTgt spid="3">
+                                            <p:txEl>
+                                              <p:pRg st="5" end="5"/>
+                                            </p:txEl>
+                                          </p:spTgt>
+                                        </p:tgtEl>
+                                        <p:attrNameLst>
+                                          <p:attrName>style.visibility</p:attrName>
+                                        </p:attrNameLst>
+                                      </p:cBhvr>
+                                      <p:to>
+                                        <p:strVal val="visible"/>
+                                      </p:to>
+                                    </p:set>
+                                  </p:childTnLst>
+                                </p:cTn>
+                              </p:par>
+                            </p:childTnLst>
+                          </p:cTn>
+                        </p:par>
+                      </p:childTnLst>
+                    </p:cTn>
+                  </p:par>
+                  <p:par>
+                    <p:cTn id="25" fill="hold">
+                      <p:stCondLst>
+                        <p:cond delay="indefinite"/>
+                      </p:stCondLst>
+                      <p:childTnLst>
+                        <p:par>
+                          <p:cTn id="26" fill="hold">
+                            <p:stCondLst>
+                              <p:cond delay="0"/>
+                            </p:stCondLst>
+                            <p:childTnLst>
+                              <p:par>
+                                <p:cTn id="27" presetID="1" presetClass="entr" presetSubtype="0" fill="hold" grpId="0" nodeType="clickEffect">
+                                  <p:stCondLst>
+                                    <p:cond delay="0"/>
+                                  </p:stCondLst>
+                                  <p:childTnLst>
+                                    <p:set>
+                                      <p:cBhvr>
+                                        <p:cTn id="28" dur="1" fill="hold">
+                                          <p:stCondLst>
+                                            <p:cond delay="0"/>
+                                          </p:stCondLst>
+                                        </p:cTn>
+                                        <p:tgtEl>
+                                          <p:spTgt spid="3">
+                                            <p:txEl>
+                                              <p:pRg st="6" end="6"/>
+                                            </p:txEl>
+                                          </p:spTgt>
+                                        </p:tgtEl>
+                                        <p:attrNameLst>
+                                          <p:attrName>style.visibility</p:attrName>
+                                        </p:attrNameLst>
+                                      </p:cBhvr>
+                                      <p:to>
+                                        <p:strVal val="visible"/>
+                                      </p:to>
+                                    </p:set>
+                                  </p:childTnLst>
+                                </p:cTn>
+                              </p:par>
+                              <p:par>
+                                <p:cTn id="29" presetID="1" presetClass="entr" presetSubtype="0" fill="hold" grpId="0" nodeType="withEffect">
+                                  <p:stCondLst>
+                                    <p:cond delay="0"/>
+                                  </p:stCondLst>
+                                  <p:childTnLst>
+                                    <p:set>
+                                      <p:cBhvr>
+                                        <p:cTn id="30" dur="1" fill="hold">
+                                          <p:stCondLst>
+                                            <p:cond delay="0"/>
+                                          </p:stCondLst>
+                                        </p:cTn>
+                                        <p:tgtEl>
+                                          <p:spTgt spid="3">
+                                            <p:txEl>
+                                              <p:pRg st="7" end="7"/>
+                                            </p:txEl>
+                                          </p:spTgt>
+                                        </p:tgtEl>
+                                        <p:attrNameLst>
+                                          <p:attrName>style.visibility</p:attrName>
+                                        </p:attrNameLst>
+                                      </p:cBhvr>
+                                      <p:to>
+                                        <p:strVal val="visible"/>
+                                      </p:to>
+                                    </p:set>
+                                  </p:childTnLst>
+                                </p:cTn>
+                              </p:par>
+                              <p:par>
+                                <p:cTn id="31" presetID="1" presetClass="entr" presetSubtype="0" fill="hold" grpId="0" nodeType="withEffect">
+                                  <p:stCondLst>
+                                    <p:cond delay="0"/>
+                                  </p:stCondLst>
+                                  <p:childTnLst>
+                                    <p:set>
+                                      <p:cBhvr>
+                                        <p:cTn id="32" dur="1" fill="hold">
+                                          <p:stCondLst>
+                                            <p:cond delay="0"/>
+                                          </p:stCondLst>
+                                        </p:cTn>
+                                        <p:tgtEl>
+                                          <p:spTgt spid="3">
+                                            <p:txEl>
+                                              <p:pRg st="8" end="8"/>
+                                            </p:txEl>
+                                          </p:spTgt>
+                                        </p:tgtEl>
+                                        <p:attrNameLst>
+                                          <p:attrName>style.visibility</p:attrName>
+                                        </p:attrNameLst>
+                                      </p:cBhvr>
+                                      <p:to>
+                                        <p:strVal val="visible"/>
+                                      </p:to>
+                                    </p:set>
+                                  </p:childTnLst>
+                                </p:cTn>
+                              </p:par>
+                            </p:childTnLst>
+                          </p:cTn>
+                        </p:par>
+                      </p:childTnLst>
+                    </p:cTn>
+                  </p:par>
+                </p:childTnLst>
+              </p:cTn>
+              <p:prevCondLst>
+                <p:cond evt="onPrev" delay="0">
+                  <p:tgtEl>
+                    <p:sldTgt/>
+                  </p:tgtEl>
+                </p:cond>
+              </p:prevCondLst>
+              <p:nextCondLst>
+                <p:cond evt="onNext" delay="0">
+                  <p:tgtEl>
+                    <p:sldTgt/>
+                  </p:tgtEl>
+                </p:cond>
+              </p:nextCondLst>
+            </p:seq>
+          </p:childTnLst>
+        </p:cTn>
+      </p:par>
+    </p:tnLst>
+    <p:bldLst>
+      <p:bldP spid="3" grpId="0" uiExpand="1" build="p"/>
+    </p:bldLst>
+  </p:timing>
+</p:sld>
+</file>
+
+<file path=ppt/slides/slide31.xml><?xml version="1.0" encoding="utf-8"?>
+<p:sld xmlns:a="http://schemas.openxmlformats.org/drawingml/2006/main" xmlns:r="http://schemas.openxmlformats.org/officeDocument/2006/relationships" xmlns:p="http://schemas.openxmlformats.org/presentationml/2006/main">
+  <p:cSld>
+    <p:spTree>
+      <p:nvGrpSpPr>
+        <p:cNvPr id="1" name=""/>
+        <p:cNvGrpSpPr/>
+        <p:nvPr/>
+      </p:nvGrpSpPr>
+      <p:grpSpPr>
+        <a:xfrm>
+          <a:off x="0" y="0"/>
+          <a:ext cx="0" cy="0"/>
+          <a:chOff x="0" y="0"/>
+          <a:chExt cx="0" cy="0"/>
+        </a:xfrm>
+      </p:grpSpPr>
+      <p:sp>
+        <p:nvSpPr>
+          <p:cNvPr id="2" name="Title 1">
+            <a:extLst>
+              <a:ext uri="{FF2B5EF4-FFF2-40B4-BE49-F238E27FC236}">
+                <a16:creationId xmlns:a16="http://schemas.microsoft.com/office/drawing/2014/main" id="{19C89918-1806-4A3B-9306-79CBA7D99BAB}"/>
+              </a:ext>
+            </a:extLst>
+          </p:cNvPr>
+          <p:cNvSpPr>
+            <a:spLocks noGrp="1"/>
+          </p:cNvSpPr>
+          <p:nvPr>
+            <p:ph type="title"/>
+          </p:nvPr>
+        </p:nvSpPr>
+        <p:spPr/>
+        <p:txBody>
+          <a:bodyPr/>
+          <a:lstStyle/>
+          <a:p>
+            <a:r>
+              <a:rPr lang="en-US" dirty="0"/>
+              <a:t>Features</a:t>
+            </a:r>
+          </a:p>
+        </p:txBody>
+      </p:sp>
+      <p:sp>
+        <p:nvSpPr>
+          <p:cNvPr id="3" name="Content Placeholder 2">
+            <a:extLst>
+              <a:ext uri="{FF2B5EF4-FFF2-40B4-BE49-F238E27FC236}">
+                <a16:creationId xmlns:a16="http://schemas.microsoft.com/office/drawing/2014/main" id="{54D13E55-D4AB-4193-BCE9-25D48E398899}"/>
+              </a:ext>
+            </a:extLst>
+          </p:cNvPr>
+          <p:cNvSpPr>
+            <a:spLocks noGrp="1"/>
+          </p:cNvSpPr>
+          <p:nvPr>
+            <p:ph idx="1"/>
+          </p:nvPr>
+        </p:nvSpPr>
+        <p:spPr/>
+        <p:txBody>
+          <a:bodyPr/>
+          <a:lstStyle/>
+          <a:p>
+            <a:pPr marL="0" indent="0">
+              <a:buNone/>
+            </a:pPr>
+            <a:r>
+              <a:rPr lang="en-US" dirty="0">
+                <a:solidFill>
+                  <a:srgbClr val="0000FF"/>
+                </a:solidFill>
+                <a:latin typeface="Consolas" panose="020B0609020204030204" pitchFamily="49" charset="0"/>
+              </a:rPr>
+              <a:t>int</a:t>
+            </a:r>
+            <a:r>
+              <a:rPr lang="en-US" dirty="0">
+                <a:solidFill>
+                  <a:srgbClr val="000000"/>
+                </a:solidFill>
+                <a:latin typeface="Consolas" panose="020B0609020204030204" pitchFamily="49" charset="0"/>
+              </a:rPr>
+              <a:t>[] </a:t>
+            </a:r>
+            <a:r>
+              <a:rPr lang="en-US" dirty="0">
+                <a:solidFill>
+                  <a:srgbClr val="001080"/>
+                </a:solidFill>
+                <a:latin typeface="Consolas" panose="020B0609020204030204" pitchFamily="49" charset="0"/>
+              </a:rPr>
+              <a:t>array</a:t>
+            </a:r>
+            <a:r>
+              <a:rPr lang="en-US" dirty="0">
+                <a:solidFill>
+                  <a:srgbClr val="000000"/>
+                </a:solidFill>
+                <a:latin typeface="Consolas" panose="020B0609020204030204" pitchFamily="49" charset="0"/>
+              </a:rPr>
+              <a:t> = { </a:t>
+            </a:r>
+            <a:r>
+              <a:rPr lang="en-US" dirty="0">
+                <a:solidFill>
+                  <a:srgbClr val="09885A"/>
+                </a:solidFill>
+                <a:latin typeface="Consolas" panose="020B0609020204030204" pitchFamily="49" charset="0"/>
+              </a:rPr>
+              <a:t>1</a:t>
+            </a:r>
+            <a:r>
+              <a:rPr lang="en-US" dirty="0">
+                <a:solidFill>
+                  <a:srgbClr val="000000"/>
+                </a:solidFill>
+                <a:latin typeface="Consolas" panose="020B0609020204030204" pitchFamily="49" charset="0"/>
+              </a:rPr>
+              <a:t>, </a:t>
+            </a:r>
+            <a:r>
+              <a:rPr lang="en-US" dirty="0">
+                <a:solidFill>
+                  <a:srgbClr val="09885A"/>
+                </a:solidFill>
+                <a:latin typeface="Consolas" panose="020B0609020204030204" pitchFamily="49" charset="0"/>
+              </a:rPr>
+              <a:t>2</a:t>
+            </a:r>
+            <a:r>
+              <a:rPr lang="en-US" dirty="0">
+                <a:solidFill>
+                  <a:srgbClr val="000000"/>
+                </a:solidFill>
+                <a:latin typeface="Consolas" panose="020B0609020204030204" pitchFamily="49" charset="0"/>
+              </a:rPr>
+              <a:t>, </a:t>
+            </a:r>
+            <a:r>
+              <a:rPr lang="en-US" dirty="0">
+                <a:solidFill>
+                  <a:srgbClr val="09885A"/>
+                </a:solidFill>
+                <a:latin typeface="Consolas" panose="020B0609020204030204" pitchFamily="49" charset="0"/>
+              </a:rPr>
+              <a:t>3</a:t>
+            </a:r>
+            <a:r>
+              <a:rPr lang="en-US" dirty="0">
+                <a:solidFill>
+                  <a:srgbClr val="000000"/>
+                </a:solidFill>
+                <a:latin typeface="Consolas" panose="020B0609020204030204" pitchFamily="49" charset="0"/>
+              </a:rPr>
+              <a:t>, </a:t>
+            </a:r>
+            <a:r>
+              <a:rPr lang="en-US" dirty="0">
+                <a:solidFill>
+                  <a:srgbClr val="09885A"/>
+                </a:solidFill>
+                <a:latin typeface="Consolas" panose="020B0609020204030204" pitchFamily="49" charset="0"/>
+              </a:rPr>
+              <a:t>4</a:t>
+            </a:r>
+            <a:r>
+              <a:rPr lang="en-US" dirty="0">
+                <a:solidFill>
+                  <a:srgbClr val="000000"/>
+                </a:solidFill>
+                <a:latin typeface="Consolas" panose="020B0609020204030204" pitchFamily="49" charset="0"/>
+              </a:rPr>
+              <a:t>, </a:t>
+            </a:r>
+            <a:r>
+              <a:rPr lang="en-US" dirty="0">
+                <a:solidFill>
+                  <a:srgbClr val="09885A"/>
+                </a:solidFill>
+                <a:latin typeface="Consolas" panose="020B0609020204030204" pitchFamily="49" charset="0"/>
+              </a:rPr>
+              <a:t>5</a:t>
+            </a:r>
+            <a:r>
+              <a:rPr lang="en-US" dirty="0">
+                <a:solidFill>
+                  <a:srgbClr val="000000"/>
+                </a:solidFill>
+                <a:latin typeface="Consolas" panose="020B0609020204030204" pitchFamily="49" charset="0"/>
+              </a:rPr>
+              <a:t>, </a:t>
+            </a:r>
+            <a:r>
+              <a:rPr lang="en-US" dirty="0">
+                <a:solidFill>
+                  <a:srgbClr val="09885A"/>
+                </a:solidFill>
+                <a:latin typeface="Consolas" panose="020B0609020204030204" pitchFamily="49" charset="0"/>
+              </a:rPr>
+              <a:t>6</a:t>
+            </a:r>
+            <a:r>
+              <a:rPr lang="en-US" dirty="0">
+                <a:solidFill>
+                  <a:srgbClr val="000000"/>
+                </a:solidFill>
+                <a:latin typeface="Consolas" panose="020B0609020204030204" pitchFamily="49" charset="0"/>
+              </a:rPr>
+              <a:t>, </a:t>
+            </a:r>
+            <a:r>
+              <a:rPr lang="en-US" dirty="0">
+                <a:solidFill>
+                  <a:srgbClr val="09885A"/>
+                </a:solidFill>
+                <a:latin typeface="Consolas" panose="020B0609020204030204" pitchFamily="49" charset="0"/>
+              </a:rPr>
+              <a:t>7</a:t>
+            </a:r>
+            <a:r>
+              <a:rPr lang="en-US" dirty="0">
+                <a:solidFill>
+                  <a:srgbClr val="000000"/>
+                </a:solidFill>
+                <a:latin typeface="Consolas" panose="020B0609020204030204" pitchFamily="49" charset="0"/>
+              </a:rPr>
+              <a:t>, </a:t>
+            </a:r>
+            <a:r>
+              <a:rPr lang="en-US" dirty="0">
+                <a:solidFill>
+                  <a:srgbClr val="09885A"/>
+                </a:solidFill>
+                <a:latin typeface="Consolas" panose="020B0609020204030204" pitchFamily="49" charset="0"/>
+              </a:rPr>
+              <a:t>8</a:t>
+            </a:r>
+            <a:r>
+              <a:rPr lang="en-US" dirty="0">
+                <a:solidFill>
+                  <a:srgbClr val="000000"/>
+                </a:solidFill>
+                <a:latin typeface="Consolas" panose="020B0609020204030204" pitchFamily="49" charset="0"/>
+              </a:rPr>
+              <a:t>, </a:t>
+            </a:r>
+            <a:r>
+              <a:rPr lang="en-US" dirty="0">
+                <a:solidFill>
+                  <a:srgbClr val="09885A"/>
+                </a:solidFill>
+                <a:latin typeface="Consolas" panose="020B0609020204030204" pitchFamily="49" charset="0"/>
+              </a:rPr>
+              <a:t>9</a:t>
+            </a:r>
+            <a:r>
+              <a:rPr lang="en-US" dirty="0">
+                <a:solidFill>
+                  <a:srgbClr val="000000"/>
+                </a:solidFill>
+                <a:latin typeface="Consolas" panose="020B0609020204030204" pitchFamily="49" charset="0"/>
+              </a:rPr>
+              <a:t> };</a:t>
+            </a:r>
+          </a:p>
+          <a:p>
+            <a:pPr marL="0" indent="0">
+              <a:buNone/>
+            </a:pPr>
+            <a:endParaRPr lang="en-US" dirty="0"/>
+          </a:p>
+          <a:p>
+            <a:pPr marL="0" indent="0">
+              <a:buNone/>
+            </a:pPr>
+            <a:r>
+              <a:rPr lang="en-US" dirty="0">
+                <a:solidFill>
+                  <a:srgbClr val="001080"/>
+                </a:solidFill>
+                <a:latin typeface="Consolas" panose="020B0609020204030204" pitchFamily="49" charset="0"/>
+              </a:rPr>
+              <a:t>array</a:t>
+            </a:r>
+            <a:r>
+              <a:rPr lang="en-US" dirty="0">
+                <a:solidFill>
+                  <a:srgbClr val="000000"/>
+                </a:solidFill>
+                <a:latin typeface="Consolas" panose="020B0609020204030204" pitchFamily="49" charset="0"/>
+              </a:rPr>
+              <a:t>[</a:t>
+            </a:r>
+            <a:r>
+              <a:rPr lang="en-US" dirty="0">
+                <a:solidFill>
+                  <a:srgbClr val="09885A"/>
+                </a:solidFill>
+                <a:latin typeface="Consolas" panose="020B0609020204030204" pitchFamily="49" charset="0"/>
+              </a:rPr>
+              <a:t>4</a:t>
+            </a:r>
+            <a:r>
+              <a:rPr lang="en-US" dirty="0">
+                <a:solidFill>
+                  <a:srgbClr val="000000"/>
+                </a:solidFill>
+                <a:latin typeface="Consolas" panose="020B0609020204030204" pitchFamily="49" charset="0"/>
+              </a:rPr>
+              <a:t>..]; </a:t>
+            </a:r>
+            <a:r>
+              <a:rPr lang="en-US" dirty="0">
+                <a:solidFill>
+                  <a:srgbClr val="008000"/>
+                </a:solidFill>
+                <a:latin typeface="Consolas" panose="020B0609020204030204" pitchFamily="49" charset="0"/>
+              </a:rPr>
+              <a:t>// out: 5, 6, 7, 8, 9</a:t>
+            </a:r>
+          </a:p>
+          <a:p>
+            <a:pPr marL="0" indent="0">
+              <a:buNone/>
+            </a:pPr>
+            <a:r>
+              <a:rPr lang="en-US" dirty="0">
+                <a:solidFill>
+                  <a:srgbClr val="001080"/>
+                </a:solidFill>
+                <a:latin typeface="Consolas" panose="020B0609020204030204" pitchFamily="49" charset="0"/>
+              </a:rPr>
+              <a:t>array</a:t>
+            </a:r>
+            <a:r>
+              <a:rPr lang="en-US" dirty="0">
+                <a:solidFill>
+                  <a:srgbClr val="000000"/>
+                </a:solidFill>
+                <a:latin typeface="Consolas" panose="020B0609020204030204" pitchFamily="49" charset="0"/>
+              </a:rPr>
+              <a:t>[..</a:t>
+            </a:r>
+            <a:r>
+              <a:rPr lang="en-US" dirty="0">
+                <a:solidFill>
+                  <a:srgbClr val="09885A"/>
+                </a:solidFill>
+                <a:latin typeface="Consolas" panose="020B0609020204030204" pitchFamily="49" charset="0"/>
+              </a:rPr>
+              <a:t>3</a:t>
+            </a:r>
+            <a:r>
+              <a:rPr lang="en-US" dirty="0">
+                <a:solidFill>
+                  <a:srgbClr val="000000"/>
+                </a:solidFill>
+                <a:latin typeface="Consolas" panose="020B0609020204030204" pitchFamily="49" charset="0"/>
+              </a:rPr>
+              <a:t>]; </a:t>
+            </a:r>
+            <a:r>
+              <a:rPr lang="en-US" dirty="0">
+                <a:solidFill>
+                  <a:srgbClr val="008000"/>
+                </a:solidFill>
+                <a:latin typeface="Consolas" panose="020B0609020204030204" pitchFamily="49" charset="0"/>
+              </a:rPr>
+              <a:t>// out: 1, 2, 3</a:t>
+            </a:r>
+            <a:endParaRPr lang="en-US" dirty="0">
+              <a:solidFill>
+                <a:srgbClr val="000000"/>
+              </a:solidFill>
+              <a:latin typeface="Consolas" panose="020B0609020204030204" pitchFamily="49" charset="0"/>
+            </a:endParaRPr>
+          </a:p>
+          <a:p>
+            <a:pPr marL="0" indent="0">
+              <a:buNone/>
+            </a:pPr>
+            <a:r>
+              <a:rPr lang="en-US" dirty="0">
+                <a:solidFill>
+                  <a:srgbClr val="001080"/>
+                </a:solidFill>
+                <a:latin typeface="Consolas" panose="020B0609020204030204" pitchFamily="49" charset="0"/>
+              </a:rPr>
+              <a:t>array</a:t>
+            </a:r>
+            <a:r>
+              <a:rPr lang="en-US" dirty="0">
+                <a:solidFill>
+                  <a:srgbClr val="000000"/>
+                </a:solidFill>
+                <a:latin typeface="Consolas" panose="020B0609020204030204" pitchFamily="49" charset="0"/>
+              </a:rPr>
+              <a:t>[..^</a:t>
+            </a:r>
+            <a:r>
+              <a:rPr lang="en-US" dirty="0">
+                <a:solidFill>
+                  <a:srgbClr val="09885A"/>
+                </a:solidFill>
+                <a:latin typeface="Consolas" panose="020B0609020204030204" pitchFamily="49" charset="0"/>
+              </a:rPr>
+              <a:t>3</a:t>
+            </a:r>
+            <a:r>
+              <a:rPr lang="en-US" dirty="0">
+                <a:solidFill>
+                  <a:srgbClr val="000000"/>
+                </a:solidFill>
+                <a:latin typeface="Consolas" panose="020B0609020204030204" pitchFamily="49" charset="0"/>
+              </a:rPr>
+              <a:t>]; </a:t>
+            </a:r>
+            <a:r>
+              <a:rPr lang="en-US" dirty="0">
+                <a:solidFill>
+                  <a:srgbClr val="008000"/>
+                </a:solidFill>
+                <a:latin typeface="Consolas" panose="020B0609020204030204" pitchFamily="49" charset="0"/>
+              </a:rPr>
+              <a:t>// out: 1, 2, 3, 4, 5, 6</a:t>
+            </a:r>
+            <a:endParaRPr lang="en-US" dirty="0">
+              <a:solidFill>
+                <a:srgbClr val="000000"/>
+              </a:solidFill>
+              <a:latin typeface="Consolas" panose="020B0609020204030204" pitchFamily="49" charset="0"/>
+            </a:endParaRPr>
+          </a:p>
+          <a:p>
+            <a:pPr marL="0" indent="0">
+              <a:buNone/>
+            </a:pPr>
+            <a:r>
+              <a:rPr lang="en-US" dirty="0">
+                <a:solidFill>
+                  <a:srgbClr val="001080"/>
+                </a:solidFill>
+                <a:latin typeface="Consolas" panose="020B0609020204030204" pitchFamily="49" charset="0"/>
+              </a:rPr>
+              <a:t>array</a:t>
+            </a:r>
+            <a:r>
+              <a:rPr lang="en-US" dirty="0">
+                <a:solidFill>
+                  <a:srgbClr val="000000"/>
+                </a:solidFill>
+                <a:latin typeface="Consolas" panose="020B0609020204030204" pitchFamily="49" charset="0"/>
+              </a:rPr>
+              <a:t>[</a:t>
+            </a:r>
+            <a:r>
+              <a:rPr lang="en-US" dirty="0">
+                <a:solidFill>
+                  <a:srgbClr val="09885A"/>
+                </a:solidFill>
+                <a:latin typeface="Consolas" panose="020B0609020204030204" pitchFamily="49" charset="0"/>
+              </a:rPr>
+              <a:t>5</a:t>
+            </a:r>
+            <a:r>
+              <a:rPr lang="en-US" dirty="0">
+                <a:solidFill>
+                  <a:srgbClr val="000000"/>
+                </a:solidFill>
+                <a:latin typeface="Consolas" panose="020B0609020204030204" pitchFamily="49" charset="0"/>
+              </a:rPr>
+              <a:t>..^</a:t>
+            </a:r>
+            <a:r>
+              <a:rPr lang="en-US" dirty="0">
+                <a:solidFill>
+                  <a:srgbClr val="09885A"/>
+                </a:solidFill>
+                <a:latin typeface="Consolas" panose="020B0609020204030204" pitchFamily="49" charset="0"/>
+              </a:rPr>
+              <a:t>0</a:t>
+            </a:r>
+            <a:r>
+              <a:rPr lang="en-US" dirty="0">
+                <a:solidFill>
+                  <a:srgbClr val="000000"/>
+                </a:solidFill>
+                <a:latin typeface="Consolas" panose="020B0609020204030204" pitchFamily="49" charset="0"/>
+              </a:rPr>
+              <a:t>]; </a:t>
+            </a:r>
+            <a:r>
+              <a:rPr lang="en-US" dirty="0">
+                <a:solidFill>
+                  <a:srgbClr val="008000"/>
+                </a:solidFill>
+                <a:latin typeface="Consolas" panose="020B0609020204030204" pitchFamily="49" charset="0"/>
+              </a:rPr>
+              <a:t>// out: 6, 7, 8, 9</a:t>
+            </a:r>
+          </a:p>
+          <a:p>
+            <a:pPr marL="0" indent="0">
+              <a:buNone/>
+            </a:pPr>
+            <a:r>
+              <a:rPr lang="en-US" dirty="0">
+                <a:solidFill>
+                  <a:srgbClr val="001080"/>
+                </a:solidFill>
+                <a:latin typeface="Consolas" panose="020B0609020204030204" pitchFamily="49" charset="0"/>
+              </a:rPr>
+              <a:t>array</a:t>
+            </a:r>
+            <a:r>
+              <a:rPr lang="en-US" dirty="0">
+                <a:solidFill>
+                  <a:srgbClr val="000000"/>
+                </a:solidFill>
+                <a:latin typeface="Consolas" panose="020B0609020204030204" pitchFamily="49" charset="0"/>
+              </a:rPr>
+              <a:t>[..]; </a:t>
+            </a:r>
+            <a:r>
+              <a:rPr lang="en-US" dirty="0">
+                <a:solidFill>
+                  <a:srgbClr val="008000"/>
+                </a:solidFill>
+                <a:latin typeface="Consolas" panose="020B0609020204030204" pitchFamily="49" charset="0"/>
+              </a:rPr>
+              <a:t>// out: 1, 2, 3, 4, 5, 6, 7, 8, 9</a:t>
+            </a:r>
+            <a:endParaRPr lang="en-US" dirty="0">
+              <a:solidFill>
+                <a:srgbClr val="000000"/>
+              </a:solidFill>
+              <a:latin typeface="Consolas" panose="020B0609020204030204" pitchFamily="49" charset="0"/>
+            </a:endParaRPr>
+          </a:p>
+          <a:p>
+            <a:pPr marL="0" indent="0">
+              <a:buNone/>
+            </a:pPr>
+            <a:endParaRPr lang="en-US" dirty="0">
+              <a:solidFill>
+                <a:srgbClr val="000000"/>
+              </a:solidFill>
+              <a:latin typeface="Consolas" panose="020B0609020204030204" pitchFamily="49" charset="0"/>
+            </a:endParaRPr>
+          </a:p>
+          <a:p>
+            <a:endParaRPr lang="en-US" dirty="0"/>
+          </a:p>
+        </p:txBody>
+      </p:sp>
+    </p:spTree>
+    <p:extLst>
+      <p:ext uri="{BB962C8B-B14F-4D97-AF65-F5344CB8AC3E}">
+        <p14:creationId xmlns:p14="http://schemas.microsoft.com/office/powerpoint/2010/main" val="2582969621"/>
+      </p:ext>
+    </p:extLst>
+  </p:cSld>
+  <p:clrMapOvr>
+    <a:masterClrMapping/>
+  </p:clrMapOvr>
+  <p:timing>
+    <p:tnLst>
+      <p:par>
+        <p:cTn id="1" dur="indefinite" restart="never" nodeType="tmRoot">
+          <p:childTnLst>
+            <p:seq concurrent="1" nextAc="seek">
+              <p:cTn id="2" dur="indefinite" nodeType="mainSeq">
+                <p:childTnLst>
+                  <p:par>
+                    <p:cTn id="3" fill="hold">
+                      <p:stCondLst>
+                        <p:cond delay="indefinite"/>
+                      </p:stCondLst>
+                      <p:childTnLst>
+                        <p:par>
+                          <p:cTn id="4" fill="hold">
+                            <p:stCondLst>
+                              <p:cond delay="0"/>
+                            </p:stCondLst>
+                            <p:childTnLst>
+                              <p:par>
+                                <p:cTn id="5" presetID="1" presetClass="entr" presetSubtype="0" fill="hold" grpId="0" nodeType="clickEffect">
+                                  <p:stCondLst>
+                                    <p:cond delay="0"/>
+                                  </p:stCondLst>
+                                  <p:childTnLst>
+                                    <p:set>
+                                      <p:cBhvr>
+                                        <p:cTn id="6" dur="1" fill="hold">
+                                          <p:stCondLst>
+                                            <p:cond delay="0"/>
+                                          </p:stCondLst>
+                                        </p:cTn>
+                                        <p:tgtEl>
+                                          <p:spTgt spid="3">
+                                            <p:txEl>
+                                              <p:pRg st="0" end="0"/>
+                                            </p:txEl>
+                                          </p:spTgt>
+                                        </p:tgtEl>
+                                        <p:attrNameLst>
+                                          <p:attrName>style.visibility</p:attrName>
+                                        </p:attrNameLst>
+                                      </p:cBhvr>
+                                      <p:to>
+                                        <p:strVal val="visible"/>
+                                      </p:to>
+                                    </p:set>
+                                  </p:childTnLst>
+                                </p:cTn>
+                              </p:par>
+                            </p:childTnLst>
+                          </p:cTn>
+                        </p:par>
+                      </p:childTnLst>
+                    </p:cTn>
+                  </p:par>
+                  <p:par>
+                    <p:cTn id="7" fill="hold">
+                      <p:stCondLst>
+                        <p:cond delay="indefinite"/>
+                      </p:stCondLst>
+                      <p:childTnLst>
+                        <p:par>
+                          <p:cTn id="8" fill="hold">
+                            <p:stCondLst>
+                              <p:cond delay="0"/>
+                            </p:stCondLst>
+                            <p:childTnLst>
+                              <p:par>
+                                <p:cTn id="9" presetID="1" presetClass="entr" presetSubtype="0" fill="hold" grpId="0" nodeType="clickEffect">
+                                  <p:stCondLst>
+                                    <p:cond delay="0"/>
+                                  </p:stCondLst>
+                                  <p:childTnLst>
+                                    <p:set>
+                                      <p:cBhvr>
+                                        <p:cTn id="10" dur="1" fill="hold">
+                                          <p:stCondLst>
+                                            <p:cond delay="0"/>
+                                          </p:stCondLst>
+                                        </p:cTn>
+                                        <p:tgtEl>
+                                          <p:spTgt spid="3">
+                                            <p:txEl>
+                                              <p:pRg st="2" end="2"/>
+                                            </p:txEl>
+                                          </p:spTgt>
+                                        </p:tgtEl>
+                                        <p:attrNameLst>
+                                          <p:attrName>style.visibility</p:attrName>
+                                        </p:attrNameLst>
+                                      </p:cBhvr>
+                                      <p:to>
+                                        <p:strVal val="visible"/>
+                                      </p:to>
+                                    </p:set>
+                                  </p:childTnLst>
+                                </p:cTn>
+                              </p:par>
+                            </p:childTnLst>
+                          </p:cTn>
+                        </p:par>
+                      </p:childTnLst>
+                    </p:cTn>
+                  </p:par>
+                  <p:par>
+                    <p:cTn id="11" fill="hold">
+                      <p:stCondLst>
+                        <p:cond delay="indefinite"/>
+                      </p:stCondLst>
+                      <p:childTnLst>
+                        <p:par>
+                          <p:cTn id="12" fill="hold">
+                            <p:stCondLst>
+                              <p:cond delay="0"/>
+                            </p:stCondLst>
+                            <p:childTnLst>
+                              <p:par>
+                                <p:cTn id="13" presetID="1" presetClass="entr" presetSubtype="0" fill="hold" grpId="0" nodeType="clickEffect">
+                                  <p:stCondLst>
+                                    <p:cond delay="0"/>
+                                  </p:stCondLst>
+                                  <p:childTnLst>
+                                    <p:set>
+                                      <p:cBhvr>
+                                        <p:cTn id="14" dur="1" fill="hold">
+                                          <p:stCondLst>
+                                            <p:cond delay="0"/>
+                                          </p:stCondLst>
+                                        </p:cTn>
+                                        <p:tgtEl>
+                                          <p:spTgt spid="3">
+                                            <p:txEl>
+                                              <p:pRg st="3" end="3"/>
+                                            </p:txEl>
+                                          </p:spTgt>
+                                        </p:tgtEl>
+                                        <p:attrNameLst>
+                                          <p:attrName>style.visibility</p:attrName>
+                                        </p:attrNameLst>
+                                      </p:cBhvr>
+                                      <p:to>
+                                        <p:strVal val="visible"/>
+                                      </p:to>
+                                    </p:set>
+                                  </p:childTnLst>
+                                </p:cTn>
+                              </p:par>
+                            </p:childTnLst>
+                          </p:cTn>
+                        </p:par>
+                      </p:childTnLst>
+                    </p:cTn>
+                  </p:par>
+                  <p:par>
+                    <p:cTn id="15" fill="hold">
+                      <p:stCondLst>
+                        <p:cond delay="indefinite"/>
+                      </p:stCondLst>
+                      <p:childTnLst>
+                        <p:par>
+                          <p:cTn id="16" fill="hold">
+                            <p:stCondLst>
+                              <p:cond delay="0"/>
+                            </p:stCondLst>
+                            <p:childTnLst>
+                              <p:par>
+                                <p:cTn id="17" presetID="1" presetClass="entr" presetSubtype="0" fill="hold" grpId="0" nodeType="clickEffect">
+                                  <p:stCondLst>
+                                    <p:cond delay="0"/>
+                                  </p:stCondLst>
+                                  <p:childTnLst>
+                                    <p:set>
+                                      <p:cBhvr>
+                                        <p:cTn id="18" dur="1" fill="hold">
+                                          <p:stCondLst>
+                                            <p:cond delay="0"/>
+                                          </p:stCondLst>
+                                        </p:cTn>
+                                        <p:tgtEl>
+                                          <p:spTgt spid="3">
+                                            <p:txEl>
+                                              <p:pRg st="4" end="4"/>
+                                            </p:txEl>
+                                          </p:spTgt>
+                                        </p:tgtEl>
+                                        <p:attrNameLst>
+                                          <p:attrName>style.visibility</p:attrName>
+                                        </p:attrNameLst>
+                                      </p:cBhvr>
+                                      <p:to>
+                                        <p:strVal val="visible"/>
+                                      </p:to>
+                                    </p:set>
+                                  </p:childTnLst>
+                                </p:cTn>
+                              </p:par>
+                            </p:childTnLst>
+                          </p:cTn>
+                        </p:par>
+                      </p:childTnLst>
+                    </p:cTn>
+                  </p:par>
+                  <p:par>
+                    <p:cTn id="19" fill="hold">
+                      <p:stCondLst>
+                        <p:cond delay="indefinite"/>
+                      </p:stCondLst>
+                      <p:childTnLst>
+                        <p:par>
+                          <p:cTn id="20" fill="hold">
+                            <p:stCondLst>
+                              <p:cond delay="0"/>
+                            </p:stCondLst>
+                            <p:childTnLst>
+                              <p:par>
+                                <p:cTn id="21" presetID="1" presetClass="entr" presetSubtype="0" fill="hold" grpId="0" nodeType="clickEffect">
+                                  <p:stCondLst>
+                                    <p:cond delay="0"/>
+                                  </p:stCondLst>
+                                  <p:childTnLst>
+                                    <p:set>
+                                      <p:cBhvr>
+                                        <p:cTn id="22" dur="1" fill="hold">
+                                          <p:stCondLst>
+                                            <p:cond delay="0"/>
+                                          </p:stCondLst>
+                                        </p:cTn>
+                                        <p:tgtEl>
+                                          <p:spTgt spid="3">
+                                            <p:txEl>
+                                              <p:pRg st="5" end="5"/>
+                                            </p:txEl>
+                                          </p:spTgt>
+                                        </p:tgtEl>
+                                        <p:attrNameLst>
+                                          <p:attrName>style.visibility</p:attrName>
+                                        </p:attrNameLst>
+                                      </p:cBhvr>
+                                      <p:to>
+                                        <p:strVal val="visible"/>
+                                      </p:to>
+                                    </p:set>
+                                  </p:childTnLst>
+                                </p:cTn>
+                              </p:par>
+                            </p:childTnLst>
+                          </p:cTn>
+                        </p:par>
+                      </p:childTnLst>
+                    </p:cTn>
+                  </p:par>
+                  <p:par>
+                    <p:cTn id="23" fill="hold">
+                      <p:stCondLst>
+                        <p:cond delay="indefinite"/>
+                      </p:stCondLst>
+                      <p:childTnLst>
+                        <p:par>
+                          <p:cTn id="24" fill="hold">
+                            <p:stCondLst>
+                              <p:cond delay="0"/>
+                            </p:stCondLst>
+                            <p:childTnLst>
+                              <p:par>
+                                <p:cTn id="25" presetID="1" presetClass="entr" presetSubtype="0" fill="hold" grpId="0" nodeType="clickEffect">
+                                  <p:stCondLst>
+                                    <p:cond delay="0"/>
+                                  </p:stCondLst>
+                                  <p:childTnLst>
+                                    <p:set>
+                                      <p:cBhvr>
+                                        <p:cTn id="26" dur="1" fill="hold">
+                                          <p:stCondLst>
+                                            <p:cond delay="0"/>
+                                          </p:stCondLst>
+                                        </p:cTn>
+                                        <p:tgtEl>
+                                          <p:spTgt spid="3">
+                                            <p:txEl>
+                                              <p:pRg st="6" end="6"/>
+                                            </p:txEl>
+                                          </p:spTgt>
+                                        </p:tgtEl>
+                                        <p:attrNameLst>
+                                          <p:attrName>style.visibility</p:attrName>
+                                        </p:attrNameLst>
+                                      </p:cBhvr>
+                                      <p:to>
+                                        <p:strVal val="visible"/>
+                                      </p:to>
+                                    </p:set>
+                                  </p:childTnLst>
+                                </p:cTn>
+                              </p:par>
+                            </p:childTnLst>
+                          </p:cTn>
+                        </p:par>
+                      </p:childTnLst>
+                    </p:cTn>
+                  </p:par>
+                </p:childTnLst>
+              </p:cTn>
+              <p:prevCondLst>
+                <p:cond evt="onPrev" delay="0">
+                  <p:tgtEl>
+                    <p:sldTgt/>
+                  </p:tgtEl>
+                </p:cond>
+              </p:prevCondLst>
+              <p:nextCondLst>
+                <p:cond evt="onNext" delay="0">
+                  <p:tgtEl>
+                    <p:sldTgt/>
+                  </p:tgtEl>
+                </p:cond>
+              </p:nextCondLst>
+            </p:seq>
+          </p:childTnLst>
+        </p:cTn>
+      </p:par>
+    </p:tnLst>
+    <p:bldLst>
+      <p:bldP spid="3" grpId="0" build="p"/>
+    </p:bldLst>
+  </p:timing>
+</p:sld>
+</file>
+
+<file path=ppt/slides/slide32.xml><?xml version="1.0" encoding="utf-8"?>
+<p:sld xmlns:a="http://schemas.openxmlformats.org/drawingml/2006/main" xmlns:r="http://schemas.openxmlformats.org/officeDocument/2006/relationships" xmlns:p="http://schemas.openxmlformats.org/presentationml/2006/main">
+  <p:cSld>
+    <p:spTree>
+      <p:nvGrpSpPr>
+        <p:cNvPr id="1" name=""/>
+        <p:cNvGrpSpPr/>
+        <p:nvPr/>
+      </p:nvGrpSpPr>
+      <p:grpSpPr>
+        <a:xfrm>
+          <a:off x="0" y="0"/>
+          <a:ext cx="0" cy="0"/>
+          <a:chOff x="0" y="0"/>
+          <a:chExt cx="0" cy="0"/>
+        </a:xfrm>
+      </p:grpSpPr>
+      <p:sp>
+        <p:nvSpPr>
+          <p:cNvPr id="2" name="Title 1">
+            <a:extLst>
+              <a:ext uri="{FF2B5EF4-FFF2-40B4-BE49-F238E27FC236}">
+                <a16:creationId xmlns:a16="http://schemas.microsoft.com/office/drawing/2014/main" id="{FBAEE788-E5AF-4ACD-B4A9-4946E008DE1A}"/>
+              </a:ext>
+            </a:extLst>
+          </p:cNvPr>
+          <p:cNvSpPr>
+            <a:spLocks noGrp="1"/>
+          </p:cNvSpPr>
+          <p:nvPr>
+            <p:ph type="title"/>
+          </p:nvPr>
+        </p:nvSpPr>
+        <p:spPr/>
+        <p:txBody>
+          <a:bodyPr/>
+          <a:lstStyle/>
+          <a:p>
+            <a:r>
+              <a:rPr lang="en-US" dirty="0"/>
+              <a:t>Range </a:t>
+            </a:r>
+            <a:r>
+              <a:rPr lang="ru-RU" dirty="0"/>
+              <a:t>и </a:t>
+            </a:r>
+            <a:r>
+              <a:rPr lang="en-US" dirty="0"/>
+              <a:t>Index </a:t>
+            </a:r>
+            <a:r>
+              <a:rPr lang="ru-RU" dirty="0"/>
+              <a:t>можно применять к</a:t>
+            </a:r>
+            <a:endParaRPr lang="en-US" dirty="0"/>
+          </a:p>
+        </p:txBody>
+      </p:sp>
+      <p:sp>
+        <p:nvSpPr>
+          <p:cNvPr id="3" name="Content Placeholder 2">
+            <a:extLst>
+              <a:ext uri="{FF2B5EF4-FFF2-40B4-BE49-F238E27FC236}">
+                <a16:creationId xmlns:a16="http://schemas.microsoft.com/office/drawing/2014/main" id="{B4234FD8-789B-4D3B-9826-B1403A488E5A}"/>
+              </a:ext>
+            </a:extLst>
+          </p:cNvPr>
+          <p:cNvSpPr>
+            <a:spLocks noGrp="1"/>
+          </p:cNvSpPr>
+          <p:nvPr>
+            <p:ph idx="1"/>
+          </p:nvPr>
+        </p:nvSpPr>
+        <p:spPr/>
+        <p:txBody>
+          <a:bodyPr>
+            <a:normAutofit/>
+          </a:bodyPr>
+          <a:lstStyle/>
+          <a:p>
+            <a:r>
+              <a:rPr lang="en-US" sz="3600" dirty="0"/>
+              <a:t>Array</a:t>
+            </a:r>
+          </a:p>
+          <a:p>
+            <a:r>
+              <a:rPr lang="en-US" sz="3600" dirty="0"/>
+              <a:t>Span</a:t>
+            </a:r>
+          </a:p>
+          <a:p>
+            <a:r>
+              <a:rPr lang="en-US" sz="3600" dirty="0"/>
+              <a:t>String</a:t>
+            </a:r>
+          </a:p>
+          <a:p>
+            <a:pPr lvl="1"/>
+            <a:r>
+              <a:rPr lang="en-US" sz="2800" dirty="0"/>
+              <a:t> </a:t>
+            </a:r>
+            <a:r>
+              <a:rPr lang="en-US" dirty="0">
+                <a:solidFill>
+                  <a:srgbClr val="0000FF"/>
+                </a:solidFill>
+                <a:latin typeface="Consolas" panose="020B0609020204030204" pitchFamily="49" charset="0"/>
+              </a:rPr>
+              <a:t>string</a:t>
+            </a:r>
+            <a:r>
+              <a:rPr lang="en-US" dirty="0">
+                <a:solidFill>
+                  <a:srgbClr val="000000"/>
+                </a:solidFill>
+                <a:latin typeface="Consolas" panose="020B0609020204030204" pitchFamily="49" charset="0"/>
+              </a:rPr>
+              <a:t> </a:t>
+            </a:r>
+            <a:r>
+              <a:rPr lang="en-US" dirty="0">
+                <a:solidFill>
+                  <a:srgbClr val="001080"/>
+                </a:solidFill>
+                <a:latin typeface="Consolas" panose="020B0609020204030204" pitchFamily="49" charset="0"/>
+              </a:rPr>
+              <a:t>substring</a:t>
+            </a:r>
+            <a:r>
+              <a:rPr lang="en-US" dirty="0">
+                <a:solidFill>
+                  <a:srgbClr val="000000"/>
+                </a:solidFill>
+                <a:latin typeface="Consolas" panose="020B0609020204030204" pitchFamily="49" charset="0"/>
+              </a:rPr>
+              <a:t> = </a:t>
+            </a:r>
+            <a:r>
+              <a:rPr lang="en-US" dirty="0">
+                <a:solidFill>
+                  <a:srgbClr val="A31515"/>
+                </a:solidFill>
+                <a:latin typeface="Consolas" panose="020B0609020204030204" pitchFamily="49" charset="0"/>
+              </a:rPr>
+              <a:t>"Hello World"</a:t>
+            </a:r>
+            <a:r>
+              <a:rPr lang="en-US" dirty="0">
+                <a:solidFill>
+                  <a:srgbClr val="000000"/>
+                </a:solidFill>
+                <a:latin typeface="Consolas" panose="020B0609020204030204" pitchFamily="49" charset="0"/>
+              </a:rPr>
+              <a:t>[..</a:t>
+            </a:r>
+            <a:r>
+              <a:rPr lang="en-US" dirty="0">
+                <a:solidFill>
+                  <a:srgbClr val="09885A"/>
+                </a:solidFill>
+                <a:latin typeface="Consolas" panose="020B0609020204030204" pitchFamily="49" charset="0"/>
+              </a:rPr>
+              <a:t>5</a:t>
+            </a:r>
+            <a:r>
+              <a:rPr lang="en-US" dirty="0">
+                <a:solidFill>
+                  <a:srgbClr val="000000"/>
+                </a:solidFill>
+                <a:latin typeface="Consolas" panose="020B0609020204030204" pitchFamily="49" charset="0"/>
+              </a:rPr>
+              <a:t>]; </a:t>
+            </a:r>
+            <a:r>
+              <a:rPr lang="en-US" dirty="0">
+                <a:solidFill>
+                  <a:srgbClr val="008000"/>
+                </a:solidFill>
+                <a:latin typeface="Consolas" panose="020B0609020204030204" pitchFamily="49" charset="0"/>
+              </a:rPr>
+              <a:t>// out: Hello</a:t>
+            </a:r>
+            <a:endParaRPr lang="en-US" dirty="0">
+              <a:solidFill>
+                <a:srgbClr val="000000"/>
+              </a:solidFill>
+              <a:latin typeface="Consolas" panose="020B0609020204030204" pitchFamily="49" charset="0"/>
+            </a:endParaRPr>
+          </a:p>
+          <a:p>
+            <a:pPr lvl="1"/>
+            <a:endParaRPr lang="en-US" sz="3200" dirty="0"/>
+          </a:p>
+        </p:txBody>
+      </p:sp>
+    </p:spTree>
+    <p:extLst>
+      <p:ext uri="{BB962C8B-B14F-4D97-AF65-F5344CB8AC3E}">
+        <p14:creationId xmlns:p14="http://schemas.microsoft.com/office/powerpoint/2010/main" val="2286578673"/>
+      </p:ext>
+    </p:extLst>
+  </p:cSld>
+  <p:clrMapOvr>
+    <a:masterClrMapping/>
+  </p:clrMapOvr>
+  <p:timing>
+    <p:tnLst>
+      <p:par>
+        <p:cTn id="1" dur="indefinite" restart="never" nodeType="tmRoot">
+          <p:childTnLst>
+            <p:seq concurrent="1" nextAc="seek">
+              <p:cTn id="2" dur="indefinite" nodeType="mainSeq">
+                <p:childTnLst>
+                  <p:par>
+                    <p:cTn id="3" fill="hold">
+                      <p:stCondLst>
+                        <p:cond delay="indefinite"/>
+                      </p:stCondLst>
+                      <p:childTnLst>
+                        <p:par>
+                          <p:cTn id="4" fill="hold">
+                            <p:stCondLst>
+                              <p:cond delay="0"/>
+                            </p:stCondLst>
+                            <p:childTnLst>
+                              <p:par>
+                                <p:cTn id="5" presetID="1" presetClass="entr" presetSubtype="0" fill="hold" grpId="0" nodeType="clickEffect">
+                                  <p:stCondLst>
+                                    <p:cond delay="0"/>
+                                  </p:stCondLst>
+                                  <p:childTnLst>
+                                    <p:set>
+                                      <p:cBhvr>
+                                        <p:cTn id="6" dur="1" fill="hold">
+                                          <p:stCondLst>
+                                            <p:cond delay="0"/>
+                                          </p:stCondLst>
+                                        </p:cTn>
+                                        <p:tgtEl>
+                                          <p:spTgt spid="3">
+                                            <p:txEl>
+                                              <p:pRg st="0" end="0"/>
+                                            </p:txEl>
+                                          </p:spTgt>
+                                        </p:tgtEl>
+                                        <p:attrNameLst>
+                                          <p:attrName>style.visibility</p:attrName>
+                                        </p:attrNameLst>
+                                      </p:cBhvr>
+                                      <p:to>
+                                        <p:strVal val="visible"/>
+                                      </p:to>
+                                    </p:set>
+                                  </p:childTnLst>
+                                </p:cTn>
+                              </p:par>
+                            </p:childTnLst>
+                          </p:cTn>
+                        </p:par>
+                      </p:childTnLst>
+                    </p:cTn>
+                  </p:par>
+                  <p:par>
+                    <p:cTn id="7" fill="hold">
+                      <p:stCondLst>
+                        <p:cond delay="indefinite"/>
+                      </p:stCondLst>
+                      <p:childTnLst>
+                        <p:par>
+                          <p:cTn id="8" fill="hold">
+                            <p:stCondLst>
+                              <p:cond delay="0"/>
+                            </p:stCondLst>
+                            <p:childTnLst>
+                              <p:par>
+                                <p:cTn id="9" presetID="1" presetClass="entr" presetSubtype="0" fill="hold" grpId="0" nodeType="clickEffect">
+                                  <p:stCondLst>
+                                    <p:cond delay="0"/>
+                                  </p:stCondLst>
+                                  <p:childTnLst>
+                                    <p:set>
+                                      <p:cBhvr>
+                                        <p:cTn id="10" dur="1" fill="hold">
+                                          <p:stCondLst>
+                                            <p:cond delay="0"/>
+                                          </p:stCondLst>
+                                        </p:cTn>
+                                        <p:tgtEl>
+                                          <p:spTgt spid="3">
+                                            <p:txEl>
+                                              <p:pRg st="1" end="1"/>
+                                            </p:txEl>
+                                          </p:spTgt>
+                                        </p:tgtEl>
+                                        <p:attrNameLst>
+                                          <p:attrName>style.visibility</p:attrName>
+                                        </p:attrNameLst>
+                                      </p:cBhvr>
+                                      <p:to>
+                                        <p:strVal val="visible"/>
+                                      </p:to>
+                                    </p:set>
+                                  </p:childTnLst>
+                                </p:cTn>
+                              </p:par>
+                            </p:childTnLst>
+                          </p:cTn>
+                        </p:par>
+                      </p:childTnLst>
+                    </p:cTn>
+                  </p:par>
+                  <p:par>
+                    <p:cTn id="11" fill="hold">
+                      <p:stCondLst>
+                        <p:cond delay="indefinite"/>
+                      </p:stCondLst>
+                      <p:childTnLst>
+                        <p:par>
+                          <p:cTn id="12" fill="hold">
+                            <p:stCondLst>
+                              <p:cond delay="0"/>
+                            </p:stCondLst>
+                            <p:childTnLst>
+                              <p:par>
+                                <p:cTn id="13" presetID="1" presetClass="entr" presetSubtype="0" fill="hold" grpId="0" nodeType="clickEffect">
+                                  <p:stCondLst>
+                                    <p:cond delay="0"/>
+                                  </p:stCondLst>
+                                  <p:childTnLst>
+                                    <p:set>
+                                      <p:cBhvr>
+                                        <p:cTn id="14" dur="1" fill="hold">
+                                          <p:stCondLst>
+                                            <p:cond delay="0"/>
+                                          </p:stCondLst>
+                                        </p:cTn>
+                                        <p:tgtEl>
+                                          <p:spTgt spid="3">
+                                            <p:txEl>
+                                              <p:pRg st="2" end="2"/>
+                                            </p:txEl>
+                                          </p:spTgt>
+                                        </p:tgtEl>
+                                        <p:attrNameLst>
+                                          <p:attrName>style.visibility</p:attrName>
+                                        </p:attrNameLst>
+                                      </p:cBhvr>
+                                      <p:to>
+                                        <p:strVal val="visible"/>
+                                      </p:to>
+                                    </p:set>
+                                  </p:childTnLst>
+                                </p:cTn>
+                              </p:par>
+                            </p:childTnLst>
+                          </p:cTn>
+                        </p:par>
+                      </p:childTnLst>
+                    </p:cTn>
+                  </p:par>
+                  <p:par>
+                    <p:cTn id="15" fill="hold">
+                      <p:stCondLst>
+                        <p:cond delay="indefinite"/>
+                      </p:stCondLst>
+                      <p:childTnLst>
+                        <p:par>
+                          <p:cTn id="16" fill="hold">
+                            <p:stCondLst>
+                              <p:cond delay="0"/>
+                            </p:stCondLst>
+                            <p:childTnLst>
+                              <p:par>
+                                <p:cTn id="17" presetID="1" presetClass="entr" presetSubtype="0" fill="hold" grpId="0" nodeType="clickEffect">
+                                  <p:stCondLst>
+                                    <p:cond delay="0"/>
+                                  </p:stCondLst>
+                                  <p:childTnLst>
+                                    <p:set>
+                                      <p:cBhvr>
+                                        <p:cTn id="18" dur="1" fill="hold">
+                                          <p:stCondLst>
+                                            <p:cond delay="0"/>
+                                          </p:stCondLst>
+                                        </p:cTn>
+                                        <p:tgtEl>
+                                          <p:spTgt spid="3">
+                                            <p:txEl>
+                                              <p:pRg st="3" end="3"/>
+                                            </p:txEl>
+                                          </p:spTgt>
+                                        </p:tgtEl>
+                                        <p:attrNameLst>
+                                          <p:attrName>style.visibility</p:attrName>
+                                        </p:attrNameLst>
+                                      </p:cBhvr>
+                                      <p:to>
+                                        <p:strVal val="visible"/>
+                                      </p:to>
+                                    </p:set>
+                                  </p:childTnLst>
+                                </p:cTn>
+                              </p:par>
+                            </p:childTnLst>
+                          </p:cTn>
+                        </p:par>
+                      </p:childTnLst>
+                    </p:cTn>
+                  </p:par>
+                </p:childTnLst>
+              </p:cTn>
+              <p:prevCondLst>
+                <p:cond evt="onPrev" delay="0">
+                  <p:tgtEl>
+                    <p:sldTgt/>
+                  </p:tgtEl>
+                </p:cond>
+              </p:prevCondLst>
+              <p:nextCondLst>
+                <p:cond evt="onNext" delay="0">
+                  <p:tgtEl>
+                    <p:sldTgt/>
+                  </p:tgtEl>
+                </p:cond>
+              </p:nextCondLst>
+            </p:seq>
+          </p:childTnLst>
+        </p:cTn>
+      </p:par>
+    </p:tnLst>
+    <p:bldLst>
+      <p:bldP spid="3" grpId="0" uiExpand="1" build="p"/>
+    </p:bldLst>
+  </p:timing>
+</p:sld>
+</file>
+
+<file path=ppt/slides/slide33.xml><?xml version="1.0" encoding="utf-8"?>
+<p:sld xmlns:a="http://schemas.openxmlformats.org/drawingml/2006/main" xmlns:r="http://schemas.openxmlformats.org/officeDocument/2006/relationships" xmlns:p="http://schemas.openxmlformats.org/presentationml/2006/main">
+  <p:cSld>
+    <p:spTree>
+      <p:nvGrpSpPr>
+        <p:cNvPr id="1" name=""/>
+        <p:cNvGrpSpPr/>
+        <p:nvPr/>
+      </p:nvGrpSpPr>
+      <p:grpSpPr>
+        <a:xfrm>
+          <a:off x="0" y="0"/>
+          <a:ext cx="0" cy="0"/>
+          <a:chOff x="0" y="0"/>
+          <a:chExt cx="0" cy="0"/>
+        </a:xfrm>
+      </p:grpSpPr>
+      <p:sp>
+        <p:nvSpPr>
+          <p:cNvPr id="2" name="Title 1">
+            <a:extLst>
+              <a:ext uri="{FF2B5EF4-FFF2-40B4-BE49-F238E27FC236}">
                 <a16:creationId xmlns:a16="http://schemas.microsoft.com/office/drawing/2014/main" id="{D81000E8-35CA-4B30-A365-37E2B4E9520E}"/>
               </a:ext>
             </a:extLst>
@@ -19033,7 +26165,7 @@
 </p:sld>
 </file>
 
-<file path=ppt/slides/slide27.xml><?xml version="1.0" encoding="utf-8"?>
+<file path=ppt/slides/slide34.xml><?xml version="1.0" encoding="utf-8"?>
 <p:sld xmlns:a="http://schemas.openxmlformats.org/drawingml/2006/main" xmlns:r="http://schemas.openxmlformats.org/officeDocument/2006/relationships" xmlns:p="http://schemas.openxmlformats.org/presentationml/2006/main">
   <p:cSld>
     <p:spTree>
@@ -19803,7 +26935,7 @@
 </p:sld>
 </file>
 
-<file path=ppt/slides/slide28.xml><?xml version="1.0" encoding="utf-8"?>
+<file path=ppt/slides/slide35.xml><?xml version="1.0" encoding="utf-8"?>
 <p:sld xmlns:a="http://schemas.openxmlformats.org/drawingml/2006/main" xmlns:r="http://schemas.openxmlformats.org/officeDocument/2006/relationships" xmlns:p="http://schemas.openxmlformats.org/presentationml/2006/main">
   <p:cSld>
     <p:spTree>
@@ -21097,7 +28229,7 @@
 </p:sld>
 </file>
 
-<file path=ppt/slides/slide29.xml><?xml version="1.0" encoding="utf-8"?>
+<file path=ppt/slides/slide36.xml><?xml version="1.0" encoding="utf-8"?>
 <p:sld xmlns:a="http://schemas.openxmlformats.org/drawingml/2006/main" xmlns:r="http://schemas.openxmlformats.org/officeDocument/2006/relationships" xmlns:p="http://schemas.openxmlformats.org/presentationml/2006/main">
   <p:cSld>
     <p:spTree>
@@ -22987,106 +30119,7 @@
 </p:sld>
 </file>
 
-<file path=ppt/slides/slide3.xml><?xml version="1.0" encoding="utf-8"?>
-<p:sld xmlns:a="http://schemas.openxmlformats.org/drawingml/2006/main" xmlns:r="http://schemas.openxmlformats.org/officeDocument/2006/relationships" xmlns:p="http://schemas.openxmlformats.org/presentationml/2006/main">
-  <p:cSld>
-    <p:spTree>
-      <p:nvGrpSpPr>
-        <p:cNvPr id="1" name=""/>
-        <p:cNvGrpSpPr/>
-        <p:nvPr/>
-      </p:nvGrpSpPr>
-      <p:grpSpPr>
-        <a:xfrm>
-          <a:off x="0" y="0"/>
-          <a:ext cx="0" cy="0"/>
-          <a:chOff x="0" y="0"/>
-          <a:chExt cx="0" cy="0"/>
-        </a:xfrm>
-      </p:grpSpPr>
-      <p:sp>
-        <p:nvSpPr>
-          <p:cNvPr id="2" name="Title 1">
-            <a:extLst>
-              <a:ext uri="{FF2B5EF4-FFF2-40B4-BE49-F238E27FC236}">
-                <a16:creationId xmlns:a16="http://schemas.microsoft.com/office/drawing/2014/main" id="{57FB1402-7BF9-4789-A5B8-85A8DB8F3651}"/>
-              </a:ext>
-            </a:extLst>
-          </p:cNvPr>
-          <p:cNvSpPr>
-            <a:spLocks noGrp="1"/>
-          </p:cNvSpPr>
-          <p:nvPr>
-            <p:ph type="title"/>
-          </p:nvPr>
-        </p:nvSpPr>
-        <p:spPr/>
-        <p:txBody>
-          <a:bodyPr/>
-          <a:lstStyle/>
-          <a:p>
-            <a:r>
-              <a:rPr lang="en-US" dirty="0"/>
-              <a:t>C#8 </a:t>
-            </a:r>
-            <a:r>
-              <a:rPr lang="ru-RU" dirty="0"/>
-              <a:t>уже скоро</a:t>
-            </a:r>
-            <a:endParaRPr lang="en-US" dirty="0"/>
-          </a:p>
-        </p:txBody>
-      </p:sp>
-      <p:sp>
-        <p:nvSpPr>
-          <p:cNvPr id="3" name="Content Placeholder 2">
-            <a:extLst>
-              <a:ext uri="{FF2B5EF4-FFF2-40B4-BE49-F238E27FC236}">
-                <a16:creationId xmlns:a16="http://schemas.microsoft.com/office/drawing/2014/main" id="{D8E4C36B-3B29-49EF-97C7-3F46FDE93C64}"/>
-              </a:ext>
-            </a:extLst>
-          </p:cNvPr>
-          <p:cNvSpPr>
-            <a:spLocks noGrp="1"/>
-          </p:cNvSpPr>
-          <p:nvPr>
-            <p:ph idx="1"/>
-          </p:nvPr>
-        </p:nvSpPr>
-        <p:spPr/>
-        <p:txBody>
-          <a:bodyPr/>
-          <a:lstStyle/>
-          <a:p>
-            <a:r>
-              <a:rPr lang="en-US" dirty="0"/>
-              <a:t>TODO: </a:t>
-            </a:r>
-            <a:r>
-              <a:rPr lang="ru-RU" dirty="0"/>
-              <a:t>добавить картинку с </a:t>
-            </a:r>
-            <a:r>
-              <a:rPr lang="en-US" dirty="0"/>
-              <a:t>milestones</a:t>
-            </a:r>
-          </a:p>
-        </p:txBody>
-      </p:sp>
-    </p:spTree>
-    <p:extLst>
-      <p:ext uri="{BB962C8B-B14F-4D97-AF65-F5344CB8AC3E}">
-        <p14:creationId xmlns:p14="http://schemas.microsoft.com/office/powerpoint/2010/main" val="1601886800"/>
-      </p:ext>
-    </p:extLst>
-  </p:cSld>
-  <p:clrMapOvr>
-    <a:masterClrMapping/>
-  </p:clrMapOvr>
-</p:sld>
-</file>
-
-<file path=ppt/slides/slide30.xml><?xml version="1.0" encoding="utf-8"?>
+<file path=ppt/slides/slide37.xml><?xml version="1.0" encoding="utf-8"?>
 <p:sld xmlns:a="http://schemas.openxmlformats.org/drawingml/2006/main" xmlns:r="http://schemas.openxmlformats.org/officeDocument/2006/relationships" xmlns:p="http://schemas.openxmlformats.org/presentationml/2006/main">
   <p:cSld>
     <p:spTree>
@@ -24499,7 +31532,7 @@
 </p:sld>
 </file>
 
-<file path=ppt/slides/slide31.xml><?xml version="1.0" encoding="utf-8"?>
+<file path=ppt/slides/slide38.xml><?xml version="1.0" encoding="utf-8"?>
 <p:sld xmlns:a="http://schemas.openxmlformats.org/drawingml/2006/main" xmlns:r="http://schemas.openxmlformats.org/officeDocument/2006/relationships" xmlns:p="http://schemas.openxmlformats.org/presentationml/2006/main">
   <p:cSld>
     <p:spTree>
@@ -24980,7 +32013,7 @@
 </p:sld>
 </file>
 
-<file path=ppt/slides/slide32.xml><?xml version="1.0" encoding="utf-8"?>
+<file path=ppt/slides/slide39.xml><?xml version="1.0" encoding="utf-8"?>
 <p:sld xmlns:a="http://schemas.openxmlformats.org/drawingml/2006/main" xmlns:r="http://schemas.openxmlformats.org/officeDocument/2006/relationships" xmlns:p="http://schemas.openxmlformats.org/presentationml/2006/main">
   <p:cSld>
     <p:spTree>
@@ -25071,7 +32104,97 @@
 </p:sld>
 </file>
 
-<file path=ppt/slides/slide33.xml><?xml version="1.0" encoding="utf-8"?>
+<file path=ppt/slides/slide4.xml><?xml version="1.0" encoding="utf-8"?>
+<p:sld xmlns:a="http://schemas.openxmlformats.org/drawingml/2006/main" xmlns:r="http://schemas.openxmlformats.org/officeDocument/2006/relationships" xmlns:p="http://schemas.openxmlformats.org/presentationml/2006/main">
+  <p:cSld>
+    <p:spTree>
+      <p:nvGrpSpPr>
+        <p:cNvPr id="1" name=""/>
+        <p:cNvGrpSpPr/>
+        <p:nvPr/>
+      </p:nvGrpSpPr>
+      <p:grpSpPr>
+        <a:xfrm>
+          <a:off x="0" y="0"/>
+          <a:ext cx="0" cy="0"/>
+          <a:chOff x="0" y="0"/>
+          <a:chExt cx="0" cy="0"/>
+        </a:xfrm>
+      </p:grpSpPr>
+      <p:sp>
+        <p:nvSpPr>
+          <p:cNvPr id="2" name="Title 1">
+            <a:extLst>
+              <a:ext uri="{FF2B5EF4-FFF2-40B4-BE49-F238E27FC236}">
+                <a16:creationId xmlns:a16="http://schemas.microsoft.com/office/drawing/2014/main" id="{68E8FA3D-550C-4DEA-BBC0-3AE66DBD0E6F}"/>
+              </a:ext>
+            </a:extLst>
+          </p:cNvPr>
+          <p:cNvSpPr>
+            <a:spLocks noGrp="1"/>
+          </p:cNvSpPr>
+          <p:nvPr>
+            <p:ph type="title"/>
+          </p:nvPr>
+        </p:nvSpPr>
+        <p:spPr/>
+        <p:txBody>
+          <a:bodyPr/>
+          <a:lstStyle/>
+          <a:p>
+            <a:r>
+              <a:rPr lang="ru-RU" dirty="0"/>
+              <a:t>График возможностей </a:t>
+            </a:r>
+            <a:r>
+              <a:rPr lang="en-US" dirty="0"/>
+              <a:t>C#</a:t>
+            </a:r>
+          </a:p>
+        </p:txBody>
+      </p:sp>
+      <p:sp>
+        <p:nvSpPr>
+          <p:cNvPr id="3" name="Content Placeholder 2">
+            <a:extLst>
+              <a:ext uri="{FF2B5EF4-FFF2-40B4-BE49-F238E27FC236}">
+                <a16:creationId xmlns:a16="http://schemas.microsoft.com/office/drawing/2014/main" id="{BA7C6999-C21A-426A-8CE9-D0076B0D154D}"/>
+              </a:ext>
+            </a:extLst>
+          </p:cNvPr>
+          <p:cNvSpPr>
+            <a:spLocks noGrp="1"/>
+          </p:cNvSpPr>
+          <p:nvPr>
+            <p:ph idx="1"/>
+          </p:nvPr>
+        </p:nvSpPr>
+        <p:spPr/>
+        <p:txBody>
+          <a:bodyPr/>
+          <a:lstStyle/>
+          <a:p>
+            <a:r>
+              <a:rPr lang="en-US" dirty="0"/>
+              <a:t>TODO</a:t>
+            </a:r>
+          </a:p>
+        </p:txBody>
+      </p:sp>
+    </p:spTree>
+    <p:extLst>
+      <p:ext uri="{BB962C8B-B14F-4D97-AF65-F5344CB8AC3E}">
+        <p14:creationId xmlns:p14="http://schemas.microsoft.com/office/powerpoint/2010/main" val="3189784037"/>
+      </p:ext>
+    </p:extLst>
+  </p:cSld>
+  <p:clrMapOvr>
+    <a:masterClrMapping/>
+  </p:clrMapOvr>
+</p:sld>
+</file>
+
+<file path=ppt/slides/slide40.xml><?xml version="1.0" encoding="utf-8"?>
 <p:sld xmlns:a="http://schemas.openxmlformats.org/drawingml/2006/main" xmlns:r="http://schemas.openxmlformats.org/officeDocument/2006/relationships" xmlns:p="http://schemas.openxmlformats.org/presentationml/2006/main">
   <p:cSld>
     <p:spTree>
@@ -25639,7 +32762,7 @@
 </p:sld>
 </file>
 
-<file path=ppt/slides/slide34.xml><?xml version="1.0" encoding="utf-8"?>
+<file path=ppt/slides/slide41.xml><?xml version="1.0" encoding="utf-8"?>
 <p:sld xmlns:a="http://schemas.openxmlformats.org/drawingml/2006/main" xmlns:r="http://schemas.openxmlformats.org/officeDocument/2006/relationships" xmlns:p="http://schemas.openxmlformats.org/presentationml/2006/main">
   <p:cSld>
     <p:spTree>
@@ -26128,7 +33251,7 @@
 </p:sld>
 </file>
 
-<file path=ppt/slides/slide35.xml><?xml version="1.0" encoding="utf-8"?>
+<file path=ppt/slides/slide42.xml><?xml version="1.0" encoding="utf-8"?>
 <p:sld xmlns:a="http://schemas.openxmlformats.org/drawingml/2006/main" xmlns:r="http://schemas.openxmlformats.org/officeDocument/2006/relationships" xmlns:p="http://schemas.openxmlformats.org/presentationml/2006/main">
   <p:cSld>
     <p:spTree>
@@ -26736,7 +33859,7 @@
 </p:sld>
 </file>
 
-<file path=ppt/slides/slide36.xml><?xml version="1.0" encoding="utf-8"?>
+<file path=ppt/slides/slide43.xml><?xml version="1.0" encoding="utf-8"?>
 <p:sld xmlns:a="http://schemas.openxmlformats.org/drawingml/2006/main" xmlns:r="http://schemas.openxmlformats.org/officeDocument/2006/relationships" xmlns:p="http://schemas.openxmlformats.org/presentationml/2006/main">
   <p:cSld>
     <p:spTree>
@@ -28152,7 +35275,7 @@
 </p:sld>
 </file>
 
-<file path=ppt/slides/slide37.xml><?xml version="1.0" encoding="utf-8"?>
+<file path=ppt/slides/slide44.xml><?xml version="1.0" encoding="utf-8"?>
 <p:sld xmlns:a="http://schemas.openxmlformats.org/drawingml/2006/main" xmlns:r="http://schemas.openxmlformats.org/officeDocument/2006/relationships" xmlns:p="http://schemas.openxmlformats.org/presentationml/2006/main">
   <p:cSld>
     <p:spTree>
@@ -28235,90 +35358,7 @@
 </p:sld>
 </file>
 
-<file path=ppt/slides/slide38.xml><?xml version="1.0" encoding="utf-8"?>
-<p:sld xmlns:a="http://schemas.openxmlformats.org/drawingml/2006/main" xmlns:r="http://schemas.openxmlformats.org/officeDocument/2006/relationships" xmlns:p="http://schemas.openxmlformats.org/presentationml/2006/main">
-  <p:cSld>
-    <p:spTree>
-      <p:nvGrpSpPr>
-        <p:cNvPr id="1" name=""/>
-        <p:cNvGrpSpPr/>
-        <p:nvPr/>
-      </p:nvGrpSpPr>
-      <p:grpSpPr>
-        <a:xfrm>
-          <a:off x="0" y="0"/>
-          <a:ext cx="0" cy="0"/>
-          <a:chOff x="0" y="0"/>
-          <a:chExt cx="0" cy="0"/>
-        </a:xfrm>
-      </p:grpSpPr>
-      <p:sp>
-        <p:nvSpPr>
-          <p:cNvPr id="2" name="Title 1">
-            <a:extLst>
-              <a:ext uri="{FF2B5EF4-FFF2-40B4-BE49-F238E27FC236}">
-                <a16:creationId xmlns:a16="http://schemas.microsoft.com/office/drawing/2014/main" id="{36864CB9-2E7F-4904-9742-C195C2AA4B54}"/>
-              </a:ext>
-            </a:extLst>
-          </p:cNvPr>
-          <p:cNvSpPr>
-            <a:spLocks noGrp="1"/>
-          </p:cNvSpPr>
-          <p:nvPr>
-            <p:ph type="title"/>
-          </p:nvPr>
-        </p:nvSpPr>
-        <p:spPr/>
-        <p:txBody>
-          <a:bodyPr/>
-          <a:lstStyle/>
-          <a:p>
-            <a:r>
-              <a:rPr lang="en-US" dirty="0"/>
-              <a:t>Ranges</a:t>
-            </a:r>
-          </a:p>
-        </p:txBody>
-      </p:sp>
-      <p:sp>
-        <p:nvSpPr>
-          <p:cNvPr id="3" name="Content Placeholder 2">
-            <a:extLst>
-              <a:ext uri="{FF2B5EF4-FFF2-40B4-BE49-F238E27FC236}">
-                <a16:creationId xmlns:a16="http://schemas.microsoft.com/office/drawing/2014/main" id="{9E55097F-45D7-4713-9521-5519992BC11E}"/>
-              </a:ext>
-            </a:extLst>
-          </p:cNvPr>
-          <p:cNvSpPr>
-            <a:spLocks noGrp="1"/>
-          </p:cNvSpPr>
-          <p:nvPr>
-            <p:ph idx="1"/>
-          </p:nvPr>
-        </p:nvSpPr>
-        <p:spPr/>
-        <p:txBody>
-          <a:bodyPr/>
-          <a:lstStyle/>
-          <a:p>
-            <a:endParaRPr lang="en-US"/>
-          </a:p>
-        </p:txBody>
-      </p:sp>
-    </p:spTree>
-    <p:extLst>
-      <p:ext uri="{BB962C8B-B14F-4D97-AF65-F5344CB8AC3E}">
-        <p14:creationId xmlns:p14="http://schemas.microsoft.com/office/powerpoint/2010/main" val="1632299569"/>
-      </p:ext>
-    </p:extLst>
-  </p:cSld>
-  <p:clrMapOvr>
-    <a:masterClrMapping/>
-  </p:clrMapOvr>
-</p:sld>
-</file>
-
-<file path=ppt/slides/slide39.xml><?xml version="1.0" encoding="utf-8"?>
+<file path=ppt/slides/slide45.xml><?xml version="1.0" encoding="utf-8"?>
 <p:sld xmlns:a="http://schemas.openxmlformats.org/drawingml/2006/main" xmlns:r="http://schemas.openxmlformats.org/officeDocument/2006/relationships" xmlns:p="http://schemas.openxmlformats.org/presentationml/2006/main">
   <p:cSld>
     <p:spTree>
@@ -28401,97 +35441,7 @@
 </p:sld>
 </file>
 
-<file path=ppt/slides/slide4.xml><?xml version="1.0" encoding="utf-8"?>
-<p:sld xmlns:a="http://schemas.openxmlformats.org/drawingml/2006/main" xmlns:r="http://schemas.openxmlformats.org/officeDocument/2006/relationships" xmlns:p="http://schemas.openxmlformats.org/presentationml/2006/main">
-  <p:cSld>
-    <p:spTree>
-      <p:nvGrpSpPr>
-        <p:cNvPr id="1" name=""/>
-        <p:cNvGrpSpPr/>
-        <p:nvPr/>
-      </p:nvGrpSpPr>
-      <p:grpSpPr>
-        <a:xfrm>
-          <a:off x="0" y="0"/>
-          <a:ext cx="0" cy="0"/>
-          <a:chOff x="0" y="0"/>
-          <a:chExt cx="0" cy="0"/>
-        </a:xfrm>
-      </p:grpSpPr>
-      <p:sp>
-        <p:nvSpPr>
-          <p:cNvPr id="2" name="Title 1">
-            <a:extLst>
-              <a:ext uri="{FF2B5EF4-FFF2-40B4-BE49-F238E27FC236}">
-                <a16:creationId xmlns:a16="http://schemas.microsoft.com/office/drawing/2014/main" id="{68E8FA3D-550C-4DEA-BBC0-3AE66DBD0E6F}"/>
-              </a:ext>
-            </a:extLst>
-          </p:cNvPr>
-          <p:cNvSpPr>
-            <a:spLocks noGrp="1"/>
-          </p:cNvSpPr>
-          <p:nvPr>
-            <p:ph type="title"/>
-          </p:nvPr>
-        </p:nvSpPr>
-        <p:spPr/>
-        <p:txBody>
-          <a:bodyPr/>
-          <a:lstStyle/>
-          <a:p>
-            <a:r>
-              <a:rPr lang="ru-RU" dirty="0"/>
-              <a:t>График возможностей </a:t>
-            </a:r>
-            <a:r>
-              <a:rPr lang="en-US" dirty="0"/>
-              <a:t>C#</a:t>
-            </a:r>
-          </a:p>
-        </p:txBody>
-      </p:sp>
-      <p:sp>
-        <p:nvSpPr>
-          <p:cNvPr id="3" name="Content Placeholder 2">
-            <a:extLst>
-              <a:ext uri="{FF2B5EF4-FFF2-40B4-BE49-F238E27FC236}">
-                <a16:creationId xmlns:a16="http://schemas.microsoft.com/office/drawing/2014/main" id="{BA7C6999-C21A-426A-8CE9-D0076B0D154D}"/>
-              </a:ext>
-            </a:extLst>
-          </p:cNvPr>
-          <p:cNvSpPr>
-            <a:spLocks noGrp="1"/>
-          </p:cNvSpPr>
-          <p:nvPr>
-            <p:ph idx="1"/>
-          </p:nvPr>
-        </p:nvSpPr>
-        <p:spPr/>
-        <p:txBody>
-          <a:bodyPr/>
-          <a:lstStyle/>
-          <a:p>
-            <a:r>
-              <a:rPr lang="en-US" dirty="0"/>
-              <a:t>TODO</a:t>
-            </a:r>
-          </a:p>
-        </p:txBody>
-      </p:sp>
-    </p:spTree>
-    <p:extLst>
-      <p:ext uri="{BB962C8B-B14F-4D97-AF65-F5344CB8AC3E}">
-        <p14:creationId xmlns:p14="http://schemas.microsoft.com/office/powerpoint/2010/main" val="3189784037"/>
-      </p:ext>
-    </p:extLst>
-  </p:cSld>
-  <p:clrMapOvr>
-    <a:masterClrMapping/>
-  </p:clrMapOvr>
-</p:sld>
-</file>
-
-<file path=ppt/slides/slide40.xml><?xml version="1.0" encoding="utf-8"?>
+<file path=ppt/slides/slide46.xml><?xml version="1.0" encoding="utf-8"?>
 <p:sld xmlns:a="http://schemas.openxmlformats.org/drawingml/2006/main" xmlns:r="http://schemas.openxmlformats.org/officeDocument/2006/relationships" xmlns:p="http://schemas.openxmlformats.org/presentationml/2006/main">
   <p:cSld>
     <p:spTree>
@@ -28571,7 +35521,7 @@
 </p:sld>
 </file>
 
-<file path=ppt/slides/slide41.xml><?xml version="1.0" encoding="utf-8"?>
+<file path=ppt/slides/slide47.xml><?xml version="1.0" encoding="utf-8"?>
 <p:sld xmlns:a="http://schemas.openxmlformats.org/drawingml/2006/main" xmlns:r="http://schemas.openxmlformats.org/officeDocument/2006/relationships" xmlns:p="http://schemas.openxmlformats.org/presentationml/2006/main">
   <p:cSld>
     <p:spTree>
@@ -28667,7 +35617,7 @@
 </p:sld>
 </file>
 
-<file path=ppt/slides/slide42.xml><?xml version="1.0" encoding="utf-8"?>
+<file path=ppt/slides/slide48.xml><?xml version="1.0" encoding="utf-8"?>
 <p:sld xmlns:a="http://schemas.openxmlformats.org/drawingml/2006/main" xmlns:r="http://schemas.openxmlformats.org/officeDocument/2006/relationships" xmlns:p="http://schemas.openxmlformats.org/presentationml/2006/main">
   <p:cSld>
     <p:spTree>

--- a/Presentation.pptx
+++ b/Presentation.pptx
@@ -5,7 +5,7 @@
     <p:sldMasterId id="2147483648" r:id="rId1"/>
   </p:sldMasterIdLst>
   <p:notesMasterIdLst>
-    <p:notesMasterId r:id="rId50"/>
+    <p:notesMasterId r:id="rId54"/>
   </p:notesMasterIdLst>
   <p:sldIdLst>
     <p:sldId id="256" r:id="rId2"/>
@@ -33,29 +33,33 @@
     <p:sldId id="299" r:id="rId24"/>
     <p:sldId id="300" r:id="rId25"/>
     <p:sldId id="301" r:id="rId26"/>
-    <p:sldId id="270" r:id="rId27"/>
-    <p:sldId id="305" r:id="rId28"/>
-    <p:sldId id="307" r:id="rId29"/>
-    <p:sldId id="302" r:id="rId30"/>
-    <p:sldId id="306" r:id="rId31"/>
-    <p:sldId id="303" r:id="rId32"/>
-    <p:sldId id="304" r:id="rId33"/>
-    <p:sldId id="286" r:id="rId34"/>
-    <p:sldId id="268" r:id="rId35"/>
-    <p:sldId id="275" r:id="rId36"/>
-    <p:sldId id="277" r:id="rId37"/>
-    <p:sldId id="287" r:id="rId38"/>
-    <p:sldId id="276" r:id="rId39"/>
-    <p:sldId id="278" r:id="rId40"/>
-    <p:sldId id="279" r:id="rId41"/>
-    <p:sldId id="280" r:id="rId42"/>
-    <p:sldId id="281" r:id="rId43"/>
-    <p:sldId id="285" r:id="rId44"/>
-    <p:sldId id="269" r:id="rId45"/>
-    <p:sldId id="271" r:id="rId46"/>
-    <p:sldId id="272" r:id="rId47"/>
-    <p:sldId id="288" r:id="rId48"/>
-    <p:sldId id="265" r:id="rId49"/>
+    <p:sldId id="308" r:id="rId27"/>
+    <p:sldId id="270" r:id="rId28"/>
+    <p:sldId id="305" r:id="rId29"/>
+    <p:sldId id="307" r:id="rId30"/>
+    <p:sldId id="302" r:id="rId31"/>
+    <p:sldId id="306" r:id="rId32"/>
+    <p:sldId id="303" r:id="rId33"/>
+    <p:sldId id="304" r:id="rId34"/>
+    <p:sldId id="311" r:id="rId35"/>
+    <p:sldId id="310" r:id="rId36"/>
+    <p:sldId id="309" r:id="rId37"/>
+    <p:sldId id="312" r:id="rId38"/>
+    <p:sldId id="286" r:id="rId39"/>
+    <p:sldId id="268" r:id="rId40"/>
+    <p:sldId id="275" r:id="rId41"/>
+    <p:sldId id="277" r:id="rId42"/>
+    <p:sldId id="287" r:id="rId43"/>
+    <p:sldId id="276" r:id="rId44"/>
+    <p:sldId id="278" r:id="rId45"/>
+    <p:sldId id="279" r:id="rId46"/>
+    <p:sldId id="280" r:id="rId47"/>
+    <p:sldId id="281" r:id="rId48"/>
+    <p:sldId id="285" r:id="rId49"/>
+    <p:sldId id="271" r:id="rId50"/>
+    <p:sldId id="272" r:id="rId51"/>
+    <p:sldId id="288" r:id="rId52"/>
+    <p:sldId id="265" r:id="rId53"/>
   </p:sldIdLst>
   <p:sldSz cx="12192000" cy="6858000"/>
   <p:notesSz cx="6858000" cy="9144000"/>
@@ -200,6 +204,7 @@
             <p14:sldId id="299"/>
             <p14:sldId id="300"/>
             <p14:sldId id="301"/>
+            <p14:sldId id="308"/>
           </p14:sldIdLst>
         </p14:section>
         <p14:section name="Ranges" id="{FF6A519F-755A-4494-B99A-C0E4989D74E1}">
@@ -211,6 +216,10 @@
             <p14:sldId id="306"/>
             <p14:sldId id="303"/>
             <p14:sldId id="304"/>
+            <p14:sldId id="311"/>
+            <p14:sldId id="310"/>
+            <p14:sldId id="309"/>
+            <p14:sldId id="312"/>
           </p14:sldIdLst>
         </p14:section>
         <p14:section name="Target-typed new" id="{0791F349-AD14-4402-BD31-B831B85A3BC4}">
@@ -226,11 +235,6 @@
             <p14:sldId id="280"/>
             <p14:sldId id="281"/>
             <p14:sldId id="285"/>
-          </p14:sldIdLst>
-        </p14:section>
-        <p14:section name="Pattern-based using" id="{16A19472-AB8D-4B9B-BCDA-A85515748C9A}">
-          <p14:sldIdLst>
-            <p14:sldId id="269"/>
           </p14:sldIdLst>
         </p14:section>
         <p14:section name="Default Interface Methods" id="{BB99B77E-77F0-40AE-9175-A0AF1152A69D}">
@@ -2863,7 +2867,7 @@
           <a:p>
             <a:fld id="{4018F2AC-EC14-44E2-8DA3-AAEC59681939}" type="datetimeFigureOut">
               <a:rPr lang="en-US" smtClean="0"/>
-              <a:t>9/8/2018</a:t>
+              <a:t>9/9/2018</a:t>
             </a:fld>
             <a:endParaRPr lang="en-US"/>
           </a:p>
@@ -3195,7 +3199,7 @@
           <a:p>
             <a:fld id="{60569FAF-C6E3-452F-BCDF-22FDC743A85F}" type="slidenum">
               <a:rPr lang="en-US" smtClean="0"/>
-              <a:t>3</a:t>
+              <a:t>1</a:t>
             </a:fld>
             <a:endParaRPr lang="en-US"/>
           </a:p>
@@ -3204,7 +3208,7 @@
     </p:spTree>
     <p:extLst>
       <p:ext uri="{BB962C8B-B14F-4D97-AF65-F5344CB8AC3E}">
-        <p14:creationId xmlns:p14="http://schemas.microsoft.com/office/powerpoint/2010/main" val="3616229446"/>
+        <p14:creationId xmlns:p14="http://schemas.microsoft.com/office/powerpoint/2010/main" val="765776120"/>
       </p:ext>
     </p:extLst>
   </p:cSld>
@@ -3279,7 +3283,7 @@
           <a:p>
             <a:fld id="{60569FAF-C6E3-452F-BCDF-22FDC743A85F}" type="slidenum">
               <a:rPr lang="en-US" smtClean="0"/>
-              <a:t>36</a:t>
+              <a:t>38</a:t>
             </a:fld>
             <a:endParaRPr lang="en-US"/>
           </a:p>
@@ -3288,7 +3292,7 @@
     </p:spTree>
     <p:extLst>
       <p:ext uri="{BB962C8B-B14F-4D97-AF65-F5344CB8AC3E}">
-        <p14:creationId xmlns:p14="http://schemas.microsoft.com/office/powerpoint/2010/main" val="4246852475"/>
+        <p14:creationId xmlns:p14="http://schemas.microsoft.com/office/powerpoint/2010/main" val="3385853178"/>
       </p:ext>
     </p:extLst>
   </p:cSld>
@@ -3363,7 +3367,91 @@
           <a:p>
             <a:fld id="{60569FAF-C6E3-452F-BCDF-22FDC743A85F}" type="slidenum">
               <a:rPr lang="en-US" smtClean="0"/>
-              <a:t>37</a:t>
+              <a:t>41</a:t>
+            </a:fld>
+            <a:endParaRPr lang="en-US"/>
+          </a:p>
+        </p:txBody>
+      </p:sp>
+    </p:spTree>
+    <p:extLst>
+      <p:ext uri="{BB962C8B-B14F-4D97-AF65-F5344CB8AC3E}">
+        <p14:creationId xmlns:p14="http://schemas.microsoft.com/office/powerpoint/2010/main" val="4246852475"/>
+      </p:ext>
+    </p:extLst>
+  </p:cSld>
+  <p:clrMapOvr>
+    <a:masterClrMapping/>
+  </p:clrMapOvr>
+</p:notes>
+</file>
+
+<file path=ppt/notesSlides/notesSlide12.xml><?xml version="1.0" encoding="utf-8"?>
+<p:notes xmlns:a="http://schemas.openxmlformats.org/drawingml/2006/main" xmlns:r="http://schemas.openxmlformats.org/officeDocument/2006/relationships" xmlns:p="http://schemas.openxmlformats.org/presentationml/2006/main">
+  <p:cSld>
+    <p:spTree>
+      <p:nvGrpSpPr>
+        <p:cNvPr id="1" name=""/>
+        <p:cNvGrpSpPr/>
+        <p:nvPr/>
+      </p:nvGrpSpPr>
+      <p:grpSpPr>
+        <a:xfrm>
+          <a:off x="0" y="0"/>
+          <a:ext cx="0" cy="0"/>
+          <a:chOff x="0" y="0"/>
+          <a:chExt cx="0" cy="0"/>
+        </a:xfrm>
+      </p:grpSpPr>
+      <p:sp>
+        <p:nvSpPr>
+          <p:cNvPr id="2" name="Slide Image Placeholder 1"/>
+          <p:cNvSpPr>
+            <a:spLocks noGrp="1" noRot="1" noChangeAspect="1"/>
+          </p:cNvSpPr>
+          <p:nvPr>
+            <p:ph type="sldImg"/>
+          </p:nvPr>
+        </p:nvSpPr>
+        <p:spPr/>
+      </p:sp>
+      <p:sp>
+        <p:nvSpPr>
+          <p:cNvPr id="3" name="Notes Placeholder 2"/>
+          <p:cNvSpPr>
+            <a:spLocks noGrp="1"/>
+          </p:cNvSpPr>
+          <p:nvPr>
+            <p:ph type="body" idx="1"/>
+          </p:nvPr>
+        </p:nvSpPr>
+        <p:spPr/>
+        <p:txBody>
+          <a:bodyPr/>
+          <a:lstStyle/>
+          <a:p>
+            <a:endParaRPr lang="en-US" dirty="0"/>
+          </a:p>
+        </p:txBody>
+      </p:sp>
+      <p:sp>
+        <p:nvSpPr>
+          <p:cNvPr id="4" name="Slide Number Placeholder 3"/>
+          <p:cNvSpPr>
+            <a:spLocks noGrp="1"/>
+          </p:cNvSpPr>
+          <p:nvPr>
+            <p:ph type="sldNum" sz="quarter" idx="10"/>
+          </p:nvPr>
+        </p:nvSpPr>
+        <p:spPr/>
+        <p:txBody>
+          <a:bodyPr/>
+          <a:lstStyle/>
+          <a:p>
+            <a:fld id="{60569FAF-C6E3-452F-BCDF-22FDC743A85F}" type="slidenum">
+              <a:rPr lang="en-US" smtClean="0"/>
+              <a:t>42</a:t>
             </a:fld>
             <a:endParaRPr lang="en-US"/>
           </a:p>
@@ -3426,26 +3514,6 @@
           <a:bodyPr/>
           <a:lstStyle/>
           <a:p>
-            <a:r>
-              <a:rPr lang="ru-RU" dirty="0"/>
-              <a:t>После переписывания текущего компилятора, </a:t>
-            </a:r>
-            <a:r>
-              <a:rPr lang="en-US" dirty="0"/>
-              <a:t>Microsoft </a:t>
-            </a:r>
-            <a:r>
-              <a:rPr lang="ru-RU" dirty="0"/>
-              <a:t>стали пилить </a:t>
-            </a:r>
-            <a:r>
-              <a:rPr lang="ru-RU" dirty="0" err="1"/>
-              <a:t>фитчи</a:t>
-            </a:r>
-            <a:r>
-              <a:rPr lang="ru-RU" dirty="0"/>
-              <a:t> очень быстро</a:t>
-            </a:r>
             <a:endParaRPr lang="en-US" dirty="0"/>
           </a:p>
         </p:txBody>
@@ -3467,7 +3535,7 @@
           <a:p>
             <a:fld id="{60569FAF-C6E3-452F-BCDF-22FDC743A85F}" type="slidenum">
               <a:rPr lang="en-US" smtClean="0"/>
-              <a:t>4</a:t>
+              <a:t>3</a:t>
             </a:fld>
             <a:endParaRPr lang="en-US"/>
           </a:p>
@@ -3476,7 +3544,7 @@
     </p:spTree>
     <p:extLst>
       <p:ext uri="{BB962C8B-B14F-4D97-AF65-F5344CB8AC3E}">
-        <p14:creationId xmlns:p14="http://schemas.microsoft.com/office/powerpoint/2010/main" val="3098560191"/>
+        <p14:creationId xmlns:p14="http://schemas.microsoft.com/office/powerpoint/2010/main" val="3616229446"/>
       </p:ext>
     </p:extLst>
   </p:cSld>
@@ -3532,21 +3600,23 @@
           <a:p>
             <a:r>
               <a:rPr lang="ru-RU" dirty="0"/>
-              <a:t>Типа одни говорят, что  так давно ждали, другие что </a:t>
+              <a:t>После переписывания текущего компилятора, </a:t>
+            </a:r>
+            <a:r>
+              <a:rPr lang="en-US" dirty="0"/>
+              <a:t>Microsoft </a:t>
+            </a:r>
+            <a:r>
+              <a:rPr lang="ru-RU" dirty="0"/>
+              <a:t>стали пилить </a:t>
             </a:r>
             <a:r>
               <a:rPr lang="ru-RU" dirty="0" err="1"/>
-              <a:t>нахрен</a:t>
+              <a:t>фитчи</a:t>
             </a:r>
             <a:r>
               <a:rPr lang="ru-RU" dirty="0"/>
-              <a:t> надо</a:t>
-            </a:r>
-          </a:p>
-          <a:p>
-            <a:r>
-              <a:rPr lang="ru-RU" dirty="0"/>
-              <a:t>И те и другие правы, перечислить то что не взлетело</a:t>
+              <a:t> очень быстро</a:t>
             </a:r>
             <a:endParaRPr lang="en-US" dirty="0"/>
           </a:p>
@@ -3569,7 +3639,7 @@
           <a:p>
             <a:fld id="{60569FAF-C6E3-452F-BCDF-22FDC743A85F}" type="slidenum">
               <a:rPr lang="en-US" smtClean="0"/>
-              <a:t>5</a:t>
+              <a:t>4</a:t>
             </a:fld>
             <a:endParaRPr lang="en-US"/>
           </a:p>
@@ -3578,7 +3648,7 @@
     </p:spTree>
     <p:extLst>
       <p:ext uri="{BB962C8B-B14F-4D97-AF65-F5344CB8AC3E}">
-        <p14:creationId xmlns:p14="http://schemas.microsoft.com/office/powerpoint/2010/main" val="3903615287"/>
+        <p14:creationId xmlns:p14="http://schemas.microsoft.com/office/powerpoint/2010/main" val="3098560191"/>
       </p:ext>
     </p:extLst>
   </p:cSld>
@@ -3634,15 +3704,21 @@
           <a:p>
             <a:r>
               <a:rPr lang="ru-RU" dirty="0"/>
-              <a:t>Хотелось бы заглянуть немного в будущее, по средствам </a:t>
+              <a:t>Типа одни говорят, что  так давно ждали, другие что </a:t>
             </a:r>
             <a:r>
               <a:rPr lang="ru-RU" dirty="0" err="1"/>
-              <a:t>гитхаба</a:t>
+              <a:t>нахрен</a:t>
             </a:r>
             <a:r>
               <a:rPr lang="ru-RU" dirty="0"/>
-              <a:t>, и не просто подсмотреть, что мы СМОЖЕМ делать в ближайшее время, но и понять, ЗАЧЕМ это всем пригодится</a:t>
+              <a:t> надо</a:t>
+            </a:r>
+          </a:p>
+          <a:p>
+            <a:r>
+              <a:rPr lang="ru-RU" dirty="0"/>
+              <a:t>И те и другие правы, перечислить то что не взлетело</a:t>
             </a:r>
             <a:endParaRPr lang="en-US" dirty="0"/>
           </a:p>
@@ -3665,7 +3741,7 @@
           <a:p>
             <a:fld id="{60569FAF-C6E3-452F-BCDF-22FDC743A85F}" type="slidenum">
               <a:rPr lang="en-US" smtClean="0"/>
-              <a:t>6</a:t>
+              <a:t>5</a:t>
             </a:fld>
             <a:endParaRPr lang="en-US"/>
           </a:p>
@@ -3674,7 +3750,7 @@
     </p:spTree>
     <p:extLst>
       <p:ext uri="{BB962C8B-B14F-4D97-AF65-F5344CB8AC3E}">
-        <p14:creationId xmlns:p14="http://schemas.microsoft.com/office/powerpoint/2010/main" val="2305726588"/>
+        <p14:creationId xmlns:p14="http://schemas.microsoft.com/office/powerpoint/2010/main" val="3903615287"/>
       </p:ext>
     </p:extLst>
   </p:cSld>
@@ -3730,15 +3806,15 @@
           <a:p>
             <a:r>
               <a:rPr lang="ru-RU" dirty="0"/>
-              <a:t>Ожидаемых </a:t>
+              <a:t>Хотелось бы заглянуть немного в будущее, по средствам </a:t>
             </a:r>
             <a:r>
               <a:rPr lang="ru-RU" dirty="0" err="1"/>
-              <a:t>фитч</a:t>
+              <a:t>гитхаба</a:t>
             </a:r>
             <a:r>
               <a:rPr lang="ru-RU" dirty="0"/>
-              <a:t> много, и просто перечисление и разбор их занял бы целых доклад. Но если я так буду делать, многие заскучают, ведь многие пришли сюда за ответом на вопрос «зачем?», ну или «за что?»</a:t>
+              <a:t>, и не просто подсмотреть, что мы СМОЖЕМ делать в ближайшее время, но и понять, ЗАЧЕМ это всем пригодится</a:t>
             </a:r>
             <a:endParaRPr lang="en-US" dirty="0"/>
           </a:p>
@@ -3761,7 +3837,7 @@
           <a:p>
             <a:fld id="{60569FAF-C6E3-452F-BCDF-22FDC743A85F}" type="slidenum">
               <a:rPr lang="en-US" smtClean="0"/>
-              <a:t>8</a:t>
+              <a:t>6</a:t>
             </a:fld>
             <a:endParaRPr lang="en-US"/>
           </a:p>
@@ -3770,7 +3846,7 @@
     </p:spTree>
     <p:extLst>
       <p:ext uri="{BB962C8B-B14F-4D97-AF65-F5344CB8AC3E}">
-        <p14:creationId xmlns:p14="http://schemas.microsoft.com/office/powerpoint/2010/main" val="1567204467"/>
+        <p14:creationId xmlns:p14="http://schemas.microsoft.com/office/powerpoint/2010/main" val="2305726588"/>
       </p:ext>
     </p:extLst>
   </p:cSld>
@@ -3857,7 +3933,7 @@
           <a:p>
             <a:fld id="{60569FAF-C6E3-452F-BCDF-22FDC743A85F}" type="slidenum">
               <a:rPr lang="en-US" smtClean="0"/>
-              <a:t>10</a:t>
+              <a:t>8</a:t>
             </a:fld>
             <a:endParaRPr lang="en-US"/>
           </a:p>
@@ -3866,7 +3942,7 @@
     </p:spTree>
     <p:extLst>
       <p:ext uri="{BB962C8B-B14F-4D97-AF65-F5344CB8AC3E}">
-        <p14:creationId xmlns:p14="http://schemas.microsoft.com/office/powerpoint/2010/main" val="568637454"/>
+        <p14:creationId xmlns:p14="http://schemas.microsoft.com/office/powerpoint/2010/main" val="1567204467"/>
       </p:ext>
     </p:extLst>
   </p:cSld>
@@ -3920,6 +3996,18 @@
           <a:bodyPr/>
           <a:lstStyle/>
           <a:p>
+            <a:r>
+              <a:rPr lang="ru-RU" dirty="0"/>
+              <a:t>Ожидаемых </a:t>
+            </a:r>
+            <a:r>
+              <a:rPr lang="ru-RU" dirty="0" err="1"/>
+              <a:t>фитч</a:t>
+            </a:r>
+            <a:r>
+              <a:rPr lang="ru-RU" dirty="0"/>
+              <a:t> много, и просто перечисление и разбор их занял бы целых доклад. Но если я так буду делать, многие заскучают, ведь многие пришли сюда за ответом на вопрос «зачем?», ну или «за что?»</a:t>
+            </a:r>
             <a:endParaRPr lang="en-US" dirty="0"/>
           </a:p>
         </p:txBody>
@@ -3941,7 +4029,7 @@
           <a:p>
             <a:fld id="{60569FAF-C6E3-452F-BCDF-22FDC743A85F}" type="slidenum">
               <a:rPr lang="en-US" smtClean="0"/>
-              <a:t>16</a:t>
+              <a:t>10</a:t>
             </a:fld>
             <a:endParaRPr lang="en-US"/>
           </a:p>
@@ -3950,7 +4038,7 @@
     </p:spTree>
     <p:extLst>
       <p:ext uri="{BB962C8B-B14F-4D97-AF65-F5344CB8AC3E}">
-        <p14:creationId xmlns:p14="http://schemas.microsoft.com/office/powerpoint/2010/main" val="3813061725"/>
+        <p14:creationId xmlns:p14="http://schemas.microsoft.com/office/powerpoint/2010/main" val="568637454"/>
       </p:ext>
     </p:extLst>
   </p:cSld>
@@ -4004,18 +4092,6 @@
           <a:bodyPr/>
           <a:lstStyle/>
           <a:p>
-            <a:r>
-              <a:rPr lang="en-US" dirty="0"/>
-              <a:t>TODO: </a:t>
-            </a:r>
-            <a:r>
-              <a:rPr lang="ru-RU" dirty="0"/>
-              <a:t>поискать какой либо алгоритм известный и показать как его </a:t>
-            </a:r>
-            <a:r>
-              <a:rPr lang="ru-RU" dirty="0" err="1"/>
-              <a:t>имплементить</a:t>
-            </a:r>
             <a:endParaRPr lang="en-US" dirty="0"/>
           </a:p>
         </p:txBody>
@@ -4037,7 +4113,7 @@
           <a:p>
             <a:fld id="{60569FAF-C6E3-452F-BCDF-22FDC743A85F}" type="slidenum">
               <a:rPr lang="en-US" smtClean="0"/>
-              <a:t>32</a:t>
+              <a:t>16</a:t>
             </a:fld>
             <a:endParaRPr lang="en-US"/>
           </a:p>
@@ -4046,7 +4122,7 @@
     </p:spTree>
     <p:extLst>
       <p:ext uri="{BB962C8B-B14F-4D97-AF65-F5344CB8AC3E}">
-        <p14:creationId xmlns:p14="http://schemas.microsoft.com/office/powerpoint/2010/main" val="2779126349"/>
+        <p14:creationId xmlns:p14="http://schemas.microsoft.com/office/powerpoint/2010/main" val="3813061725"/>
       </p:ext>
     </p:extLst>
   </p:cSld>
@@ -4100,6 +4176,18 @@
           <a:bodyPr/>
           <a:lstStyle/>
           <a:p>
+            <a:r>
+              <a:rPr lang="en-US" dirty="0"/>
+              <a:t>TODO: </a:t>
+            </a:r>
+            <a:r>
+              <a:rPr lang="ru-RU" dirty="0"/>
+              <a:t>поискать какой либо алгоритм известный и показать как его </a:t>
+            </a:r>
+            <a:r>
+              <a:rPr lang="ru-RU" dirty="0" err="1"/>
+              <a:t>имплементить</a:t>
+            </a:r>
             <a:endParaRPr lang="en-US" dirty="0"/>
           </a:p>
         </p:txBody>
@@ -4130,7 +4218,7 @@
     </p:spTree>
     <p:extLst>
       <p:ext uri="{BB962C8B-B14F-4D97-AF65-F5344CB8AC3E}">
-        <p14:creationId xmlns:p14="http://schemas.microsoft.com/office/powerpoint/2010/main" val="3385853178"/>
+        <p14:creationId xmlns:p14="http://schemas.microsoft.com/office/powerpoint/2010/main" val="2779126349"/>
       </p:ext>
     </p:extLst>
   </p:cSld>
@@ -4287,7 +4375,7 @@
           <a:p>
             <a:fld id="{75C53D11-CDB2-42B6-AE08-D945F4342B7C}" type="datetimeFigureOut">
               <a:rPr lang="en-US" smtClean="0"/>
-              <a:t>9/8/2018</a:t>
+              <a:t>9/9/2018</a:t>
             </a:fld>
             <a:endParaRPr lang="en-US"/>
           </a:p>
@@ -4485,7 +4573,7 @@
           <a:p>
             <a:fld id="{75C53D11-CDB2-42B6-AE08-D945F4342B7C}" type="datetimeFigureOut">
               <a:rPr lang="en-US" smtClean="0"/>
-              <a:t>9/8/2018</a:t>
+              <a:t>9/9/2018</a:t>
             </a:fld>
             <a:endParaRPr lang="en-US"/>
           </a:p>
@@ -4693,7 +4781,7 @@
           <a:p>
             <a:fld id="{75C53D11-CDB2-42B6-AE08-D945F4342B7C}" type="datetimeFigureOut">
               <a:rPr lang="en-US" smtClean="0"/>
-              <a:t>9/8/2018</a:t>
+              <a:t>9/9/2018</a:t>
             </a:fld>
             <a:endParaRPr lang="en-US"/>
           </a:p>
@@ -4891,7 +4979,7 @@
           <a:p>
             <a:fld id="{75C53D11-CDB2-42B6-AE08-D945F4342B7C}" type="datetimeFigureOut">
               <a:rPr lang="en-US" smtClean="0"/>
-              <a:t>9/8/2018</a:t>
+              <a:t>9/9/2018</a:t>
             </a:fld>
             <a:endParaRPr lang="en-US"/>
           </a:p>
@@ -5166,7 +5254,7 @@
           <a:p>
             <a:fld id="{75C53D11-CDB2-42B6-AE08-D945F4342B7C}" type="datetimeFigureOut">
               <a:rPr lang="en-US" smtClean="0"/>
-              <a:t>9/8/2018</a:t>
+              <a:t>9/9/2018</a:t>
             </a:fld>
             <a:endParaRPr lang="en-US"/>
           </a:p>
@@ -5431,7 +5519,7 @@
           <a:p>
             <a:fld id="{75C53D11-CDB2-42B6-AE08-D945F4342B7C}" type="datetimeFigureOut">
               <a:rPr lang="en-US" smtClean="0"/>
-              <a:t>9/8/2018</a:t>
+              <a:t>9/9/2018</a:t>
             </a:fld>
             <a:endParaRPr lang="en-US"/>
           </a:p>
@@ -5843,7 +5931,7 @@
           <a:p>
             <a:fld id="{75C53D11-CDB2-42B6-AE08-D945F4342B7C}" type="datetimeFigureOut">
               <a:rPr lang="en-US" smtClean="0"/>
-              <a:t>9/8/2018</a:t>
+              <a:t>9/9/2018</a:t>
             </a:fld>
             <a:endParaRPr lang="en-US"/>
           </a:p>
@@ -5984,7 +6072,7 @@
           <a:p>
             <a:fld id="{75C53D11-CDB2-42B6-AE08-D945F4342B7C}" type="datetimeFigureOut">
               <a:rPr lang="en-US" smtClean="0"/>
-              <a:t>9/8/2018</a:t>
+              <a:t>9/9/2018</a:t>
             </a:fld>
             <a:endParaRPr lang="en-US"/>
           </a:p>
@@ -6097,7 +6185,7 @@
           <a:p>
             <a:fld id="{75C53D11-CDB2-42B6-AE08-D945F4342B7C}" type="datetimeFigureOut">
               <a:rPr lang="en-US" smtClean="0"/>
-              <a:t>9/8/2018</a:t>
+              <a:t>9/9/2018</a:t>
             </a:fld>
             <a:endParaRPr lang="en-US"/>
           </a:p>
@@ -6408,7 +6496,7 @@
           <a:p>
             <a:fld id="{75C53D11-CDB2-42B6-AE08-D945F4342B7C}" type="datetimeFigureOut">
               <a:rPr lang="en-US" smtClean="0"/>
-              <a:t>9/8/2018</a:t>
+              <a:t>9/9/2018</a:t>
             </a:fld>
             <a:endParaRPr lang="en-US"/>
           </a:p>
@@ -6696,7 +6784,7 @@
           <a:p>
             <a:fld id="{75C53D11-CDB2-42B6-AE08-D945F4342B7C}" type="datetimeFigureOut">
               <a:rPr lang="en-US" smtClean="0"/>
-              <a:t>9/8/2018</a:t>
+              <a:t>9/9/2018</a:t>
             </a:fld>
             <a:endParaRPr lang="en-US"/>
           </a:p>
@@ -6937,7 +7025,7 @@
           <a:p>
             <a:fld id="{75C53D11-CDB2-42B6-AE08-D945F4342B7C}" type="datetimeFigureOut">
               <a:rPr lang="en-US" smtClean="0"/>
-              <a:t>9/8/2018</a:t>
+              <a:t>9/9/2018</a:t>
             </a:fld>
             <a:endParaRPr lang="en-US"/>
           </a:p>
@@ -7518,14 +7606,6 @@
               <a:rPr lang="en-US" dirty="0"/>
               <a:t>Target-typed new</a:t>
             </a:r>
-            <a:endParaRPr lang="ru-RU" dirty="0"/>
-          </a:p>
-          <a:p>
-            <a:r>
-              <a:rPr lang="en-US" dirty="0"/>
-              <a:t>Pattern-based using</a:t>
-            </a:r>
-            <a:endParaRPr lang="ru-RU" dirty="0"/>
           </a:p>
           <a:p>
             <a:r>
@@ -17692,7 +17772,7 @@
           <a:lstStyle/>
           <a:p>
             <a:r>
-              <a:rPr lang="ru-RU" b="1" dirty="0"/>
+              <a:rPr lang="ru-RU" dirty="0"/>
               <a:t>Парочка деталей: </a:t>
             </a:r>
             <a:r>
@@ -18624,7 +18704,7 @@
           <a:lstStyle/>
           <a:p>
             <a:r>
-              <a:rPr lang="ru-RU" b="1" dirty="0"/>
+              <a:rPr lang="ru-RU" dirty="0"/>
               <a:t>Парочка деталей: </a:t>
             </a:r>
             <a:r>
@@ -19046,6 +19126,697 @@
 </file>
 
 <file path=ppt/slides/slide26.xml><?xml version="1.0" encoding="utf-8"?>
+<p:sld xmlns:a="http://schemas.openxmlformats.org/drawingml/2006/main" xmlns:r="http://schemas.openxmlformats.org/officeDocument/2006/relationships" xmlns:p="http://schemas.openxmlformats.org/presentationml/2006/main">
+  <p:cSld>
+    <p:spTree>
+      <p:nvGrpSpPr>
+        <p:cNvPr id="1" name=""/>
+        <p:cNvGrpSpPr/>
+        <p:nvPr/>
+      </p:nvGrpSpPr>
+      <p:grpSpPr>
+        <a:xfrm>
+          <a:off x="0" y="0"/>
+          <a:ext cx="0" cy="0"/>
+          <a:chOff x="0" y="0"/>
+          <a:chExt cx="0" cy="0"/>
+        </a:xfrm>
+      </p:grpSpPr>
+      <p:sp>
+        <p:nvSpPr>
+          <p:cNvPr id="5" name="Title 4">
+            <a:extLst>
+              <a:ext uri="{FF2B5EF4-FFF2-40B4-BE49-F238E27FC236}">
+                <a16:creationId xmlns:a16="http://schemas.microsoft.com/office/drawing/2014/main" id="{D3E34CEE-6867-4EBA-ACDB-06AFD8FD7DB2}"/>
+              </a:ext>
+            </a:extLst>
+          </p:cNvPr>
+          <p:cNvSpPr>
+            <a:spLocks noGrp="1"/>
+          </p:cNvSpPr>
+          <p:nvPr>
+            <p:ph type="title"/>
+          </p:nvPr>
+        </p:nvSpPr>
+        <p:spPr/>
+        <p:txBody>
+          <a:bodyPr/>
+          <a:lstStyle/>
+          <a:p>
+            <a:r>
+              <a:rPr lang="ru-RU" dirty="0"/>
+              <a:t>А как же </a:t>
+            </a:r>
+            <a:r>
+              <a:rPr lang="ru-RU" dirty="0" err="1"/>
+              <a:t>быдлокод</a:t>
+            </a:r>
+            <a:r>
+              <a:rPr lang="ru-RU" dirty="0"/>
+              <a:t>?</a:t>
+            </a:r>
+            <a:endParaRPr lang="en-US" dirty="0"/>
+          </a:p>
+        </p:txBody>
+      </p:sp>
+      <p:sp>
+        <p:nvSpPr>
+          <p:cNvPr id="6" name="Content Placeholder 5">
+            <a:extLst>
+              <a:ext uri="{FF2B5EF4-FFF2-40B4-BE49-F238E27FC236}">
+                <a16:creationId xmlns:a16="http://schemas.microsoft.com/office/drawing/2014/main" id="{527B90A2-4327-43DE-9A89-DC25D7E9F69B}"/>
+              </a:ext>
+            </a:extLst>
+          </p:cNvPr>
+          <p:cNvSpPr>
+            <a:spLocks noGrp="1"/>
+          </p:cNvSpPr>
+          <p:nvPr>
+            <p:ph idx="1"/>
+          </p:nvPr>
+        </p:nvSpPr>
+        <p:spPr>
+          <a:xfrm>
+            <a:off x="838200" y="1825625"/>
+            <a:ext cx="10210800" cy="4351338"/>
+          </a:xfrm>
+        </p:spPr>
+        <p:txBody>
+          <a:bodyPr>
+            <a:normAutofit lnSpcReduction="10000"/>
+          </a:bodyPr>
+          <a:lstStyle/>
+          <a:p>
+            <a:pPr marL="0" indent="0">
+              <a:buNone/>
+            </a:pPr>
+            <a:r>
+              <a:rPr lang="en-US" dirty="0">
+                <a:solidFill>
+                  <a:srgbClr val="AF00DB"/>
+                </a:solidFill>
+                <a:latin typeface="Consolas" panose="020B0609020204030204" pitchFamily="49" charset="0"/>
+              </a:rPr>
+              <a:t>switch</a:t>
+            </a:r>
+            <a:r>
+              <a:rPr lang="en-US" dirty="0">
+                <a:solidFill>
+                  <a:srgbClr val="000000"/>
+                </a:solidFill>
+                <a:latin typeface="Consolas" panose="020B0609020204030204" pitchFamily="49" charset="0"/>
+              </a:rPr>
+              <a:t>(</a:t>
+            </a:r>
+            <a:r>
+              <a:rPr lang="en-US" dirty="0">
+                <a:solidFill>
+                  <a:srgbClr val="001080"/>
+                </a:solidFill>
+                <a:latin typeface="Consolas" panose="020B0609020204030204" pitchFamily="49" charset="0"/>
+              </a:rPr>
+              <a:t>image</a:t>
+            </a:r>
+            <a:r>
+              <a:rPr lang="en-US" dirty="0">
+                <a:solidFill>
+                  <a:srgbClr val="000000"/>
+                </a:solidFill>
+                <a:latin typeface="Consolas" panose="020B0609020204030204" pitchFamily="49" charset="0"/>
+              </a:rPr>
+              <a:t>){</a:t>
+            </a:r>
+          </a:p>
+          <a:p>
+            <a:pPr marL="0" indent="0">
+              <a:buNone/>
+            </a:pPr>
+            <a:r>
+              <a:rPr lang="en-US" dirty="0">
+                <a:solidFill>
+                  <a:srgbClr val="AF00DB"/>
+                </a:solidFill>
+                <a:latin typeface="Consolas" panose="020B0609020204030204" pitchFamily="49" charset="0"/>
+              </a:rPr>
+              <a:t>	case</a:t>
+            </a:r>
+            <a:r>
+              <a:rPr lang="en-US" dirty="0">
+                <a:solidFill>
+                  <a:srgbClr val="000000"/>
+                </a:solidFill>
+                <a:latin typeface="Consolas" panose="020B0609020204030204" pitchFamily="49" charset="0"/>
+              </a:rPr>
+              <a:t> </a:t>
+            </a:r>
+            <a:r>
+              <a:rPr lang="en-US" dirty="0">
+                <a:solidFill>
+                  <a:srgbClr val="795E26"/>
+                </a:solidFill>
+                <a:latin typeface="Consolas" panose="020B0609020204030204" pitchFamily="49" charset="0"/>
+              </a:rPr>
+              <a:t>Image</a:t>
+            </a:r>
+            <a:r>
+              <a:rPr lang="en-US" dirty="0">
+                <a:solidFill>
+                  <a:srgbClr val="000000"/>
+                </a:solidFill>
+                <a:latin typeface="Consolas" panose="020B0609020204030204" pitchFamily="49" charset="0"/>
+              </a:rPr>
+              <a:t>(</a:t>
+            </a:r>
+            <a:r>
+              <a:rPr lang="en-US" dirty="0">
+                <a:solidFill>
+                  <a:srgbClr val="795E26"/>
+                </a:solidFill>
+                <a:latin typeface="Consolas" panose="020B0609020204030204" pitchFamily="49" charset="0"/>
+              </a:rPr>
+              <a:t>String</a:t>
+            </a:r>
+            <a:r>
+              <a:rPr lang="en-US" dirty="0">
+                <a:solidFill>
+                  <a:srgbClr val="000000"/>
+                </a:solidFill>
+                <a:latin typeface="Consolas" panose="020B0609020204030204" pitchFamily="49" charset="0"/>
+              </a:rPr>
+              <a:t>(</a:t>
+            </a:r>
+            <a:r>
+              <a:rPr lang="en-US" dirty="0">
+                <a:solidFill>
+                  <a:srgbClr val="09885A"/>
+                </a:solidFill>
+                <a:latin typeface="Consolas" panose="020B0609020204030204" pitchFamily="49" charset="0"/>
+              </a:rPr>
+              <a:t>14</a:t>
+            </a:r>
+            <a:r>
+              <a:rPr lang="en-US" dirty="0">
+                <a:solidFill>
+                  <a:srgbClr val="000000"/>
+                </a:solidFill>
+                <a:latin typeface="Consolas" panose="020B0609020204030204" pitchFamily="49" charset="0"/>
+              </a:rPr>
+              <a:t>), </a:t>
+            </a:r>
+            <a:r>
+              <a:rPr lang="en-US" dirty="0">
+                <a:solidFill>
+                  <a:srgbClr val="795E26"/>
+                </a:solidFill>
+                <a:latin typeface="Consolas" panose="020B0609020204030204" pitchFamily="49" charset="0"/>
+              </a:rPr>
+              <a:t>String</a:t>
+            </a:r>
+            <a:r>
+              <a:rPr lang="en-US" dirty="0">
+                <a:solidFill>
+                  <a:srgbClr val="000000"/>
+                </a:solidFill>
+                <a:latin typeface="Consolas" panose="020B0609020204030204" pitchFamily="49" charset="0"/>
+              </a:rPr>
+              <a:t>(</a:t>
+            </a:r>
+            <a:r>
+              <a:rPr lang="en-US" dirty="0">
+                <a:solidFill>
+                  <a:srgbClr val="09885A"/>
+                </a:solidFill>
+                <a:latin typeface="Consolas" panose="020B0609020204030204" pitchFamily="49" charset="0"/>
+              </a:rPr>
+              <a:t>7</a:t>
+            </a:r>
+            <a:r>
+              <a:rPr lang="en-US" dirty="0">
+                <a:solidFill>
+                  <a:srgbClr val="000000"/>
+                </a:solidFill>
+                <a:latin typeface="Consolas" panose="020B0609020204030204" pitchFamily="49" charset="0"/>
+              </a:rPr>
+              <a:t>), (</a:t>
+            </a:r>
+            <a:r>
+              <a:rPr lang="en-US" dirty="0">
+                <a:solidFill>
+                  <a:srgbClr val="795E26"/>
+                </a:solidFill>
+                <a:latin typeface="Consolas" panose="020B0609020204030204" pitchFamily="49" charset="0"/>
+              </a:rPr>
+              <a:t>String</a:t>
+            </a:r>
+            <a:r>
+              <a:rPr lang="en-US" dirty="0">
+                <a:solidFill>
+                  <a:srgbClr val="000000"/>
+                </a:solidFill>
+                <a:latin typeface="Consolas" panose="020B0609020204030204" pitchFamily="49" charset="0"/>
+              </a:rPr>
+              <a:t>(</a:t>
+            </a:r>
+            <a:r>
+              <a:rPr lang="en-US" dirty="0">
+                <a:solidFill>
+                  <a:srgbClr val="09885A"/>
+                </a:solidFill>
+                <a:latin typeface="Consolas" panose="020B0609020204030204" pitchFamily="49" charset="0"/>
+              </a:rPr>
+              <a:t>12</a:t>
+            </a:r>
+            <a:r>
+              <a:rPr lang="en-US" dirty="0">
+                <a:solidFill>
+                  <a:srgbClr val="000000"/>
+                </a:solidFill>
+                <a:latin typeface="Consolas" panose="020B0609020204030204" pitchFamily="49" charset="0"/>
+              </a:rPr>
+              <a:t>), </a:t>
+            </a:r>
+            <a:r>
+              <a:rPr lang="en-US" dirty="0">
+                <a:solidFill>
+                  <a:srgbClr val="09885A"/>
+                </a:solidFill>
+                <a:latin typeface="Consolas" panose="020B0609020204030204" pitchFamily="49" charset="0"/>
+              </a:rPr>
+              <a:t>80</a:t>
+            </a:r>
+            <a:r>
+              <a:rPr lang="en-US" dirty="0">
+                <a:solidFill>
+                  <a:srgbClr val="000000"/>
+                </a:solidFill>
+                <a:latin typeface="Consolas" panose="020B0609020204030204" pitchFamily="49" charset="0"/>
+              </a:rPr>
+              <a:t>)) </a:t>
+            </a:r>
+            <a:r>
+              <a:rPr lang="en-US" dirty="0" err="1">
+                <a:solidFill>
+                  <a:srgbClr val="001080"/>
+                </a:solidFill>
+                <a:latin typeface="Consolas" panose="020B0609020204030204" pitchFamily="49" charset="0"/>
+              </a:rPr>
+              <a:t>img</a:t>
+            </a:r>
+            <a:r>
+              <a:rPr lang="en-US" dirty="0">
+                <a:solidFill>
+                  <a:srgbClr val="000000"/>
+                </a:solidFill>
+                <a:latin typeface="Consolas" panose="020B0609020204030204" pitchFamily="49" charset="0"/>
+              </a:rPr>
+              <a:t>:</a:t>
+            </a:r>
+          </a:p>
+          <a:p>
+            <a:pPr marL="0" indent="0">
+              <a:buNone/>
+            </a:pPr>
+            <a:r>
+              <a:rPr lang="en-US" dirty="0">
+                <a:solidFill>
+                  <a:srgbClr val="001080"/>
+                </a:solidFill>
+                <a:latin typeface="Consolas" panose="020B0609020204030204" pitchFamily="49" charset="0"/>
+              </a:rPr>
+              <a:t>		</a:t>
+            </a:r>
+            <a:r>
+              <a:rPr lang="en-US" dirty="0" err="1">
+                <a:solidFill>
+                  <a:srgbClr val="001080"/>
+                </a:solidFill>
+                <a:latin typeface="Consolas" panose="020B0609020204030204" pitchFamily="49" charset="0"/>
+              </a:rPr>
+              <a:t>Console</a:t>
+            </a:r>
+            <a:r>
+              <a:rPr lang="en-US" dirty="0" err="1">
+                <a:solidFill>
+                  <a:srgbClr val="000000"/>
+                </a:solidFill>
+                <a:latin typeface="Consolas" panose="020B0609020204030204" pitchFamily="49" charset="0"/>
+              </a:rPr>
+              <a:t>.</a:t>
+            </a:r>
+            <a:r>
+              <a:rPr lang="en-US" dirty="0" err="1">
+                <a:solidFill>
+                  <a:srgbClr val="795E26"/>
+                </a:solidFill>
+                <a:latin typeface="Consolas" panose="020B0609020204030204" pitchFamily="49" charset="0"/>
+              </a:rPr>
+              <a:t>WriteLine</a:t>
+            </a:r>
+            <a:r>
+              <a:rPr lang="en-US" dirty="0">
+                <a:solidFill>
+                  <a:srgbClr val="000000"/>
+                </a:solidFill>
+                <a:latin typeface="Consolas" panose="020B0609020204030204" pitchFamily="49" charset="0"/>
+              </a:rPr>
+              <a:t>(</a:t>
+            </a:r>
+            <a:r>
+              <a:rPr lang="en-US" dirty="0" err="1">
+                <a:solidFill>
+                  <a:srgbClr val="001080"/>
+                </a:solidFill>
+                <a:latin typeface="Consolas" panose="020B0609020204030204" pitchFamily="49" charset="0"/>
+              </a:rPr>
+              <a:t>img</a:t>
+            </a:r>
+            <a:r>
+              <a:rPr lang="en-US" dirty="0" err="1">
+                <a:solidFill>
+                  <a:srgbClr val="000000"/>
+                </a:solidFill>
+                <a:latin typeface="Consolas" panose="020B0609020204030204" pitchFamily="49" charset="0"/>
+              </a:rPr>
+              <a:t>.</a:t>
+            </a:r>
+            <a:r>
+              <a:rPr lang="en-US" dirty="0" err="1">
+                <a:solidFill>
+                  <a:srgbClr val="001080"/>
+                </a:solidFill>
+                <a:latin typeface="Consolas" panose="020B0609020204030204" pitchFamily="49" charset="0"/>
+              </a:rPr>
+              <a:t>Name</a:t>
+            </a:r>
+            <a:r>
+              <a:rPr lang="en-US" dirty="0">
+                <a:solidFill>
+                  <a:srgbClr val="000000"/>
+                </a:solidFill>
+                <a:latin typeface="Consolas" panose="020B0609020204030204" pitchFamily="49" charset="0"/>
+              </a:rPr>
+              <a:t>);</a:t>
+            </a:r>
+          </a:p>
+          <a:p>
+            <a:pPr marL="0" indent="0">
+              <a:buNone/>
+            </a:pPr>
+            <a:r>
+              <a:rPr lang="en-US" dirty="0">
+                <a:solidFill>
+                  <a:srgbClr val="AF00DB"/>
+                </a:solidFill>
+                <a:latin typeface="Consolas" panose="020B0609020204030204" pitchFamily="49" charset="0"/>
+              </a:rPr>
+              <a:t>		break</a:t>
+            </a:r>
+            <a:r>
+              <a:rPr lang="en-US" dirty="0">
+                <a:solidFill>
+                  <a:srgbClr val="000000"/>
+                </a:solidFill>
+                <a:latin typeface="Consolas" panose="020B0609020204030204" pitchFamily="49" charset="0"/>
+              </a:rPr>
+              <a:t>;</a:t>
+            </a:r>
+          </a:p>
+          <a:p>
+            <a:pPr marL="0" indent="0">
+              <a:buNone/>
+            </a:pPr>
+            <a:r>
+              <a:rPr lang="en-US" dirty="0">
+                <a:solidFill>
+                  <a:srgbClr val="AF00DB"/>
+                </a:solidFill>
+                <a:latin typeface="Consolas" panose="020B0609020204030204" pitchFamily="49" charset="0"/>
+              </a:rPr>
+              <a:t>	case</a:t>
+            </a:r>
+            <a:r>
+              <a:rPr lang="en-US" dirty="0">
+                <a:solidFill>
+                  <a:srgbClr val="000000"/>
+                </a:solidFill>
+                <a:latin typeface="Consolas" panose="020B0609020204030204" pitchFamily="49" charset="0"/>
+              </a:rPr>
+              <a:t> </a:t>
+            </a:r>
+            <a:r>
+              <a:rPr lang="en-US" dirty="0">
+                <a:solidFill>
+                  <a:srgbClr val="795E26"/>
+                </a:solidFill>
+                <a:latin typeface="Consolas" panose="020B0609020204030204" pitchFamily="49" charset="0"/>
+              </a:rPr>
+              <a:t>Image</a:t>
+            </a:r>
+            <a:r>
+              <a:rPr lang="en-US" dirty="0">
+                <a:solidFill>
+                  <a:srgbClr val="000000"/>
+                </a:solidFill>
+                <a:latin typeface="Consolas" panose="020B0609020204030204" pitchFamily="49" charset="0"/>
+              </a:rPr>
+              <a:t>(</a:t>
+            </a:r>
+            <a:r>
+              <a:rPr lang="en-US" dirty="0">
+                <a:solidFill>
+                  <a:srgbClr val="09885A"/>
+                </a:solidFill>
+                <a:latin typeface="Consolas" panose="020B0609020204030204" pitchFamily="49" charset="0"/>
+              </a:rPr>
+              <a:t>_</a:t>
+            </a:r>
+            <a:r>
+              <a:rPr lang="en-US" dirty="0">
+                <a:solidFill>
+                  <a:srgbClr val="000000"/>
+                </a:solidFill>
+                <a:latin typeface="Consolas" panose="020B0609020204030204" pitchFamily="49" charset="0"/>
+              </a:rPr>
+              <a:t>, </a:t>
+            </a:r>
+            <a:r>
+              <a:rPr lang="en-US" dirty="0">
+                <a:solidFill>
+                  <a:srgbClr val="09885A"/>
+                </a:solidFill>
+                <a:latin typeface="Consolas" panose="020B0609020204030204" pitchFamily="49" charset="0"/>
+              </a:rPr>
+              <a:t>_</a:t>
+            </a:r>
+            <a:r>
+              <a:rPr lang="en-US" dirty="0">
+                <a:solidFill>
+                  <a:srgbClr val="000000"/>
+                </a:solidFill>
+                <a:latin typeface="Consolas" panose="020B0609020204030204" pitchFamily="49" charset="0"/>
+              </a:rPr>
+              <a:t>, (</a:t>
+            </a:r>
+            <a:r>
+              <a:rPr lang="en-US" dirty="0">
+                <a:solidFill>
+                  <a:srgbClr val="09885A"/>
+                </a:solidFill>
+                <a:latin typeface="Consolas" panose="020B0609020204030204" pitchFamily="49" charset="0"/>
+              </a:rPr>
+              <a:t>_</a:t>
+            </a:r>
+            <a:r>
+              <a:rPr lang="en-US" dirty="0">
+                <a:solidFill>
+                  <a:srgbClr val="000000"/>
+                </a:solidFill>
+                <a:latin typeface="Consolas" panose="020B0609020204030204" pitchFamily="49" charset="0"/>
+              </a:rPr>
+              <a:t>, </a:t>
+            </a:r>
+            <a:r>
+              <a:rPr lang="en-US" dirty="0">
+                <a:solidFill>
+                  <a:srgbClr val="09885A"/>
+                </a:solidFill>
+                <a:latin typeface="Consolas" panose="020B0609020204030204" pitchFamily="49" charset="0"/>
+              </a:rPr>
+              <a:t>80</a:t>
+            </a:r>
+            <a:r>
+              <a:rPr lang="en-US" dirty="0">
+                <a:solidFill>
+                  <a:srgbClr val="000000"/>
+                </a:solidFill>
+                <a:latin typeface="Consolas" panose="020B0609020204030204" pitchFamily="49" charset="0"/>
+              </a:rPr>
+              <a:t>)) </a:t>
+            </a:r>
+            <a:r>
+              <a:rPr lang="en-US" dirty="0" err="1">
+                <a:solidFill>
+                  <a:srgbClr val="001080"/>
+                </a:solidFill>
+                <a:latin typeface="Consolas" panose="020B0609020204030204" pitchFamily="49" charset="0"/>
+              </a:rPr>
+              <a:t>img</a:t>
+            </a:r>
+            <a:r>
+              <a:rPr lang="en-US" dirty="0">
+                <a:solidFill>
+                  <a:srgbClr val="000000"/>
+                </a:solidFill>
+                <a:latin typeface="Consolas" panose="020B0609020204030204" pitchFamily="49" charset="0"/>
+              </a:rPr>
+              <a:t>:</a:t>
+            </a:r>
+          </a:p>
+          <a:p>
+            <a:pPr marL="0" indent="0">
+              <a:buNone/>
+            </a:pPr>
+            <a:r>
+              <a:rPr lang="en-US" dirty="0">
+                <a:solidFill>
+                  <a:srgbClr val="001080"/>
+                </a:solidFill>
+                <a:latin typeface="Consolas" panose="020B0609020204030204" pitchFamily="49" charset="0"/>
+              </a:rPr>
+              <a:t>		</a:t>
+            </a:r>
+            <a:r>
+              <a:rPr lang="en-US" dirty="0" err="1">
+                <a:solidFill>
+                  <a:srgbClr val="001080"/>
+                </a:solidFill>
+                <a:latin typeface="Consolas" panose="020B0609020204030204" pitchFamily="49" charset="0"/>
+              </a:rPr>
+              <a:t>Console</a:t>
+            </a:r>
+            <a:r>
+              <a:rPr lang="en-US" dirty="0" err="1">
+                <a:solidFill>
+                  <a:srgbClr val="000000"/>
+                </a:solidFill>
+                <a:latin typeface="Consolas" panose="020B0609020204030204" pitchFamily="49" charset="0"/>
+              </a:rPr>
+              <a:t>.</a:t>
+            </a:r>
+            <a:r>
+              <a:rPr lang="en-US" dirty="0" err="1">
+                <a:solidFill>
+                  <a:srgbClr val="795E26"/>
+                </a:solidFill>
+                <a:latin typeface="Consolas" panose="020B0609020204030204" pitchFamily="49" charset="0"/>
+              </a:rPr>
+              <a:t>WriteLine</a:t>
+            </a:r>
+            <a:r>
+              <a:rPr lang="en-US" dirty="0">
+                <a:solidFill>
+                  <a:srgbClr val="000000"/>
+                </a:solidFill>
+                <a:latin typeface="Consolas" panose="020B0609020204030204" pitchFamily="49" charset="0"/>
+              </a:rPr>
+              <a:t>(</a:t>
+            </a:r>
+            <a:r>
+              <a:rPr lang="en-US" dirty="0" err="1">
+                <a:solidFill>
+                  <a:srgbClr val="001080"/>
+                </a:solidFill>
+                <a:latin typeface="Consolas" panose="020B0609020204030204" pitchFamily="49" charset="0"/>
+              </a:rPr>
+              <a:t>img</a:t>
+            </a:r>
+            <a:r>
+              <a:rPr lang="en-US" dirty="0" err="1">
+                <a:solidFill>
+                  <a:srgbClr val="000000"/>
+                </a:solidFill>
+                <a:latin typeface="Consolas" panose="020B0609020204030204" pitchFamily="49" charset="0"/>
+              </a:rPr>
+              <a:t>.</a:t>
+            </a:r>
+            <a:r>
+              <a:rPr lang="en-US" dirty="0" err="1">
+                <a:solidFill>
+                  <a:srgbClr val="001080"/>
+                </a:solidFill>
+                <a:latin typeface="Consolas" panose="020B0609020204030204" pitchFamily="49" charset="0"/>
+              </a:rPr>
+              <a:t>Name</a:t>
+            </a:r>
+            <a:r>
+              <a:rPr lang="en-US" dirty="0">
+                <a:solidFill>
+                  <a:srgbClr val="000000"/>
+                </a:solidFill>
+                <a:latin typeface="Consolas" panose="020B0609020204030204" pitchFamily="49" charset="0"/>
+              </a:rPr>
+              <a:t>);</a:t>
+            </a:r>
+          </a:p>
+          <a:p>
+            <a:pPr marL="0" indent="0">
+              <a:buNone/>
+            </a:pPr>
+            <a:r>
+              <a:rPr lang="en-US" dirty="0">
+                <a:solidFill>
+                  <a:srgbClr val="AF00DB"/>
+                </a:solidFill>
+                <a:latin typeface="Consolas" panose="020B0609020204030204" pitchFamily="49" charset="0"/>
+              </a:rPr>
+              <a:t>		break</a:t>
+            </a:r>
+            <a:r>
+              <a:rPr lang="en-US" dirty="0">
+                <a:solidFill>
+                  <a:srgbClr val="000000"/>
+                </a:solidFill>
+                <a:latin typeface="Consolas" panose="020B0609020204030204" pitchFamily="49" charset="0"/>
+              </a:rPr>
+              <a:t>;</a:t>
+            </a:r>
+          </a:p>
+          <a:p>
+            <a:pPr marL="0" indent="0">
+              <a:buNone/>
+            </a:pPr>
+            <a:r>
+              <a:rPr lang="en-US" dirty="0">
+                <a:solidFill>
+                  <a:srgbClr val="000000"/>
+                </a:solidFill>
+                <a:latin typeface="Consolas" panose="020B0609020204030204" pitchFamily="49" charset="0"/>
+              </a:rPr>
+              <a:t>}</a:t>
+            </a:r>
+          </a:p>
+          <a:p>
+            <a:pPr marL="0" indent="0">
+              <a:buNone/>
+            </a:pPr>
+            <a:endParaRPr lang="en-US" dirty="0"/>
+          </a:p>
+        </p:txBody>
+      </p:sp>
+    </p:spTree>
+    <p:extLst>
+      <p:ext uri="{BB962C8B-B14F-4D97-AF65-F5344CB8AC3E}">
+        <p14:creationId xmlns:p14="http://schemas.microsoft.com/office/powerpoint/2010/main" val="4126461791"/>
+      </p:ext>
+    </p:extLst>
+  </p:cSld>
+  <p:clrMapOvr>
+    <a:masterClrMapping/>
+  </p:clrMapOvr>
+</p:sld>
+</file>
+
+<file path=ppt/slides/slide27.xml><?xml version="1.0" encoding="utf-8"?>
 <p:sld xmlns:a="http://schemas.openxmlformats.org/drawingml/2006/main" xmlns:r="http://schemas.openxmlformats.org/officeDocument/2006/relationships" xmlns:p="http://schemas.openxmlformats.org/presentationml/2006/main">
   <p:cSld>
     <p:spTree>
@@ -19664,7 +20435,7 @@
 </p:sld>
 </file>
 
-<file path=ppt/slides/slide27.xml><?xml version="1.0" encoding="utf-8"?>
+<file path=ppt/slides/slide28.xml><?xml version="1.0" encoding="utf-8"?>
 <p:sld xmlns:a="http://schemas.openxmlformats.org/drawingml/2006/main" xmlns:r="http://schemas.openxmlformats.org/officeDocument/2006/relationships" xmlns:p="http://schemas.openxmlformats.org/presentationml/2006/main">
   <p:cSld>
     <p:spTree>
@@ -21193,7 +21964,7 @@
 </p:sld>
 </file>
 
-<file path=ppt/slides/slide28.xml><?xml version="1.0" encoding="utf-8"?>
+<file path=ppt/slides/slide29.xml><?xml version="1.0" encoding="utf-8"?>
 <p:sld xmlns:a="http://schemas.openxmlformats.org/drawingml/2006/main" xmlns:r="http://schemas.openxmlformats.org/officeDocument/2006/relationships" xmlns:p="http://schemas.openxmlformats.org/presentationml/2006/main">
   <p:cSld>
     <p:spTree>
@@ -22042,7 +22813,106 @@
 </p:sld>
 </file>
 
-<file path=ppt/slides/slide29.xml><?xml version="1.0" encoding="utf-8"?>
+<file path=ppt/slides/slide3.xml><?xml version="1.0" encoding="utf-8"?>
+<p:sld xmlns:a="http://schemas.openxmlformats.org/drawingml/2006/main" xmlns:r="http://schemas.openxmlformats.org/officeDocument/2006/relationships" xmlns:p="http://schemas.openxmlformats.org/presentationml/2006/main">
+  <p:cSld>
+    <p:spTree>
+      <p:nvGrpSpPr>
+        <p:cNvPr id="1" name=""/>
+        <p:cNvGrpSpPr/>
+        <p:nvPr/>
+      </p:nvGrpSpPr>
+      <p:grpSpPr>
+        <a:xfrm>
+          <a:off x="0" y="0"/>
+          <a:ext cx="0" cy="0"/>
+          <a:chOff x="0" y="0"/>
+          <a:chExt cx="0" cy="0"/>
+        </a:xfrm>
+      </p:grpSpPr>
+      <p:sp>
+        <p:nvSpPr>
+          <p:cNvPr id="2" name="Title 1">
+            <a:extLst>
+              <a:ext uri="{FF2B5EF4-FFF2-40B4-BE49-F238E27FC236}">
+                <a16:creationId xmlns:a16="http://schemas.microsoft.com/office/drawing/2014/main" id="{57FB1402-7BF9-4789-A5B8-85A8DB8F3651}"/>
+              </a:ext>
+            </a:extLst>
+          </p:cNvPr>
+          <p:cNvSpPr>
+            <a:spLocks noGrp="1"/>
+          </p:cNvSpPr>
+          <p:nvPr>
+            <p:ph type="title"/>
+          </p:nvPr>
+        </p:nvSpPr>
+        <p:spPr/>
+        <p:txBody>
+          <a:bodyPr/>
+          <a:lstStyle/>
+          <a:p>
+            <a:r>
+              <a:rPr lang="en-US" dirty="0"/>
+              <a:t>C#8 </a:t>
+            </a:r>
+            <a:r>
+              <a:rPr lang="ru-RU" dirty="0"/>
+              <a:t>уже скоро</a:t>
+            </a:r>
+            <a:endParaRPr lang="en-US" dirty="0"/>
+          </a:p>
+        </p:txBody>
+      </p:sp>
+      <p:sp>
+        <p:nvSpPr>
+          <p:cNvPr id="3" name="Content Placeholder 2">
+            <a:extLst>
+              <a:ext uri="{FF2B5EF4-FFF2-40B4-BE49-F238E27FC236}">
+                <a16:creationId xmlns:a16="http://schemas.microsoft.com/office/drawing/2014/main" id="{D8E4C36B-3B29-49EF-97C7-3F46FDE93C64}"/>
+              </a:ext>
+            </a:extLst>
+          </p:cNvPr>
+          <p:cNvSpPr>
+            <a:spLocks noGrp="1"/>
+          </p:cNvSpPr>
+          <p:nvPr>
+            <p:ph idx="1"/>
+          </p:nvPr>
+        </p:nvSpPr>
+        <p:spPr/>
+        <p:txBody>
+          <a:bodyPr/>
+          <a:lstStyle/>
+          <a:p>
+            <a:r>
+              <a:rPr lang="en-US" dirty="0"/>
+              <a:t>TODO: </a:t>
+            </a:r>
+            <a:r>
+              <a:rPr lang="ru-RU" dirty="0"/>
+              <a:t>добавить картинку с </a:t>
+            </a:r>
+            <a:r>
+              <a:rPr lang="en-US" dirty="0"/>
+              <a:t>milestones</a:t>
+            </a:r>
+          </a:p>
+        </p:txBody>
+      </p:sp>
+    </p:spTree>
+    <p:extLst>
+      <p:ext uri="{BB962C8B-B14F-4D97-AF65-F5344CB8AC3E}">
+        <p14:creationId xmlns:p14="http://schemas.microsoft.com/office/powerpoint/2010/main" val="1601886800"/>
+      </p:ext>
+    </p:extLst>
+  </p:cSld>
+  <p:clrMapOvr>
+    <a:masterClrMapping/>
+  </p:clrMapOvr>
+</p:sld>
+</file>
+
+<file path=ppt/slides/slide30.xml><?xml version="1.0" encoding="utf-8"?>
 <p:sld xmlns:a="http://schemas.openxmlformats.org/drawingml/2006/main" xmlns:r="http://schemas.openxmlformats.org/officeDocument/2006/relationships" xmlns:p="http://schemas.openxmlformats.org/presentationml/2006/main">
   <p:cSld>
     <p:spTree>
@@ -23001,106 +23871,7 @@
 </p:sld>
 </file>
 
-<file path=ppt/slides/slide3.xml><?xml version="1.0" encoding="utf-8"?>
-<p:sld xmlns:a="http://schemas.openxmlformats.org/drawingml/2006/main" xmlns:r="http://schemas.openxmlformats.org/officeDocument/2006/relationships" xmlns:p="http://schemas.openxmlformats.org/presentationml/2006/main">
-  <p:cSld>
-    <p:spTree>
-      <p:nvGrpSpPr>
-        <p:cNvPr id="1" name=""/>
-        <p:cNvGrpSpPr/>
-        <p:nvPr/>
-      </p:nvGrpSpPr>
-      <p:grpSpPr>
-        <a:xfrm>
-          <a:off x="0" y="0"/>
-          <a:ext cx="0" cy="0"/>
-          <a:chOff x="0" y="0"/>
-          <a:chExt cx="0" cy="0"/>
-        </a:xfrm>
-      </p:grpSpPr>
-      <p:sp>
-        <p:nvSpPr>
-          <p:cNvPr id="2" name="Title 1">
-            <a:extLst>
-              <a:ext uri="{FF2B5EF4-FFF2-40B4-BE49-F238E27FC236}">
-                <a16:creationId xmlns:a16="http://schemas.microsoft.com/office/drawing/2014/main" id="{57FB1402-7BF9-4789-A5B8-85A8DB8F3651}"/>
-              </a:ext>
-            </a:extLst>
-          </p:cNvPr>
-          <p:cNvSpPr>
-            <a:spLocks noGrp="1"/>
-          </p:cNvSpPr>
-          <p:nvPr>
-            <p:ph type="title"/>
-          </p:nvPr>
-        </p:nvSpPr>
-        <p:spPr/>
-        <p:txBody>
-          <a:bodyPr/>
-          <a:lstStyle/>
-          <a:p>
-            <a:r>
-              <a:rPr lang="en-US" dirty="0"/>
-              <a:t>C#8 </a:t>
-            </a:r>
-            <a:r>
-              <a:rPr lang="ru-RU" dirty="0"/>
-              <a:t>уже скоро</a:t>
-            </a:r>
-            <a:endParaRPr lang="en-US" dirty="0"/>
-          </a:p>
-        </p:txBody>
-      </p:sp>
-      <p:sp>
-        <p:nvSpPr>
-          <p:cNvPr id="3" name="Content Placeholder 2">
-            <a:extLst>
-              <a:ext uri="{FF2B5EF4-FFF2-40B4-BE49-F238E27FC236}">
-                <a16:creationId xmlns:a16="http://schemas.microsoft.com/office/drawing/2014/main" id="{D8E4C36B-3B29-49EF-97C7-3F46FDE93C64}"/>
-              </a:ext>
-            </a:extLst>
-          </p:cNvPr>
-          <p:cNvSpPr>
-            <a:spLocks noGrp="1"/>
-          </p:cNvSpPr>
-          <p:nvPr>
-            <p:ph idx="1"/>
-          </p:nvPr>
-        </p:nvSpPr>
-        <p:spPr/>
-        <p:txBody>
-          <a:bodyPr/>
-          <a:lstStyle/>
-          <a:p>
-            <a:r>
-              <a:rPr lang="en-US" dirty="0"/>
-              <a:t>TODO: </a:t>
-            </a:r>
-            <a:r>
-              <a:rPr lang="ru-RU" dirty="0"/>
-              <a:t>добавить картинку с </a:t>
-            </a:r>
-            <a:r>
-              <a:rPr lang="en-US" dirty="0"/>
-              <a:t>milestones</a:t>
-            </a:r>
-          </a:p>
-        </p:txBody>
-      </p:sp>
-    </p:spTree>
-    <p:extLst>
-      <p:ext uri="{BB962C8B-B14F-4D97-AF65-F5344CB8AC3E}">
-        <p14:creationId xmlns:p14="http://schemas.microsoft.com/office/powerpoint/2010/main" val="1601886800"/>
-      </p:ext>
-    </p:extLst>
-  </p:cSld>
-  <p:clrMapOvr>
-    <a:masterClrMapping/>
-  </p:clrMapOvr>
-</p:sld>
-</file>
-
-<file path=ppt/slides/slide30.xml><?xml version="1.0" encoding="utf-8"?>
+<file path=ppt/slides/slide31.xml><?xml version="1.0" encoding="utf-8"?>
 <p:sld xmlns:a="http://schemas.openxmlformats.org/drawingml/2006/main" xmlns:r="http://schemas.openxmlformats.org/officeDocument/2006/relationships" xmlns:p="http://schemas.openxmlformats.org/presentationml/2006/main">
   <p:cSld>
     <p:spTree>
@@ -24731,7 +25502,7 @@
 </p:sld>
 </file>
 
-<file path=ppt/slides/slide31.xml><?xml version="1.0" encoding="utf-8"?>
+<file path=ppt/slides/slide32.xml><?xml version="1.0" encoding="utf-8"?>
 <p:sld xmlns:a="http://schemas.openxmlformats.org/drawingml/2006/main" xmlns:r="http://schemas.openxmlformats.org/officeDocument/2006/relationships" xmlns:p="http://schemas.openxmlformats.org/presentationml/2006/main">
   <p:cSld>
     <p:spTree>
@@ -25629,7 +26400,7 @@
 </p:sld>
 </file>
 
-<file path=ppt/slides/slide32.xml><?xml version="1.0" encoding="utf-8"?>
+<file path=ppt/slides/slide33.xml><?xml version="1.0" encoding="utf-8"?>
 <p:sld xmlns:a="http://schemas.openxmlformats.org/drawingml/2006/main" xmlns:r="http://schemas.openxmlformats.org/officeDocument/2006/relationships" xmlns:p="http://schemas.openxmlformats.org/presentationml/2006/main">
   <p:cSld>
     <p:spTree>
@@ -26069,7 +26840,2527 @@
 </p:sld>
 </file>
 
-<file path=ppt/slides/slide33.xml><?xml version="1.0" encoding="utf-8"?>
+<file path=ppt/slides/slide34.xml><?xml version="1.0" encoding="utf-8"?>
+<p:sld xmlns:a="http://schemas.openxmlformats.org/drawingml/2006/main" xmlns:r="http://schemas.openxmlformats.org/officeDocument/2006/relationships" xmlns:p="http://schemas.openxmlformats.org/presentationml/2006/main">
+  <p:cSld>
+    <p:spTree>
+      <p:nvGrpSpPr>
+        <p:cNvPr id="1" name=""/>
+        <p:cNvGrpSpPr/>
+        <p:nvPr/>
+      </p:nvGrpSpPr>
+      <p:grpSpPr>
+        <a:xfrm>
+          <a:off x="0" y="0"/>
+          <a:ext cx="0" cy="0"/>
+          <a:chOff x="0" y="0"/>
+          <a:chExt cx="0" cy="0"/>
+        </a:xfrm>
+      </p:grpSpPr>
+      <p:sp>
+        <p:nvSpPr>
+          <p:cNvPr id="2" name="Title 1">
+            <a:extLst>
+              <a:ext uri="{FF2B5EF4-FFF2-40B4-BE49-F238E27FC236}">
+                <a16:creationId xmlns:a16="http://schemas.microsoft.com/office/drawing/2014/main" id="{67B93A7D-F88F-4FEE-B0D4-C8D4639CB622}"/>
+              </a:ext>
+            </a:extLst>
+          </p:cNvPr>
+          <p:cNvSpPr>
+            <a:spLocks noGrp="1"/>
+          </p:cNvSpPr>
+          <p:nvPr>
+            <p:ph type="title"/>
+          </p:nvPr>
+        </p:nvSpPr>
+        <p:spPr/>
+        <p:txBody>
+          <a:bodyPr/>
+          <a:lstStyle/>
+          <a:p>
+            <a:r>
+              <a:rPr lang="ru-RU" dirty="0"/>
+              <a:t>Как же это использовать</a:t>
+            </a:r>
+            <a:endParaRPr lang="en-US" dirty="0"/>
+          </a:p>
+        </p:txBody>
+      </p:sp>
+      <p:sp>
+        <p:nvSpPr>
+          <p:cNvPr id="3" name="Content Placeholder 2">
+            <a:extLst>
+              <a:ext uri="{FF2B5EF4-FFF2-40B4-BE49-F238E27FC236}">
+                <a16:creationId xmlns:a16="http://schemas.microsoft.com/office/drawing/2014/main" id="{AE5BFCED-0BDB-477B-B27D-5C32987CCFF4}"/>
+              </a:ext>
+            </a:extLst>
+          </p:cNvPr>
+          <p:cNvSpPr>
+            <a:spLocks noGrp="1"/>
+          </p:cNvSpPr>
+          <p:nvPr>
+            <p:ph idx="1"/>
+          </p:nvPr>
+        </p:nvSpPr>
+        <p:spPr/>
+        <p:txBody>
+          <a:bodyPr>
+            <a:normAutofit fontScale="92500" lnSpcReduction="10000"/>
+          </a:bodyPr>
+          <a:lstStyle/>
+          <a:p>
+            <a:pPr marL="0" indent="0">
+              <a:buNone/>
+            </a:pPr>
+            <a:r>
+              <a:rPr lang="en-US" dirty="0">
+                <a:solidFill>
+                  <a:srgbClr val="0000FF"/>
+                </a:solidFill>
+                <a:latin typeface="Consolas" panose="020B0609020204030204" pitchFamily="49" charset="0"/>
+              </a:rPr>
+              <a:t>const</a:t>
+            </a:r>
+            <a:r>
+              <a:rPr lang="en-US" dirty="0">
+                <a:solidFill>
+                  <a:srgbClr val="000000"/>
+                </a:solidFill>
+                <a:latin typeface="Consolas" panose="020B0609020204030204" pitchFamily="49" charset="0"/>
+              </a:rPr>
+              <a:t> </a:t>
+            </a:r>
+            <a:r>
+              <a:rPr lang="en-US" dirty="0">
+                <a:solidFill>
+                  <a:srgbClr val="0000FF"/>
+                </a:solidFill>
+                <a:latin typeface="Consolas" panose="020B0609020204030204" pitchFamily="49" charset="0"/>
+              </a:rPr>
+              <a:t>string</a:t>
+            </a:r>
+            <a:r>
+              <a:rPr lang="en-US" dirty="0">
+                <a:solidFill>
+                  <a:srgbClr val="000000"/>
+                </a:solidFill>
+                <a:latin typeface="Consolas" panose="020B0609020204030204" pitchFamily="49" charset="0"/>
+              </a:rPr>
+              <a:t> </a:t>
+            </a:r>
+            <a:r>
+              <a:rPr lang="en-US" dirty="0">
+                <a:solidFill>
+                  <a:srgbClr val="001080"/>
+                </a:solidFill>
+                <a:latin typeface="Consolas" panose="020B0609020204030204" pitchFamily="49" charset="0"/>
+              </a:rPr>
+              <a:t>log</a:t>
+            </a:r>
+            <a:r>
+              <a:rPr lang="en-US" dirty="0">
+                <a:solidFill>
+                  <a:srgbClr val="000000"/>
+                </a:solidFill>
+                <a:latin typeface="Consolas" panose="020B0609020204030204" pitchFamily="49" charset="0"/>
+              </a:rPr>
+              <a:t> = </a:t>
+            </a:r>
+            <a:r>
+              <a:rPr lang="en-US" dirty="0">
+                <a:solidFill>
+                  <a:srgbClr val="A31515"/>
+                </a:solidFill>
+                <a:latin typeface="Consolas" panose="020B0609020204030204" pitchFamily="49" charset="0"/>
+              </a:rPr>
+              <a:t>"2018.09.01 Errors: #1234 Null Reference #1456 Access Violation @End"</a:t>
+            </a:r>
+            <a:r>
+              <a:rPr lang="en-US" dirty="0">
+                <a:solidFill>
+                  <a:srgbClr val="000000"/>
+                </a:solidFill>
+                <a:latin typeface="Consolas" panose="020B0609020204030204" pitchFamily="49" charset="0"/>
+              </a:rPr>
+              <a:t>;</a:t>
+            </a:r>
+          </a:p>
+          <a:p>
+            <a:pPr marL="0" indent="0">
+              <a:buNone/>
+            </a:pPr>
+            <a:endParaRPr lang="en-US" dirty="0">
+              <a:solidFill>
+                <a:srgbClr val="000000"/>
+              </a:solidFill>
+              <a:latin typeface="Consolas" panose="020B0609020204030204" pitchFamily="49" charset="0"/>
+            </a:endParaRPr>
+          </a:p>
+          <a:p>
+            <a:pPr marL="0" indent="0">
+              <a:buNone/>
+            </a:pPr>
+            <a:r>
+              <a:rPr lang="en-US" dirty="0">
+                <a:solidFill>
+                  <a:srgbClr val="0000FF"/>
+                </a:solidFill>
+                <a:latin typeface="Consolas" panose="020B0609020204030204" pitchFamily="49" charset="0"/>
+              </a:rPr>
+              <a:t>string</a:t>
+            </a:r>
+            <a:r>
+              <a:rPr lang="en-US" dirty="0">
+                <a:solidFill>
+                  <a:srgbClr val="000000"/>
+                </a:solidFill>
+                <a:latin typeface="Consolas" panose="020B0609020204030204" pitchFamily="49" charset="0"/>
+              </a:rPr>
+              <a:t> </a:t>
+            </a:r>
+            <a:r>
+              <a:rPr lang="en-US" dirty="0">
+                <a:solidFill>
+                  <a:srgbClr val="001080"/>
+                </a:solidFill>
+                <a:latin typeface="Consolas" panose="020B0609020204030204" pitchFamily="49" charset="0"/>
+              </a:rPr>
+              <a:t>errors</a:t>
+            </a:r>
+            <a:r>
+              <a:rPr lang="en-US" dirty="0">
+                <a:solidFill>
+                  <a:srgbClr val="000000"/>
+                </a:solidFill>
+                <a:latin typeface="Consolas" panose="020B0609020204030204" pitchFamily="49" charset="0"/>
+              </a:rPr>
+              <a:t> = </a:t>
+            </a:r>
+            <a:r>
+              <a:rPr lang="en-US" dirty="0">
+                <a:solidFill>
+                  <a:srgbClr val="001080"/>
+                </a:solidFill>
+                <a:latin typeface="Consolas" panose="020B0609020204030204" pitchFamily="49" charset="0"/>
+              </a:rPr>
+              <a:t>log</a:t>
+            </a:r>
+            <a:r>
+              <a:rPr lang="en-US" dirty="0">
+                <a:solidFill>
+                  <a:srgbClr val="000000"/>
+                </a:solidFill>
+                <a:latin typeface="Consolas" panose="020B0609020204030204" pitchFamily="49" charset="0"/>
+              </a:rPr>
+              <a:t>[</a:t>
+            </a:r>
+            <a:r>
+              <a:rPr lang="en-US" dirty="0">
+                <a:solidFill>
+                  <a:srgbClr val="09885A"/>
+                </a:solidFill>
+                <a:latin typeface="Consolas" panose="020B0609020204030204" pitchFamily="49" charset="0"/>
+              </a:rPr>
+              <a:t>20</a:t>
+            </a:r>
+            <a:r>
+              <a:rPr lang="en-US" dirty="0">
+                <a:solidFill>
+                  <a:srgbClr val="000000"/>
+                </a:solidFill>
+                <a:latin typeface="Consolas" panose="020B0609020204030204" pitchFamily="49" charset="0"/>
+              </a:rPr>
+              <a:t>..^</a:t>
+            </a:r>
+            <a:r>
+              <a:rPr lang="en-US" dirty="0">
+                <a:solidFill>
+                  <a:srgbClr val="09885A"/>
+                </a:solidFill>
+                <a:latin typeface="Consolas" panose="020B0609020204030204" pitchFamily="49" charset="0"/>
+              </a:rPr>
+              <a:t>4</a:t>
+            </a:r>
+            <a:r>
+              <a:rPr lang="en-US" dirty="0">
+                <a:solidFill>
+                  <a:srgbClr val="000000"/>
+                </a:solidFill>
+                <a:latin typeface="Consolas" panose="020B0609020204030204" pitchFamily="49" charset="0"/>
+              </a:rPr>
+              <a:t>]; </a:t>
+            </a:r>
+          </a:p>
+          <a:p>
+            <a:pPr marL="0" indent="0">
+              <a:buNone/>
+            </a:pPr>
+            <a:r>
+              <a:rPr lang="en-US" dirty="0">
+                <a:solidFill>
+                  <a:srgbClr val="008000"/>
+                </a:solidFill>
+                <a:latin typeface="Consolas" panose="020B0609020204030204" pitchFamily="49" charset="0"/>
+              </a:rPr>
+              <a:t>// out: 1234 Null Reference #1456 Access Violation</a:t>
+            </a:r>
+            <a:endParaRPr lang="en-US" dirty="0">
+              <a:solidFill>
+                <a:srgbClr val="000000"/>
+              </a:solidFill>
+              <a:latin typeface="Consolas" panose="020B0609020204030204" pitchFamily="49" charset="0"/>
+            </a:endParaRPr>
+          </a:p>
+          <a:p>
+            <a:pPr marL="0" indent="0">
+              <a:buNone/>
+            </a:pPr>
+            <a:r>
+              <a:rPr lang="en-US" dirty="0">
+                <a:solidFill>
+                  <a:srgbClr val="AF00DB"/>
+                </a:solidFill>
+                <a:latin typeface="Consolas" panose="020B0609020204030204" pitchFamily="49" charset="0"/>
+              </a:rPr>
+              <a:t>foreach</a:t>
+            </a:r>
+            <a:r>
+              <a:rPr lang="en-US" dirty="0">
+                <a:solidFill>
+                  <a:srgbClr val="000000"/>
+                </a:solidFill>
+                <a:latin typeface="Consolas" panose="020B0609020204030204" pitchFamily="49" charset="0"/>
+              </a:rPr>
+              <a:t> (</a:t>
+            </a:r>
+            <a:r>
+              <a:rPr lang="en-US" dirty="0">
+                <a:solidFill>
+                  <a:srgbClr val="0000FF"/>
+                </a:solidFill>
+                <a:latin typeface="Consolas" panose="020B0609020204030204" pitchFamily="49" charset="0"/>
+              </a:rPr>
+              <a:t>var</a:t>
+            </a:r>
+            <a:r>
+              <a:rPr lang="en-US" dirty="0">
+                <a:solidFill>
+                  <a:srgbClr val="000000"/>
+                </a:solidFill>
+                <a:latin typeface="Consolas" panose="020B0609020204030204" pitchFamily="49" charset="0"/>
+              </a:rPr>
+              <a:t> </a:t>
+            </a:r>
+            <a:r>
+              <a:rPr lang="en-US" dirty="0">
+                <a:solidFill>
+                  <a:srgbClr val="001080"/>
+                </a:solidFill>
+                <a:latin typeface="Consolas" panose="020B0609020204030204" pitchFamily="49" charset="0"/>
+              </a:rPr>
+              <a:t>error</a:t>
+            </a:r>
+            <a:r>
+              <a:rPr lang="en-US" dirty="0">
+                <a:solidFill>
+                  <a:srgbClr val="000000"/>
+                </a:solidFill>
+                <a:latin typeface="Consolas" panose="020B0609020204030204" pitchFamily="49" charset="0"/>
+              </a:rPr>
+              <a:t> </a:t>
+            </a:r>
+            <a:r>
+              <a:rPr lang="en-US" dirty="0">
+                <a:solidFill>
+                  <a:srgbClr val="AF00DB"/>
+                </a:solidFill>
+                <a:latin typeface="Consolas" panose="020B0609020204030204" pitchFamily="49" charset="0"/>
+              </a:rPr>
+              <a:t>in</a:t>
+            </a:r>
+            <a:r>
+              <a:rPr lang="en-US" dirty="0">
+                <a:solidFill>
+                  <a:srgbClr val="000000"/>
+                </a:solidFill>
+                <a:latin typeface="Consolas" panose="020B0609020204030204" pitchFamily="49" charset="0"/>
+              </a:rPr>
+              <a:t> </a:t>
+            </a:r>
+            <a:r>
+              <a:rPr lang="en-US" dirty="0" err="1">
+                <a:solidFill>
+                  <a:srgbClr val="001080"/>
+                </a:solidFill>
+                <a:latin typeface="Consolas" panose="020B0609020204030204" pitchFamily="49" charset="0"/>
+              </a:rPr>
+              <a:t>errors</a:t>
+            </a:r>
+            <a:r>
+              <a:rPr lang="en-US" dirty="0" err="1">
+                <a:solidFill>
+                  <a:srgbClr val="000000"/>
+                </a:solidFill>
+                <a:latin typeface="Consolas" panose="020B0609020204030204" pitchFamily="49" charset="0"/>
+              </a:rPr>
+              <a:t>.</a:t>
+            </a:r>
+            <a:r>
+              <a:rPr lang="en-US" dirty="0" err="1">
+                <a:solidFill>
+                  <a:srgbClr val="795E26"/>
+                </a:solidFill>
+                <a:latin typeface="Consolas" panose="020B0609020204030204" pitchFamily="49" charset="0"/>
+              </a:rPr>
+              <a:t>Split</a:t>
+            </a:r>
+            <a:r>
+              <a:rPr lang="en-US" dirty="0">
+                <a:solidFill>
+                  <a:srgbClr val="000000"/>
+                </a:solidFill>
+                <a:latin typeface="Consolas" panose="020B0609020204030204" pitchFamily="49" charset="0"/>
+              </a:rPr>
+              <a:t>(</a:t>
+            </a:r>
+            <a:r>
+              <a:rPr lang="en-US" dirty="0">
+                <a:solidFill>
+                  <a:srgbClr val="A31515"/>
+                </a:solidFill>
+                <a:latin typeface="Consolas" panose="020B0609020204030204" pitchFamily="49" charset="0"/>
+              </a:rPr>
+              <a:t>'#'</a:t>
+            </a:r>
+            <a:r>
+              <a:rPr lang="en-US" dirty="0">
+                <a:solidFill>
+                  <a:srgbClr val="000000"/>
+                </a:solidFill>
+                <a:latin typeface="Consolas" panose="020B0609020204030204" pitchFamily="49" charset="0"/>
+              </a:rPr>
+              <a:t>)){ </a:t>
+            </a:r>
+          </a:p>
+          <a:p>
+            <a:pPr marL="0" indent="0">
+              <a:buNone/>
+            </a:pPr>
+            <a:r>
+              <a:rPr lang="en-US" dirty="0">
+                <a:solidFill>
+                  <a:srgbClr val="0000FF"/>
+                </a:solidFill>
+                <a:latin typeface="Consolas" panose="020B0609020204030204" pitchFamily="49" charset="0"/>
+              </a:rPr>
+              <a:t>	string</a:t>
+            </a:r>
+            <a:r>
+              <a:rPr lang="en-US" dirty="0">
+                <a:solidFill>
+                  <a:srgbClr val="000000"/>
+                </a:solidFill>
+                <a:latin typeface="Consolas" panose="020B0609020204030204" pitchFamily="49" charset="0"/>
+              </a:rPr>
+              <a:t> </a:t>
+            </a:r>
+            <a:r>
+              <a:rPr lang="en-US" dirty="0">
+                <a:solidFill>
+                  <a:srgbClr val="001080"/>
+                </a:solidFill>
+                <a:latin typeface="Consolas" panose="020B0609020204030204" pitchFamily="49" charset="0"/>
+              </a:rPr>
+              <a:t>details</a:t>
+            </a:r>
+            <a:r>
+              <a:rPr lang="en-US" dirty="0">
+                <a:solidFill>
+                  <a:srgbClr val="000000"/>
+                </a:solidFill>
+                <a:latin typeface="Consolas" panose="020B0609020204030204" pitchFamily="49" charset="0"/>
+              </a:rPr>
+              <a:t> = </a:t>
+            </a:r>
+            <a:r>
+              <a:rPr lang="en-US" dirty="0">
+                <a:solidFill>
+                  <a:srgbClr val="001080"/>
+                </a:solidFill>
+                <a:latin typeface="Consolas" panose="020B0609020204030204" pitchFamily="49" charset="0"/>
+              </a:rPr>
+              <a:t>error</a:t>
+            </a:r>
+            <a:r>
+              <a:rPr lang="en-US" dirty="0">
+                <a:solidFill>
+                  <a:srgbClr val="000000"/>
+                </a:solidFill>
+                <a:latin typeface="Consolas" panose="020B0609020204030204" pitchFamily="49" charset="0"/>
+              </a:rPr>
+              <a:t>[</a:t>
+            </a:r>
+            <a:r>
+              <a:rPr lang="en-US" dirty="0">
+                <a:solidFill>
+                  <a:srgbClr val="09885A"/>
+                </a:solidFill>
+                <a:latin typeface="Consolas" panose="020B0609020204030204" pitchFamily="49" charset="0"/>
+              </a:rPr>
+              <a:t>4</a:t>
+            </a:r>
+            <a:r>
+              <a:rPr lang="en-US" dirty="0">
+                <a:solidFill>
+                  <a:srgbClr val="000000"/>
+                </a:solidFill>
+                <a:latin typeface="Consolas" panose="020B0609020204030204" pitchFamily="49" charset="0"/>
+              </a:rPr>
+              <a:t>..]; </a:t>
+            </a:r>
+          </a:p>
+          <a:p>
+            <a:pPr marL="0" indent="0">
+              <a:buNone/>
+            </a:pPr>
+            <a:r>
+              <a:rPr lang="en-US" dirty="0">
+                <a:solidFill>
+                  <a:srgbClr val="008000"/>
+                </a:solidFill>
+                <a:latin typeface="Consolas" panose="020B0609020204030204" pitchFamily="49" charset="0"/>
+              </a:rPr>
+              <a:t>	// out: Null Reference</a:t>
+            </a:r>
+            <a:endParaRPr lang="en-US" dirty="0">
+              <a:solidFill>
+                <a:srgbClr val="000000"/>
+              </a:solidFill>
+              <a:latin typeface="Consolas" panose="020B0609020204030204" pitchFamily="49" charset="0"/>
+            </a:endParaRPr>
+          </a:p>
+          <a:p>
+            <a:pPr marL="0" indent="0">
+              <a:buNone/>
+            </a:pPr>
+            <a:r>
+              <a:rPr lang="en-US" dirty="0">
+                <a:solidFill>
+                  <a:srgbClr val="008000"/>
+                </a:solidFill>
+                <a:latin typeface="Consolas" panose="020B0609020204030204" pitchFamily="49" charset="0"/>
+              </a:rPr>
+              <a:t>	// out: Access Violation</a:t>
+            </a:r>
+          </a:p>
+          <a:p>
+            <a:pPr marL="0" indent="0">
+              <a:buNone/>
+            </a:pPr>
+            <a:r>
+              <a:rPr lang="en-US" dirty="0">
+                <a:solidFill>
+                  <a:srgbClr val="000000"/>
+                </a:solidFill>
+                <a:latin typeface="Consolas" panose="020B0609020204030204" pitchFamily="49" charset="0"/>
+              </a:rPr>
+              <a:t>}</a:t>
+            </a:r>
+          </a:p>
+          <a:p>
+            <a:pPr marL="0" indent="0">
+              <a:buNone/>
+            </a:pPr>
+            <a:endParaRPr lang="en-US" dirty="0"/>
+          </a:p>
+        </p:txBody>
+      </p:sp>
+    </p:spTree>
+    <p:extLst>
+      <p:ext uri="{BB962C8B-B14F-4D97-AF65-F5344CB8AC3E}">
+        <p14:creationId xmlns:p14="http://schemas.microsoft.com/office/powerpoint/2010/main" val="2876879029"/>
+      </p:ext>
+    </p:extLst>
+  </p:cSld>
+  <p:clrMapOvr>
+    <a:masterClrMapping/>
+  </p:clrMapOvr>
+  <p:timing>
+    <p:tnLst>
+      <p:par>
+        <p:cTn id="1" dur="indefinite" restart="never" nodeType="tmRoot">
+          <p:childTnLst>
+            <p:seq concurrent="1" nextAc="seek">
+              <p:cTn id="2" dur="indefinite" nodeType="mainSeq">
+                <p:childTnLst>
+                  <p:par>
+                    <p:cTn id="3" fill="hold">
+                      <p:stCondLst>
+                        <p:cond delay="indefinite"/>
+                      </p:stCondLst>
+                      <p:childTnLst>
+                        <p:par>
+                          <p:cTn id="4" fill="hold">
+                            <p:stCondLst>
+                              <p:cond delay="0"/>
+                            </p:stCondLst>
+                            <p:childTnLst>
+                              <p:par>
+                                <p:cTn id="5" presetID="1" presetClass="entr" presetSubtype="0" fill="hold" grpId="0" nodeType="clickEffect">
+                                  <p:stCondLst>
+                                    <p:cond delay="0"/>
+                                  </p:stCondLst>
+                                  <p:childTnLst>
+                                    <p:set>
+                                      <p:cBhvr>
+                                        <p:cTn id="6" dur="1" fill="hold">
+                                          <p:stCondLst>
+                                            <p:cond delay="0"/>
+                                          </p:stCondLst>
+                                        </p:cTn>
+                                        <p:tgtEl>
+                                          <p:spTgt spid="3">
+                                            <p:txEl>
+                                              <p:pRg st="0" end="0"/>
+                                            </p:txEl>
+                                          </p:spTgt>
+                                        </p:tgtEl>
+                                        <p:attrNameLst>
+                                          <p:attrName>style.visibility</p:attrName>
+                                        </p:attrNameLst>
+                                      </p:cBhvr>
+                                      <p:to>
+                                        <p:strVal val="visible"/>
+                                      </p:to>
+                                    </p:set>
+                                  </p:childTnLst>
+                                </p:cTn>
+                              </p:par>
+                            </p:childTnLst>
+                          </p:cTn>
+                        </p:par>
+                      </p:childTnLst>
+                    </p:cTn>
+                  </p:par>
+                  <p:par>
+                    <p:cTn id="7" fill="hold">
+                      <p:stCondLst>
+                        <p:cond delay="indefinite"/>
+                      </p:stCondLst>
+                      <p:childTnLst>
+                        <p:par>
+                          <p:cTn id="8" fill="hold">
+                            <p:stCondLst>
+                              <p:cond delay="0"/>
+                            </p:stCondLst>
+                            <p:childTnLst>
+                              <p:par>
+                                <p:cTn id="9" presetID="1" presetClass="entr" presetSubtype="0" fill="hold" grpId="0" nodeType="clickEffect">
+                                  <p:stCondLst>
+                                    <p:cond delay="0"/>
+                                  </p:stCondLst>
+                                  <p:childTnLst>
+                                    <p:set>
+                                      <p:cBhvr>
+                                        <p:cTn id="10" dur="1" fill="hold">
+                                          <p:stCondLst>
+                                            <p:cond delay="0"/>
+                                          </p:stCondLst>
+                                        </p:cTn>
+                                        <p:tgtEl>
+                                          <p:spTgt spid="3">
+                                            <p:txEl>
+                                              <p:pRg st="2" end="2"/>
+                                            </p:txEl>
+                                          </p:spTgt>
+                                        </p:tgtEl>
+                                        <p:attrNameLst>
+                                          <p:attrName>style.visibility</p:attrName>
+                                        </p:attrNameLst>
+                                      </p:cBhvr>
+                                      <p:to>
+                                        <p:strVal val="visible"/>
+                                      </p:to>
+                                    </p:set>
+                                  </p:childTnLst>
+                                </p:cTn>
+                              </p:par>
+                            </p:childTnLst>
+                          </p:cTn>
+                        </p:par>
+                      </p:childTnLst>
+                    </p:cTn>
+                  </p:par>
+                  <p:par>
+                    <p:cTn id="11" fill="hold">
+                      <p:stCondLst>
+                        <p:cond delay="indefinite"/>
+                      </p:stCondLst>
+                      <p:childTnLst>
+                        <p:par>
+                          <p:cTn id="12" fill="hold">
+                            <p:stCondLst>
+                              <p:cond delay="0"/>
+                            </p:stCondLst>
+                            <p:childTnLst>
+                              <p:par>
+                                <p:cTn id="13" presetID="1" presetClass="entr" presetSubtype="0" fill="hold" grpId="0" nodeType="clickEffect">
+                                  <p:stCondLst>
+                                    <p:cond delay="0"/>
+                                  </p:stCondLst>
+                                  <p:childTnLst>
+                                    <p:set>
+                                      <p:cBhvr>
+                                        <p:cTn id="14" dur="1" fill="hold">
+                                          <p:stCondLst>
+                                            <p:cond delay="0"/>
+                                          </p:stCondLst>
+                                        </p:cTn>
+                                        <p:tgtEl>
+                                          <p:spTgt spid="3">
+                                            <p:txEl>
+                                              <p:pRg st="3" end="3"/>
+                                            </p:txEl>
+                                          </p:spTgt>
+                                        </p:tgtEl>
+                                        <p:attrNameLst>
+                                          <p:attrName>style.visibility</p:attrName>
+                                        </p:attrNameLst>
+                                      </p:cBhvr>
+                                      <p:to>
+                                        <p:strVal val="visible"/>
+                                      </p:to>
+                                    </p:set>
+                                  </p:childTnLst>
+                                </p:cTn>
+                              </p:par>
+                            </p:childTnLst>
+                          </p:cTn>
+                        </p:par>
+                      </p:childTnLst>
+                    </p:cTn>
+                  </p:par>
+                  <p:par>
+                    <p:cTn id="15" fill="hold">
+                      <p:stCondLst>
+                        <p:cond delay="indefinite"/>
+                      </p:stCondLst>
+                      <p:childTnLst>
+                        <p:par>
+                          <p:cTn id="16" fill="hold">
+                            <p:stCondLst>
+                              <p:cond delay="0"/>
+                            </p:stCondLst>
+                            <p:childTnLst>
+                              <p:par>
+                                <p:cTn id="17" presetID="1" presetClass="entr" presetSubtype="0" fill="hold" grpId="0" nodeType="clickEffect">
+                                  <p:stCondLst>
+                                    <p:cond delay="0"/>
+                                  </p:stCondLst>
+                                  <p:childTnLst>
+                                    <p:set>
+                                      <p:cBhvr>
+                                        <p:cTn id="18" dur="1" fill="hold">
+                                          <p:stCondLst>
+                                            <p:cond delay="0"/>
+                                          </p:stCondLst>
+                                        </p:cTn>
+                                        <p:tgtEl>
+                                          <p:spTgt spid="3">
+                                            <p:txEl>
+                                              <p:pRg st="4" end="4"/>
+                                            </p:txEl>
+                                          </p:spTgt>
+                                        </p:tgtEl>
+                                        <p:attrNameLst>
+                                          <p:attrName>style.visibility</p:attrName>
+                                        </p:attrNameLst>
+                                      </p:cBhvr>
+                                      <p:to>
+                                        <p:strVal val="visible"/>
+                                      </p:to>
+                                    </p:set>
+                                  </p:childTnLst>
+                                </p:cTn>
+                              </p:par>
+                            </p:childTnLst>
+                          </p:cTn>
+                        </p:par>
+                      </p:childTnLst>
+                    </p:cTn>
+                  </p:par>
+                  <p:par>
+                    <p:cTn id="19" fill="hold">
+                      <p:stCondLst>
+                        <p:cond delay="indefinite"/>
+                      </p:stCondLst>
+                      <p:childTnLst>
+                        <p:par>
+                          <p:cTn id="20" fill="hold">
+                            <p:stCondLst>
+                              <p:cond delay="0"/>
+                            </p:stCondLst>
+                            <p:childTnLst>
+                              <p:par>
+                                <p:cTn id="21" presetID="1" presetClass="entr" presetSubtype="0" fill="hold" grpId="0" nodeType="clickEffect">
+                                  <p:stCondLst>
+                                    <p:cond delay="0"/>
+                                  </p:stCondLst>
+                                  <p:childTnLst>
+                                    <p:set>
+                                      <p:cBhvr>
+                                        <p:cTn id="22" dur="1" fill="hold">
+                                          <p:stCondLst>
+                                            <p:cond delay="0"/>
+                                          </p:stCondLst>
+                                        </p:cTn>
+                                        <p:tgtEl>
+                                          <p:spTgt spid="3">
+                                            <p:txEl>
+                                              <p:pRg st="8" end="8"/>
+                                            </p:txEl>
+                                          </p:spTgt>
+                                        </p:tgtEl>
+                                        <p:attrNameLst>
+                                          <p:attrName>style.visibility</p:attrName>
+                                        </p:attrNameLst>
+                                      </p:cBhvr>
+                                      <p:to>
+                                        <p:strVal val="visible"/>
+                                      </p:to>
+                                    </p:set>
+                                  </p:childTnLst>
+                                </p:cTn>
+                              </p:par>
+                            </p:childTnLst>
+                          </p:cTn>
+                        </p:par>
+                      </p:childTnLst>
+                    </p:cTn>
+                  </p:par>
+                  <p:par>
+                    <p:cTn id="23" fill="hold">
+                      <p:stCondLst>
+                        <p:cond delay="indefinite"/>
+                      </p:stCondLst>
+                      <p:childTnLst>
+                        <p:par>
+                          <p:cTn id="24" fill="hold">
+                            <p:stCondLst>
+                              <p:cond delay="0"/>
+                            </p:stCondLst>
+                            <p:childTnLst>
+                              <p:par>
+                                <p:cTn id="25" presetID="1" presetClass="entr" presetSubtype="0" fill="hold" grpId="0" nodeType="clickEffect">
+                                  <p:stCondLst>
+                                    <p:cond delay="0"/>
+                                  </p:stCondLst>
+                                  <p:childTnLst>
+                                    <p:set>
+                                      <p:cBhvr>
+                                        <p:cTn id="26" dur="1" fill="hold">
+                                          <p:stCondLst>
+                                            <p:cond delay="0"/>
+                                          </p:stCondLst>
+                                        </p:cTn>
+                                        <p:tgtEl>
+                                          <p:spTgt spid="3">
+                                            <p:txEl>
+                                              <p:pRg st="5" end="5"/>
+                                            </p:txEl>
+                                          </p:spTgt>
+                                        </p:tgtEl>
+                                        <p:attrNameLst>
+                                          <p:attrName>style.visibility</p:attrName>
+                                        </p:attrNameLst>
+                                      </p:cBhvr>
+                                      <p:to>
+                                        <p:strVal val="visible"/>
+                                      </p:to>
+                                    </p:set>
+                                  </p:childTnLst>
+                                </p:cTn>
+                              </p:par>
+                            </p:childTnLst>
+                          </p:cTn>
+                        </p:par>
+                      </p:childTnLst>
+                    </p:cTn>
+                  </p:par>
+                  <p:par>
+                    <p:cTn id="27" fill="hold">
+                      <p:stCondLst>
+                        <p:cond delay="indefinite"/>
+                      </p:stCondLst>
+                      <p:childTnLst>
+                        <p:par>
+                          <p:cTn id="28" fill="hold">
+                            <p:stCondLst>
+                              <p:cond delay="0"/>
+                            </p:stCondLst>
+                            <p:childTnLst>
+                              <p:par>
+                                <p:cTn id="29" presetID="1" presetClass="entr" presetSubtype="0" fill="hold" grpId="0" nodeType="clickEffect">
+                                  <p:stCondLst>
+                                    <p:cond delay="0"/>
+                                  </p:stCondLst>
+                                  <p:childTnLst>
+                                    <p:set>
+                                      <p:cBhvr>
+                                        <p:cTn id="30" dur="1" fill="hold">
+                                          <p:stCondLst>
+                                            <p:cond delay="0"/>
+                                          </p:stCondLst>
+                                        </p:cTn>
+                                        <p:tgtEl>
+                                          <p:spTgt spid="3">
+                                            <p:txEl>
+                                              <p:pRg st="6" end="6"/>
+                                            </p:txEl>
+                                          </p:spTgt>
+                                        </p:tgtEl>
+                                        <p:attrNameLst>
+                                          <p:attrName>style.visibility</p:attrName>
+                                        </p:attrNameLst>
+                                      </p:cBhvr>
+                                      <p:to>
+                                        <p:strVal val="visible"/>
+                                      </p:to>
+                                    </p:set>
+                                  </p:childTnLst>
+                                </p:cTn>
+                              </p:par>
+                            </p:childTnLst>
+                          </p:cTn>
+                        </p:par>
+                      </p:childTnLst>
+                    </p:cTn>
+                  </p:par>
+                  <p:par>
+                    <p:cTn id="31" fill="hold">
+                      <p:stCondLst>
+                        <p:cond delay="indefinite"/>
+                      </p:stCondLst>
+                      <p:childTnLst>
+                        <p:par>
+                          <p:cTn id="32" fill="hold">
+                            <p:stCondLst>
+                              <p:cond delay="0"/>
+                            </p:stCondLst>
+                            <p:childTnLst>
+                              <p:par>
+                                <p:cTn id="33" presetID="1" presetClass="entr" presetSubtype="0" fill="hold" grpId="0" nodeType="clickEffect">
+                                  <p:stCondLst>
+                                    <p:cond delay="0"/>
+                                  </p:stCondLst>
+                                  <p:childTnLst>
+                                    <p:set>
+                                      <p:cBhvr>
+                                        <p:cTn id="34" dur="1" fill="hold">
+                                          <p:stCondLst>
+                                            <p:cond delay="0"/>
+                                          </p:stCondLst>
+                                        </p:cTn>
+                                        <p:tgtEl>
+                                          <p:spTgt spid="3">
+                                            <p:txEl>
+                                              <p:pRg st="7" end="7"/>
+                                            </p:txEl>
+                                          </p:spTgt>
+                                        </p:tgtEl>
+                                        <p:attrNameLst>
+                                          <p:attrName>style.visibility</p:attrName>
+                                        </p:attrNameLst>
+                                      </p:cBhvr>
+                                      <p:to>
+                                        <p:strVal val="visible"/>
+                                      </p:to>
+                                    </p:set>
+                                  </p:childTnLst>
+                                </p:cTn>
+                              </p:par>
+                            </p:childTnLst>
+                          </p:cTn>
+                        </p:par>
+                      </p:childTnLst>
+                    </p:cTn>
+                  </p:par>
+                </p:childTnLst>
+              </p:cTn>
+              <p:prevCondLst>
+                <p:cond evt="onPrev" delay="0">
+                  <p:tgtEl>
+                    <p:sldTgt/>
+                  </p:tgtEl>
+                </p:cond>
+              </p:prevCondLst>
+              <p:nextCondLst>
+                <p:cond evt="onNext" delay="0">
+                  <p:tgtEl>
+                    <p:sldTgt/>
+                  </p:tgtEl>
+                </p:cond>
+              </p:nextCondLst>
+            </p:seq>
+          </p:childTnLst>
+        </p:cTn>
+      </p:par>
+    </p:tnLst>
+    <p:bldLst>
+      <p:bldP spid="3" grpId="0" uiExpand="1" build="p"/>
+    </p:bldLst>
+  </p:timing>
+</p:sld>
+</file>
+
+<file path=ppt/slides/slide35.xml><?xml version="1.0" encoding="utf-8"?>
+<p:sld xmlns:a="http://schemas.openxmlformats.org/drawingml/2006/main" xmlns:r="http://schemas.openxmlformats.org/officeDocument/2006/relationships" xmlns:p="http://schemas.openxmlformats.org/presentationml/2006/main">
+  <p:cSld>
+    <p:spTree>
+      <p:nvGrpSpPr>
+        <p:cNvPr id="1" name=""/>
+        <p:cNvGrpSpPr/>
+        <p:nvPr/>
+      </p:nvGrpSpPr>
+      <p:grpSpPr>
+        <a:xfrm>
+          <a:off x="0" y="0"/>
+          <a:ext cx="0" cy="0"/>
+          <a:chOff x="0" y="0"/>
+          <a:chExt cx="0" cy="0"/>
+        </a:xfrm>
+      </p:grpSpPr>
+      <p:sp>
+        <p:nvSpPr>
+          <p:cNvPr id="2" name="Title 1">
+            <a:extLst>
+              <a:ext uri="{FF2B5EF4-FFF2-40B4-BE49-F238E27FC236}">
+                <a16:creationId xmlns:a16="http://schemas.microsoft.com/office/drawing/2014/main" id="{A4639B54-DD8E-4513-8071-B16320212A0E}"/>
+              </a:ext>
+            </a:extLst>
+          </p:cNvPr>
+          <p:cNvSpPr>
+            <a:spLocks noGrp="1"/>
+          </p:cNvSpPr>
+          <p:nvPr>
+            <p:ph type="title"/>
+          </p:nvPr>
+        </p:nvSpPr>
+        <p:spPr/>
+        <p:txBody>
+          <a:bodyPr/>
+          <a:lstStyle/>
+          <a:p>
+            <a:r>
+              <a:rPr lang="ru-RU" dirty="0"/>
+              <a:t>Парочка деталей:</a:t>
+            </a:r>
+            <a:r>
+              <a:rPr lang="en-US" dirty="0"/>
+              <a:t> Enumerator</a:t>
+            </a:r>
+          </a:p>
+        </p:txBody>
+      </p:sp>
+      <p:sp>
+        <p:nvSpPr>
+          <p:cNvPr id="3" name="Content Placeholder 2">
+            <a:extLst>
+              <a:ext uri="{FF2B5EF4-FFF2-40B4-BE49-F238E27FC236}">
+                <a16:creationId xmlns:a16="http://schemas.microsoft.com/office/drawing/2014/main" id="{BE1B5ECD-F8D1-4A5F-8E7F-188C59A6AAF2}"/>
+              </a:ext>
+            </a:extLst>
+          </p:cNvPr>
+          <p:cNvSpPr>
+            <a:spLocks noGrp="1"/>
+          </p:cNvSpPr>
+          <p:nvPr>
+            <p:ph idx="1"/>
+          </p:nvPr>
+        </p:nvSpPr>
+        <p:spPr/>
+        <p:txBody>
+          <a:bodyPr/>
+          <a:lstStyle/>
+          <a:p>
+            <a:pPr marL="0" indent="0">
+              <a:buNone/>
+            </a:pPr>
+            <a:r>
+              <a:rPr lang="en-US" dirty="0">
+                <a:solidFill>
+                  <a:srgbClr val="795E26"/>
+                </a:solidFill>
+                <a:latin typeface="Consolas" panose="020B0609020204030204" pitchFamily="49" charset="0"/>
+              </a:rPr>
+              <a:t>foreach</a:t>
+            </a:r>
+            <a:r>
+              <a:rPr lang="en-US" dirty="0">
+                <a:solidFill>
+                  <a:srgbClr val="000000"/>
+                </a:solidFill>
+                <a:latin typeface="Consolas" panose="020B0609020204030204" pitchFamily="49" charset="0"/>
+              </a:rPr>
+              <a:t> (</a:t>
+            </a:r>
+            <a:r>
+              <a:rPr lang="en-US" dirty="0">
+                <a:solidFill>
+                  <a:srgbClr val="267F99"/>
+                </a:solidFill>
+                <a:latin typeface="Consolas" panose="020B0609020204030204" pitchFamily="49" charset="0"/>
+              </a:rPr>
+              <a:t>var</a:t>
+            </a:r>
+            <a:r>
+              <a:rPr lang="en-US" dirty="0">
+                <a:solidFill>
+                  <a:srgbClr val="000000"/>
+                </a:solidFill>
+                <a:latin typeface="Consolas" panose="020B0609020204030204" pitchFamily="49" charset="0"/>
+              </a:rPr>
+              <a:t> </a:t>
+            </a:r>
+            <a:r>
+              <a:rPr lang="en-US" dirty="0">
+                <a:solidFill>
+                  <a:srgbClr val="001080"/>
+                </a:solidFill>
+                <a:latin typeface="Consolas" panose="020B0609020204030204" pitchFamily="49" charset="0"/>
+              </a:rPr>
+              <a:t>item</a:t>
+            </a:r>
+            <a:r>
+              <a:rPr lang="en-US" dirty="0">
+                <a:solidFill>
+                  <a:srgbClr val="000000"/>
+                </a:solidFill>
+                <a:latin typeface="Consolas" panose="020B0609020204030204" pitchFamily="49" charset="0"/>
+              </a:rPr>
+              <a:t> in 1..10)</a:t>
+            </a:r>
+          </a:p>
+          <a:p>
+            <a:pPr marL="0" indent="0">
+              <a:buNone/>
+            </a:pPr>
+            <a:r>
+              <a:rPr lang="en-US" dirty="0">
+                <a:solidFill>
+                  <a:srgbClr val="000000"/>
+                </a:solidFill>
+                <a:latin typeface="Consolas" panose="020B0609020204030204" pitchFamily="49" charset="0"/>
+              </a:rPr>
+              <a:t>{</a:t>
+            </a:r>
+          </a:p>
+          <a:p>
+            <a:pPr marL="0" indent="0">
+              <a:buNone/>
+            </a:pPr>
+            <a:r>
+              <a:rPr lang="en-US" dirty="0">
+                <a:solidFill>
+                  <a:srgbClr val="000000"/>
+                </a:solidFill>
+                <a:latin typeface="Consolas" panose="020B0609020204030204" pitchFamily="49" charset="0"/>
+              </a:rPr>
+              <a:t>}</a:t>
+            </a:r>
+          </a:p>
+          <a:p>
+            <a:pPr marL="0" indent="0">
+              <a:buNone/>
+            </a:pPr>
+            <a:endParaRPr lang="en-US" dirty="0"/>
+          </a:p>
+          <a:p>
+            <a:pPr marL="0" indent="0">
+              <a:buNone/>
+            </a:pPr>
+            <a:r>
+              <a:rPr lang="ru-RU" dirty="0"/>
+              <a:t>Представленная в прототипе реализация не содержит метод </a:t>
+            </a:r>
+            <a:r>
+              <a:rPr lang="en-US" dirty="0" err="1"/>
+              <a:t>GetEnumerator</a:t>
+            </a:r>
+            <a:endParaRPr lang="en-US" dirty="0"/>
+          </a:p>
+        </p:txBody>
+      </p:sp>
+    </p:spTree>
+    <p:extLst>
+      <p:ext uri="{BB962C8B-B14F-4D97-AF65-F5344CB8AC3E}">
+        <p14:creationId xmlns:p14="http://schemas.microsoft.com/office/powerpoint/2010/main" val="1609084859"/>
+      </p:ext>
+    </p:extLst>
+  </p:cSld>
+  <p:clrMapOvr>
+    <a:masterClrMapping/>
+  </p:clrMapOvr>
+  <p:timing>
+    <p:tnLst>
+      <p:par>
+        <p:cTn id="1" dur="indefinite" restart="never" nodeType="tmRoot">
+          <p:childTnLst>
+            <p:seq concurrent="1" nextAc="seek">
+              <p:cTn id="2" dur="indefinite" nodeType="mainSeq">
+                <p:childTnLst>
+                  <p:par>
+                    <p:cTn id="3" fill="hold">
+                      <p:stCondLst>
+                        <p:cond delay="indefinite"/>
+                        <p:cond evt="onBegin" delay="0">
+                          <p:tn val="2"/>
+                        </p:cond>
+                      </p:stCondLst>
+                      <p:childTnLst>
+                        <p:par>
+                          <p:cTn id="4" fill="hold">
+                            <p:stCondLst>
+                              <p:cond delay="0"/>
+                            </p:stCondLst>
+                            <p:childTnLst>
+                              <p:par>
+                                <p:cTn id="5" presetID="1" presetClass="entr" presetSubtype="0" fill="hold" grpId="0" nodeType="withEffect">
+                                  <p:stCondLst>
+                                    <p:cond delay="0"/>
+                                  </p:stCondLst>
+                                  <p:childTnLst>
+                                    <p:set>
+                                      <p:cBhvr>
+                                        <p:cTn id="6" dur="1" fill="hold">
+                                          <p:stCondLst>
+                                            <p:cond delay="0"/>
+                                          </p:stCondLst>
+                                        </p:cTn>
+                                        <p:tgtEl>
+                                          <p:spTgt spid="3">
+                                            <p:txEl>
+                                              <p:pRg st="0" end="0"/>
+                                            </p:txEl>
+                                          </p:spTgt>
+                                        </p:tgtEl>
+                                        <p:attrNameLst>
+                                          <p:attrName>style.visibility</p:attrName>
+                                        </p:attrNameLst>
+                                      </p:cBhvr>
+                                      <p:to>
+                                        <p:strVal val="visible"/>
+                                      </p:to>
+                                    </p:set>
+                                  </p:childTnLst>
+                                </p:cTn>
+                              </p:par>
+                              <p:par>
+                                <p:cTn id="7" presetID="1" presetClass="entr" presetSubtype="0" fill="hold" grpId="0" nodeType="withEffect">
+                                  <p:stCondLst>
+                                    <p:cond delay="0"/>
+                                  </p:stCondLst>
+                                  <p:childTnLst>
+                                    <p:set>
+                                      <p:cBhvr>
+                                        <p:cTn id="8" dur="1" fill="hold">
+                                          <p:stCondLst>
+                                            <p:cond delay="0"/>
+                                          </p:stCondLst>
+                                        </p:cTn>
+                                        <p:tgtEl>
+                                          <p:spTgt spid="3">
+                                            <p:txEl>
+                                              <p:pRg st="1" end="1"/>
+                                            </p:txEl>
+                                          </p:spTgt>
+                                        </p:tgtEl>
+                                        <p:attrNameLst>
+                                          <p:attrName>style.visibility</p:attrName>
+                                        </p:attrNameLst>
+                                      </p:cBhvr>
+                                      <p:to>
+                                        <p:strVal val="visible"/>
+                                      </p:to>
+                                    </p:set>
+                                  </p:childTnLst>
+                                </p:cTn>
+                              </p:par>
+                              <p:par>
+                                <p:cTn id="9" presetID="1" presetClass="entr" presetSubtype="0" fill="hold" grpId="0" nodeType="withEffect">
+                                  <p:stCondLst>
+                                    <p:cond delay="0"/>
+                                  </p:stCondLst>
+                                  <p:childTnLst>
+                                    <p:set>
+                                      <p:cBhvr>
+                                        <p:cTn id="10" dur="1" fill="hold">
+                                          <p:stCondLst>
+                                            <p:cond delay="0"/>
+                                          </p:stCondLst>
+                                        </p:cTn>
+                                        <p:tgtEl>
+                                          <p:spTgt spid="3">
+                                            <p:txEl>
+                                              <p:pRg st="2" end="2"/>
+                                            </p:txEl>
+                                          </p:spTgt>
+                                        </p:tgtEl>
+                                        <p:attrNameLst>
+                                          <p:attrName>style.visibility</p:attrName>
+                                        </p:attrNameLst>
+                                      </p:cBhvr>
+                                      <p:to>
+                                        <p:strVal val="visible"/>
+                                      </p:to>
+                                    </p:set>
+                                  </p:childTnLst>
+                                </p:cTn>
+                              </p:par>
+                            </p:childTnLst>
+                          </p:cTn>
+                        </p:par>
+                      </p:childTnLst>
+                    </p:cTn>
+                  </p:par>
+                  <p:par>
+                    <p:cTn id="11" fill="hold">
+                      <p:stCondLst>
+                        <p:cond delay="indefinite"/>
+                      </p:stCondLst>
+                      <p:childTnLst>
+                        <p:par>
+                          <p:cTn id="12" fill="hold">
+                            <p:stCondLst>
+                              <p:cond delay="0"/>
+                            </p:stCondLst>
+                            <p:childTnLst>
+                              <p:par>
+                                <p:cTn id="13" presetID="1" presetClass="entr" presetSubtype="0" fill="hold" grpId="0" nodeType="clickEffect">
+                                  <p:stCondLst>
+                                    <p:cond delay="0"/>
+                                  </p:stCondLst>
+                                  <p:childTnLst>
+                                    <p:set>
+                                      <p:cBhvr>
+                                        <p:cTn id="14" dur="1" fill="hold">
+                                          <p:stCondLst>
+                                            <p:cond delay="0"/>
+                                          </p:stCondLst>
+                                        </p:cTn>
+                                        <p:tgtEl>
+                                          <p:spTgt spid="3">
+                                            <p:txEl>
+                                              <p:pRg st="4" end="4"/>
+                                            </p:txEl>
+                                          </p:spTgt>
+                                        </p:tgtEl>
+                                        <p:attrNameLst>
+                                          <p:attrName>style.visibility</p:attrName>
+                                        </p:attrNameLst>
+                                      </p:cBhvr>
+                                      <p:to>
+                                        <p:strVal val="visible"/>
+                                      </p:to>
+                                    </p:set>
+                                  </p:childTnLst>
+                                </p:cTn>
+                              </p:par>
+                            </p:childTnLst>
+                          </p:cTn>
+                        </p:par>
+                      </p:childTnLst>
+                    </p:cTn>
+                  </p:par>
+                </p:childTnLst>
+              </p:cTn>
+              <p:prevCondLst>
+                <p:cond evt="onPrev" delay="0">
+                  <p:tgtEl>
+                    <p:sldTgt/>
+                  </p:tgtEl>
+                </p:cond>
+              </p:prevCondLst>
+              <p:nextCondLst>
+                <p:cond evt="onNext" delay="0">
+                  <p:tgtEl>
+                    <p:sldTgt/>
+                  </p:tgtEl>
+                </p:cond>
+              </p:nextCondLst>
+            </p:seq>
+          </p:childTnLst>
+        </p:cTn>
+      </p:par>
+    </p:tnLst>
+    <p:bldLst>
+      <p:bldP spid="3" grpId="0" uiExpand="1" build="p"/>
+    </p:bldLst>
+  </p:timing>
+</p:sld>
+</file>
+
+<file path=ppt/slides/slide36.xml><?xml version="1.0" encoding="utf-8"?>
+<p:sld xmlns:a="http://schemas.openxmlformats.org/drawingml/2006/main" xmlns:r="http://schemas.openxmlformats.org/officeDocument/2006/relationships" xmlns:p="http://schemas.openxmlformats.org/presentationml/2006/main">
+  <p:cSld>
+    <p:spTree>
+      <p:nvGrpSpPr>
+        <p:cNvPr id="1" name=""/>
+        <p:cNvGrpSpPr/>
+        <p:nvPr/>
+      </p:nvGrpSpPr>
+      <p:grpSpPr>
+        <a:xfrm>
+          <a:off x="0" y="0"/>
+          <a:ext cx="0" cy="0"/>
+          <a:chOff x="0" y="0"/>
+          <a:chExt cx="0" cy="0"/>
+        </a:xfrm>
+      </p:grpSpPr>
+      <p:sp>
+        <p:nvSpPr>
+          <p:cNvPr id="2" name="Title 1">
+            <a:extLst>
+              <a:ext uri="{FF2B5EF4-FFF2-40B4-BE49-F238E27FC236}">
+                <a16:creationId xmlns:a16="http://schemas.microsoft.com/office/drawing/2014/main" id="{3D0F0D7F-3A00-4DE1-9359-13DDAC731F4B}"/>
+              </a:ext>
+            </a:extLst>
+          </p:cNvPr>
+          <p:cNvSpPr>
+            <a:spLocks noGrp="1"/>
+          </p:cNvSpPr>
+          <p:nvPr>
+            <p:ph type="title"/>
+          </p:nvPr>
+        </p:nvSpPr>
+        <p:spPr/>
+        <p:txBody>
+          <a:bodyPr/>
+          <a:lstStyle/>
+          <a:p>
+            <a:r>
+              <a:rPr lang="ru-RU" dirty="0"/>
+              <a:t>Парочка деталей:</a:t>
+            </a:r>
+            <a:r>
+              <a:rPr lang="en-US" dirty="0"/>
+              <a:t> step</a:t>
+            </a:r>
+          </a:p>
+        </p:txBody>
+      </p:sp>
+      <p:sp>
+        <p:nvSpPr>
+          <p:cNvPr id="3" name="Content Placeholder 2">
+            <a:extLst>
+              <a:ext uri="{FF2B5EF4-FFF2-40B4-BE49-F238E27FC236}">
+                <a16:creationId xmlns:a16="http://schemas.microsoft.com/office/drawing/2014/main" id="{15558F37-CA0A-424E-9895-907F21AC5430}"/>
+              </a:ext>
+            </a:extLst>
+          </p:cNvPr>
+          <p:cNvSpPr>
+            <a:spLocks noGrp="1"/>
+          </p:cNvSpPr>
+          <p:nvPr>
+            <p:ph idx="1"/>
+          </p:nvPr>
+        </p:nvSpPr>
+        <p:spPr/>
+        <p:txBody>
+          <a:bodyPr/>
+          <a:lstStyle/>
+          <a:p>
+            <a:r>
+              <a:rPr lang="en-US" dirty="0">
+                <a:solidFill>
+                  <a:srgbClr val="000000"/>
+                </a:solidFill>
+                <a:latin typeface="Consolas" panose="020B0609020204030204" pitchFamily="49" charset="0"/>
+              </a:rPr>
+              <a:t>(</a:t>
+            </a:r>
+            <a:r>
+              <a:rPr lang="en-US" dirty="0">
+                <a:solidFill>
+                  <a:srgbClr val="09885A"/>
+                </a:solidFill>
+                <a:latin typeface="Consolas" panose="020B0609020204030204" pitchFamily="49" charset="0"/>
+              </a:rPr>
+              <a:t>1</a:t>
+            </a:r>
+            <a:r>
+              <a:rPr lang="en-US" dirty="0">
+                <a:solidFill>
+                  <a:srgbClr val="000000"/>
+                </a:solidFill>
+                <a:latin typeface="Consolas" panose="020B0609020204030204" pitchFamily="49" charset="0"/>
+              </a:rPr>
+              <a:t>..</a:t>
+            </a:r>
+            <a:r>
+              <a:rPr lang="en-US" dirty="0">
+                <a:solidFill>
+                  <a:srgbClr val="09885A"/>
+                </a:solidFill>
+                <a:latin typeface="Consolas" panose="020B0609020204030204" pitchFamily="49" charset="0"/>
+              </a:rPr>
+              <a:t>100</a:t>
+            </a:r>
+            <a:r>
+              <a:rPr lang="en-US" dirty="0">
+                <a:solidFill>
+                  <a:srgbClr val="000000"/>
+                </a:solidFill>
+                <a:latin typeface="Consolas" panose="020B0609020204030204" pitchFamily="49" charset="0"/>
+              </a:rPr>
+              <a:t>:</a:t>
+            </a:r>
+            <a:r>
+              <a:rPr lang="en-US" dirty="0">
+                <a:solidFill>
+                  <a:srgbClr val="09885A"/>
+                </a:solidFill>
+                <a:latin typeface="Consolas" panose="020B0609020204030204" pitchFamily="49" charset="0"/>
+              </a:rPr>
+              <a:t>2</a:t>
+            </a:r>
+            <a:r>
+              <a:rPr lang="en-US" dirty="0">
+                <a:solidFill>
+                  <a:srgbClr val="000000"/>
+                </a:solidFill>
+                <a:latin typeface="Consolas" panose="020B0609020204030204" pitchFamily="49" charset="0"/>
+              </a:rPr>
+              <a:t>)</a:t>
+            </a:r>
+            <a:endParaRPr lang="ru-RU" dirty="0">
+              <a:solidFill>
+                <a:srgbClr val="000000"/>
+              </a:solidFill>
+              <a:latin typeface="Consolas" panose="020B0609020204030204" pitchFamily="49" charset="0"/>
+            </a:endParaRPr>
+          </a:p>
+          <a:p>
+            <a:r>
+              <a:rPr lang="en-US" dirty="0">
+                <a:solidFill>
+                  <a:srgbClr val="000000"/>
+                </a:solidFill>
+                <a:latin typeface="Consolas" panose="020B0609020204030204" pitchFamily="49" charset="0"/>
+              </a:rPr>
+              <a:t>(</a:t>
+            </a:r>
+            <a:r>
+              <a:rPr lang="en-US" dirty="0">
+                <a:solidFill>
+                  <a:srgbClr val="09885A"/>
+                </a:solidFill>
+                <a:latin typeface="Consolas" panose="020B0609020204030204" pitchFamily="49" charset="0"/>
+              </a:rPr>
+              <a:t>0</a:t>
+            </a:r>
+            <a:r>
+              <a:rPr lang="en-US" dirty="0">
+                <a:solidFill>
+                  <a:srgbClr val="000000"/>
+                </a:solidFill>
+                <a:latin typeface="Consolas" panose="020B0609020204030204" pitchFamily="49" charset="0"/>
+              </a:rPr>
+              <a:t>..</a:t>
+            </a:r>
+            <a:r>
+              <a:rPr lang="en-US" dirty="0">
+                <a:solidFill>
+                  <a:srgbClr val="09885A"/>
+                </a:solidFill>
+                <a:latin typeface="Consolas" panose="020B0609020204030204" pitchFamily="49" charset="0"/>
+              </a:rPr>
+              <a:t>100</a:t>
+            </a:r>
+            <a:r>
+              <a:rPr lang="en-US" dirty="0">
+                <a:solidFill>
+                  <a:srgbClr val="000000"/>
+                </a:solidFill>
+                <a:latin typeface="Consolas" panose="020B0609020204030204" pitchFamily="49" charset="0"/>
+              </a:rPr>
+              <a:t>).</a:t>
+            </a:r>
+            <a:r>
+              <a:rPr lang="en-US" dirty="0">
+                <a:solidFill>
+                  <a:srgbClr val="795E26"/>
+                </a:solidFill>
+                <a:latin typeface="Consolas" panose="020B0609020204030204" pitchFamily="49" charset="0"/>
+              </a:rPr>
+              <a:t>Step</a:t>
+            </a:r>
+            <a:r>
+              <a:rPr lang="en-US" dirty="0">
+                <a:solidFill>
+                  <a:srgbClr val="000000"/>
+                </a:solidFill>
+                <a:latin typeface="Consolas" panose="020B0609020204030204" pitchFamily="49" charset="0"/>
+              </a:rPr>
+              <a:t>(</a:t>
+            </a:r>
+            <a:r>
+              <a:rPr lang="en-US" dirty="0">
+                <a:solidFill>
+                  <a:srgbClr val="09885A"/>
+                </a:solidFill>
+                <a:latin typeface="Consolas" panose="020B0609020204030204" pitchFamily="49" charset="0"/>
+              </a:rPr>
+              <a:t>2</a:t>
+            </a:r>
+            <a:r>
+              <a:rPr lang="en-US" dirty="0">
+                <a:solidFill>
+                  <a:srgbClr val="000000"/>
+                </a:solidFill>
+                <a:latin typeface="Consolas" panose="020B0609020204030204" pitchFamily="49" charset="0"/>
+              </a:rPr>
+              <a:t>)</a:t>
+            </a:r>
+          </a:p>
+          <a:p>
+            <a:endParaRPr lang="en-US" dirty="0"/>
+          </a:p>
+        </p:txBody>
+      </p:sp>
+    </p:spTree>
+    <p:extLst>
+      <p:ext uri="{BB962C8B-B14F-4D97-AF65-F5344CB8AC3E}">
+        <p14:creationId xmlns:p14="http://schemas.microsoft.com/office/powerpoint/2010/main" val="2662474347"/>
+      </p:ext>
+    </p:extLst>
+  </p:cSld>
+  <p:clrMapOvr>
+    <a:masterClrMapping/>
+  </p:clrMapOvr>
+  <p:timing>
+    <p:tnLst>
+      <p:par>
+        <p:cTn id="1" dur="indefinite" restart="never" nodeType="tmRoot">
+          <p:childTnLst>
+            <p:seq concurrent="1" nextAc="seek">
+              <p:cTn id="2" dur="indefinite" nodeType="mainSeq">
+                <p:childTnLst>
+                  <p:par>
+                    <p:cTn id="3" fill="hold">
+                      <p:stCondLst>
+                        <p:cond delay="indefinite"/>
+                      </p:stCondLst>
+                      <p:childTnLst>
+                        <p:par>
+                          <p:cTn id="4" fill="hold">
+                            <p:stCondLst>
+                              <p:cond delay="0"/>
+                            </p:stCondLst>
+                            <p:childTnLst>
+                              <p:par>
+                                <p:cTn id="5" presetID="1" presetClass="entr" presetSubtype="0" fill="hold" grpId="0" nodeType="clickEffect">
+                                  <p:stCondLst>
+                                    <p:cond delay="0"/>
+                                  </p:stCondLst>
+                                  <p:childTnLst>
+                                    <p:set>
+                                      <p:cBhvr>
+                                        <p:cTn id="6" dur="1" fill="hold">
+                                          <p:stCondLst>
+                                            <p:cond delay="0"/>
+                                          </p:stCondLst>
+                                        </p:cTn>
+                                        <p:tgtEl>
+                                          <p:spTgt spid="3">
+                                            <p:txEl>
+                                              <p:pRg st="0" end="0"/>
+                                            </p:txEl>
+                                          </p:spTgt>
+                                        </p:tgtEl>
+                                        <p:attrNameLst>
+                                          <p:attrName>style.visibility</p:attrName>
+                                        </p:attrNameLst>
+                                      </p:cBhvr>
+                                      <p:to>
+                                        <p:strVal val="visible"/>
+                                      </p:to>
+                                    </p:set>
+                                  </p:childTnLst>
+                                </p:cTn>
+                              </p:par>
+                            </p:childTnLst>
+                          </p:cTn>
+                        </p:par>
+                      </p:childTnLst>
+                    </p:cTn>
+                  </p:par>
+                  <p:par>
+                    <p:cTn id="7" fill="hold">
+                      <p:stCondLst>
+                        <p:cond delay="indefinite"/>
+                      </p:stCondLst>
+                      <p:childTnLst>
+                        <p:par>
+                          <p:cTn id="8" fill="hold">
+                            <p:stCondLst>
+                              <p:cond delay="0"/>
+                            </p:stCondLst>
+                            <p:childTnLst>
+                              <p:par>
+                                <p:cTn id="9" presetID="1" presetClass="entr" presetSubtype="0" fill="hold" grpId="0" nodeType="clickEffect">
+                                  <p:stCondLst>
+                                    <p:cond delay="0"/>
+                                  </p:stCondLst>
+                                  <p:childTnLst>
+                                    <p:set>
+                                      <p:cBhvr>
+                                        <p:cTn id="10" dur="1" fill="hold">
+                                          <p:stCondLst>
+                                            <p:cond delay="0"/>
+                                          </p:stCondLst>
+                                        </p:cTn>
+                                        <p:tgtEl>
+                                          <p:spTgt spid="3">
+                                            <p:txEl>
+                                              <p:pRg st="1" end="1"/>
+                                            </p:txEl>
+                                          </p:spTgt>
+                                        </p:tgtEl>
+                                        <p:attrNameLst>
+                                          <p:attrName>style.visibility</p:attrName>
+                                        </p:attrNameLst>
+                                      </p:cBhvr>
+                                      <p:to>
+                                        <p:strVal val="visible"/>
+                                      </p:to>
+                                    </p:set>
+                                  </p:childTnLst>
+                                </p:cTn>
+                              </p:par>
+                            </p:childTnLst>
+                          </p:cTn>
+                        </p:par>
+                      </p:childTnLst>
+                    </p:cTn>
+                  </p:par>
+                </p:childTnLst>
+              </p:cTn>
+              <p:prevCondLst>
+                <p:cond evt="onPrev" delay="0">
+                  <p:tgtEl>
+                    <p:sldTgt/>
+                  </p:tgtEl>
+                </p:cond>
+              </p:prevCondLst>
+              <p:nextCondLst>
+                <p:cond evt="onNext" delay="0">
+                  <p:tgtEl>
+                    <p:sldTgt/>
+                  </p:tgtEl>
+                </p:cond>
+              </p:nextCondLst>
+            </p:seq>
+          </p:childTnLst>
+        </p:cTn>
+      </p:par>
+    </p:tnLst>
+    <p:bldLst>
+      <p:bldP spid="3" grpId="0" build="p"/>
+    </p:bldLst>
+  </p:timing>
+</p:sld>
+</file>
+
+<file path=ppt/slides/slide37.xml><?xml version="1.0" encoding="utf-8"?>
+<p:sld xmlns:a="http://schemas.openxmlformats.org/drawingml/2006/main" xmlns:r="http://schemas.openxmlformats.org/officeDocument/2006/relationships" xmlns:p="http://schemas.openxmlformats.org/presentationml/2006/main">
+  <p:cSld>
+    <p:spTree>
+      <p:nvGrpSpPr>
+        <p:cNvPr id="1" name=""/>
+        <p:cNvGrpSpPr/>
+        <p:nvPr/>
+      </p:nvGrpSpPr>
+      <p:grpSpPr>
+        <a:xfrm>
+          <a:off x="0" y="0"/>
+          <a:ext cx="0" cy="0"/>
+          <a:chOff x="0" y="0"/>
+          <a:chExt cx="0" cy="0"/>
+        </a:xfrm>
+      </p:grpSpPr>
+      <p:sp>
+        <p:nvSpPr>
+          <p:cNvPr id="2" name="Title 1">
+            <a:extLst>
+              <a:ext uri="{FF2B5EF4-FFF2-40B4-BE49-F238E27FC236}">
+                <a16:creationId xmlns:a16="http://schemas.microsoft.com/office/drawing/2014/main" id="{A61BCB59-1791-432B-8A1A-D1B96A87D17E}"/>
+              </a:ext>
+            </a:extLst>
+          </p:cNvPr>
+          <p:cNvSpPr>
+            <a:spLocks noGrp="1"/>
+          </p:cNvSpPr>
+          <p:nvPr>
+            <p:ph type="title"/>
+          </p:nvPr>
+        </p:nvSpPr>
+        <p:spPr/>
+        <p:txBody>
+          <a:bodyPr/>
+          <a:lstStyle/>
+          <a:p>
+            <a:r>
+              <a:rPr lang="ru-RU" dirty="0"/>
+              <a:t>А как же </a:t>
+            </a:r>
+            <a:r>
+              <a:rPr lang="ru-RU" dirty="0" err="1"/>
+              <a:t>быдлокод</a:t>
+            </a:r>
+            <a:r>
+              <a:rPr lang="ru-RU" dirty="0"/>
+              <a:t>?</a:t>
+            </a:r>
+            <a:endParaRPr lang="en-US" dirty="0"/>
+          </a:p>
+        </p:txBody>
+      </p:sp>
+      <p:sp>
+        <p:nvSpPr>
+          <p:cNvPr id="6" name="Text Placeholder 5">
+            <a:extLst>
+              <a:ext uri="{FF2B5EF4-FFF2-40B4-BE49-F238E27FC236}">
+                <a16:creationId xmlns:a16="http://schemas.microsoft.com/office/drawing/2014/main" id="{B785535D-CC03-452E-AE70-26B629FE345C}"/>
+              </a:ext>
+            </a:extLst>
+          </p:cNvPr>
+          <p:cNvSpPr>
+            <a:spLocks noGrp="1"/>
+          </p:cNvSpPr>
+          <p:nvPr>
+            <p:ph type="body" idx="1"/>
+          </p:nvPr>
+        </p:nvSpPr>
+        <p:spPr/>
+        <p:txBody>
+          <a:bodyPr/>
+          <a:lstStyle/>
+          <a:p>
+            <a:r>
+              <a:rPr lang="en-US" dirty="0"/>
+              <a:t>Index/Range</a:t>
+            </a:r>
+          </a:p>
+        </p:txBody>
+      </p:sp>
+      <p:sp>
+        <p:nvSpPr>
+          <p:cNvPr id="7" name="Content Placeholder 6">
+            <a:extLst>
+              <a:ext uri="{FF2B5EF4-FFF2-40B4-BE49-F238E27FC236}">
+                <a16:creationId xmlns:a16="http://schemas.microsoft.com/office/drawing/2014/main" id="{9A667CC3-BE96-49F6-AA07-C1EA95126B7D}"/>
+              </a:ext>
+            </a:extLst>
+          </p:cNvPr>
+          <p:cNvSpPr>
+            <a:spLocks noGrp="1"/>
+          </p:cNvSpPr>
+          <p:nvPr>
+            <p:ph sz="half" idx="2"/>
+          </p:nvPr>
+        </p:nvSpPr>
+        <p:spPr/>
+        <p:txBody>
+          <a:bodyPr/>
+          <a:lstStyle/>
+          <a:p>
+            <a:r>
+              <a:rPr lang="en-US" dirty="0"/>
+              <a:t> </a:t>
+            </a:r>
+            <a:r>
+              <a:rPr lang="en-US" dirty="0">
+                <a:solidFill>
+                  <a:srgbClr val="001080"/>
+                </a:solidFill>
+                <a:latin typeface="Consolas" panose="020B0609020204030204" pitchFamily="49" charset="0"/>
+              </a:rPr>
+              <a:t>array</a:t>
+            </a:r>
+            <a:r>
+              <a:rPr lang="en-US" dirty="0">
+                <a:solidFill>
+                  <a:srgbClr val="000000"/>
+                </a:solidFill>
+                <a:latin typeface="Consolas" panose="020B0609020204030204" pitchFamily="49" charset="0"/>
+              </a:rPr>
+              <a:t>[</a:t>
+            </a:r>
+            <a:r>
+              <a:rPr lang="en-US" dirty="0">
+                <a:solidFill>
+                  <a:srgbClr val="09885A"/>
+                </a:solidFill>
+                <a:latin typeface="Consolas" panose="020B0609020204030204" pitchFamily="49" charset="0"/>
+              </a:rPr>
+              <a:t>5</a:t>
+            </a:r>
+            <a:r>
+              <a:rPr lang="en-US" dirty="0">
+                <a:solidFill>
+                  <a:srgbClr val="000000"/>
+                </a:solidFill>
+                <a:latin typeface="Consolas" panose="020B0609020204030204" pitchFamily="49" charset="0"/>
+              </a:rPr>
+              <a:t>..]</a:t>
+            </a:r>
+            <a:endParaRPr lang="en-US" dirty="0"/>
+          </a:p>
+          <a:p>
+            <a:r>
+              <a:rPr lang="en-US" dirty="0"/>
+              <a:t> </a:t>
+            </a:r>
+            <a:r>
+              <a:rPr lang="en-US" dirty="0">
+                <a:solidFill>
+                  <a:srgbClr val="001080"/>
+                </a:solidFill>
+                <a:latin typeface="Consolas" panose="020B0609020204030204" pitchFamily="49" charset="0"/>
+              </a:rPr>
+              <a:t>array</a:t>
+            </a:r>
+            <a:r>
+              <a:rPr lang="en-US" dirty="0">
+                <a:solidFill>
+                  <a:srgbClr val="000000"/>
+                </a:solidFill>
+                <a:latin typeface="Consolas" panose="020B0609020204030204" pitchFamily="49" charset="0"/>
+              </a:rPr>
+              <a:t>[..</a:t>
+            </a:r>
+            <a:r>
+              <a:rPr lang="en-US" dirty="0">
+                <a:solidFill>
+                  <a:srgbClr val="09885A"/>
+                </a:solidFill>
+                <a:latin typeface="Consolas" panose="020B0609020204030204" pitchFamily="49" charset="0"/>
+              </a:rPr>
+              <a:t>3</a:t>
+            </a:r>
+            <a:r>
+              <a:rPr lang="en-US" dirty="0">
+                <a:solidFill>
+                  <a:srgbClr val="000000"/>
+                </a:solidFill>
+                <a:latin typeface="Consolas" panose="020B0609020204030204" pitchFamily="49" charset="0"/>
+              </a:rPr>
+              <a:t>]</a:t>
+            </a:r>
+            <a:endParaRPr lang="en-US" dirty="0"/>
+          </a:p>
+          <a:p>
+            <a:r>
+              <a:rPr lang="en-US" dirty="0"/>
+              <a:t> </a:t>
+            </a:r>
+            <a:r>
+              <a:rPr lang="en-US" dirty="0">
+                <a:solidFill>
+                  <a:srgbClr val="001080"/>
+                </a:solidFill>
+                <a:latin typeface="Consolas" panose="020B0609020204030204" pitchFamily="49" charset="0"/>
+              </a:rPr>
+              <a:t>array</a:t>
+            </a:r>
+            <a:r>
+              <a:rPr lang="en-US" dirty="0">
+                <a:solidFill>
+                  <a:srgbClr val="000000"/>
+                </a:solidFill>
+                <a:latin typeface="Consolas" panose="020B0609020204030204" pitchFamily="49" charset="0"/>
+              </a:rPr>
+              <a:t>[^</a:t>
+            </a:r>
+            <a:r>
+              <a:rPr lang="en-US" dirty="0">
+                <a:solidFill>
+                  <a:srgbClr val="09885A"/>
+                </a:solidFill>
+                <a:latin typeface="Consolas" panose="020B0609020204030204" pitchFamily="49" charset="0"/>
+              </a:rPr>
+              <a:t>1</a:t>
+            </a:r>
+            <a:r>
+              <a:rPr lang="en-US" dirty="0">
+                <a:solidFill>
+                  <a:srgbClr val="000000"/>
+                </a:solidFill>
+                <a:latin typeface="Consolas" panose="020B0609020204030204" pitchFamily="49" charset="0"/>
+              </a:rPr>
+              <a:t>]</a:t>
+            </a:r>
+          </a:p>
+        </p:txBody>
+      </p:sp>
+      <p:sp>
+        <p:nvSpPr>
+          <p:cNvPr id="8" name="Text Placeholder 7">
+            <a:extLst>
+              <a:ext uri="{FF2B5EF4-FFF2-40B4-BE49-F238E27FC236}">
+                <a16:creationId xmlns:a16="http://schemas.microsoft.com/office/drawing/2014/main" id="{A4596A03-253E-4EDF-9B43-C3752103AF7A}"/>
+              </a:ext>
+            </a:extLst>
+          </p:cNvPr>
+          <p:cNvSpPr>
+            <a:spLocks noGrp="1"/>
+          </p:cNvSpPr>
+          <p:nvPr>
+            <p:ph type="body" sz="quarter" idx="3"/>
+          </p:nvPr>
+        </p:nvSpPr>
+        <p:spPr/>
+        <p:txBody>
+          <a:bodyPr/>
+          <a:lstStyle/>
+          <a:p>
+            <a:r>
+              <a:rPr lang="en-US" dirty="0" err="1"/>
+              <a:t>Linq</a:t>
+            </a:r>
+            <a:endParaRPr lang="en-US" dirty="0"/>
+          </a:p>
+        </p:txBody>
+      </p:sp>
+      <p:sp>
+        <p:nvSpPr>
+          <p:cNvPr id="9" name="Content Placeholder 8">
+            <a:extLst>
+              <a:ext uri="{FF2B5EF4-FFF2-40B4-BE49-F238E27FC236}">
+                <a16:creationId xmlns:a16="http://schemas.microsoft.com/office/drawing/2014/main" id="{5BE154DD-043E-433B-AF2B-407E4FA5E7ED}"/>
+              </a:ext>
+            </a:extLst>
+          </p:cNvPr>
+          <p:cNvSpPr>
+            <a:spLocks noGrp="1"/>
+          </p:cNvSpPr>
+          <p:nvPr>
+            <p:ph sz="quarter" idx="4"/>
+          </p:nvPr>
+        </p:nvSpPr>
+        <p:spPr/>
+        <p:txBody>
+          <a:bodyPr/>
+          <a:lstStyle/>
+          <a:p>
+            <a:r>
+              <a:rPr lang="en-US" dirty="0"/>
+              <a:t> </a:t>
+            </a:r>
+            <a:r>
+              <a:rPr lang="en-US" dirty="0" err="1">
+                <a:solidFill>
+                  <a:srgbClr val="001080"/>
+                </a:solidFill>
+                <a:latin typeface="Consolas" panose="020B0609020204030204" pitchFamily="49" charset="0"/>
+              </a:rPr>
+              <a:t>array</a:t>
+            </a:r>
+            <a:r>
+              <a:rPr lang="en-US" dirty="0" err="1">
+                <a:solidFill>
+                  <a:srgbClr val="000000"/>
+                </a:solidFill>
+                <a:latin typeface="Consolas" panose="020B0609020204030204" pitchFamily="49" charset="0"/>
+              </a:rPr>
+              <a:t>.</a:t>
+            </a:r>
+            <a:r>
+              <a:rPr lang="en-US" dirty="0" err="1">
+                <a:solidFill>
+                  <a:srgbClr val="795E26"/>
+                </a:solidFill>
+                <a:latin typeface="Consolas" panose="020B0609020204030204" pitchFamily="49" charset="0"/>
+              </a:rPr>
+              <a:t>Skip</a:t>
+            </a:r>
+            <a:r>
+              <a:rPr lang="en-US" dirty="0">
+                <a:solidFill>
+                  <a:srgbClr val="000000"/>
+                </a:solidFill>
+                <a:latin typeface="Consolas" panose="020B0609020204030204" pitchFamily="49" charset="0"/>
+              </a:rPr>
+              <a:t>(</a:t>
+            </a:r>
+            <a:r>
+              <a:rPr lang="en-US" dirty="0">
+                <a:solidFill>
+                  <a:srgbClr val="09885A"/>
+                </a:solidFill>
+                <a:latin typeface="Consolas" panose="020B0609020204030204" pitchFamily="49" charset="0"/>
+              </a:rPr>
+              <a:t>5</a:t>
+            </a:r>
+            <a:r>
+              <a:rPr lang="en-US" dirty="0">
+                <a:solidFill>
+                  <a:srgbClr val="000000"/>
+                </a:solidFill>
+                <a:latin typeface="Consolas" panose="020B0609020204030204" pitchFamily="49" charset="0"/>
+              </a:rPr>
+              <a:t>)</a:t>
+            </a:r>
+            <a:endParaRPr lang="en-US" dirty="0"/>
+          </a:p>
+          <a:p>
+            <a:r>
+              <a:rPr lang="en-US" dirty="0"/>
+              <a:t> </a:t>
+            </a:r>
+            <a:r>
+              <a:rPr lang="en-US" dirty="0" err="1">
+                <a:solidFill>
+                  <a:srgbClr val="001080"/>
+                </a:solidFill>
+                <a:latin typeface="Consolas" panose="020B0609020204030204" pitchFamily="49" charset="0"/>
+              </a:rPr>
+              <a:t>array</a:t>
+            </a:r>
+            <a:r>
+              <a:rPr lang="en-US" dirty="0" err="1">
+                <a:solidFill>
+                  <a:srgbClr val="000000"/>
+                </a:solidFill>
+                <a:latin typeface="Consolas" panose="020B0609020204030204" pitchFamily="49" charset="0"/>
+              </a:rPr>
+              <a:t>.</a:t>
+            </a:r>
+            <a:r>
+              <a:rPr lang="en-US" dirty="0" err="1">
+                <a:solidFill>
+                  <a:srgbClr val="795E26"/>
+                </a:solidFill>
+                <a:latin typeface="Consolas" panose="020B0609020204030204" pitchFamily="49" charset="0"/>
+              </a:rPr>
+              <a:t>Take</a:t>
+            </a:r>
+            <a:r>
+              <a:rPr lang="en-US" dirty="0">
+                <a:solidFill>
+                  <a:srgbClr val="000000"/>
+                </a:solidFill>
+                <a:latin typeface="Consolas" panose="020B0609020204030204" pitchFamily="49" charset="0"/>
+              </a:rPr>
+              <a:t>(</a:t>
+            </a:r>
+            <a:r>
+              <a:rPr lang="en-US" dirty="0">
+                <a:solidFill>
+                  <a:srgbClr val="09885A"/>
+                </a:solidFill>
+                <a:latin typeface="Consolas" panose="020B0609020204030204" pitchFamily="49" charset="0"/>
+              </a:rPr>
+              <a:t>3</a:t>
+            </a:r>
+            <a:r>
+              <a:rPr lang="en-US" dirty="0">
+                <a:solidFill>
+                  <a:srgbClr val="000000"/>
+                </a:solidFill>
+                <a:latin typeface="Consolas" panose="020B0609020204030204" pitchFamily="49" charset="0"/>
+              </a:rPr>
+              <a:t>)</a:t>
+            </a:r>
+            <a:endParaRPr lang="en-US" dirty="0"/>
+          </a:p>
+          <a:p>
+            <a:r>
+              <a:rPr lang="en-US" dirty="0"/>
+              <a:t> </a:t>
+            </a:r>
+            <a:r>
+              <a:rPr lang="en-US" dirty="0" err="1">
+                <a:solidFill>
+                  <a:srgbClr val="001080"/>
+                </a:solidFill>
+                <a:latin typeface="Consolas" panose="020B0609020204030204" pitchFamily="49" charset="0"/>
+              </a:rPr>
+              <a:t>array</a:t>
+            </a:r>
+            <a:r>
+              <a:rPr lang="en-US" dirty="0" err="1">
+                <a:solidFill>
+                  <a:srgbClr val="000000"/>
+                </a:solidFill>
+                <a:latin typeface="Consolas" panose="020B0609020204030204" pitchFamily="49" charset="0"/>
+              </a:rPr>
+              <a:t>.</a:t>
+            </a:r>
+            <a:r>
+              <a:rPr lang="en-US" dirty="0" err="1">
+                <a:solidFill>
+                  <a:srgbClr val="795E26"/>
+                </a:solidFill>
+                <a:latin typeface="Consolas" panose="020B0609020204030204" pitchFamily="49" charset="0"/>
+              </a:rPr>
+              <a:t>Last</a:t>
+            </a:r>
+            <a:r>
+              <a:rPr lang="en-US" dirty="0">
+                <a:solidFill>
+                  <a:srgbClr val="000000"/>
+                </a:solidFill>
+                <a:latin typeface="Consolas" panose="020B0609020204030204" pitchFamily="49" charset="0"/>
+              </a:rPr>
+              <a:t>()</a:t>
+            </a:r>
+          </a:p>
+        </p:txBody>
+      </p:sp>
+    </p:spTree>
+    <p:extLst>
+      <p:ext uri="{BB962C8B-B14F-4D97-AF65-F5344CB8AC3E}">
+        <p14:creationId xmlns:p14="http://schemas.microsoft.com/office/powerpoint/2010/main" val="893286774"/>
+      </p:ext>
+    </p:extLst>
+  </p:cSld>
+  <p:clrMapOvr>
+    <a:masterClrMapping/>
+  </p:clrMapOvr>
+  <p:timing>
+    <p:tnLst>
+      <p:par>
+        <p:cTn id="1" dur="indefinite" restart="never" nodeType="tmRoot">
+          <p:childTnLst>
+            <p:seq concurrent="1" nextAc="seek">
+              <p:cTn id="2" dur="indefinite" nodeType="mainSeq">
+                <p:childTnLst>
+                  <p:par>
+                    <p:cTn id="3" fill="hold">
+                      <p:stCondLst>
+                        <p:cond delay="indefinite"/>
+                      </p:stCondLst>
+                      <p:childTnLst>
+                        <p:par>
+                          <p:cTn id="4" fill="hold">
+                            <p:stCondLst>
+                              <p:cond delay="0"/>
+                            </p:stCondLst>
+                            <p:childTnLst>
+                              <p:par>
+                                <p:cTn id="5" presetID="1" presetClass="entr" presetSubtype="0" fill="hold" grpId="0" nodeType="clickEffect">
+                                  <p:stCondLst>
+                                    <p:cond delay="0"/>
+                                  </p:stCondLst>
+                                  <p:childTnLst>
+                                    <p:set>
+                                      <p:cBhvr>
+                                        <p:cTn id="6" dur="1" fill="hold">
+                                          <p:stCondLst>
+                                            <p:cond delay="0"/>
+                                          </p:stCondLst>
+                                        </p:cTn>
+                                        <p:tgtEl>
+                                          <p:spTgt spid="9">
+                                            <p:txEl>
+                                              <p:pRg st="0" end="0"/>
+                                            </p:txEl>
+                                          </p:spTgt>
+                                        </p:tgtEl>
+                                        <p:attrNameLst>
+                                          <p:attrName>style.visibility</p:attrName>
+                                        </p:attrNameLst>
+                                      </p:cBhvr>
+                                      <p:to>
+                                        <p:strVal val="visible"/>
+                                      </p:to>
+                                    </p:set>
+                                  </p:childTnLst>
+                                </p:cTn>
+                              </p:par>
+                            </p:childTnLst>
+                          </p:cTn>
+                        </p:par>
+                      </p:childTnLst>
+                    </p:cTn>
+                  </p:par>
+                  <p:par>
+                    <p:cTn id="7" fill="hold">
+                      <p:stCondLst>
+                        <p:cond delay="indefinite"/>
+                      </p:stCondLst>
+                      <p:childTnLst>
+                        <p:par>
+                          <p:cTn id="8" fill="hold">
+                            <p:stCondLst>
+                              <p:cond delay="0"/>
+                            </p:stCondLst>
+                            <p:childTnLst>
+                              <p:par>
+                                <p:cTn id="9" presetID="1" presetClass="entr" presetSubtype="0" fill="hold" grpId="0" nodeType="clickEffect">
+                                  <p:stCondLst>
+                                    <p:cond delay="0"/>
+                                  </p:stCondLst>
+                                  <p:childTnLst>
+                                    <p:set>
+                                      <p:cBhvr>
+                                        <p:cTn id="10" dur="1" fill="hold">
+                                          <p:stCondLst>
+                                            <p:cond delay="0"/>
+                                          </p:stCondLst>
+                                        </p:cTn>
+                                        <p:tgtEl>
+                                          <p:spTgt spid="7">
+                                            <p:txEl>
+                                              <p:pRg st="0" end="0"/>
+                                            </p:txEl>
+                                          </p:spTgt>
+                                        </p:tgtEl>
+                                        <p:attrNameLst>
+                                          <p:attrName>style.visibility</p:attrName>
+                                        </p:attrNameLst>
+                                      </p:cBhvr>
+                                      <p:to>
+                                        <p:strVal val="visible"/>
+                                      </p:to>
+                                    </p:set>
+                                  </p:childTnLst>
+                                </p:cTn>
+                              </p:par>
+                            </p:childTnLst>
+                          </p:cTn>
+                        </p:par>
+                      </p:childTnLst>
+                    </p:cTn>
+                  </p:par>
+                  <p:par>
+                    <p:cTn id="11" fill="hold">
+                      <p:stCondLst>
+                        <p:cond delay="indefinite"/>
+                      </p:stCondLst>
+                      <p:childTnLst>
+                        <p:par>
+                          <p:cTn id="12" fill="hold">
+                            <p:stCondLst>
+                              <p:cond delay="0"/>
+                            </p:stCondLst>
+                            <p:childTnLst>
+                              <p:par>
+                                <p:cTn id="13" presetID="1" presetClass="entr" presetSubtype="0" fill="hold" grpId="0" nodeType="clickEffect">
+                                  <p:stCondLst>
+                                    <p:cond delay="0"/>
+                                  </p:stCondLst>
+                                  <p:childTnLst>
+                                    <p:set>
+                                      <p:cBhvr>
+                                        <p:cTn id="14" dur="1" fill="hold">
+                                          <p:stCondLst>
+                                            <p:cond delay="0"/>
+                                          </p:stCondLst>
+                                        </p:cTn>
+                                        <p:tgtEl>
+                                          <p:spTgt spid="9">
+                                            <p:txEl>
+                                              <p:pRg st="1" end="1"/>
+                                            </p:txEl>
+                                          </p:spTgt>
+                                        </p:tgtEl>
+                                        <p:attrNameLst>
+                                          <p:attrName>style.visibility</p:attrName>
+                                        </p:attrNameLst>
+                                      </p:cBhvr>
+                                      <p:to>
+                                        <p:strVal val="visible"/>
+                                      </p:to>
+                                    </p:set>
+                                  </p:childTnLst>
+                                </p:cTn>
+                              </p:par>
+                            </p:childTnLst>
+                          </p:cTn>
+                        </p:par>
+                      </p:childTnLst>
+                    </p:cTn>
+                  </p:par>
+                  <p:par>
+                    <p:cTn id="15" fill="hold">
+                      <p:stCondLst>
+                        <p:cond delay="indefinite"/>
+                      </p:stCondLst>
+                      <p:childTnLst>
+                        <p:par>
+                          <p:cTn id="16" fill="hold">
+                            <p:stCondLst>
+                              <p:cond delay="0"/>
+                            </p:stCondLst>
+                            <p:childTnLst>
+                              <p:par>
+                                <p:cTn id="17" presetID="1" presetClass="entr" presetSubtype="0" fill="hold" grpId="0" nodeType="clickEffect">
+                                  <p:stCondLst>
+                                    <p:cond delay="0"/>
+                                  </p:stCondLst>
+                                  <p:childTnLst>
+                                    <p:set>
+                                      <p:cBhvr>
+                                        <p:cTn id="18" dur="1" fill="hold">
+                                          <p:stCondLst>
+                                            <p:cond delay="0"/>
+                                          </p:stCondLst>
+                                        </p:cTn>
+                                        <p:tgtEl>
+                                          <p:spTgt spid="7">
+                                            <p:txEl>
+                                              <p:pRg st="1" end="1"/>
+                                            </p:txEl>
+                                          </p:spTgt>
+                                        </p:tgtEl>
+                                        <p:attrNameLst>
+                                          <p:attrName>style.visibility</p:attrName>
+                                        </p:attrNameLst>
+                                      </p:cBhvr>
+                                      <p:to>
+                                        <p:strVal val="visible"/>
+                                      </p:to>
+                                    </p:set>
+                                  </p:childTnLst>
+                                </p:cTn>
+                              </p:par>
+                            </p:childTnLst>
+                          </p:cTn>
+                        </p:par>
+                      </p:childTnLst>
+                    </p:cTn>
+                  </p:par>
+                  <p:par>
+                    <p:cTn id="19" fill="hold">
+                      <p:stCondLst>
+                        <p:cond delay="indefinite"/>
+                      </p:stCondLst>
+                      <p:childTnLst>
+                        <p:par>
+                          <p:cTn id="20" fill="hold">
+                            <p:stCondLst>
+                              <p:cond delay="0"/>
+                            </p:stCondLst>
+                            <p:childTnLst>
+                              <p:par>
+                                <p:cTn id="21" presetID="1" presetClass="entr" presetSubtype="0" fill="hold" grpId="0" nodeType="clickEffect">
+                                  <p:stCondLst>
+                                    <p:cond delay="0"/>
+                                  </p:stCondLst>
+                                  <p:childTnLst>
+                                    <p:set>
+                                      <p:cBhvr>
+                                        <p:cTn id="22" dur="1" fill="hold">
+                                          <p:stCondLst>
+                                            <p:cond delay="0"/>
+                                          </p:stCondLst>
+                                        </p:cTn>
+                                        <p:tgtEl>
+                                          <p:spTgt spid="9">
+                                            <p:txEl>
+                                              <p:pRg st="2" end="2"/>
+                                            </p:txEl>
+                                          </p:spTgt>
+                                        </p:tgtEl>
+                                        <p:attrNameLst>
+                                          <p:attrName>style.visibility</p:attrName>
+                                        </p:attrNameLst>
+                                      </p:cBhvr>
+                                      <p:to>
+                                        <p:strVal val="visible"/>
+                                      </p:to>
+                                    </p:set>
+                                  </p:childTnLst>
+                                </p:cTn>
+                              </p:par>
+                            </p:childTnLst>
+                          </p:cTn>
+                        </p:par>
+                      </p:childTnLst>
+                    </p:cTn>
+                  </p:par>
+                  <p:par>
+                    <p:cTn id="23" fill="hold">
+                      <p:stCondLst>
+                        <p:cond delay="indefinite"/>
+                      </p:stCondLst>
+                      <p:childTnLst>
+                        <p:par>
+                          <p:cTn id="24" fill="hold">
+                            <p:stCondLst>
+                              <p:cond delay="0"/>
+                            </p:stCondLst>
+                            <p:childTnLst>
+                              <p:par>
+                                <p:cTn id="25" presetID="1" presetClass="entr" presetSubtype="0" fill="hold" grpId="0" nodeType="clickEffect">
+                                  <p:stCondLst>
+                                    <p:cond delay="0"/>
+                                  </p:stCondLst>
+                                  <p:childTnLst>
+                                    <p:set>
+                                      <p:cBhvr>
+                                        <p:cTn id="26" dur="1" fill="hold">
+                                          <p:stCondLst>
+                                            <p:cond delay="0"/>
+                                          </p:stCondLst>
+                                        </p:cTn>
+                                        <p:tgtEl>
+                                          <p:spTgt spid="7">
+                                            <p:txEl>
+                                              <p:pRg st="2" end="2"/>
+                                            </p:txEl>
+                                          </p:spTgt>
+                                        </p:tgtEl>
+                                        <p:attrNameLst>
+                                          <p:attrName>style.visibility</p:attrName>
+                                        </p:attrNameLst>
+                                      </p:cBhvr>
+                                      <p:to>
+                                        <p:strVal val="visible"/>
+                                      </p:to>
+                                    </p:set>
+                                  </p:childTnLst>
+                                </p:cTn>
+                              </p:par>
+                            </p:childTnLst>
+                          </p:cTn>
+                        </p:par>
+                      </p:childTnLst>
+                    </p:cTn>
+                  </p:par>
+                </p:childTnLst>
+              </p:cTn>
+              <p:prevCondLst>
+                <p:cond evt="onPrev" delay="0">
+                  <p:tgtEl>
+                    <p:sldTgt/>
+                  </p:tgtEl>
+                </p:cond>
+              </p:prevCondLst>
+              <p:nextCondLst>
+                <p:cond evt="onNext" delay="0">
+                  <p:tgtEl>
+                    <p:sldTgt/>
+                  </p:tgtEl>
+                </p:cond>
+              </p:nextCondLst>
+            </p:seq>
+          </p:childTnLst>
+        </p:cTn>
+      </p:par>
+    </p:tnLst>
+    <p:bldLst>
+      <p:bldP spid="7" grpId="0" uiExpand="1" build="p"/>
+      <p:bldP spid="9" grpId="0" uiExpand="1" build="p"/>
+    </p:bldLst>
+  </p:timing>
+</p:sld>
+</file>
+
+<file path=ppt/slides/slide38.xml><?xml version="1.0" encoding="utf-8"?>
 <p:sld xmlns:a="http://schemas.openxmlformats.org/drawingml/2006/main" xmlns:r="http://schemas.openxmlformats.org/officeDocument/2006/relationships" xmlns:p="http://schemas.openxmlformats.org/presentationml/2006/main">
   <p:cSld>
     <p:spTree>
@@ -26165,7 +29456,7 @@
 </p:sld>
 </file>
 
-<file path=ppt/slides/slide34.xml><?xml version="1.0" encoding="utf-8"?>
+<file path=ppt/slides/slide39.xml><?xml version="1.0" encoding="utf-8"?>
 <p:sld xmlns:a="http://schemas.openxmlformats.org/drawingml/2006/main" xmlns:r="http://schemas.openxmlformats.org/officeDocument/2006/relationships" xmlns:p="http://schemas.openxmlformats.org/presentationml/2006/main">
   <p:cSld>
     <p:spTree>
@@ -26935,7 +30226,97 @@
 </p:sld>
 </file>
 
-<file path=ppt/slides/slide35.xml><?xml version="1.0" encoding="utf-8"?>
+<file path=ppt/slides/slide4.xml><?xml version="1.0" encoding="utf-8"?>
+<p:sld xmlns:a="http://schemas.openxmlformats.org/drawingml/2006/main" xmlns:r="http://schemas.openxmlformats.org/officeDocument/2006/relationships" xmlns:p="http://schemas.openxmlformats.org/presentationml/2006/main">
+  <p:cSld>
+    <p:spTree>
+      <p:nvGrpSpPr>
+        <p:cNvPr id="1" name=""/>
+        <p:cNvGrpSpPr/>
+        <p:nvPr/>
+      </p:nvGrpSpPr>
+      <p:grpSpPr>
+        <a:xfrm>
+          <a:off x="0" y="0"/>
+          <a:ext cx="0" cy="0"/>
+          <a:chOff x="0" y="0"/>
+          <a:chExt cx="0" cy="0"/>
+        </a:xfrm>
+      </p:grpSpPr>
+      <p:sp>
+        <p:nvSpPr>
+          <p:cNvPr id="2" name="Title 1">
+            <a:extLst>
+              <a:ext uri="{FF2B5EF4-FFF2-40B4-BE49-F238E27FC236}">
+                <a16:creationId xmlns:a16="http://schemas.microsoft.com/office/drawing/2014/main" id="{68E8FA3D-550C-4DEA-BBC0-3AE66DBD0E6F}"/>
+              </a:ext>
+            </a:extLst>
+          </p:cNvPr>
+          <p:cNvSpPr>
+            <a:spLocks noGrp="1"/>
+          </p:cNvSpPr>
+          <p:nvPr>
+            <p:ph type="title"/>
+          </p:nvPr>
+        </p:nvSpPr>
+        <p:spPr/>
+        <p:txBody>
+          <a:bodyPr/>
+          <a:lstStyle/>
+          <a:p>
+            <a:r>
+              <a:rPr lang="ru-RU" dirty="0"/>
+              <a:t>График возможностей </a:t>
+            </a:r>
+            <a:r>
+              <a:rPr lang="en-US" dirty="0"/>
+              <a:t>C#</a:t>
+            </a:r>
+          </a:p>
+        </p:txBody>
+      </p:sp>
+      <p:sp>
+        <p:nvSpPr>
+          <p:cNvPr id="3" name="Content Placeholder 2">
+            <a:extLst>
+              <a:ext uri="{FF2B5EF4-FFF2-40B4-BE49-F238E27FC236}">
+                <a16:creationId xmlns:a16="http://schemas.microsoft.com/office/drawing/2014/main" id="{BA7C6999-C21A-426A-8CE9-D0076B0D154D}"/>
+              </a:ext>
+            </a:extLst>
+          </p:cNvPr>
+          <p:cNvSpPr>
+            <a:spLocks noGrp="1"/>
+          </p:cNvSpPr>
+          <p:nvPr>
+            <p:ph idx="1"/>
+          </p:nvPr>
+        </p:nvSpPr>
+        <p:spPr/>
+        <p:txBody>
+          <a:bodyPr/>
+          <a:lstStyle/>
+          <a:p>
+            <a:r>
+              <a:rPr lang="en-US" dirty="0"/>
+              <a:t>TODO</a:t>
+            </a:r>
+          </a:p>
+        </p:txBody>
+      </p:sp>
+    </p:spTree>
+    <p:extLst>
+      <p:ext uri="{BB962C8B-B14F-4D97-AF65-F5344CB8AC3E}">
+        <p14:creationId xmlns:p14="http://schemas.microsoft.com/office/powerpoint/2010/main" val="3189784037"/>
+      </p:ext>
+    </p:extLst>
+  </p:cSld>
+  <p:clrMapOvr>
+    <a:masterClrMapping/>
+  </p:clrMapOvr>
+</p:sld>
+</file>
+
+<file path=ppt/slides/slide40.xml><?xml version="1.0" encoding="utf-8"?>
 <p:sld xmlns:a="http://schemas.openxmlformats.org/drawingml/2006/main" xmlns:r="http://schemas.openxmlformats.org/officeDocument/2006/relationships" xmlns:p="http://schemas.openxmlformats.org/presentationml/2006/main">
   <p:cSld>
     <p:spTree>
@@ -28229,7 +31610,7 @@
 </p:sld>
 </file>
 
-<file path=ppt/slides/slide36.xml><?xml version="1.0" encoding="utf-8"?>
+<file path=ppt/slides/slide41.xml><?xml version="1.0" encoding="utf-8"?>
 <p:sld xmlns:a="http://schemas.openxmlformats.org/drawingml/2006/main" xmlns:r="http://schemas.openxmlformats.org/officeDocument/2006/relationships" xmlns:p="http://schemas.openxmlformats.org/presentationml/2006/main">
   <p:cSld>
     <p:spTree>
@@ -30119,7 +33500,7 @@
 </p:sld>
 </file>
 
-<file path=ppt/slides/slide37.xml><?xml version="1.0" encoding="utf-8"?>
+<file path=ppt/slides/slide42.xml><?xml version="1.0" encoding="utf-8"?>
 <p:sld xmlns:a="http://schemas.openxmlformats.org/drawingml/2006/main" xmlns:r="http://schemas.openxmlformats.org/officeDocument/2006/relationships" xmlns:p="http://schemas.openxmlformats.org/presentationml/2006/main">
   <p:cSld>
     <p:spTree>
@@ -31532,7 +34913,7 @@
 </p:sld>
 </file>
 
-<file path=ppt/slides/slide38.xml><?xml version="1.0" encoding="utf-8"?>
+<file path=ppt/slides/slide43.xml><?xml version="1.0" encoding="utf-8"?>
 <p:sld xmlns:a="http://schemas.openxmlformats.org/drawingml/2006/main" xmlns:r="http://schemas.openxmlformats.org/officeDocument/2006/relationships" xmlns:p="http://schemas.openxmlformats.org/presentationml/2006/main">
   <p:cSld>
     <p:spTree>
@@ -31571,10 +34952,10 @@
           <a:lstStyle/>
           <a:p>
             <a:r>
-              <a:rPr lang="ru-RU" b="1" dirty="0"/>
+              <a:rPr lang="ru-RU" dirty="0"/>
               <a:t>Парочка деталей: тернарный оператор</a:t>
             </a:r>
-            <a:endParaRPr lang="en-US" b="1" dirty="0"/>
+            <a:endParaRPr lang="en-US" dirty="0"/>
           </a:p>
         </p:txBody>
       </p:sp>
@@ -32013,7 +35394,7 @@
 </p:sld>
 </file>
 
-<file path=ppt/slides/slide39.xml><?xml version="1.0" encoding="utf-8"?>
+<file path=ppt/slides/slide44.xml><?xml version="1.0" encoding="utf-8"?>
 <p:sld xmlns:a="http://schemas.openxmlformats.org/drawingml/2006/main" xmlns:r="http://schemas.openxmlformats.org/officeDocument/2006/relationships" xmlns:p="http://schemas.openxmlformats.org/presentationml/2006/main">
   <p:cSld>
     <p:spTree>
@@ -32052,7 +35433,7 @@
           <a:lstStyle/>
           <a:p>
             <a:r>
-              <a:rPr lang="ru-RU" b="1" dirty="0"/>
+              <a:rPr lang="ru-RU" dirty="0"/>
               <a:t>Парочка деталей: тернарный оператор</a:t>
             </a:r>
             <a:endParaRPr lang="en-US" dirty="0"/>
@@ -32104,97 +35485,7 @@
 </p:sld>
 </file>
 
-<file path=ppt/slides/slide4.xml><?xml version="1.0" encoding="utf-8"?>
-<p:sld xmlns:a="http://schemas.openxmlformats.org/drawingml/2006/main" xmlns:r="http://schemas.openxmlformats.org/officeDocument/2006/relationships" xmlns:p="http://schemas.openxmlformats.org/presentationml/2006/main">
-  <p:cSld>
-    <p:spTree>
-      <p:nvGrpSpPr>
-        <p:cNvPr id="1" name=""/>
-        <p:cNvGrpSpPr/>
-        <p:nvPr/>
-      </p:nvGrpSpPr>
-      <p:grpSpPr>
-        <a:xfrm>
-          <a:off x="0" y="0"/>
-          <a:ext cx="0" cy="0"/>
-          <a:chOff x="0" y="0"/>
-          <a:chExt cx="0" cy="0"/>
-        </a:xfrm>
-      </p:grpSpPr>
-      <p:sp>
-        <p:nvSpPr>
-          <p:cNvPr id="2" name="Title 1">
-            <a:extLst>
-              <a:ext uri="{FF2B5EF4-FFF2-40B4-BE49-F238E27FC236}">
-                <a16:creationId xmlns:a16="http://schemas.microsoft.com/office/drawing/2014/main" id="{68E8FA3D-550C-4DEA-BBC0-3AE66DBD0E6F}"/>
-              </a:ext>
-            </a:extLst>
-          </p:cNvPr>
-          <p:cNvSpPr>
-            <a:spLocks noGrp="1"/>
-          </p:cNvSpPr>
-          <p:nvPr>
-            <p:ph type="title"/>
-          </p:nvPr>
-        </p:nvSpPr>
-        <p:spPr/>
-        <p:txBody>
-          <a:bodyPr/>
-          <a:lstStyle/>
-          <a:p>
-            <a:r>
-              <a:rPr lang="ru-RU" dirty="0"/>
-              <a:t>График возможностей </a:t>
-            </a:r>
-            <a:r>
-              <a:rPr lang="en-US" dirty="0"/>
-              <a:t>C#</a:t>
-            </a:r>
-          </a:p>
-        </p:txBody>
-      </p:sp>
-      <p:sp>
-        <p:nvSpPr>
-          <p:cNvPr id="3" name="Content Placeholder 2">
-            <a:extLst>
-              <a:ext uri="{FF2B5EF4-FFF2-40B4-BE49-F238E27FC236}">
-                <a16:creationId xmlns:a16="http://schemas.microsoft.com/office/drawing/2014/main" id="{BA7C6999-C21A-426A-8CE9-D0076B0D154D}"/>
-              </a:ext>
-            </a:extLst>
-          </p:cNvPr>
-          <p:cNvSpPr>
-            <a:spLocks noGrp="1"/>
-          </p:cNvSpPr>
-          <p:nvPr>
-            <p:ph idx="1"/>
-          </p:nvPr>
-        </p:nvSpPr>
-        <p:spPr/>
-        <p:txBody>
-          <a:bodyPr/>
-          <a:lstStyle/>
-          <a:p>
-            <a:r>
-              <a:rPr lang="en-US" dirty="0"/>
-              <a:t>TODO</a:t>
-            </a:r>
-          </a:p>
-        </p:txBody>
-      </p:sp>
-    </p:spTree>
-    <p:extLst>
-      <p:ext uri="{BB962C8B-B14F-4D97-AF65-F5344CB8AC3E}">
-        <p14:creationId xmlns:p14="http://schemas.microsoft.com/office/powerpoint/2010/main" val="3189784037"/>
-      </p:ext>
-    </p:extLst>
-  </p:cSld>
-  <p:clrMapOvr>
-    <a:masterClrMapping/>
-  </p:clrMapOvr>
-</p:sld>
-</file>
-
-<file path=ppt/slides/slide40.xml><?xml version="1.0" encoding="utf-8"?>
+<file path=ppt/slides/slide45.xml><?xml version="1.0" encoding="utf-8"?>
 <p:sld xmlns:a="http://schemas.openxmlformats.org/drawingml/2006/main" xmlns:r="http://schemas.openxmlformats.org/officeDocument/2006/relationships" xmlns:p="http://schemas.openxmlformats.org/presentationml/2006/main">
   <p:cSld>
     <p:spTree>
@@ -32233,7 +35524,7 @@
           <a:lstStyle/>
           <a:p>
             <a:r>
-              <a:rPr lang="ru-RU" b="1" dirty="0"/>
+              <a:rPr lang="ru-RU" dirty="0"/>
               <a:t>Парочка деталей: инициализатор свойств</a:t>
             </a:r>
             <a:endParaRPr lang="en-US" dirty="0"/>
@@ -32762,7 +36053,7 @@
 </p:sld>
 </file>
 
-<file path=ppt/slides/slide41.xml><?xml version="1.0" encoding="utf-8"?>
+<file path=ppt/slides/slide46.xml><?xml version="1.0" encoding="utf-8"?>
 <p:sld xmlns:a="http://schemas.openxmlformats.org/drawingml/2006/main" xmlns:r="http://schemas.openxmlformats.org/officeDocument/2006/relationships" xmlns:p="http://schemas.openxmlformats.org/presentationml/2006/main">
   <p:cSld>
     <p:spTree>
@@ -32801,7 +36092,7 @@
           <a:lstStyle/>
           <a:p>
             <a:r>
-              <a:rPr lang="ru-RU" b="1" dirty="0"/>
+              <a:rPr lang="ru-RU" dirty="0"/>
               <a:t>Парочка деталей: структуры</a:t>
             </a:r>
             <a:endParaRPr lang="en-US" dirty="0"/>
@@ -33251,7 +36542,7 @@
 </p:sld>
 </file>
 
-<file path=ppt/slides/slide42.xml><?xml version="1.0" encoding="utf-8"?>
+<file path=ppt/slides/slide47.xml><?xml version="1.0" encoding="utf-8"?>
 <p:sld xmlns:a="http://schemas.openxmlformats.org/drawingml/2006/main" xmlns:r="http://schemas.openxmlformats.org/officeDocument/2006/relationships" xmlns:p="http://schemas.openxmlformats.org/presentationml/2006/main">
   <p:cSld>
     <p:spTree>
@@ -33290,7 +36581,7 @@
           <a:lstStyle/>
           <a:p>
             <a:r>
-              <a:rPr lang="ru-RU" b="1" dirty="0"/>
+              <a:rPr lang="ru-RU" dirty="0"/>
               <a:t>Парочка деталей: структуры</a:t>
             </a:r>
             <a:endParaRPr lang="en-US" dirty="0"/>
@@ -33859,7 +37150,7 @@
 </p:sld>
 </file>
 
-<file path=ppt/slides/slide43.xml><?xml version="1.0" encoding="utf-8"?>
+<file path=ppt/slides/slide48.xml><?xml version="1.0" encoding="utf-8"?>
 <p:sld xmlns:a="http://schemas.openxmlformats.org/drawingml/2006/main" xmlns:r="http://schemas.openxmlformats.org/officeDocument/2006/relationships" xmlns:p="http://schemas.openxmlformats.org/presentationml/2006/main">
   <p:cSld>
     <p:spTree>
@@ -35275,90 +38566,7 @@
 </p:sld>
 </file>
 
-<file path=ppt/slides/slide44.xml><?xml version="1.0" encoding="utf-8"?>
-<p:sld xmlns:a="http://schemas.openxmlformats.org/drawingml/2006/main" xmlns:r="http://schemas.openxmlformats.org/officeDocument/2006/relationships" xmlns:p="http://schemas.openxmlformats.org/presentationml/2006/main">
-  <p:cSld>
-    <p:spTree>
-      <p:nvGrpSpPr>
-        <p:cNvPr id="1" name=""/>
-        <p:cNvGrpSpPr/>
-        <p:nvPr/>
-      </p:nvGrpSpPr>
-      <p:grpSpPr>
-        <a:xfrm>
-          <a:off x="0" y="0"/>
-          <a:ext cx="0" cy="0"/>
-          <a:chOff x="0" y="0"/>
-          <a:chExt cx="0" cy="0"/>
-        </a:xfrm>
-      </p:grpSpPr>
-      <p:sp>
-        <p:nvSpPr>
-          <p:cNvPr id="2" name="Title 1">
-            <a:extLst>
-              <a:ext uri="{FF2B5EF4-FFF2-40B4-BE49-F238E27FC236}">
-                <a16:creationId xmlns:a16="http://schemas.microsoft.com/office/drawing/2014/main" id="{789AF201-0ECE-47B2-A520-58DE680195BC}"/>
-              </a:ext>
-            </a:extLst>
-          </p:cNvPr>
-          <p:cNvSpPr>
-            <a:spLocks noGrp="1"/>
-          </p:cNvSpPr>
-          <p:nvPr>
-            <p:ph type="title"/>
-          </p:nvPr>
-        </p:nvSpPr>
-        <p:spPr/>
-        <p:txBody>
-          <a:bodyPr/>
-          <a:lstStyle/>
-          <a:p>
-            <a:r>
-              <a:rPr lang="en-US" dirty="0"/>
-              <a:t>Pattern-based using</a:t>
-            </a:r>
-          </a:p>
-        </p:txBody>
-      </p:sp>
-      <p:sp>
-        <p:nvSpPr>
-          <p:cNvPr id="3" name="Content Placeholder 2">
-            <a:extLst>
-              <a:ext uri="{FF2B5EF4-FFF2-40B4-BE49-F238E27FC236}">
-                <a16:creationId xmlns:a16="http://schemas.microsoft.com/office/drawing/2014/main" id="{1A39FFEE-5BCC-4892-ADD1-21DFEC1F530D}"/>
-              </a:ext>
-            </a:extLst>
-          </p:cNvPr>
-          <p:cNvSpPr>
-            <a:spLocks noGrp="1"/>
-          </p:cNvSpPr>
-          <p:nvPr>
-            <p:ph idx="1"/>
-          </p:nvPr>
-        </p:nvSpPr>
-        <p:spPr/>
-        <p:txBody>
-          <a:bodyPr/>
-          <a:lstStyle/>
-          <a:p>
-            <a:endParaRPr lang="en-US"/>
-          </a:p>
-        </p:txBody>
-      </p:sp>
-    </p:spTree>
-    <p:extLst>
-      <p:ext uri="{BB962C8B-B14F-4D97-AF65-F5344CB8AC3E}">
-        <p14:creationId xmlns:p14="http://schemas.microsoft.com/office/powerpoint/2010/main" val="901626337"/>
-      </p:ext>
-    </p:extLst>
-  </p:cSld>
-  <p:clrMapOvr>
-    <a:masterClrMapping/>
-  </p:clrMapOvr>
-</p:sld>
-</file>
-
-<file path=ppt/slides/slide45.xml><?xml version="1.0" encoding="utf-8"?>
+<file path=ppt/slides/slide49.xml><?xml version="1.0" encoding="utf-8"?>
 <p:sld xmlns:a="http://schemas.openxmlformats.org/drawingml/2006/main" xmlns:r="http://schemas.openxmlformats.org/officeDocument/2006/relationships" xmlns:p="http://schemas.openxmlformats.org/presentationml/2006/main">
   <p:cSld>
     <p:spTree>
@@ -35424,7 +38632,7 @@
           <a:bodyPr/>
           <a:lstStyle/>
           <a:p>
-            <a:endParaRPr lang="en-US"/>
+            <a:endParaRPr lang="en-US" dirty="0"/>
           </a:p>
         </p:txBody>
       </p:sp>
@@ -35432,320 +38640,6 @@
     <p:extLst>
       <p:ext uri="{BB962C8B-B14F-4D97-AF65-F5344CB8AC3E}">
         <p14:creationId xmlns:p14="http://schemas.microsoft.com/office/powerpoint/2010/main" val="2386966930"/>
-      </p:ext>
-    </p:extLst>
-  </p:cSld>
-  <p:clrMapOvr>
-    <a:masterClrMapping/>
-  </p:clrMapOvr>
-</p:sld>
-</file>
-
-<file path=ppt/slides/slide46.xml><?xml version="1.0" encoding="utf-8"?>
-<p:sld xmlns:a="http://schemas.openxmlformats.org/drawingml/2006/main" xmlns:r="http://schemas.openxmlformats.org/officeDocument/2006/relationships" xmlns:p="http://schemas.openxmlformats.org/presentationml/2006/main">
-  <p:cSld>
-    <p:spTree>
-      <p:nvGrpSpPr>
-        <p:cNvPr id="1" name=""/>
-        <p:cNvGrpSpPr/>
-        <p:nvPr/>
-      </p:nvGrpSpPr>
-      <p:grpSpPr>
-        <a:xfrm>
-          <a:off x="0" y="0"/>
-          <a:ext cx="0" cy="0"/>
-          <a:chOff x="0" y="0"/>
-          <a:chExt cx="0" cy="0"/>
-        </a:xfrm>
-      </p:grpSpPr>
-      <p:sp>
-        <p:nvSpPr>
-          <p:cNvPr id="2" name="Title 1">
-            <a:extLst>
-              <a:ext uri="{FF2B5EF4-FFF2-40B4-BE49-F238E27FC236}">
-                <a16:creationId xmlns:a16="http://schemas.microsoft.com/office/drawing/2014/main" id="{557FEEBB-F8C0-4623-B02C-8F757E601E4F}"/>
-              </a:ext>
-            </a:extLst>
-          </p:cNvPr>
-          <p:cNvSpPr>
-            <a:spLocks noGrp="1"/>
-          </p:cNvSpPr>
-          <p:nvPr>
-            <p:ph type="title"/>
-          </p:nvPr>
-        </p:nvSpPr>
-        <p:spPr/>
-        <p:txBody>
-          <a:bodyPr/>
-          <a:lstStyle/>
-          <a:p>
-            <a:endParaRPr lang="en-US" dirty="0"/>
-          </a:p>
-        </p:txBody>
-      </p:sp>
-      <p:sp>
-        <p:nvSpPr>
-          <p:cNvPr id="3" name="Content Placeholder 2">
-            <a:extLst>
-              <a:ext uri="{FF2B5EF4-FFF2-40B4-BE49-F238E27FC236}">
-                <a16:creationId xmlns:a16="http://schemas.microsoft.com/office/drawing/2014/main" id="{04AB5BC9-B7F6-4F4D-9DC4-DF554DC62B42}"/>
-              </a:ext>
-            </a:extLst>
-          </p:cNvPr>
-          <p:cNvSpPr>
-            <a:spLocks noGrp="1"/>
-          </p:cNvSpPr>
-          <p:nvPr>
-            <p:ph idx="1"/>
-          </p:nvPr>
-        </p:nvSpPr>
-        <p:spPr/>
-        <p:txBody>
-          <a:bodyPr/>
-          <a:lstStyle/>
-          <a:p>
-            <a:endParaRPr lang="en-US"/>
-          </a:p>
-        </p:txBody>
-      </p:sp>
-    </p:spTree>
-    <p:extLst>
-      <p:ext uri="{BB962C8B-B14F-4D97-AF65-F5344CB8AC3E}">
-        <p14:creationId xmlns:p14="http://schemas.microsoft.com/office/powerpoint/2010/main" val="2857843968"/>
-      </p:ext>
-    </p:extLst>
-  </p:cSld>
-  <p:clrMapOvr>
-    <a:masterClrMapping/>
-  </p:clrMapOvr>
-</p:sld>
-</file>
-
-<file path=ppt/slides/slide47.xml><?xml version="1.0" encoding="utf-8"?>
-<p:sld xmlns:a="http://schemas.openxmlformats.org/drawingml/2006/main" xmlns:r="http://schemas.openxmlformats.org/officeDocument/2006/relationships" xmlns:p="http://schemas.openxmlformats.org/presentationml/2006/main">
-  <p:cSld>
-    <p:spTree>
-      <p:nvGrpSpPr>
-        <p:cNvPr id="1" name=""/>
-        <p:cNvGrpSpPr/>
-        <p:nvPr/>
-      </p:nvGrpSpPr>
-      <p:grpSpPr>
-        <a:xfrm>
-          <a:off x="0" y="0"/>
-          <a:ext cx="0" cy="0"/>
-          <a:chOff x="0" y="0"/>
-          <a:chExt cx="0" cy="0"/>
-        </a:xfrm>
-      </p:grpSpPr>
-      <p:sp>
-        <p:nvSpPr>
-          <p:cNvPr id="2" name="Title 1">
-            <a:extLst>
-              <a:ext uri="{FF2B5EF4-FFF2-40B4-BE49-F238E27FC236}">
-                <a16:creationId xmlns:a16="http://schemas.microsoft.com/office/drawing/2014/main" id="{56CB194A-C368-4A86-9549-3909A9A0A70C}"/>
-              </a:ext>
-            </a:extLst>
-          </p:cNvPr>
-          <p:cNvSpPr>
-            <a:spLocks noGrp="1"/>
-          </p:cNvSpPr>
-          <p:nvPr>
-            <p:ph type="title"/>
-          </p:nvPr>
-        </p:nvSpPr>
-        <p:spPr/>
-        <p:txBody>
-          <a:bodyPr/>
-          <a:lstStyle/>
-          <a:p>
-            <a:r>
-              <a:rPr lang="ru-RU" dirty="0"/>
-              <a:t>Материалы</a:t>
-            </a:r>
-            <a:endParaRPr lang="en-US" dirty="0"/>
-          </a:p>
-        </p:txBody>
-      </p:sp>
-      <p:sp>
-        <p:nvSpPr>
-          <p:cNvPr id="3" name="Content Placeholder 2">
-            <a:extLst>
-              <a:ext uri="{FF2B5EF4-FFF2-40B4-BE49-F238E27FC236}">
-                <a16:creationId xmlns:a16="http://schemas.microsoft.com/office/drawing/2014/main" id="{F443B2FC-735D-4C24-9480-4F236FCD534A}"/>
-              </a:ext>
-            </a:extLst>
-          </p:cNvPr>
-          <p:cNvSpPr>
-            <a:spLocks noGrp="1"/>
-          </p:cNvSpPr>
-          <p:nvPr>
-            <p:ph idx="1"/>
-          </p:nvPr>
-        </p:nvSpPr>
-        <p:spPr/>
-        <p:txBody>
-          <a:bodyPr/>
-          <a:lstStyle/>
-          <a:p>
-            <a:r>
-              <a:rPr lang="en-US" dirty="0">
-                <a:hlinkClick r:id="rId2"/>
-              </a:rPr>
-              <a:t>www.infoq.com/articles/cs8-ranges-and-recursive-patterns</a:t>
-            </a:r>
-            <a:endParaRPr lang="ru-RU" dirty="0"/>
-          </a:p>
-          <a:p>
-            <a:pPr marL="0" indent="0">
-              <a:buNone/>
-            </a:pPr>
-            <a:endParaRPr lang="en-US" dirty="0"/>
-          </a:p>
-        </p:txBody>
-      </p:sp>
-    </p:spTree>
-    <p:extLst>
-      <p:ext uri="{BB962C8B-B14F-4D97-AF65-F5344CB8AC3E}">
-        <p14:creationId xmlns:p14="http://schemas.microsoft.com/office/powerpoint/2010/main" val="3122129495"/>
-      </p:ext>
-    </p:extLst>
-  </p:cSld>
-  <p:clrMapOvr>
-    <a:masterClrMapping/>
-  </p:clrMapOvr>
-</p:sld>
-</file>
-
-<file path=ppt/slides/slide48.xml><?xml version="1.0" encoding="utf-8"?>
-<p:sld xmlns:a="http://schemas.openxmlformats.org/drawingml/2006/main" xmlns:r="http://schemas.openxmlformats.org/officeDocument/2006/relationships" xmlns:p="http://schemas.openxmlformats.org/presentationml/2006/main">
-  <p:cSld>
-    <p:spTree>
-      <p:nvGrpSpPr>
-        <p:cNvPr id="1" name=""/>
-        <p:cNvGrpSpPr/>
-        <p:nvPr/>
-      </p:nvGrpSpPr>
-      <p:grpSpPr>
-        <a:xfrm>
-          <a:off x="0" y="0"/>
-          <a:ext cx="0" cy="0"/>
-          <a:chOff x="0" y="0"/>
-          <a:chExt cx="0" cy="0"/>
-        </a:xfrm>
-      </p:grpSpPr>
-      <p:sp>
-        <p:nvSpPr>
-          <p:cNvPr id="2" name="Title 1">
-            <a:extLst>
-              <a:ext uri="{FF2B5EF4-FFF2-40B4-BE49-F238E27FC236}">
-                <a16:creationId xmlns:a16="http://schemas.microsoft.com/office/drawing/2014/main" id="{9DD2D045-AECC-43D4-B784-280622FD1A8B}"/>
-              </a:ext>
-            </a:extLst>
-          </p:cNvPr>
-          <p:cNvSpPr>
-            <a:spLocks noGrp="1"/>
-          </p:cNvSpPr>
-          <p:nvPr>
-            <p:ph type="title"/>
-          </p:nvPr>
-        </p:nvSpPr>
-        <p:spPr/>
-        <p:txBody>
-          <a:bodyPr/>
-          <a:lstStyle/>
-          <a:p>
-            <a:r>
-              <a:rPr lang="ru-RU" dirty="0"/>
-              <a:t>Не вызывает вопросов</a:t>
-            </a:r>
-            <a:endParaRPr lang="en-US" dirty="0"/>
-          </a:p>
-        </p:txBody>
-      </p:sp>
-      <p:sp>
-        <p:nvSpPr>
-          <p:cNvPr id="3" name="Content Placeholder 2">
-            <a:extLst>
-              <a:ext uri="{FF2B5EF4-FFF2-40B4-BE49-F238E27FC236}">
-                <a16:creationId xmlns:a16="http://schemas.microsoft.com/office/drawing/2014/main" id="{674296AA-5621-4C1E-9B08-268FA1A3F36F}"/>
-              </a:ext>
-            </a:extLst>
-          </p:cNvPr>
-          <p:cNvSpPr>
-            <a:spLocks noGrp="1"/>
-          </p:cNvSpPr>
-          <p:nvPr>
-            <p:ph idx="1"/>
-          </p:nvPr>
-        </p:nvSpPr>
-        <p:spPr/>
-        <p:txBody>
-          <a:bodyPr>
-            <a:normAutofit/>
-          </a:bodyPr>
-          <a:lstStyle/>
-          <a:p>
-            <a:r>
-              <a:rPr lang="en-US" dirty="0"/>
-              <a:t>Async streams</a:t>
-            </a:r>
-          </a:p>
-          <a:p>
-            <a:r>
-              <a:rPr lang="en-US" dirty="0"/>
-              <a:t>Caller expression attribute</a:t>
-            </a:r>
-          </a:p>
-          <a:p>
-            <a:r>
-              <a:rPr lang="en-US" dirty="0"/>
-              <a:t>Generic attributes</a:t>
-            </a:r>
-          </a:p>
-          <a:p>
-            <a:r>
-              <a:rPr lang="en-US" dirty="0"/>
-              <a:t>Default in deconstruction</a:t>
-            </a:r>
-          </a:p>
-          <a:p>
-            <a:r>
-              <a:rPr lang="en-US" dirty="0"/>
-              <a:t>Relax ordering of ref and partial modifiers</a:t>
-            </a:r>
-          </a:p>
-          <a:p>
-            <a:r>
-              <a:rPr lang="en-US" dirty="0"/>
-              <a:t>Null Coalescing Assignment</a:t>
-            </a:r>
-          </a:p>
-          <a:p>
-            <a:r>
-              <a:rPr lang="en-US" dirty="0"/>
-              <a:t>Alternative interpolated verbatim strings</a:t>
-            </a:r>
-          </a:p>
-          <a:p>
-            <a:r>
-              <a:rPr lang="en-US" dirty="0" err="1"/>
-              <a:t>stackalloc</a:t>
-            </a:r>
-            <a:r>
-              <a:rPr lang="en-US" dirty="0"/>
-              <a:t> in nested contexts</a:t>
-            </a:r>
-          </a:p>
-          <a:p>
-            <a:endParaRPr lang="en-US" dirty="0"/>
-          </a:p>
-        </p:txBody>
-      </p:sp>
-    </p:spTree>
-    <p:extLst>
-      <p:ext uri="{BB962C8B-B14F-4D97-AF65-F5344CB8AC3E}">
-        <p14:creationId xmlns:p14="http://schemas.microsoft.com/office/powerpoint/2010/main" val="2709665860"/>
       </p:ext>
     </p:extLst>
   </p:cSld>
@@ -35879,6 +38773,320 @@
     <p:extLst>
       <p:ext uri="{BB962C8B-B14F-4D97-AF65-F5344CB8AC3E}">
         <p14:creationId xmlns:p14="http://schemas.microsoft.com/office/powerpoint/2010/main" val="416514531"/>
+      </p:ext>
+    </p:extLst>
+  </p:cSld>
+  <p:clrMapOvr>
+    <a:masterClrMapping/>
+  </p:clrMapOvr>
+</p:sld>
+</file>
+
+<file path=ppt/slides/slide50.xml><?xml version="1.0" encoding="utf-8"?>
+<p:sld xmlns:a="http://schemas.openxmlformats.org/drawingml/2006/main" xmlns:r="http://schemas.openxmlformats.org/officeDocument/2006/relationships" xmlns:p="http://schemas.openxmlformats.org/presentationml/2006/main">
+  <p:cSld>
+    <p:spTree>
+      <p:nvGrpSpPr>
+        <p:cNvPr id="1" name=""/>
+        <p:cNvGrpSpPr/>
+        <p:nvPr/>
+      </p:nvGrpSpPr>
+      <p:grpSpPr>
+        <a:xfrm>
+          <a:off x="0" y="0"/>
+          <a:ext cx="0" cy="0"/>
+          <a:chOff x="0" y="0"/>
+          <a:chExt cx="0" cy="0"/>
+        </a:xfrm>
+      </p:grpSpPr>
+      <p:sp>
+        <p:nvSpPr>
+          <p:cNvPr id="2" name="Title 1">
+            <a:extLst>
+              <a:ext uri="{FF2B5EF4-FFF2-40B4-BE49-F238E27FC236}">
+                <a16:creationId xmlns:a16="http://schemas.microsoft.com/office/drawing/2014/main" id="{557FEEBB-F8C0-4623-B02C-8F757E601E4F}"/>
+              </a:ext>
+            </a:extLst>
+          </p:cNvPr>
+          <p:cNvSpPr>
+            <a:spLocks noGrp="1"/>
+          </p:cNvSpPr>
+          <p:nvPr>
+            <p:ph type="title"/>
+          </p:nvPr>
+        </p:nvSpPr>
+        <p:spPr/>
+        <p:txBody>
+          <a:bodyPr/>
+          <a:lstStyle/>
+          <a:p>
+            <a:endParaRPr lang="en-US" dirty="0"/>
+          </a:p>
+        </p:txBody>
+      </p:sp>
+      <p:sp>
+        <p:nvSpPr>
+          <p:cNvPr id="3" name="Content Placeholder 2">
+            <a:extLst>
+              <a:ext uri="{FF2B5EF4-FFF2-40B4-BE49-F238E27FC236}">
+                <a16:creationId xmlns:a16="http://schemas.microsoft.com/office/drawing/2014/main" id="{04AB5BC9-B7F6-4F4D-9DC4-DF554DC62B42}"/>
+              </a:ext>
+            </a:extLst>
+          </p:cNvPr>
+          <p:cNvSpPr>
+            <a:spLocks noGrp="1"/>
+          </p:cNvSpPr>
+          <p:nvPr>
+            <p:ph idx="1"/>
+          </p:nvPr>
+        </p:nvSpPr>
+        <p:spPr/>
+        <p:txBody>
+          <a:bodyPr/>
+          <a:lstStyle/>
+          <a:p>
+            <a:endParaRPr lang="en-US"/>
+          </a:p>
+        </p:txBody>
+      </p:sp>
+    </p:spTree>
+    <p:extLst>
+      <p:ext uri="{BB962C8B-B14F-4D97-AF65-F5344CB8AC3E}">
+        <p14:creationId xmlns:p14="http://schemas.microsoft.com/office/powerpoint/2010/main" val="2857843968"/>
+      </p:ext>
+    </p:extLst>
+  </p:cSld>
+  <p:clrMapOvr>
+    <a:masterClrMapping/>
+  </p:clrMapOvr>
+</p:sld>
+</file>
+
+<file path=ppt/slides/slide51.xml><?xml version="1.0" encoding="utf-8"?>
+<p:sld xmlns:a="http://schemas.openxmlformats.org/drawingml/2006/main" xmlns:r="http://schemas.openxmlformats.org/officeDocument/2006/relationships" xmlns:p="http://schemas.openxmlformats.org/presentationml/2006/main">
+  <p:cSld>
+    <p:spTree>
+      <p:nvGrpSpPr>
+        <p:cNvPr id="1" name=""/>
+        <p:cNvGrpSpPr/>
+        <p:nvPr/>
+      </p:nvGrpSpPr>
+      <p:grpSpPr>
+        <a:xfrm>
+          <a:off x="0" y="0"/>
+          <a:ext cx="0" cy="0"/>
+          <a:chOff x="0" y="0"/>
+          <a:chExt cx="0" cy="0"/>
+        </a:xfrm>
+      </p:grpSpPr>
+      <p:sp>
+        <p:nvSpPr>
+          <p:cNvPr id="2" name="Title 1">
+            <a:extLst>
+              <a:ext uri="{FF2B5EF4-FFF2-40B4-BE49-F238E27FC236}">
+                <a16:creationId xmlns:a16="http://schemas.microsoft.com/office/drawing/2014/main" id="{56CB194A-C368-4A86-9549-3909A9A0A70C}"/>
+              </a:ext>
+            </a:extLst>
+          </p:cNvPr>
+          <p:cNvSpPr>
+            <a:spLocks noGrp="1"/>
+          </p:cNvSpPr>
+          <p:nvPr>
+            <p:ph type="title"/>
+          </p:nvPr>
+        </p:nvSpPr>
+        <p:spPr/>
+        <p:txBody>
+          <a:bodyPr/>
+          <a:lstStyle/>
+          <a:p>
+            <a:r>
+              <a:rPr lang="ru-RU" dirty="0"/>
+              <a:t>Материалы</a:t>
+            </a:r>
+            <a:endParaRPr lang="en-US" dirty="0"/>
+          </a:p>
+        </p:txBody>
+      </p:sp>
+      <p:sp>
+        <p:nvSpPr>
+          <p:cNvPr id="3" name="Content Placeholder 2">
+            <a:extLst>
+              <a:ext uri="{FF2B5EF4-FFF2-40B4-BE49-F238E27FC236}">
+                <a16:creationId xmlns:a16="http://schemas.microsoft.com/office/drawing/2014/main" id="{F443B2FC-735D-4C24-9480-4F236FCD534A}"/>
+              </a:ext>
+            </a:extLst>
+          </p:cNvPr>
+          <p:cNvSpPr>
+            <a:spLocks noGrp="1"/>
+          </p:cNvSpPr>
+          <p:nvPr>
+            <p:ph idx="1"/>
+          </p:nvPr>
+        </p:nvSpPr>
+        <p:spPr/>
+        <p:txBody>
+          <a:bodyPr/>
+          <a:lstStyle/>
+          <a:p>
+            <a:r>
+              <a:rPr lang="en-US" dirty="0">
+                <a:hlinkClick r:id="rId2"/>
+              </a:rPr>
+              <a:t>www.infoq.com/articles/cs8-ranges-and-recursive-patterns</a:t>
+            </a:r>
+            <a:endParaRPr lang="ru-RU" dirty="0"/>
+          </a:p>
+          <a:p>
+            <a:pPr marL="0" indent="0">
+              <a:buNone/>
+            </a:pPr>
+            <a:endParaRPr lang="en-US" dirty="0"/>
+          </a:p>
+        </p:txBody>
+      </p:sp>
+    </p:spTree>
+    <p:extLst>
+      <p:ext uri="{BB962C8B-B14F-4D97-AF65-F5344CB8AC3E}">
+        <p14:creationId xmlns:p14="http://schemas.microsoft.com/office/powerpoint/2010/main" val="3122129495"/>
+      </p:ext>
+    </p:extLst>
+  </p:cSld>
+  <p:clrMapOvr>
+    <a:masterClrMapping/>
+  </p:clrMapOvr>
+</p:sld>
+</file>
+
+<file path=ppt/slides/slide52.xml><?xml version="1.0" encoding="utf-8"?>
+<p:sld xmlns:a="http://schemas.openxmlformats.org/drawingml/2006/main" xmlns:r="http://schemas.openxmlformats.org/officeDocument/2006/relationships" xmlns:p="http://schemas.openxmlformats.org/presentationml/2006/main">
+  <p:cSld>
+    <p:spTree>
+      <p:nvGrpSpPr>
+        <p:cNvPr id="1" name=""/>
+        <p:cNvGrpSpPr/>
+        <p:nvPr/>
+      </p:nvGrpSpPr>
+      <p:grpSpPr>
+        <a:xfrm>
+          <a:off x="0" y="0"/>
+          <a:ext cx="0" cy="0"/>
+          <a:chOff x="0" y="0"/>
+          <a:chExt cx="0" cy="0"/>
+        </a:xfrm>
+      </p:grpSpPr>
+      <p:sp>
+        <p:nvSpPr>
+          <p:cNvPr id="2" name="Title 1">
+            <a:extLst>
+              <a:ext uri="{FF2B5EF4-FFF2-40B4-BE49-F238E27FC236}">
+                <a16:creationId xmlns:a16="http://schemas.microsoft.com/office/drawing/2014/main" id="{9DD2D045-AECC-43D4-B784-280622FD1A8B}"/>
+              </a:ext>
+            </a:extLst>
+          </p:cNvPr>
+          <p:cNvSpPr>
+            <a:spLocks noGrp="1"/>
+          </p:cNvSpPr>
+          <p:nvPr>
+            <p:ph type="title"/>
+          </p:nvPr>
+        </p:nvSpPr>
+        <p:spPr/>
+        <p:txBody>
+          <a:bodyPr/>
+          <a:lstStyle/>
+          <a:p>
+            <a:r>
+              <a:rPr lang="ru-RU" dirty="0"/>
+              <a:t>Не вызывает вопросов</a:t>
+            </a:r>
+            <a:endParaRPr lang="en-US" dirty="0"/>
+          </a:p>
+        </p:txBody>
+      </p:sp>
+      <p:sp>
+        <p:nvSpPr>
+          <p:cNvPr id="3" name="Content Placeholder 2">
+            <a:extLst>
+              <a:ext uri="{FF2B5EF4-FFF2-40B4-BE49-F238E27FC236}">
+                <a16:creationId xmlns:a16="http://schemas.microsoft.com/office/drawing/2014/main" id="{674296AA-5621-4C1E-9B08-268FA1A3F36F}"/>
+              </a:ext>
+            </a:extLst>
+          </p:cNvPr>
+          <p:cNvSpPr>
+            <a:spLocks noGrp="1"/>
+          </p:cNvSpPr>
+          <p:nvPr>
+            <p:ph idx="1"/>
+          </p:nvPr>
+        </p:nvSpPr>
+        <p:spPr/>
+        <p:txBody>
+          <a:bodyPr>
+            <a:normAutofit/>
+          </a:bodyPr>
+          <a:lstStyle/>
+          <a:p>
+            <a:r>
+              <a:rPr lang="en-US" dirty="0"/>
+              <a:t>Async streams</a:t>
+            </a:r>
+          </a:p>
+          <a:p>
+            <a:r>
+              <a:rPr lang="en-US" dirty="0"/>
+              <a:t>Caller expression attribute</a:t>
+            </a:r>
+          </a:p>
+          <a:p>
+            <a:r>
+              <a:rPr lang="en-US" dirty="0"/>
+              <a:t>Generic attributes</a:t>
+            </a:r>
+          </a:p>
+          <a:p>
+            <a:r>
+              <a:rPr lang="en-US" dirty="0"/>
+              <a:t>Default in deconstruction</a:t>
+            </a:r>
+          </a:p>
+          <a:p>
+            <a:r>
+              <a:rPr lang="en-US" dirty="0"/>
+              <a:t>Relax ordering of ref and partial modifiers</a:t>
+            </a:r>
+          </a:p>
+          <a:p>
+            <a:r>
+              <a:rPr lang="en-US" dirty="0"/>
+              <a:t>Null Coalescing Assignment</a:t>
+            </a:r>
+          </a:p>
+          <a:p>
+            <a:r>
+              <a:rPr lang="en-US" dirty="0"/>
+              <a:t>Alternative interpolated verbatim strings</a:t>
+            </a:r>
+          </a:p>
+          <a:p>
+            <a:r>
+              <a:rPr lang="en-US" dirty="0" err="1"/>
+              <a:t>stackalloc</a:t>
+            </a:r>
+            <a:r>
+              <a:rPr lang="en-US" dirty="0"/>
+              <a:t> in nested contexts</a:t>
+            </a:r>
+          </a:p>
+          <a:p>
+            <a:endParaRPr lang="en-US" dirty="0"/>
+          </a:p>
+        </p:txBody>
+      </p:sp>
+    </p:spTree>
+    <p:extLst>
+      <p:ext uri="{BB962C8B-B14F-4D97-AF65-F5344CB8AC3E}">
+        <p14:creationId xmlns:p14="http://schemas.microsoft.com/office/powerpoint/2010/main" val="2709665860"/>
       </p:ext>
     </p:extLst>
   </p:cSld>
